--- a/JavaZaklady-skolenie.pptx
+++ b/JavaZaklady-skolenie.pptx
@@ -70,48 +70,59 @@
     <p:sldId id="499" r:id="rId64"/>
     <p:sldId id="500" r:id="rId65"/>
     <p:sldId id="501" r:id="rId66"/>
-    <p:sldId id="409" r:id="rId67"/>
-    <p:sldId id="464" r:id="rId68"/>
-    <p:sldId id="411" r:id="rId69"/>
-    <p:sldId id="412" r:id="rId70"/>
-    <p:sldId id="414" r:id="rId71"/>
-    <p:sldId id="413" r:id="rId72"/>
-    <p:sldId id="420" r:id="rId73"/>
-    <p:sldId id="421" r:id="rId74"/>
-    <p:sldId id="470" r:id="rId75"/>
-    <p:sldId id="262" r:id="rId76"/>
-    <p:sldId id="468" r:id="rId77"/>
-    <p:sldId id="469" r:id="rId78"/>
-    <p:sldId id="472" r:id="rId79"/>
-    <p:sldId id="473" r:id="rId80"/>
-    <p:sldId id="475" r:id="rId81"/>
-    <p:sldId id="476" r:id="rId82"/>
-    <p:sldId id="474" r:id="rId83"/>
-    <p:sldId id="477" r:id="rId84"/>
-    <p:sldId id="478" r:id="rId85"/>
-    <p:sldId id="481" r:id="rId86"/>
-    <p:sldId id="482" r:id="rId87"/>
-    <p:sldId id="480" r:id="rId88"/>
-    <p:sldId id="479" r:id="rId89"/>
-    <p:sldId id="483" r:id="rId90"/>
-    <p:sldId id="484" r:id="rId91"/>
-    <p:sldId id="485" r:id="rId92"/>
-    <p:sldId id="486" r:id="rId93"/>
-    <p:sldId id="489" r:id="rId94"/>
-    <p:sldId id="490" r:id="rId95"/>
-    <p:sldId id="491" r:id="rId96"/>
-    <p:sldId id="492" r:id="rId97"/>
-    <p:sldId id="495" r:id="rId98"/>
-    <p:sldId id="496" r:id="rId99"/>
-    <p:sldId id="493" r:id="rId100"/>
-    <p:sldId id="497" r:id="rId101"/>
-    <p:sldId id="498" r:id="rId102"/>
-    <p:sldId id="503" r:id="rId103"/>
-    <p:sldId id="504" r:id="rId104"/>
-    <p:sldId id="505" r:id="rId105"/>
-    <p:sldId id="506" r:id="rId106"/>
-    <p:sldId id="507" r:id="rId107"/>
-    <p:sldId id="508" r:id="rId108"/>
+    <p:sldId id="470" r:id="rId67"/>
+    <p:sldId id="510" r:id="rId68"/>
+    <p:sldId id="262" r:id="rId69"/>
+    <p:sldId id="509" r:id="rId70"/>
+    <p:sldId id="468" r:id="rId71"/>
+    <p:sldId id="409" r:id="rId72"/>
+    <p:sldId id="464" r:id="rId73"/>
+    <p:sldId id="411" r:id="rId74"/>
+    <p:sldId id="412" r:id="rId75"/>
+    <p:sldId id="414" r:id="rId76"/>
+    <p:sldId id="413" r:id="rId77"/>
+    <p:sldId id="420" r:id="rId78"/>
+    <p:sldId id="421" r:id="rId79"/>
+    <p:sldId id="469" r:id="rId80"/>
+    <p:sldId id="472" r:id="rId81"/>
+    <p:sldId id="473" r:id="rId82"/>
+    <p:sldId id="475" r:id="rId83"/>
+    <p:sldId id="476" r:id="rId84"/>
+    <p:sldId id="474" r:id="rId85"/>
+    <p:sldId id="477" r:id="rId86"/>
+    <p:sldId id="478" r:id="rId87"/>
+    <p:sldId id="481" r:id="rId88"/>
+    <p:sldId id="482" r:id="rId89"/>
+    <p:sldId id="480" r:id="rId90"/>
+    <p:sldId id="479" r:id="rId91"/>
+    <p:sldId id="483" r:id="rId92"/>
+    <p:sldId id="484" r:id="rId93"/>
+    <p:sldId id="485" r:id="rId94"/>
+    <p:sldId id="486" r:id="rId95"/>
+    <p:sldId id="489" r:id="rId96"/>
+    <p:sldId id="490" r:id="rId97"/>
+    <p:sldId id="491" r:id="rId98"/>
+    <p:sldId id="492" r:id="rId99"/>
+    <p:sldId id="495" r:id="rId100"/>
+    <p:sldId id="496" r:id="rId101"/>
+    <p:sldId id="493" r:id="rId102"/>
+    <p:sldId id="497" r:id="rId103"/>
+    <p:sldId id="498" r:id="rId104"/>
+    <p:sldId id="503" r:id="rId105"/>
+    <p:sldId id="504" r:id="rId106"/>
+    <p:sldId id="505" r:id="rId107"/>
+    <p:sldId id="506" r:id="rId108"/>
+    <p:sldId id="507" r:id="rId109"/>
+    <p:sldId id="508" r:id="rId110"/>
+    <p:sldId id="511" r:id="rId111"/>
+    <p:sldId id="512" r:id="rId112"/>
+    <p:sldId id="513" r:id="rId113"/>
+    <p:sldId id="514" r:id="rId114"/>
+    <p:sldId id="515" r:id="rId115"/>
+    <p:sldId id="516" r:id="rId116"/>
+    <p:sldId id="517" r:id="rId117"/>
+    <p:sldId id="518" r:id="rId118"/>
+    <p:sldId id="519" r:id="rId119"/>
   </p:sldIdLst>
   <p:sldSz cx="12192000" cy="6858000"/>
   <p:notesSz cx="9144000" cy="6858000"/>
@@ -240,9 +251,6 @@
 
 <file path=ppt/changesInfos/changesInfo1.xml><?xml version="1.0" encoding="utf-8"?>
 <pc:chgInfo xmlns:a="http://schemas.openxmlformats.org/drawingml/2006/main" xmlns:r="http://schemas.openxmlformats.org/officeDocument/2006/relationships" xmlns:ac="http://schemas.microsoft.com/office/drawing/2013/main/command" xmlns:pc="http://schemas.microsoft.com/office/powerpoint/2013/main/command">
-  <pc:docChgLst>
-    <pc:chgData name="Vladimir Gaspar" userId="05050d8d3aeb423d" providerId="LiveId" clId="{C9C6C590-1D72-43B8-B056-9B9F769594D0}"/>
-  </pc:docChgLst>
   <pc:docChgLst>
     <pc:chgData name="Vladimir Gaspar" userId="05050d8d3aeb423d" providerId="LiveId" clId="{FA2797F6-9A23-4CD3-B9DA-AEA734D2524E}"/>
     <pc:docChg chg="undo custSel mod addSld delSld modSld sldOrd">
@@ -3634,6 +3642,9 @@
     </pc:docChg>
   </pc:docChgLst>
   <pc:docChgLst>
+    <pc:chgData name="Vladimir Gaspar" userId="05050d8d3aeb423d" providerId="LiveId" clId="{C9C6C590-1D72-43B8-B056-9B9F769594D0}"/>
+  </pc:docChgLst>
+  <pc:docChgLst>
     <pc:chgData name="Vladimir Gaspar" userId="05050d8d3aeb423d" providerId="LiveId" clId="{B4B6A784-DB31-4207-8AD9-94C86A08BF9D}"/>
   </pc:docChgLst>
 </pc:chgInfo>
@@ -3885,7 +3896,7 @@
             <a:fld id="{B61BEF0D-F0BB-DE4B-95CE-6DB70DBA9567}" type="datetimeFigureOut">
               <a:rPr lang="en-US" dirty="0"/>
               <a:pPr/>
-              <a:t>1/27/2019</a:t>
+              <a:t>1/30/2019</a:t>
             </a:fld>
             <a:endParaRPr lang="en-US" dirty="0"/>
           </a:p>
@@ -4144,7 +4155,7 @@
             <a:fld id="{B61BEF0D-F0BB-DE4B-95CE-6DB70DBA9567}" type="datetimeFigureOut">
               <a:rPr lang="en-US" dirty="0"/>
               <a:pPr/>
-              <a:t>1/27/2019</a:t>
+              <a:t>1/30/2019</a:t>
             </a:fld>
             <a:endParaRPr lang="en-US" dirty="0"/>
           </a:p>
@@ -4376,7 +4387,7 @@
             <a:fld id="{B61BEF0D-F0BB-DE4B-95CE-6DB70DBA9567}" type="datetimeFigureOut">
               <a:rPr lang="en-US" dirty="0"/>
               <a:pPr/>
-              <a:t>1/27/2019</a:t>
+              <a:t>1/30/2019</a:t>
             </a:fld>
             <a:endParaRPr lang="en-US" dirty="0"/>
           </a:p>
@@ -4613,7 +4624,7 @@
             <a:fld id="{B61BEF0D-F0BB-DE4B-95CE-6DB70DBA9567}" type="datetimeFigureOut">
               <a:rPr lang="en-US" dirty="0"/>
               <a:pPr/>
-              <a:t>1/27/2019</a:t>
+              <a:t>1/30/2019</a:t>
             </a:fld>
             <a:endParaRPr lang="en-US" dirty="0"/>
           </a:p>
@@ -4917,7 +4928,7 @@
             <a:fld id="{B61BEF0D-F0BB-DE4B-95CE-6DB70DBA9567}" type="datetimeFigureOut">
               <a:rPr lang="en-US" dirty="0"/>
               <a:pPr/>
-              <a:t>1/27/2019</a:t>
+              <a:t>1/30/2019</a:t>
             </a:fld>
             <a:endParaRPr lang="en-US" dirty="0"/>
           </a:p>
@@ -5216,7 +5227,7 @@
             <a:fld id="{B61BEF0D-F0BB-DE4B-95CE-6DB70DBA9567}" type="datetimeFigureOut">
               <a:rPr lang="en-US" dirty="0"/>
               <a:pPr/>
-              <a:t>1/27/2019</a:t>
+              <a:t>1/30/2019</a:t>
             </a:fld>
             <a:endParaRPr lang="en-US" dirty="0"/>
           </a:p>
@@ -5635,7 +5646,7 @@
             <a:fld id="{B61BEF0D-F0BB-DE4B-95CE-6DB70DBA9567}" type="datetimeFigureOut">
               <a:rPr lang="en-US" dirty="0"/>
               <a:pPr/>
-              <a:t>1/27/2019</a:t>
+              <a:t>1/30/2019</a:t>
             </a:fld>
             <a:endParaRPr lang="en-US" dirty="0"/>
           </a:p>
@@ -5794,7 +5805,7 @@
             <a:fld id="{B61BEF0D-F0BB-DE4B-95CE-6DB70DBA9567}" type="datetimeFigureOut">
               <a:rPr lang="en-US" dirty="0"/>
               <a:pPr/>
-              <a:t>1/27/2019</a:t>
+              <a:t>1/30/2019</a:t>
             </a:fld>
             <a:endParaRPr lang="en-US" dirty="0"/>
           </a:p>
@@ -5886,7 +5897,7 @@
             <a:fld id="{B61BEF0D-F0BB-DE4B-95CE-6DB70DBA9567}" type="datetimeFigureOut">
               <a:rPr lang="en-US" dirty="0"/>
               <a:pPr/>
-              <a:t>1/27/2019</a:t>
+              <a:t>1/30/2019</a:t>
             </a:fld>
             <a:endParaRPr lang="en-US" dirty="0"/>
           </a:p>
@@ -6261,7 +6272,7 @@
             <a:fld id="{B61BEF0D-F0BB-DE4B-95CE-6DB70DBA9567}" type="datetimeFigureOut">
               <a:rPr lang="en-US" dirty="0"/>
               <a:pPr/>
-              <a:t>1/27/2019</a:t>
+              <a:t>1/30/2019</a:t>
             </a:fld>
             <a:endParaRPr lang="en-US" dirty="0"/>
           </a:p>
@@ -6547,7 +6558,7 @@
             <a:fld id="{B61BEF0D-F0BB-DE4B-95CE-6DB70DBA9567}" type="datetimeFigureOut">
               <a:rPr lang="en-US" dirty="0"/>
               <a:pPr/>
-              <a:t>1/27/2019</a:t>
+              <a:t>1/30/2019</a:t>
             </a:fld>
             <a:endParaRPr lang="en-US" dirty="0"/>
           </a:p>
@@ -6755,7 +6766,7 @@
             <a:fld id="{B61BEF0D-F0BB-DE4B-95CE-6DB70DBA9567}" type="datetimeFigureOut">
               <a:rPr lang="en-US" dirty="0"/>
               <a:pPr/>
-              <a:t>1/27/2019</a:t>
+              <a:t>1/30/2019</a:t>
             </a:fld>
             <a:endParaRPr lang="en-US" dirty="0"/>
           </a:p>
@@ -7662,7 +7673,7 @@
           <p:cNvPr id="2" name="Nadpis 1">
             <a:extLst>
               <a:ext uri="{FF2B5EF4-FFF2-40B4-BE49-F238E27FC236}">
-                <a16:creationId xmlns:a16="http://schemas.microsoft.com/office/drawing/2014/main" id="{3AB08276-C795-4D99-B49E-7CAA88BD929B}"/>
+                <a16:creationId xmlns:a16="http://schemas.microsoft.com/office/drawing/2014/main" id="{BF8230AF-A47E-427C-A351-3CCE00A46F7A}"/>
               </a:ext>
             </a:extLst>
           </p:cNvPr>
@@ -7680,88 +7691,45 @@
           <a:p>
             <a:r>
               <a:rPr lang="sk-SK" dirty="0"/>
-              <a:t>Cvičenie 9 - aktivita</a:t>
+              <a:t>Riešenie príkladu</a:t>
             </a:r>
           </a:p>
         </p:txBody>
       </p:sp>
-      <p:sp>
-        <p:nvSpPr>
-          <p:cNvPr id="3" name="Zástupný objekt pre obsah 2">
+      <p:pic>
+        <p:nvPicPr>
+          <p:cNvPr id="4" name="Obrázok 3">
             <a:extLst>
               <a:ext uri="{FF2B5EF4-FFF2-40B4-BE49-F238E27FC236}">
-                <a16:creationId xmlns:a16="http://schemas.microsoft.com/office/drawing/2014/main" id="{C46351DE-C1E3-42BF-A9FD-FA2BEFD3716E}"/>
+                <a16:creationId xmlns:a16="http://schemas.microsoft.com/office/drawing/2014/main" id="{B84668AD-9019-4C61-8415-95AF70C12B61}"/>
               </a:ext>
             </a:extLst>
           </p:cNvPr>
-          <p:cNvSpPr>
-            <a:spLocks noGrp="1"/>
-          </p:cNvSpPr>
-          <p:nvPr>
-            <p:ph idx="1"/>
-          </p:nvPr>
-        </p:nvSpPr>
-        <p:spPr/>
-        <p:txBody>
-          <a:bodyPr/>
-          <a:lstStyle/>
-          <a:p>
-            <a:r>
-              <a:rPr lang="sk-SK" dirty="0"/>
-              <a:t>Upravte svoj program tak, aby si používateľ mohol vybrať z úvodného menu či chce </a:t>
-            </a:r>
-          </a:p>
-          <a:p>
-            <a:pPr lvl="1"/>
-            <a:r>
-              <a:rPr lang="sk-SK" dirty="0"/>
-              <a:t>konečný počet možností na hádanie (cyklus </a:t>
-            </a:r>
-            <a:r>
-              <a:rPr lang="sk-SK" dirty="0" err="1"/>
-              <a:t>for</a:t>
-            </a:r>
-            <a:r>
-              <a:rPr lang="sk-SK" dirty="0"/>
-              <a:t>)</a:t>
-            </a:r>
-          </a:p>
-          <a:p>
-            <a:pPr lvl="1"/>
-            <a:r>
-              <a:rPr lang="sk-SK" dirty="0"/>
-              <a:t>nekonečný počet možností na hádanie (cyklus </a:t>
-            </a:r>
-            <a:r>
-              <a:rPr lang="sk-SK" dirty="0" err="1"/>
-              <a:t>while</a:t>
-            </a:r>
-            <a:r>
-              <a:rPr lang="sk-SK" dirty="0"/>
-              <a:t> alebo do </a:t>
-            </a:r>
-            <a:r>
-              <a:rPr lang="sk-SK" dirty="0" err="1"/>
-              <a:t>while</a:t>
-            </a:r>
-            <a:r>
-              <a:rPr lang="sk-SK" dirty="0"/>
-              <a:t>)</a:t>
-            </a:r>
-          </a:p>
-          <a:p>
-            <a:pPr lvl="2"/>
-            <a:r>
-              <a:rPr lang="sk-SK" dirty="0"/>
-              <a:t>Napíšte používateľovi či má hádať číslo menšie alebo väčšie</a:t>
-            </a:r>
-          </a:p>
-        </p:txBody>
-      </p:sp>
+          <p:cNvPicPr>
+            <a:picLocks noChangeAspect="1"/>
+          </p:cNvPicPr>
+          <p:nvPr/>
+        </p:nvPicPr>
+        <p:blipFill>
+          <a:blip r:embed="rId2"/>
+          <a:stretch>
+            <a:fillRect/>
+          </a:stretch>
+        </p:blipFill>
+        <p:spPr>
+          <a:xfrm>
+            <a:off x="1004360" y="1997552"/>
+            <a:ext cx="9060886" cy="4240730"/>
+          </a:xfrm>
+          <a:prstGeom prst="rect">
+            <a:avLst/>
+          </a:prstGeom>
+        </p:spPr>
+      </p:pic>
     </p:spTree>
     <p:extLst>
       <p:ext uri="{BB962C8B-B14F-4D97-AF65-F5344CB8AC3E}">
-        <p14:creationId xmlns:p14="http://schemas.microsoft.com/office/powerpoint/2010/main" val="4003604169"/>
+        <p14:creationId xmlns:p14="http://schemas.microsoft.com/office/powerpoint/2010/main" val="4213824435"/>
       </p:ext>
     </p:extLst>
   </p:cSld>
@@ -7793,7 +7761,7 @@
           <p:cNvPr id="2" name="Nadpis 1">
             <a:extLst>
               <a:ext uri="{FF2B5EF4-FFF2-40B4-BE49-F238E27FC236}">
-                <a16:creationId xmlns:a16="http://schemas.microsoft.com/office/drawing/2014/main" id="{196ECC8A-14B1-4EE2-9712-550938A7557D}"/>
+                <a16:creationId xmlns:a16="http://schemas.microsoft.com/office/drawing/2014/main" id="{23276824-FED6-49C1-9322-97F79E1DFEFA}"/>
               </a:ext>
             </a:extLst>
           </p:cNvPr>
@@ -7811,11 +7779,11 @@
           <a:p>
             <a:r>
               <a:rPr lang="sk-SK" dirty="0"/>
-              <a:t>Cyklus FOR </a:t>
-            </a:r>
-            <a:r>
-              <a:rPr lang="sk-SK" dirty="0" err="1"/>
-              <a:t>each</a:t>
+              <a:t>Cyklus Do-</a:t>
+            </a:r>
+            <a:r>
+              <a:rPr lang="sk-SK" dirty="0" err="1"/>
+              <a:t>While</a:t>
             </a:r>
             <a:endParaRPr lang="sk-SK" dirty="0"/>
           </a:p>
@@ -7826,7 +7794,7 @@
           <p:cNvPr id="3" name="Zástupný objekt pre obsah 2">
             <a:extLst>
               <a:ext uri="{FF2B5EF4-FFF2-40B4-BE49-F238E27FC236}">
-                <a16:creationId xmlns:a16="http://schemas.microsoft.com/office/drawing/2014/main" id="{2A4ECA09-BF59-4E00-8161-09B3630FF644}"/>
+                <a16:creationId xmlns:a16="http://schemas.microsoft.com/office/drawing/2014/main" id="{1522946A-412A-4E88-AA7B-36BDD04887C8}"/>
               </a:ext>
             </a:extLst>
           </p:cNvPr>
@@ -7844,62 +7812,45 @@
           <a:p>
             <a:r>
               <a:rPr lang="sk-SK" dirty="0"/>
-              <a:t>Je určený na prechádzanie zoznamov po ich prvkoch</a:t>
-            </a:r>
-          </a:p>
-          <a:p>
-            <a:r>
-              <a:rPr lang="sk-SK" dirty="0"/>
-              <a:t>Nepotrebuje </a:t>
-            </a:r>
-            <a:r>
-              <a:rPr lang="sk-SK" dirty="0" err="1"/>
-              <a:t>iteračnú</a:t>
-            </a:r>
-            <a:r>
-              <a:rPr lang="sk-SK" dirty="0"/>
-              <a:t> premennú</a:t>
-            </a:r>
-          </a:p>
-          <a:p>
-            <a:r>
-              <a:rPr lang="sk-SK" dirty="0" err="1"/>
-              <a:t>Iteračnú</a:t>
-            </a:r>
-            <a:r>
-              <a:rPr lang="sk-SK" dirty="0"/>
-              <a:t> premennú nahradzuje prvok zoznamu (poľa)</a:t>
-            </a:r>
-            <a:endParaRPr lang="en-US" dirty="0"/>
-          </a:p>
-          <a:p>
-            <a:r>
-              <a:rPr lang="en-US" dirty="0"/>
-              <a:t>V cycle foreach </a:t>
-            </a:r>
-            <a:r>
-              <a:rPr lang="en-US" dirty="0" err="1"/>
-              <a:t>nesmiete</a:t>
-            </a:r>
-            <a:r>
-              <a:rPr lang="en-US" dirty="0"/>
-              <a:t> </a:t>
-            </a:r>
-            <a:r>
-              <a:rPr lang="en-US" dirty="0" err="1"/>
-              <a:t>zasahova</a:t>
-            </a:r>
-            <a:r>
-              <a:rPr lang="sk-SK" dirty="0"/>
-              <a:t>ť do počtu prvkov v prehľadávanom zozname (</a:t>
-            </a:r>
-            <a:r>
-              <a:rPr lang="sk-SK" dirty="0" err="1"/>
-              <a:t>t.j</a:t>
-            </a:r>
-            <a:r>
-              <a:rPr lang="sk-SK" dirty="0"/>
-              <a:t>. mazať alebo pridávať prvky)</a:t>
+              <a:t>Vykoná sa kód a potom sa overí podmienka, či má cyklus pokračovať</a:t>
+            </a:r>
+          </a:p>
+          <a:p>
+            <a:r>
+              <a:rPr lang="sk-SK" dirty="0"/>
+              <a:t>Ak je podmienka splnená cyklus pokračuje ďalšou iteráciou</a:t>
+            </a:r>
+          </a:p>
+          <a:p>
+            <a:r>
+              <a:rPr lang="sk-SK" dirty="0"/>
+              <a:t>Ak podmienka nie je splnená cyklus končí</a:t>
+            </a:r>
+          </a:p>
+          <a:p>
+            <a:r>
+              <a:rPr lang="sk-SK" dirty="0" err="1"/>
+              <a:t>Narozdiel</a:t>
+            </a:r>
+            <a:r>
+              <a:rPr lang="sk-SK" dirty="0"/>
+              <a:t> od cyklu </a:t>
+            </a:r>
+            <a:r>
+              <a:rPr lang="sk-SK" dirty="0" err="1"/>
+              <a:t>while</a:t>
+            </a:r>
+            <a:r>
+              <a:rPr lang="sk-SK" dirty="0"/>
+              <a:t>, sa obsah cyklu do-</a:t>
+            </a:r>
+            <a:r>
+              <a:rPr lang="sk-SK" dirty="0" err="1"/>
+              <a:t>while</a:t>
+            </a:r>
+            <a:r>
+              <a:rPr lang="sk-SK" dirty="0"/>
+              <a:t> vykoná minimálne raz</a:t>
             </a:r>
           </a:p>
           <a:p>
@@ -7913,40 +7864,12 @@
               <a:buNone/>
             </a:pPr>
             <a:r>
+              <a:rPr lang="sk-SK" dirty="0"/>
+              <a:t>do</a:t>
+            </a:r>
+            <a:r>
               <a:rPr lang="en-US" dirty="0"/>
-              <a:t>f</a:t>
-            </a:r>
-            <a:r>
-              <a:rPr lang="sk-SK" dirty="0"/>
-              <a:t>or</a:t>
-            </a:r>
-            <a:r>
-              <a:rPr lang="en-US" dirty="0"/>
-              <a:t>(</a:t>
-            </a:r>
-            <a:r>
-              <a:rPr lang="en-US" dirty="0" err="1"/>
-              <a:t>typ_prvku</a:t>
-            </a:r>
-            <a:r>
-              <a:rPr lang="en-US" dirty="0"/>
-              <a:t> </a:t>
-            </a:r>
-            <a:r>
-              <a:rPr lang="en-US" dirty="0" err="1"/>
-              <a:t>nazov_premennej_prvku</a:t>
-            </a:r>
-            <a:r>
-              <a:rPr lang="en-US" dirty="0"/>
-              <a:t> :  </a:t>
-            </a:r>
-            <a:r>
-              <a:rPr lang="en-US" dirty="0" err="1"/>
-              <a:t>zoznam_prvkov_daneho_typu</a:t>
-            </a:r>
-            <a:r>
-              <a:rPr lang="en-US" dirty="0"/>
-              <a:t>){</a:t>
+              <a:t> {</a:t>
             </a:r>
           </a:p>
           <a:p>
@@ -7954,12 +7877,12 @@
               <a:buNone/>
             </a:pPr>
             <a:r>
-              <a:rPr lang="sk-SK" dirty="0"/>
-              <a:t>	</a:t>
-            </a:r>
-            <a:r>
               <a:rPr lang="sk-SK" dirty="0" err="1"/>
               <a:t>činnost</a:t>
+            </a:r>
+            <a:r>
+              <a:rPr lang="sk-SK" dirty="0"/>
+              <a:t>;</a:t>
             </a:r>
             <a:endParaRPr lang="en-US" dirty="0"/>
           </a:p>
@@ -7973,12 +7896,38 @@
             </a:r>
             <a:endParaRPr lang="sk-SK" dirty="0"/>
           </a:p>
+          <a:p>
+            <a:pPr marL="324000" lvl="1" indent="0">
+              <a:buNone/>
+            </a:pPr>
+            <a:r>
+              <a:rPr lang="en-US" dirty="0"/>
+              <a:t>w</a:t>
+            </a:r>
+            <a:r>
+              <a:rPr lang="sk-SK" dirty="0" err="1"/>
+              <a:t>hile</a:t>
+            </a:r>
+            <a:r>
+              <a:rPr lang="en-US" dirty="0"/>
+              <a:t>(</a:t>
+            </a:r>
+            <a:r>
+              <a:rPr lang="en-US" dirty="0" err="1"/>
+              <a:t>podmienka</a:t>
+            </a:r>
+            <a:r>
+              <a:rPr lang="en-US" dirty="0"/>
+              <a:t>);</a:t>
+            </a:r>
+            <a:endParaRPr lang="sk-SK" dirty="0"/>
+          </a:p>
         </p:txBody>
       </p:sp>
     </p:spTree>
     <p:extLst>
       <p:ext uri="{BB962C8B-B14F-4D97-AF65-F5344CB8AC3E}">
-        <p14:creationId xmlns:p14="http://schemas.microsoft.com/office/powerpoint/2010/main" val="3645743032"/>
+        <p14:creationId xmlns:p14="http://schemas.microsoft.com/office/powerpoint/2010/main" val="1359721966"/>
       </p:ext>
     </p:extLst>
   </p:cSld>
@@ -8028,6 +7977,375 @@
           <a:p>
             <a:r>
               <a:rPr lang="sk-SK" dirty="0"/>
+              <a:t>Cvičenie 9 – </a:t>
+            </a:r>
+            <a:r>
+              <a:rPr lang="en-US" dirty="0"/>
+              <a:t>DOM</a:t>
+            </a:r>
+            <a:r>
+              <a:rPr lang="sk-SK" dirty="0"/>
+              <a:t>Á</a:t>
+            </a:r>
+            <a:r>
+              <a:rPr lang="en-US" dirty="0"/>
+              <a:t>CA </a:t>
+            </a:r>
+            <a:r>
+              <a:rPr lang="sk-SK" dirty="0"/>
+              <a:t>Ú</a:t>
+            </a:r>
+            <a:r>
+              <a:rPr lang="en-US" dirty="0"/>
+              <a:t>LOHA</a:t>
+            </a:r>
+            <a:endParaRPr lang="sk-SK" dirty="0"/>
+          </a:p>
+        </p:txBody>
+      </p:sp>
+      <p:sp>
+        <p:nvSpPr>
+          <p:cNvPr id="3" name="Zástupný objekt pre obsah 2">
+            <a:extLst>
+              <a:ext uri="{FF2B5EF4-FFF2-40B4-BE49-F238E27FC236}">
+                <a16:creationId xmlns:a16="http://schemas.microsoft.com/office/drawing/2014/main" id="{C46351DE-C1E3-42BF-A9FD-FA2BEFD3716E}"/>
+              </a:ext>
+            </a:extLst>
+          </p:cNvPr>
+          <p:cNvSpPr>
+            <a:spLocks noGrp="1"/>
+          </p:cNvSpPr>
+          <p:nvPr>
+            <p:ph idx="1"/>
+          </p:nvPr>
+        </p:nvSpPr>
+        <p:spPr/>
+        <p:txBody>
+          <a:bodyPr/>
+          <a:lstStyle/>
+          <a:p>
+            <a:r>
+              <a:rPr lang="sk-SK" dirty="0"/>
+              <a:t>Upravte svoj program tak, aby si používateľ mohol vybrať z úvodného menu či chce </a:t>
+            </a:r>
+          </a:p>
+          <a:p>
+            <a:pPr lvl="1"/>
+            <a:r>
+              <a:rPr lang="sk-SK" dirty="0"/>
+              <a:t>konečný počet možností na hádanie (cyklus </a:t>
+            </a:r>
+            <a:r>
+              <a:rPr lang="sk-SK" dirty="0" err="1"/>
+              <a:t>for</a:t>
+            </a:r>
+            <a:r>
+              <a:rPr lang="sk-SK" dirty="0"/>
+              <a:t>)</a:t>
+            </a:r>
+          </a:p>
+          <a:p>
+            <a:pPr lvl="1"/>
+            <a:r>
+              <a:rPr lang="sk-SK" dirty="0"/>
+              <a:t>nekonečný počet možností na hádanie (cyklus </a:t>
+            </a:r>
+            <a:r>
+              <a:rPr lang="sk-SK" dirty="0" err="1"/>
+              <a:t>while</a:t>
+            </a:r>
+            <a:r>
+              <a:rPr lang="sk-SK" dirty="0"/>
+              <a:t> alebo do </a:t>
+            </a:r>
+            <a:r>
+              <a:rPr lang="sk-SK" dirty="0" err="1"/>
+              <a:t>while</a:t>
+            </a:r>
+            <a:r>
+              <a:rPr lang="sk-SK" dirty="0"/>
+              <a:t>)</a:t>
+            </a:r>
+          </a:p>
+          <a:p>
+            <a:pPr lvl="2"/>
+            <a:r>
+              <a:rPr lang="sk-SK" dirty="0"/>
+              <a:t>Napíšte používateľovi či má hádať číslo menšie alebo väčšie</a:t>
+            </a:r>
+          </a:p>
+        </p:txBody>
+      </p:sp>
+    </p:spTree>
+    <p:extLst>
+      <p:ext uri="{BB962C8B-B14F-4D97-AF65-F5344CB8AC3E}">
+        <p14:creationId xmlns:p14="http://schemas.microsoft.com/office/powerpoint/2010/main" val="4003604169"/>
+      </p:ext>
+    </p:extLst>
+  </p:cSld>
+  <p:clrMapOvr>
+    <a:masterClrMapping/>
+  </p:clrMapOvr>
+</p:sld>
+</file>
+
+<file path=ppt/slides/slide103.xml><?xml version="1.0" encoding="utf-8"?>
+<p:sld xmlns:a="http://schemas.openxmlformats.org/drawingml/2006/main" xmlns:r="http://schemas.openxmlformats.org/officeDocument/2006/relationships" xmlns:p="http://schemas.openxmlformats.org/presentationml/2006/main">
+  <p:cSld>
+    <p:spTree>
+      <p:nvGrpSpPr>
+        <p:cNvPr id="1" name=""/>
+        <p:cNvGrpSpPr/>
+        <p:nvPr/>
+      </p:nvGrpSpPr>
+      <p:grpSpPr>
+        <a:xfrm>
+          <a:off x="0" y="0"/>
+          <a:ext cx="0" cy="0"/>
+          <a:chOff x="0" y="0"/>
+          <a:chExt cx="0" cy="0"/>
+        </a:xfrm>
+      </p:grpSpPr>
+      <p:sp>
+        <p:nvSpPr>
+          <p:cNvPr id="2" name="Nadpis 1">
+            <a:extLst>
+              <a:ext uri="{FF2B5EF4-FFF2-40B4-BE49-F238E27FC236}">
+                <a16:creationId xmlns:a16="http://schemas.microsoft.com/office/drawing/2014/main" id="{196ECC8A-14B1-4EE2-9712-550938A7557D}"/>
+              </a:ext>
+            </a:extLst>
+          </p:cNvPr>
+          <p:cNvSpPr>
+            <a:spLocks noGrp="1"/>
+          </p:cNvSpPr>
+          <p:nvPr>
+            <p:ph type="title"/>
+          </p:nvPr>
+        </p:nvSpPr>
+        <p:spPr/>
+        <p:txBody>
+          <a:bodyPr/>
+          <a:lstStyle/>
+          <a:p>
+            <a:r>
+              <a:rPr lang="sk-SK" dirty="0"/>
+              <a:t>Cyklus FOR </a:t>
+            </a:r>
+            <a:r>
+              <a:rPr lang="sk-SK" dirty="0" err="1"/>
+              <a:t>each</a:t>
+            </a:r>
+            <a:endParaRPr lang="sk-SK" dirty="0"/>
+          </a:p>
+        </p:txBody>
+      </p:sp>
+      <p:sp>
+        <p:nvSpPr>
+          <p:cNvPr id="3" name="Zástupný objekt pre obsah 2">
+            <a:extLst>
+              <a:ext uri="{FF2B5EF4-FFF2-40B4-BE49-F238E27FC236}">
+                <a16:creationId xmlns:a16="http://schemas.microsoft.com/office/drawing/2014/main" id="{2A4ECA09-BF59-4E00-8161-09B3630FF644}"/>
+              </a:ext>
+            </a:extLst>
+          </p:cNvPr>
+          <p:cNvSpPr>
+            <a:spLocks noGrp="1"/>
+          </p:cNvSpPr>
+          <p:nvPr>
+            <p:ph idx="1"/>
+          </p:nvPr>
+        </p:nvSpPr>
+        <p:spPr/>
+        <p:txBody>
+          <a:bodyPr/>
+          <a:lstStyle/>
+          <a:p>
+            <a:r>
+              <a:rPr lang="sk-SK" dirty="0"/>
+              <a:t>Je určený na prechádzanie zoznamov po ich prvkoch</a:t>
+            </a:r>
+          </a:p>
+          <a:p>
+            <a:r>
+              <a:rPr lang="sk-SK" dirty="0"/>
+              <a:t>Nepotrebuje </a:t>
+            </a:r>
+            <a:r>
+              <a:rPr lang="sk-SK" dirty="0" err="1"/>
+              <a:t>iteračnú</a:t>
+            </a:r>
+            <a:r>
+              <a:rPr lang="sk-SK" dirty="0"/>
+              <a:t> premennú</a:t>
+            </a:r>
+          </a:p>
+          <a:p>
+            <a:r>
+              <a:rPr lang="sk-SK" dirty="0" err="1"/>
+              <a:t>Iteračnú</a:t>
+            </a:r>
+            <a:r>
+              <a:rPr lang="sk-SK" dirty="0"/>
+              <a:t> premennú nahradzuje prvok zoznamu (poľa)</a:t>
+            </a:r>
+            <a:endParaRPr lang="en-US" dirty="0"/>
+          </a:p>
+          <a:p>
+            <a:r>
+              <a:rPr lang="en-US" dirty="0"/>
+              <a:t>V cycle foreach </a:t>
+            </a:r>
+            <a:r>
+              <a:rPr lang="en-US" dirty="0" err="1"/>
+              <a:t>nesmiete</a:t>
+            </a:r>
+            <a:r>
+              <a:rPr lang="en-US" dirty="0"/>
+              <a:t> </a:t>
+            </a:r>
+            <a:r>
+              <a:rPr lang="en-US" dirty="0" err="1"/>
+              <a:t>zasahova</a:t>
+            </a:r>
+            <a:r>
+              <a:rPr lang="sk-SK" dirty="0"/>
+              <a:t>ť do počtu prvkov v prehľadávanom zozname (</a:t>
+            </a:r>
+            <a:r>
+              <a:rPr lang="sk-SK" dirty="0" err="1"/>
+              <a:t>t.j</a:t>
+            </a:r>
+            <a:r>
+              <a:rPr lang="sk-SK" dirty="0"/>
+              <a:t>. mazať alebo pridávať prvky)</a:t>
+            </a:r>
+          </a:p>
+          <a:p>
+            <a:r>
+              <a:rPr lang="sk-SK" dirty="0"/>
+              <a:t>Syntax</a:t>
+            </a:r>
+          </a:p>
+          <a:p>
+            <a:pPr marL="324000" lvl="1" indent="0">
+              <a:buNone/>
+            </a:pPr>
+            <a:r>
+              <a:rPr lang="en-US" dirty="0"/>
+              <a:t>f</a:t>
+            </a:r>
+            <a:r>
+              <a:rPr lang="sk-SK" dirty="0"/>
+              <a:t>or</a:t>
+            </a:r>
+            <a:r>
+              <a:rPr lang="en-US" dirty="0"/>
+              <a:t>(</a:t>
+            </a:r>
+            <a:r>
+              <a:rPr lang="en-US" dirty="0" err="1"/>
+              <a:t>typ_prvku</a:t>
+            </a:r>
+            <a:r>
+              <a:rPr lang="en-US" dirty="0"/>
+              <a:t> </a:t>
+            </a:r>
+            <a:r>
+              <a:rPr lang="en-US" dirty="0" err="1"/>
+              <a:t>nazov_premennej_prvku</a:t>
+            </a:r>
+            <a:r>
+              <a:rPr lang="en-US" dirty="0"/>
+              <a:t> :  </a:t>
+            </a:r>
+            <a:r>
+              <a:rPr lang="en-US" dirty="0" err="1"/>
+              <a:t>zoznam_prvkov_daneho_typu</a:t>
+            </a:r>
+            <a:r>
+              <a:rPr lang="en-US" dirty="0"/>
+              <a:t>){</a:t>
+            </a:r>
+          </a:p>
+          <a:p>
+            <a:pPr marL="324000" lvl="1" indent="0">
+              <a:buNone/>
+            </a:pPr>
+            <a:r>
+              <a:rPr lang="sk-SK" dirty="0"/>
+              <a:t>	</a:t>
+            </a:r>
+            <a:r>
+              <a:rPr lang="sk-SK" dirty="0" err="1"/>
+              <a:t>činnost</a:t>
+            </a:r>
+            <a:endParaRPr lang="en-US" dirty="0"/>
+          </a:p>
+          <a:p>
+            <a:pPr marL="324000" lvl="1" indent="0">
+              <a:buNone/>
+            </a:pPr>
+            <a:r>
+              <a:rPr lang="en-US" dirty="0"/>
+              <a:t>}</a:t>
+            </a:r>
+            <a:endParaRPr lang="sk-SK" dirty="0"/>
+          </a:p>
+        </p:txBody>
+      </p:sp>
+    </p:spTree>
+    <p:extLst>
+      <p:ext uri="{BB962C8B-B14F-4D97-AF65-F5344CB8AC3E}">
+        <p14:creationId xmlns:p14="http://schemas.microsoft.com/office/powerpoint/2010/main" val="3645743032"/>
+      </p:ext>
+    </p:extLst>
+  </p:cSld>
+  <p:clrMapOvr>
+    <a:masterClrMapping/>
+  </p:clrMapOvr>
+</p:sld>
+</file>
+
+<file path=ppt/slides/slide104.xml><?xml version="1.0" encoding="utf-8"?>
+<p:sld xmlns:a="http://schemas.openxmlformats.org/drawingml/2006/main" xmlns:r="http://schemas.openxmlformats.org/officeDocument/2006/relationships" xmlns:p="http://schemas.openxmlformats.org/presentationml/2006/main">
+  <p:cSld>
+    <p:spTree>
+      <p:nvGrpSpPr>
+        <p:cNvPr id="1" name=""/>
+        <p:cNvGrpSpPr/>
+        <p:nvPr/>
+      </p:nvGrpSpPr>
+      <p:grpSpPr>
+        <a:xfrm>
+          <a:off x="0" y="0"/>
+          <a:ext cx="0" cy="0"/>
+          <a:chOff x="0" y="0"/>
+          <a:chExt cx="0" cy="0"/>
+        </a:xfrm>
+      </p:grpSpPr>
+      <p:sp>
+        <p:nvSpPr>
+          <p:cNvPr id="2" name="Nadpis 1">
+            <a:extLst>
+              <a:ext uri="{FF2B5EF4-FFF2-40B4-BE49-F238E27FC236}">
+                <a16:creationId xmlns:a16="http://schemas.microsoft.com/office/drawing/2014/main" id="{3AB08276-C795-4D99-B49E-7CAA88BD929B}"/>
+              </a:ext>
+            </a:extLst>
+          </p:cNvPr>
+          <p:cNvSpPr>
+            <a:spLocks noGrp="1"/>
+          </p:cNvSpPr>
+          <p:nvPr>
+            <p:ph type="title"/>
+          </p:nvPr>
+        </p:nvSpPr>
+        <p:spPr/>
+        <p:txBody>
+          <a:bodyPr/>
+          <a:lstStyle/>
+          <a:p>
+            <a:r>
+              <a:rPr lang="sk-SK" dirty="0"/>
               <a:t>Cvičenie </a:t>
             </a:r>
             <a:r>
@@ -8109,7 +8427,7 @@
 </p:sld>
 </file>
 
-<file path=ppt/slides/slide103.xml><?xml version="1.0" encoding="utf-8"?>
+<file path=ppt/slides/slide105.xml><?xml version="1.0" encoding="utf-8"?>
 <p:sld xmlns:a="http://schemas.openxmlformats.org/drawingml/2006/main" xmlns:r="http://schemas.openxmlformats.org/officeDocument/2006/relationships" xmlns:p="http://schemas.openxmlformats.org/presentationml/2006/main">
   <p:cSld>
     <p:spTree>
@@ -8202,7 +8520,7 @@
 </p:sld>
 </file>
 
-<file path=ppt/slides/slide104.xml><?xml version="1.0" encoding="utf-8"?>
+<file path=ppt/slides/slide106.xml><?xml version="1.0" encoding="utf-8"?>
 <p:sld xmlns:a="http://schemas.openxmlformats.org/drawingml/2006/main" xmlns:r="http://schemas.openxmlformats.org/officeDocument/2006/relationships" xmlns:p="http://schemas.openxmlformats.org/presentationml/2006/main">
   <p:cSld>
     <p:spTree>
@@ -8406,7 +8724,7 @@
 </p:sld>
 </file>
 
-<file path=ppt/slides/slide105.xml><?xml version="1.0" encoding="utf-8"?>
+<file path=ppt/slides/slide107.xml><?xml version="1.0" encoding="utf-8"?>
 <p:sld xmlns:a="http://schemas.openxmlformats.org/drawingml/2006/main" xmlns:r="http://schemas.openxmlformats.org/officeDocument/2006/relationships" xmlns:p="http://schemas.openxmlformats.org/presentationml/2006/main">
   <p:cSld>
     <p:spTree>
@@ -8506,7 +8824,7 @@
 </p:sld>
 </file>
 
-<file path=ppt/slides/slide106.xml><?xml version="1.0" encoding="utf-8"?>
+<file path=ppt/slides/slide108.xml><?xml version="1.0" encoding="utf-8"?>
 <p:sld xmlns:a="http://schemas.openxmlformats.org/drawingml/2006/main" xmlns:r="http://schemas.openxmlformats.org/officeDocument/2006/relationships" xmlns:p="http://schemas.openxmlformats.org/presentationml/2006/main">
   <p:cSld>
     <p:spTree>
@@ -8621,7 +8939,7 @@
 </p:sld>
 </file>
 
-<file path=ppt/slides/slide107.xml><?xml version="1.0" encoding="utf-8"?>
+<file path=ppt/slides/slide109.xml><?xml version="1.0" encoding="utf-8"?>
 <p:sld xmlns:a="http://schemas.openxmlformats.org/drawingml/2006/main" xmlns:r="http://schemas.openxmlformats.org/officeDocument/2006/relationships" xmlns:p="http://schemas.openxmlformats.org/presentationml/2006/main">
   <p:cSld>
     <p:bg>
@@ -9434,6 +9752,1872 @@
     <p:extLst>
       <p:ext uri="{BB962C8B-B14F-4D97-AF65-F5344CB8AC3E}">
         <p14:creationId xmlns:p14="http://schemas.microsoft.com/office/powerpoint/2010/main" val="525997695"/>
+      </p:ext>
+    </p:extLst>
+  </p:cSld>
+  <p:clrMapOvr>
+    <a:masterClrMapping/>
+  </p:clrMapOvr>
+</p:sld>
+</file>
+
+<file path=ppt/slides/slide110.xml><?xml version="1.0" encoding="utf-8"?>
+<p:sld xmlns:a="http://schemas.openxmlformats.org/drawingml/2006/main" xmlns:r="http://schemas.openxmlformats.org/officeDocument/2006/relationships" xmlns:p="http://schemas.openxmlformats.org/presentationml/2006/main">
+  <p:cSld>
+    <p:spTree>
+      <p:nvGrpSpPr>
+        <p:cNvPr id="1" name=""/>
+        <p:cNvGrpSpPr/>
+        <p:nvPr/>
+      </p:nvGrpSpPr>
+      <p:grpSpPr>
+        <a:xfrm>
+          <a:off x="0" y="0"/>
+          <a:ext cx="0" cy="0"/>
+          <a:chOff x="0" y="0"/>
+          <a:chExt cx="0" cy="0"/>
+        </a:xfrm>
+      </p:grpSpPr>
+      <p:sp>
+        <p:nvSpPr>
+          <p:cNvPr id="2" name="Nadpis 1">
+            <a:extLst>
+              <a:ext uri="{FF2B5EF4-FFF2-40B4-BE49-F238E27FC236}">
+                <a16:creationId xmlns:a16="http://schemas.microsoft.com/office/drawing/2014/main" id="{9DA5E0A4-8634-4811-9EF5-FD0C02E6B157}"/>
+              </a:ext>
+            </a:extLst>
+          </p:cNvPr>
+          <p:cNvSpPr>
+            <a:spLocks noGrp="1"/>
+          </p:cNvSpPr>
+          <p:nvPr>
+            <p:ph type="title"/>
+          </p:nvPr>
+        </p:nvSpPr>
+        <p:spPr/>
+        <p:txBody>
+          <a:bodyPr/>
+          <a:lstStyle/>
+          <a:p>
+            <a:r>
+              <a:rPr lang="sk-SK" dirty="0"/>
+              <a:t>Trieda – </a:t>
+            </a:r>
+            <a:r>
+              <a:rPr lang="sk-SK" dirty="0" err="1"/>
+              <a:t>class</a:t>
+            </a:r>
+            <a:r>
+              <a:rPr lang="sk-SK" dirty="0"/>
+              <a:t>  </a:t>
+            </a:r>
+            <a:r>
+              <a:rPr lang="en-US" dirty="0"/>
+              <a:t>| </a:t>
+            </a:r>
+            <a:r>
+              <a:rPr lang="sk-SK" dirty="0"/>
+              <a:t>Objekt</a:t>
+            </a:r>
+            <a:r>
+              <a:rPr lang="en-US" dirty="0"/>
+              <a:t> - instance</a:t>
+            </a:r>
+            <a:endParaRPr lang="sk-SK" dirty="0"/>
+          </a:p>
+        </p:txBody>
+      </p:sp>
+      <p:sp>
+        <p:nvSpPr>
+          <p:cNvPr id="3" name="Zástupný objekt pre obsah 2">
+            <a:extLst>
+              <a:ext uri="{FF2B5EF4-FFF2-40B4-BE49-F238E27FC236}">
+                <a16:creationId xmlns:a16="http://schemas.microsoft.com/office/drawing/2014/main" id="{8FB9D329-94AD-45E6-AD2A-E01230B7B94B}"/>
+              </a:ext>
+            </a:extLst>
+          </p:cNvPr>
+          <p:cNvSpPr>
+            <a:spLocks noGrp="1"/>
+          </p:cNvSpPr>
+          <p:nvPr>
+            <p:ph idx="1"/>
+          </p:nvPr>
+        </p:nvSpPr>
+        <p:spPr>
+          <a:xfrm>
+            <a:off x="581192" y="1903365"/>
+            <a:ext cx="11029615" cy="4591621"/>
+          </a:xfrm>
+        </p:spPr>
+        <p:txBody>
+          <a:bodyPr>
+            <a:normAutofit fontScale="62500" lnSpcReduction="20000"/>
+          </a:bodyPr>
+          <a:lstStyle/>
+          <a:p>
+            <a:r>
+              <a:rPr lang="sk-SK" dirty="0"/>
+              <a:t>Trieda je „šablóna“ pre vytváranie objektov reálneho sveta</a:t>
+            </a:r>
+          </a:p>
+          <a:p>
+            <a:r>
+              <a:rPr lang="sk-SK" dirty="0"/>
+              <a:t>Napríklad šablóna je lietadlo, konkrétny objekt je konkrétny </a:t>
+            </a:r>
+            <a:r>
+              <a:rPr lang="sk-SK" dirty="0" err="1"/>
+              <a:t>Airbus</a:t>
+            </a:r>
+            <a:r>
+              <a:rPr lang="sk-SK" dirty="0"/>
+              <a:t> A320 so všetkými jeho vlastnosťami</a:t>
+            </a:r>
+          </a:p>
+          <a:p>
+            <a:r>
+              <a:rPr lang="sk-SK" dirty="0"/>
+              <a:t>Trieda definuje vlastnosti, ktoré sú spoločné pre všetky objekty</a:t>
+            </a:r>
+          </a:p>
+          <a:p>
+            <a:pPr lvl="1"/>
+            <a:r>
+              <a:rPr lang="sk-SK" dirty="0"/>
+              <a:t>počet krídel</a:t>
+            </a:r>
+          </a:p>
+          <a:p>
+            <a:pPr lvl="1"/>
+            <a:r>
+              <a:rPr lang="sk-SK" dirty="0"/>
+              <a:t>počet motorov</a:t>
+            </a:r>
+          </a:p>
+          <a:p>
+            <a:pPr lvl="1"/>
+            <a:r>
+              <a:rPr lang="en-US" dirty="0"/>
+              <a:t>v</a:t>
+            </a:r>
+            <a:r>
+              <a:rPr lang="sk-SK" dirty="0" err="1"/>
+              <a:t>lastník</a:t>
+            </a:r>
+            <a:endParaRPr lang="sk-SK" dirty="0"/>
+          </a:p>
+          <a:p>
+            <a:pPr lvl="1"/>
+            <a:r>
+              <a:rPr lang="en-US" dirty="0"/>
+              <a:t>r</a:t>
+            </a:r>
+            <a:r>
+              <a:rPr lang="sk-SK" dirty="0" err="1"/>
+              <a:t>egistračné</a:t>
+            </a:r>
+            <a:r>
+              <a:rPr lang="sk-SK" dirty="0"/>
+              <a:t> číslo lietadla</a:t>
+            </a:r>
+          </a:p>
+          <a:p>
+            <a:pPr lvl="1"/>
+            <a:r>
+              <a:rPr lang="sk-SK" dirty="0"/>
+              <a:t>rýchlosť</a:t>
+            </a:r>
+          </a:p>
+          <a:p>
+            <a:pPr lvl="1"/>
+            <a:r>
+              <a:rPr lang="sk-SK" dirty="0"/>
+              <a:t>výška</a:t>
+            </a:r>
+          </a:p>
+          <a:p>
+            <a:pPr lvl="1"/>
+            <a:r>
+              <a:rPr lang="en-US" dirty="0"/>
+              <a:t>p</a:t>
+            </a:r>
+            <a:r>
+              <a:rPr lang="sk-SK" dirty="0"/>
+              <a:t>otlač lietadla</a:t>
+            </a:r>
+            <a:r>
+              <a:rPr lang="en-US" dirty="0"/>
+              <a:t>, at</a:t>
+            </a:r>
+            <a:r>
+              <a:rPr lang="sk-SK" dirty="0"/>
+              <a:t>ď.</a:t>
+            </a:r>
+          </a:p>
+          <a:p>
+            <a:r>
+              <a:rPr lang="sk-SK" dirty="0"/>
+              <a:t>Každý objekt, ktorý vytvoríme podľa tejto šablóny bude mať takéto vlastnosti, pričom každý objekt môže mať iné hodnoty, </a:t>
+            </a:r>
+            <a:r>
+              <a:rPr lang="sk-SK" dirty="0" err="1"/>
+              <a:t>t.j</a:t>
+            </a:r>
+            <a:r>
+              <a:rPr lang="sk-SK" dirty="0"/>
+              <a:t>.</a:t>
+            </a:r>
+          </a:p>
+          <a:p>
+            <a:pPr lvl="1"/>
+            <a:r>
+              <a:rPr lang="sk-SK" dirty="0"/>
+              <a:t>Iného vlastníka</a:t>
+            </a:r>
+          </a:p>
+          <a:p>
+            <a:pPr lvl="1"/>
+            <a:r>
+              <a:rPr lang="sk-SK" dirty="0"/>
+              <a:t>Iný počet krídel, atď.</a:t>
+            </a:r>
+          </a:p>
+          <a:p>
+            <a:r>
+              <a:rPr lang="sk-SK" dirty="0"/>
+              <a:t>Trieda môže hovoriť aj o tom, aké funkcie je možné s objektom robiť</a:t>
+            </a:r>
+          </a:p>
+          <a:p>
+            <a:pPr lvl="1"/>
+            <a:r>
+              <a:rPr lang="sk-SK" dirty="0"/>
+              <a:t>Pridaj</a:t>
+            </a:r>
+            <a:r>
+              <a:rPr lang="en-US" dirty="0"/>
+              <a:t>Na</a:t>
+            </a:r>
+            <a:endParaRPr lang="sk-SK" dirty="0"/>
+          </a:p>
+          <a:p>
+            <a:pPr lvl="1"/>
+            <a:r>
+              <a:rPr lang="sk-SK" dirty="0"/>
+              <a:t>Uber</a:t>
+            </a:r>
+            <a:r>
+              <a:rPr lang="en-US" dirty="0"/>
+              <a:t>Na</a:t>
+            </a:r>
+            <a:endParaRPr lang="sk-SK" dirty="0"/>
+          </a:p>
+          <a:p>
+            <a:pPr lvl="1"/>
+            <a:r>
+              <a:rPr lang="sk-SK" dirty="0"/>
+              <a:t>Stúpaj</a:t>
+            </a:r>
+            <a:r>
+              <a:rPr lang="en-US" dirty="0"/>
+              <a:t>Na</a:t>
+            </a:r>
+            <a:endParaRPr lang="sk-SK" dirty="0"/>
+          </a:p>
+          <a:p>
+            <a:pPr lvl="1"/>
+            <a:r>
+              <a:rPr lang="sk-SK" dirty="0"/>
+              <a:t>Klesaj</a:t>
+            </a:r>
+            <a:r>
+              <a:rPr lang="en-US" dirty="0"/>
+              <a:t>Na</a:t>
+            </a:r>
+            <a:r>
+              <a:rPr lang="sk-SK" dirty="0"/>
+              <a:t>, ...</a:t>
+            </a:r>
+          </a:p>
+          <a:p>
+            <a:r>
+              <a:rPr lang="sk-SK" dirty="0"/>
+              <a:t>Trieda je niečo ako vlastný zložitý typ</a:t>
+            </a:r>
+          </a:p>
+        </p:txBody>
+      </p:sp>
+    </p:spTree>
+    <p:extLst>
+      <p:ext uri="{BB962C8B-B14F-4D97-AF65-F5344CB8AC3E}">
+        <p14:creationId xmlns:p14="http://schemas.microsoft.com/office/powerpoint/2010/main" val="4212807155"/>
+      </p:ext>
+    </p:extLst>
+  </p:cSld>
+  <p:clrMapOvr>
+    <a:masterClrMapping/>
+  </p:clrMapOvr>
+</p:sld>
+</file>
+
+<file path=ppt/slides/slide111.xml><?xml version="1.0" encoding="utf-8"?>
+<p:sld xmlns:a="http://schemas.openxmlformats.org/drawingml/2006/main" xmlns:r="http://schemas.openxmlformats.org/officeDocument/2006/relationships" xmlns:p="http://schemas.openxmlformats.org/presentationml/2006/main">
+  <p:cSld>
+    <p:spTree>
+      <p:nvGrpSpPr>
+        <p:cNvPr id="1" name=""/>
+        <p:cNvGrpSpPr/>
+        <p:nvPr/>
+      </p:nvGrpSpPr>
+      <p:grpSpPr>
+        <a:xfrm>
+          <a:off x="0" y="0"/>
+          <a:ext cx="0" cy="0"/>
+          <a:chOff x="0" y="0"/>
+          <a:chExt cx="0" cy="0"/>
+        </a:xfrm>
+      </p:grpSpPr>
+      <p:sp>
+        <p:nvSpPr>
+          <p:cNvPr id="2" name="Nadpis 1">
+            <a:extLst>
+              <a:ext uri="{FF2B5EF4-FFF2-40B4-BE49-F238E27FC236}">
+                <a16:creationId xmlns:a16="http://schemas.microsoft.com/office/drawing/2014/main" id="{00AE3D73-0DC9-44D3-AEFE-0882FB4062C6}"/>
+              </a:ext>
+            </a:extLst>
+          </p:cNvPr>
+          <p:cNvSpPr>
+            <a:spLocks noGrp="1"/>
+          </p:cNvSpPr>
+          <p:nvPr>
+            <p:ph type="title"/>
+          </p:nvPr>
+        </p:nvSpPr>
+        <p:spPr/>
+        <p:txBody>
+          <a:bodyPr/>
+          <a:lstStyle/>
+          <a:p>
+            <a:r>
+              <a:rPr lang="en-US" dirty="0" err="1"/>
+              <a:t>Ako</a:t>
+            </a:r>
+            <a:r>
+              <a:rPr lang="en-US" dirty="0"/>
+              <a:t> </a:t>
+            </a:r>
+            <a:r>
+              <a:rPr lang="en-US" dirty="0" err="1"/>
+              <a:t>vyzer</a:t>
+            </a:r>
+            <a:r>
+              <a:rPr lang="sk-SK" dirty="0"/>
+              <a:t>á trieda?</a:t>
+            </a:r>
+          </a:p>
+        </p:txBody>
+      </p:sp>
+      <p:sp>
+        <p:nvSpPr>
+          <p:cNvPr id="3" name="Zástupný objekt pre obsah 2">
+            <a:extLst>
+              <a:ext uri="{FF2B5EF4-FFF2-40B4-BE49-F238E27FC236}">
+                <a16:creationId xmlns:a16="http://schemas.microsoft.com/office/drawing/2014/main" id="{3045F59C-A127-442F-83DB-CA3DD0E9C40D}"/>
+              </a:ext>
+            </a:extLst>
+          </p:cNvPr>
+          <p:cNvSpPr>
+            <a:spLocks noGrp="1"/>
+          </p:cNvSpPr>
+          <p:nvPr>
+            <p:ph idx="1"/>
+          </p:nvPr>
+        </p:nvSpPr>
+        <p:spPr/>
+        <p:txBody>
+          <a:bodyPr/>
+          <a:lstStyle/>
+          <a:p>
+            <a:pPr marL="0" indent="0">
+              <a:buNone/>
+            </a:pPr>
+            <a:r>
+              <a:rPr lang="sk-SK" dirty="0" err="1">
+                <a:solidFill>
+                  <a:srgbClr val="280DC9"/>
+                </a:solidFill>
+              </a:rPr>
+              <a:t>Modifikátor_prístupu</a:t>
+            </a:r>
+            <a:r>
+              <a:rPr lang="sk-SK" dirty="0">
+                <a:solidFill>
+                  <a:srgbClr val="280DC9"/>
+                </a:solidFill>
+              </a:rPr>
+              <a:t> </a:t>
+            </a:r>
+            <a:r>
+              <a:rPr lang="sk-SK" b="1" dirty="0" err="1">
+                <a:solidFill>
+                  <a:srgbClr val="280DC9"/>
+                </a:solidFill>
+              </a:rPr>
+              <a:t>class</a:t>
+            </a:r>
+            <a:r>
+              <a:rPr lang="sk-SK" dirty="0"/>
+              <a:t> </a:t>
+            </a:r>
+            <a:r>
+              <a:rPr lang="sk-SK" dirty="0" err="1"/>
+              <a:t>nazov_triedy</a:t>
+            </a:r>
+            <a:r>
+              <a:rPr lang="sk-SK" dirty="0"/>
+              <a:t> </a:t>
+            </a:r>
+            <a:r>
+              <a:rPr lang="en-US" dirty="0"/>
+              <a:t>{</a:t>
+            </a:r>
+          </a:p>
+          <a:p>
+            <a:pPr marL="0" indent="0">
+              <a:buNone/>
+            </a:pPr>
+            <a:r>
+              <a:rPr lang="en-US" dirty="0"/>
+              <a:t>	</a:t>
+            </a:r>
+            <a:r>
+              <a:rPr lang="en-US" dirty="0" err="1"/>
+              <a:t>premenn</a:t>
+            </a:r>
+            <a:r>
+              <a:rPr lang="sk-SK" dirty="0"/>
+              <a:t>é ...</a:t>
+            </a:r>
+          </a:p>
+          <a:p>
+            <a:pPr marL="0" indent="0">
+              <a:buNone/>
+            </a:pPr>
+            <a:r>
+              <a:rPr lang="sk-SK" dirty="0"/>
+              <a:t>	metódy ...</a:t>
+            </a:r>
+            <a:endParaRPr lang="en-US" dirty="0"/>
+          </a:p>
+          <a:p>
+            <a:pPr marL="0" indent="0">
+              <a:buNone/>
+            </a:pPr>
+            <a:r>
+              <a:rPr lang="en-US" dirty="0"/>
+              <a:t>}</a:t>
+            </a:r>
+            <a:endParaRPr lang="sk-SK" dirty="0"/>
+          </a:p>
+        </p:txBody>
+      </p:sp>
+    </p:spTree>
+    <p:extLst>
+      <p:ext uri="{BB962C8B-B14F-4D97-AF65-F5344CB8AC3E}">
+        <p14:creationId xmlns:p14="http://schemas.microsoft.com/office/powerpoint/2010/main" val="935849589"/>
+      </p:ext>
+    </p:extLst>
+  </p:cSld>
+  <p:clrMapOvr>
+    <a:masterClrMapping/>
+  </p:clrMapOvr>
+</p:sld>
+</file>
+
+<file path=ppt/slides/slide112.xml><?xml version="1.0" encoding="utf-8"?>
+<p:sld xmlns:a="http://schemas.openxmlformats.org/drawingml/2006/main" xmlns:r="http://schemas.openxmlformats.org/officeDocument/2006/relationships" xmlns:p="http://schemas.openxmlformats.org/presentationml/2006/main">
+  <p:cSld>
+    <p:spTree>
+      <p:nvGrpSpPr>
+        <p:cNvPr id="1" name=""/>
+        <p:cNvGrpSpPr/>
+        <p:nvPr/>
+      </p:nvGrpSpPr>
+      <p:grpSpPr>
+        <a:xfrm>
+          <a:off x="0" y="0"/>
+          <a:ext cx="0" cy="0"/>
+          <a:chOff x="0" y="0"/>
+          <a:chExt cx="0" cy="0"/>
+        </a:xfrm>
+      </p:grpSpPr>
+      <p:sp>
+        <p:nvSpPr>
+          <p:cNvPr id="2" name="Nadpis 1">
+            <a:extLst>
+              <a:ext uri="{FF2B5EF4-FFF2-40B4-BE49-F238E27FC236}">
+                <a16:creationId xmlns:a16="http://schemas.microsoft.com/office/drawing/2014/main" id="{38827E9A-38A5-416A-A5DF-51D3D2881278}"/>
+              </a:ext>
+            </a:extLst>
+          </p:cNvPr>
+          <p:cNvSpPr>
+            <a:spLocks noGrp="1"/>
+          </p:cNvSpPr>
+          <p:nvPr>
+            <p:ph type="title"/>
+          </p:nvPr>
+        </p:nvSpPr>
+        <p:spPr/>
+        <p:txBody>
+          <a:bodyPr/>
+          <a:lstStyle/>
+          <a:p>
+            <a:r>
+              <a:rPr lang="sk-SK" dirty="0"/>
+              <a:t>Ako sa pracuje s objektom?</a:t>
+            </a:r>
+          </a:p>
+        </p:txBody>
+      </p:sp>
+      <p:sp>
+        <p:nvSpPr>
+          <p:cNvPr id="3" name="Zástupný objekt pre obsah 2">
+            <a:extLst>
+              <a:ext uri="{FF2B5EF4-FFF2-40B4-BE49-F238E27FC236}">
+                <a16:creationId xmlns:a16="http://schemas.microsoft.com/office/drawing/2014/main" id="{5448068D-3A7E-4BB3-AE82-AA78D5C22D2A}"/>
+              </a:ext>
+            </a:extLst>
+          </p:cNvPr>
+          <p:cNvSpPr>
+            <a:spLocks noGrp="1"/>
+          </p:cNvSpPr>
+          <p:nvPr>
+            <p:ph idx="1"/>
+          </p:nvPr>
+        </p:nvSpPr>
+        <p:spPr/>
+        <p:txBody>
+          <a:bodyPr>
+            <a:normAutofit fontScale="77500" lnSpcReduction="20000"/>
+          </a:bodyPr>
+          <a:lstStyle/>
+          <a:p>
+            <a:r>
+              <a:rPr lang="sk-SK" dirty="0"/>
+              <a:t>Objekt vytvorím napr. takto:</a:t>
+            </a:r>
+          </a:p>
+          <a:p>
+            <a:pPr lvl="1"/>
+            <a:r>
+              <a:rPr lang="sk-SK" b="1" dirty="0" err="1"/>
+              <a:t>Nazov_triedy</a:t>
+            </a:r>
+            <a:r>
+              <a:rPr lang="sk-SK" b="1" dirty="0"/>
+              <a:t> </a:t>
+            </a:r>
+            <a:r>
+              <a:rPr lang="sk-SK" b="1" dirty="0" err="1"/>
+              <a:t>nazov_objektu</a:t>
+            </a:r>
+            <a:r>
+              <a:rPr lang="sk-SK" b="1" dirty="0"/>
+              <a:t> = </a:t>
+            </a:r>
+            <a:r>
+              <a:rPr lang="sk-SK" b="1" dirty="0">
+                <a:solidFill>
+                  <a:srgbClr val="280DC9"/>
+                </a:solidFill>
+              </a:rPr>
+              <a:t>new </a:t>
+            </a:r>
+            <a:r>
+              <a:rPr lang="sk-SK" b="1" dirty="0" err="1"/>
+              <a:t>Nazov_triedy</a:t>
+            </a:r>
+            <a:r>
+              <a:rPr lang="en-US" b="1" dirty="0"/>
+              <a:t>();</a:t>
+            </a:r>
+            <a:endParaRPr lang="sk-SK" b="1" dirty="0"/>
+          </a:p>
+          <a:p>
+            <a:pPr lvl="1"/>
+            <a:r>
+              <a:rPr lang="sk-SK" dirty="0"/>
+              <a:t>Lietadlo </a:t>
+            </a:r>
+            <a:r>
+              <a:rPr lang="sk-SK" dirty="0" err="1"/>
+              <a:t>novyBoeing</a:t>
+            </a:r>
+            <a:r>
+              <a:rPr lang="sk-SK" dirty="0"/>
+              <a:t> = </a:t>
+            </a:r>
+            <a:r>
+              <a:rPr lang="sk-SK" b="1" dirty="0">
+                <a:solidFill>
+                  <a:srgbClr val="280DC9"/>
+                </a:solidFill>
+              </a:rPr>
+              <a:t>new</a:t>
+            </a:r>
+            <a:r>
+              <a:rPr lang="sk-SK" dirty="0"/>
+              <a:t> Lietadlo</a:t>
+            </a:r>
+            <a:r>
+              <a:rPr lang="en-US" dirty="0"/>
+              <a:t>();</a:t>
+            </a:r>
+            <a:endParaRPr lang="sk-SK" dirty="0"/>
+          </a:p>
+          <a:p>
+            <a:r>
+              <a:rPr lang="sk-SK" dirty="0"/>
+              <a:t>K vlastnostiam a metódam objektu potom viem pristúpiť pomocou bodky „</a:t>
+            </a:r>
+            <a:r>
+              <a:rPr lang="sk-SK" b="1" dirty="0"/>
+              <a:t>.“</a:t>
+            </a:r>
+          </a:p>
+          <a:p>
+            <a:pPr lvl="1"/>
+            <a:r>
+              <a:rPr lang="sk-SK" b="1" dirty="0" err="1"/>
+              <a:t>nazov_objektu.vlastnost</a:t>
+            </a:r>
+            <a:r>
+              <a:rPr lang="sk-SK" b="1" dirty="0"/>
+              <a:t> = </a:t>
+            </a:r>
+            <a:r>
+              <a:rPr lang="sk-SK" b="1" dirty="0" err="1"/>
+              <a:t>nova_hodnota</a:t>
+            </a:r>
+            <a:r>
+              <a:rPr lang="sk-SK" b="1" dirty="0"/>
+              <a:t>;</a:t>
+            </a:r>
+            <a:endParaRPr lang="en-US" b="1" dirty="0"/>
+          </a:p>
+          <a:p>
+            <a:pPr lvl="1"/>
+            <a:r>
+              <a:rPr lang="en-US" dirty="0" err="1"/>
+              <a:t>novyBoeing.pocetMotorov</a:t>
+            </a:r>
+            <a:r>
+              <a:rPr lang="en-US" dirty="0"/>
+              <a:t> = 4;</a:t>
+            </a:r>
+            <a:endParaRPr lang="sk-SK" dirty="0"/>
+          </a:p>
+          <a:p>
+            <a:r>
+              <a:rPr lang="sk-SK" dirty="0"/>
+              <a:t>Metódu objektu volám podobne, akurát metódy môžu mať vstupné hodnoty, preto používame aj zátvorky</a:t>
+            </a:r>
+            <a:endParaRPr lang="en-US" dirty="0"/>
+          </a:p>
+          <a:p>
+            <a:pPr lvl="1"/>
+            <a:r>
+              <a:rPr lang="sk-SK" dirty="0"/>
+              <a:t>Ak má metóda návratovú hodnotu môžeme ju niekam uložiť</a:t>
+            </a:r>
+          </a:p>
+          <a:p>
+            <a:pPr lvl="1"/>
+            <a:r>
+              <a:rPr lang="sk-SK" b="1" dirty="0" err="1"/>
+              <a:t>typ_vystupu</a:t>
+            </a:r>
+            <a:r>
+              <a:rPr lang="sk-SK" b="1" dirty="0"/>
+              <a:t> </a:t>
+            </a:r>
+            <a:r>
+              <a:rPr lang="sk-SK" b="1" dirty="0" err="1"/>
+              <a:t>nazov_premennej</a:t>
+            </a:r>
+            <a:r>
+              <a:rPr lang="sk-SK" b="1" dirty="0"/>
+              <a:t> = </a:t>
+            </a:r>
+            <a:r>
+              <a:rPr lang="en-US" b="1" dirty="0"/>
+              <a:t>n</a:t>
+            </a:r>
+            <a:r>
+              <a:rPr lang="sk-SK" b="1" dirty="0" err="1"/>
+              <a:t>azov_objektu.metoda</a:t>
+            </a:r>
+            <a:r>
+              <a:rPr lang="en-US" b="1" dirty="0"/>
+              <a:t>(</a:t>
+            </a:r>
+            <a:r>
+              <a:rPr lang="en-US" b="1" dirty="0" err="1"/>
+              <a:t>vstupy</a:t>
+            </a:r>
+            <a:r>
+              <a:rPr lang="en-US" b="1" dirty="0"/>
+              <a:t>)</a:t>
+            </a:r>
+            <a:r>
+              <a:rPr lang="sk-SK" b="1" dirty="0"/>
+              <a:t>;</a:t>
+            </a:r>
+            <a:endParaRPr lang="en-US" b="1" dirty="0"/>
+          </a:p>
+          <a:p>
+            <a:pPr lvl="1"/>
+            <a:r>
+              <a:rPr lang="en-US" dirty="0" err="1"/>
+              <a:t>boolean</a:t>
+            </a:r>
+            <a:r>
+              <a:rPr lang="en-US" dirty="0"/>
+              <a:t> </a:t>
+            </a:r>
+            <a:r>
+              <a:rPr lang="en-US" dirty="0" err="1"/>
+              <a:t>klesloLietadlo</a:t>
+            </a:r>
+            <a:r>
+              <a:rPr lang="en-US" dirty="0"/>
+              <a:t> = </a:t>
+            </a:r>
+            <a:r>
+              <a:rPr lang="en-US" dirty="0" err="1"/>
+              <a:t>novyBoeing.klesajNa</a:t>
+            </a:r>
+            <a:r>
+              <a:rPr lang="en-US" dirty="0"/>
+              <a:t>(10500);</a:t>
+            </a:r>
+            <a:endParaRPr lang="sk-SK" dirty="0"/>
+          </a:p>
+          <a:p>
+            <a:pPr lvl="1"/>
+            <a:r>
+              <a:rPr lang="sk-SK" dirty="0"/>
+              <a:t>Ak metóda nemá návratovú hodnotu (je procedúra) tak nemám čo ukladať a metóda niečo len urobí</a:t>
+            </a:r>
+          </a:p>
+          <a:p>
+            <a:pPr lvl="1"/>
+            <a:r>
+              <a:rPr lang="sk-SK" b="1" dirty="0" err="1"/>
+              <a:t>nazov_objektu.metoda</a:t>
+            </a:r>
+            <a:r>
+              <a:rPr lang="sk-SK" b="1" dirty="0"/>
+              <a:t>(vstupy);</a:t>
+            </a:r>
+            <a:endParaRPr lang="en-US" b="1" dirty="0"/>
+          </a:p>
+          <a:p>
+            <a:pPr lvl="1"/>
+            <a:r>
+              <a:rPr lang="en-US" dirty="0" err="1"/>
+              <a:t>novyBoeing.vysliNudzovySignalNaFreq</a:t>
+            </a:r>
+            <a:r>
+              <a:rPr lang="en-US" dirty="0"/>
+              <a:t>(12.5);</a:t>
+            </a:r>
+          </a:p>
+          <a:p>
+            <a:endParaRPr lang="sk-SK" dirty="0"/>
+          </a:p>
+        </p:txBody>
+      </p:sp>
+    </p:spTree>
+    <p:extLst>
+      <p:ext uri="{BB962C8B-B14F-4D97-AF65-F5344CB8AC3E}">
+        <p14:creationId xmlns:p14="http://schemas.microsoft.com/office/powerpoint/2010/main" val="3583298581"/>
+      </p:ext>
+    </p:extLst>
+  </p:cSld>
+  <p:clrMapOvr>
+    <a:masterClrMapping/>
+  </p:clrMapOvr>
+</p:sld>
+</file>
+
+<file path=ppt/slides/slide113.xml><?xml version="1.0" encoding="utf-8"?>
+<p:sld xmlns:a="http://schemas.openxmlformats.org/drawingml/2006/main" xmlns:r="http://schemas.openxmlformats.org/officeDocument/2006/relationships" xmlns:p="http://schemas.openxmlformats.org/presentationml/2006/main">
+  <p:cSld>
+    <p:spTree>
+      <p:nvGrpSpPr>
+        <p:cNvPr id="1" name=""/>
+        <p:cNvGrpSpPr/>
+        <p:nvPr/>
+      </p:nvGrpSpPr>
+      <p:grpSpPr>
+        <a:xfrm>
+          <a:off x="0" y="0"/>
+          <a:ext cx="0" cy="0"/>
+          <a:chOff x="0" y="0"/>
+          <a:chExt cx="0" cy="0"/>
+        </a:xfrm>
+      </p:grpSpPr>
+      <p:sp>
+        <p:nvSpPr>
+          <p:cNvPr id="2" name="Nadpis 1">
+            <a:extLst>
+              <a:ext uri="{FF2B5EF4-FFF2-40B4-BE49-F238E27FC236}">
+                <a16:creationId xmlns:a16="http://schemas.microsoft.com/office/drawing/2014/main" id="{E11DE360-0EB8-4AF9-A6E2-256AD4AC68EE}"/>
+              </a:ext>
+            </a:extLst>
+          </p:cNvPr>
+          <p:cNvSpPr>
+            <a:spLocks noGrp="1"/>
+          </p:cNvSpPr>
+          <p:nvPr>
+            <p:ph type="title"/>
+          </p:nvPr>
+        </p:nvSpPr>
+        <p:spPr/>
+        <p:txBody>
+          <a:bodyPr/>
+          <a:lstStyle/>
+          <a:p>
+            <a:r>
+              <a:rPr lang="en-US" dirty="0"/>
+              <a:t>Kon</a:t>
+            </a:r>
+            <a:r>
+              <a:rPr lang="sk-SK" dirty="0" err="1"/>
+              <a:t>štruktor</a:t>
+            </a:r>
+            <a:endParaRPr lang="sk-SK" dirty="0"/>
+          </a:p>
+        </p:txBody>
+      </p:sp>
+      <p:sp>
+        <p:nvSpPr>
+          <p:cNvPr id="3" name="Zástupný objekt pre obsah 2">
+            <a:extLst>
+              <a:ext uri="{FF2B5EF4-FFF2-40B4-BE49-F238E27FC236}">
+                <a16:creationId xmlns:a16="http://schemas.microsoft.com/office/drawing/2014/main" id="{9B9060A6-EEB7-4A30-ABDF-BFE0019DDD0E}"/>
+              </a:ext>
+            </a:extLst>
+          </p:cNvPr>
+          <p:cNvSpPr>
+            <a:spLocks noGrp="1"/>
+          </p:cNvSpPr>
+          <p:nvPr>
+            <p:ph idx="1"/>
+          </p:nvPr>
+        </p:nvSpPr>
+        <p:spPr/>
+        <p:txBody>
+          <a:bodyPr/>
+          <a:lstStyle/>
+          <a:p>
+            <a:r>
+              <a:rPr lang="sk-SK" dirty="0"/>
+              <a:t>Konštruktor triedy je metóda, ktorá:</a:t>
+            </a:r>
+          </a:p>
+          <a:p>
+            <a:pPr lvl="1"/>
+            <a:r>
+              <a:rPr lang="sk-SK" dirty="0"/>
+              <a:t>má rovnaký názov ako trieda</a:t>
+            </a:r>
+          </a:p>
+          <a:p>
+            <a:pPr lvl="1"/>
+            <a:r>
+              <a:rPr lang="sk-SK" dirty="0"/>
+              <a:t>je definovaná v samotnej triede</a:t>
+            </a:r>
+          </a:p>
+          <a:p>
+            <a:pPr lvl="1"/>
+            <a:r>
+              <a:rPr lang="sk-SK" dirty="0"/>
+              <a:t>Inicializuje vlastnosti objektu pri jeho vytváraní</a:t>
+            </a:r>
+          </a:p>
+          <a:p>
+            <a:pPr lvl="1"/>
+            <a:r>
+              <a:rPr lang="sk-SK" dirty="0"/>
+              <a:t>Sa volá hneď za kľúčovým slovom „new“.</a:t>
+            </a:r>
+          </a:p>
+        </p:txBody>
+      </p:sp>
+    </p:spTree>
+    <p:extLst>
+      <p:ext uri="{BB962C8B-B14F-4D97-AF65-F5344CB8AC3E}">
+        <p14:creationId xmlns:p14="http://schemas.microsoft.com/office/powerpoint/2010/main" val="3166866078"/>
+      </p:ext>
+    </p:extLst>
+  </p:cSld>
+  <p:clrMapOvr>
+    <a:masterClrMapping/>
+  </p:clrMapOvr>
+</p:sld>
+</file>
+
+<file path=ppt/slides/slide114.xml><?xml version="1.0" encoding="utf-8"?>
+<p:sld xmlns:a="http://schemas.openxmlformats.org/drawingml/2006/main" xmlns:r="http://schemas.openxmlformats.org/officeDocument/2006/relationships" xmlns:p="http://schemas.openxmlformats.org/presentationml/2006/main">
+  <p:cSld>
+    <p:spTree>
+      <p:nvGrpSpPr>
+        <p:cNvPr id="1" name=""/>
+        <p:cNvGrpSpPr/>
+        <p:nvPr/>
+      </p:nvGrpSpPr>
+      <p:grpSpPr>
+        <a:xfrm>
+          <a:off x="0" y="0"/>
+          <a:ext cx="0" cy="0"/>
+          <a:chOff x="0" y="0"/>
+          <a:chExt cx="0" cy="0"/>
+        </a:xfrm>
+      </p:grpSpPr>
+      <p:sp>
+        <p:nvSpPr>
+          <p:cNvPr id="2" name="Nadpis 1">
+            <a:extLst>
+              <a:ext uri="{FF2B5EF4-FFF2-40B4-BE49-F238E27FC236}">
+                <a16:creationId xmlns:a16="http://schemas.microsoft.com/office/drawing/2014/main" id="{F9E9689C-E91D-4E39-A260-833DF9941587}"/>
+              </a:ext>
+            </a:extLst>
+          </p:cNvPr>
+          <p:cNvSpPr>
+            <a:spLocks noGrp="1"/>
+          </p:cNvSpPr>
+          <p:nvPr>
+            <p:ph type="title"/>
+          </p:nvPr>
+        </p:nvSpPr>
+        <p:spPr/>
+        <p:txBody>
+          <a:bodyPr/>
+          <a:lstStyle/>
+          <a:p>
+            <a:r>
+              <a:rPr lang="en-US" dirty="0" err="1"/>
+              <a:t>Viacero</a:t>
+            </a:r>
+            <a:r>
+              <a:rPr lang="en-US" dirty="0"/>
+              <a:t> </a:t>
+            </a:r>
+            <a:r>
+              <a:rPr lang="en-US" dirty="0" err="1"/>
+              <a:t>kon</a:t>
+            </a:r>
+            <a:r>
+              <a:rPr lang="sk-SK" dirty="0" err="1"/>
+              <a:t>štruktorov</a:t>
+            </a:r>
+            <a:r>
+              <a:rPr lang="sk-SK" dirty="0"/>
+              <a:t> – tzv. preťaženie konštruktora</a:t>
+            </a:r>
+          </a:p>
+        </p:txBody>
+      </p:sp>
+      <p:sp>
+        <p:nvSpPr>
+          <p:cNvPr id="3" name="Zástupný objekt pre obsah 2">
+            <a:extLst>
+              <a:ext uri="{FF2B5EF4-FFF2-40B4-BE49-F238E27FC236}">
+                <a16:creationId xmlns:a16="http://schemas.microsoft.com/office/drawing/2014/main" id="{5547C8DD-16A5-4547-B884-2DBB7704B4A7}"/>
+              </a:ext>
+            </a:extLst>
+          </p:cNvPr>
+          <p:cNvSpPr>
+            <a:spLocks noGrp="1"/>
+          </p:cNvSpPr>
+          <p:nvPr>
+            <p:ph idx="1"/>
+          </p:nvPr>
+        </p:nvSpPr>
+        <p:spPr/>
+        <p:txBody>
+          <a:bodyPr>
+            <a:normAutofit fontScale="92500" lnSpcReduction="10000"/>
+          </a:bodyPr>
+          <a:lstStyle/>
+          <a:p>
+            <a:r>
+              <a:rPr lang="sk-SK" dirty="0"/>
+              <a:t>Trieda môže mať viacero konštruktorov.</a:t>
+            </a:r>
+          </a:p>
+          <a:p>
+            <a:pPr marL="0" indent="0">
+              <a:buNone/>
+            </a:pPr>
+            <a:r>
+              <a:rPr lang="en-US" dirty="0"/>
+              <a:t>p</a:t>
+            </a:r>
+            <a:r>
+              <a:rPr lang="sk-SK" dirty="0" err="1"/>
+              <a:t>ublic</a:t>
+            </a:r>
+            <a:r>
+              <a:rPr lang="sk-SK" dirty="0"/>
+              <a:t> </a:t>
+            </a:r>
+            <a:r>
+              <a:rPr lang="sk-SK" dirty="0" err="1"/>
+              <a:t>class</a:t>
+            </a:r>
+            <a:r>
+              <a:rPr lang="sk-SK" dirty="0"/>
+              <a:t> Lietadlo</a:t>
+            </a:r>
+            <a:r>
+              <a:rPr lang="en-US" dirty="0"/>
+              <a:t>{</a:t>
+            </a:r>
+          </a:p>
+          <a:p>
+            <a:pPr marL="0" indent="0">
+              <a:buNone/>
+            </a:pPr>
+            <a:r>
+              <a:rPr lang="en-US" dirty="0"/>
+              <a:t>	public </a:t>
+            </a:r>
+            <a:r>
+              <a:rPr lang="en-US" dirty="0" err="1"/>
+              <a:t>Lietadlo</a:t>
+            </a:r>
+            <a:r>
+              <a:rPr lang="en-US" dirty="0"/>
+              <a:t>(){}</a:t>
+            </a:r>
+          </a:p>
+          <a:p>
+            <a:pPr marL="0" indent="0">
+              <a:buNone/>
+            </a:pPr>
+            <a:r>
+              <a:rPr lang="en-US" dirty="0"/>
+              <a:t>	public </a:t>
+            </a:r>
+            <a:r>
+              <a:rPr lang="en-US" dirty="0" err="1"/>
+              <a:t>Lietadlo</a:t>
+            </a:r>
+            <a:r>
+              <a:rPr lang="en-US" dirty="0"/>
+              <a:t>(int </a:t>
+            </a:r>
+            <a:r>
+              <a:rPr lang="en-US" dirty="0" err="1"/>
+              <a:t>pocetMotorov</a:t>
+            </a:r>
+            <a:r>
+              <a:rPr lang="en-US" dirty="0"/>
+              <a:t>, int </a:t>
+            </a:r>
+            <a:r>
+              <a:rPr lang="en-US" dirty="0" err="1"/>
+              <a:t>pocetKridel</a:t>
+            </a:r>
+            <a:r>
+              <a:rPr lang="en-US" dirty="0"/>
+              <a:t>){… </a:t>
+            </a:r>
+            <a:r>
+              <a:rPr lang="en-US" dirty="0" err="1"/>
+              <a:t>tu</a:t>
+            </a:r>
+            <a:r>
+              <a:rPr lang="en-US" dirty="0"/>
+              <a:t> by </a:t>
+            </a:r>
+            <a:r>
+              <a:rPr lang="en-US" dirty="0" err="1"/>
+              <a:t>sa</a:t>
+            </a:r>
+            <a:r>
+              <a:rPr lang="en-US" dirty="0"/>
+              <a:t> </a:t>
+            </a:r>
+            <a:r>
+              <a:rPr lang="en-US" dirty="0" err="1"/>
+              <a:t>naplnili</a:t>
+            </a:r>
+            <a:r>
+              <a:rPr lang="en-US" dirty="0"/>
+              <a:t> </a:t>
+            </a:r>
+            <a:r>
+              <a:rPr lang="en-US" dirty="0" err="1"/>
+              <a:t>vlastnosti</a:t>
+            </a:r>
+            <a:r>
+              <a:rPr lang="en-US" dirty="0"/>
+              <a:t> </a:t>
+            </a:r>
+            <a:r>
+              <a:rPr lang="en-US" dirty="0" err="1"/>
+              <a:t>objektu</a:t>
+            </a:r>
+            <a:r>
+              <a:rPr lang="en-US" dirty="0"/>
+              <a:t> … }</a:t>
+            </a:r>
+          </a:p>
+          <a:p>
+            <a:pPr marL="0" indent="0">
+              <a:buNone/>
+            </a:pPr>
+            <a:r>
+              <a:rPr lang="en-US" dirty="0"/>
+              <a:t>	public </a:t>
+            </a:r>
+            <a:r>
+              <a:rPr lang="en-US" dirty="0" err="1"/>
+              <a:t>Lietadlo</a:t>
+            </a:r>
+            <a:r>
+              <a:rPr lang="en-US" dirty="0"/>
+              <a:t>(int </a:t>
+            </a:r>
+            <a:r>
+              <a:rPr lang="en-US" dirty="0" err="1"/>
+              <a:t>pocetMotorov</a:t>
+            </a:r>
+            <a:r>
+              <a:rPr lang="en-US" dirty="0"/>
+              <a:t>, int </a:t>
+            </a:r>
+            <a:r>
+              <a:rPr lang="en-US" dirty="0" err="1"/>
+              <a:t>pocetKridel</a:t>
+            </a:r>
+            <a:r>
+              <a:rPr lang="en-US" dirty="0"/>
+              <a:t>, String </a:t>
+            </a:r>
+            <a:r>
+              <a:rPr lang="en-US" dirty="0" err="1"/>
+              <a:t>vlastnik</a:t>
+            </a:r>
+            <a:r>
+              <a:rPr lang="en-US" dirty="0"/>
+              <a:t>, String </a:t>
+            </a:r>
+            <a:r>
+              <a:rPr lang="en-US" dirty="0" err="1"/>
+              <a:t>oznacenie</a:t>
+            </a:r>
+            <a:r>
+              <a:rPr lang="en-US" dirty="0"/>
+              <a:t>) {… </a:t>
+            </a:r>
+            <a:r>
+              <a:rPr lang="en-US" dirty="0" err="1"/>
+              <a:t>naplnenie</a:t>
+            </a:r>
+            <a:r>
+              <a:rPr lang="en-US" dirty="0"/>
+              <a:t> </a:t>
+            </a:r>
+            <a:r>
+              <a:rPr lang="en-US" dirty="0" err="1"/>
+              <a:t>objektu</a:t>
+            </a:r>
+            <a:r>
+              <a:rPr lang="en-US" dirty="0"/>
+              <a:t> …}</a:t>
+            </a:r>
+          </a:p>
+          <a:p>
+            <a:pPr marL="0" indent="0">
+              <a:buNone/>
+            </a:pPr>
+            <a:r>
+              <a:rPr lang="en-US" dirty="0"/>
+              <a:t>}</a:t>
+            </a:r>
+            <a:endParaRPr lang="sk-SK" dirty="0"/>
+          </a:p>
+          <a:p>
+            <a:r>
+              <a:rPr lang="sk-SK" dirty="0"/>
+              <a:t>Pri vytváraní objektu by viacero konštruktorov dávalo napríklad možnosti:</a:t>
+            </a:r>
+          </a:p>
+          <a:p>
+            <a:pPr lvl="1"/>
+            <a:r>
+              <a:rPr lang="sk-SK" dirty="0"/>
+              <a:t>Lietadlo </a:t>
+            </a:r>
+            <a:r>
+              <a:rPr lang="sk-SK" dirty="0" err="1"/>
+              <a:t>novyBoeing</a:t>
+            </a:r>
+            <a:r>
+              <a:rPr lang="sk-SK" dirty="0"/>
+              <a:t> = Lietadlo</a:t>
+            </a:r>
+            <a:r>
+              <a:rPr lang="en-US" dirty="0"/>
+              <a:t>();</a:t>
+            </a:r>
+          </a:p>
+          <a:p>
+            <a:pPr lvl="1"/>
+            <a:r>
+              <a:rPr lang="en-US" dirty="0" err="1"/>
+              <a:t>Lietadlo</a:t>
+            </a:r>
+            <a:r>
+              <a:rPr lang="en-US" dirty="0"/>
+              <a:t> </a:t>
+            </a:r>
+            <a:r>
+              <a:rPr lang="en-US" dirty="0" err="1"/>
+              <a:t>novyBoeing</a:t>
+            </a:r>
+            <a:r>
+              <a:rPr lang="en-US" dirty="0"/>
+              <a:t> = new </a:t>
+            </a:r>
+            <a:r>
+              <a:rPr lang="en-US" dirty="0" err="1"/>
+              <a:t>Lietadlo</a:t>
+            </a:r>
+            <a:r>
+              <a:rPr lang="en-US" dirty="0"/>
+              <a:t>(2,4);</a:t>
+            </a:r>
+          </a:p>
+          <a:p>
+            <a:pPr lvl="1"/>
+            <a:r>
+              <a:rPr lang="en-US" dirty="0" err="1"/>
+              <a:t>Lietadlo</a:t>
+            </a:r>
+            <a:r>
+              <a:rPr lang="en-US" dirty="0"/>
+              <a:t> </a:t>
+            </a:r>
+            <a:r>
+              <a:rPr lang="en-US" dirty="0" err="1"/>
+              <a:t>novyBoeing</a:t>
+            </a:r>
+            <a:r>
+              <a:rPr lang="en-US" dirty="0"/>
+              <a:t> = new </a:t>
+            </a:r>
+            <a:r>
+              <a:rPr lang="en-US" dirty="0" err="1"/>
+              <a:t>Lietadlo</a:t>
+            </a:r>
+            <a:r>
+              <a:rPr lang="en-US" dirty="0"/>
+              <a:t>(2,4,”Quantas Airlines”, “B74_AM2”);</a:t>
+            </a:r>
+            <a:endParaRPr lang="sk-SK" dirty="0"/>
+          </a:p>
+          <a:p>
+            <a:endParaRPr lang="sk-SK" dirty="0"/>
+          </a:p>
+        </p:txBody>
+      </p:sp>
+    </p:spTree>
+    <p:extLst>
+      <p:ext uri="{BB962C8B-B14F-4D97-AF65-F5344CB8AC3E}">
+        <p14:creationId xmlns:p14="http://schemas.microsoft.com/office/powerpoint/2010/main" val="748786030"/>
+      </p:ext>
+    </p:extLst>
+  </p:cSld>
+  <p:clrMapOvr>
+    <a:masterClrMapping/>
+  </p:clrMapOvr>
+</p:sld>
+</file>
+
+<file path=ppt/slides/slide115.xml><?xml version="1.0" encoding="utf-8"?>
+<p:sld xmlns:a="http://schemas.openxmlformats.org/drawingml/2006/main" xmlns:r="http://schemas.openxmlformats.org/officeDocument/2006/relationships" xmlns:p="http://schemas.openxmlformats.org/presentationml/2006/main">
+  <p:cSld>
+    <p:spTree>
+      <p:nvGrpSpPr>
+        <p:cNvPr id="1" name=""/>
+        <p:cNvGrpSpPr/>
+        <p:nvPr/>
+      </p:nvGrpSpPr>
+      <p:grpSpPr>
+        <a:xfrm>
+          <a:off x="0" y="0"/>
+          <a:ext cx="0" cy="0"/>
+          <a:chOff x="0" y="0"/>
+          <a:chExt cx="0" cy="0"/>
+        </a:xfrm>
+      </p:grpSpPr>
+      <p:sp>
+        <p:nvSpPr>
+          <p:cNvPr id="2" name="Nadpis 1">
+            <a:extLst>
+              <a:ext uri="{FF2B5EF4-FFF2-40B4-BE49-F238E27FC236}">
+                <a16:creationId xmlns:a16="http://schemas.microsoft.com/office/drawing/2014/main" id="{592E093C-30A6-4C4B-AB40-011ED2B5A6CE}"/>
+              </a:ext>
+            </a:extLst>
+          </p:cNvPr>
+          <p:cNvSpPr>
+            <a:spLocks noGrp="1"/>
+          </p:cNvSpPr>
+          <p:nvPr>
+            <p:ph type="title"/>
+          </p:nvPr>
+        </p:nvSpPr>
+        <p:spPr/>
+        <p:txBody>
+          <a:bodyPr/>
+          <a:lstStyle/>
+          <a:p>
+            <a:r>
+              <a:rPr lang="sk-SK" dirty="0"/>
+              <a:t>Kde mám vlastne triedu vytvoriť?</a:t>
+            </a:r>
+          </a:p>
+        </p:txBody>
+      </p:sp>
+      <p:sp>
+        <p:nvSpPr>
+          <p:cNvPr id="3" name="Zástupný objekt pre obsah 2">
+            <a:extLst>
+              <a:ext uri="{FF2B5EF4-FFF2-40B4-BE49-F238E27FC236}">
+                <a16:creationId xmlns:a16="http://schemas.microsoft.com/office/drawing/2014/main" id="{E3065148-01EF-4BF8-917F-8F2C919ADEC6}"/>
+              </a:ext>
+            </a:extLst>
+          </p:cNvPr>
+          <p:cNvSpPr>
+            <a:spLocks noGrp="1"/>
+          </p:cNvSpPr>
+          <p:nvPr>
+            <p:ph idx="1"/>
+          </p:nvPr>
+        </p:nvSpPr>
+        <p:spPr/>
+        <p:txBody>
+          <a:bodyPr/>
+          <a:lstStyle/>
+          <a:p>
+            <a:r>
+              <a:rPr lang="sk-SK" dirty="0"/>
+              <a:t>Každá trieda by mala mať svoj vlastný súbor – upozorní vás na to aj vývojové prostredie</a:t>
+            </a:r>
+          </a:p>
+          <a:p>
+            <a:r>
+              <a:rPr lang="sk-SK" dirty="0"/>
+              <a:t>Ak chcem použiť čokoľvek z inej triedy, ktorá je v inom </a:t>
+            </a:r>
+            <a:r>
+              <a:rPr lang="sk-SK" dirty="0" err="1"/>
+              <a:t>packagi</a:t>
+            </a:r>
+            <a:r>
+              <a:rPr lang="sk-SK" dirty="0"/>
+              <a:t>, musím importovať </a:t>
+            </a:r>
+            <a:r>
+              <a:rPr lang="sk-SK" dirty="0" err="1"/>
+              <a:t>package</a:t>
+            </a:r>
+            <a:r>
+              <a:rPr lang="sk-SK" dirty="0"/>
+              <a:t> alebo triedu.</a:t>
+            </a:r>
+          </a:p>
+        </p:txBody>
+      </p:sp>
+    </p:spTree>
+    <p:extLst>
+      <p:ext uri="{BB962C8B-B14F-4D97-AF65-F5344CB8AC3E}">
+        <p14:creationId xmlns:p14="http://schemas.microsoft.com/office/powerpoint/2010/main" val="3232591457"/>
+      </p:ext>
+    </p:extLst>
+  </p:cSld>
+  <p:clrMapOvr>
+    <a:masterClrMapping/>
+  </p:clrMapOvr>
+</p:sld>
+</file>
+
+<file path=ppt/slides/slide116.xml><?xml version="1.0" encoding="utf-8"?>
+<p:sld xmlns:a="http://schemas.openxmlformats.org/drawingml/2006/main" xmlns:r="http://schemas.openxmlformats.org/officeDocument/2006/relationships" xmlns:p="http://schemas.openxmlformats.org/presentationml/2006/main">
+  <p:cSld>
+    <p:spTree>
+      <p:nvGrpSpPr>
+        <p:cNvPr id="1" name=""/>
+        <p:cNvGrpSpPr/>
+        <p:nvPr/>
+      </p:nvGrpSpPr>
+      <p:grpSpPr>
+        <a:xfrm>
+          <a:off x="0" y="0"/>
+          <a:ext cx="0" cy="0"/>
+          <a:chOff x="0" y="0"/>
+          <a:chExt cx="0" cy="0"/>
+        </a:xfrm>
+      </p:grpSpPr>
+      <p:sp>
+        <p:nvSpPr>
+          <p:cNvPr id="2" name="Nadpis 1">
+            <a:extLst>
+              <a:ext uri="{FF2B5EF4-FFF2-40B4-BE49-F238E27FC236}">
+                <a16:creationId xmlns:a16="http://schemas.microsoft.com/office/drawing/2014/main" id="{EC482C0C-67E9-4DA3-B900-F7C43FD9147C}"/>
+              </a:ext>
+            </a:extLst>
+          </p:cNvPr>
+          <p:cNvSpPr>
+            <a:spLocks noGrp="1"/>
+          </p:cNvSpPr>
+          <p:nvPr>
+            <p:ph type="title"/>
+          </p:nvPr>
+        </p:nvSpPr>
+        <p:spPr/>
+        <p:txBody>
+          <a:bodyPr/>
+          <a:lstStyle/>
+          <a:p>
+            <a:r>
+              <a:rPr lang="sk-SK" dirty="0"/>
+              <a:t>Cvičenie ... Resp. Ako to vyzerá na papieri ... </a:t>
+            </a:r>
+          </a:p>
+        </p:txBody>
+      </p:sp>
+      <p:sp>
+        <p:nvSpPr>
+          <p:cNvPr id="3" name="Zástupný objekt pre obsah 2">
+            <a:extLst>
+              <a:ext uri="{FF2B5EF4-FFF2-40B4-BE49-F238E27FC236}">
+                <a16:creationId xmlns:a16="http://schemas.microsoft.com/office/drawing/2014/main" id="{E00CF0B0-067A-4EB3-8BCF-C9CB81CACF2D}"/>
+              </a:ext>
+            </a:extLst>
+          </p:cNvPr>
+          <p:cNvSpPr>
+            <a:spLocks noGrp="1"/>
+          </p:cNvSpPr>
+          <p:nvPr>
+            <p:ph idx="1"/>
+          </p:nvPr>
+        </p:nvSpPr>
+        <p:spPr/>
+        <p:txBody>
+          <a:bodyPr/>
+          <a:lstStyle/>
+          <a:p>
+            <a:r>
+              <a:rPr lang="sk-SK" dirty="0"/>
+              <a:t>Skúste si rozobrať doménu „pečenie pizze“ na papier.</a:t>
+            </a:r>
+          </a:p>
+          <a:p>
+            <a:r>
+              <a:rPr lang="sk-SK" dirty="0"/>
+              <a:t>Identifikujte triedy v doméne</a:t>
+            </a:r>
+          </a:p>
+          <a:p>
+            <a:r>
+              <a:rPr lang="sk-SK" dirty="0"/>
+              <a:t>Ku každej triede vypíšte ich vlastnosti a metódy, ktoré je možné s danou triedou urobiť.</a:t>
+            </a:r>
+          </a:p>
+          <a:p>
+            <a:r>
+              <a:rPr lang="sk-SK" dirty="0"/>
+              <a:t>Do akej hĺbky pôjdete?</a:t>
+            </a:r>
+          </a:p>
+          <a:p>
+            <a:r>
+              <a:rPr lang="sk-SK" dirty="0"/>
+              <a:t>Kde definujete, ktoré vlastnosti a metódy? Napr. ktorá trieda bude mať metódu upeč, ktorá chladni ...?</a:t>
+            </a:r>
+          </a:p>
+        </p:txBody>
+      </p:sp>
+    </p:spTree>
+    <p:extLst>
+      <p:ext uri="{BB962C8B-B14F-4D97-AF65-F5344CB8AC3E}">
+        <p14:creationId xmlns:p14="http://schemas.microsoft.com/office/powerpoint/2010/main" val="1462986322"/>
+      </p:ext>
+    </p:extLst>
+  </p:cSld>
+  <p:clrMapOvr>
+    <a:masterClrMapping/>
+  </p:clrMapOvr>
+</p:sld>
+</file>
+
+<file path=ppt/slides/slide117.xml><?xml version="1.0" encoding="utf-8"?>
+<p:sld xmlns:a="http://schemas.openxmlformats.org/drawingml/2006/main" xmlns:r="http://schemas.openxmlformats.org/officeDocument/2006/relationships" xmlns:p="http://schemas.openxmlformats.org/presentationml/2006/main">
+  <p:cSld>
+    <p:spTree>
+      <p:nvGrpSpPr>
+        <p:cNvPr id="1" name=""/>
+        <p:cNvGrpSpPr/>
+        <p:nvPr/>
+      </p:nvGrpSpPr>
+      <p:grpSpPr>
+        <a:xfrm>
+          <a:off x="0" y="0"/>
+          <a:ext cx="0" cy="0"/>
+          <a:chOff x="0" y="0"/>
+          <a:chExt cx="0" cy="0"/>
+        </a:xfrm>
+      </p:grpSpPr>
+      <p:sp>
+        <p:nvSpPr>
+          <p:cNvPr id="2" name="Nadpis 1">
+            <a:extLst>
+              <a:ext uri="{FF2B5EF4-FFF2-40B4-BE49-F238E27FC236}">
+                <a16:creationId xmlns:a16="http://schemas.microsoft.com/office/drawing/2014/main" id="{99AAADC8-2E0F-4C6B-B1EA-A69CF8A66DE8}"/>
+              </a:ext>
+            </a:extLst>
+          </p:cNvPr>
+          <p:cNvSpPr>
+            <a:spLocks noGrp="1"/>
+          </p:cNvSpPr>
+          <p:nvPr>
+            <p:ph type="title"/>
+          </p:nvPr>
+        </p:nvSpPr>
+        <p:spPr/>
+        <p:txBody>
+          <a:bodyPr/>
+          <a:lstStyle/>
+          <a:p>
+            <a:r>
+              <a:rPr lang="sk-SK" dirty="0"/>
+              <a:t>To čo máte na papieri napíšte do kódu</a:t>
+            </a:r>
+          </a:p>
+        </p:txBody>
+      </p:sp>
+      <p:sp>
+        <p:nvSpPr>
+          <p:cNvPr id="3" name="Zástupný objekt pre obsah 2">
+            <a:extLst>
+              <a:ext uri="{FF2B5EF4-FFF2-40B4-BE49-F238E27FC236}">
+                <a16:creationId xmlns:a16="http://schemas.microsoft.com/office/drawing/2014/main" id="{4C76F791-B60F-4A64-840A-A5B831C40499}"/>
+              </a:ext>
+            </a:extLst>
+          </p:cNvPr>
+          <p:cNvSpPr>
+            <a:spLocks noGrp="1"/>
+          </p:cNvSpPr>
+          <p:nvPr>
+            <p:ph idx="1"/>
+          </p:nvPr>
+        </p:nvSpPr>
+        <p:spPr/>
+        <p:txBody>
+          <a:bodyPr/>
+          <a:lstStyle/>
+          <a:p>
+            <a:r>
+              <a:rPr lang="sk-SK" i="1" dirty="0"/>
+              <a:t>Pozn.</a:t>
+            </a:r>
+          </a:p>
+          <a:p>
+            <a:pPr lvl="1"/>
+            <a:r>
+              <a:rPr lang="sk-SK" dirty="0"/>
+              <a:t>Zamyslite sa nad tým, aké typy môžu mať jednotlivé vlastnosti? Čo je </a:t>
+            </a:r>
+            <a:r>
+              <a:rPr lang="sk-SK" dirty="0" err="1"/>
+              <a:t>int</a:t>
+            </a:r>
+            <a:r>
+              <a:rPr lang="sk-SK" dirty="0"/>
+              <a:t>, čo je </a:t>
+            </a:r>
+            <a:r>
+              <a:rPr lang="sk-SK" dirty="0" err="1"/>
+              <a:t>String</a:t>
+            </a:r>
+            <a:r>
+              <a:rPr lang="sk-SK" dirty="0"/>
+              <a:t>, atď.</a:t>
+            </a:r>
+          </a:p>
+          <a:p>
+            <a:pPr lvl="1"/>
+            <a:r>
+              <a:rPr lang="sk-SK" dirty="0"/>
+              <a:t>Ak má pizza napr. korpus, ten nebude ani </a:t>
+            </a:r>
+            <a:r>
+              <a:rPr lang="sk-SK" dirty="0" err="1"/>
+              <a:t>int</a:t>
+            </a:r>
+            <a:r>
+              <a:rPr lang="sk-SK" dirty="0"/>
+              <a:t> ani </a:t>
+            </a:r>
+            <a:r>
+              <a:rPr lang="sk-SK" dirty="0" err="1"/>
+              <a:t>String</a:t>
+            </a:r>
+            <a:r>
+              <a:rPr lang="sk-SK" dirty="0"/>
+              <a:t>. Aký typ to môže byť? Súčasťou akej triedy bude vlastnosť korpus a ingrediencie?</a:t>
+            </a:r>
+          </a:p>
+        </p:txBody>
+      </p:sp>
+    </p:spTree>
+    <p:extLst>
+      <p:ext uri="{BB962C8B-B14F-4D97-AF65-F5344CB8AC3E}">
+        <p14:creationId xmlns:p14="http://schemas.microsoft.com/office/powerpoint/2010/main" val="3025274309"/>
+      </p:ext>
+    </p:extLst>
+  </p:cSld>
+  <p:clrMapOvr>
+    <a:masterClrMapping/>
+  </p:clrMapOvr>
+</p:sld>
+</file>
+
+<file path=ppt/slides/slide118.xml><?xml version="1.0" encoding="utf-8"?>
+<p:sld xmlns:a="http://schemas.openxmlformats.org/drawingml/2006/main" xmlns:r="http://schemas.openxmlformats.org/officeDocument/2006/relationships" xmlns:p="http://schemas.openxmlformats.org/presentationml/2006/main">
+  <p:cSld>
+    <p:spTree>
+      <p:nvGrpSpPr>
+        <p:cNvPr id="1" name=""/>
+        <p:cNvGrpSpPr/>
+        <p:nvPr/>
+      </p:nvGrpSpPr>
+      <p:grpSpPr>
+        <a:xfrm>
+          <a:off x="0" y="0"/>
+          <a:ext cx="0" cy="0"/>
+          <a:chOff x="0" y="0"/>
+          <a:chExt cx="0" cy="0"/>
+        </a:xfrm>
+      </p:grpSpPr>
+      <p:sp>
+        <p:nvSpPr>
+          <p:cNvPr id="2" name="Nadpis 1">
+            <a:extLst>
+              <a:ext uri="{FF2B5EF4-FFF2-40B4-BE49-F238E27FC236}">
+                <a16:creationId xmlns:a16="http://schemas.microsoft.com/office/drawing/2014/main" id="{82152323-0BC3-40E0-AB69-BFF87F7A9313}"/>
+              </a:ext>
+            </a:extLst>
+          </p:cNvPr>
+          <p:cNvSpPr>
+            <a:spLocks noGrp="1"/>
+          </p:cNvSpPr>
+          <p:nvPr>
+            <p:ph type="title"/>
+          </p:nvPr>
+        </p:nvSpPr>
+        <p:spPr/>
+        <p:txBody>
+          <a:bodyPr/>
+          <a:lstStyle/>
+          <a:p>
+            <a:r>
+              <a:rPr lang="sk-SK" dirty="0"/>
+              <a:t>Ako vytvorím hierarchiu medzi triedami ?</a:t>
+            </a:r>
+          </a:p>
+        </p:txBody>
+      </p:sp>
+      <p:sp>
+        <p:nvSpPr>
+          <p:cNvPr id="3" name="Zástupný objekt pre obsah 2">
+            <a:extLst>
+              <a:ext uri="{FF2B5EF4-FFF2-40B4-BE49-F238E27FC236}">
+                <a16:creationId xmlns:a16="http://schemas.microsoft.com/office/drawing/2014/main" id="{9B76602C-4ECA-492C-AEBA-710C75815458}"/>
+              </a:ext>
+            </a:extLst>
+          </p:cNvPr>
+          <p:cNvSpPr>
+            <a:spLocks noGrp="1"/>
+          </p:cNvSpPr>
+          <p:nvPr>
+            <p:ph idx="1"/>
+          </p:nvPr>
+        </p:nvSpPr>
+        <p:spPr/>
+        <p:txBody>
+          <a:bodyPr/>
+          <a:lstStyle/>
+          <a:p>
+            <a:r>
+              <a:rPr lang="sk-SK" dirty="0"/>
+              <a:t>Napr. mám triedu Pec</a:t>
+            </a:r>
+          </a:p>
+          <a:p>
+            <a:r>
+              <a:rPr lang="sk-SK" dirty="0"/>
+              <a:t>Čo má spoločné elektrická a tehlová pec na pizzu?</a:t>
+            </a:r>
+          </a:p>
+          <a:p>
+            <a:pPr lvl="1"/>
+            <a:r>
+              <a:rPr lang="sk-SK" dirty="0"/>
+              <a:t>To čo je spoločné je súčasťou triedy pec</a:t>
+            </a:r>
+          </a:p>
+          <a:p>
+            <a:pPr lvl="1"/>
+            <a:r>
+              <a:rPr lang="sk-SK" dirty="0"/>
+              <a:t>To čo je odlišné je súčasťou každej triedy zvlášť</a:t>
+            </a:r>
+          </a:p>
+          <a:p>
+            <a:r>
+              <a:rPr lang="sk-SK" dirty="0"/>
+              <a:t>Trieda pec je preto tzv. rodičovská trieda k elektrickej peci a tehlovej peci</a:t>
+            </a:r>
+          </a:p>
+          <a:p>
+            <a:r>
+              <a:rPr lang="sk-SK" dirty="0"/>
+              <a:t>Berte do úvahy, že elektrická pec je TYP nie objekt, podobne tehlová pec je TYP nie objekt</a:t>
+            </a:r>
+          </a:p>
+          <a:p>
+            <a:r>
+              <a:rPr lang="sk-SK" dirty="0"/>
+              <a:t>Elektrická a tehlová pec teda DEDIA vlastnosti od triedy PEC.</a:t>
+            </a:r>
+          </a:p>
+          <a:p>
+            <a:r>
+              <a:rPr lang="sk-SK" dirty="0"/>
+              <a:t>Dedenie označíme ako </a:t>
+            </a:r>
+            <a:r>
+              <a:rPr lang="sk-SK" dirty="0" err="1">
+                <a:solidFill>
+                  <a:srgbClr val="280DC9"/>
+                </a:solidFill>
+              </a:rPr>
+              <a:t>public</a:t>
+            </a:r>
+            <a:r>
+              <a:rPr lang="sk-SK" dirty="0"/>
+              <a:t> </a:t>
+            </a:r>
+            <a:r>
+              <a:rPr lang="sk-SK" b="1" dirty="0" err="1">
+                <a:solidFill>
+                  <a:srgbClr val="280DC9"/>
+                </a:solidFill>
+              </a:rPr>
+              <a:t>class</a:t>
+            </a:r>
+            <a:r>
+              <a:rPr lang="sk-SK" dirty="0"/>
+              <a:t> </a:t>
+            </a:r>
+            <a:r>
+              <a:rPr lang="sk-SK" dirty="0" err="1"/>
+              <a:t>nazov_dcerskej_triedy</a:t>
+            </a:r>
+            <a:r>
+              <a:rPr lang="sk-SK" dirty="0"/>
+              <a:t> </a:t>
+            </a:r>
+            <a:r>
+              <a:rPr lang="sk-SK" dirty="0" err="1">
+                <a:solidFill>
+                  <a:srgbClr val="280DC9"/>
+                </a:solidFill>
+              </a:rPr>
+              <a:t>extends</a:t>
+            </a:r>
+            <a:r>
+              <a:rPr lang="sk-SK" dirty="0"/>
+              <a:t> </a:t>
+            </a:r>
+            <a:r>
+              <a:rPr lang="sk-SK" dirty="0" err="1"/>
+              <a:t>nazov_rodicovskej_triedy</a:t>
+            </a:r>
+            <a:endParaRPr lang="sk-SK" dirty="0"/>
+          </a:p>
+          <a:p>
+            <a:pPr lvl="1"/>
+            <a:r>
+              <a:rPr lang="sk-SK" dirty="0" err="1">
+                <a:solidFill>
+                  <a:srgbClr val="280DC9"/>
+                </a:solidFill>
+              </a:rPr>
+              <a:t>public</a:t>
+            </a:r>
+            <a:r>
+              <a:rPr lang="sk-SK" dirty="0"/>
+              <a:t> </a:t>
+            </a:r>
+            <a:r>
+              <a:rPr lang="sk-SK" b="1" dirty="0" err="1">
+                <a:solidFill>
+                  <a:srgbClr val="280DC9"/>
+                </a:solidFill>
+              </a:rPr>
+              <a:t>class</a:t>
+            </a:r>
+            <a:r>
+              <a:rPr lang="sk-SK" dirty="0"/>
+              <a:t> </a:t>
+            </a:r>
+            <a:r>
+              <a:rPr lang="sk-SK" dirty="0" err="1"/>
+              <a:t>ElektrickaPec</a:t>
+            </a:r>
+            <a:r>
+              <a:rPr lang="sk-SK" dirty="0"/>
+              <a:t> </a:t>
+            </a:r>
+            <a:r>
+              <a:rPr lang="sk-SK" dirty="0" err="1">
+                <a:solidFill>
+                  <a:srgbClr val="280DC9"/>
+                </a:solidFill>
+              </a:rPr>
+              <a:t>extends</a:t>
+            </a:r>
+            <a:r>
+              <a:rPr lang="sk-SK" dirty="0"/>
+              <a:t> Pec</a:t>
+            </a:r>
+          </a:p>
+        </p:txBody>
+      </p:sp>
+    </p:spTree>
+    <p:extLst>
+      <p:ext uri="{BB962C8B-B14F-4D97-AF65-F5344CB8AC3E}">
+        <p14:creationId xmlns:p14="http://schemas.microsoft.com/office/powerpoint/2010/main" val="3292006489"/>
       </p:ext>
     </p:extLst>
   </p:cSld>
@@ -15710,7 +17894,7 @@
                   <a:srgbClr val="FF0000"/>
                 </a:solidFill>
               </a:rPr>
-              <a:t>System.Output.print</a:t>
+              <a:t>System.out.print</a:t>
             </a:r>
             <a:r>
               <a:rPr lang="sk-SK" dirty="0">
@@ -15726,7 +17910,7 @@
                   <a:srgbClr val="FF0000"/>
                 </a:solidFill>
               </a:rPr>
-              <a:t>System.Output.println</a:t>
+              <a:t>System.out.println</a:t>
             </a:r>
             <a:endParaRPr lang="sk-SK" dirty="0">
               <a:solidFill>
@@ -22763,6 +24947,14 @@
 <file path=ppt/slides/slide66.xml><?xml version="1.0" encoding="utf-8"?>
 <p:sld xmlns:a="http://schemas.openxmlformats.org/drawingml/2006/main" xmlns:r="http://schemas.openxmlformats.org/officeDocument/2006/relationships" xmlns:p="http://schemas.openxmlformats.org/presentationml/2006/main">
   <p:cSld>
+    <p:bg>
+      <p:bgPr>
+        <a:solidFill>
+          <a:schemeClr val="bg1"/>
+        </a:solidFill>
+        <a:effectLst/>
+      </p:bgPr>
+    </p:bg>
     <p:spTree>
       <p:nvGrpSpPr>
         <p:cNvPr id="1" name=""/>
@@ -22779,6 +24971,1554 @@
       </p:grpSpPr>
       <p:sp>
         <p:nvSpPr>
+          <p:cNvPr id="8" name="Rectangle 7">
+            <a:extLst>
+              <a:ext uri="{FF2B5EF4-FFF2-40B4-BE49-F238E27FC236}">
+                <a16:creationId xmlns:a16="http://schemas.microsoft.com/office/drawing/2014/main" id="{E9AA9F65-94B8-41A5-A7FF-23D2CFB116BB}"/>
+              </a:ext>
+              <a:ext uri="{C183D7F6-B498-43B3-948B-1728B52AA6E4}">
+                <adec:decorative xmlns:adec="http://schemas.microsoft.com/office/drawing/2017/decorative" val="1"/>
+              </a:ext>
+            </a:extLst>
+          </p:cNvPr>
+          <p:cNvSpPr>
+            <a:spLocks noGrp="1" noRot="1" noChangeAspect="1" noMove="1" noResize="1" noEditPoints="1" noAdjustHandles="1" noChangeArrowheads="1" noChangeShapeType="1" noTextEdit="1"/>
+          </p:cNvSpPr>
+          <p:nvPr>
+            <p:extLst>
+              <p:ext uri="{386F3935-93C4-4BCD-93E2-E3B085C9AB24}">
+                <p16:designElem xmlns:p16="http://schemas.microsoft.com/office/powerpoint/2015/main" val="1"/>
+              </p:ext>
+            </p:extLst>
+          </p:nvPr>
+        </p:nvSpPr>
+        <p:spPr>
+          <a:xfrm>
+            <a:off x="446534" y="457200"/>
+            <a:ext cx="3703320" cy="94997"/>
+          </a:xfrm>
+          <a:prstGeom prst="rect">
+            <a:avLst/>
+          </a:prstGeom>
+          <a:solidFill>
+            <a:schemeClr val="accent1"/>
+          </a:solidFill>
+          <a:ln>
+            <a:noFill/>
+          </a:ln>
+          <a:effectLst/>
+        </p:spPr>
+        <p:style>
+          <a:lnRef idx="1">
+            <a:schemeClr val="accent1"/>
+          </a:lnRef>
+          <a:fillRef idx="3">
+            <a:schemeClr val="accent1"/>
+          </a:fillRef>
+          <a:effectRef idx="2">
+            <a:schemeClr val="accent1"/>
+          </a:effectRef>
+          <a:fontRef idx="minor">
+            <a:schemeClr val="lt1"/>
+          </a:fontRef>
+        </p:style>
+      </p:sp>
+      <p:sp>
+        <p:nvSpPr>
+          <p:cNvPr id="10" name="Rectangle 9">
+            <a:extLst>
+              <a:ext uri="{FF2B5EF4-FFF2-40B4-BE49-F238E27FC236}">
+                <a16:creationId xmlns:a16="http://schemas.microsoft.com/office/drawing/2014/main" id="{7E8B0F8E-3F6C-4541-B9C1-774D80A08834}"/>
+              </a:ext>
+              <a:ext uri="{C183D7F6-B498-43B3-948B-1728B52AA6E4}">
+                <adec:decorative xmlns:adec="http://schemas.microsoft.com/office/drawing/2017/decorative" val="1"/>
+              </a:ext>
+            </a:extLst>
+          </p:cNvPr>
+          <p:cNvSpPr>
+            <a:spLocks noGrp="1" noRot="1" noChangeAspect="1" noMove="1" noResize="1" noEditPoints="1" noAdjustHandles="1" noChangeArrowheads="1" noChangeShapeType="1" noTextEdit="1"/>
+          </p:cNvSpPr>
+          <p:nvPr>
+            <p:extLst>
+              <p:ext uri="{386F3935-93C4-4BCD-93E2-E3B085C9AB24}">
+                <p16:designElem xmlns:p16="http://schemas.microsoft.com/office/powerpoint/2015/main" val="1"/>
+              </p:ext>
+            </p:extLst>
+          </p:nvPr>
+        </p:nvSpPr>
+        <p:spPr>
+          <a:xfrm>
+            <a:off x="8042147" y="453643"/>
+            <a:ext cx="3703320" cy="98554"/>
+          </a:xfrm>
+          <a:prstGeom prst="rect">
+            <a:avLst/>
+          </a:prstGeom>
+          <a:solidFill>
+            <a:schemeClr val="accent4"/>
+          </a:solidFill>
+          <a:ln>
+            <a:noFill/>
+          </a:ln>
+          <a:effectLst/>
+        </p:spPr>
+        <p:style>
+          <a:lnRef idx="1">
+            <a:schemeClr val="accent1"/>
+          </a:lnRef>
+          <a:fillRef idx="3">
+            <a:schemeClr val="accent1"/>
+          </a:fillRef>
+          <a:effectRef idx="2">
+            <a:schemeClr val="accent1"/>
+          </a:effectRef>
+          <a:fontRef idx="minor">
+            <a:schemeClr val="lt1"/>
+          </a:fontRef>
+        </p:style>
+      </p:sp>
+      <p:sp>
+        <p:nvSpPr>
+          <p:cNvPr id="12" name="Rectangle 11">
+            <a:extLst>
+              <a:ext uri="{FF2B5EF4-FFF2-40B4-BE49-F238E27FC236}">
+                <a16:creationId xmlns:a16="http://schemas.microsoft.com/office/drawing/2014/main" id="{7A45F5BC-32D1-41CD-B270-C46F18CA1ACC}"/>
+              </a:ext>
+              <a:ext uri="{C183D7F6-B498-43B3-948B-1728B52AA6E4}">
+                <adec:decorative xmlns:adec="http://schemas.microsoft.com/office/drawing/2017/decorative" val="1"/>
+              </a:ext>
+            </a:extLst>
+          </p:cNvPr>
+          <p:cNvSpPr>
+            <a:spLocks noGrp="1" noRot="1" noChangeAspect="1" noMove="1" noResize="1" noEditPoints="1" noAdjustHandles="1" noChangeArrowheads="1" noChangeShapeType="1" noTextEdit="1"/>
+          </p:cNvSpPr>
+          <p:nvPr>
+            <p:extLst>
+              <p:ext uri="{386F3935-93C4-4BCD-93E2-E3B085C9AB24}">
+                <p16:designElem xmlns:p16="http://schemas.microsoft.com/office/powerpoint/2015/main" val="1"/>
+              </p:ext>
+            </p:extLst>
+          </p:nvPr>
+        </p:nvSpPr>
+        <p:spPr>
+          <a:xfrm>
+            <a:off x="4241830" y="457200"/>
+            <a:ext cx="3703320" cy="91440"/>
+          </a:xfrm>
+          <a:prstGeom prst="rect">
+            <a:avLst/>
+          </a:prstGeom>
+          <a:solidFill>
+            <a:schemeClr val="accent2"/>
+          </a:solidFill>
+          <a:ln>
+            <a:noFill/>
+          </a:ln>
+          <a:effectLst/>
+        </p:spPr>
+        <p:style>
+          <a:lnRef idx="1">
+            <a:schemeClr val="accent1"/>
+          </a:lnRef>
+          <a:fillRef idx="3">
+            <a:schemeClr val="accent1"/>
+          </a:fillRef>
+          <a:effectRef idx="2">
+            <a:schemeClr val="accent1"/>
+          </a:effectRef>
+          <a:fontRef idx="minor">
+            <a:schemeClr val="lt1"/>
+          </a:fontRef>
+        </p:style>
+      </p:sp>
+      <p:sp>
+        <p:nvSpPr>
+          <p:cNvPr id="14" name="Rectangle 13">
+            <a:extLst>
+              <a:ext uri="{FF2B5EF4-FFF2-40B4-BE49-F238E27FC236}">
+                <a16:creationId xmlns:a16="http://schemas.microsoft.com/office/drawing/2014/main" id="{CE57EE13-72B0-4FFA-ACE1-EBDE89340E47}"/>
+              </a:ext>
+              <a:ext uri="{C183D7F6-B498-43B3-948B-1728B52AA6E4}">
+                <adec:decorative xmlns:adec="http://schemas.microsoft.com/office/drawing/2017/decorative" val="1"/>
+              </a:ext>
+            </a:extLst>
+          </p:cNvPr>
+          <p:cNvSpPr>
+            <a:spLocks noGrp="1" noRot="1" noChangeAspect="1" noMove="1" noResize="1" noEditPoints="1" noAdjustHandles="1" noChangeArrowheads="1" noChangeShapeType="1" noTextEdit="1"/>
+          </p:cNvSpPr>
+          <p:nvPr>
+            <p:extLst>
+              <p:ext uri="{386F3935-93C4-4BCD-93E2-E3B085C9AB24}">
+                <p16:designElem xmlns:p16="http://schemas.microsoft.com/office/powerpoint/2015/main" val="1"/>
+              </p:ext>
+            </p:extLst>
+          </p:nvPr>
+        </p:nvSpPr>
+        <p:spPr>
+          <a:xfrm>
+            <a:off x="446534" y="3085765"/>
+            <a:ext cx="11262866" cy="3304800"/>
+          </a:xfrm>
+          <a:prstGeom prst="rect">
+            <a:avLst/>
+          </a:prstGeom>
+          <a:solidFill>
+            <a:schemeClr val="accent1"/>
+          </a:solidFill>
+          <a:ln>
+            <a:noFill/>
+          </a:ln>
+          <a:effectLst/>
+        </p:spPr>
+        <p:style>
+          <a:lnRef idx="1">
+            <a:schemeClr val="accent1"/>
+          </a:lnRef>
+          <a:fillRef idx="3">
+            <a:schemeClr val="accent1"/>
+          </a:fillRef>
+          <a:effectRef idx="2">
+            <a:schemeClr val="accent1"/>
+          </a:effectRef>
+          <a:fontRef idx="minor">
+            <a:schemeClr val="lt1"/>
+          </a:fontRef>
+        </p:style>
+      </p:sp>
+      <p:sp>
+        <p:nvSpPr>
+          <p:cNvPr id="16" name="Rectangle 15">
+            <a:extLst>
+              <a:ext uri="{FF2B5EF4-FFF2-40B4-BE49-F238E27FC236}">
+                <a16:creationId xmlns:a16="http://schemas.microsoft.com/office/drawing/2014/main" id="{328C565D-A991-4381-AC37-76A58A4A128F}"/>
+              </a:ext>
+              <a:ext uri="{C183D7F6-B498-43B3-948B-1728B52AA6E4}">
+                <adec:decorative xmlns:adec="http://schemas.microsoft.com/office/drawing/2017/decorative" val="1"/>
+              </a:ext>
+            </a:extLst>
+          </p:cNvPr>
+          <p:cNvSpPr>
+            <a:spLocks noGrp="1" noRot="1" noChangeAspect="1" noMove="1" noResize="1" noEditPoints="1" noAdjustHandles="1" noChangeArrowheads="1" noChangeShapeType="1" noTextEdit="1"/>
+          </p:cNvSpPr>
+          <p:nvPr>
+            <p:extLst>
+              <p:ext uri="{386F3935-93C4-4BCD-93E2-E3B085C9AB24}">
+                <p16:designElem xmlns:p16="http://schemas.microsoft.com/office/powerpoint/2015/main" val="1"/>
+              </p:ext>
+            </p:extLst>
+          </p:nvPr>
+        </p:nvSpPr>
+        <p:spPr>
+          <a:xfrm>
+            <a:off x="0" y="0"/>
+            <a:ext cx="12192000" cy="6858000"/>
+          </a:xfrm>
+          <a:prstGeom prst="rect">
+            <a:avLst/>
+          </a:prstGeom>
+          <a:solidFill>
+            <a:srgbClr val="FFFFFF"/>
+          </a:solidFill>
+          <a:ln>
+            <a:noFill/>
+          </a:ln>
+        </p:spPr>
+        <p:style>
+          <a:lnRef idx="2">
+            <a:schemeClr val="accent1">
+              <a:shade val="50000"/>
+            </a:schemeClr>
+          </a:lnRef>
+          <a:fillRef idx="1">
+            <a:schemeClr val="accent1"/>
+          </a:fillRef>
+          <a:effectRef idx="0">
+            <a:schemeClr val="accent1"/>
+          </a:effectRef>
+          <a:fontRef idx="minor">
+            <a:schemeClr val="lt1"/>
+          </a:fontRef>
+        </p:style>
+        <p:txBody>
+          <a:bodyPr rtlCol="0" anchor="ctr"/>
+          <a:lstStyle/>
+          <a:p>
+            <a:pPr algn="ctr"/>
+            <a:endParaRPr lang="en-US"/>
+          </a:p>
+        </p:txBody>
+      </p:sp>
+      <p:sp>
+        <p:nvSpPr>
+          <p:cNvPr id="2" name="Nadpis 1">
+            <a:extLst>
+              <a:ext uri="{FF2B5EF4-FFF2-40B4-BE49-F238E27FC236}">
+                <a16:creationId xmlns:a16="http://schemas.microsoft.com/office/drawing/2014/main" id="{81910E2F-225A-4CE6-8F66-587CBBEA3B71}"/>
+              </a:ext>
+            </a:extLst>
+          </p:cNvPr>
+          <p:cNvSpPr>
+            <a:spLocks noGrp="1"/>
+          </p:cNvSpPr>
+          <p:nvPr>
+            <p:ph type="title"/>
+          </p:nvPr>
+        </p:nvSpPr>
+        <p:spPr>
+          <a:xfrm>
+            <a:off x="4449960" y="1507414"/>
+            <a:ext cx="7295507" cy="3703320"/>
+          </a:xfrm>
+        </p:spPr>
+        <p:txBody>
+          <a:bodyPr vert="horz" lIns="91440" tIns="45720" rIns="91440" bIns="45720" rtlCol="0" anchor="ctr">
+            <a:normAutofit/>
+          </a:bodyPr>
+          <a:lstStyle/>
+          <a:p>
+            <a:r>
+              <a:rPr lang="sk-SK" sz="4800" dirty="0">
+                <a:solidFill>
+                  <a:schemeClr val="accent1"/>
+                </a:solidFill>
+              </a:rPr>
+              <a:t>2-3. Deň</a:t>
+            </a:r>
+            <a:br>
+              <a:rPr lang="sk-SK" sz="4800" dirty="0">
+                <a:solidFill>
+                  <a:schemeClr val="accent1"/>
+                </a:solidFill>
+              </a:rPr>
+            </a:br>
+            <a:r>
+              <a:rPr lang="sk-SK" sz="2400" dirty="0">
+                <a:solidFill>
+                  <a:schemeClr val="accent1"/>
+                </a:solidFill>
+              </a:rPr>
+              <a:t>Riadenie roku programu</a:t>
+            </a:r>
+            <a:br>
+              <a:rPr lang="sk-SK" sz="2400" dirty="0">
+                <a:solidFill>
+                  <a:schemeClr val="accent1"/>
+                </a:solidFill>
+              </a:rPr>
+            </a:br>
+            <a:r>
+              <a:rPr lang="sk-SK" sz="2400" dirty="0">
+                <a:solidFill>
+                  <a:schemeClr val="accent1"/>
+                </a:solidFill>
+              </a:rPr>
+              <a:t>Základy </a:t>
+            </a:r>
+            <a:r>
+              <a:rPr lang="sk-SK" sz="2400" dirty="0" err="1">
+                <a:solidFill>
+                  <a:schemeClr val="accent1"/>
+                </a:solidFill>
+              </a:rPr>
+              <a:t>oOP</a:t>
+            </a:r>
+            <a:endParaRPr lang="en-US" sz="4800" dirty="0">
+              <a:solidFill>
+                <a:schemeClr val="accent1"/>
+              </a:solidFill>
+            </a:endParaRPr>
+          </a:p>
+        </p:txBody>
+      </p:sp>
+      <p:sp>
+        <p:nvSpPr>
+          <p:cNvPr id="18" name="Rectangle 17">
+            <a:extLst>
+              <a:ext uri="{FF2B5EF4-FFF2-40B4-BE49-F238E27FC236}">
+                <a16:creationId xmlns:a16="http://schemas.microsoft.com/office/drawing/2014/main" id="{B7180431-F4DE-415D-BCBB-9316423C37C1}"/>
+              </a:ext>
+              <a:ext uri="{C183D7F6-B498-43B3-948B-1728B52AA6E4}">
+                <adec:decorative xmlns:adec="http://schemas.microsoft.com/office/drawing/2017/decorative" val="1"/>
+              </a:ext>
+            </a:extLst>
+          </p:cNvPr>
+          <p:cNvSpPr>
+            <a:spLocks noGrp="1" noRot="1" noChangeAspect="1" noMove="1" noResize="1" noEditPoints="1" noAdjustHandles="1" noChangeArrowheads="1" noChangeShapeType="1" noTextEdit="1"/>
+          </p:cNvSpPr>
+          <p:nvPr>
+            <p:extLst>
+              <p:ext uri="{386F3935-93C4-4BCD-93E2-E3B085C9AB24}">
+                <p16:designElem xmlns:p16="http://schemas.microsoft.com/office/powerpoint/2015/main" val="1"/>
+              </p:ext>
+            </p:extLst>
+          </p:nvPr>
+        </p:nvSpPr>
+        <p:spPr>
+          <a:xfrm>
+            <a:off x="446534" y="453642"/>
+            <a:ext cx="11298933" cy="512708"/>
+          </a:xfrm>
+          <a:prstGeom prst="rect">
+            <a:avLst/>
+          </a:prstGeom>
+          <a:solidFill>
+            <a:schemeClr val="accent4"/>
+          </a:solidFill>
+          <a:ln>
+            <a:noFill/>
+          </a:ln>
+          <a:effectLst/>
+        </p:spPr>
+        <p:style>
+          <a:lnRef idx="1">
+            <a:schemeClr val="accent1"/>
+          </a:lnRef>
+          <a:fillRef idx="3">
+            <a:schemeClr val="accent1"/>
+          </a:fillRef>
+          <a:effectRef idx="2">
+            <a:schemeClr val="accent1"/>
+          </a:effectRef>
+          <a:fontRef idx="minor">
+            <a:schemeClr val="lt1"/>
+          </a:fontRef>
+        </p:style>
+      </p:sp>
+      <p:sp>
+        <p:nvSpPr>
+          <p:cNvPr id="20" name="Rectangle 19">
+            <a:extLst>
+              <a:ext uri="{FF2B5EF4-FFF2-40B4-BE49-F238E27FC236}">
+                <a16:creationId xmlns:a16="http://schemas.microsoft.com/office/drawing/2014/main" id="{EEABD997-5EF9-4E9B-AFBB-F6DFAAF3ADF0}"/>
+              </a:ext>
+              <a:ext uri="{C183D7F6-B498-43B3-948B-1728B52AA6E4}">
+                <adec:decorative xmlns:adec="http://schemas.microsoft.com/office/drawing/2017/decorative" val="1"/>
+              </a:ext>
+            </a:extLst>
+          </p:cNvPr>
+          <p:cNvSpPr>
+            <a:spLocks noGrp="1" noRot="1" noChangeAspect="1" noMove="1" noResize="1" noEditPoints="1" noAdjustHandles="1" noChangeArrowheads="1" noChangeShapeType="1" noTextEdit="1"/>
+          </p:cNvSpPr>
+          <p:nvPr>
+            <p:extLst>
+              <p:ext uri="{386F3935-93C4-4BCD-93E2-E3B085C9AB24}">
+                <p16:designElem xmlns:p16="http://schemas.microsoft.com/office/powerpoint/2015/main" val="1"/>
+              </p:ext>
+            </p:extLst>
+          </p:nvPr>
+        </p:nvSpPr>
+        <p:spPr>
+          <a:xfrm rot="16200000" flipV="1">
+            <a:off x="2209064" y="3329711"/>
+            <a:ext cx="3703320" cy="58726"/>
+          </a:xfrm>
+          <a:prstGeom prst="rect">
+            <a:avLst/>
+          </a:prstGeom>
+          <a:solidFill>
+            <a:schemeClr val="accent2"/>
+          </a:solidFill>
+          <a:ln>
+            <a:noFill/>
+          </a:ln>
+          <a:effectLst/>
+        </p:spPr>
+        <p:style>
+          <a:lnRef idx="1">
+            <a:schemeClr val="accent1"/>
+          </a:lnRef>
+          <a:fillRef idx="3">
+            <a:schemeClr val="accent1"/>
+          </a:fillRef>
+          <a:effectRef idx="2">
+            <a:schemeClr val="accent1"/>
+          </a:effectRef>
+          <a:fontRef idx="minor">
+            <a:schemeClr val="lt1"/>
+          </a:fontRef>
+        </p:style>
+      </p:sp>
+      <p:sp>
+        <p:nvSpPr>
+          <p:cNvPr id="22" name="Rectangle 21">
+            <a:extLst>
+              <a:ext uri="{FF2B5EF4-FFF2-40B4-BE49-F238E27FC236}">
+                <a16:creationId xmlns:a16="http://schemas.microsoft.com/office/drawing/2014/main" id="{E9AB5EE6-A047-4B18-B998-D46DF3CC36FE}"/>
+              </a:ext>
+              <a:ext uri="{C183D7F6-B498-43B3-948B-1728B52AA6E4}">
+                <adec:decorative xmlns:adec="http://schemas.microsoft.com/office/drawing/2017/decorative" val="1"/>
+              </a:ext>
+            </a:extLst>
+          </p:cNvPr>
+          <p:cNvSpPr>
+            <a:spLocks noGrp="1" noRot="1" noChangeAspect="1" noMove="1" noResize="1" noEditPoints="1" noAdjustHandles="1" noChangeArrowheads="1" noChangeShapeType="1" noTextEdit="1"/>
+          </p:cNvSpPr>
+          <p:nvPr>
+            <p:extLst>
+              <p:ext uri="{386F3935-93C4-4BCD-93E2-E3B085C9AB24}">
+                <p16:designElem xmlns:p16="http://schemas.microsoft.com/office/powerpoint/2015/main" val="1"/>
+              </p:ext>
+            </p:extLst>
+          </p:nvPr>
+        </p:nvSpPr>
+        <p:spPr>
+          <a:xfrm>
+            <a:off x="446534" y="5878019"/>
+            <a:ext cx="11298933" cy="512708"/>
+          </a:xfrm>
+          <a:prstGeom prst="rect">
+            <a:avLst/>
+          </a:prstGeom>
+          <a:solidFill>
+            <a:schemeClr val="accent4"/>
+          </a:solidFill>
+          <a:ln>
+            <a:noFill/>
+          </a:ln>
+          <a:effectLst/>
+        </p:spPr>
+        <p:style>
+          <a:lnRef idx="1">
+            <a:schemeClr val="accent1"/>
+          </a:lnRef>
+          <a:fillRef idx="3">
+            <a:schemeClr val="accent1"/>
+          </a:fillRef>
+          <a:effectRef idx="2">
+            <a:schemeClr val="accent1"/>
+          </a:effectRef>
+          <a:fontRef idx="minor">
+            <a:schemeClr val="lt1"/>
+          </a:fontRef>
+        </p:style>
+      </p:sp>
+    </p:spTree>
+    <p:extLst>
+      <p:ext uri="{BB962C8B-B14F-4D97-AF65-F5344CB8AC3E}">
+        <p14:creationId xmlns:p14="http://schemas.microsoft.com/office/powerpoint/2010/main" val="3359427545"/>
+      </p:ext>
+    </p:extLst>
+  </p:cSld>
+  <p:clrMapOvr>
+    <a:masterClrMapping/>
+  </p:clrMapOvr>
+</p:sld>
+</file>
+
+<file path=ppt/slides/slide67.xml><?xml version="1.0" encoding="utf-8"?>
+<p:sld xmlns:a="http://schemas.openxmlformats.org/drawingml/2006/main" xmlns:r="http://schemas.openxmlformats.org/officeDocument/2006/relationships" xmlns:p="http://schemas.openxmlformats.org/presentationml/2006/main">
+  <p:cSld>
+    <p:spTree>
+      <p:nvGrpSpPr>
+        <p:cNvPr id="1" name=""/>
+        <p:cNvGrpSpPr/>
+        <p:nvPr/>
+      </p:nvGrpSpPr>
+      <p:grpSpPr>
+        <a:xfrm>
+          <a:off x="0" y="0"/>
+          <a:ext cx="0" cy="0"/>
+          <a:chOff x="0" y="0"/>
+          <a:chExt cx="0" cy="0"/>
+        </a:xfrm>
+      </p:grpSpPr>
+      <p:sp>
+        <p:nvSpPr>
+          <p:cNvPr id="2" name="Nadpis 1">
+            <a:extLst>
+              <a:ext uri="{FF2B5EF4-FFF2-40B4-BE49-F238E27FC236}">
+                <a16:creationId xmlns:a16="http://schemas.microsoft.com/office/drawing/2014/main" id="{0CEF1B64-5065-4407-B1BC-04EC97FB9FE6}"/>
+              </a:ext>
+            </a:extLst>
+          </p:cNvPr>
+          <p:cNvSpPr>
+            <a:spLocks noGrp="1"/>
+          </p:cNvSpPr>
+          <p:nvPr>
+            <p:ph type="title"/>
+          </p:nvPr>
+        </p:nvSpPr>
+        <p:spPr/>
+        <p:txBody>
+          <a:bodyPr/>
+          <a:lstStyle/>
+          <a:p>
+            <a:endParaRPr lang="sk-SK" dirty="0"/>
+          </a:p>
+        </p:txBody>
+      </p:sp>
+      <p:sp>
+        <p:nvSpPr>
+          <p:cNvPr id="3" name="Zástupný objekt pre obsah 2">
+            <a:extLst>
+              <a:ext uri="{FF2B5EF4-FFF2-40B4-BE49-F238E27FC236}">
+                <a16:creationId xmlns:a16="http://schemas.microsoft.com/office/drawing/2014/main" id="{3311237A-509C-4B6E-891D-8AF0FDA1C43E}"/>
+              </a:ext>
+            </a:extLst>
+          </p:cNvPr>
+          <p:cNvSpPr>
+            <a:spLocks noGrp="1"/>
+          </p:cNvSpPr>
+          <p:nvPr>
+            <p:ph idx="1"/>
+          </p:nvPr>
+        </p:nvSpPr>
+        <p:spPr/>
+        <p:txBody>
+          <a:bodyPr>
+            <a:normAutofit/>
+          </a:bodyPr>
+          <a:lstStyle/>
+          <a:p>
+            <a:r>
+              <a:rPr lang="sk-SK" sz="2800" dirty="0"/>
+              <a:t>Pozerali ste na domácu úlohu?</a:t>
+            </a:r>
+          </a:p>
+        </p:txBody>
+      </p:sp>
+    </p:spTree>
+    <p:extLst>
+      <p:ext uri="{BB962C8B-B14F-4D97-AF65-F5344CB8AC3E}">
+        <p14:creationId xmlns:p14="http://schemas.microsoft.com/office/powerpoint/2010/main" val="1230653334"/>
+      </p:ext>
+    </p:extLst>
+  </p:cSld>
+  <p:clrMapOvr>
+    <a:masterClrMapping/>
+  </p:clrMapOvr>
+</p:sld>
+</file>
+
+<file path=ppt/slides/slide68.xml><?xml version="1.0" encoding="utf-8"?>
+<p:sld xmlns:a="http://schemas.openxmlformats.org/drawingml/2006/main" xmlns:r="http://schemas.openxmlformats.org/officeDocument/2006/relationships" xmlns:p="http://schemas.openxmlformats.org/presentationml/2006/main">
+  <p:cSld>
+    <p:spTree>
+      <p:nvGrpSpPr>
+        <p:cNvPr id="1" name=""/>
+        <p:cNvGrpSpPr/>
+        <p:nvPr/>
+      </p:nvGrpSpPr>
+      <p:grpSpPr>
+        <a:xfrm>
+          <a:off x="0" y="0"/>
+          <a:ext cx="0" cy="0"/>
+          <a:chOff x="0" y="0"/>
+          <a:chExt cx="0" cy="0"/>
+        </a:xfrm>
+      </p:grpSpPr>
+      <p:sp>
+        <p:nvSpPr>
+          <p:cNvPr id="2" name="Nadpis 1">
+            <a:extLst>
+              <a:ext uri="{FF2B5EF4-FFF2-40B4-BE49-F238E27FC236}">
+                <a16:creationId xmlns:a16="http://schemas.microsoft.com/office/drawing/2014/main" id="{9B40241B-410B-4F0A-B196-EA5D3D5F7431}"/>
+              </a:ext>
+            </a:extLst>
+          </p:cNvPr>
+          <p:cNvSpPr>
+            <a:spLocks noGrp="1"/>
+          </p:cNvSpPr>
+          <p:nvPr>
+            <p:ph type="title"/>
+          </p:nvPr>
+        </p:nvSpPr>
+        <p:spPr/>
+        <p:txBody>
+          <a:bodyPr/>
+          <a:lstStyle/>
+          <a:p>
+            <a:r>
+              <a:rPr lang="sk-SK" dirty="0"/>
+              <a:t>OPAKOVANIE</a:t>
+            </a:r>
+          </a:p>
+        </p:txBody>
+      </p:sp>
+      <p:sp>
+        <p:nvSpPr>
+          <p:cNvPr id="5" name="Zástupný objekt pre obsah 4">
+            <a:extLst>
+              <a:ext uri="{FF2B5EF4-FFF2-40B4-BE49-F238E27FC236}">
+                <a16:creationId xmlns:a16="http://schemas.microsoft.com/office/drawing/2014/main" id="{A62DF44B-83D7-4229-A23D-159CBE299435}"/>
+              </a:ext>
+            </a:extLst>
+          </p:cNvPr>
+          <p:cNvSpPr>
+            <a:spLocks noGrp="1"/>
+          </p:cNvSpPr>
+          <p:nvPr>
+            <p:ph idx="1"/>
+          </p:nvPr>
+        </p:nvSpPr>
+        <p:spPr/>
+        <p:txBody>
+          <a:bodyPr/>
+          <a:lstStyle/>
+          <a:p>
+            <a:r>
+              <a:rPr lang="sk-SK" dirty="0"/>
+              <a:t>Opakovanie z 1. dňa</a:t>
+            </a:r>
+          </a:p>
+          <a:p>
+            <a:pPr lvl="1"/>
+            <a:r>
+              <a:rPr lang="sk-SK" dirty="0"/>
+              <a:t>Čo potrebujem pre spustenie </a:t>
+            </a:r>
+            <a:r>
+              <a:rPr lang="sk-SK" dirty="0" err="1"/>
+              <a:t>java</a:t>
+            </a:r>
+            <a:r>
+              <a:rPr lang="sk-SK" dirty="0"/>
+              <a:t> programu?</a:t>
+            </a:r>
+          </a:p>
+          <a:p>
+            <a:pPr lvl="1"/>
+            <a:r>
+              <a:rPr lang="sk-SK" dirty="0"/>
+              <a:t>Čo je premenná a čo je typ?</a:t>
+            </a:r>
+          </a:p>
+          <a:p>
+            <a:pPr lvl="1"/>
+            <a:r>
+              <a:rPr lang="sk-SK" dirty="0"/>
+              <a:t>Čo je to funkcia, procedúra a metóda?</a:t>
+            </a:r>
+          </a:p>
+          <a:p>
+            <a:pPr lvl="1"/>
+            <a:r>
+              <a:rPr lang="sk-SK" dirty="0"/>
+              <a:t>Aký je štandardný predpis funkcie?</a:t>
+            </a:r>
+          </a:p>
+          <a:p>
+            <a:pPr lvl="1"/>
+            <a:r>
+              <a:rPr lang="sk-SK" dirty="0"/>
+              <a:t>Čo je to pole a ako sa inicializuje?</a:t>
+            </a:r>
+          </a:p>
+          <a:p>
+            <a:pPr lvl="1"/>
+            <a:r>
+              <a:rPr lang="sk-SK" dirty="0"/>
+              <a:t>Aký je rozdiel medzi globálnym a lokálnym </a:t>
+            </a:r>
+            <a:r>
+              <a:rPr lang="sk-SK" dirty="0" err="1"/>
+              <a:t>scopom</a:t>
+            </a:r>
+            <a:r>
+              <a:rPr lang="sk-SK" dirty="0"/>
+              <a:t> premennej?</a:t>
+            </a:r>
+          </a:p>
+          <a:p>
+            <a:endParaRPr lang="sk-SK" dirty="0"/>
+          </a:p>
+        </p:txBody>
+      </p:sp>
+    </p:spTree>
+    <p:extLst>
+      <p:ext uri="{BB962C8B-B14F-4D97-AF65-F5344CB8AC3E}">
+        <p14:creationId xmlns:p14="http://schemas.microsoft.com/office/powerpoint/2010/main" val="2428720732"/>
+      </p:ext>
+    </p:extLst>
+  </p:cSld>
+  <p:clrMapOvr>
+    <a:masterClrMapping/>
+  </p:clrMapOvr>
+</p:sld>
+</file>
+
+<file path=ppt/slides/slide69.xml><?xml version="1.0" encoding="utf-8"?>
+<p:sld xmlns:a="http://schemas.openxmlformats.org/drawingml/2006/main" xmlns:r="http://schemas.openxmlformats.org/officeDocument/2006/relationships" xmlns:p="http://schemas.openxmlformats.org/presentationml/2006/main">
+  <p:cSld>
+    <p:spTree>
+      <p:nvGrpSpPr>
+        <p:cNvPr id="1" name=""/>
+        <p:cNvGrpSpPr/>
+        <p:nvPr/>
+      </p:nvGrpSpPr>
+      <p:grpSpPr>
+        <a:xfrm>
+          <a:off x="0" y="0"/>
+          <a:ext cx="0" cy="0"/>
+          <a:chOff x="0" y="0"/>
+          <a:chExt cx="0" cy="0"/>
+        </a:xfrm>
+      </p:grpSpPr>
+      <p:sp>
+        <p:nvSpPr>
+          <p:cNvPr id="2" name="Nadpis 1">
+            <a:extLst>
+              <a:ext uri="{FF2B5EF4-FFF2-40B4-BE49-F238E27FC236}">
+                <a16:creationId xmlns:a16="http://schemas.microsoft.com/office/drawing/2014/main" id="{66442B15-301C-46A2-913A-32FF1BD343F8}"/>
+              </a:ext>
+            </a:extLst>
+          </p:cNvPr>
+          <p:cNvSpPr>
+            <a:spLocks noGrp="1"/>
+          </p:cNvSpPr>
+          <p:nvPr>
+            <p:ph type="title"/>
+          </p:nvPr>
+        </p:nvSpPr>
+        <p:spPr/>
+        <p:txBody>
+          <a:bodyPr/>
+          <a:lstStyle/>
+          <a:p>
+            <a:r>
+              <a:rPr lang="sk-SK" dirty="0"/>
+              <a:t>Úlohy na opakovanie</a:t>
+            </a:r>
+          </a:p>
+        </p:txBody>
+      </p:sp>
+      <p:sp>
+        <p:nvSpPr>
+          <p:cNvPr id="3" name="Zástupný objekt pre obsah 2">
+            <a:extLst>
+              <a:ext uri="{FF2B5EF4-FFF2-40B4-BE49-F238E27FC236}">
+                <a16:creationId xmlns:a16="http://schemas.microsoft.com/office/drawing/2014/main" id="{3098FEE2-AFDA-425D-832A-3DFAF77E90D2}"/>
+              </a:ext>
+            </a:extLst>
+          </p:cNvPr>
+          <p:cNvSpPr>
+            <a:spLocks noGrp="1"/>
+          </p:cNvSpPr>
+          <p:nvPr>
+            <p:ph idx="1"/>
+          </p:nvPr>
+        </p:nvSpPr>
+        <p:spPr/>
+        <p:txBody>
+          <a:bodyPr/>
+          <a:lstStyle/>
+          <a:p>
+            <a:r>
+              <a:rPr lang="sk-SK" dirty="0"/>
+              <a:t>1. Vytvorte aplikáciu, kde zadáte 3 čísla, navzájom ich vynásobíte. Násobenie spravte ako metódu, ktorá vám vráti výsledok. Výstup funkcie vypíšte do konzoly.</a:t>
+            </a:r>
+          </a:p>
+          <a:p>
+            <a:r>
+              <a:rPr lang="sk-SK" dirty="0"/>
+              <a:t>2. Vytvorte aplikáciu, kde budete mať napevno stanovené dva znaky a na výstupe ich spojíte a vypíšete do konzoly. Znaky definujte v globálnom </a:t>
+            </a:r>
+            <a:r>
+              <a:rPr lang="sk-SK" dirty="0" err="1"/>
+              <a:t>scope</a:t>
+            </a:r>
+            <a:r>
+              <a:rPr lang="sk-SK" dirty="0"/>
+              <a:t>. Spojenie znakov urobte ako funkciu bez vstupných parametrov a bez výstupu. </a:t>
+            </a:r>
+            <a:r>
+              <a:rPr lang="sk-SK" dirty="0" err="1"/>
+              <a:t>T.j</a:t>
+            </a:r>
+            <a:r>
+              <a:rPr lang="sk-SK" dirty="0"/>
+              <a:t>. Vaša funkcia priamo vypíše výsledok do konzoly</a:t>
+            </a:r>
+          </a:p>
+        </p:txBody>
+      </p:sp>
+    </p:spTree>
+    <p:extLst>
+      <p:ext uri="{BB962C8B-B14F-4D97-AF65-F5344CB8AC3E}">
+        <p14:creationId xmlns:p14="http://schemas.microsoft.com/office/powerpoint/2010/main" val="3687462368"/>
+      </p:ext>
+    </p:extLst>
+  </p:cSld>
+  <p:clrMapOvr>
+    <a:masterClrMapping/>
+  </p:clrMapOvr>
+</p:sld>
+</file>
+
+<file path=ppt/slides/slide7.xml><?xml version="1.0" encoding="utf-8"?>
+<p:sld xmlns:a="http://schemas.openxmlformats.org/drawingml/2006/main" xmlns:r="http://schemas.openxmlformats.org/officeDocument/2006/relationships" xmlns:p="http://schemas.openxmlformats.org/presentationml/2006/main">
+  <p:cSld>
+    <p:bg>
+      <p:bgPr>
+        <a:solidFill>
+          <a:schemeClr val="bg1"/>
+        </a:solidFill>
+        <a:effectLst/>
+      </p:bgPr>
+    </p:bg>
+    <p:spTree>
+      <p:nvGrpSpPr>
+        <p:cNvPr id="1" name=""/>
+        <p:cNvGrpSpPr/>
+        <p:nvPr/>
+      </p:nvGrpSpPr>
+      <p:grpSpPr>
+        <a:xfrm>
+          <a:off x="0" y="0"/>
+          <a:ext cx="0" cy="0"/>
+          <a:chOff x="0" y="0"/>
+          <a:chExt cx="0" cy="0"/>
+        </a:xfrm>
+      </p:grpSpPr>
+      <p:sp>
+        <p:nvSpPr>
+          <p:cNvPr id="23" name="Rectangle 6">
+            <a:extLst>
+              <a:ext uri="{FF2B5EF4-FFF2-40B4-BE49-F238E27FC236}">
+                <a16:creationId xmlns:a16="http://schemas.microsoft.com/office/drawing/2014/main" id="{E9AA9F65-94B8-41A5-A7FF-23D2CFB116BB}"/>
+              </a:ext>
+              <a:ext uri="{C183D7F6-B498-43B3-948B-1728B52AA6E4}">
+                <adec:decorative xmlns:adec="http://schemas.microsoft.com/office/drawing/2017/decorative" val="1"/>
+              </a:ext>
+            </a:extLst>
+          </p:cNvPr>
+          <p:cNvSpPr>
+            <a:spLocks noGrp="1" noRot="1" noChangeAspect="1" noMove="1" noResize="1" noEditPoints="1" noAdjustHandles="1" noChangeArrowheads="1" noChangeShapeType="1" noTextEdit="1"/>
+          </p:cNvSpPr>
+          <p:nvPr>
+            <p:extLst>
+              <p:ext uri="{386F3935-93C4-4BCD-93E2-E3B085C9AB24}">
+                <p16:designElem xmlns:p16="http://schemas.microsoft.com/office/powerpoint/2015/main" val="1"/>
+              </p:ext>
+            </p:extLst>
+          </p:nvPr>
+        </p:nvSpPr>
+        <p:spPr>
+          <a:xfrm>
+            <a:off x="446534" y="457200"/>
+            <a:ext cx="3703320" cy="94997"/>
+          </a:xfrm>
+          <a:prstGeom prst="rect">
+            <a:avLst/>
+          </a:prstGeom>
+          <a:solidFill>
+            <a:schemeClr val="accent1"/>
+          </a:solidFill>
+          <a:ln>
+            <a:noFill/>
+          </a:ln>
+          <a:effectLst/>
+        </p:spPr>
+        <p:style>
+          <a:lnRef idx="1">
+            <a:schemeClr val="accent1"/>
+          </a:lnRef>
+          <a:fillRef idx="3">
+            <a:schemeClr val="accent1"/>
+          </a:fillRef>
+          <a:effectRef idx="2">
+            <a:schemeClr val="accent1"/>
+          </a:effectRef>
+          <a:fontRef idx="minor">
+            <a:schemeClr val="lt1"/>
+          </a:fontRef>
+        </p:style>
+      </p:sp>
+      <p:sp>
+        <p:nvSpPr>
+          <p:cNvPr id="24" name="Rectangle 8">
+            <a:extLst>
+              <a:ext uri="{FF2B5EF4-FFF2-40B4-BE49-F238E27FC236}">
+                <a16:creationId xmlns:a16="http://schemas.microsoft.com/office/drawing/2014/main" id="{7E8B0F8E-3F6C-4541-B9C1-774D80A08834}"/>
+              </a:ext>
+              <a:ext uri="{C183D7F6-B498-43B3-948B-1728B52AA6E4}">
+                <adec:decorative xmlns:adec="http://schemas.microsoft.com/office/drawing/2017/decorative" val="1"/>
+              </a:ext>
+            </a:extLst>
+          </p:cNvPr>
+          <p:cNvSpPr>
+            <a:spLocks noGrp="1" noRot="1" noChangeAspect="1" noMove="1" noResize="1" noEditPoints="1" noAdjustHandles="1" noChangeArrowheads="1" noChangeShapeType="1" noTextEdit="1"/>
+          </p:cNvSpPr>
+          <p:nvPr>
+            <p:extLst>
+              <p:ext uri="{386F3935-93C4-4BCD-93E2-E3B085C9AB24}">
+                <p16:designElem xmlns:p16="http://schemas.microsoft.com/office/powerpoint/2015/main" val="1"/>
+              </p:ext>
+            </p:extLst>
+          </p:nvPr>
+        </p:nvSpPr>
+        <p:spPr>
+          <a:xfrm>
+            <a:off x="8042147" y="453643"/>
+            <a:ext cx="3703320" cy="98554"/>
+          </a:xfrm>
+          <a:prstGeom prst="rect">
+            <a:avLst/>
+          </a:prstGeom>
+          <a:solidFill>
+            <a:schemeClr val="accent4"/>
+          </a:solidFill>
+          <a:ln>
+            <a:noFill/>
+          </a:ln>
+          <a:effectLst/>
+        </p:spPr>
+        <p:style>
+          <a:lnRef idx="1">
+            <a:schemeClr val="accent1"/>
+          </a:lnRef>
+          <a:fillRef idx="3">
+            <a:schemeClr val="accent1"/>
+          </a:fillRef>
+          <a:effectRef idx="2">
+            <a:schemeClr val="accent1"/>
+          </a:effectRef>
+          <a:fontRef idx="minor">
+            <a:schemeClr val="lt1"/>
+          </a:fontRef>
+        </p:style>
+      </p:sp>
+      <p:sp>
+        <p:nvSpPr>
+          <p:cNvPr id="25" name="Rectangle 10">
+            <a:extLst>
+              <a:ext uri="{FF2B5EF4-FFF2-40B4-BE49-F238E27FC236}">
+                <a16:creationId xmlns:a16="http://schemas.microsoft.com/office/drawing/2014/main" id="{7A45F5BC-32D1-41CD-B270-C46F18CA1ACC}"/>
+              </a:ext>
+              <a:ext uri="{C183D7F6-B498-43B3-948B-1728B52AA6E4}">
+                <adec:decorative xmlns:adec="http://schemas.microsoft.com/office/drawing/2017/decorative" val="1"/>
+              </a:ext>
+            </a:extLst>
+          </p:cNvPr>
+          <p:cNvSpPr>
+            <a:spLocks noGrp="1" noRot="1" noChangeAspect="1" noMove="1" noResize="1" noEditPoints="1" noAdjustHandles="1" noChangeArrowheads="1" noChangeShapeType="1" noTextEdit="1"/>
+          </p:cNvSpPr>
+          <p:nvPr>
+            <p:extLst>
+              <p:ext uri="{386F3935-93C4-4BCD-93E2-E3B085C9AB24}">
+                <p16:designElem xmlns:p16="http://schemas.microsoft.com/office/powerpoint/2015/main" val="1"/>
+              </p:ext>
+            </p:extLst>
+          </p:nvPr>
+        </p:nvSpPr>
+        <p:spPr>
+          <a:xfrm>
+            <a:off x="4241830" y="457200"/>
+            <a:ext cx="3703320" cy="91440"/>
+          </a:xfrm>
+          <a:prstGeom prst="rect">
+            <a:avLst/>
+          </a:prstGeom>
+          <a:solidFill>
+            <a:schemeClr val="accent2"/>
+          </a:solidFill>
+          <a:ln>
+            <a:noFill/>
+          </a:ln>
+          <a:effectLst/>
+        </p:spPr>
+        <p:style>
+          <a:lnRef idx="1">
+            <a:schemeClr val="accent1"/>
+          </a:lnRef>
+          <a:fillRef idx="3">
+            <a:schemeClr val="accent1"/>
+          </a:fillRef>
+          <a:effectRef idx="2">
+            <a:schemeClr val="accent1"/>
+          </a:effectRef>
+          <a:fontRef idx="minor">
+            <a:schemeClr val="lt1"/>
+          </a:fontRef>
+        </p:style>
+      </p:sp>
+      <p:sp>
+        <p:nvSpPr>
+          <p:cNvPr id="26" name="Rectangle 12">
+            <a:extLst>
+              <a:ext uri="{FF2B5EF4-FFF2-40B4-BE49-F238E27FC236}">
+                <a16:creationId xmlns:a16="http://schemas.microsoft.com/office/drawing/2014/main" id="{CE57EE13-72B0-4FFA-ACE1-EBDE89340E47}"/>
+              </a:ext>
+              <a:ext uri="{C183D7F6-B498-43B3-948B-1728B52AA6E4}">
+                <adec:decorative xmlns:adec="http://schemas.microsoft.com/office/drawing/2017/decorative" val="1"/>
+              </a:ext>
+            </a:extLst>
+          </p:cNvPr>
+          <p:cNvSpPr>
+            <a:spLocks noGrp="1" noRot="1" noChangeAspect="1" noMove="1" noResize="1" noEditPoints="1" noAdjustHandles="1" noChangeArrowheads="1" noChangeShapeType="1" noTextEdit="1"/>
+          </p:cNvSpPr>
+          <p:nvPr>
+            <p:extLst>
+              <p:ext uri="{386F3935-93C4-4BCD-93E2-E3B085C9AB24}">
+                <p16:designElem xmlns:p16="http://schemas.microsoft.com/office/powerpoint/2015/main" val="1"/>
+              </p:ext>
+            </p:extLst>
+          </p:nvPr>
+        </p:nvSpPr>
+        <p:spPr>
+          <a:xfrm>
+            <a:off x="446534" y="3085765"/>
+            <a:ext cx="11262866" cy="3304800"/>
+          </a:xfrm>
+          <a:prstGeom prst="rect">
+            <a:avLst/>
+          </a:prstGeom>
+          <a:solidFill>
+            <a:schemeClr val="accent1"/>
+          </a:solidFill>
+          <a:ln>
+            <a:noFill/>
+          </a:ln>
+          <a:effectLst/>
+        </p:spPr>
+        <p:style>
+          <a:lnRef idx="1">
+            <a:schemeClr val="accent1"/>
+          </a:lnRef>
+          <a:fillRef idx="3">
+            <a:schemeClr val="accent1"/>
+          </a:fillRef>
+          <a:effectRef idx="2">
+            <a:schemeClr val="accent1"/>
+          </a:effectRef>
+          <a:fontRef idx="minor">
+            <a:schemeClr val="lt1"/>
+          </a:fontRef>
+        </p:style>
+      </p:sp>
+      <p:sp>
+        <p:nvSpPr>
+          <p:cNvPr id="27" name="Rectangle 14">
+            <a:extLst>
+              <a:ext uri="{FF2B5EF4-FFF2-40B4-BE49-F238E27FC236}">
+                <a16:creationId xmlns:a16="http://schemas.microsoft.com/office/drawing/2014/main" id="{328C565D-A991-4381-AC37-76A58A4A128F}"/>
+              </a:ext>
+              <a:ext uri="{C183D7F6-B498-43B3-948B-1728B52AA6E4}">
+                <adec:decorative xmlns:adec="http://schemas.microsoft.com/office/drawing/2017/decorative" val="1"/>
+              </a:ext>
+            </a:extLst>
+          </p:cNvPr>
+          <p:cNvSpPr>
+            <a:spLocks noGrp="1" noRot="1" noChangeAspect="1" noMove="1" noResize="1" noEditPoints="1" noAdjustHandles="1" noChangeArrowheads="1" noChangeShapeType="1" noTextEdit="1"/>
+          </p:cNvSpPr>
+          <p:nvPr>
+            <p:extLst>
+              <p:ext uri="{386F3935-93C4-4BCD-93E2-E3B085C9AB24}">
+                <p16:designElem xmlns:p16="http://schemas.microsoft.com/office/powerpoint/2015/main" val="1"/>
+              </p:ext>
+            </p:extLst>
+          </p:nvPr>
+        </p:nvSpPr>
+        <p:spPr>
+          <a:xfrm>
+            <a:off x="0" y="0"/>
+            <a:ext cx="12192000" cy="6858000"/>
+          </a:xfrm>
+          <a:prstGeom prst="rect">
+            <a:avLst/>
+          </a:prstGeom>
+          <a:solidFill>
+            <a:srgbClr val="FFFFFF"/>
+          </a:solidFill>
+          <a:ln>
+            <a:noFill/>
+          </a:ln>
+        </p:spPr>
+        <p:style>
+          <a:lnRef idx="2">
+            <a:schemeClr val="accent1">
+              <a:shade val="50000"/>
+            </a:schemeClr>
+          </a:lnRef>
+          <a:fillRef idx="1">
+            <a:schemeClr val="accent1"/>
+          </a:fillRef>
+          <a:effectRef idx="0">
+            <a:schemeClr val="accent1"/>
+          </a:effectRef>
+          <a:fontRef idx="minor">
+            <a:schemeClr val="lt1"/>
+          </a:fontRef>
+        </p:style>
+        <p:txBody>
+          <a:bodyPr rtlCol="0" anchor="ctr"/>
+          <a:lstStyle/>
+          <a:p>
+            <a:pPr algn="ctr"/>
+            <a:endParaRPr lang="en-US"/>
+          </a:p>
+        </p:txBody>
+      </p:sp>
+      <p:sp>
+        <p:nvSpPr>
+          <p:cNvPr id="2" name="Nadpis 1">
+            <a:extLst>
+              <a:ext uri="{FF2B5EF4-FFF2-40B4-BE49-F238E27FC236}">
+                <a16:creationId xmlns:a16="http://schemas.microsoft.com/office/drawing/2014/main" id="{81910E2F-225A-4CE6-8F66-587CBBEA3B71}"/>
+              </a:ext>
+            </a:extLst>
+          </p:cNvPr>
+          <p:cNvSpPr>
+            <a:spLocks noGrp="1"/>
+          </p:cNvSpPr>
+          <p:nvPr>
+            <p:ph type="title"/>
+          </p:nvPr>
+        </p:nvSpPr>
+        <p:spPr>
+          <a:xfrm>
+            <a:off x="4449960" y="1507414"/>
+            <a:ext cx="7295507" cy="3703320"/>
+          </a:xfrm>
+        </p:spPr>
+        <p:txBody>
+          <a:bodyPr vert="horz" lIns="91440" tIns="45720" rIns="91440" bIns="45720" rtlCol="0" anchor="ctr">
+            <a:normAutofit/>
+          </a:bodyPr>
+          <a:lstStyle/>
+          <a:p>
+            <a:r>
+              <a:rPr lang="sk-SK" sz="4800" dirty="0">
+                <a:solidFill>
+                  <a:schemeClr val="accent1"/>
+                </a:solidFill>
+              </a:rPr>
+              <a:t>1</a:t>
+            </a:r>
+            <a:r>
+              <a:rPr lang="en-US" sz="4800" dirty="0">
+                <a:solidFill>
+                  <a:schemeClr val="accent1"/>
+                </a:solidFill>
+              </a:rPr>
+              <a:t>. </a:t>
+            </a:r>
+            <a:r>
+              <a:rPr lang="en-US" sz="4800" dirty="0" err="1">
+                <a:solidFill>
+                  <a:schemeClr val="accent1"/>
+                </a:solidFill>
+              </a:rPr>
+              <a:t>Deň</a:t>
+            </a:r>
+            <a:br>
+              <a:rPr lang="en-US" sz="4800" dirty="0">
+                <a:solidFill>
+                  <a:schemeClr val="accent1"/>
+                </a:solidFill>
+              </a:rPr>
+            </a:br>
+            <a:r>
+              <a:rPr lang="sk-SK" sz="2400" dirty="0">
+                <a:solidFill>
+                  <a:schemeClr val="accent1"/>
+                </a:solidFill>
+              </a:rPr>
+              <a:t>Úvod do Prostredia</a:t>
+            </a:r>
+            <a:br>
+              <a:rPr lang="sk-SK" sz="2400" dirty="0">
+                <a:solidFill>
+                  <a:schemeClr val="accent1"/>
+                </a:solidFill>
+              </a:rPr>
+            </a:br>
+            <a:r>
+              <a:rPr lang="sk-SK" sz="2400" dirty="0">
+                <a:solidFill>
+                  <a:schemeClr val="accent1"/>
+                </a:solidFill>
+              </a:rPr>
+              <a:t>Základy jazyka JAVA</a:t>
+            </a:r>
+            <a:endParaRPr lang="en-US" sz="4800" dirty="0">
+              <a:solidFill>
+                <a:schemeClr val="accent1"/>
+              </a:solidFill>
+            </a:endParaRPr>
+          </a:p>
+        </p:txBody>
+      </p:sp>
+      <p:sp>
+        <p:nvSpPr>
+          <p:cNvPr id="28" name="Rectangle 16">
+            <a:extLst>
+              <a:ext uri="{FF2B5EF4-FFF2-40B4-BE49-F238E27FC236}">
+                <a16:creationId xmlns:a16="http://schemas.microsoft.com/office/drawing/2014/main" id="{B7180431-F4DE-415D-BCBB-9316423C37C1}"/>
+              </a:ext>
+              <a:ext uri="{C183D7F6-B498-43B3-948B-1728B52AA6E4}">
+                <adec:decorative xmlns:adec="http://schemas.microsoft.com/office/drawing/2017/decorative" val="1"/>
+              </a:ext>
+            </a:extLst>
+          </p:cNvPr>
+          <p:cNvSpPr>
+            <a:spLocks noGrp="1" noRot="1" noChangeAspect="1" noMove="1" noResize="1" noEditPoints="1" noAdjustHandles="1" noChangeArrowheads="1" noChangeShapeType="1" noTextEdit="1"/>
+          </p:cNvSpPr>
+          <p:nvPr>
+            <p:extLst>
+              <p:ext uri="{386F3935-93C4-4BCD-93E2-E3B085C9AB24}">
+                <p16:designElem xmlns:p16="http://schemas.microsoft.com/office/powerpoint/2015/main" val="1"/>
+              </p:ext>
+            </p:extLst>
+          </p:nvPr>
+        </p:nvSpPr>
+        <p:spPr>
+          <a:xfrm>
+            <a:off x="446534" y="453642"/>
+            <a:ext cx="11298933" cy="512708"/>
+          </a:xfrm>
+          <a:prstGeom prst="rect">
+            <a:avLst/>
+          </a:prstGeom>
+          <a:solidFill>
+            <a:schemeClr val="accent4"/>
+          </a:solidFill>
+          <a:ln>
+            <a:noFill/>
+          </a:ln>
+          <a:effectLst/>
+        </p:spPr>
+        <p:style>
+          <a:lnRef idx="1">
+            <a:schemeClr val="accent1"/>
+          </a:lnRef>
+          <a:fillRef idx="3">
+            <a:schemeClr val="accent1"/>
+          </a:fillRef>
+          <a:effectRef idx="2">
+            <a:schemeClr val="accent1"/>
+          </a:effectRef>
+          <a:fontRef idx="minor">
+            <a:schemeClr val="lt1"/>
+          </a:fontRef>
+        </p:style>
+      </p:sp>
+      <p:sp>
+        <p:nvSpPr>
+          <p:cNvPr id="29" name="Rectangle 18">
+            <a:extLst>
+              <a:ext uri="{FF2B5EF4-FFF2-40B4-BE49-F238E27FC236}">
+                <a16:creationId xmlns:a16="http://schemas.microsoft.com/office/drawing/2014/main" id="{EEABD997-5EF9-4E9B-AFBB-F6DFAAF3ADF0}"/>
+              </a:ext>
+              <a:ext uri="{C183D7F6-B498-43B3-948B-1728B52AA6E4}">
+                <adec:decorative xmlns:adec="http://schemas.microsoft.com/office/drawing/2017/decorative" val="1"/>
+              </a:ext>
+            </a:extLst>
+          </p:cNvPr>
+          <p:cNvSpPr>
+            <a:spLocks noGrp="1" noRot="1" noChangeAspect="1" noMove="1" noResize="1" noEditPoints="1" noAdjustHandles="1" noChangeArrowheads="1" noChangeShapeType="1" noTextEdit="1"/>
+          </p:cNvSpPr>
+          <p:nvPr>
+            <p:extLst>
+              <p:ext uri="{386F3935-93C4-4BCD-93E2-E3B085C9AB24}">
+                <p16:designElem xmlns:p16="http://schemas.microsoft.com/office/powerpoint/2015/main" val="1"/>
+              </p:ext>
+            </p:extLst>
+          </p:nvPr>
+        </p:nvSpPr>
+        <p:spPr>
+          <a:xfrm rot="16200000" flipV="1">
+            <a:off x="2209064" y="3329711"/>
+            <a:ext cx="3703320" cy="58726"/>
+          </a:xfrm>
+          <a:prstGeom prst="rect">
+            <a:avLst/>
+          </a:prstGeom>
+          <a:solidFill>
+            <a:schemeClr val="accent2"/>
+          </a:solidFill>
+          <a:ln>
+            <a:noFill/>
+          </a:ln>
+          <a:effectLst/>
+        </p:spPr>
+        <p:style>
+          <a:lnRef idx="1">
+            <a:schemeClr val="accent1"/>
+          </a:lnRef>
+          <a:fillRef idx="3">
+            <a:schemeClr val="accent1"/>
+          </a:fillRef>
+          <a:effectRef idx="2">
+            <a:schemeClr val="accent1"/>
+          </a:effectRef>
+          <a:fontRef idx="minor">
+            <a:schemeClr val="lt1"/>
+          </a:fontRef>
+        </p:style>
+      </p:sp>
+      <p:sp>
+        <p:nvSpPr>
+          <p:cNvPr id="21" name="Rectangle 20">
+            <a:extLst>
+              <a:ext uri="{FF2B5EF4-FFF2-40B4-BE49-F238E27FC236}">
+                <a16:creationId xmlns:a16="http://schemas.microsoft.com/office/drawing/2014/main" id="{E9AB5EE6-A047-4B18-B998-D46DF3CC36FE}"/>
+              </a:ext>
+              <a:ext uri="{C183D7F6-B498-43B3-948B-1728B52AA6E4}">
+                <adec:decorative xmlns:adec="http://schemas.microsoft.com/office/drawing/2017/decorative" val="1"/>
+              </a:ext>
+            </a:extLst>
+          </p:cNvPr>
+          <p:cNvSpPr>
+            <a:spLocks noGrp="1" noRot="1" noChangeAspect="1" noMove="1" noResize="1" noEditPoints="1" noAdjustHandles="1" noChangeArrowheads="1" noChangeShapeType="1" noTextEdit="1"/>
+          </p:cNvSpPr>
+          <p:nvPr>
+            <p:extLst>
+              <p:ext uri="{386F3935-93C4-4BCD-93E2-E3B085C9AB24}">
+                <p16:designElem xmlns:p16="http://schemas.microsoft.com/office/powerpoint/2015/main" val="1"/>
+              </p:ext>
+            </p:extLst>
+          </p:nvPr>
+        </p:nvSpPr>
+        <p:spPr>
+          <a:xfrm>
+            <a:off x="446534" y="5878019"/>
+            <a:ext cx="11298933" cy="512708"/>
+          </a:xfrm>
+          <a:prstGeom prst="rect">
+            <a:avLst/>
+          </a:prstGeom>
+          <a:solidFill>
+            <a:schemeClr val="accent4"/>
+          </a:solidFill>
+          <a:ln>
+            <a:noFill/>
+          </a:ln>
+          <a:effectLst/>
+        </p:spPr>
+        <p:style>
+          <a:lnRef idx="1">
+            <a:schemeClr val="accent1"/>
+          </a:lnRef>
+          <a:fillRef idx="3">
+            <a:schemeClr val="accent1"/>
+          </a:fillRef>
+          <a:effectRef idx="2">
+            <a:schemeClr val="accent1"/>
+          </a:effectRef>
+          <a:fontRef idx="minor">
+            <a:schemeClr val="lt1"/>
+          </a:fontRef>
+        </p:style>
+      </p:sp>
+    </p:spTree>
+    <p:extLst>
+      <p:ext uri="{BB962C8B-B14F-4D97-AF65-F5344CB8AC3E}">
+        <p14:creationId xmlns:p14="http://schemas.microsoft.com/office/powerpoint/2010/main" val="2682406869"/>
+      </p:ext>
+    </p:extLst>
+  </p:cSld>
+  <p:clrMapOvr>
+    <a:masterClrMapping/>
+  </p:clrMapOvr>
+</p:sld>
+</file>
+
+<file path=ppt/slides/slide70.xml><?xml version="1.0" encoding="utf-8"?>
+<p:sld xmlns:a="http://schemas.openxmlformats.org/drawingml/2006/main" xmlns:r="http://schemas.openxmlformats.org/officeDocument/2006/relationships" xmlns:p="http://schemas.openxmlformats.org/presentationml/2006/main">
+  <p:cSld>
+    <p:spTree>
+      <p:nvGrpSpPr>
+        <p:cNvPr id="1" name=""/>
+        <p:cNvGrpSpPr/>
+        <p:nvPr/>
+      </p:nvGrpSpPr>
+      <p:grpSpPr>
+        <a:xfrm>
+          <a:off x="0" y="0"/>
+          <a:ext cx="0" cy="0"/>
+          <a:chOff x="0" y="0"/>
+          <a:chExt cx="0" cy="0"/>
+        </a:xfrm>
+      </p:grpSpPr>
+      <p:sp>
+        <p:nvSpPr>
+          <p:cNvPr id="2" name="Nadpis 1">
+            <a:extLst>
+              <a:ext uri="{FF2B5EF4-FFF2-40B4-BE49-F238E27FC236}">
+                <a16:creationId xmlns:a16="http://schemas.microsoft.com/office/drawing/2014/main" id="{A7B234DA-C80E-40B1-92E2-542DC4B70225}"/>
+              </a:ext>
+            </a:extLst>
+          </p:cNvPr>
+          <p:cNvSpPr>
+            <a:spLocks noGrp="1"/>
+          </p:cNvSpPr>
+          <p:nvPr>
+            <p:ph type="title"/>
+          </p:nvPr>
+        </p:nvSpPr>
+        <p:spPr/>
+        <p:txBody>
+          <a:bodyPr/>
+          <a:lstStyle/>
+          <a:p>
+            <a:r>
+              <a:rPr lang="sk-SK" dirty="0"/>
+              <a:t>Otázky???</a:t>
+            </a:r>
+          </a:p>
+        </p:txBody>
+      </p:sp>
+      <p:sp>
+        <p:nvSpPr>
+          <p:cNvPr id="3" name="Zástupný objekt pre obsah 2">
+            <a:extLst>
+              <a:ext uri="{FF2B5EF4-FFF2-40B4-BE49-F238E27FC236}">
+                <a16:creationId xmlns:a16="http://schemas.microsoft.com/office/drawing/2014/main" id="{F6AF2EFC-7A06-4A71-8230-50F2756428F0}"/>
+              </a:ext>
+            </a:extLst>
+          </p:cNvPr>
+          <p:cNvSpPr>
+            <a:spLocks noGrp="1"/>
+          </p:cNvSpPr>
+          <p:nvPr>
+            <p:ph idx="1"/>
+          </p:nvPr>
+        </p:nvSpPr>
+        <p:spPr/>
+        <p:txBody>
+          <a:bodyPr/>
+          <a:lstStyle/>
+          <a:p>
+            <a:r>
+              <a:rPr lang="sk-SK" dirty="0"/>
+              <a:t>Je niečo čo potrebujete zopakovať z minula, resp. čo bolo nejasné?</a:t>
+            </a:r>
+          </a:p>
+        </p:txBody>
+      </p:sp>
+    </p:spTree>
+    <p:extLst>
+      <p:ext uri="{BB962C8B-B14F-4D97-AF65-F5344CB8AC3E}">
+        <p14:creationId xmlns:p14="http://schemas.microsoft.com/office/powerpoint/2010/main" val="4023740237"/>
+      </p:ext>
+    </p:extLst>
+  </p:cSld>
+  <p:clrMapOvr>
+    <a:masterClrMapping/>
+  </p:clrMapOvr>
+</p:sld>
+</file>
+
+<file path=ppt/slides/slide71.xml><?xml version="1.0" encoding="utf-8"?>
+<p:sld xmlns:a="http://schemas.openxmlformats.org/drawingml/2006/main" xmlns:r="http://schemas.openxmlformats.org/officeDocument/2006/relationships" xmlns:p="http://schemas.openxmlformats.org/presentationml/2006/main">
+  <p:cSld>
+    <p:spTree>
+      <p:nvGrpSpPr>
+        <p:cNvPr id="1" name=""/>
+        <p:cNvGrpSpPr/>
+        <p:nvPr/>
+      </p:nvGrpSpPr>
+      <p:grpSpPr>
+        <a:xfrm>
+          <a:off x="0" y="0"/>
+          <a:ext cx="0" cy="0"/>
+          <a:chOff x="0" y="0"/>
+          <a:chExt cx="0" cy="0"/>
+        </a:xfrm>
+      </p:grpSpPr>
+      <p:sp>
+        <p:nvSpPr>
           <p:cNvPr id="2" name="Nadpis 1">
             <a:extLst>
               <a:ext uri="{FF2B5EF4-FFF2-40B4-BE49-F238E27FC236}">
@@ -22909,7 +26649,7 @@
 </p:sld>
 </file>
 
-<file path=ppt/slides/slide67.xml><?xml version="1.0" encoding="utf-8"?>
+<file path=ppt/slides/slide72.xml><?xml version="1.0" encoding="utf-8"?>
 <p:sld xmlns:a="http://schemas.openxmlformats.org/drawingml/2006/main" xmlns:r="http://schemas.openxmlformats.org/officeDocument/2006/relationships" xmlns:p="http://schemas.openxmlformats.org/presentationml/2006/main">
   <p:cSld>
     <p:spTree>
@@ -23109,7 +26849,7 @@
 </p:sld>
 </file>
 
-<file path=ppt/slides/slide68.xml><?xml version="1.0" encoding="utf-8"?>
+<file path=ppt/slides/slide73.xml><?xml version="1.0" encoding="utf-8"?>
 <p:sld xmlns:a="http://schemas.openxmlformats.org/drawingml/2006/main" xmlns:r="http://schemas.openxmlformats.org/officeDocument/2006/relationships" xmlns:p="http://schemas.openxmlformats.org/presentationml/2006/main">
   <p:cSld>
     <p:spTree>
@@ -23403,7 +27143,7 @@
 </p:sld>
 </file>
 
-<file path=ppt/slides/slide69.xml><?xml version="1.0" encoding="utf-8"?>
+<file path=ppt/slides/slide74.xml><?xml version="1.0" encoding="utf-8"?>
 <p:sld xmlns:a="http://schemas.openxmlformats.org/drawingml/2006/main" xmlns:r="http://schemas.openxmlformats.org/officeDocument/2006/relationships" xmlns:p="http://schemas.openxmlformats.org/presentationml/2006/main">
   <p:cSld>
     <p:spTree>
@@ -23554,576 +27294,7 @@
 </p:sld>
 </file>
 
-<file path=ppt/slides/slide7.xml><?xml version="1.0" encoding="utf-8"?>
-<p:sld xmlns:a="http://schemas.openxmlformats.org/drawingml/2006/main" xmlns:r="http://schemas.openxmlformats.org/officeDocument/2006/relationships" xmlns:p="http://schemas.openxmlformats.org/presentationml/2006/main">
-  <p:cSld>
-    <p:bg>
-      <p:bgPr>
-        <a:solidFill>
-          <a:schemeClr val="bg1"/>
-        </a:solidFill>
-        <a:effectLst/>
-      </p:bgPr>
-    </p:bg>
-    <p:spTree>
-      <p:nvGrpSpPr>
-        <p:cNvPr id="1" name=""/>
-        <p:cNvGrpSpPr/>
-        <p:nvPr/>
-      </p:nvGrpSpPr>
-      <p:grpSpPr>
-        <a:xfrm>
-          <a:off x="0" y="0"/>
-          <a:ext cx="0" cy="0"/>
-          <a:chOff x="0" y="0"/>
-          <a:chExt cx="0" cy="0"/>
-        </a:xfrm>
-      </p:grpSpPr>
-      <p:sp>
-        <p:nvSpPr>
-          <p:cNvPr id="23" name="Rectangle 6">
-            <a:extLst>
-              <a:ext uri="{FF2B5EF4-FFF2-40B4-BE49-F238E27FC236}">
-                <a16:creationId xmlns:a16="http://schemas.microsoft.com/office/drawing/2014/main" id="{E9AA9F65-94B8-41A5-A7FF-23D2CFB116BB}"/>
-              </a:ext>
-              <a:ext uri="{C183D7F6-B498-43B3-948B-1728B52AA6E4}">
-                <adec:decorative xmlns:adec="http://schemas.microsoft.com/office/drawing/2017/decorative" val="1"/>
-              </a:ext>
-            </a:extLst>
-          </p:cNvPr>
-          <p:cNvSpPr>
-            <a:spLocks noGrp="1" noRot="1" noChangeAspect="1" noMove="1" noResize="1" noEditPoints="1" noAdjustHandles="1" noChangeArrowheads="1" noChangeShapeType="1" noTextEdit="1"/>
-          </p:cNvSpPr>
-          <p:nvPr>
-            <p:extLst>
-              <p:ext uri="{386F3935-93C4-4BCD-93E2-E3B085C9AB24}">
-                <p16:designElem xmlns:p16="http://schemas.microsoft.com/office/powerpoint/2015/main" val="1"/>
-              </p:ext>
-            </p:extLst>
-          </p:nvPr>
-        </p:nvSpPr>
-        <p:spPr>
-          <a:xfrm>
-            <a:off x="446534" y="457200"/>
-            <a:ext cx="3703320" cy="94997"/>
-          </a:xfrm>
-          <a:prstGeom prst="rect">
-            <a:avLst/>
-          </a:prstGeom>
-          <a:solidFill>
-            <a:schemeClr val="accent1"/>
-          </a:solidFill>
-          <a:ln>
-            <a:noFill/>
-          </a:ln>
-          <a:effectLst/>
-        </p:spPr>
-        <p:style>
-          <a:lnRef idx="1">
-            <a:schemeClr val="accent1"/>
-          </a:lnRef>
-          <a:fillRef idx="3">
-            <a:schemeClr val="accent1"/>
-          </a:fillRef>
-          <a:effectRef idx="2">
-            <a:schemeClr val="accent1"/>
-          </a:effectRef>
-          <a:fontRef idx="minor">
-            <a:schemeClr val="lt1"/>
-          </a:fontRef>
-        </p:style>
-      </p:sp>
-      <p:sp>
-        <p:nvSpPr>
-          <p:cNvPr id="24" name="Rectangle 8">
-            <a:extLst>
-              <a:ext uri="{FF2B5EF4-FFF2-40B4-BE49-F238E27FC236}">
-                <a16:creationId xmlns:a16="http://schemas.microsoft.com/office/drawing/2014/main" id="{7E8B0F8E-3F6C-4541-B9C1-774D80A08834}"/>
-              </a:ext>
-              <a:ext uri="{C183D7F6-B498-43B3-948B-1728B52AA6E4}">
-                <adec:decorative xmlns:adec="http://schemas.microsoft.com/office/drawing/2017/decorative" val="1"/>
-              </a:ext>
-            </a:extLst>
-          </p:cNvPr>
-          <p:cNvSpPr>
-            <a:spLocks noGrp="1" noRot="1" noChangeAspect="1" noMove="1" noResize="1" noEditPoints="1" noAdjustHandles="1" noChangeArrowheads="1" noChangeShapeType="1" noTextEdit="1"/>
-          </p:cNvSpPr>
-          <p:nvPr>
-            <p:extLst>
-              <p:ext uri="{386F3935-93C4-4BCD-93E2-E3B085C9AB24}">
-                <p16:designElem xmlns:p16="http://schemas.microsoft.com/office/powerpoint/2015/main" val="1"/>
-              </p:ext>
-            </p:extLst>
-          </p:nvPr>
-        </p:nvSpPr>
-        <p:spPr>
-          <a:xfrm>
-            <a:off x="8042147" y="453643"/>
-            <a:ext cx="3703320" cy="98554"/>
-          </a:xfrm>
-          <a:prstGeom prst="rect">
-            <a:avLst/>
-          </a:prstGeom>
-          <a:solidFill>
-            <a:schemeClr val="accent4"/>
-          </a:solidFill>
-          <a:ln>
-            <a:noFill/>
-          </a:ln>
-          <a:effectLst/>
-        </p:spPr>
-        <p:style>
-          <a:lnRef idx="1">
-            <a:schemeClr val="accent1"/>
-          </a:lnRef>
-          <a:fillRef idx="3">
-            <a:schemeClr val="accent1"/>
-          </a:fillRef>
-          <a:effectRef idx="2">
-            <a:schemeClr val="accent1"/>
-          </a:effectRef>
-          <a:fontRef idx="minor">
-            <a:schemeClr val="lt1"/>
-          </a:fontRef>
-        </p:style>
-      </p:sp>
-      <p:sp>
-        <p:nvSpPr>
-          <p:cNvPr id="25" name="Rectangle 10">
-            <a:extLst>
-              <a:ext uri="{FF2B5EF4-FFF2-40B4-BE49-F238E27FC236}">
-                <a16:creationId xmlns:a16="http://schemas.microsoft.com/office/drawing/2014/main" id="{7A45F5BC-32D1-41CD-B270-C46F18CA1ACC}"/>
-              </a:ext>
-              <a:ext uri="{C183D7F6-B498-43B3-948B-1728B52AA6E4}">
-                <adec:decorative xmlns:adec="http://schemas.microsoft.com/office/drawing/2017/decorative" val="1"/>
-              </a:ext>
-            </a:extLst>
-          </p:cNvPr>
-          <p:cNvSpPr>
-            <a:spLocks noGrp="1" noRot="1" noChangeAspect="1" noMove="1" noResize="1" noEditPoints="1" noAdjustHandles="1" noChangeArrowheads="1" noChangeShapeType="1" noTextEdit="1"/>
-          </p:cNvSpPr>
-          <p:nvPr>
-            <p:extLst>
-              <p:ext uri="{386F3935-93C4-4BCD-93E2-E3B085C9AB24}">
-                <p16:designElem xmlns:p16="http://schemas.microsoft.com/office/powerpoint/2015/main" val="1"/>
-              </p:ext>
-            </p:extLst>
-          </p:nvPr>
-        </p:nvSpPr>
-        <p:spPr>
-          <a:xfrm>
-            <a:off x="4241830" y="457200"/>
-            <a:ext cx="3703320" cy="91440"/>
-          </a:xfrm>
-          <a:prstGeom prst="rect">
-            <a:avLst/>
-          </a:prstGeom>
-          <a:solidFill>
-            <a:schemeClr val="accent2"/>
-          </a:solidFill>
-          <a:ln>
-            <a:noFill/>
-          </a:ln>
-          <a:effectLst/>
-        </p:spPr>
-        <p:style>
-          <a:lnRef idx="1">
-            <a:schemeClr val="accent1"/>
-          </a:lnRef>
-          <a:fillRef idx="3">
-            <a:schemeClr val="accent1"/>
-          </a:fillRef>
-          <a:effectRef idx="2">
-            <a:schemeClr val="accent1"/>
-          </a:effectRef>
-          <a:fontRef idx="minor">
-            <a:schemeClr val="lt1"/>
-          </a:fontRef>
-        </p:style>
-      </p:sp>
-      <p:sp>
-        <p:nvSpPr>
-          <p:cNvPr id="26" name="Rectangle 12">
-            <a:extLst>
-              <a:ext uri="{FF2B5EF4-FFF2-40B4-BE49-F238E27FC236}">
-                <a16:creationId xmlns:a16="http://schemas.microsoft.com/office/drawing/2014/main" id="{CE57EE13-72B0-4FFA-ACE1-EBDE89340E47}"/>
-              </a:ext>
-              <a:ext uri="{C183D7F6-B498-43B3-948B-1728B52AA6E4}">
-                <adec:decorative xmlns:adec="http://schemas.microsoft.com/office/drawing/2017/decorative" val="1"/>
-              </a:ext>
-            </a:extLst>
-          </p:cNvPr>
-          <p:cNvSpPr>
-            <a:spLocks noGrp="1" noRot="1" noChangeAspect="1" noMove="1" noResize="1" noEditPoints="1" noAdjustHandles="1" noChangeArrowheads="1" noChangeShapeType="1" noTextEdit="1"/>
-          </p:cNvSpPr>
-          <p:nvPr>
-            <p:extLst>
-              <p:ext uri="{386F3935-93C4-4BCD-93E2-E3B085C9AB24}">
-                <p16:designElem xmlns:p16="http://schemas.microsoft.com/office/powerpoint/2015/main" val="1"/>
-              </p:ext>
-            </p:extLst>
-          </p:nvPr>
-        </p:nvSpPr>
-        <p:spPr>
-          <a:xfrm>
-            <a:off x="446534" y="3085765"/>
-            <a:ext cx="11262866" cy="3304800"/>
-          </a:xfrm>
-          <a:prstGeom prst="rect">
-            <a:avLst/>
-          </a:prstGeom>
-          <a:solidFill>
-            <a:schemeClr val="accent1"/>
-          </a:solidFill>
-          <a:ln>
-            <a:noFill/>
-          </a:ln>
-          <a:effectLst/>
-        </p:spPr>
-        <p:style>
-          <a:lnRef idx="1">
-            <a:schemeClr val="accent1"/>
-          </a:lnRef>
-          <a:fillRef idx="3">
-            <a:schemeClr val="accent1"/>
-          </a:fillRef>
-          <a:effectRef idx="2">
-            <a:schemeClr val="accent1"/>
-          </a:effectRef>
-          <a:fontRef idx="minor">
-            <a:schemeClr val="lt1"/>
-          </a:fontRef>
-        </p:style>
-      </p:sp>
-      <p:sp>
-        <p:nvSpPr>
-          <p:cNvPr id="27" name="Rectangle 14">
-            <a:extLst>
-              <a:ext uri="{FF2B5EF4-FFF2-40B4-BE49-F238E27FC236}">
-                <a16:creationId xmlns:a16="http://schemas.microsoft.com/office/drawing/2014/main" id="{328C565D-A991-4381-AC37-76A58A4A128F}"/>
-              </a:ext>
-              <a:ext uri="{C183D7F6-B498-43B3-948B-1728B52AA6E4}">
-                <adec:decorative xmlns:adec="http://schemas.microsoft.com/office/drawing/2017/decorative" val="1"/>
-              </a:ext>
-            </a:extLst>
-          </p:cNvPr>
-          <p:cNvSpPr>
-            <a:spLocks noGrp="1" noRot="1" noChangeAspect="1" noMove="1" noResize="1" noEditPoints="1" noAdjustHandles="1" noChangeArrowheads="1" noChangeShapeType="1" noTextEdit="1"/>
-          </p:cNvSpPr>
-          <p:nvPr>
-            <p:extLst>
-              <p:ext uri="{386F3935-93C4-4BCD-93E2-E3B085C9AB24}">
-                <p16:designElem xmlns:p16="http://schemas.microsoft.com/office/powerpoint/2015/main" val="1"/>
-              </p:ext>
-            </p:extLst>
-          </p:nvPr>
-        </p:nvSpPr>
-        <p:spPr>
-          <a:xfrm>
-            <a:off x="0" y="0"/>
-            <a:ext cx="12192000" cy="6858000"/>
-          </a:xfrm>
-          <a:prstGeom prst="rect">
-            <a:avLst/>
-          </a:prstGeom>
-          <a:solidFill>
-            <a:srgbClr val="FFFFFF"/>
-          </a:solidFill>
-          <a:ln>
-            <a:noFill/>
-          </a:ln>
-        </p:spPr>
-        <p:style>
-          <a:lnRef idx="2">
-            <a:schemeClr val="accent1">
-              <a:shade val="50000"/>
-            </a:schemeClr>
-          </a:lnRef>
-          <a:fillRef idx="1">
-            <a:schemeClr val="accent1"/>
-          </a:fillRef>
-          <a:effectRef idx="0">
-            <a:schemeClr val="accent1"/>
-          </a:effectRef>
-          <a:fontRef idx="minor">
-            <a:schemeClr val="lt1"/>
-          </a:fontRef>
-        </p:style>
-        <p:txBody>
-          <a:bodyPr rtlCol="0" anchor="ctr"/>
-          <a:lstStyle/>
-          <a:p>
-            <a:pPr algn="ctr"/>
-            <a:endParaRPr lang="en-US"/>
-          </a:p>
-        </p:txBody>
-      </p:sp>
-      <p:sp>
-        <p:nvSpPr>
-          <p:cNvPr id="2" name="Nadpis 1">
-            <a:extLst>
-              <a:ext uri="{FF2B5EF4-FFF2-40B4-BE49-F238E27FC236}">
-                <a16:creationId xmlns:a16="http://schemas.microsoft.com/office/drawing/2014/main" id="{81910E2F-225A-4CE6-8F66-587CBBEA3B71}"/>
-              </a:ext>
-            </a:extLst>
-          </p:cNvPr>
-          <p:cNvSpPr>
-            <a:spLocks noGrp="1"/>
-          </p:cNvSpPr>
-          <p:nvPr>
-            <p:ph type="title"/>
-          </p:nvPr>
-        </p:nvSpPr>
-        <p:spPr>
-          <a:xfrm>
-            <a:off x="4449960" y="1507414"/>
-            <a:ext cx="7295507" cy="3703320"/>
-          </a:xfrm>
-        </p:spPr>
-        <p:txBody>
-          <a:bodyPr vert="horz" lIns="91440" tIns="45720" rIns="91440" bIns="45720" rtlCol="0" anchor="ctr">
-            <a:normAutofit/>
-          </a:bodyPr>
-          <a:lstStyle/>
-          <a:p>
-            <a:r>
-              <a:rPr lang="sk-SK" sz="4800" dirty="0">
-                <a:solidFill>
-                  <a:schemeClr val="accent1"/>
-                </a:solidFill>
-              </a:rPr>
-              <a:t>1</a:t>
-            </a:r>
-            <a:r>
-              <a:rPr lang="en-US" sz="4800" dirty="0">
-                <a:solidFill>
-                  <a:schemeClr val="accent1"/>
-                </a:solidFill>
-              </a:rPr>
-              <a:t>. </a:t>
-            </a:r>
-            <a:r>
-              <a:rPr lang="en-US" sz="4800" dirty="0" err="1">
-                <a:solidFill>
-                  <a:schemeClr val="accent1"/>
-                </a:solidFill>
-              </a:rPr>
-              <a:t>Deň</a:t>
-            </a:r>
-            <a:br>
-              <a:rPr lang="en-US" sz="4800" dirty="0">
-                <a:solidFill>
-                  <a:schemeClr val="accent1"/>
-                </a:solidFill>
-              </a:rPr>
-            </a:br>
-            <a:r>
-              <a:rPr lang="sk-SK" sz="2400" dirty="0">
-                <a:solidFill>
-                  <a:schemeClr val="accent1"/>
-                </a:solidFill>
-              </a:rPr>
-              <a:t>Úvod do Prostredia</a:t>
-            </a:r>
-            <a:br>
-              <a:rPr lang="sk-SK" sz="2400" dirty="0">
-                <a:solidFill>
-                  <a:schemeClr val="accent1"/>
-                </a:solidFill>
-              </a:rPr>
-            </a:br>
-            <a:r>
-              <a:rPr lang="sk-SK" sz="2400" dirty="0">
-                <a:solidFill>
-                  <a:schemeClr val="accent1"/>
-                </a:solidFill>
-              </a:rPr>
-              <a:t>Základy jazyka JAVA</a:t>
-            </a:r>
-            <a:endParaRPr lang="en-US" sz="4800" dirty="0">
-              <a:solidFill>
-                <a:schemeClr val="accent1"/>
-              </a:solidFill>
-            </a:endParaRPr>
-          </a:p>
-        </p:txBody>
-      </p:sp>
-      <p:sp>
-        <p:nvSpPr>
-          <p:cNvPr id="28" name="Rectangle 16">
-            <a:extLst>
-              <a:ext uri="{FF2B5EF4-FFF2-40B4-BE49-F238E27FC236}">
-                <a16:creationId xmlns:a16="http://schemas.microsoft.com/office/drawing/2014/main" id="{B7180431-F4DE-415D-BCBB-9316423C37C1}"/>
-              </a:ext>
-              <a:ext uri="{C183D7F6-B498-43B3-948B-1728B52AA6E4}">
-                <adec:decorative xmlns:adec="http://schemas.microsoft.com/office/drawing/2017/decorative" val="1"/>
-              </a:ext>
-            </a:extLst>
-          </p:cNvPr>
-          <p:cNvSpPr>
-            <a:spLocks noGrp="1" noRot="1" noChangeAspect="1" noMove="1" noResize="1" noEditPoints="1" noAdjustHandles="1" noChangeArrowheads="1" noChangeShapeType="1" noTextEdit="1"/>
-          </p:cNvSpPr>
-          <p:nvPr>
-            <p:extLst>
-              <p:ext uri="{386F3935-93C4-4BCD-93E2-E3B085C9AB24}">
-                <p16:designElem xmlns:p16="http://schemas.microsoft.com/office/powerpoint/2015/main" val="1"/>
-              </p:ext>
-            </p:extLst>
-          </p:nvPr>
-        </p:nvSpPr>
-        <p:spPr>
-          <a:xfrm>
-            <a:off x="446534" y="453642"/>
-            <a:ext cx="11298933" cy="512708"/>
-          </a:xfrm>
-          <a:prstGeom prst="rect">
-            <a:avLst/>
-          </a:prstGeom>
-          <a:solidFill>
-            <a:schemeClr val="accent4"/>
-          </a:solidFill>
-          <a:ln>
-            <a:noFill/>
-          </a:ln>
-          <a:effectLst/>
-        </p:spPr>
-        <p:style>
-          <a:lnRef idx="1">
-            <a:schemeClr val="accent1"/>
-          </a:lnRef>
-          <a:fillRef idx="3">
-            <a:schemeClr val="accent1"/>
-          </a:fillRef>
-          <a:effectRef idx="2">
-            <a:schemeClr val="accent1"/>
-          </a:effectRef>
-          <a:fontRef idx="minor">
-            <a:schemeClr val="lt1"/>
-          </a:fontRef>
-        </p:style>
-      </p:sp>
-      <p:sp>
-        <p:nvSpPr>
-          <p:cNvPr id="29" name="Rectangle 18">
-            <a:extLst>
-              <a:ext uri="{FF2B5EF4-FFF2-40B4-BE49-F238E27FC236}">
-                <a16:creationId xmlns:a16="http://schemas.microsoft.com/office/drawing/2014/main" id="{EEABD997-5EF9-4E9B-AFBB-F6DFAAF3ADF0}"/>
-              </a:ext>
-              <a:ext uri="{C183D7F6-B498-43B3-948B-1728B52AA6E4}">
-                <adec:decorative xmlns:adec="http://schemas.microsoft.com/office/drawing/2017/decorative" val="1"/>
-              </a:ext>
-            </a:extLst>
-          </p:cNvPr>
-          <p:cNvSpPr>
-            <a:spLocks noGrp="1" noRot="1" noChangeAspect="1" noMove="1" noResize="1" noEditPoints="1" noAdjustHandles="1" noChangeArrowheads="1" noChangeShapeType="1" noTextEdit="1"/>
-          </p:cNvSpPr>
-          <p:nvPr>
-            <p:extLst>
-              <p:ext uri="{386F3935-93C4-4BCD-93E2-E3B085C9AB24}">
-                <p16:designElem xmlns:p16="http://schemas.microsoft.com/office/powerpoint/2015/main" val="1"/>
-              </p:ext>
-            </p:extLst>
-          </p:nvPr>
-        </p:nvSpPr>
-        <p:spPr>
-          <a:xfrm rot="16200000" flipV="1">
-            <a:off x="2209064" y="3329711"/>
-            <a:ext cx="3703320" cy="58726"/>
-          </a:xfrm>
-          <a:prstGeom prst="rect">
-            <a:avLst/>
-          </a:prstGeom>
-          <a:solidFill>
-            <a:schemeClr val="accent2"/>
-          </a:solidFill>
-          <a:ln>
-            <a:noFill/>
-          </a:ln>
-          <a:effectLst/>
-        </p:spPr>
-        <p:style>
-          <a:lnRef idx="1">
-            <a:schemeClr val="accent1"/>
-          </a:lnRef>
-          <a:fillRef idx="3">
-            <a:schemeClr val="accent1"/>
-          </a:fillRef>
-          <a:effectRef idx="2">
-            <a:schemeClr val="accent1"/>
-          </a:effectRef>
-          <a:fontRef idx="minor">
-            <a:schemeClr val="lt1"/>
-          </a:fontRef>
-        </p:style>
-      </p:sp>
-      <p:sp>
-        <p:nvSpPr>
-          <p:cNvPr id="21" name="Rectangle 20">
-            <a:extLst>
-              <a:ext uri="{FF2B5EF4-FFF2-40B4-BE49-F238E27FC236}">
-                <a16:creationId xmlns:a16="http://schemas.microsoft.com/office/drawing/2014/main" id="{E9AB5EE6-A047-4B18-B998-D46DF3CC36FE}"/>
-              </a:ext>
-              <a:ext uri="{C183D7F6-B498-43B3-948B-1728B52AA6E4}">
-                <adec:decorative xmlns:adec="http://schemas.microsoft.com/office/drawing/2017/decorative" val="1"/>
-              </a:ext>
-            </a:extLst>
-          </p:cNvPr>
-          <p:cNvSpPr>
-            <a:spLocks noGrp="1" noRot="1" noChangeAspect="1" noMove="1" noResize="1" noEditPoints="1" noAdjustHandles="1" noChangeArrowheads="1" noChangeShapeType="1" noTextEdit="1"/>
-          </p:cNvSpPr>
-          <p:nvPr>
-            <p:extLst>
-              <p:ext uri="{386F3935-93C4-4BCD-93E2-E3B085C9AB24}">
-                <p16:designElem xmlns:p16="http://schemas.microsoft.com/office/powerpoint/2015/main" val="1"/>
-              </p:ext>
-            </p:extLst>
-          </p:nvPr>
-        </p:nvSpPr>
-        <p:spPr>
-          <a:xfrm>
-            <a:off x="446534" y="5878019"/>
-            <a:ext cx="11298933" cy="512708"/>
-          </a:xfrm>
-          <a:prstGeom prst="rect">
-            <a:avLst/>
-          </a:prstGeom>
-          <a:solidFill>
-            <a:schemeClr val="accent4"/>
-          </a:solidFill>
-          <a:ln>
-            <a:noFill/>
-          </a:ln>
-          <a:effectLst/>
-        </p:spPr>
-        <p:style>
-          <a:lnRef idx="1">
-            <a:schemeClr val="accent1"/>
-          </a:lnRef>
-          <a:fillRef idx="3">
-            <a:schemeClr val="accent1"/>
-          </a:fillRef>
-          <a:effectRef idx="2">
-            <a:schemeClr val="accent1"/>
-          </a:effectRef>
-          <a:fontRef idx="minor">
-            <a:schemeClr val="lt1"/>
-          </a:fontRef>
-        </p:style>
-      </p:sp>
-    </p:spTree>
-    <p:extLst>
-      <p:ext uri="{BB962C8B-B14F-4D97-AF65-F5344CB8AC3E}">
-        <p14:creationId xmlns:p14="http://schemas.microsoft.com/office/powerpoint/2010/main" val="2682406869"/>
-      </p:ext>
-    </p:extLst>
-  </p:cSld>
-  <p:clrMapOvr>
-    <a:masterClrMapping/>
-  </p:clrMapOvr>
-</p:sld>
-</file>
-
-<file path=ppt/slides/slide70.xml><?xml version="1.0" encoding="utf-8"?>
+<file path=ppt/slides/slide75.xml><?xml version="1.0" encoding="utf-8"?>
 <p:sld xmlns:a="http://schemas.openxmlformats.org/drawingml/2006/main" xmlns:r="http://schemas.openxmlformats.org/officeDocument/2006/relationships" xmlns:p="http://schemas.openxmlformats.org/presentationml/2006/main">
   <p:cSld>
     <p:spTree>
@@ -24303,7 +27474,7 @@
 </p:sld>
 </file>
 
-<file path=ppt/slides/slide71.xml><?xml version="1.0" encoding="utf-8"?>
+<file path=ppt/slides/slide76.xml><?xml version="1.0" encoding="utf-8"?>
 <p:sld xmlns:a="http://schemas.openxmlformats.org/drawingml/2006/main" xmlns:r="http://schemas.openxmlformats.org/officeDocument/2006/relationships" xmlns:p="http://schemas.openxmlformats.org/presentationml/2006/main">
   <p:cSld>
     <p:spTree>
@@ -24466,7 +27637,7 @@
 </p:sld>
 </file>
 
-<file path=ppt/slides/slide72.xml><?xml version="1.0" encoding="utf-8"?>
+<file path=ppt/slides/slide77.xml><?xml version="1.0" encoding="utf-8"?>
 <p:sld xmlns:a="http://schemas.openxmlformats.org/drawingml/2006/main" xmlns:r="http://schemas.openxmlformats.org/officeDocument/2006/relationships" xmlns:p="http://schemas.openxmlformats.org/presentationml/2006/main">
   <p:cSld>
     <p:spTree>
@@ -24919,7 +28090,7 @@
 </p:sld>
 </file>
 
-<file path=ppt/slides/slide73.xml><?xml version="1.0" encoding="utf-8"?>
+<file path=ppt/slides/slide78.xml><?xml version="1.0" encoding="utf-8"?>
 <p:sld xmlns:a="http://schemas.openxmlformats.org/drawingml/2006/main" xmlns:r="http://schemas.openxmlformats.org/officeDocument/2006/relationships" xmlns:p="http://schemas.openxmlformats.org/presentationml/2006/main">
   <p:cSld>
     <p:spTree>
@@ -25061,1181 +28232,6 @@
 </p:sld>
 </file>
 
-<file path=ppt/slides/slide74.xml><?xml version="1.0" encoding="utf-8"?>
-<p:sld xmlns:a="http://schemas.openxmlformats.org/drawingml/2006/main" xmlns:r="http://schemas.openxmlformats.org/officeDocument/2006/relationships" xmlns:p="http://schemas.openxmlformats.org/presentationml/2006/main">
-  <p:cSld>
-    <p:bg>
-      <p:bgPr>
-        <a:solidFill>
-          <a:schemeClr val="bg1"/>
-        </a:solidFill>
-        <a:effectLst/>
-      </p:bgPr>
-    </p:bg>
-    <p:spTree>
-      <p:nvGrpSpPr>
-        <p:cNvPr id="1" name=""/>
-        <p:cNvGrpSpPr/>
-        <p:nvPr/>
-      </p:nvGrpSpPr>
-      <p:grpSpPr>
-        <a:xfrm>
-          <a:off x="0" y="0"/>
-          <a:ext cx="0" cy="0"/>
-          <a:chOff x="0" y="0"/>
-          <a:chExt cx="0" cy="0"/>
-        </a:xfrm>
-      </p:grpSpPr>
-      <p:sp>
-        <p:nvSpPr>
-          <p:cNvPr id="8" name="Rectangle 7">
-            <a:extLst>
-              <a:ext uri="{FF2B5EF4-FFF2-40B4-BE49-F238E27FC236}">
-                <a16:creationId xmlns:a16="http://schemas.microsoft.com/office/drawing/2014/main" id="{E9AA9F65-94B8-41A5-A7FF-23D2CFB116BB}"/>
-              </a:ext>
-              <a:ext uri="{C183D7F6-B498-43B3-948B-1728B52AA6E4}">
-                <adec:decorative xmlns:adec="http://schemas.microsoft.com/office/drawing/2017/decorative" val="1"/>
-              </a:ext>
-            </a:extLst>
-          </p:cNvPr>
-          <p:cNvSpPr>
-            <a:spLocks noGrp="1" noRot="1" noChangeAspect="1" noMove="1" noResize="1" noEditPoints="1" noAdjustHandles="1" noChangeArrowheads="1" noChangeShapeType="1" noTextEdit="1"/>
-          </p:cNvSpPr>
-          <p:nvPr>
-            <p:extLst>
-              <p:ext uri="{386F3935-93C4-4BCD-93E2-E3B085C9AB24}">
-                <p16:designElem xmlns:p16="http://schemas.microsoft.com/office/powerpoint/2015/main" val="1"/>
-              </p:ext>
-            </p:extLst>
-          </p:nvPr>
-        </p:nvSpPr>
-        <p:spPr>
-          <a:xfrm>
-            <a:off x="446534" y="457200"/>
-            <a:ext cx="3703320" cy="94997"/>
-          </a:xfrm>
-          <a:prstGeom prst="rect">
-            <a:avLst/>
-          </a:prstGeom>
-          <a:solidFill>
-            <a:schemeClr val="accent1"/>
-          </a:solidFill>
-          <a:ln>
-            <a:noFill/>
-          </a:ln>
-          <a:effectLst/>
-        </p:spPr>
-        <p:style>
-          <a:lnRef idx="1">
-            <a:schemeClr val="accent1"/>
-          </a:lnRef>
-          <a:fillRef idx="3">
-            <a:schemeClr val="accent1"/>
-          </a:fillRef>
-          <a:effectRef idx="2">
-            <a:schemeClr val="accent1"/>
-          </a:effectRef>
-          <a:fontRef idx="minor">
-            <a:schemeClr val="lt1"/>
-          </a:fontRef>
-        </p:style>
-      </p:sp>
-      <p:sp>
-        <p:nvSpPr>
-          <p:cNvPr id="10" name="Rectangle 9">
-            <a:extLst>
-              <a:ext uri="{FF2B5EF4-FFF2-40B4-BE49-F238E27FC236}">
-                <a16:creationId xmlns:a16="http://schemas.microsoft.com/office/drawing/2014/main" id="{7E8B0F8E-3F6C-4541-B9C1-774D80A08834}"/>
-              </a:ext>
-              <a:ext uri="{C183D7F6-B498-43B3-948B-1728B52AA6E4}">
-                <adec:decorative xmlns:adec="http://schemas.microsoft.com/office/drawing/2017/decorative" val="1"/>
-              </a:ext>
-            </a:extLst>
-          </p:cNvPr>
-          <p:cNvSpPr>
-            <a:spLocks noGrp="1" noRot="1" noChangeAspect="1" noMove="1" noResize="1" noEditPoints="1" noAdjustHandles="1" noChangeArrowheads="1" noChangeShapeType="1" noTextEdit="1"/>
-          </p:cNvSpPr>
-          <p:nvPr>
-            <p:extLst>
-              <p:ext uri="{386F3935-93C4-4BCD-93E2-E3B085C9AB24}">
-                <p16:designElem xmlns:p16="http://schemas.microsoft.com/office/powerpoint/2015/main" val="1"/>
-              </p:ext>
-            </p:extLst>
-          </p:nvPr>
-        </p:nvSpPr>
-        <p:spPr>
-          <a:xfrm>
-            <a:off x="8042147" y="453643"/>
-            <a:ext cx="3703320" cy="98554"/>
-          </a:xfrm>
-          <a:prstGeom prst="rect">
-            <a:avLst/>
-          </a:prstGeom>
-          <a:solidFill>
-            <a:schemeClr val="accent4"/>
-          </a:solidFill>
-          <a:ln>
-            <a:noFill/>
-          </a:ln>
-          <a:effectLst/>
-        </p:spPr>
-        <p:style>
-          <a:lnRef idx="1">
-            <a:schemeClr val="accent1"/>
-          </a:lnRef>
-          <a:fillRef idx="3">
-            <a:schemeClr val="accent1"/>
-          </a:fillRef>
-          <a:effectRef idx="2">
-            <a:schemeClr val="accent1"/>
-          </a:effectRef>
-          <a:fontRef idx="minor">
-            <a:schemeClr val="lt1"/>
-          </a:fontRef>
-        </p:style>
-      </p:sp>
-      <p:sp>
-        <p:nvSpPr>
-          <p:cNvPr id="12" name="Rectangle 11">
-            <a:extLst>
-              <a:ext uri="{FF2B5EF4-FFF2-40B4-BE49-F238E27FC236}">
-                <a16:creationId xmlns:a16="http://schemas.microsoft.com/office/drawing/2014/main" id="{7A45F5BC-32D1-41CD-B270-C46F18CA1ACC}"/>
-              </a:ext>
-              <a:ext uri="{C183D7F6-B498-43B3-948B-1728B52AA6E4}">
-                <adec:decorative xmlns:adec="http://schemas.microsoft.com/office/drawing/2017/decorative" val="1"/>
-              </a:ext>
-            </a:extLst>
-          </p:cNvPr>
-          <p:cNvSpPr>
-            <a:spLocks noGrp="1" noRot="1" noChangeAspect="1" noMove="1" noResize="1" noEditPoints="1" noAdjustHandles="1" noChangeArrowheads="1" noChangeShapeType="1" noTextEdit="1"/>
-          </p:cNvSpPr>
-          <p:nvPr>
-            <p:extLst>
-              <p:ext uri="{386F3935-93C4-4BCD-93E2-E3B085C9AB24}">
-                <p16:designElem xmlns:p16="http://schemas.microsoft.com/office/powerpoint/2015/main" val="1"/>
-              </p:ext>
-            </p:extLst>
-          </p:nvPr>
-        </p:nvSpPr>
-        <p:spPr>
-          <a:xfrm>
-            <a:off x="4241830" y="457200"/>
-            <a:ext cx="3703320" cy="91440"/>
-          </a:xfrm>
-          <a:prstGeom prst="rect">
-            <a:avLst/>
-          </a:prstGeom>
-          <a:solidFill>
-            <a:schemeClr val="accent2"/>
-          </a:solidFill>
-          <a:ln>
-            <a:noFill/>
-          </a:ln>
-          <a:effectLst/>
-        </p:spPr>
-        <p:style>
-          <a:lnRef idx="1">
-            <a:schemeClr val="accent1"/>
-          </a:lnRef>
-          <a:fillRef idx="3">
-            <a:schemeClr val="accent1"/>
-          </a:fillRef>
-          <a:effectRef idx="2">
-            <a:schemeClr val="accent1"/>
-          </a:effectRef>
-          <a:fontRef idx="minor">
-            <a:schemeClr val="lt1"/>
-          </a:fontRef>
-        </p:style>
-      </p:sp>
-      <p:sp>
-        <p:nvSpPr>
-          <p:cNvPr id="14" name="Rectangle 13">
-            <a:extLst>
-              <a:ext uri="{FF2B5EF4-FFF2-40B4-BE49-F238E27FC236}">
-                <a16:creationId xmlns:a16="http://schemas.microsoft.com/office/drawing/2014/main" id="{CE57EE13-72B0-4FFA-ACE1-EBDE89340E47}"/>
-              </a:ext>
-              <a:ext uri="{C183D7F6-B498-43B3-948B-1728B52AA6E4}">
-                <adec:decorative xmlns:adec="http://schemas.microsoft.com/office/drawing/2017/decorative" val="1"/>
-              </a:ext>
-            </a:extLst>
-          </p:cNvPr>
-          <p:cNvSpPr>
-            <a:spLocks noGrp="1" noRot="1" noChangeAspect="1" noMove="1" noResize="1" noEditPoints="1" noAdjustHandles="1" noChangeArrowheads="1" noChangeShapeType="1" noTextEdit="1"/>
-          </p:cNvSpPr>
-          <p:nvPr>
-            <p:extLst>
-              <p:ext uri="{386F3935-93C4-4BCD-93E2-E3B085C9AB24}">
-                <p16:designElem xmlns:p16="http://schemas.microsoft.com/office/powerpoint/2015/main" val="1"/>
-              </p:ext>
-            </p:extLst>
-          </p:nvPr>
-        </p:nvSpPr>
-        <p:spPr>
-          <a:xfrm>
-            <a:off x="446534" y="3085765"/>
-            <a:ext cx="11262866" cy="3304800"/>
-          </a:xfrm>
-          <a:prstGeom prst="rect">
-            <a:avLst/>
-          </a:prstGeom>
-          <a:solidFill>
-            <a:schemeClr val="accent1"/>
-          </a:solidFill>
-          <a:ln>
-            <a:noFill/>
-          </a:ln>
-          <a:effectLst/>
-        </p:spPr>
-        <p:style>
-          <a:lnRef idx="1">
-            <a:schemeClr val="accent1"/>
-          </a:lnRef>
-          <a:fillRef idx="3">
-            <a:schemeClr val="accent1"/>
-          </a:fillRef>
-          <a:effectRef idx="2">
-            <a:schemeClr val="accent1"/>
-          </a:effectRef>
-          <a:fontRef idx="minor">
-            <a:schemeClr val="lt1"/>
-          </a:fontRef>
-        </p:style>
-      </p:sp>
-      <p:sp>
-        <p:nvSpPr>
-          <p:cNvPr id="16" name="Rectangle 15">
-            <a:extLst>
-              <a:ext uri="{FF2B5EF4-FFF2-40B4-BE49-F238E27FC236}">
-                <a16:creationId xmlns:a16="http://schemas.microsoft.com/office/drawing/2014/main" id="{328C565D-A991-4381-AC37-76A58A4A128F}"/>
-              </a:ext>
-              <a:ext uri="{C183D7F6-B498-43B3-948B-1728B52AA6E4}">
-                <adec:decorative xmlns:adec="http://schemas.microsoft.com/office/drawing/2017/decorative" val="1"/>
-              </a:ext>
-            </a:extLst>
-          </p:cNvPr>
-          <p:cNvSpPr>
-            <a:spLocks noGrp="1" noRot="1" noChangeAspect="1" noMove="1" noResize="1" noEditPoints="1" noAdjustHandles="1" noChangeArrowheads="1" noChangeShapeType="1" noTextEdit="1"/>
-          </p:cNvSpPr>
-          <p:nvPr>
-            <p:extLst>
-              <p:ext uri="{386F3935-93C4-4BCD-93E2-E3B085C9AB24}">
-                <p16:designElem xmlns:p16="http://schemas.microsoft.com/office/powerpoint/2015/main" val="1"/>
-              </p:ext>
-            </p:extLst>
-          </p:nvPr>
-        </p:nvSpPr>
-        <p:spPr>
-          <a:xfrm>
-            <a:off x="0" y="0"/>
-            <a:ext cx="12192000" cy="6858000"/>
-          </a:xfrm>
-          <a:prstGeom prst="rect">
-            <a:avLst/>
-          </a:prstGeom>
-          <a:solidFill>
-            <a:srgbClr val="FFFFFF"/>
-          </a:solidFill>
-          <a:ln>
-            <a:noFill/>
-          </a:ln>
-        </p:spPr>
-        <p:style>
-          <a:lnRef idx="2">
-            <a:schemeClr val="accent1">
-              <a:shade val="50000"/>
-            </a:schemeClr>
-          </a:lnRef>
-          <a:fillRef idx="1">
-            <a:schemeClr val="accent1"/>
-          </a:fillRef>
-          <a:effectRef idx="0">
-            <a:schemeClr val="accent1"/>
-          </a:effectRef>
-          <a:fontRef idx="minor">
-            <a:schemeClr val="lt1"/>
-          </a:fontRef>
-        </p:style>
-        <p:txBody>
-          <a:bodyPr rtlCol="0" anchor="ctr"/>
-          <a:lstStyle/>
-          <a:p>
-            <a:pPr algn="ctr"/>
-            <a:endParaRPr lang="en-US"/>
-          </a:p>
-        </p:txBody>
-      </p:sp>
-      <p:sp>
-        <p:nvSpPr>
-          <p:cNvPr id="2" name="Nadpis 1">
-            <a:extLst>
-              <a:ext uri="{FF2B5EF4-FFF2-40B4-BE49-F238E27FC236}">
-                <a16:creationId xmlns:a16="http://schemas.microsoft.com/office/drawing/2014/main" id="{81910E2F-225A-4CE6-8F66-587CBBEA3B71}"/>
-              </a:ext>
-            </a:extLst>
-          </p:cNvPr>
-          <p:cNvSpPr>
-            <a:spLocks noGrp="1"/>
-          </p:cNvSpPr>
-          <p:nvPr>
-            <p:ph type="title"/>
-          </p:nvPr>
-        </p:nvSpPr>
-        <p:spPr>
-          <a:xfrm>
-            <a:off x="4449960" y="1507414"/>
-            <a:ext cx="7295507" cy="3703320"/>
-          </a:xfrm>
-        </p:spPr>
-        <p:txBody>
-          <a:bodyPr vert="horz" lIns="91440" tIns="45720" rIns="91440" bIns="45720" rtlCol="0" anchor="ctr">
-            <a:normAutofit/>
-          </a:bodyPr>
-          <a:lstStyle/>
-          <a:p>
-            <a:r>
-              <a:rPr lang="sk-SK" sz="4800" dirty="0">
-                <a:solidFill>
-                  <a:schemeClr val="accent1"/>
-                </a:solidFill>
-              </a:rPr>
-              <a:t>2-3. Deň</a:t>
-            </a:r>
-            <a:br>
-              <a:rPr lang="sk-SK" sz="4800" dirty="0">
-                <a:solidFill>
-                  <a:schemeClr val="accent1"/>
-                </a:solidFill>
-              </a:rPr>
-            </a:br>
-            <a:r>
-              <a:rPr lang="sk-SK" sz="2400" dirty="0">
-                <a:solidFill>
-                  <a:schemeClr val="accent1"/>
-                </a:solidFill>
-              </a:rPr>
-              <a:t>Riadenie roku programu</a:t>
-            </a:r>
-            <a:br>
-              <a:rPr lang="sk-SK" sz="2400" dirty="0">
-                <a:solidFill>
-                  <a:schemeClr val="accent1"/>
-                </a:solidFill>
-              </a:rPr>
-            </a:br>
-            <a:r>
-              <a:rPr lang="sk-SK" sz="2400" dirty="0">
-                <a:solidFill>
-                  <a:schemeClr val="accent1"/>
-                </a:solidFill>
-              </a:rPr>
-              <a:t>Základy </a:t>
-            </a:r>
-            <a:r>
-              <a:rPr lang="sk-SK" sz="2400" dirty="0" err="1">
-                <a:solidFill>
-                  <a:schemeClr val="accent1"/>
-                </a:solidFill>
-              </a:rPr>
-              <a:t>oOP</a:t>
-            </a:r>
-            <a:endParaRPr lang="en-US" sz="4800" dirty="0">
-              <a:solidFill>
-                <a:schemeClr val="accent1"/>
-              </a:solidFill>
-            </a:endParaRPr>
-          </a:p>
-        </p:txBody>
-      </p:sp>
-      <p:sp>
-        <p:nvSpPr>
-          <p:cNvPr id="18" name="Rectangle 17">
-            <a:extLst>
-              <a:ext uri="{FF2B5EF4-FFF2-40B4-BE49-F238E27FC236}">
-                <a16:creationId xmlns:a16="http://schemas.microsoft.com/office/drawing/2014/main" id="{B7180431-F4DE-415D-BCBB-9316423C37C1}"/>
-              </a:ext>
-              <a:ext uri="{C183D7F6-B498-43B3-948B-1728B52AA6E4}">
-                <adec:decorative xmlns:adec="http://schemas.microsoft.com/office/drawing/2017/decorative" val="1"/>
-              </a:ext>
-            </a:extLst>
-          </p:cNvPr>
-          <p:cNvSpPr>
-            <a:spLocks noGrp="1" noRot="1" noChangeAspect="1" noMove="1" noResize="1" noEditPoints="1" noAdjustHandles="1" noChangeArrowheads="1" noChangeShapeType="1" noTextEdit="1"/>
-          </p:cNvSpPr>
-          <p:nvPr>
-            <p:extLst>
-              <p:ext uri="{386F3935-93C4-4BCD-93E2-E3B085C9AB24}">
-                <p16:designElem xmlns:p16="http://schemas.microsoft.com/office/powerpoint/2015/main" val="1"/>
-              </p:ext>
-            </p:extLst>
-          </p:nvPr>
-        </p:nvSpPr>
-        <p:spPr>
-          <a:xfrm>
-            <a:off x="446534" y="453642"/>
-            <a:ext cx="11298933" cy="512708"/>
-          </a:xfrm>
-          <a:prstGeom prst="rect">
-            <a:avLst/>
-          </a:prstGeom>
-          <a:solidFill>
-            <a:schemeClr val="accent4"/>
-          </a:solidFill>
-          <a:ln>
-            <a:noFill/>
-          </a:ln>
-          <a:effectLst/>
-        </p:spPr>
-        <p:style>
-          <a:lnRef idx="1">
-            <a:schemeClr val="accent1"/>
-          </a:lnRef>
-          <a:fillRef idx="3">
-            <a:schemeClr val="accent1"/>
-          </a:fillRef>
-          <a:effectRef idx="2">
-            <a:schemeClr val="accent1"/>
-          </a:effectRef>
-          <a:fontRef idx="minor">
-            <a:schemeClr val="lt1"/>
-          </a:fontRef>
-        </p:style>
-      </p:sp>
-      <p:sp>
-        <p:nvSpPr>
-          <p:cNvPr id="20" name="Rectangle 19">
-            <a:extLst>
-              <a:ext uri="{FF2B5EF4-FFF2-40B4-BE49-F238E27FC236}">
-                <a16:creationId xmlns:a16="http://schemas.microsoft.com/office/drawing/2014/main" id="{EEABD997-5EF9-4E9B-AFBB-F6DFAAF3ADF0}"/>
-              </a:ext>
-              <a:ext uri="{C183D7F6-B498-43B3-948B-1728B52AA6E4}">
-                <adec:decorative xmlns:adec="http://schemas.microsoft.com/office/drawing/2017/decorative" val="1"/>
-              </a:ext>
-            </a:extLst>
-          </p:cNvPr>
-          <p:cNvSpPr>
-            <a:spLocks noGrp="1" noRot="1" noChangeAspect="1" noMove="1" noResize="1" noEditPoints="1" noAdjustHandles="1" noChangeArrowheads="1" noChangeShapeType="1" noTextEdit="1"/>
-          </p:cNvSpPr>
-          <p:nvPr>
-            <p:extLst>
-              <p:ext uri="{386F3935-93C4-4BCD-93E2-E3B085C9AB24}">
-                <p16:designElem xmlns:p16="http://schemas.microsoft.com/office/powerpoint/2015/main" val="1"/>
-              </p:ext>
-            </p:extLst>
-          </p:nvPr>
-        </p:nvSpPr>
-        <p:spPr>
-          <a:xfrm rot="16200000" flipV="1">
-            <a:off x="2209064" y="3329711"/>
-            <a:ext cx="3703320" cy="58726"/>
-          </a:xfrm>
-          <a:prstGeom prst="rect">
-            <a:avLst/>
-          </a:prstGeom>
-          <a:solidFill>
-            <a:schemeClr val="accent2"/>
-          </a:solidFill>
-          <a:ln>
-            <a:noFill/>
-          </a:ln>
-          <a:effectLst/>
-        </p:spPr>
-        <p:style>
-          <a:lnRef idx="1">
-            <a:schemeClr val="accent1"/>
-          </a:lnRef>
-          <a:fillRef idx="3">
-            <a:schemeClr val="accent1"/>
-          </a:fillRef>
-          <a:effectRef idx="2">
-            <a:schemeClr val="accent1"/>
-          </a:effectRef>
-          <a:fontRef idx="minor">
-            <a:schemeClr val="lt1"/>
-          </a:fontRef>
-        </p:style>
-      </p:sp>
-      <p:sp>
-        <p:nvSpPr>
-          <p:cNvPr id="22" name="Rectangle 21">
-            <a:extLst>
-              <a:ext uri="{FF2B5EF4-FFF2-40B4-BE49-F238E27FC236}">
-                <a16:creationId xmlns:a16="http://schemas.microsoft.com/office/drawing/2014/main" id="{E9AB5EE6-A047-4B18-B998-D46DF3CC36FE}"/>
-              </a:ext>
-              <a:ext uri="{C183D7F6-B498-43B3-948B-1728B52AA6E4}">
-                <adec:decorative xmlns:adec="http://schemas.microsoft.com/office/drawing/2017/decorative" val="1"/>
-              </a:ext>
-            </a:extLst>
-          </p:cNvPr>
-          <p:cNvSpPr>
-            <a:spLocks noGrp="1" noRot="1" noChangeAspect="1" noMove="1" noResize="1" noEditPoints="1" noAdjustHandles="1" noChangeArrowheads="1" noChangeShapeType="1" noTextEdit="1"/>
-          </p:cNvSpPr>
-          <p:nvPr>
-            <p:extLst>
-              <p:ext uri="{386F3935-93C4-4BCD-93E2-E3B085C9AB24}">
-                <p16:designElem xmlns:p16="http://schemas.microsoft.com/office/powerpoint/2015/main" val="1"/>
-              </p:ext>
-            </p:extLst>
-          </p:nvPr>
-        </p:nvSpPr>
-        <p:spPr>
-          <a:xfrm>
-            <a:off x="446534" y="5878019"/>
-            <a:ext cx="11298933" cy="512708"/>
-          </a:xfrm>
-          <a:prstGeom prst="rect">
-            <a:avLst/>
-          </a:prstGeom>
-          <a:solidFill>
-            <a:schemeClr val="accent4"/>
-          </a:solidFill>
-          <a:ln>
-            <a:noFill/>
-          </a:ln>
-          <a:effectLst/>
-        </p:spPr>
-        <p:style>
-          <a:lnRef idx="1">
-            <a:schemeClr val="accent1"/>
-          </a:lnRef>
-          <a:fillRef idx="3">
-            <a:schemeClr val="accent1"/>
-          </a:fillRef>
-          <a:effectRef idx="2">
-            <a:schemeClr val="accent1"/>
-          </a:effectRef>
-          <a:fontRef idx="minor">
-            <a:schemeClr val="lt1"/>
-          </a:fontRef>
-        </p:style>
-      </p:sp>
-    </p:spTree>
-    <p:extLst>
-      <p:ext uri="{BB962C8B-B14F-4D97-AF65-F5344CB8AC3E}">
-        <p14:creationId xmlns:p14="http://schemas.microsoft.com/office/powerpoint/2010/main" val="3359427545"/>
-      </p:ext>
-    </p:extLst>
-  </p:cSld>
-  <p:clrMapOvr>
-    <a:masterClrMapping/>
-  </p:clrMapOvr>
-</p:sld>
-</file>
-
-<file path=ppt/slides/slide75.xml><?xml version="1.0" encoding="utf-8"?>
-<p:sld xmlns:a="http://schemas.openxmlformats.org/drawingml/2006/main" xmlns:r="http://schemas.openxmlformats.org/officeDocument/2006/relationships" xmlns:p="http://schemas.openxmlformats.org/presentationml/2006/main">
-  <p:cSld>
-    <p:spTree>
-      <p:nvGrpSpPr>
-        <p:cNvPr id="1" name=""/>
-        <p:cNvGrpSpPr/>
-        <p:nvPr/>
-      </p:nvGrpSpPr>
-      <p:grpSpPr>
-        <a:xfrm>
-          <a:off x="0" y="0"/>
-          <a:ext cx="0" cy="0"/>
-          <a:chOff x="0" y="0"/>
-          <a:chExt cx="0" cy="0"/>
-        </a:xfrm>
-      </p:grpSpPr>
-      <p:sp>
-        <p:nvSpPr>
-          <p:cNvPr id="2" name="Nadpis 1">
-            <a:extLst>
-              <a:ext uri="{FF2B5EF4-FFF2-40B4-BE49-F238E27FC236}">
-                <a16:creationId xmlns:a16="http://schemas.microsoft.com/office/drawing/2014/main" id="{9B40241B-410B-4F0A-B196-EA5D3D5F7431}"/>
-              </a:ext>
-            </a:extLst>
-          </p:cNvPr>
-          <p:cNvSpPr>
-            <a:spLocks noGrp="1"/>
-          </p:cNvSpPr>
-          <p:nvPr>
-            <p:ph type="title"/>
-          </p:nvPr>
-        </p:nvSpPr>
-        <p:spPr/>
-        <p:txBody>
-          <a:bodyPr/>
-          <a:lstStyle/>
-          <a:p>
-            <a:r>
-              <a:rPr lang="sk-SK" dirty="0"/>
-              <a:t>OPAKOVANIE</a:t>
-            </a:r>
-          </a:p>
-        </p:txBody>
-      </p:sp>
-      <p:sp>
-        <p:nvSpPr>
-          <p:cNvPr id="5" name="Zástupný objekt pre obsah 4">
-            <a:extLst>
-              <a:ext uri="{FF2B5EF4-FFF2-40B4-BE49-F238E27FC236}">
-                <a16:creationId xmlns:a16="http://schemas.microsoft.com/office/drawing/2014/main" id="{A62DF44B-83D7-4229-A23D-159CBE299435}"/>
-              </a:ext>
-            </a:extLst>
-          </p:cNvPr>
-          <p:cNvSpPr>
-            <a:spLocks noGrp="1"/>
-          </p:cNvSpPr>
-          <p:nvPr>
-            <p:ph idx="1"/>
-          </p:nvPr>
-        </p:nvSpPr>
-        <p:spPr/>
-        <p:txBody>
-          <a:bodyPr/>
-          <a:lstStyle/>
-          <a:p>
-            <a:r>
-              <a:rPr lang="sk-SK" dirty="0"/>
-              <a:t>Opakovanie z predošlého dňa</a:t>
-            </a:r>
-          </a:p>
-          <a:p>
-            <a:pPr lvl="1"/>
-            <a:r>
-              <a:rPr lang="sk-SK" dirty="0"/>
-              <a:t>Čo potrebujem pre spustenie </a:t>
-            </a:r>
-            <a:r>
-              <a:rPr lang="sk-SK" dirty="0" err="1"/>
-              <a:t>java</a:t>
-            </a:r>
-            <a:r>
-              <a:rPr lang="sk-SK" dirty="0"/>
-              <a:t> programu?</a:t>
-            </a:r>
-          </a:p>
-          <a:p>
-            <a:pPr lvl="1"/>
-            <a:r>
-              <a:rPr lang="sk-SK" dirty="0"/>
-              <a:t>Čo je premenná a čo je typ?</a:t>
-            </a:r>
-          </a:p>
-          <a:p>
-            <a:pPr lvl="1"/>
-            <a:r>
-              <a:rPr lang="sk-SK" dirty="0"/>
-              <a:t>Čo je to funkcia, procedúra a metóda?</a:t>
-            </a:r>
-          </a:p>
-          <a:p>
-            <a:pPr lvl="1"/>
-            <a:r>
-              <a:rPr lang="sk-SK" dirty="0"/>
-              <a:t>Aký je štandardný predpis funkcie?</a:t>
-            </a:r>
-          </a:p>
-          <a:p>
-            <a:pPr lvl="1"/>
-            <a:r>
-              <a:rPr lang="sk-SK" dirty="0"/>
-              <a:t>Čo je to pole a ako sa inicializuje?</a:t>
-            </a:r>
-          </a:p>
-          <a:p>
-            <a:pPr lvl="1"/>
-            <a:r>
-              <a:rPr lang="sk-SK" dirty="0"/>
-              <a:t>Aký je rozdiel medzi globálnym a lokálnym </a:t>
-            </a:r>
-            <a:r>
-              <a:rPr lang="sk-SK" dirty="0" err="1"/>
-              <a:t>scopom</a:t>
-            </a:r>
-            <a:r>
-              <a:rPr lang="sk-SK" dirty="0"/>
-              <a:t> premennej?</a:t>
-            </a:r>
-          </a:p>
-          <a:p>
-            <a:endParaRPr lang="sk-SK" dirty="0"/>
-          </a:p>
-        </p:txBody>
-      </p:sp>
-    </p:spTree>
-    <p:extLst>
-      <p:ext uri="{BB962C8B-B14F-4D97-AF65-F5344CB8AC3E}">
-        <p14:creationId xmlns:p14="http://schemas.microsoft.com/office/powerpoint/2010/main" val="2428720732"/>
-      </p:ext>
-    </p:extLst>
-  </p:cSld>
-  <p:clrMapOvr>
-    <a:masterClrMapping/>
-  </p:clrMapOvr>
-</p:sld>
-</file>
-
-<file path=ppt/slides/slide76.xml><?xml version="1.0" encoding="utf-8"?>
-<p:sld xmlns:a="http://schemas.openxmlformats.org/drawingml/2006/main" xmlns:r="http://schemas.openxmlformats.org/officeDocument/2006/relationships" xmlns:p="http://schemas.openxmlformats.org/presentationml/2006/main">
-  <p:cSld>
-    <p:spTree>
-      <p:nvGrpSpPr>
-        <p:cNvPr id="1" name=""/>
-        <p:cNvGrpSpPr/>
-        <p:nvPr/>
-      </p:nvGrpSpPr>
-      <p:grpSpPr>
-        <a:xfrm>
-          <a:off x="0" y="0"/>
-          <a:ext cx="0" cy="0"/>
-          <a:chOff x="0" y="0"/>
-          <a:chExt cx="0" cy="0"/>
-        </a:xfrm>
-      </p:grpSpPr>
-      <p:sp>
-        <p:nvSpPr>
-          <p:cNvPr id="2" name="Nadpis 1">
-            <a:extLst>
-              <a:ext uri="{FF2B5EF4-FFF2-40B4-BE49-F238E27FC236}">
-                <a16:creationId xmlns:a16="http://schemas.microsoft.com/office/drawing/2014/main" id="{A7B234DA-C80E-40B1-92E2-542DC4B70225}"/>
-              </a:ext>
-            </a:extLst>
-          </p:cNvPr>
-          <p:cNvSpPr>
-            <a:spLocks noGrp="1"/>
-          </p:cNvSpPr>
-          <p:nvPr>
-            <p:ph type="title"/>
-          </p:nvPr>
-        </p:nvSpPr>
-        <p:spPr/>
-        <p:txBody>
-          <a:bodyPr/>
-          <a:lstStyle/>
-          <a:p>
-            <a:r>
-              <a:rPr lang="sk-SK" dirty="0"/>
-              <a:t>Otázky???</a:t>
-            </a:r>
-          </a:p>
-        </p:txBody>
-      </p:sp>
-      <p:sp>
-        <p:nvSpPr>
-          <p:cNvPr id="3" name="Zástupný objekt pre obsah 2">
-            <a:extLst>
-              <a:ext uri="{FF2B5EF4-FFF2-40B4-BE49-F238E27FC236}">
-                <a16:creationId xmlns:a16="http://schemas.microsoft.com/office/drawing/2014/main" id="{F6AF2EFC-7A06-4A71-8230-50F2756428F0}"/>
-              </a:ext>
-            </a:extLst>
-          </p:cNvPr>
-          <p:cNvSpPr>
-            <a:spLocks noGrp="1"/>
-          </p:cNvSpPr>
-          <p:nvPr>
-            <p:ph idx="1"/>
-          </p:nvPr>
-        </p:nvSpPr>
-        <p:spPr/>
-        <p:txBody>
-          <a:bodyPr/>
-          <a:lstStyle/>
-          <a:p>
-            <a:r>
-              <a:rPr lang="sk-SK" dirty="0"/>
-              <a:t>Je niečo čo potrebujete zopakovať z minula, resp. čo bolo nejasné?</a:t>
-            </a:r>
-          </a:p>
-        </p:txBody>
-      </p:sp>
-    </p:spTree>
-    <p:extLst>
-      <p:ext uri="{BB962C8B-B14F-4D97-AF65-F5344CB8AC3E}">
-        <p14:creationId xmlns:p14="http://schemas.microsoft.com/office/powerpoint/2010/main" val="4023740237"/>
-      </p:ext>
-    </p:extLst>
-  </p:cSld>
-  <p:clrMapOvr>
-    <a:masterClrMapping/>
-  </p:clrMapOvr>
-</p:sld>
-</file>
-
-<file path=ppt/slides/slide77.xml><?xml version="1.0" encoding="utf-8"?>
-<p:sld xmlns:a="http://schemas.openxmlformats.org/drawingml/2006/main" xmlns:r="http://schemas.openxmlformats.org/officeDocument/2006/relationships" xmlns:p="http://schemas.openxmlformats.org/presentationml/2006/main">
-  <p:cSld>
-    <p:spTree>
-      <p:nvGrpSpPr>
-        <p:cNvPr id="1" name=""/>
-        <p:cNvGrpSpPr/>
-        <p:nvPr/>
-      </p:nvGrpSpPr>
-      <p:grpSpPr>
-        <a:xfrm>
-          <a:off x="0" y="0"/>
-          <a:ext cx="0" cy="0"/>
-          <a:chOff x="0" y="0"/>
-          <a:chExt cx="0" cy="0"/>
-        </a:xfrm>
-      </p:grpSpPr>
-      <p:sp>
-        <p:nvSpPr>
-          <p:cNvPr id="2" name="Nadpis 1">
-            <a:extLst>
-              <a:ext uri="{FF2B5EF4-FFF2-40B4-BE49-F238E27FC236}">
-                <a16:creationId xmlns:a16="http://schemas.microsoft.com/office/drawing/2014/main" id="{82A9B2E7-74AE-46F1-9BA3-F1374C712688}"/>
-              </a:ext>
-            </a:extLst>
-          </p:cNvPr>
-          <p:cNvSpPr>
-            <a:spLocks noGrp="1"/>
-          </p:cNvSpPr>
-          <p:nvPr>
-            <p:ph type="title"/>
-          </p:nvPr>
-        </p:nvSpPr>
-        <p:spPr/>
-        <p:txBody>
-          <a:bodyPr/>
-          <a:lstStyle/>
-          <a:p>
-            <a:r>
-              <a:rPr lang="sk-SK" dirty="0"/>
-              <a:t>Vetvenie </a:t>
-            </a:r>
-          </a:p>
-        </p:txBody>
-      </p:sp>
-      <p:sp>
-        <p:nvSpPr>
-          <p:cNvPr id="3" name="Zástupný objekt pre obsah 2">
-            <a:extLst>
-              <a:ext uri="{FF2B5EF4-FFF2-40B4-BE49-F238E27FC236}">
-                <a16:creationId xmlns:a16="http://schemas.microsoft.com/office/drawing/2014/main" id="{568CD702-C32C-4CC3-83D2-C2D7660CD46F}"/>
-              </a:ext>
-            </a:extLst>
-          </p:cNvPr>
-          <p:cNvSpPr>
-            <a:spLocks noGrp="1"/>
-          </p:cNvSpPr>
-          <p:nvPr>
-            <p:ph idx="1"/>
-          </p:nvPr>
-        </p:nvSpPr>
-        <p:spPr/>
-        <p:txBody>
-          <a:bodyPr/>
-          <a:lstStyle/>
-          <a:p>
-            <a:r>
-              <a:rPr lang="sk-SK" dirty="0"/>
-              <a:t>Podmienky sú základom logického </a:t>
-            </a:r>
-            <a:r>
-              <a:rPr lang="sk-SK" dirty="0" err="1"/>
-              <a:t>štruktúrovania</a:t>
-            </a:r>
-            <a:r>
-              <a:rPr lang="sk-SK" dirty="0"/>
-              <a:t> kódu</a:t>
-            </a:r>
-          </a:p>
-          <a:p>
-            <a:r>
-              <a:rPr lang="sk-SK" dirty="0"/>
-              <a:t>Prečo vetvenie?</a:t>
-            </a:r>
-          </a:p>
-          <a:p>
-            <a:pPr lvl="1"/>
-            <a:r>
-              <a:rPr lang="sk-SK" dirty="0"/>
-              <a:t>Pretože podmienky vetvia tok programu podľa toho či je predikát (podmienková časť) splnený alebo nie</a:t>
-            </a:r>
-          </a:p>
-          <a:p>
-            <a:r>
-              <a:rPr lang="sk-SK" dirty="0"/>
-              <a:t>Podmienková časť musí mať návratovú hodnotu </a:t>
-            </a:r>
-            <a:r>
-              <a:rPr lang="sk-SK" dirty="0" err="1"/>
-              <a:t>true</a:t>
-            </a:r>
-            <a:r>
-              <a:rPr lang="sk-SK" dirty="0"/>
-              <a:t> alebo </a:t>
-            </a:r>
-            <a:r>
-              <a:rPr lang="sk-SK" dirty="0" err="1"/>
-              <a:t>false</a:t>
-            </a:r>
-            <a:r>
-              <a:rPr lang="sk-SK" dirty="0"/>
-              <a:t> (platí / neplatí)</a:t>
-            </a:r>
-          </a:p>
-          <a:p>
-            <a:r>
-              <a:rPr lang="sk-SK" dirty="0"/>
-              <a:t>AK (podmienka) TAK </a:t>
-            </a:r>
-            <a:r>
-              <a:rPr lang="sk-SK" dirty="0" err="1"/>
-              <a:t>funkciaAkPlatí</a:t>
-            </a:r>
-            <a:r>
-              <a:rPr lang="sk-SK" dirty="0"/>
-              <a:t> INAK </a:t>
-            </a:r>
-            <a:r>
-              <a:rPr lang="sk-SK" dirty="0" err="1"/>
-              <a:t>funkciaAkNeplatí</a:t>
-            </a:r>
-            <a:endParaRPr lang="sk-SK" dirty="0"/>
-          </a:p>
-          <a:p>
-            <a:r>
-              <a:rPr lang="en-US" dirty="0" err="1"/>
-              <a:t>i</a:t>
-            </a:r>
-            <a:r>
-              <a:rPr lang="sk-SK" dirty="0"/>
-              <a:t>f</a:t>
-            </a:r>
-            <a:r>
-              <a:rPr lang="en-US" dirty="0"/>
-              <a:t>(predicate){ </a:t>
-            </a:r>
-            <a:r>
-              <a:rPr lang="en-US" dirty="0" err="1"/>
-              <a:t>funkciaAkPlat</a:t>
-            </a:r>
-            <a:r>
-              <a:rPr lang="sk-SK" dirty="0"/>
-              <a:t>í</a:t>
-            </a:r>
-            <a:r>
-              <a:rPr lang="en-US" dirty="0"/>
-              <a:t> }</a:t>
-            </a:r>
-            <a:r>
-              <a:rPr lang="sk-SK" dirty="0"/>
-              <a:t> </a:t>
-            </a:r>
-            <a:r>
-              <a:rPr lang="sk-SK" dirty="0" err="1"/>
-              <a:t>else</a:t>
-            </a:r>
-            <a:r>
-              <a:rPr lang="sk-SK" dirty="0"/>
-              <a:t> </a:t>
-            </a:r>
-            <a:r>
-              <a:rPr lang="en-US" dirty="0"/>
-              <a:t>{ </a:t>
-            </a:r>
-            <a:r>
-              <a:rPr lang="en-US" dirty="0" err="1"/>
-              <a:t>funkciaAkNeplat</a:t>
-            </a:r>
-            <a:r>
-              <a:rPr lang="sk-SK" dirty="0"/>
-              <a:t>í</a:t>
-            </a:r>
-            <a:r>
-              <a:rPr lang="en-US" dirty="0"/>
-              <a:t> }</a:t>
-            </a:r>
-            <a:endParaRPr lang="sk-SK" dirty="0"/>
-          </a:p>
-        </p:txBody>
-      </p:sp>
-    </p:spTree>
-    <p:extLst>
-      <p:ext uri="{BB962C8B-B14F-4D97-AF65-F5344CB8AC3E}">
-        <p14:creationId xmlns:p14="http://schemas.microsoft.com/office/powerpoint/2010/main" val="1959587117"/>
-      </p:ext>
-    </p:extLst>
-  </p:cSld>
-  <p:clrMapOvr>
-    <a:masterClrMapping/>
-  </p:clrMapOvr>
-</p:sld>
-</file>
-
-<file path=ppt/slides/slide78.xml><?xml version="1.0" encoding="utf-8"?>
-<p:sld xmlns:a="http://schemas.openxmlformats.org/drawingml/2006/main" xmlns:r="http://schemas.openxmlformats.org/officeDocument/2006/relationships" xmlns:p="http://schemas.openxmlformats.org/presentationml/2006/main">
-  <p:cSld>
-    <p:spTree>
-      <p:nvGrpSpPr>
-        <p:cNvPr id="1" name=""/>
-        <p:cNvGrpSpPr/>
-        <p:nvPr/>
-      </p:nvGrpSpPr>
-      <p:grpSpPr>
-        <a:xfrm>
-          <a:off x="0" y="0"/>
-          <a:ext cx="0" cy="0"/>
-          <a:chOff x="0" y="0"/>
-          <a:chExt cx="0" cy="0"/>
-        </a:xfrm>
-      </p:grpSpPr>
-      <p:sp>
-        <p:nvSpPr>
-          <p:cNvPr id="2" name="Nadpis 1">
-            <a:extLst>
-              <a:ext uri="{FF2B5EF4-FFF2-40B4-BE49-F238E27FC236}">
-                <a16:creationId xmlns:a16="http://schemas.microsoft.com/office/drawing/2014/main" id="{12E88AF3-1C5B-4C29-965F-29118D81ED79}"/>
-              </a:ext>
-            </a:extLst>
-          </p:cNvPr>
-          <p:cNvSpPr>
-            <a:spLocks noGrp="1"/>
-          </p:cNvSpPr>
-          <p:nvPr>
-            <p:ph type="title"/>
-          </p:nvPr>
-        </p:nvSpPr>
-        <p:spPr/>
-        <p:txBody>
-          <a:bodyPr/>
-          <a:lstStyle/>
-          <a:p>
-            <a:r>
-              <a:rPr lang="sk-SK" dirty="0"/>
-              <a:t>Vetvenie možnosti</a:t>
-            </a:r>
-          </a:p>
-        </p:txBody>
-      </p:sp>
-      <p:pic>
-        <p:nvPicPr>
-          <p:cNvPr id="4" name="Obrázok 3">
-            <a:extLst>
-              <a:ext uri="{FF2B5EF4-FFF2-40B4-BE49-F238E27FC236}">
-                <a16:creationId xmlns:a16="http://schemas.microsoft.com/office/drawing/2014/main" id="{1A335886-8022-4855-A9B8-FDF614AAA2AA}"/>
-              </a:ext>
-            </a:extLst>
-          </p:cNvPr>
-          <p:cNvPicPr>
-            <a:picLocks noChangeAspect="1"/>
-          </p:cNvPicPr>
-          <p:nvPr/>
-        </p:nvPicPr>
-        <p:blipFill>
-          <a:blip r:embed="rId2"/>
-          <a:stretch>
-            <a:fillRect/>
-          </a:stretch>
-        </p:blipFill>
-        <p:spPr>
-          <a:xfrm>
-            <a:off x="815553" y="2294779"/>
-            <a:ext cx="1274991" cy="3182667"/>
-          </a:xfrm>
-          <a:prstGeom prst="rect">
-            <a:avLst/>
-          </a:prstGeom>
-        </p:spPr>
-      </p:pic>
-      <p:pic>
-        <p:nvPicPr>
-          <p:cNvPr id="5" name="Obrázok 4">
-            <a:extLst>
-              <a:ext uri="{FF2B5EF4-FFF2-40B4-BE49-F238E27FC236}">
-                <a16:creationId xmlns:a16="http://schemas.microsoft.com/office/drawing/2014/main" id="{DCBFF3DB-32F9-4C9A-A951-80E62006DB31}"/>
-              </a:ext>
-            </a:extLst>
-          </p:cNvPr>
-          <p:cNvPicPr>
-            <a:picLocks noChangeAspect="1"/>
-          </p:cNvPicPr>
-          <p:nvPr/>
-        </p:nvPicPr>
-        <p:blipFill>
-          <a:blip r:embed="rId3"/>
-          <a:stretch>
-            <a:fillRect/>
-          </a:stretch>
-        </p:blipFill>
-        <p:spPr>
-          <a:xfrm>
-            <a:off x="5788188" y="2220896"/>
-            <a:ext cx="2119163" cy="3256550"/>
-          </a:xfrm>
-          <a:prstGeom prst="rect">
-            <a:avLst/>
-          </a:prstGeom>
-        </p:spPr>
-      </p:pic>
-      <p:pic>
-        <p:nvPicPr>
-          <p:cNvPr id="7" name="Obrázok 6">
-            <a:extLst>
-              <a:ext uri="{FF2B5EF4-FFF2-40B4-BE49-F238E27FC236}">
-                <a16:creationId xmlns:a16="http://schemas.microsoft.com/office/drawing/2014/main" id="{BF840872-2060-46FC-B664-CAAA6304DF44}"/>
-              </a:ext>
-            </a:extLst>
-          </p:cNvPr>
-          <p:cNvPicPr>
-            <a:picLocks noChangeAspect="1"/>
-          </p:cNvPicPr>
-          <p:nvPr/>
-        </p:nvPicPr>
-        <p:blipFill>
-          <a:blip r:embed="rId4"/>
-          <a:stretch>
-            <a:fillRect/>
-          </a:stretch>
-        </p:blipFill>
-        <p:spPr>
-          <a:xfrm>
-            <a:off x="2198593" y="3153605"/>
-            <a:ext cx="3111111" cy="2015649"/>
-          </a:xfrm>
-          <a:prstGeom prst="rect">
-            <a:avLst/>
-          </a:prstGeom>
-        </p:spPr>
-      </p:pic>
-      <p:pic>
-        <p:nvPicPr>
-          <p:cNvPr id="8" name="Obrázok 7">
-            <a:extLst>
-              <a:ext uri="{FF2B5EF4-FFF2-40B4-BE49-F238E27FC236}">
-                <a16:creationId xmlns:a16="http://schemas.microsoft.com/office/drawing/2014/main" id="{1E827604-5029-4389-B470-819C7DFF802D}"/>
-              </a:ext>
-            </a:extLst>
-          </p:cNvPr>
-          <p:cNvPicPr>
-            <a:picLocks noChangeAspect="1"/>
-          </p:cNvPicPr>
-          <p:nvPr/>
-        </p:nvPicPr>
-        <p:blipFill>
-          <a:blip r:embed="rId5"/>
-          <a:stretch>
-            <a:fillRect/>
-          </a:stretch>
-        </p:blipFill>
-        <p:spPr>
-          <a:xfrm>
-            <a:off x="8097771" y="2641600"/>
-            <a:ext cx="3814108" cy="2620286"/>
-          </a:xfrm>
-          <a:prstGeom prst="rect">
-            <a:avLst/>
-          </a:prstGeom>
-        </p:spPr>
-      </p:pic>
-    </p:spTree>
-    <p:extLst>
-      <p:ext uri="{BB962C8B-B14F-4D97-AF65-F5344CB8AC3E}">
-        <p14:creationId xmlns:p14="http://schemas.microsoft.com/office/powerpoint/2010/main" val="2469607421"/>
-      </p:ext>
-    </p:extLst>
-  </p:cSld>
-  <p:clrMapOvr>
-    <a:masterClrMapping/>
-  </p:clrMapOvr>
-</p:sld>
-</file>
-
 <file path=ppt/slides/slide79.xml><?xml version="1.0" encoding="utf-8"?>
 <p:sld xmlns:a="http://schemas.openxmlformats.org/drawingml/2006/main" xmlns:r="http://schemas.openxmlformats.org/officeDocument/2006/relationships" xmlns:p="http://schemas.openxmlformats.org/presentationml/2006/main">
   <p:cSld>
@@ -26258,7 +28254,7 @@
           <p:cNvPr id="2" name="Nadpis 1">
             <a:extLst>
               <a:ext uri="{FF2B5EF4-FFF2-40B4-BE49-F238E27FC236}">
-                <a16:creationId xmlns:a16="http://schemas.microsoft.com/office/drawing/2014/main" id="{B5294ADD-8119-4C37-9882-B7401D8F6A0E}"/>
+                <a16:creationId xmlns:a16="http://schemas.microsoft.com/office/drawing/2014/main" id="{82A9B2E7-74AE-46F1-9BA3-F1374C712688}"/>
               </a:ext>
             </a:extLst>
           </p:cNvPr>
@@ -26275,89 +28271,161 @@
           <a:lstStyle/>
           <a:p>
             <a:r>
-              <a:rPr lang="en-US" dirty="0" err="1"/>
-              <a:t>Vetvenie</a:t>
-            </a:r>
-            <a:r>
-              <a:rPr lang="en-US" dirty="0"/>
-              <a:t> </a:t>
-            </a:r>
-            <a:r>
-              <a:rPr lang="en-US" dirty="0" err="1"/>
-              <a:t>mo</a:t>
-            </a:r>
-            <a:r>
-              <a:rPr lang="sk-SK" dirty="0" err="1"/>
-              <a:t>žnosti</a:t>
-            </a:r>
-            <a:endParaRPr lang="sk-SK" dirty="0"/>
+              <a:rPr lang="sk-SK" dirty="0"/>
+              <a:t>Vetvenie </a:t>
+            </a:r>
           </a:p>
         </p:txBody>
       </p:sp>
-      <p:pic>
-        <p:nvPicPr>
-          <p:cNvPr id="4" name="Obrázok 3">
+      <p:sp>
+        <p:nvSpPr>
+          <p:cNvPr id="3" name="Zástupný objekt pre obsah 2">
             <a:extLst>
               <a:ext uri="{FF2B5EF4-FFF2-40B4-BE49-F238E27FC236}">
-                <a16:creationId xmlns:a16="http://schemas.microsoft.com/office/drawing/2014/main" id="{68FEF291-B9BD-45B3-957D-FF63132DA73D}"/>
+                <a16:creationId xmlns:a16="http://schemas.microsoft.com/office/drawing/2014/main" id="{568CD702-C32C-4CC3-83D2-C2D7660CD46F}"/>
               </a:ext>
             </a:extLst>
           </p:cNvPr>
-          <p:cNvPicPr>
-            <a:picLocks noChangeAspect="1"/>
-          </p:cNvPicPr>
-          <p:nvPr/>
-        </p:nvPicPr>
-        <p:blipFill>
-          <a:blip r:embed="rId2"/>
-          <a:stretch>
-            <a:fillRect/>
-          </a:stretch>
-        </p:blipFill>
-        <p:spPr>
-          <a:xfrm>
-            <a:off x="901128" y="2585608"/>
-            <a:ext cx="3190388" cy="3199717"/>
-          </a:xfrm>
-          <a:prstGeom prst="rect">
-            <a:avLst/>
-          </a:prstGeom>
-        </p:spPr>
-      </p:pic>
-      <p:pic>
-        <p:nvPicPr>
-          <p:cNvPr id="5" name="Obrázok 4">
-            <a:extLst>
-              <a:ext uri="{FF2B5EF4-FFF2-40B4-BE49-F238E27FC236}">
-                <a16:creationId xmlns:a16="http://schemas.microsoft.com/office/drawing/2014/main" id="{4032885C-E830-4657-9A34-6515F00B65A5}"/>
-              </a:ext>
-            </a:extLst>
-          </p:cNvPr>
-          <p:cNvPicPr>
-            <a:picLocks noChangeAspect="1"/>
-          </p:cNvPicPr>
-          <p:nvPr/>
-        </p:nvPicPr>
-        <p:blipFill>
-          <a:blip r:embed="rId3"/>
-          <a:stretch>
-            <a:fillRect/>
-          </a:stretch>
-        </p:blipFill>
-        <p:spPr>
-          <a:xfrm>
-            <a:off x="4940116" y="2086322"/>
-            <a:ext cx="4713333" cy="4069522"/>
-          </a:xfrm>
-          <a:prstGeom prst="rect">
-            <a:avLst/>
-          </a:prstGeom>
-        </p:spPr>
-      </p:pic>
+          <p:cNvSpPr>
+            <a:spLocks noGrp="1"/>
+          </p:cNvSpPr>
+          <p:nvPr>
+            <p:ph idx="1"/>
+          </p:nvPr>
+        </p:nvSpPr>
+        <p:spPr/>
+        <p:txBody>
+          <a:bodyPr/>
+          <a:lstStyle/>
+          <a:p>
+            <a:r>
+              <a:rPr lang="sk-SK" dirty="0"/>
+              <a:t>Podmienky sú základom logického </a:t>
+            </a:r>
+            <a:r>
+              <a:rPr lang="sk-SK" dirty="0" err="1"/>
+              <a:t>štruktúrovania</a:t>
+            </a:r>
+            <a:r>
+              <a:rPr lang="sk-SK" dirty="0"/>
+              <a:t> kódu</a:t>
+            </a:r>
+          </a:p>
+          <a:p>
+            <a:r>
+              <a:rPr lang="sk-SK" dirty="0"/>
+              <a:t>Prečo vetvenie?</a:t>
+            </a:r>
+          </a:p>
+          <a:p>
+            <a:pPr lvl="1"/>
+            <a:r>
+              <a:rPr lang="sk-SK" dirty="0"/>
+              <a:t>Pretože podmienky vetvia tok programu podľa toho či je predikát (podmienková časť) splnený alebo nie</a:t>
+            </a:r>
+          </a:p>
+          <a:p>
+            <a:r>
+              <a:rPr lang="sk-SK" dirty="0"/>
+              <a:t>Podmienková časť musí mať návratovú hodnotu </a:t>
+            </a:r>
+            <a:r>
+              <a:rPr lang="sk-SK" dirty="0" err="1"/>
+              <a:t>true</a:t>
+            </a:r>
+            <a:r>
+              <a:rPr lang="sk-SK" dirty="0"/>
+              <a:t> alebo </a:t>
+            </a:r>
+            <a:r>
+              <a:rPr lang="sk-SK" dirty="0" err="1"/>
+              <a:t>false</a:t>
+            </a:r>
+            <a:r>
+              <a:rPr lang="sk-SK" dirty="0"/>
+              <a:t> (platí / neplatí)</a:t>
+            </a:r>
+          </a:p>
+          <a:p>
+            <a:r>
+              <a:rPr lang="sk-SK" dirty="0"/>
+              <a:t>AK (podmienka) TAK </a:t>
+            </a:r>
+            <a:r>
+              <a:rPr lang="sk-SK" dirty="0" err="1"/>
+              <a:t>funkciaAkPlatí</a:t>
+            </a:r>
+            <a:r>
+              <a:rPr lang="sk-SK" dirty="0"/>
+              <a:t> INAK </a:t>
+            </a:r>
+            <a:r>
+              <a:rPr lang="sk-SK" dirty="0" err="1"/>
+              <a:t>funkciaAkNeplatí</a:t>
+            </a:r>
+            <a:endParaRPr lang="sk-SK" dirty="0"/>
+          </a:p>
+          <a:p>
+            <a:r>
+              <a:rPr lang="en-US" dirty="0" err="1"/>
+              <a:t>i</a:t>
+            </a:r>
+            <a:r>
+              <a:rPr lang="sk-SK" dirty="0"/>
+              <a:t>f</a:t>
+            </a:r>
+            <a:r>
+              <a:rPr lang="en-US" dirty="0"/>
+              <a:t>(predicate){ </a:t>
+            </a:r>
+            <a:r>
+              <a:rPr lang="en-US" dirty="0" err="1"/>
+              <a:t>funkciaAkPlat</a:t>
+            </a:r>
+            <a:r>
+              <a:rPr lang="sk-SK" dirty="0"/>
+              <a:t>í</a:t>
+            </a:r>
+            <a:r>
+              <a:rPr lang="en-US" dirty="0"/>
+              <a:t> }</a:t>
+            </a:r>
+            <a:r>
+              <a:rPr lang="sk-SK" dirty="0"/>
+              <a:t> </a:t>
+            </a:r>
+            <a:r>
+              <a:rPr lang="sk-SK" dirty="0" err="1"/>
+              <a:t>else</a:t>
+            </a:r>
+            <a:r>
+              <a:rPr lang="sk-SK" dirty="0"/>
+              <a:t> </a:t>
+            </a:r>
+            <a:r>
+              <a:rPr lang="en-US" dirty="0"/>
+              <a:t>{ </a:t>
+            </a:r>
+            <a:r>
+              <a:rPr lang="en-US" dirty="0" err="1"/>
+              <a:t>funkciaAkNeplat</a:t>
+            </a:r>
+            <a:r>
+              <a:rPr lang="sk-SK" dirty="0"/>
+              <a:t>í</a:t>
+            </a:r>
+            <a:r>
+              <a:rPr lang="en-US" dirty="0"/>
+              <a:t> }</a:t>
+            </a:r>
+            <a:endParaRPr lang="sk-SK" dirty="0"/>
+          </a:p>
+        </p:txBody>
+      </p:sp>
     </p:spTree>
     <p:extLst>
       <p:ext uri="{BB962C8B-B14F-4D97-AF65-F5344CB8AC3E}">
-        <p14:creationId xmlns:p14="http://schemas.microsoft.com/office/powerpoint/2010/main" val="1588153444"/>
+        <p14:creationId xmlns:p14="http://schemas.microsoft.com/office/powerpoint/2010/main" val="1959587117"/>
       </p:ext>
     </p:extLst>
   </p:cSld>
@@ -26696,7 +28764,7 @@
           <p:cNvPr id="2" name="Nadpis 1">
             <a:extLst>
               <a:ext uri="{FF2B5EF4-FFF2-40B4-BE49-F238E27FC236}">
-                <a16:creationId xmlns:a16="http://schemas.microsoft.com/office/drawing/2014/main" id="{8673558F-88CB-4B06-9DB7-912C5D1B307A}"/>
+                <a16:creationId xmlns:a16="http://schemas.microsoft.com/office/drawing/2014/main" id="{12E88AF3-1C5B-4C29-965F-29118D81ED79}"/>
               </a:ext>
             </a:extLst>
           </p:cNvPr>
@@ -26713,6 +28781,315 @@
           <a:lstStyle/>
           <a:p>
             <a:r>
+              <a:rPr lang="sk-SK" dirty="0"/>
+              <a:t>Vetvenie možnosti</a:t>
+            </a:r>
+          </a:p>
+        </p:txBody>
+      </p:sp>
+      <p:pic>
+        <p:nvPicPr>
+          <p:cNvPr id="4" name="Obrázok 3">
+            <a:extLst>
+              <a:ext uri="{FF2B5EF4-FFF2-40B4-BE49-F238E27FC236}">
+                <a16:creationId xmlns:a16="http://schemas.microsoft.com/office/drawing/2014/main" id="{1A335886-8022-4855-A9B8-FDF614AAA2AA}"/>
+              </a:ext>
+            </a:extLst>
+          </p:cNvPr>
+          <p:cNvPicPr>
+            <a:picLocks noChangeAspect="1"/>
+          </p:cNvPicPr>
+          <p:nvPr/>
+        </p:nvPicPr>
+        <p:blipFill>
+          <a:blip r:embed="rId2"/>
+          <a:stretch>
+            <a:fillRect/>
+          </a:stretch>
+        </p:blipFill>
+        <p:spPr>
+          <a:xfrm>
+            <a:off x="815553" y="2294779"/>
+            <a:ext cx="1274991" cy="3182667"/>
+          </a:xfrm>
+          <a:prstGeom prst="rect">
+            <a:avLst/>
+          </a:prstGeom>
+        </p:spPr>
+      </p:pic>
+      <p:pic>
+        <p:nvPicPr>
+          <p:cNvPr id="7" name="Obrázok 6">
+            <a:extLst>
+              <a:ext uri="{FF2B5EF4-FFF2-40B4-BE49-F238E27FC236}">
+                <a16:creationId xmlns:a16="http://schemas.microsoft.com/office/drawing/2014/main" id="{BF840872-2060-46FC-B664-CAAA6304DF44}"/>
+              </a:ext>
+            </a:extLst>
+          </p:cNvPr>
+          <p:cNvPicPr>
+            <a:picLocks noChangeAspect="1"/>
+          </p:cNvPicPr>
+          <p:nvPr/>
+        </p:nvPicPr>
+        <p:blipFill>
+          <a:blip r:embed="rId3"/>
+          <a:stretch>
+            <a:fillRect/>
+          </a:stretch>
+        </p:blipFill>
+        <p:spPr>
+          <a:xfrm>
+            <a:off x="2198593" y="3153605"/>
+            <a:ext cx="3111111" cy="2015649"/>
+          </a:xfrm>
+          <a:prstGeom prst="rect">
+            <a:avLst/>
+          </a:prstGeom>
+        </p:spPr>
+      </p:pic>
+      <p:pic>
+        <p:nvPicPr>
+          <p:cNvPr id="8" name="Obrázok 7">
+            <a:extLst>
+              <a:ext uri="{FF2B5EF4-FFF2-40B4-BE49-F238E27FC236}">
+                <a16:creationId xmlns:a16="http://schemas.microsoft.com/office/drawing/2014/main" id="{1E827604-5029-4389-B470-819C7DFF802D}"/>
+              </a:ext>
+            </a:extLst>
+          </p:cNvPr>
+          <p:cNvPicPr>
+            <a:picLocks noChangeAspect="1"/>
+          </p:cNvPicPr>
+          <p:nvPr/>
+        </p:nvPicPr>
+        <p:blipFill>
+          <a:blip r:embed="rId4"/>
+          <a:stretch>
+            <a:fillRect/>
+          </a:stretch>
+        </p:blipFill>
+        <p:spPr>
+          <a:xfrm>
+            <a:off x="8097771" y="2641600"/>
+            <a:ext cx="3814108" cy="2620286"/>
+          </a:xfrm>
+          <a:prstGeom prst="rect">
+            <a:avLst/>
+          </a:prstGeom>
+        </p:spPr>
+      </p:pic>
+      <p:pic>
+        <p:nvPicPr>
+          <p:cNvPr id="3" name="Obrázok 2">
+            <a:extLst>
+              <a:ext uri="{FF2B5EF4-FFF2-40B4-BE49-F238E27FC236}">
+                <a16:creationId xmlns:a16="http://schemas.microsoft.com/office/drawing/2014/main" id="{6D34AE31-E134-4FA2-B068-CD85A8AE0862}"/>
+              </a:ext>
+            </a:extLst>
+          </p:cNvPr>
+          <p:cNvPicPr>
+            <a:picLocks noChangeAspect="1"/>
+          </p:cNvPicPr>
+          <p:nvPr/>
+        </p:nvPicPr>
+        <p:blipFill>
+          <a:blip r:embed="rId5"/>
+          <a:stretch>
+            <a:fillRect/>
+          </a:stretch>
+        </p:blipFill>
+        <p:spPr>
+          <a:xfrm>
+            <a:off x="5726562" y="2294779"/>
+            <a:ext cx="1954350" cy="3075134"/>
+          </a:xfrm>
+          <a:prstGeom prst="rect">
+            <a:avLst/>
+          </a:prstGeom>
+        </p:spPr>
+      </p:pic>
+    </p:spTree>
+    <p:extLst>
+      <p:ext uri="{BB962C8B-B14F-4D97-AF65-F5344CB8AC3E}">
+        <p14:creationId xmlns:p14="http://schemas.microsoft.com/office/powerpoint/2010/main" val="2469607421"/>
+      </p:ext>
+    </p:extLst>
+  </p:cSld>
+  <p:clrMapOvr>
+    <a:masterClrMapping/>
+  </p:clrMapOvr>
+</p:sld>
+</file>
+
+<file path=ppt/slides/slide81.xml><?xml version="1.0" encoding="utf-8"?>
+<p:sld xmlns:a="http://schemas.openxmlformats.org/drawingml/2006/main" xmlns:r="http://schemas.openxmlformats.org/officeDocument/2006/relationships" xmlns:p="http://schemas.openxmlformats.org/presentationml/2006/main">
+  <p:cSld>
+    <p:spTree>
+      <p:nvGrpSpPr>
+        <p:cNvPr id="1" name=""/>
+        <p:cNvGrpSpPr/>
+        <p:nvPr/>
+      </p:nvGrpSpPr>
+      <p:grpSpPr>
+        <a:xfrm>
+          <a:off x="0" y="0"/>
+          <a:ext cx="0" cy="0"/>
+          <a:chOff x="0" y="0"/>
+          <a:chExt cx="0" cy="0"/>
+        </a:xfrm>
+      </p:grpSpPr>
+      <p:sp>
+        <p:nvSpPr>
+          <p:cNvPr id="2" name="Nadpis 1">
+            <a:extLst>
+              <a:ext uri="{FF2B5EF4-FFF2-40B4-BE49-F238E27FC236}">
+                <a16:creationId xmlns:a16="http://schemas.microsoft.com/office/drawing/2014/main" id="{B5294ADD-8119-4C37-9882-B7401D8F6A0E}"/>
+              </a:ext>
+            </a:extLst>
+          </p:cNvPr>
+          <p:cNvSpPr>
+            <a:spLocks noGrp="1"/>
+          </p:cNvSpPr>
+          <p:nvPr>
+            <p:ph type="title"/>
+          </p:nvPr>
+        </p:nvSpPr>
+        <p:spPr/>
+        <p:txBody>
+          <a:bodyPr/>
+          <a:lstStyle/>
+          <a:p>
+            <a:r>
+              <a:rPr lang="en-US" dirty="0" err="1"/>
+              <a:t>Vetvenie</a:t>
+            </a:r>
+            <a:r>
+              <a:rPr lang="en-US" dirty="0"/>
+              <a:t> </a:t>
+            </a:r>
+            <a:r>
+              <a:rPr lang="en-US" dirty="0" err="1"/>
+              <a:t>mo</a:t>
+            </a:r>
+            <a:r>
+              <a:rPr lang="sk-SK" dirty="0" err="1"/>
+              <a:t>žnosti</a:t>
+            </a:r>
+            <a:endParaRPr lang="sk-SK" dirty="0"/>
+          </a:p>
+        </p:txBody>
+      </p:sp>
+      <p:pic>
+        <p:nvPicPr>
+          <p:cNvPr id="5" name="Obrázok 4">
+            <a:extLst>
+              <a:ext uri="{FF2B5EF4-FFF2-40B4-BE49-F238E27FC236}">
+                <a16:creationId xmlns:a16="http://schemas.microsoft.com/office/drawing/2014/main" id="{4032885C-E830-4657-9A34-6515F00B65A5}"/>
+              </a:ext>
+            </a:extLst>
+          </p:cNvPr>
+          <p:cNvPicPr>
+            <a:picLocks noChangeAspect="1"/>
+          </p:cNvPicPr>
+          <p:nvPr/>
+        </p:nvPicPr>
+        <p:blipFill>
+          <a:blip r:embed="rId2"/>
+          <a:stretch>
+            <a:fillRect/>
+          </a:stretch>
+        </p:blipFill>
+        <p:spPr>
+          <a:xfrm>
+            <a:off x="4940116" y="2086322"/>
+            <a:ext cx="4713333" cy="4069522"/>
+          </a:xfrm>
+          <a:prstGeom prst="rect">
+            <a:avLst/>
+          </a:prstGeom>
+        </p:spPr>
+      </p:pic>
+      <p:pic>
+        <p:nvPicPr>
+          <p:cNvPr id="3" name="Obrázok 2">
+            <a:extLst>
+              <a:ext uri="{FF2B5EF4-FFF2-40B4-BE49-F238E27FC236}">
+                <a16:creationId xmlns:a16="http://schemas.microsoft.com/office/drawing/2014/main" id="{59597C67-E29F-4219-B62E-DC0EA72AE2C4}"/>
+              </a:ext>
+            </a:extLst>
+          </p:cNvPr>
+          <p:cNvPicPr>
+            <a:picLocks noChangeAspect="1"/>
+          </p:cNvPicPr>
+          <p:nvPr/>
+        </p:nvPicPr>
+        <p:blipFill>
+          <a:blip r:embed="rId3"/>
+          <a:stretch>
+            <a:fillRect/>
+          </a:stretch>
+        </p:blipFill>
+        <p:spPr>
+          <a:xfrm>
+            <a:off x="1067191" y="2278191"/>
+            <a:ext cx="3315966" cy="3401688"/>
+          </a:xfrm>
+          <a:prstGeom prst="rect">
+            <a:avLst/>
+          </a:prstGeom>
+        </p:spPr>
+      </p:pic>
+    </p:spTree>
+    <p:extLst>
+      <p:ext uri="{BB962C8B-B14F-4D97-AF65-F5344CB8AC3E}">
+        <p14:creationId xmlns:p14="http://schemas.microsoft.com/office/powerpoint/2010/main" val="1588153444"/>
+      </p:ext>
+    </p:extLst>
+  </p:cSld>
+  <p:clrMapOvr>
+    <a:masterClrMapping/>
+  </p:clrMapOvr>
+</p:sld>
+</file>
+
+<file path=ppt/slides/slide82.xml><?xml version="1.0" encoding="utf-8"?>
+<p:sld xmlns:a="http://schemas.openxmlformats.org/drawingml/2006/main" xmlns:r="http://schemas.openxmlformats.org/officeDocument/2006/relationships" xmlns:p="http://schemas.openxmlformats.org/presentationml/2006/main">
+  <p:cSld>
+    <p:spTree>
+      <p:nvGrpSpPr>
+        <p:cNvPr id="1" name=""/>
+        <p:cNvGrpSpPr/>
+        <p:nvPr/>
+      </p:nvGrpSpPr>
+      <p:grpSpPr>
+        <a:xfrm>
+          <a:off x="0" y="0"/>
+          <a:ext cx="0" cy="0"/>
+          <a:chOff x="0" y="0"/>
+          <a:chExt cx="0" cy="0"/>
+        </a:xfrm>
+      </p:grpSpPr>
+      <p:sp>
+        <p:nvSpPr>
+          <p:cNvPr id="2" name="Nadpis 1">
+            <a:extLst>
+              <a:ext uri="{FF2B5EF4-FFF2-40B4-BE49-F238E27FC236}">
+                <a16:creationId xmlns:a16="http://schemas.microsoft.com/office/drawing/2014/main" id="{8673558F-88CB-4B06-9DB7-912C5D1B307A}"/>
+              </a:ext>
+            </a:extLst>
+          </p:cNvPr>
+          <p:cNvSpPr>
+            <a:spLocks noGrp="1"/>
+          </p:cNvSpPr>
+          <p:nvPr>
+            <p:ph type="title"/>
+          </p:nvPr>
+        </p:nvSpPr>
+        <p:spPr/>
+        <p:txBody>
+          <a:bodyPr/>
+          <a:lstStyle/>
+          <a:p>
+            <a:r>
               <a:rPr lang="en-US" dirty="0"/>
               <a:t>CVI</a:t>
             </a:r>
@@ -26746,7 +29123,7 @@
           <a:p>
             <a:r>
               <a:rPr lang="sk-SK" dirty="0"/>
-              <a:t>Vytvorte hru, kde má človek 2 pokusy na to aby uhádol číslo ktoré si myslíte od 1 do 5.</a:t>
+              <a:t>Vytvorte hru, kde má človek 2 pokusy na to, aby uhádol číslo ktoré si myslíte od 1 do 5.</a:t>
             </a:r>
           </a:p>
           <a:p>
@@ -26771,7 +29148,7 @@
 </p:sld>
 </file>
 
-<file path=ppt/slides/slide81.xml><?xml version="1.0" encoding="utf-8"?>
+<file path=ppt/slides/slide83.xml><?xml version="1.0" encoding="utf-8"?>
 <p:sld xmlns:a="http://schemas.openxmlformats.org/drawingml/2006/main" xmlns:r="http://schemas.openxmlformats.org/officeDocument/2006/relationships" xmlns:p="http://schemas.openxmlformats.org/presentationml/2006/main">
   <p:cSld>
     <p:spTree>
@@ -26859,7 +29236,7 @@
 </p:sld>
 </file>
 
-<file path=ppt/slides/slide82.xml><?xml version="1.0" encoding="utf-8"?>
+<file path=ppt/slides/slide84.xml><?xml version="1.0" encoding="utf-8"?>
 <p:sld xmlns:a="http://schemas.openxmlformats.org/drawingml/2006/main" xmlns:r="http://schemas.openxmlformats.org/officeDocument/2006/relationships" xmlns:p="http://schemas.openxmlformats.org/presentationml/2006/main">
   <p:cSld>
     <p:spTree>
@@ -27033,7 +29410,7 @@
 </p:sld>
 </file>
 
-<file path=ppt/slides/slide83.xml><?xml version="1.0" encoding="utf-8"?>
+<file path=ppt/slides/slide85.xml><?xml version="1.0" encoding="utf-8"?>
 <p:sld xmlns:a="http://schemas.openxmlformats.org/drawingml/2006/main" xmlns:r="http://schemas.openxmlformats.org/officeDocument/2006/relationships" xmlns:p="http://schemas.openxmlformats.org/presentationml/2006/main">
   <p:cSld>
     <p:spTree>
@@ -27155,7 +29532,7 @@
 </p:sld>
 </file>
 
-<file path=ppt/slides/slide84.xml><?xml version="1.0" encoding="utf-8"?>
+<file path=ppt/slides/slide86.xml><?xml version="1.0" encoding="utf-8"?>
 <p:sld xmlns:a="http://schemas.openxmlformats.org/drawingml/2006/main" xmlns:r="http://schemas.openxmlformats.org/officeDocument/2006/relationships" xmlns:p="http://schemas.openxmlformats.org/presentationml/2006/main">
   <p:cSld>
     <p:spTree>
@@ -27243,7 +29620,7 @@
 </p:sld>
 </file>
 
-<file path=ppt/slides/slide85.xml><?xml version="1.0" encoding="utf-8"?>
+<file path=ppt/slides/slide87.xml><?xml version="1.0" encoding="utf-8"?>
 <p:sld xmlns:a="http://schemas.openxmlformats.org/drawingml/2006/main" xmlns:r="http://schemas.openxmlformats.org/officeDocument/2006/relationships" xmlns:p="http://schemas.openxmlformats.org/presentationml/2006/main">
   <p:cSld>
     <p:spTree>
@@ -27311,7 +29688,15 @@
           <a:p>
             <a:r>
               <a:rPr lang="sk-SK" dirty="0"/>
-              <a:t>Skúste prerobiť program tak aby ste mali jednu možnosť zadať heslo (</a:t>
+              <a:t>Skúste prerobiť program tak</a:t>
+            </a:r>
+            <a:r>
+              <a:rPr lang="en-US" dirty="0"/>
+              <a:t>,</a:t>
+            </a:r>
+            <a:r>
+              <a:rPr lang="sk-SK" dirty="0"/>
+              <a:t> aby ste mali jednu možnosť zadať heslo (</a:t>
             </a:r>
             <a:r>
               <a:rPr lang="sk-SK" dirty="0" err="1"/>
@@ -27325,7 +29710,15 @@
           <a:p>
             <a:r>
               <a:rPr lang="sk-SK" dirty="0"/>
-              <a:t>Ak heslo nie je správne používateľ o tom dostane informáciu a program skončí.</a:t>
+              <a:t>Ak heslo nie je správne</a:t>
+            </a:r>
+            <a:r>
+              <a:rPr lang="en-US" dirty="0"/>
+              <a:t>,</a:t>
+            </a:r>
+            <a:r>
+              <a:rPr lang="sk-SK" dirty="0"/>
+              <a:t> používateľ o tom dostane informáciu a program skončí.</a:t>
             </a:r>
           </a:p>
           <a:p>
@@ -27335,7 +29728,19 @@
             </a:r>
             <a:r>
               <a:rPr lang="sk-SK" dirty="0" err="1"/>
-              <a:t>sprváne</a:t>
+              <a:t>sprá</a:t>
+            </a:r>
+            <a:r>
+              <a:rPr lang="en-US" dirty="0"/>
+              <a:t>v</a:t>
+            </a:r>
+            <a:r>
+              <a:rPr lang="sk-SK" dirty="0" err="1"/>
+              <a:t>ne</a:t>
+            </a:r>
+            <a:r>
+              <a:rPr lang="en-US" dirty="0"/>
+              <a:t>,</a:t>
             </a:r>
             <a:r>
               <a:rPr lang="sk-SK" dirty="0"/>
@@ -27357,7 +29762,7 @@
 </p:sld>
 </file>
 
-<file path=ppt/slides/slide86.xml><?xml version="1.0" encoding="utf-8"?>
+<file path=ppt/slides/slide88.xml><?xml version="1.0" encoding="utf-8"?>
 <p:sld xmlns:a="http://schemas.openxmlformats.org/drawingml/2006/main" xmlns:r="http://schemas.openxmlformats.org/officeDocument/2006/relationships" xmlns:p="http://schemas.openxmlformats.org/presentationml/2006/main">
   <p:cSld>
     <p:spTree>
@@ -27446,7 +29851,7 @@
 </p:sld>
 </file>
 
-<file path=ppt/slides/slide87.xml><?xml version="1.0" encoding="utf-8"?>
+<file path=ppt/slides/slide89.xml><?xml version="1.0" encoding="utf-8"?>
 <p:sld xmlns:a="http://schemas.openxmlformats.org/drawingml/2006/main" xmlns:r="http://schemas.openxmlformats.org/officeDocument/2006/relationships" xmlns:p="http://schemas.openxmlformats.org/presentationml/2006/main">
   <p:cSld>
     <p:spTree>
@@ -27597,7 +30002,7 @@
 </p:sld>
 </file>
 
-<file path=ppt/slides/slide88.xml><?xml version="1.0" encoding="utf-8"?>
+<file path=ppt/slides/slide9.xml><?xml version="1.0" encoding="utf-8"?>
 <p:sld xmlns:a="http://schemas.openxmlformats.org/drawingml/2006/main" xmlns:r="http://schemas.openxmlformats.org/officeDocument/2006/relationships" xmlns:p="http://schemas.openxmlformats.org/presentationml/2006/main">
   <p:cSld>
     <p:spTree>
@@ -27619,6 +30024,170 @@
           <p:cNvPr id="2" name="Nadpis 1">
             <a:extLst>
               <a:ext uri="{FF2B5EF4-FFF2-40B4-BE49-F238E27FC236}">
+                <a16:creationId xmlns:a16="http://schemas.microsoft.com/office/drawing/2014/main" id="{BDBC3BFB-D380-445D-8234-86A148095472}"/>
+              </a:ext>
+            </a:extLst>
+          </p:cNvPr>
+          <p:cNvSpPr>
+            <a:spLocks noGrp="1"/>
+          </p:cNvSpPr>
+          <p:nvPr>
+            <p:ph type="title"/>
+          </p:nvPr>
+        </p:nvSpPr>
+        <p:spPr/>
+        <p:txBody>
+          <a:bodyPr/>
+          <a:lstStyle/>
+          <a:p>
+            <a:r>
+              <a:rPr lang="sk-SK" dirty="0"/>
+              <a:t>Čo je Java?</a:t>
+            </a:r>
+          </a:p>
+        </p:txBody>
+      </p:sp>
+      <p:sp>
+        <p:nvSpPr>
+          <p:cNvPr id="3" name="Zástupný objekt pre obsah 2">
+            <a:extLst>
+              <a:ext uri="{FF2B5EF4-FFF2-40B4-BE49-F238E27FC236}">
+                <a16:creationId xmlns:a16="http://schemas.microsoft.com/office/drawing/2014/main" id="{6D23E1D0-5B7B-4261-9A60-0EB97DBCADDF}"/>
+              </a:ext>
+            </a:extLst>
+          </p:cNvPr>
+          <p:cNvSpPr>
+            <a:spLocks noGrp="1"/>
+          </p:cNvSpPr>
+          <p:nvPr>
+            <p:ph idx="1"/>
+          </p:nvPr>
+        </p:nvSpPr>
+        <p:spPr/>
+        <p:txBody>
+          <a:bodyPr/>
+          <a:lstStyle/>
+          <a:p>
+            <a:r>
+              <a:rPr lang="sk-SK" dirty="0"/>
+              <a:t>Java je:</a:t>
+            </a:r>
+          </a:p>
+          <a:p>
+            <a:pPr lvl="1"/>
+            <a:r>
+              <a:rPr lang="sk-SK" dirty="0"/>
+              <a:t>programovací jazyk</a:t>
+            </a:r>
+          </a:p>
+          <a:p>
+            <a:pPr lvl="1"/>
+            <a:r>
+              <a:rPr lang="sk-SK" dirty="0"/>
+              <a:t>objektovo orientovaný jazyk – čo to znamená podrobnejšie, budeme riešiť neskôr</a:t>
+            </a:r>
+          </a:p>
+          <a:p>
+            <a:pPr lvl="1"/>
+            <a:r>
+              <a:rPr lang="sk-SK" dirty="0"/>
+              <a:t>tzv. </a:t>
+            </a:r>
+            <a:r>
+              <a:rPr lang="sk-SK" dirty="0" err="1"/>
+              <a:t>High</a:t>
+            </a:r>
+            <a:r>
+              <a:rPr lang="sk-SK" dirty="0"/>
+              <a:t> level programovací jazyk – využíva abstraktné konštrukcie spojené s obrazom reálneho sveta, kde si prístup do pamäte riadi sám program, namiesto priameho prístupu k pamäťovým miestam a podobne.</a:t>
+            </a:r>
+          </a:p>
+          <a:p>
+            <a:pPr lvl="1"/>
+            <a:r>
+              <a:rPr lang="sk-SK" dirty="0"/>
+              <a:t>multiplatformový – nezávislý od procesorovej architektúry (32bit, 64bit, ARM, ...) pretože nie je kompilovaný ako strojový kód (</a:t>
+            </a:r>
+            <a:r>
+              <a:rPr lang="sk-SK" dirty="0" err="1"/>
+              <a:t>narozdiel</a:t>
+            </a:r>
+            <a:r>
+              <a:rPr lang="sk-SK" dirty="0"/>
+              <a:t> od C alebo C++)</a:t>
+            </a:r>
+          </a:p>
+          <a:p>
+            <a:pPr lvl="1"/>
+            <a:r>
+              <a:rPr lang="sk-SK" dirty="0"/>
+              <a:t>jazyk, kt. si väčšinou vyžaduje silné typovanie (vysvetlím pri hodnotových typoch)</a:t>
+            </a:r>
+          </a:p>
+          <a:p>
+            <a:pPr lvl="1"/>
+            <a:r>
+              <a:rPr lang="sk-SK" dirty="0" err="1"/>
+              <a:t>Backend-ový</a:t>
+            </a:r>
+            <a:r>
+              <a:rPr lang="sk-SK" dirty="0"/>
+              <a:t> (</a:t>
+            </a:r>
+            <a:r>
+              <a:rPr lang="sk-SK" dirty="0" err="1"/>
+              <a:t>code</a:t>
+            </a:r>
+            <a:r>
+              <a:rPr lang="sk-SK" dirty="0"/>
+              <a:t> </a:t>
+            </a:r>
+            <a:r>
+              <a:rPr lang="sk-SK" dirty="0" err="1"/>
+              <a:t>behind</a:t>
+            </a:r>
+            <a:r>
+              <a:rPr lang="sk-SK" dirty="0"/>
+              <a:t>) jazyk – využíva sa na tvorbu výkonnej logiky, ktorá je na pozadí používateľského rozhrania, resp. na serverovej strane aplikácií</a:t>
+            </a:r>
+          </a:p>
+        </p:txBody>
+      </p:sp>
+    </p:spTree>
+    <p:extLst>
+      <p:ext uri="{BB962C8B-B14F-4D97-AF65-F5344CB8AC3E}">
+        <p14:creationId xmlns:p14="http://schemas.microsoft.com/office/powerpoint/2010/main" val="3580303821"/>
+      </p:ext>
+    </p:extLst>
+  </p:cSld>
+  <p:clrMapOvr>
+    <a:masterClrMapping/>
+  </p:clrMapOvr>
+</p:sld>
+</file>
+
+<file path=ppt/slides/slide90.xml><?xml version="1.0" encoding="utf-8"?>
+<p:sld xmlns:a="http://schemas.openxmlformats.org/drawingml/2006/main" xmlns:r="http://schemas.openxmlformats.org/officeDocument/2006/relationships" xmlns:p="http://schemas.openxmlformats.org/presentationml/2006/main">
+  <p:cSld>
+    <p:spTree>
+      <p:nvGrpSpPr>
+        <p:cNvPr id="1" name=""/>
+        <p:cNvGrpSpPr/>
+        <p:nvPr/>
+      </p:nvGrpSpPr>
+      <p:grpSpPr>
+        <a:xfrm>
+          <a:off x="0" y="0"/>
+          <a:ext cx="0" cy="0"/>
+          <a:chOff x="0" y="0"/>
+          <a:chExt cx="0" cy="0"/>
+        </a:xfrm>
+      </p:grpSpPr>
+      <p:sp>
+        <p:nvSpPr>
+          <p:cNvPr id="2" name="Nadpis 1">
+            <a:extLst>
+              <a:ext uri="{FF2B5EF4-FFF2-40B4-BE49-F238E27FC236}">
                 <a16:creationId xmlns:a16="http://schemas.microsoft.com/office/drawing/2014/main" id="{2A529871-BB88-43B4-93A7-533CE3B1A315}"/>
               </a:ext>
             </a:extLst>
@@ -27745,7 +30314,7 @@
 </p:sld>
 </file>
 
-<file path=ppt/slides/slide89.xml><?xml version="1.0" encoding="utf-8"?>
+<file path=ppt/slides/slide91.xml><?xml version="1.0" encoding="utf-8"?>
 <p:sld xmlns:a="http://schemas.openxmlformats.org/drawingml/2006/main" xmlns:r="http://schemas.openxmlformats.org/officeDocument/2006/relationships" xmlns:p="http://schemas.openxmlformats.org/presentationml/2006/main">
   <p:cSld>
     <p:spTree>
@@ -27871,502 +30440,6 @@
 </p:sld>
 </file>
 
-<file path=ppt/slides/slide9.xml><?xml version="1.0" encoding="utf-8"?>
-<p:sld xmlns:a="http://schemas.openxmlformats.org/drawingml/2006/main" xmlns:r="http://schemas.openxmlformats.org/officeDocument/2006/relationships" xmlns:p="http://schemas.openxmlformats.org/presentationml/2006/main">
-  <p:cSld>
-    <p:spTree>
-      <p:nvGrpSpPr>
-        <p:cNvPr id="1" name=""/>
-        <p:cNvGrpSpPr/>
-        <p:nvPr/>
-      </p:nvGrpSpPr>
-      <p:grpSpPr>
-        <a:xfrm>
-          <a:off x="0" y="0"/>
-          <a:ext cx="0" cy="0"/>
-          <a:chOff x="0" y="0"/>
-          <a:chExt cx="0" cy="0"/>
-        </a:xfrm>
-      </p:grpSpPr>
-      <p:sp>
-        <p:nvSpPr>
-          <p:cNvPr id="2" name="Nadpis 1">
-            <a:extLst>
-              <a:ext uri="{FF2B5EF4-FFF2-40B4-BE49-F238E27FC236}">
-                <a16:creationId xmlns:a16="http://schemas.microsoft.com/office/drawing/2014/main" id="{BDBC3BFB-D380-445D-8234-86A148095472}"/>
-              </a:ext>
-            </a:extLst>
-          </p:cNvPr>
-          <p:cNvSpPr>
-            <a:spLocks noGrp="1"/>
-          </p:cNvSpPr>
-          <p:nvPr>
-            <p:ph type="title"/>
-          </p:nvPr>
-        </p:nvSpPr>
-        <p:spPr/>
-        <p:txBody>
-          <a:bodyPr/>
-          <a:lstStyle/>
-          <a:p>
-            <a:r>
-              <a:rPr lang="sk-SK" dirty="0"/>
-              <a:t>Čo je Java?</a:t>
-            </a:r>
-          </a:p>
-        </p:txBody>
-      </p:sp>
-      <p:sp>
-        <p:nvSpPr>
-          <p:cNvPr id="3" name="Zástupný objekt pre obsah 2">
-            <a:extLst>
-              <a:ext uri="{FF2B5EF4-FFF2-40B4-BE49-F238E27FC236}">
-                <a16:creationId xmlns:a16="http://schemas.microsoft.com/office/drawing/2014/main" id="{6D23E1D0-5B7B-4261-9A60-0EB97DBCADDF}"/>
-              </a:ext>
-            </a:extLst>
-          </p:cNvPr>
-          <p:cNvSpPr>
-            <a:spLocks noGrp="1"/>
-          </p:cNvSpPr>
-          <p:nvPr>
-            <p:ph idx="1"/>
-          </p:nvPr>
-        </p:nvSpPr>
-        <p:spPr/>
-        <p:txBody>
-          <a:bodyPr/>
-          <a:lstStyle/>
-          <a:p>
-            <a:r>
-              <a:rPr lang="sk-SK" dirty="0"/>
-              <a:t>Java je:</a:t>
-            </a:r>
-          </a:p>
-          <a:p>
-            <a:pPr lvl="1"/>
-            <a:r>
-              <a:rPr lang="sk-SK" dirty="0"/>
-              <a:t>programovací jazyk</a:t>
-            </a:r>
-          </a:p>
-          <a:p>
-            <a:pPr lvl="1"/>
-            <a:r>
-              <a:rPr lang="sk-SK" dirty="0"/>
-              <a:t>objektovo orientovaný jazyk – čo to znamená podrobnejšie, budeme riešiť neskôr</a:t>
-            </a:r>
-          </a:p>
-          <a:p>
-            <a:pPr lvl="1"/>
-            <a:r>
-              <a:rPr lang="sk-SK" dirty="0"/>
-              <a:t>tzv. </a:t>
-            </a:r>
-            <a:r>
-              <a:rPr lang="sk-SK" dirty="0" err="1"/>
-              <a:t>High</a:t>
-            </a:r>
-            <a:r>
-              <a:rPr lang="sk-SK" dirty="0"/>
-              <a:t> level programovací jazyk – využíva abstraktné konštrukcie spojené s obrazom reálneho sveta, kde si prístup do pamäte riadi sám program, namiesto priameho prístupu k pamäťovým miestam a podobne.</a:t>
-            </a:r>
-          </a:p>
-          <a:p>
-            <a:pPr lvl="1"/>
-            <a:r>
-              <a:rPr lang="sk-SK" dirty="0"/>
-              <a:t>multiplatformový – nezávislý od procesorovej architektúry (32bit, 64bit, ARM, ...) pretože nie je kompilovaný ako strojový kód (</a:t>
-            </a:r>
-            <a:r>
-              <a:rPr lang="sk-SK" dirty="0" err="1"/>
-              <a:t>narozdiel</a:t>
-            </a:r>
-            <a:r>
-              <a:rPr lang="sk-SK" dirty="0"/>
-              <a:t> od C alebo C++)</a:t>
-            </a:r>
-          </a:p>
-          <a:p>
-            <a:pPr lvl="1"/>
-            <a:r>
-              <a:rPr lang="sk-SK" dirty="0"/>
-              <a:t>jazyk, kt. si väčšinou vyžaduje silné typovanie (vysvetlím pri hodnotových typoch)</a:t>
-            </a:r>
-          </a:p>
-          <a:p>
-            <a:pPr lvl="1"/>
-            <a:r>
-              <a:rPr lang="sk-SK" dirty="0" err="1"/>
-              <a:t>Backend-ový</a:t>
-            </a:r>
-            <a:r>
-              <a:rPr lang="sk-SK" dirty="0"/>
-              <a:t> (</a:t>
-            </a:r>
-            <a:r>
-              <a:rPr lang="sk-SK" dirty="0" err="1"/>
-              <a:t>code</a:t>
-            </a:r>
-            <a:r>
-              <a:rPr lang="sk-SK" dirty="0"/>
-              <a:t> </a:t>
-            </a:r>
-            <a:r>
-              <a:rPr lang="sk-SK" dirty="0" err="1"/>
-              <a:t>behind</a:t>
-            </a:r>
-            <a:r>
-              <a:rPr lang="sk-SK" dirty="0"/>
-              <a:t>) jazyk – využíva sa na tvorbu výkonnej logiky, ktorá je na pozadí používateľského rozhrania, resp. na serverovej strane aplikácií</a:t>
-            </a:r>
-          </a:p>
-        </p:txBody>
-      </p:sp>
-    </p:spTree>
-    <p:extLst>
-      <p:ext uri="{BB962C8B-B14F-4D97-AF65-F5344CB8AC3E}">
-        <p14:creationId xmlns:p14="http://schemas.microsoft.com/office/powerpoint/2010/main" val="3580303821"/>
-      </p:ext>
-    </p:extLst>
-  </p:cSld>
-  <p:clrMapOvr>
-    <a:masterClrMapping/>
-  </p:clrMapOvr>
-</p:sld>
-</file>
-
-<file path=ppt/slides/slide90.xml><?xml version="1.0" encoding="utf-8"?>
-<p:sld xmlns:a="http://schemas.openxmlformats.org/drawingml/2006/main" xmlns:r="http://schemas.openxmlformats.org/officeDocument/2006/relationships" xmlns:p="http://schemas.openxmlformats.org/presentationml/2006/main">
-  <p:cSld>
-    <p:spTree>
-      <p:nvGrpSpPr>
-        <p:cNvPr id="1" name=""/>
-        <p:cNvGrpSpPr/>
-        <p:nvPr/>
-      </p:nvGrpSpPr>
-      <p:grpSpPr>
-        <a:xfrm>
-          <a:off x="0" y="0"/>
-          <a:ext cx="0" cy="0"/>
-          <a:chOff x="0" y="0"/>
-          <a:chExt cx="0" cy="0"/>
-        </a:xfrm>
-      </p:grpSpPr>
-      <p:sp>
-        <p:nvSpPr>
-          <p:cNvPr id="2" name="Nadpis 1">
-            <a:extLst>
-              <a:ext uri="{FF2B5EF4-FFF2-40B4-BE49-F238E27FC236}">
-                <a16:creationId xmlns:a16="http://schemas.microsoft.com/office/drawing/2014/main" id="{4776ED2A-AA06-402F-83D9-04FBAC4E86C8}"/>
-              </a:ext>
-            </a:extLst>
-          </p:cNvPr>
-          <p:cNvSpPr>
-            <a:spLocks noGrp="1"/>
-          </p:cNvSpPr>
-          <p:nvPr>
-            <p:ph type="title"/>
-          </p:nvPr>
-        </p:nvSpPr>
-        <p:spPr/>
-        <p:txBody>
-          <a:bodyPr/>
-          <a:lstStyle/>
-          <a:p>
-            <a:r>
-              <a:rPr lang="sk-SK" dirty="0"/>
-              <a:t>Cvičenie 7</a:t>
-            </a:r>
-          </a:p>
-        </p:txBody>
-      </p:sp>
-      <p:sp>
-        <p:nvSpPr>
-          <p:cNvPr id="3" name="Zástupný objekt pre obsah 2">
-            <a:extLst>
-              <a:ext uri="{FF2B5EF4-FFF2-40B4-BE49-F238E27FC236}">
-                <a16:creationId xmlns:a16="http://schemas.microsoft.com/office/drawing/2014/main" id="{515BDB8A-D33E-4397-BCC0-F345E9D5D459}"/>
-              </a:ext>
-            </a:extLst>
-          </p:cNvPr>
-          <p:cNvSpPr>
-            <a:spLocks noGrp="1"/>
-          </p:cNvSpPr>
-          <p:nvPr>
-            <p:ph idx="1"/>
-          </p:nvPr>
-        </p:nvSpPr>
-        <p:spPr/>
-        <p:txBody>
-          <a:bodyPr/>
-          <a:lstStyle/>
-          <a:p>
-            <a:r>
-              <a:rPr lang="sk-SK" dirty="0"/>
-              <a:t>Pomocou switch </a:t>
-            </a:r>
-            <a:r>
-              <a:rPr lang="sk-SK" dirty="0" err="1"/>
-              <a:t>case</a:t>
-            </a:r>
-            <a:r>
-              <a:rPr lang="sk-SK" dirty="0"/>
-              <a:t> si vytvorte vo svojej hre menu, s položkami</a:t>
-            </a:r>
-          </a:p>
-          <a:p>
-            <a:pPr lvl="1"/>
-            <a:r>
-              <a:rPr lang="sk-SK" dirty="0"/>
-              <a:t>1. Štart</a:t>
-            </a:r>
-          </a:p>
-          <a:p>
-            <a:pPr lvl="1"/>
-            <a:r>
-              <a:rPr lang="sk-SK" dirty="0"/>
-              <a:t>2. Nastavenia</a:t>
-            </a:r>
-          </a:p>
-          <a:p>
-            <a:pPr lvl="1"/>
-            <a:r>
-              <a:rPr lang="sk-SK" dirty="0"/>
-              <a:t>3. Koniec</a:t>
-            </a:r>
-          </a:p>
-          <a:p>
-            <a:r>
-              <a:rPr lang="sk-SK" dirty="0"/>
-              <a:t>Do konzoly na začiatku hry vypíšte jej názov a veľmi stručný návod do štvorca ohraničeného znakmi </a:t>
-            </a:r>
-            <a:r>
-              <a:rPr lang="en-US" dirty="0"/>
-              <a:t>#</a:t>
-            </a:r>
-            <a:endParaRPr lang="sk-SK" dirty="0"/>
-          </a:p>
-          <a:p>
-            <a:endParaRPr lang="sk-SK" dirty="0"/>
-          </a:p>
-          <a:p>
-            <a:pPr lvl="1"/>
-            <a:endParaRPr lang="sk-SK" dirty="0"/>
-          </a:p>
-        </p:txBody>
-      </p:sp>
-    </p:spTree>
-    <p:extLst>
-      <p:ext uri="{BB962C8B-B14F-4D97-AF65-F5344CB8AC3E}">
-        <p14:creationId xmlns:p14="http://schemas.microsoft.com/office/powerpoint/2010/main" val="2464523031"/>
-      </p:ext>
-    </p:extLst>
-  </p:cSld>
-  <p:clrMapOvr>
-    <a:masterClrMapping/>
-  </p:clrMapOvr>
-</p:sld>
-</file>
-
-<file path=ppt/slides/slide91.xml><?xml version="1.0" encoding="utf-8"?>
-<p:sld xmlns:a="http://schemas.openxmlformats.org/drawingml/2006/main" xmlns:r="http://schemas.openxmlformats.org/officeDocument/2006/relationships" xmlns:p="http://schemas.openxmlformats.org/presentationml/2006/main">
-  <p:cSld>
-    <p:spTree>
-      <p:nvGrpSpPr>
-        <p:cNvPr id="1" name=""/>
-        <p:cNvGrpSpPr/>
-        <p:nvPr/>
-      </p:nvGrpSpPr>
-      <p:grpSpPr>
-        <a:xfrm>
-          <a:off x="0" y="0"/>
-          <a:ext cx="0" cy="0"/>
-          <a:chOff x="0" y="0"/>
-          <a:chExt cx="0" cy="0"/>
-        </a:xfrm>
-      </p:grpSpPr>
-      <p:sp>
-        <p:nvSpPr>
-          <p:cNvPr id="2" name="Nadpis 1">
-            <a:extLst>
-              <a:ext uri="{FF2B5EF4-FFF2-40B4-BE49-F238E27FC236}">
-                <a16:creationId xmlns:a16="http://schemas.microsoft.com/office/drawing/2014/main" id="{8B81E829-475A-4835-84A9-87C3EA4240F0}"/>
-              </a:ext>
-            </a:extLst>
-          </p:cNvPr>
-          <p:cNvSpPr>
-            <a:spLocks noGrp="1"/>
-          </p:cNvSpPr>
-          <p:nvPr>
-            <p:ph type="title"/>
-          </p:nvPr>
-        </p:nvSpPr>
-        <p:spPr/>
-        <p:txBody>
-          <a:bodyPr/>
-          <a:lstStyle/>
-          <a:p>
-            <a:r>
-              <a:rPr lang="en-US" dirty="0" err="1"/>
-              <a:t>Cykly</a:t>
-            </a:r>
-            <a:endParaRPr lang="sk-SK" dirty="0"/>
-          </a:p>
-        </p:txBody>
-      </p:sp>
-      <p:sp>
-        <p:nvSpPr>
-          <p:cNvPr id="3" name="Zástupný objekt pre obsah 2">
-            <a:extLst>
-              <a:ext uri="{FF2B5EF4-FFF2-40B4-BE49-F238E27FC236}">
-                <a16:creationId xmlns:a16="http://schemas.microsoft.com/office/drawing/2014/main" id="{BBEC2B64-FEB0-4315-841D-1B0DE8A2ACE5}"/>
-              </a:ext>
-            </a:extLst>
-          </p:cNvPr>
-          <p:cNvSpPr>
-            <a:spLocks noGrp="1"/>
-          </p:cNvSpPr>
-          <p:nvPr>
-            <p:ph idx="1"/>
-          </p:nvPr>
-        </p:nvSpPr>
-        <p:spPr/>
-        <p:txBody>
-          <a:bodyPr/>
-          <a:lstStyle/>
-          <a:p>
-            <a:r>
-              <a:rPr lang="en-US" dirty="0" err="1"/>
-              <a:t>Cyklus</a:t>
-            </a:r>
-            <a:r>
-              <a:rPr lang="en-US" dirty="0"/>
-              <a:t> </a:t>
-            </a:r>
-            <a:r>
-              <a:rPr lang="en-US" dirty="0" err="1"/>
-              <a:t>umo</a:t>
-            </a:r>
-            <a:r>
-              <a:rPr lang="sk-SK" dirty="0" err="1"/>
-              <a:t>žňuje</a:t>
-            </a:r>
-            <a:r>
-              <a:rPr lang="sk-SK" dirty="0"/>
-              <a:t> opakovať metódu alebo bloky kódu, kým nie je splnená ukončovacia podmienka</a:t>
-            </a:r>
-          </a:p>
-          <a:p>
-            <a:r>
-              <a:rPr lang="sk-SK" dirty="0"/>
-              <a:t>Cykly s pevným počtom opakovaní</a:t>
-            </a:r>
-          </a:p>
-          <a:p>
-            <a:pPr lvl="1"/>
-            <a:r>
-              <a:rPr lang="sk-SK" dirty="0" err="1"/>
-              <a:t>for</a:t>
-            </a:r>
-            <a:endParaRPr lang="sk-SK" dirty="0"/>
-          </a:p>
-          <a:p>
-            <a:pPr lvl="1"/>
-            <a:r>
-              <a:rPr lang="sk-SK" dirty="0" err="1"/>
-              <a:t>for</a:t>
-            </a:r>
-            <a:r>
-              <a:rPr lang="sk-SK" dirty="0"/>
-              <a:t> </a:t>
-            </a:r>
-            <a:r>
-              <a:rPr lang="sk-SK" dirty="0" err="1"/>
-              <a:t>each</a:t>
-            </a:r>
-            <a:endParaRPr lang="sk-SK" dirty="0"/>
-          </a:p>
-          <a:p>
-            <a:r>
-              <a:rPr lang="sk-SK" dirty="0"/>
-              <a:t>Cykly s neurčitým počtom opakovaní</a:t>
-            </a:r>
-          </a:p>
-          <a:p>
-            <a:pPr lvl="1"/>
-            <a:r>
-              <a:rPr lang="sk-SK" dirty="0" err="1"/>
-              <a:t>while</a:t>
-            </a:r>
-            <a:endParaRPr lang="sk-SK" dirty="0"/>
-          </a:p>
-          <a:p>
-            <a:pPr lvl="1"/>
-            <a:r>
-              <a:rPr lang="sk-SK" dirty="0"/>
-              <a:t>do </a:t>
-            </a:r>
-            <a:r>
-              <a:rPr lang="sk-SK" dirty="0" err="1"/>
-              <a:t>while</a:t>
-            </a:r>
-            <a:endParaRPr lang="en-US" dirty="0"/>
-          </a:p>
-          <a:p>
-            <a:r>
-              <a:rPr lang="en-US" dirty="0" err="1"/>
-              <a:t>Cyklus</a:t>
-            </a:r>
-            <a:r>
-              <a:rPr lang="en-US" dirty="0"/>
-              <a:t> je </a:t>
-            </a:r>
-            <a:r>
-              <a:rPr lang="en-US" dirty="0" err="1"/>
-              <a:t>mo</a:t>
-            </a:r>
-            <a:r>
-              <a:rPr lang="sk-SK" dirty="0" err="1"/>
-              <a:t>žné</a:t>
-            </a:r>
-            <a:r>
-              <a:rPr lang="sk-SK" dirty="0"/>
-              <a:t> ukončiť okamžite príkazom </a:t>
-            </a:r>
-            <a:r>
-              <a:rPr lang="sk-SK" b="1" dirty="0"/>
-              <a:t>break;</a:t>
-            </a:r>
-          </a:p>
-          <a:p>
-            <a:r>
-              <a:rPr lang="sk-SK" dirty="0"/>
-              <a:t>Skočiť na ďalšiu iteráciu bez dokončenia iterácie je možné príkazom </a:t>
-            </a:r>
-            <a:r>
-              <a:rPr lang="sk-SK" b="1" dirty="0" err="1"/>
-              <a:t>continue</a:t>
-            </a:r>
-            <a:r>
-              <a:rPr lang="sk-SK" b="1" dirty="0"/>
-              <a:t>;</a:t>
-            </a:r>
-          </a:p>
-        </p:txBody>
-      </p:sp>
-    </p:spTree>
-    <p:extLst>
-      <p:ext uri="{BB962C8B-B14F-4D97-AF65-F5344CB8AC3E}">
-        <p14:creationId xmlns:p14="http://schemas.microsoft.com/office/powerpoint/2010/main" val="1172364967"/>
-      </p:ext>
-    </p:extLst>
-  </p:cSld>
-  <p:clrMapOvr>
-    <a:masterClrMapping/>
-  </p:clrMapOvr>
-</p:sld>
-</file>
-
 <file path=ppt/slides/slide92.xml><?xml version="1.0" encoding="utf-8"?>
 <p:sld xmlns:a="http://schemas.openxmlformats.org/drawingml/2006/main" xmlns:r="http://schemas.openxmlformats.org/officeDocument/2006/relationships" xmlns:p="http://schemas.openxmlformats.org/presentationml/2006/main">
   <p:cSld>
@@ -28389,6 +30462,338 @@
           <p:cNvPr id="2" name="Nadpis 1">
             <a:extLst>
               <a:ext uri="{FF2B5EF4-FFF2-40B4-BE49-F238E27FC236}">
+                <a16:creationId xmlns:a16="http://schemas.microsoft.com/office/drawing/2014/main" id="{4776ED2A-AA06-402F-83D9-04FBAC4E86C8}"/>
+              </a:ext>
+            </a:extLst>
+          </p:cNvPr>
+          <p:cNvSpPr>
+            <a:spLocks noGrp="1"/>
+          </p:cNvSpPr>
+          <p:nvPr>
+            <p:ph type="title"/>
+          </p:nvPr>
+        </p:nvSpPr>
+        <p:spPr/>
+        <p:txBody>
+          <a:bodyPr/>
+          <a:lstStyle/>
+          <a:p>
+            <a:r>
+              <a:rPr lang="sk-SK" dirty="0"/>
+              <a:t>Cvičenie 7</a:t>
+            </a:r>
+          </a:p>
+        </p:txBody>
+      </p:sp>
+      <p:sp>
+        <p:nvSpPr>
+          <p:cNvPr id="3" name="Zástupný objekt pre obsah 2">
+            <a:extLst>
+              <a:ext uri="{FF2B5EF4-FFF2-40B4-BE49-F238E27FC236}">
+                <a16:creationId xmlns:a16="http://schemas.microsoft.com/office/drawing/2014/main" id="{515BDB8A-D33E-4397-BCC0-F345E9D5D459}"/>
+              </a:ext>
+            </a:extLst>
+          </p:cNvPr>
+          <p:cNvSpPr>
+            <a:spLocks noGrp="1"/>
+          </p:cNvSpPr>
+          <p:nvPr>
+            <p:ph idx="1"/>
+          </p:nvPr>
+        </p:nvSpPr>
+        <p:spPr/>
+        <p:txBody>
+          <a:bodyPr/>
+          <a:lstStyle/>
+          <a:p>
+            <a:r>
+              <a:rPr lang="sk-SK" dirty="0"/>
+              <a:t>Pomocou switch </a:t>
+            </a:r>
+            <a:r>
+              <a:rPr lang="sk-SK" dirty="0" err="1"/>
+              <a:t>case</a:t>
+            </a:r>
+            <a:r>
+              <a:rPr lang="sk-SK" dirty="0"/>
+              <a:t> si vytvorte vo svojej hre menu, s položkami</a:t>
+            </a:r>
+          </a:p>
+          <a:p>
+            <a:pPr lvl="1"/>
+            <a:r>
+              <a:rPr lang="sk-SK" dirty="0"/>
+              <a:t>1. Štart</a:t>
+            </a:r>
+          </a:p>
+          <a:p>
+            <a:pPr lvl="1"/>
+            <a:r>
+              <a:rPr lang="sk-SK" dirty="0"/>
+              <a:t>2. Nastavenia</a:t>
+            </a:r>
+          </a:p>
+          <a:p>
+            <a:pPr lvl="1"/>
+            <a:r>
+              <a:rPr lang="sk-SK" dirty="0"/>
+              <a:t>3. Koniec</a:t>
+            </a:r>
+          </a:p>
+          <a:p>
+            <a:r>
+              <a:rPr lang="sk-SK" dirty="0"/>
+              <a:t>Do konzoly na začiatku hry vypíšte jej názov a veľmi stručný návod do štvorca ohraničeného znakmi </a:t>
+            </a:r>
+            <a:r>
+              <a:rPr lang="en-US" dirty="0"/>
+              <a:t>#</a:t>
+            </a:r>
+            <a:endParaRPr lang="sk-SK" dirty="0"/>
+          </a:p>
+          <a:p>
+            <a:endParaRPr lang="sk-SK" dirty="0"/>
+          </a:p>
+          <a:p>
+            <a:pPr lvl="1"/>
+            <a:endParaRPr lang="sk-SK" dirty="0"/>
+          </a:p>
+        </p:txBody>
+      </p:sp>
+    </p:spTree>
+    <p:extLst>
+      <p:ext uri="{BB962C8B-B14F-4D97-AF65-F5344CB8AC3E}">
+        <p14:creationId xmlns:p14="http://schemas.microsoft.com/office/powerpoint/2010/main" val="2464523031"/>
+      </p:ext>
+    </p:extLst>
+  </p:cSld>
+  <p:clrMapOvr>
+    <a:masterClrMapping/>
+  </p:clrMapOvr>
+</p:sld>
+</file>
+
+<file path=ppt/slides/slide93.xml><?xml version="1.0" encoding="utf-8"?>
+<p:sld xmlns:a="http://schemas.openxmlformats.org/drawingml/2006/main" xmlns:r="http://schemas.openxmlformats.org/officeDocument/2006/relationships" xmlns:p="http://schemas.openxmlformats.org/presentationml/2006/main">
+  <p:cSld>
+    <p:spTree>
+      <p:nvGrpSpPr>
+        <p:cNvPr id="1" name=""/>
+        <p:cNvGrpSpPr/>
+        <p:nvPr/>
+      </p:nvGrpSpPr>
+      <p:grpSpPr>
+        <a:xfrm>
+          <a:off x="0" y="0"/>
+          <a:ext cx="0" cy="0"/>
+          <a:chOff x="0" y="0"/>
+          <a:chExt cx="0" cy="0"/>
+        </a:xfrm>
+      </p:grpSpPr>
+      <p:sp>
+        <p:nvSpPr>
+          <p:cNvPr id="2" name="Nadpis 1">
+            <a:extLst>
+              <a:ext uri="{FF2B5EF4-FFF2-40B4-BE49-F238E27FC236}">
+                <a16:creationId xmlns:a16="http://schemas.microsoft.com/office/drawing/2014/main" id="{8B81E829-475A-4835-84A9-87C3EA4240F0}"/>
+              </a:ext>
+            </a:extLst>
+          </p:cNvPr>
+          <p:cNvSpPr>
+            <a:spLocks noGrp="1"/>
+          </p:cNvSpPr>
+          <p:nvPr>
+            <p:ph type="title"/>
+          </p:nvPr>
+        </p:nvSpPr>
+        <p:spPr/>
+        <p:txBody>
+          <a:bodyPr/>
+          <a:lstStyle/>
+          <a:p>
+            <a:r>
+              <a:rPr lang="en-US" dirty="0" err="1"/>
+              <a:t>Cykly</a:t>
+            </a:r>
+            <a:endParaRPr lang="sk-SK" dirty="0"/>
+          </a:p>
+        </p:txBody>
+      </p:sp>
+      <p:sp>
+        <p:nvSpPr>
+          <p:cNvPr id="3" name="Zástupný objekt pre obsah 2">
+            <a:extLst>
+              <a:ext uri="{FF2B5EF4-FFF2-40B4-BE49-F238E27FC236}">
+                <a16:creationId xmlns:a16="http://schemas.microsoft.com/office/drawing/2014/main" id="{BBEC2B64-FEB0-4315-841D-1B0DE8A2ACE5}"/>
+              </a:ext>
+            </a:extLst>
+          </p:cNvPr>
+          <p:cNvSpPr>
+            <a:spLocks noGrp="1"/>
+          </p:cNvSpPr>
+          <p:nvPr>
+            <p:ph idx="1"/>
+          </p:nvPr>
+        </p:nvSpPr>
+        <p:spPr/>
+        <p:txBody>
+          <a:bodyPr/>
+          <a:lstStyle/>
+          <a:p>
+            <a:r>
+              <a:rPr lang="en-US" dirty="0" err="1"/>
+              <a:t>Cyklus</a:t>
+            </a:r>
+            <a:r>
+              <a:rPr lang="en-US" dirty="0"/>
+              <a:t> </a:t>
+            </a:r>
+            <a:r>
+              <a:rPr lang="en-US" dirty="0" err="1"/>
+              <a:t>umo</a:t>
+            </a:r>
+            <a:r>
+              <a:rPr lang="sk-SK" dirty="0" err="1"/>
+              <a:t>žňuje</a:t>
+            </a:r>
+            <a:r>
+              <a:rPr lang="sk-SK" dirty="0"/>
+              <a:t> opakovať metódu alebo bloky kódu, kým nie je splnená ukončovacia podmienka</a:t>
+            </a:r>
+          </a:p>
+          <a:p>
+            <a:r>
+              <a:rPr lang="sk-SK" dirty="0"/>
+              <a:t>Cykly s pevným počtom opakovaní</a:t>
+            </a:r>
+          </a:p>
+          <a:p>
+            <a:pPr lvl="1"/>
+            <a:r>
+              <a:rPr lang="sk-SK" dirty="0" err="1"/>
+              <a:t>for</a:t>
+            </a:r>
+            <a:endParaRPr lang="sk-SK" dirty="0"/>
+          </a:p>
+          <a:p>
+            <a:pPr lvl="1"/>
+            <a:r>
+              <a:rPr lang="sk-SK" dirty="0" err="1"/>
+              <a:t>for</a:t>
+            </a:r>
+            <a:r>
+              <a:rPr lang="sk-SK" dirty="0"/>
+              <a:t> </a:t>
+            </a:r>
+            <a:r>
+              <a:rPr lang="sk-SK" dirty="0" err="1"/>
+              <a:t>each</a:t>
+            </a:r>
+            <a:endParaRPr lang="sk-SK" dirty="0"/>
+          </a:p>
+          <a:p>
+            <a:r>
+              <a:rPr lang="sk-SK" dirty="0"/>
+              <a:t>Cykly s neurčitým počtom opakovaní</a:t>
+            </a:r>
+          </a:p>
+          <a:p>
+            <a:pPr lvl="1"/>
+            <a:r>
+              <a:rPr lang="sk-SK" dirty="0" err="1"/>
+              <a:t>while</a:t>
+            </a:r>
+            <a:endParaRPr lang="sk-SK" dirty="0"/>
+          </a:p>
+          <a:p>
+            <a:pPr lvl="1"/>
+            <a:r>
+              <a:rPr lang="sk-SK" dirty="0"/>
+              <a:t>do </a:t>
+            </a:r>
+            <a:r>
+              <a:rPr lang="sk-SK" dirty="0" err="1"/>
+              <a:t>while</a:t>
+            </a:r>
+            <a:endParaRPr lang="en-US" dirty="0"/>
+          </a:p>
+          <a:p>
+            <a:r>
+              <a:rPr lang="en-US" dirty="0" err="1"/>
+              <a:t>Cyklus</a:t>
+            </a:r>
+            <a:r>
+              <a:rPr lang="en-US" dirty="0"/>
+              <a:t> je </a:t>
+            </a:r>
+            <a:r>
+              <a:rPr lang="en-US" dirty="0" err="1"/>
+              <a:t>mo</a:t>
+            </a:r>
+            <a:r>
+              <a:rPr lang="sk-SK" dirty="0" err="1"/>
+              <a:t>žné</a:t>
+            </a:r>
+            <a:r>
+              <a:rPr lang="sk-SK" dirty="0"/>
+              <a:t> ukončiť okamžite príkazom </a:t>
+            </a:r>
+            <a:r>
+              <a:rPr lang="sk-SK" b="1" dirty="0"/>
+              <a:t>break;</a:t>
+            </a:r>
+          </a:p>
+          <a:p>
+            <a:r>
+              <a:rPr lang="sk-SK" dirty="0"/>
+              <a:t>Skočiť na ďalšiu iteráciu bez dokončenia iterácie je možné príkazom </a:t>
+            </a:r>
+            <a:r>
+              <a:rPr lang="sk-SK" b="1" dirty="0" err="1"/>
+              <a:t>continue</a:t>
+            </a:r>
+            <a:r>
+              <a:rPr lang="sk-SK" b="1" dirty="0"/>
+              <a:t>;</a:t>
+            </a:r>
+          </a:p>
+        </p:txBody>
+      </p:sp>
+    </p:spTree>
+    <p:extLst>
+      <p:ext uri="{BB962C8B-B14F-4D97-AF65-F5344CB8AC3E}">
+        <p14:creationId xmlns:p14="http://schemas.microsoft.com/office/powerpoint/2010/main" val="1172364967"/>
+      </p:ext>
+    </p:extLst>
+  </p:cSld>
+  <p:clrMapOvr>
+    <a:masterClrMapping/>
+  </p:clrMapOvr>
+</p:sld>
+</file>
+
+<file path=ppt/slides/slide94.xml><?xml version="1.0" encoding="utf-8"?>
+<p:sld xmlns:a="http://schemas.openxmlformats.org/drawingml/2006/main" xmlns:r="http://schemas.openxmlformats.org/officeDocument/2006/relationships" xmlns:p="http://schemas.openxmlformats.org/presentationml/2006/main">
+  <p:cSld>
+    <p:spTree>
+      <p:nvGrpSpPr>
+        <p:cNvPr id="1" name=""/>
+        <p:cNvGrpSpPr/>
+        <p:nvPr/>
+      </p:nvGrpSpPr>
+      <p:grpSpPr>
+        <a:xfrm>
+          <a:off x="0" y="0"/>
+          <a:ext cx="0" cy="0"/>
+          <a:chOff x="0" y="0"/>
+          <a:chExt cx="0" cy="0"/>
+        </a:xfrm>
+      </p:grpSpPr>
+      <p:sp>
+        <p:nvSpPr>
+          <p:cNvPr id="2" name="Nadpis 1">
+            <a:extLst>
+              <a:ext uri="{FF2B5EF4-FFF2-40B4-BE49-F238E27FC236}">
                 <a16:creationId xmlns:a16="http://schemas.microsoft.com/office/drawing/2014/main" id="{48367819-C58F-4EC1-9103-F9D93FA69432}"/>
               </a:ext>
             </a:extLst>
@@ -28615,7 +31020,7 @@
 </p:sld>
 </file>
 
-<file path=ppt/slides/slide93.xml><?xml version="1.0" encoding="utf-8"?>
+<file path=ppt/slides/slide95.xml><?xml version="1.0" encoding="utf-8"?>
 <p:sld xmlns:a="http://schemas.openxmlformats.org/drawingml/2006/main" xmlns:r="http://schemas.openxmlformats.org/officeDocument/2006/relationships" xmlns:p="http://schemas.openxmlformats.org/presentationml/2006/main">
   <p:cSld>
     <p:spTree>
@@ -28775,7 +31180,7 @@
 </p:sld>
 </file>
 
-<file path=ppt/slides/slide94.xml><?xml version="1.0" encoding="utf-8"?>
+<file path=ppt/slides/slide96.xml><?xml version="1.0" encoding="utf-8"?>
 <p:sld xmlns:a="http://schemas.openxmlformats.org/drawingml/2006/main" xmlns:r="http://schemas.openxmlformats.org/officeDocument/2006/relationships" xmlns:p="http://schemas.openxmlformats.org/presentationml/2006/main">
   <p:cSld>
     <p:spTree>
@@ -28814,12 +31219,16 @@
           <a:lstStyle/>
           <a:p>
             <a:r>
+              <a:rPr lang="sk-SK" dirty="0"/>
+              <a:t>Séria </a:t>
+            </a:r>
+            <a:r>
               <a:rPr lang="en-US" dirty="0" err="1"/>
               <a:t>Cvi</a:t>
             </a:r>
             <a:r>
               <a:rPr lang="sk-SK" dirty="0" err="1"/>
-              <a:t>čenie</a:t>
+              <a:t>čení</a:t>
             </a:r>
             <a:r>
               <a:rPr lang="sk-SK" dirty="0"/>
@@ -28851,7 +31260,7 @@
           <a:p>
             <a:r>
               <a:rPr lang="sk-SK" dirty="0"/>
-              <a:t>Upravte hru pomocou cyklu „</a:t>
+              <a:t>1. Upravte hru pomocou cyklu „</a:t>
             </a:r>
             <a:r>
               <a:rPr lang="sk-SK" dirty="0" err="1"/>
@@ -28860,6 +31269,33 @@
             <a:r>
               <a:rPr lang="sk-SK" dirty="0"/>
               <a:t>“ tak, aby používateľ mohol stanoviť počet tipov</a:t>
+            </a:r>
+          </a:p>
+          <a:p>
+            <a:r>
+              <a:rPr lang="sk-SK" dirty="0"/>
+              <a:t>2. Vytvorte aplikáciu, kde budete mať na začiatku pole celočíselných hodnôt a výsledkom funkcie bude výpočet aritmetického priemeru prvkov poľa. Pre výpočet aritmetického priemeru vytvorte samostatnú metódu</a:t>
+            </a:r>
+          </a:p>
+          <a:p>
+            <a:pPr lvl="1"/>
+            <a:r>
+              <a:rPr lang="sk-SK" dirty="0"/>
+              <a:t>Čo bude na vstupe metódy?</a:t>
+            </a:r>
+          </a:p>
+          <a:p>
+            <a:pPr lvl="1"/>
+            <a:r>
+              <a:rPr lang="sk-SK" dirty="0"/>
+              <a:t>Čo bude na výstupe metódy?</a:t>
+            </a:r>
+          </a:p>
+          <a:p>
+            <a:pPr lvl="1"/>
+            <a:r>
+              <a:rPr lang="sk-SK" dirty="0"/>
+              <a:t>Kam si budem ukladať dočasný súčet hodnôt po každom opakovaní cyklu?</a:t>
             </a:r>
           </a:p>
         </p:txBody>
@@ -28877,7 +31313,7 @@
 </p:sld>
 </file>
 
-<file path=ppt/slides/slide95.xml><?xml version="1.0" encoding="utf-8"?>
+<file path=ppt/slides/slide97.xml><?xml version="1.0" encoding="utf-8"?>
 <p:sld xmlns:a="http://schemas.openxmlformats.org/drawingml/2006/main" xmlns:r="http://schemas.openxmlformats.org/officeDocument/2006/relationships" xmlns:p="http://schemas.openxmlformats.org/presentationml/2006/main">
   <p:cSld>
     <p:spTree>
@@ -28970,298 +31406,6 @@
 </p:sld>
 </file>
 
-<file path=ppt/slides/slide96.xml><?xml version="1.0" encoding="utf-8"?>
-<p:sld xmlns:a="http://schemas.openxmlformats.org/drawingml/2006/main" xmlns:r="http://schemas.openxmlformats.org/officeDocument/2006/relationships" xmlns:p="http://schemas.openxmlformats.org/presentationml/2006/main">
-  <p:cSld>
-    <p:spTree>
-      <p:nvGrpSpPr>
-        <p:cNvPr id="1" name=""/>
-        <p:cNvGrpSpPr/>
-        <p:nvPr/>
-      </p:nvGrpSpPr>
-      <p:grpSpPr>
-        <a:xfrm>
-          <a:off x="0" y="0"/>
-          <a:ext cx="0" cy="0"/>
-          <a:chOff x="0" y="0"/>
-          <a:chExt cx="0" cy="0"/>
-        </a:xfrm>
-      </p:grpSpPr>
-      <p:sp>
-        <p:nvSpPr>
-          <p:cNvPr id="2" name="Nadpis 1">
-            <a:extLst>
-              <a:ext uri="{FF2B5EF4-FFF2-40B4-BE49-F238E27FC236}">
-                <a16:creationId xmlns:a16="http://schemas.microsoft.com/office/drawing/2014/main" id="{07F45AF9-9447-4B64-BB94-D2B236DA1CED}"/>
-              </a:ext>
-            </a:extLst>
-          </p:cNvPr>
-          <p:cNvSpPr>
-            <a:spLocks noGrp="1"/>
-          </p:cNvSpPr>
-          <p:nvPr>
-            <p:ph type="title"/>
-          </p:nvPr>
-        </p:nvSpPr>
-        <p:spPr/>
-        <p:txBody>
-          <a:bodyPr/>
-          <a:lstStyle/>
-          <a:p>
-            <a:r>
-              <a:rPr lang="sk-SK" dirty="0"/>
-              <a:t>Cyklus </a:t>
-            </a:r>
-            <a:r>
-              <a:rPr lang="sk-SK" dirty="0" err="1"/>
-              <a:t>While</a:t>
-            </a:r>
-            <a:endParaRPr lang="sk-SK" dirty="0"/>
-          </a:p>
-        </p:txBody>
-      </p:sp>
-      <p:sp>
-        <p:nvSpPr>
-          <p:cNvPr id="3" name="Zástupný objekt pre obsah 2">
-            <a:extLst>
-              <a:ext uri="{FF2B5EF4-FFF2-40B4-BE49-F238E27FC236}">
-                <a16:creationId xmlns:a16="http://schemas.microsoft.com/office/drawing/2014/main" id="{788C836E-0129-441F-9A2F-DB8BB92EB084}"/>
-              </a:ext>
-            </a:extLst>
-          </p:cNvPr>
-          <p:cNvSpPr>
-            <a:spLocks noGrp="1"/>
-          </p:cNvSpPr>
-          <p:nvPr>
-            <p:ph idx="1"/>
-          </p:nvPr>
-        </p:nvSpPr>
-        <p:spPr/>
-        <p:txBody>
-          <a:bodyPr/>
-          <a:lstStyle/>
-          <a:p>
-            <a:r>
-              <a:rPr lang="sk-SK" dirty="0"/>
-              <a:t>Ak je splnená podmienka, kód sa opakuje</a:t>
-            </a:r>
-          </a:p>
-          <a:p>
-            <a:r>
-              <a:rPr lang="sk-SK" dirty="0"/>
-              <a:t>Ak podmienka nie je splnená cyklus končí</a:t>
-            </a:r>
-          </a:p>
-          <a:p>
-            <a:r>
-              <a:rPr lang="sk-SK" dirty="0"/>
-              <a:t>Činnosť cyklu je možné prerušiť príkazom </a:t>
-            </a:r>
-            <a:r>
-              <a:rPr lang="sk-SK" b="1" dirty="0"/>
-              <a:t>break;</a:t>
-            </a:r>
-          </a:p>
-          <a:p>
-            <a:r>
-              <a:rPr lang="sk-SK" dirty="0"/>
-              <a:t>Iteráciu je možné preskočiť príkazom </a:t>
-            </a:r>
-            <a:r>
-              <a:rPr lang="sk-SK" b="1" dirty="0" err="1"/>
-              <a:t>continue</a:t>
-            </a:r>
-            <a:r>
-              <a:rPr lang="sk-SK" b="1" dirty="0"/>
-              <a:t>;</a:t>
-            </a:r>
-          </a:p>
-          <a:p>
-            <a:r>
-              <a:rPr lang="sk-SK" b="1" dirty="0"/>
-              <a:t>Syntax</a:t>
-            </a:r>
-          </a:p>
-          <a:p>
-            <a:pPr marL="324000" lvl="1" indent="0">
-              <a:buNone/>
-            </a:pPr>
-            <a:r>
-              <a:rPr lang="en-US" dirty="0"/>
-              <a:t>w</a:t>
-            </a:r>
-            <a:r>
-              <a:rPr lang="sk-SK" dirty="0" err="1"/>
-              <a:t>hile</a:t>
-            </a:r>
-            <a:r>
-              <a:rPr lang="en-US" dirty="0"/>
-              <a:t>(</a:t>
-            </a:r>
-            <a:r>
-              <a:rPr lang="en-US" dirty="0" err="1"/>
-              <a:t>podmienka</a:t>
-            </a:r>
-            <a:r>
-              <a:rPr lang="en-US" dirty="0"/>
-              <a:t>){</a:t>
-            </a:r>
-          </a:p>
-          <a:p>
-            <a:pPr marL="324000" lvl="1" indent="0">
-              <a:buNone/>
-            </a:pPr>
-            <a:r>
-              <a:rPr lang="sk-SK" dirty="0"/>
-              <a:t>          činnosť;</a:t>
-            </a:r>
-            <a:endParaRPr lang="en-US" dirty="0"/>
-          </a:p>
-          <a:p>
-            <a:pPr marL="324000" lvl="1" indent="0">
-              <a:buNone/>
-            </a:pPr>
-            <a:r>
-              <a:rPr lang="en-US" dirty="0"/>
-              <a:t>}</a:t>
-            </a:r>
-            <a:endParaRPr lang="sk-SK" dirty="0"/>
-          </a:p>
-        </p:txBody>
-      </p:sp>
-    </p:spTree>
-    <p:extLst>
-      <p:ext uri="{BB962C8B-B14F-4D97-AF65-F5344CB8AC3E}">
-        <p14:creationId xmlns:p14="http://schemas.microsoft.com/office/powerpoint/2010/main" val="843101561"/>
-      </p:ext>
-    </p:extLst>
-  </p:cSld>
-  <p:clrMapOvr>
-    <a:masterClrMapping/>
-  </p:clrMapOvr>
-</p:sld>
-</file>
-
-<file path=ppt/slides/slide97.xml><?xml version="1.0" encoding="utf-8"?>
-<p:sld xmlns:a="http://schemas.openxmlformats.org/drawingml/2006/main" xmlns:r="http://schemas.openxmlformats.org/officeDocument/2006/relationships" xmlns:p="http://schemas.openxmlformats.org/presentationml/2006/main">
-  <p:cSld>
-    <p:spTree>
-      <p:nvGrpSpPr>
-        <p:cNvPr id="1" name=""/>
-        <p:cNvGrpSpPr/>
-        <p:nvPr/>
-      </p:nvGrpSpPr>
-      <p:grpSpPr>
-        <a:xfrm>
-          <a:off x="0" y="0"/>
-          <a:ext cx="0" cy="0"/>
-          <a:chOff x="0" y="0"/>
-          <a:chExt cx="0" cy="0"/>
-        </a:xfrm>
-      </p:grpSpPr>
-      <p:sp>
-        <p:nvSpPr>
-          <p:cNvPr id="2" name="Nadpis 1">
-            <a:extLst>
-              <a:ext uri="{FF2B5EF4-FFF2-40B4-BE49-F238E27FC236}">
-                <a16:creationId xmlns:a16="http://schemas.microsoft.com/office/drawing/2014/main" id="{D26B0A2C-ED0A-4AAB-94C2-313B6AC8C4CB}"/>
-              </a:ext>
-            </a:extLst>
-          </p:cNvPr>
-          <p:cNvSpPr>
-            <a:spLocks noGrp="1"/>
-          </p:cNvSpPr>
-          <p:nvPr>
-            <p:ph type="title"/>
-          </p:nvPr>
-        </p:nvSpPr>
-        <p:spPr/>
-        <p:txBody>
-          <a:bodyPr/>
-          <a:lstStyle/>
-          <a:p>
-            <a:r>
-              <a:rPr lang="sk-SK" dirty="0"/>
-              <a:t>Príklad</a:t>
-            </a:r>
-          </a:p>
-        </p:txBody>
-      </p:sp>
-      <p:sp>
-        <p:nvSpPr>
-          <p:cNvPr id="3" name="Zástupný objekt pre obsah 2">
-            <a:extLst>
-              <a:ext uri="{FF2B5EF4-FFF2-40B4-BE49-F238E27FC236}">
-                <a16:creationId xmlns:a16="http://schemas.microsoft.com/office/drawing/2014/main" id="{69C83A3D-5BFF-4E7D-8150-753E4B8CD69E}"/>
-              </a:ext>
-            </a:extLst>
-          </p:cNvPr>
-          <p:cNvSpPr>
-            <a:spLocks noGrp="1"/>
-          </p:cNvSpPr>
-          <p:nvPr>
-            <p:ph idx="1"/>
-          </p:nvPr>
-        </p:nvSpPr>
-        <p:spPr/>
-        <p:txBody>
-          <a:bodyPr/>
-          <a:lstStyle/>
-          <a:p>
-            <a:r>
-              <a:rPr lang="sk-SK" dirty="0"/>
-              <a:t>Koľkokrát musím od hodnoty X odpočítať hodnotu Y, aby som dosiahol hodnotu menšiu alebo rovnú ako Z?</a:t>
-            </a:r>
-          </a:p>
-          <a:p>
-            <a:r>
-              <a:rPr lang="sk-SK" dirty="0"/>
-              <a:t>Napr. </a:t>
-            </a:r>
-          </a:p>
-          <a:p>
-            <a:pPr lvl="1"/>
-            <a:r>
-              <a:rPr lang="sk-SK" dirty="0"/>
-              <a:t>X = 100</a:t>
-            </a:r>
-          </a:p>
-          <a:p>
-            <a:pPr lvl="1"/>
-            <a:r>
-              <a:rPr lang="sk-SK" dirty="0"/>
-              <a:t>Y = 10</a:t>
-            </a:r>
-          </a:p>
-          <a:p>
-            <a:pPr lvl="1"/>
-            <a:r>
-              <a:rPr lang="sk-SK" dirty="0"/>
-              <a:t>Z = 80</a:t>
-            </a:r>
-          </a:p>
-          <a:p>
-            <a:pPr lvl="1"/>
-            <a:r>
-              <a:rPr lang="sk-SK" dirty="0"/>
-              <a:t>Výsledok = 2</a:t>
-            </a:r>
-          </a:p>
-        </p:txBody>
-      </p:sp>
-    </p:spTree>
-    <p:extLst>
-      <p:ext uri="{BB962C8B-B14F-4D97-AF65-F5344CB8AC3E}">
-        <p14:creationId xmlns:p14="http://schemas.microsoft.com/office/powerpoint/2010/main" val="4290022331"/>
-      </p:ext>
-    </p:extLst>
-  </p:cSld>
-  <p:clrMapOvr>
-    <a:masterClrMapping/>
-  </p:clrMapOvr>
-</p:sld>
-</file>
-
 <file path=ppt/slides/slide98.xml><?xml version="1.0" encoding="utf-8"?>
 <p:sld xmlns:a="http://schemas.openxmlformats.org/drawingml/2006/main" xmlns:r="http://schemas.openxmlformats.org/officeDocument/2006/relationships" xmlns:p="http://schemas.openxmlformats.org/presentationml/2006/main">
   <p:cSld>
@@ -29284,7 +31428,7 @@
           <p:cNvPr id="2" name="Nadpis 1">
             <a:extLst>
               <a:ext uri="{FF2B5EF4-FFF2-40B4-BE49-F238E27FC236}">
-                <a16:creationId xmlns:a16="http://schemas.microsoft.com/office/drawing/2014/main" id="{BF8230AF-A47E-427C-A351-3CCE00A46F7A}"/>
+                <a16:creationId xmlns:a16="http://schemas.microsoft.com/office/drawing/2014/main" id="{07F45AF9-9447-4B64-BB94-D2B236DA1CED}"/>
               </a:ext>
             </a:extLst>
           </p:cNvPr>
@@ -29302,45 +31446,129 @@
           <a:p>
             <a:r>
               <a:rPr lang="sk-SK" dirty="0"/>
-              <a:t>Riešenie príkladu</a:t>
-            </a:r>
+              <a:t>Cyklus </a:t>
+            </a:r>
+            <a:r>
+              <a:rPr lang="sk-SK" dirty="0" err="1"/>
+              <a:t>While</a:t>
+            </a:r>
+            <a:endParaRPr lang="sk-SK" dirty="0"/>
           </a:p>
         </p:txBody>
       </p:sp>
-      <p:pic>
-        <p:nvPicPr>
-          <p:cNvPr id="4" name="Obrázok 3">
+      <p:sp>
+        <p:nvSpPr>
+          <p:cNvPr id="3" name="Zástupný objekt pre obsah 2">
             <a:extLst>
               <a:ext uri="{FF2B5EF4-FFF2-40B4-BE49-F238E27FC236}">
-                <a16:creationId xmlns:a16="http://schemas.microsoft.com/office/drawing/2014/main" id="{B84668AD-9019-4C61-8415-95AF70C12B61}"/>
+                <a16:creationId xmlns:a16="http://schemas.microsoft.com/office/drawing/2014/main" id="{788C836E-0129-441F-9A2F-DB8BB92EB084}"/>
               </a:ext>
             </a:extLst>
           </p:cNvPr>
-          <p:cNvPicPr>
-            <a:picLocks noChangeAspect="1"/>
-          </p:cNvPicPr>
-          <p:nvPr/>
-        </p:nvPicPr>
-        <p:blipFill>
-          <a:blip r:embed="rId2"/>
-          <a:stretch>
-            <a:fillRect/>
-          </a:stretch>
-        </p:blipFill>
-        <p:spPr>
-          <a:xfrm>
-            <a:off x="1004360" y="1997552"/>
-            <a:ext cx="9060886" cy="4240730"/>
-          </a:xfrm>
-          <a:prstGeom prst="rect">
-            <a:avLst/>
-          </a:prstGeom>
-        </p:spPr>
-      </p:pic>
+          <p:cNvSpPr>
+            <a:spLocks noGrp="1"/>
+          </p:cNvSpPr>
+          <p:nvPr>
+            <p:ph idx="1"/>
+          </p:nvPr>
+        </p:nvSpPr>
+        <p:spPr/>
+        <p:txBody>
+          <a:bodyPr/>
+          <a:lstStyle/>
+          <a:p>
+            <a:r>
+              <a:rPr lang="sk-SK" dirty="0"/>
+              <a:t>Ak je splnená podmienka, kód sa opakuje</a:t>
+            </a:r>
+          </a:p>
+          <a:p>
+            <a:r>
+              <a:rPr lang="sk-SK" dirty="0"/>
+              <a:t>Ak podmienka nie je splnená cyklus končí</a:t>
+            </a:r>
+          </a:p>
+          <a:p>
+            <a:r>
+              <a:rPr lang="sk-SK" dirty="0"/>
+              <a:t>Činnosť cyklu je možné prerušiť príkazom </a:t>
+            </a:r>
+            <a:r>
+              <a:rPr lang="sk-SK" b="1" dirty="0"/>
+              <a:t>break;</a:t>
+            </a:r>
+          </a:p>
+          <a:p>
+            <a:r>
+              <a:rPr lang="sk-SK" dirty="0"/>
+              <a:t>Iteráciu je možné preskočiť príkazom </a:t>
+            </a:r>
+            <a:r>
+              <a:rPr lang="sk-SK" b="1" dirty="0" err="1"/>
+              <a:t>continue</a:t>
+            </a:r>
+            <a:r>
+              <a:rPr lang="sk-SK" b="1" dirty="0"/>
+              <a:t>;</a:t>
+            </a:r>
+          </a:p>
+          <a:p>
+            <a:r>
+              <a:rPr lang="sk-SK" b="1" dirty="0"/>
+              <a:t>Syntax</a:t>
+            </a:r>
+          </a:p>
+          <a:p>
+            <a:pPr marL="324000" lvl="1" indent="0">
+              <a:buNone/>
+            </a:pPr>
+            <a:r>
+              <a:rPr lang="en-US" dirty="0"/>
+              <a:t>w</a:t>
+            </a:r>
+            <a:r>
+              <a:rPr lang="sk-SK" dirty="0" err="1"/>
+              <a:t>hile</a:t>
+            </a:r>
+            <a:r>
+              <a:rPr lang="en-US" dirty="0"/>
+              <a:t>(</a:t>
+            </a:r>
+            <a:r>
+              <a:rPr lang="en-US" dirty="0" err="1"/>
+              <a:t>podmienka</a:t>
+            </a:r>
+            <a:r>
+              <a:rPr lang="en-US" dirty="0"/>
+              <a:t>){</a:t>
+            </a:r>
+          </a:p>
+          <a:p>
+            <a:pPr marL="324000" lvl="1" indent="0">
+              <a:buNone/>
+            </a:pPr>
+            <a:r>
+              <a:rPr lang="sk-SK" dirty="0"/>
+              <a:t>          činnosť;</a:t>
+            </a:r>
+            <a:endParaRPr lang="en-US" dirty="0"/>
+          </a:p>
+          <a:p>
+            <a:pPr marL="324000" lvl="1" indent="0">
+              <a:buNone/>
+            </a:pPr>
+            <a:r>
+              <a:rPr lang="en-US" dirty="0"/>
+              <a:t>}</a:t>
+            </a:r>
+            <a:endParaRPr lang="sk-SK" dirty="0"/>
+          </a:p>
+        </p:txBody>
+      </p:sp>
     </p:spTree>
     <p:extLst>
       <p:ext uri="{BB962C8B-B14F-4D97-AF65-F5344CB8AC3E}">
-        <p14:creationId xmlns:p14="http://schemas.microsoft.com/office/powerpoint/2010/main" val="4213824435"/>
+        <p14:creationId xmlns:p14="http://schemas.microsoft.com/office/powerpoint/2010/main" val="843101561"/>
       </p:ext>
     </p:extLst>
   </p:cSld>
@@ -29372,7 +31600,7 @@
           <p:cNvPr id="2" name="Nadpis 1">
             <a:extLst>
               <a:ext uri="{FF2B5EF4-FFF2-40B4-BE49-F238E27FC236}">
-                <a16:creationId xmlns:a16="http://schemas.microsoft.com/office/drawing/2014/main" id="{23276824-FED6-49C1-9322-97F79E1DFEFA}"/>
+                <a16:creationId xmlns:a16="http://schemas.microsoft.com/office/drawing/2014/main" id="{D26B0A2C-ED0A-4AAB-94C2-313B6AC8C4CB}"/>
               </a:ext>
             </a:extLst>
           </p:cNvPr>
@@ -29390,13 +31618,8 @@
           <a:p>
             <a:r>
               <a:rPr lang="sk-SK" dirty="0"/>
-              <a:t>Cyklus Do-</a:t>
-            </a:r>
-            <a:r>
-              <a:rPr lang="sk-SK" dirty="0" err="1"/>
-              <a:t>While</a:t>
-            </a:r>
-            <a:endParaRPr lang="sk-SK" dirty="0"/>
+              <a:t>Príklad</a:t>
+            </a:r>
           </a:p>
         </p:txBody>
       </p:sp>
@@ -29405,7 +31628,7 @@
           <p:cNvPr id="3" name="Zástupný objekt pre obsah 2">
             <a:extLst>
               <a:ext uri="{FF2B5EF4-FFF2-40B4-BE49-F238E27FC236}">
-                <a16:creationId xmlns:a16="http://schemas.microsoft.com/office/drawing/2014/main" id="{1522946A-412A-4E88-AA7B-36BDD04887C8}"/>
+                <a16:creationId xmlns:a16="http://schemas.microsoft.com/office/drawing/2014/main" id="{69C83A3D-5BFF-4E7D-8150-753E4B8CD69E}"/>
               </a:ext>
             </a:extLst>
           </p:cNvPr>
@@ -29423,122 +31646,49 @@
           <a:p>
             <a:r>
               <a:rPr lang="sk-SK" dirty="0"/>
-              <a:t>Vykoná sa kód a potom sa overí podmienka, či má cyklus pokračovať</a:t>
-            </a:r>
-          </a:p>
-          <a:p>
-            <a:r>
-              <a:rPr lang="sk-SK" dirty="0"/>
-              <a:t>Ak je podmienka splnená cyklus pokračuje ďalšou iteráciou</a:t>
-            </a:r>
-          </a:p>
-          <a:p>
-            <a:r>
-              <a:rPr lang="sk-SK" dirty="0"/>
-              <a:t>Ak podmienka nie je splnená cyklus končí</a:t>
-            </a:r>
-          </a:p>
-          <a:p>
-            <a:r>
-              <a:rPr lang="sk-SK" dirty="0" err="1"/>
-              <a:t>Narozdiel</a:t>
-            </a:r>
-            <a:r>
-              <a:rPr lang="sk-SK" dirty="0"/>
-              <a:t> od cyklu </a:t>
-            </a:r>
-            <a:r>
-              <a:rPr lang="sk-SK" dirty="0" err="1"/>
-              <a:t>while</a:t>
-            </a:r>
-            <a:r>
-              <a:rPr lang="sk-SK" dirty="0"/>
-              <a:t>, sa obsah cyklu do-</a:t>
-            </a:r>
-            <a:r>
-              <a:rPr lang="sk-SK" dirty="0" err="1"/>
-              <a:t>while</a:t>
-            </a:r>
-            <a:r>
-              <a:rPr lang="sk-SK" dirty="0"/>
-              <a:t> vykoná minimálne raz</a:t>
-            </a:r>
-          </a:p>
-          <a:p>
-            <a:r>
-              <a:rPr lang="sk-SK" dirty="0"/>
-              <a:t>Syntax</a:t>
-            </a:r>
-          </a:p>
-          <a:p>
-            <a:pPr marL="324000" lvl="1" indent="0">
-              <a:buNone/>
-            </a:pPr>
-            <a:r>
-              <a:rPr lang="sk-SK" dirty="0"/>
-              <a:t>do</a:t>
-            </a:r>
-            <a:r>
-              <a:rPr lang="en-US" dirty="0"/>
-              <a:t> {</a:t>
-            </a:r>
-          </a:p>
-          <a:p>
-            <a:pPr marL="324000" lvl="1" indent="0">
-              <a:buNone/>
-            </a:pPr>
-            <a:r>
-              <a:rPr lang="sk-SK" dirty="0" err="1"/>
-              <a:t>činnost</a:t>
-            </a:r>
-            <a:r>
-              <a:rPr lang="sk-SK" dirty="0"/>
-              <a:t>;</a:t>
-            </a:r>
-            <a:endParaRPr lang="en-US" dirty="0"/>
-          </a:p>
-          <a:p>
-            <a:pPr marL="324000" lvl="1" indent="0">
-              <a:buNone/>
-            </a:pPr>
-            <a:r>
-              <a:rPr lang="en-US" dirty="0"/>
-              <a:t>}</a:t>
-            </a:r>
-            <a:endParaRPr lang="sk-SK" dirty="0"/>
-          </a:p>
-          <a:p>
-            <a:pPr marL="324000" lvl="1" indent="0">
-              <a:buNone/>
-            </a:pPr>
-            <a:r>
-              <a:rPr lang="en-US" dirty="0"/>
-              <a:t>w</a:t>
-            </a:r>
-            <a:r>
-              <a:rPr lang="sk-SK" dirty="0" err="1"/>
-              <a:t>hile</a:t>
-            </a:r>
-            <a:r>
-              <a:rPr lang="en-US" dirty="0"/>
-              <a:t>(</a:t>
-            </a:r>
-            <a:r>
-              <a:rPr lang="en-US" dirty="0" err="1"/>
-              <a:t>podmienka</a:t>
-            </a:r>
-            <a:r>
-              <a:rPr lang="en-US" dirty="0"/>
-              <a:t>);</a:t>
-            </a:r>
-            <a:endParaRPr lang="sk-SK" dirty="0"/>
+              <a:t>Koľkokrát musím od hodnoty X odpočítať hodnotu Y, aby som dosiahol hodnotu menšiu alebo rovnú ako Z?</a:t>
+            </a:r>
+          </a:p>
+          <a:p>
+            <a:r>
+              <a:rPr lang="sk-SK" dirty="0"/>
+              <a:t>Napr. </a:t>
+            </a:r>
+          </a:p>
+          <a:p>
+            <a:pPr lvl="1"/>
+            <a:r>
+              <a:rPr lang="sk-SK" dirty="0"/>
+              <a:t>X = 100</a:t>
+            </a:r>
+          </a:p>
+          <a:p>
+            <a:pPr lvl="1"/>
+            <a:r>
+              <a:rPr lang="sk-SK" dirty="0"/>
+              <a:t>Y = 10</a:t>
+            </a:r>
+          </a:p>
+          <a:p>
+            <a:pPr lvl="1"/>
+            <a:r>
+              <a:rPr lang="sk-SK" dirty="0"/>
+              <a:t>Z = 80</a:t>
+            </a:r>
+          </a:p>
+          <a:p>
+            <a:pPr lvl="1"/>
+            <a:r>
+              <a:rPr lang="sk-SK" dirty="0"/>
+              <a:t>Výsledok = 2</a:t>
+            </a:r>
           </a:p>
         </p:txBody>
       </p:sp>
     </p:spTree>
     <p:extLst>
       <p:ext uri="{BB962C8B-B14F-4D97-AF65-F5344CB8AC3E}">
-        <p14:creationId xmlns:p14="http://schemas.microsoft.com/office/powerpoint/2010/main" val="1359721966"/>
+        <p14:creationId xmlns:p14="http://schemas.microsoft.com/office/powerpoint/2010/main" val="4290022331"/>
       </p:ext>
     </p:extLst>
   </p:cSld>

--- a/JavaZaklady-skolenie.pptx
+++ b/JavaZaklady-skolenie.pptx
@@ -114,15 +114,25 @@
     <p:sldId id="506" r:id="rId108"/>
     <p:sldId id="507" r:id="rId109"/>
     <p:sldId id="508" r:id="rId110"/>
-    <p:sldId id="511" r:id="rId111"/>
-    <p:sldId id="512" r:id="rId112"/>
-    <p:sldId id="513" r:id="rId113"/>
-    <p:sldId id="514" r:id="rId114"/>
-    <p:sldId id="515" r:id="rId115"/>
-    <p:sldId id="516" r:id="rId116"/>
-    <p:sldId id="517" r:id="rId117"/>
-    <p:sldId id="518" r:id="rId118"/>
-    <p:sldId id="519" r:id="rId119"/>
+    <p:sldId id="522" r:id="rId111"/>
+    <p:sldId id="511" r:id="rId112"/>
+    <p:sldId id="512" r:id="rId113"/>
+    <p:sldId id="513" r:id="rId114"/>
+    <p:sldId id="514" r:id="rId115"/>
+    <p:sldId id="523" r:id="rId116"/>
+    <p:sldId id="515" r:id="rId117"/>
+    <p:sldId id="527" r:id="rId118"/>
+    <p:sldId id="516" r:id="rId119"/>
+    <p:sldId id="521" r:id="rId120"/>
+    <p:sldId id="517" r:id="rId121"/>
+    <p:sldId id="518" r:id="rId122"/>
+    <p:sldId id="524" r:id="rId123"/>
+    <p:sldId id="520" r:id="rId124"/>
+    <p:sldId id="519" r:id="rId125"/>
+    <p:sldId id="529" r:id="rId126"/>
+    <p:sldId id="525" r:id="rId127"/>
+    <p:sldId id="526" r:id="rId128"/>
+    <p:sldId id="528" r:id="rId129"/>
   </p:sldIdLst>
   <p:sldSz cx="12192000" cy="6858000"/>
   <p:notesSz cx="9144000" cy="6858000"/>
@@ -3896,7 +3906,7 @@
             <a:fld id="{B61BEF0D-F0BB-DE4B-95CE-6DB70DBA9567}" type="datetimeFigureOut">
               <a:rPr lang="en-US" dirty="0"/>
               <a:pPr/>
-              <a:t>1/30/2019</a:t>
+              <a:t>2/1/2019</a:t>
             </a:fld>
             <a:endParaRPr lang="en-US" dirty="0"/>
           </a:p>
@@ -4155,7 +4165,7 @@
             <a:fld id="{B61BEF0D-F0BB-DE4B-95CE-6DB70DBA9567}" type="datetimeFigureOut">
               <a:rPr lang="en-US" dirty="0"/>
               <a:pPr/>
-              <a:t>1/30/2019</a:t>
+              <a:t>2/1/2019</a:t>
             </a:fld>
             <a:endParaRPr lang="en-US" dirty="0"/>
           </a:p>
@@ -4387,7 +4397,7 @@
             <a:fld id="{B61BEF0D-F0BB-DE4B-95CE-6DB70DBA9567}" type="datetimeFigureOut">
               <a:rPr lang="en-US" dirty="0"/>
               <a:pPr/>
-              <a:t>1/30/2019</a:t>
+              <a:t>2/1/2019</a:t>
             </a:fld>
             <a:endParaRPr lang="en-US" dirty="0"/>
           </a:p>
@@ -4624,7 +4634,7 @@
             <a:fld id="{B61BEF0D-F0BB-DE4B-95CE-6DB70DBA9567}" type="datetimeFigureOut">
               <a:rPr lang="en-US" dirty="0"/>
               <a:pPr/>
-              <a:t>1/30/2019</a:t>
+              <a:t>2/1/2019</a:t>
             </a:fld>
             <a:endParaRPr lang="en-US" dirty="0"/>
           </a:p>
@@ -4928,7 +4938,7 @@
             <a:fld id="{B61BEF0D-F0BB-DE4B-95CE-6DB70DBA9567}" type="datetimeFigureOut">
               <a:rPr lang="en-US" dirty="0"/>
               <a:pPr/>
-              <a:t>1/30/2019</a:t>
+              <a:t>2/1/2019</a:t>
             </a:fld>
             <a:endParaRPr lang="en-US" dirty="0"/>
           </a:p>
@@ -5227,7 +5237,7 @@
             <a:fld id="{B61BEF0D-F0BB-DE4B-95CE-6DB70DBA9567}" type="datetimeFigureOut">
               <a:rPr lang="en-US" dirty="0"/>
               <a:pPr/>
-              <a:t>1/30/2019</a:t>
+              <a:t>2/1/2019</a:t>
             </a:fld>
             <a:endParaRPr lang="en-US" dirty="0"/>
           </a:p>
@@ -5646,7 +5656,7 @@
             <a:fld id="{B61BEF0D-F0BB-DE4B-95CE-6DB70DBA9567}" type="datetimeFigureOut">
               <a:rPr lang="en-US" dirty="0"/>
               <a:pPr/>
-              <a:t>1/30/2019</a:t>
+              <a:t>2/1/2019</a:t>
             </a:fld>
             <a:endParaRPr lang="en-US" dirty="0"/>
           </a:p>
@@ -5805,7 +5815,7 @@
             <a:fld id="{B61BEF0D-F0BB-DE4B-95CE-6DB70DBA9567}" type="datetimeFigureOut">
               <a:rPr lang="en-US" dirty="0"/>
               <a:pPr/>
-              <a:t>1/30/2019</a:t>
+              <a:t>2/1/2019</a:t>
             </a:fld>
             <a:endParaRPr lang="en-US" dirty="0"/>
           </a:p>
@@ -5897,7 +5907,7 @@
             <a:fld id="{B61BEF0D-F0BB-DE4B-95CE-6DB70DBA9567}" type="datetimeFigureOut">
               <a:rPr lang="en-US" dirty="0"/>
               <a:pPr/>
-              <a:t>1/30/2019</a:t>
+              <a:t>2/1/2019</a:t>
             </a:fld>
             <a:endParaRPr lang="en-US" dirty="0"/>
           </a:p>
@@ -6272,7 +6282,7 @@
             <a:fld id="{B61BEF0D-F0BB-DE4B-95CE-6DB70DBA9567}" type="datetimeFigureOut">
               <a:rPr lang="en-US" dirty="0"/>
               <a:pPr/>
-              <a:t>1/30/2019</a:t>
+              <a:t>2/1/2019</a:t>
             </a:fld>
             <a:endParaRPr lang="en-US" dirty="0"/>
           </a:p>
@@ -6558,7 +6568,7 @@
             <a:fld id="{B61BEF0D-F0BB-DE4B-95CE-6DB70DBA9567}" type="datetimeFigureOut">
               <a:rPr lang="en-US" dirty="0"/>
               <a:pPr/>
-              <a:t>1/30/2019</a:t>
+              <a:t>2/1/2019</a:t>
             </a:fld>
             <a:endParaRPr lang="en-US" dirty="0"/>
           </a:p>
@@ -6766,7 +6776,7 @@
             <a:fld id="{B61BEF0D-F0BB-DE4B-95CE-6DB70DBA9567}" type="datetimeFigureOut">
               <a:rPr lang="en-US" dirty="0"/>
               <a:pPr/>
-              <a:t>1/30/2019</a:t>
+              <a:t>2/1/2019</a:t>
             </a:fld>
             <a:endParaRPr lang="en-US" dirty="0"/>
           </a:p>
@@ -9783,7 +9793,7 @@
           <p:cNvPr id="2" name="Nadpis 1">
             <a:extLst>
               <a:ext uri="{FF2B5EF4-FFF2-40B4-BE49-F238E27FC236}">
-                <a16:creationId xmlns:a16="http://schemas.microsoft.com/office/drawing/2014/main" id="{9DA5E0A4-8634-4811-9EF5-FD0C02E6B157}"/>
+                <a16:creationId xmlns:a16="http://schemas.microsoft.com/office/drawing/2014/main" id="{265B292E-5B50-4337-AB1C-013403515328}"/>
               </a:ext>
             </a:extLst>
           </p:cNvPr>
@@ -9801,29 +9811,8 @@
           <a:p>
             <a:r>
               <a:rPr lang="sk-SK" dirty="0"/>
-              <a:t>Trieda – </a:t>
-            </a:r>
-            <a:r>
-              <a:rPr lang="sk-SK" dirty="0" err="1"/>
-              <a:t>class</a:t>
-            </a:r>
-            <a:r>
-              <a:rPr lang="sk-SK" dirty="0"/>
-              <a:t>  </a:t>
-            </a:r>
-            <a:r>
-              <a:rPr lang="en-US" dirty="0"/>
-              <a:t>| </a:t>
-            </a:r>
-            <a:r>
-              <a:rPr lang="sk-SK" dirty="0"/>
-              <a:t>Objekt</a:t>
-            </a:r>
-            <a:r>
-              <a:rPr lang="en-US" dirty="0"/>
-              <a:t> - instance</a:t>
-            </a:r>
-            <a:endParaRPr lang="sk-SK" dirty="0"/>
+              <a:t>Základné pojmy OOP</a:t>
+            </a:r>
           </a:p>
         </p:txBody>
       </p:sp>
@@ -9832,7 +9821,7 @@
           <p:cNvPr id="3" name="Zástupný objekt pre obsah 2">
             <a:extLst>
               <a:ext uri="{FF2B5EF4-FFF2-40B4-BE49-F238E27FC236}">
-                <a16:creationId xmlns:a16="http://schemas.microsoft.com/office/drawing/2014/main" id="{8FB9D329-94AD-45E6-AD2A-E01230B7B94B}"/>
+                <a16:creationId xmlns:a16="http://schemas.microsoft.com/office/drawing/2014/main" id="{0E110F00-E213-4D34-8769-4C3E33E50A8B}"/>
               </a:ext>
             </a:extLst>
           </p:cNvPr>
@@ -9843,206 +9832,94 @@
             <p:ph idx="1"/>
           </p:nvPr>
         </p:nvSpPr>
-        <p:spPr>
-          <a:xfrm>
-            <a:off x="581192" y="1903365"/>
-            <a:ext cx="11029615" cy="4591621"/>
-          </a:xfrm>
-        </p:spPr>
+        <p:spPr/>
         <p:txBody>
-          <a:bodyPr>
-            <a:normAutofit fontScale="62500" lnSpcReduction="20000"/>
-          </a:bodyPr>
+          <a:bodyPr/>
           <a:lstStyle/>
           <a:p>
             <a:r>
               <a:rPr lang="sk-SK" dirty="0"/>
-              <a:t>Trieda je „šablóna“ pre vytváranie objektov reálneho sveta</a:t>
-            </a:r>
-          </a:p>
-          <a:p>
-            <a:r>
-              <a:rPr lang="sk-SK" dirty="0"/>
-              <a:t>Napríklad šablóna je lietadlo, konkrétny objekt je konkrétny </a:t>
-            </a:r>
-            <a:r>
-              <a:rPr lang="sk-SK" dirty="0" err="1"/>
-              <a:t>Airbus</a:t>
-            </a:r>
-            <a:r>
-              <a:rPr lang="sk-SK" dirty="0"/>
-              <a:t> A320 so všetkými jeho vlastnosťami</a:t>
-            </a:r>
-          </a:p>
-          <a:p>
-            <a:r>
-              <a:rPr lang="sk-SK" dirty="0"/>
-              <a:t>Trieda definuje vlastnosti, ktoré sú spoločné pre všetky objekty</a:t>
-            </a:r>
-          </a:p>
-          <a:p>
-            <a:pPr lvl="1"/>
-            <a:r>
-              <a:rPr lang="sk-SK" dirty="0"/>
-              <a:t>počet krídel</a:t>
-            </a:r>
-          </a:p>
-          <a:p>
-            <a:pPr lvl="1"/>
-            <a:r>
-              <a:rPr lang="sk-SK" dirty="0"/>
-              <a:t>počet motorov</a:t>
-            </a:r>
-          </a:p>
-          <a:p>
-            <a:pPr lvl="1"/>
-            <a:r>
-              <a:rPr lang="en-US" dirty="0"/>
-              <a:t>v</a:t>
-            </a:r>
-            <a:r>
-              <a:rPr lang="sk-SK" dirty="0" err="1"/>
-              <a:t>lastník</a:t>
+              <a:t>Trieda</a:t>
+            </a:r>
+          </a:p>
+          <a:p>
+            <a:r>
+              <a:rPr lang="sk-SK" dirty="0"/>
+              <a:t>Objekt/Inštancia</a:t>
+            </a:r>
+          </a:p>
+          <a:p>
+            <a:r>
+              <a:rPr lang="sk-SK" dirty="0"/>
+              <a:t>Konštruktor</a:t>
+            </a:r>
+          </a:p>
+          <a:p>
+            <a:r>
+              <a:rPr lang="sk-SK" dirty="0"/>
+              <a:t>Modifikátor prístupu – </a:t>
+            </a:r>
+            <a:r>
+              <a:rPr lang="sk-SK" dirty="0" err="1"/>
+              <a:t>public</a:t>
+            </a:r>
+            <a:r>
+              <a:rPr lang="sk-SK" dirty="0"/>
+              <a:t>, </a:t>
+            </a:r>
+            <a:r>
+              <a:rPr lang="sk-SK" dirty="0" err="1"/>
+              <a:t>private</a:t>
             </a:r>
             <a:endParaRPr lang="sk-SK" dirty="0"/>
           </a:p>
           <a:p>
-            <a:pPr lvl="1"/>
-            <a:r>
-              <a:rPr lang="en-US" dirty="0"/>
-              <a:t>r</a:t>
-            </a:r>
-            <a:r>
-              <a:rPr lang="sk-SK" dirty="0" err="1"/>
-              <a:t>egistračné</a:t>
-            </a:r>
-            <a:r>
-              <a:rPr lang="sk-SK" dirty="0"/>
-              <a:t> číslo lietadla</a:t>
-            </a:r>
-          </a:p>
-          <a:p>
-            <a:pPr lvl="1"/>
-            <a:r>
-              <a:rPr lang="sk-SK" dirty="0"/>
-              <a:t>rýchlosť</a:t>
-            </a:r>
-          </a:p>
-          <a:p>
-            <a:pPr lvl="1"/>
-            <a:r>
-              <a:rPr lang="sk-SK" dirty="0"/>
-              <a:t>výška</a:t>
-            </a:r>
-          </a:p>
-          <a:p>
-            <a:pPr lvl="1"/>
-            <a:r>
-              <a:rPr lang="en-US" dirty="0"/>
-              <a:t>p</a:t>
-            </a:r>
-            <a:r>
-              <a:rPr lang="sk-SK" dirty="0"/>
-              <a:t>otlač lietadla</a:t>
-            </a:r>
-            <a:r>
-              <a:rPr lang="en-US" dirty="0"/>
-              <a:t>, at</a:t>
-            </a:r>
-            <a:r>
-              <a:rPr lang="sk-SK" dirty="0"/>
-              <a:t>ď.</a:t>
-            </a:r>
-          </a:p>
-          <a:p>
-            <a:r>
-              <a:rPr lang="sk-SK" dirty="0"/>
-              <a:t>Každý objekt, ktorý vytvoríme podľa tejto šablóny bude mať takéto vlastnosti, pričom každý objekt môže mať iné hodnoty, </a:t>
-            </a:r>
-            <a:r>
-              <a:rPr lang="sk-SK" dirty="0" err="1"/>
-              <a:t>t.j</a:t>
-            </a:r>
-            <a:r>
-              <a:rPr lang="sk-SK" dirty="0"/>
-              <a:t>.</a:t>
-            </a:r>
-          </a:p>
-          <a:p>
-            <a:pPr lvl="1"/>
-            <a:r>
-              <a:rPr lang="sk-SK" dirty="0"/>
-              <a:t>Iného vlastníka</a:t>
-            </a:r>
-          </a:p>
-          <a:p>
-            <a:pPr lvl="1"/>
-            <a:r>
-              <a:rPr lang="sk-SK" dirty="0"/>
-              <a:t>Iný počet krídel, atď.</a:t>
-            </a:r>
-          </a:p>
-          <a:p>
-            <a:r>
-              <a:rPr lang="sk-SK" dirty="0"/>
-              <a:t>Trieda môže hovoriť aj o tom, aké funkcie je možné s objektom robiť</a:t>
-            </a:r>
-          </a:p>
-          <a:p>
-            <a:pPr lvl="1"/>
-            <a:r>
-              <a:rPr lang="sk-SK" dirty="0"/>
-              <a:t>Pridaj</a:t>
-            </a:r>
-            <a:r>
-              <a:rPr lang="en-US" dirty="0"/>
-              <a:t>Na</a:t>
+            <a:r>
+              <a:rPr lang="sk-SK" dirty="0" err="1"/>
+              <a:t>Enkapsulácia</a:t>
+            </a:r>
+            <a:r>
+              <a:rPr lang="sk-SK" dirty="0"/>
+              <a:t> – vytvorenie </a:t>
+            </a:r>
+            <a:r>
+              <a:rPr lang="sk-SK" dirty="0" err="1"/>
+              <a:t>private</a:t>
+            </a:r>
+            <a:r>
+              <a:rPr lang="sk-SK" dirty="0"/>
+              <a:t> premennej a tzv. </a:t>
+            </a:r>
+            <a:r>
+              <a:rPr lang="sk-SK" dirty="0" err="1"/>
+              <a:t>property</a:t>
+            </a:r>
+            <a:r>
+              <a:rPr lang="sk-SK" dirty="0"/>
+              <a:t> k nej (get/set)</a:t>
+            </a:r>
+          </a:p>
+          <a:p>
+            <a:r>
+              <a:rPr lang="sk-SK" dirty="0"/>
+              <a:t>Dedenie + modifikátor prístupu </a:t>
+            </a:r>
+            <a:r>
+              <a:rPr lang="sk-SK" dirty="0" err="1"/>
+              <a:t>protected</a:t>
             </a:r>
             <a:endParaRPr lang="sk-SK" dirty="0"/>
           </a:p>
           <a:p>
-            <a:pPr lvl="1"/>
-            <a:r>
-              <a:rPr lang="sk-SK" dirty="0"/>
-              <a:t>Uber</a:t>
-            </a:r>
-            <a:r>
-              <a:rPr lang="en-US" dirty="0"/>
-              <a:t>Na</a:t>
-            </a:r>
-            <a:endParaRPr lang="sk-SK" dirty="0"/>
-          </a:p>
-          <a:p>
-            <a:pPr lvl="1"/>
-            <a:r>
-              <a:rPr lang="sk-SK" dirty="0"/>
-              <a:t>Stúpaj</a:t>
-            </a:r>
-            <a:r>
-              <a:rPr lang="en-US" dirty="0"/>
-              <a:t>Na</a:t>
-            </a:r>
-            <a:endParaRPr lang="sk-SK" dirty="0"/>
-          </a:p>
-          <a:p>
-            <a:pPr lvl="1"/>
-            <a:r>
-              <a:rPr lang="sk-SK" dirty="0"/>
-              <a:t>Klesaj</a:t>
-            </a:r>
-            <a:r>
-              <a:rPr lang="en-US" dirty="0"/>
-              <a:t>Na</a:t>
-            </a:r>
-            <a:r>
-              <a:rPr lang="sk-SK" dirty="0"/>
-              <a:t>, ...</a:t>
-            </a:r>
-          </a:p>
-          <a:p>
-            <a:r>
-              <a:rPr lang="sk-SK" dirty="0"/>
-              <a:t>Trieda je niečo ako vlastný zložitý typ</a:t>
+            <a:r>
+              <a:rPr lang="sk-SK" dirty="0"/>
+              <a:t>Rozhranie</a:t>
+            </a:r>
+          </a:p>
+          <a:p>
+            <a:r>
+              <a:rPr lang="sk-SK" dirty="0"/>
+              <a:t>Polymorfizmus</a:t>
             </a:r>
           </a:p>
         </p:txBody>
@@ -10050,7 +9927,7 @@
     </p:spTree>
     <p:extLst>
       <p:ext uri="{BB962C8B-B14F-4D97-AF65-F5344CB8AC3E}">
-        <p14:creationId xmlns:p14="http://schemas.microsoft.com/office/powerpoint/2010/main" val="4212807155"/>
+        <p14:creationId xmlns:p14="http://schemas.microsoft.com/office/powerpoint/2010/main" val="3783055873"/>
       </p:ext>
     </p:extLst>
   </p:cSld>
@@ -10082,7 +9959,7 @@
           <p:cNvPr id="2" name="Nadpis 1">
             <a:extLst>
               <a:ext uri="{FF2B5EF4-FFF2-40B4-BE49-F238E27FC236}">
-                <a16:creationId xmlns:a16="http://schemas.microsoft.com/office/drawing/2014/main" id="{00AE3D73-0DC9-44D3-AEFE-0882FB4062C6}"/>
+                <a16:creationId xmlns:a16="http://schemas.microsoft.com/office/drawing/2014/main" id="{9DA5E0A4-8634-4811-9EF5-FD0C02E6B157}"/>
               </a:ext>
             </a:extLst>
           </p:cNvPr>
@@ -10099,21 +9976,30 @@
           <a:lstStyle/>
           <a:p>
             <a:r>
-              <a:rPr lang="en-US" dirty="0" err="1"/>
-              <a:t>Ako</a:t>
+              <a:rPr lang="sk-SK" dirty="0"/>
+              <a:t>Trieda – </a:t>
+            </a:r>
+            <a:r>
+              <a:rPr lang="sk-SK" dirty="0" err="1"/>
+              <a:t>class</a:t>
+            </a:r>
+            <a:r>
+              <a:rPr lang="sk-SK" dirty="0"/>
+              <a:t>  </a:t>
             </a:r>
             <a:r>
               <a:rPr lang="en-US" dirty="0"/>
-              <a:t> </a:t>
-            </a:r>
-            <a:r>
-              <a:rPr lang="en-US" dirty="0" err="1"/>
-              <a:t>vyzer</a:t>
-            </a:r>
-            <a:r>
-              <a:rPr lang="sk-SK" dirty="0"/>
-              <a:t>á trieda?</a:t>
-            </a:r>
+              <a:t>| </a:t>
+            </a:r>
+            <a:r>
+              <a:rPr lang="sk-SK" dirty="0"/>
+              <a:t>Objekt</a:t>
+            </a:r>
+            <a:r>
+              <a:rPr lang="en-US" dirty="0"/>
+              <a:t> - instance</a:t>
+            </a:r>
+            <a:endParaRPr lang="sk-SK" dirty="0"/>
           </a:p>
         </p:txBody>
       </p:sp>
@@ -10122,7 +10008,7 @@
           <p:cNvPr id="3" name="Zástupný objekt pre obsah 2">
             <a:extLst>
               <a:ext uri="{FF2B5EF4-FFF2-40B4-BE49-F238E27FC236}">
-                <a16:creationId xmlns:a16="http://schemas.microsoft.com/office/drawing/2014/main" id="{3045F59C-A127-442F-83DB-CA3DD0E9C40D}"/>
+                <a16:creationId xmlns:a16="http://schemas.microsoft.com/office/drawing/2014/main" id="{8FB9D329-94AD-45E6-AD2A-E01230B7B94B}"/>
               </a:ext>
             </a:extLst>
           </p:cNvPr>
@@ -10133,98 +10019,214 @@
             <p:ph idx="1"/>
           </p:nvPr>
         </p:nvSpPr>
-        <p:spPr/>
+        <p:spPr>
+          <a:xfrm>
+            <a:off x="581192" y="1903365"/>
+            <a:ext cx="11029615" cy="4591621"/>
+          </a:xfrm>
+        </p:spPr>
         <p:txBody>
-          <a:bodyPr/>
+          <a:bodyPr>
+            <a:normAutofit fontScale="62500" lnSpcReduction="20000"/>
+          </a:bodyPr>
           <a:lstStyle/>
           <a:p>
-            <a:pPr marL="0" indent="0">
-              <a:buNone/>
-            </a:pPr>
-            <a:r>
-              <a:rPr lang="sk-SK" dirty="0" err="1">
-                <a:solidFill>
-                  <a:srgbClr val="280DC9"/>
-                </a:solidFill>
-              </a:rPr>
-              <a:t>Modifikátor_prístupu</a:t>
-            </a:r>
-            <a:r>
-              <a:rPr lang="sk-SK" dirty="0">
-                <a:solidFill>
-                  <a:srgbClr val="280DC9"/>
-                </a:solidFill>
-              </a:rPr>
-              <a:t> </a:t>
-            </a:r>
-            <a:r>
-              <a:rPr lang="sk-SK" b="1" dirty="0" err="1">
-                <a:solidFill>
-                  <a:srgbClr val="280DC9"/>
-                </a:solidFill>
-              </a:rPr>
-              <a:t>class</a:t>
-            </a:r>
-            <a:r>
-              <a:rPr lang="sk-SK" dirty="0"/>
-              <a:t> </a:t>
-            </a:r>
-            <a:r>
-              <a:rPr lang="sk-SK" dirty="0" err="1"/>
-              <a:t>nazov_triedy</a:t>
-            </a:r>
-            <a:r>
-              <a:rPr lang="sk-SK" dirty="0"/>
-              <a:t> </a:t>
-            </a:r>
+            <a:r>
+              <a:rPr lang="sk-SK" dirty="0"/>
+              <a:t>Trieda je „šablóna“ pre vytváranie objektov reálneho sveta</a:t>
+            </a:r>
+          </a:p>
+          <a:p>
+            <a:r>
+              <a:rPr lang="sk-SK" dirty="0"/>
+              <a:t>Napríklad šablóna je lietadlo, konkrétny objekt je konkrétny </a:t>
+            </a:r>
+            <a:r>
+              <a:rPr lang="sk-SK" dirty="0" err="1"/>
+              <a:t>Airbus</a:t>
+            </a:r>
+            <a:r>
+              <a:rPr lang="sk-SK" dirty="0"/>
+              <a:t> A320 so všetkými jeho vlastnosťami</a:t>
+            </a:r>
+          </a:p>
+          <a:p>
+            <a:r>
+              <a:rPr lang="sk-SK" dirty="0"/>
+              <a:t>Trieda definuje vlastnosti, ktoré sú spoločné pre všetky objekty</a:t>
+            </a:r>
+          </a:p>
+          <a:p>
+            <a:pPr lvl="1"/>
+            <a:r>
+              <a:rPr lang="sk-SK" dirty="0"/>
+              <a:t>počet krídel</a:t>
+            </a:r>
+          </a:p>
+          <a:p>
+            <a:pPr lvl="1"/>
+            <a:r>
+              <a:rPr lang="sk-SK" dirty="0"/>
+              <a:t>počet motorov</a:t>
+            </a:r>
+          </a:p>
+          <a:p>
+            <a:pPr lvl="1"/>
             <a:r>
               <a:rPr lang="en-US" dirty="0"/>
-              <a:t>{</a:t>
-            </a:r>
-          </a:p>
-          <a:p>
-            <a:pPr marL="0" indent="0">
-              <a:buNone/>
-            </a:pPr>
+              <a:t>v</a:t>
+            </a:r>
+            <a:r>
+              <a:rPr lang="sk-SK" dirty="0" err="1"/>
+              <a:t>lastník</a:t>
+            </a:r>
+            <a:endParaRPr lang="sk-SK" dirty="0"/>
+          </a:p>
+          <a:p>
+            <a:pPr lvl="1"/>
             <a:r>
               <a:rPr lang="en-US" dirty="0"/>
-              <a:t>	</a:t>
-            </a:r>
-            <a:r>
-              <a:rPr lang="en-US" dirty="0" err="1"/>
-              <a:t>premenn</a:t>
-            </a:r>
-            <a:r>
-              <a:rPr lang="sk-SK" dirty="0"/>
-              <a:t>é ...</a:t>
-            </a:r>
-          </a:p>
-          <a:p>
-            <a:pPr marL="0" indent="0">
-              <a:buNone/>
-            </a:pPr>
-            <a:r>
-              <a:rPr lang="sk-SK" dirty="0"/>
-              <a:t>	metódy ...</a:t>
-            </a:r>
-            <a:endParaRPr lang="en-US" dirty="0"/>
-          </a:p>
-          <a:p>
-            <a:pPr marL="0" indent="0">
-              <a:buNone/>
-            </a:pPr>
+              <a:t>r</a:t>
+            </a:r>
+            <a:r>
+              <a:rPr lang="sk-SK" dirty="0" err="1"/>
+              <a:t>egistračné</a:t>
+            </a:r>
+            <a:r>
+              <a:rPr lang="sk-SK" dirty="0"/>
+              <a:t> číslo lietadla</a:t>
+            </a:r>
+          </a:p>
+          <a:p>
+            <a:pPr lvl="1"/>
+            <a:r>
+              <a:rPr lang="sk-SK" dirty="0"/>
+              <a:t>rýchlosť</a:t>
+            </a:r>
+          </a:p>
+          <a:p>
+            <a:pPr lvl="1"/>
+            <a:r>
+              <a:rPr lang="sk-SK" dirty="0"/>
+              <a:t>výška</a:t>
+            </a:r>
+          </a:p>
+          <a:p>
+            <a:pPr lvl="1"/>
             <a:r>
               <a:rPr lang="en-US" dirty="0"/>
-              <a:t>}</a:t>
+              <a:t>p</a:t>
+            </a:r>
+            <a:r>
+              <a:rPr lang="sk-SK" dirty="0"/>
+              <a:t>otlač lietadla</a:t>
+            </a:r>
+            <a:r>
+              <a:rPr lang="en-US" dirty="0"/>
+              <a:t>, at</a:t>
+            </a:r>
+            <a:r>
+              <a:rPr lang="sk-SK" dirty="0"/>
+              <a:t>ď.</a:t>
+            </a:r>
+          </a:p>
+          <a:p>
+            <a:r>
+              <a:rPr lang="sk-SK" dirty="0"/>
+              <a:t>Každý objekt, ktorý vytvoríme podľa tejto šablóny bude mať takéto vlastnosti, pričom každý objekt môže mať iné hodnoty, </a:t>
+            </a:r>
+            <a:r>
+              <a:rPr lang="sk-SK" dirty="0" err="1"/>
+              <a:t>t.j</a:t>
+            </a:r>
+            <a:r>
+              <a:rPr lang="sk-SK" dirty="0"/>
+              <a:t>.</a:t>
+            </a:r>
+          </a:p>
+          <a:p>
+            <a:pPr lvl="1"/>
+            <a:r>
+              <a:rPr lang="sk-SK" dirty="0"/>
+              <a:t>Iného vlastníka</a:t>
+            </a:r>
+          </a:p>
+          <a:p>
+            <a:pPr lvl="1"/>
+            <a:r>
+              <a:rPr lang="sk-SK" dirty="0"/>
+              <a:t>Iný počet krídel, atď.</a:t>
+            </a:r>
+          </a:p>
+          <a:p>
+            <a:r>
+              <a:rPr lang="sk-SK" dirty="0"/>
+              <a:t>Trieda môže hovoriť aj o tom, aké funkcie je možné s objektom robiť</a:t>
+            </a:r>
+          </a:p>
+          <a:p>
+            <a:pPr lvl="1"/>
+            <a:r>
+              <a:rPr lang="sk-SK" dirty="0"/>
+              <a:t>Pridaj</a:t>
+            </a:r>
+            <a:r>
+              <a:rPr lang="en-US" dirty="0"/>
+              <a:t>Na</a:t>
             </a:r>
             <a:endParaRPr lang="sk-SK" dirty="0"/>
+          </a:p>
+          <a:p>
+            <a:pPr lvl="1"/>
+            <a:r>
+              <a:rPr lang="sk-SK" dirty="0"/>
+              <a:t>Uber</a:t>
+            </a:r>
+            <a:r>
+              <a:rPr lang="en-US" dirty="0"/>
+              <a:t>Na</a:t>
+            </a:r>
+            <a:endParaRPr lang="sk-SK" dirty="0"/>
+          </a:p>
+          <a:p>
+            <a:pPr lvl="1"/>
+            <a:r>
+              <a:rPr lang="sk-SK" dirty="0"/>
+              <a:t>Stúpaj</a:t>
+            </a:r>
+            <a:r>
+              <a:rPr lang="en-US" dirty="0"/>
+              <a:t>Na</a:t>
+            </a:r>
+            <a:endParaRPr lang="sk-SK" dirty="0"/>
+          </a:p>
+          <a:p>
+            <a:pPr lvl="1"/>
+            <a:r>
+              <a:rPr lang="sk-SK" dirty="0"/>
+              <a:t>Klesaj</a:t>
+            </a:r>
+            <a:r>
+              <a:rPr lang="en-US" dirty="0"/>
+              <a:t>Na</a:t>
+            </a:r>
+            <a:r>
+              <a:rPr lang="sk-SK" dirty="0"/>
+              <a:t>, ...</a:t>
+            </a:r>
+          </a:p>
+          <a:p>
+            <a:r>
+              <a:rPr lang="sk-SK" dirty="0"/>
+              <a:t>Trieda je niečo ako vlastný zložitý typ</a:t>
+            </a:r>
           </a:p>
         </p:txBody>
       </p:sp>
     </p:spTree>
     <p:extLst>
       <p:ext uri="{BB962C8B-B14F-4D97-AF65-F5344CB8AC3E}">
-        <p14:creationId xmlns:p14="http://schemas.microsoft.com/office/powerpoint/2010/main" val="935849589"/>
+        <p14:creationId xmlns:p14="http://schemas.microsoft.com/office/powerpoint/2010/main" val="4212807155"/>
       </p:ext>
     </p:extLst>
   </p:cSld>
@@ -10256,7 +10258,7 @@
           <p:cNvPr id="2" name="Nadpis 1">
             <a:extLst>
               <a:ext uri="{FF2B5EF4-FFF2-40B4-BE49-F238E27FC236}">
-                <a16:creationId xmlns:a16="http://schemas.microsoft.com/office/drawing/2014/main" id="{38827E9A-38A5-416A-A5DF-51D3D2881278}"/>
+                <a16:creationId xmlns:a16="http://schemas.microsoft.com/office/drawing/2014/main" id="{00AE3D73-0DC9-44D3-AEFE-0882FB4062C6}"/>
               </a:ext>
             </a:extLst>
           </p:cNvPr>
@@ -10273,8 +10275,20 @@
           <a:lstStyle/>
           <a:p>
             <a:r>
-              <a:rPr lang="sk-SK" dirty="0"/>
-              <a:t>Ako sa pracuje s objektom?</a:t>
+              <a:rPr lang="en-US" dirty="0" err="1"/>
+              <a:t>Ako</a:t>
+            </a:r>
+            <a:r>
+              <a:rPr lang="en-US" dirty="0"/>
+              <a:t> </a:t>
+            </a:r>
+            <a:r>
+              <a:rPr lang="en-US" dirty="0" err="1"/>
+              <a:t>vyzer</a:t>
+            </a:r>
+            <a:r>
+              <a:rPr lang="sk-SK" dirty="0"/>
+              <a:t>á trieda?</a:t>
             </a:r>
           </a:p>
         </p:txBody>
@@ -10284,7 +10298,7 @@
           <p:cNvPr id="3" name="Zástupný objekt pre obsah 2">
             <a:extLst>
               <a:ext uri="{FF2B5EF4-FFF2-40B4-BE49-F238E27FC236}">
-                <a16:creationId xmlns:a16="http://schemas.microsoft.com/office/drawing/2014/main" id="{5448068D-3A7E-4BB3-AE82-AA78D5C22D2A}"/>
+                <a16:creationId xmlns:a16="http://schemas.microsoft.com/office/drawing/2014/main" id="{3045F59C-A127-442F-83DB-CA3DD0E9C40D}"/>
               </a:ext>
             </a:extLst>
           </p:cNvPr>
@@ -10297,243 +10311,88 @@
         </p:nvSpPr>
         <p:spPr/>
         <p:txBody>
-          <a:bodyPr>
-            <a:normAutofit fontScale="77500" lnSpcReduction="20000"/>
-          </a:bodyPr>
+          <a:bodyPr/>
           <a:lstStyle/>
           <a:p>
-            <a:r>
-              <a:rPr lang="sk-SK" dirty="0"/>
-              <a:t>Objekt vytvorím napr. takto:</a:t>
-            </a:r>
-          </a:p>
-          <a:p>
-            <a:pPr lvl="1"/>
-            <a:r>
-              <a:rPr lang="sk-SK" b="1" dirty="0" err="1"/>
-              <a:t>Nazov_triedy</a:t>
-            </a:r>
-            <a:r>
-              <a:rPr lang="sk-SK" b="1" dirty="0"/>
-              <a:t> </a:t>
-            </a:r>
-            <a:r>
-              <a:rPr lang="sk-SK" b="1" dirty="0" err="1"/>
-              <a:t>nazov_objektu</a:t>
-            </a:r>
-            <a:r>
-              <a:rPr lang="sk-SK" b="1" dirty="0"/>
-              <a:t> = </a:t>
-            </a:r>
-            <a:r>
-              <a:rPr lang="sk-SK" b="1" dirty="0">
+            <a:pPr marL="0" indent="0">
+              <a:buNone/>
+            </a:pPr>
+            <a:r>
+              <a:rPr lang="sk-SK" dirty="0" err="1">
                 <a:solidFill>
                   <a:srgbClr val="280DC9"/>
                 </a:solidFill>
               </a:rPr>
-              <a:t>new </a:t>
-            </a:r>
-            <a:r>
-              <a:rPr lang="sk-SK" b="1" dirty="0" err="1"/>
-              <a:t>Nazov_triedy</a:t>
-            </a:r>
-            <a:r>
-              <a:rPr lang="en-US" b="1" dirty="0"/>
-              <a:t>();</a:t>
-            </a:r>
-            <a:endParaRPr lang="sk-SK" b="1" dirty="0"/>
-          </a:p>
-          <a:p>
-            <a:pPr lvl="1"/>
-            <a:r>
-              <a:rPr lang="sk-SK" dirty="0"/>
-              <a:t>Lietadlo </a:t>
-            </a:r>
-            <a:r>
-              <a:rPr lang="sk-SK" dirty="0" err="1"/>
-              <a:t>novyBoeing</a:t>
-            </a:r>
-            <a:r>
-              <a:rPr lang="sk-SK" dirty="0"/>
-              <a:t> = </a:t>
-            </a:r>
-            <a:r>
-              <a:rPr lang="sk-SK" b="1" dirty="0">
+              <a:t>Modifikátor_prístupu</a:t>
+            </a:r>
+            <a:r>
+              <a:rPr lang="sk-SK" dirty="0">
                 <a:solidFill>
                   <a:srgbClr val="280DC9"/>
                 </a:solidFill>
               </a:rPr>
-              <a:t>new</a:t>
-            </a:r>
-            <a:r>
-              <a:rPr lang="sk-SK" dirty="0"/>
-              <a:t> Lietadlo</a:t>
+              <a:t> </a:t>
+            </a:r>
+            <a:r>
+              <a:rPr lang="sk-SK" b="1" dirty="0" err="1">
+                <a:solidFill>
+                  <a:srgbClr val="280DC9"/>
+                </a:solidFill>
+              </a:rPr>
+              <a:t>class</a:t>
+            </a:r>
+            <a:r>
+              <a:rPr lang="sk-SK" dirty="0"/>
+              <a:t> </a:t>
+            </a:r>
+            <a:r>
+              <a:rPr lang="sk-SK" dirty="0" err="1"/>
+              <a:t>nazov_triedy</a:t>
+            </a:r>
+            <a:r>
+              <a:rPr lang="sk-SK" dirty="0"/>
+              <a:t> </a:t>
             </a:r>
             <a:r>
               <a:rPr lang="en-US" dirty="0"/>
-              <a:t>();</a:t>
-            </a:r>
-            <a:endParaRPr lang="sk-SK" dirty="0"/>
-          </a:p>
-          <a:p>
-            <a:r>
-              <a:rPr lang="sk-SK" dirty="0"/>
-              <a:t>K vlastnostiam a metódam objektu potom viem pristúpiť pomocou bodky „</a:t>
-            </a:r>
-            <a:r>
-              <a:rPr lang="sk-SK" b="1" dirty="0"/>
-              <a:t>.“</a:t>
-            </a:r>
-          </a:p>
-          <a:p>
-            <a:pPr lvl="1"/>
-            <a:r>
-              <a:rPr lang="sk-SK" b="1" dirty="0" err="1"/>
-              <a:t>nazov_objektu.vlastnost</a:t>
-            </a:r>
-            <a:r>
-              <a:rPr lang="sk-SK" b="1" dirty="0"/>
-              <a:t> = </a:t>
-            </a:r>
-            <a:r>
-              <a:rPr lang="sk-SK" b="1" dirty="0" err="1"/>
-              <a:t>nova_hodnota</a:t>
-            </a:r>
-            <a:r>
-              <a:rPr lang="sk-SK" b="1" dirty="0"/>
-              <a:t>;</a:t>
-            </a:r>
-            <a:endParaRPr lang="en-US" b="1" dirty="0"/>
-          </a:p>
-          <a:p>
-            <a:pPr lvl="1"/>
+              <a:t>{</a:t>
+            </a:r>
+          </a:p>
+          <a:p>
+            <a:pPr marL="0" indent="0">
+              <a:buNone/>
+            </a:pPr>
+            <a:r>
+              <a:rPr lang="en-US" dirty="0"/>
+              <a:t>	</a:t>
+            </a:r>
             <a:r>
               <a:rPr lang="en-US" dirty="0" err="1"/>
-              <a:t>novyBoeing.pocetMotorov</a:t>
-            </a:r>
+              <a:t>premenn</a:t>
+            </a:r>
+            <a:r>
+              <a:rPr lang="sk-SK" dirty="0"/>
+              <a:t>é ...</a:t>
+            </a:r>
+          </a:p>
+          <a:p>
+            <a:pPr marL="0" indent="0">
+              <a:buNone/>
+            </a:pPr>
+            <a:r>
+              <a:rPr lang="sk-SK" dirty="0"/>
+              <a:t>	metódy ...</a:t>
+            </a:r>
+            <a:endParaRPr lang="en-US" dirty="0"/>
+          </a:p>
+          <a:p>
+            <a:pPr marL="0" indent="0">
+              <a:buNone/>
+            </a:pPr>
             <a:r>
               <a:rPr lang="en-US" dirty="0"/>
-              <a:t> = 4;</a:t>
-            </a:r>
-            <a:endParaRPr lang="sk-SK" dirty="0"/>
-          </a:p>
-          <a:p>
-            <a:r>
-              <a:rPr lang="sk-SK" dirty="0"/>
-              <a:t>Metódu objektu volám podobne, akurát metódy môžu mať vstupné hodnoty, preto používame aj zátvorky</a:t>
-            </a:r>
-            <a:endParaRPr lang="en-US" dirty="0"/>
-          </a:p>
-          <a:p>
-            <a:pPr lvl="1"/>
-            <a:r>
-              <a:rPr lang="sk-SK" dirty="0"/>
-              <a:t>Ak má metóda návratovú hodnotu môžeme ju niekam uložiť</a:t>
-            </a:r>
-          </a:p>
-          <a:p>
-            <a:pPr lvl="1"/>
-            <a:r>
-              <a:rPr lang="sk-SK" b="1" dirty="0" err="1"/>
-              <a:t>typ_vystupu</a:t>
-            </a:r>
-            <a:r>
-              <a:rPr lang="sk-SK" b="1" dirty="0"/>
-              <a:t> </a:t>
-            </a:r>
-            <a:r>
-              <a:rPr lang="sk-SK" b="1" dirty="0" err="1"/>
-              <a:t>nazov_premennej</a:t>
-            </a:r>
-            <a:r>
-              <a:rPr lang="sk-SK" b="1" dirty="0"/>
-              <a:t> = </a:t>
-            </a:r>
-            <a:r>
-              <a:rPr lang="en-US" b="1" dirty="0"/>
-              <a:t>n</a:t>
-            </a:r>
-            <a:r>
-              <a:rPr lang="sk-SK" b="1" dirty="0" err="1"/>
-              <a:t>azov_objektu.metoda</a:t>
-            </a:r>
-            <a:r>
-              <a:rPr lang="en-US" b="1" dirty="0"/>
-              <a:t>(</a:t>
-            </a:r>
-            <a:r>
-              <a:rPr lang="en-US" b="1" dirty="0" err="1"/>
-              <a:t>vstupy</a:t>
-            </a:r>
-            <a:r>
-              <a:rPr lang="en-US" b="1" dirty="0"/>
-              <a:t>)</a:t>
-            </a:r>
-            <a:r>
-              <a:rPr lang="sk-SK" b="1" dirty="0"/>
-              <a:t>;</a:t>
-            </a:r>
-            <a:endParaRPr lang="en-US" b="1" dirty="0"/>
-          </a:p>
-          <a:p>
-            <a:pPr lvl="1"/>
-            <a:r>
-              <a:rPr lang="en-US" dirty="0" err="1"/>
-              <a:t>boolean</a:t>
-            </a:r>
-            <a:r>
-              <a:rPr lang="en-US" dirty="0"/>
-              <a:t> </a:t>
-            </a:r>
-            <a:r>
-              <a:rPr lang="en-US" dirty="0" err="1"/>
-              <a:t>klesloLietadlo</a:t>
-            </a:r>
-            <a:r>
-              <a:rPr lang="en-US" dirty="0"/>
-              <a:t> = </a:t>
-            </a:r>
-            <a:r>
-              <a:rPr lang="en-US" dirty="0" err="1"/>
-              <a:t>novyBoeing.klesajNa</a:t>
-            </a:r>
-            <a:r>
-              <a:rPr lang="en-US" dirty="0"/>
-              <a:t>(10500);</a:t>
-            </a:r>
-            <a:endParaRPr lang="sk-SK" dirty="0"/>
-          </a:p>
-          <a:p>
-            <a:pPr lvl="1"/>
-            <a:r>
-              <a:rPr lang="sk-SK" dirty="0"/>
-              <a:t>Ak metóda nemá návratovú hodnotu (je procedúra) tak nemám čo ukladať a metóda niečo len urobí</a:t>
-            </a:r>
-          </a:p>
-          <a:p>
-            <a:pPr lvl="1"/>
-            <a:r>
-              <a:rPr lang="sk-SK" b="1" dirty="0" err="1"/>
-              <a:t>nazov_objektu.metoda</a:t>
-            </a:r>
-            <a:r>
-              <a:rPr lang="sk-SK" b="1" dirty="0"/>
-              <a:t>(vstupy);</a:t>
-            </a:r>
-            <a:endParaRPr lang="en-US" b="1" dirty="0"/>
-          </a:p>
-          <a:p>
-            <a:pPr lvl="1"/>
-            <a:r>
-              <a:rPr lang="en-US" dirty="0" err="1"/>
-              <a:t>novyBoeing.vysliNudzovySignalNaFreq</a:t>
-            </a:r>
-            <a:r>
-              <a:rPr lang="en-US" dirty="0"/>
-              <a:t>(12.5);</a:t>
-            </a:r>
-          </a:p>
-          <a:p>
+              <a:t>}</a:t>
+            </a:r>
             <a:endParaRPr lang="sk-SK" dirty="0"/>
           </a:p>
         </p:txBody>
@@ -10541,7 +10400,7 @@
     </p:spTree>
     <p:extLst>
       <p:ext uri="{BB962C8B-B14F-4D97-AF65-F5344CB8AC3E}">
-        <p14:creationId xmlns:p14="http://schemas.microsoft.com/office/powerpoint/2010/main" val="3583298581"/>
+        <p14:creationId xmlns:p14="http://schemas.microsoft.com/office/powerpoint/2010/main" val="935849589"/>
       </p:ext>
     </p:extLst>
   </p:cSld>
@@ -10573,7 +10432,7 @@
           <p:cNvPr id="2" name="Nadpis 1">
             <a:extLst>
               <a:ext uri="{FF2B5EF4-FFF2-40B4-BE49-F238E27FC236}">
-                <a16:creationId xmlns:a16="http://schemas.microsoft.com/office/drawing/2014/main" id="{E11DE360-0EB8-4AF9-A6E2-256AD4AC68EE}"/>
+                <a16:creationId xmlns:a16="http://schemas.microsoft.com/office/drawing/2014/main" id="{38827E9A-38A5-416A-A5DF-51D3D2881278}"/>
               </a:ext>
             </a:extLst>
           </p:cNvPr>
@@ -10590,14 +10449,9 @@
           <a:lstStyle/>
           <a:p>
             <a:r>
-              <a:rPr lang="en-US" dirty="0"/>
-              <a:t>Kon</a:t>
-            </a:r>
-            <a:r>
-              <a:rPr lang="sk-SK" dirty="0" err="1"/>
-              <a:t>štruktor</a:t>
-            </a:r>
-            <a:endParaRPr lang="sk-SK" dirty="0"/>
+              <a:rPr lang="sk-SK" dirty="0"/>
+              <a:t>Ako sa pracuje s objektom?</a:t>
+            </a:r>
           </a:p>
         </p:txBody>
       </p:sp>
@@ -10606,7 +10460,7 @@
           <p:cNvPr id="3" name="Zástupný objekt pre obsah 2">
             <a:extLst>
               <a:ext uri="{FF2B5EF4-FFF2-40B4-BE49-F238E27FC236}">
-                <a16:creationId xmlns:a16="http://schemas.microsoft.com/office/drawing/2014/main" id="{9B9060A6-EEB7-4A30-ABDF-BFE0019DDD0E}"/>
+                <a16:creationId xmlns:a16="http://schemas.microsoft.com/office/drawing/2014/main" id="{5448068D-3A7E-4BB3-AE82-AA78D5C22D2A}"/>
               </a:ext>
             </a:extLst>
           </p:cNvPr>
@@ -10619,48 +10473,251 @@
         </p:nvSpPr>
         <p:spPr/>
         <p:txBody>
-          <a:bodyPr/>
+          <a:bodyPr>
+            <a:normAutofit fontScale="77500" lnSpcReduction="20000"/>
+          </a:bodyPr>
           <a:lstStyle/>
           <a:p>
             <a:r>
               <a:rPr lang="sk-SK" dirty="0"/>
-              <a:t>Konštruktor triedy je metóda, ktorá:</a:t>
+              <a:t>Objekt vytvorím napr. takto:</a:t>
             </a:r>
           </a:p>
           <a:p>
             <a:pPr lvl="1"/>
             <a:r>
-              <a:rPr lang="sk-SK" dirty="0"/>
-              <a:t>má rovnaký názov ako trieda</a:t>
-            </a:r>
+              <a:rPr lang="sk-SK" b="1" dirty="0" err="1"/>
+              <a:t>Nazov_triedy</a:t>
+            </a:r>
+            <a:r>
+              <a:rPr lang="sk-SK" b="1" dirty="0"/>
+              <a:t> </a:t>
+            </a:r>
+            <a:r>
+              <a:rPr lang="sk-SK" b="1" dirty="0" err="1"/>
+              <a:t>nazov_objektu</a:t>
+            </a:r>
+            <a:r>
+              <a:rPr lang="sk-SK" b="1" dirty="0"/>
+              <a:t> = </a:t>
+            </a:r>
+            <a:r>
+              <a:rPr lang="sk-SK" b="1" dirty="0">
+                <a:solidFill>
+                  <a:srgbClr val="280DC9"/>
+                </a:solidFill>
+              </a:rPr>
+              <a:t>new </a:t>
+            </a:r>
+            <a:r>
+              <a:rPr lang="sk-SK" b="1" dirty="0" err="1"/>
+              <a:t>Nazov_triedy</a:t>
+            </a:r>
+            <a:r>
+              <a:rPr lang="en-US" b="1" dirty="0"/>
+              <a:t>();</a:t>
+            </a:r>
+            <a:endParaRPr lang="sk-SK" b="1" dirty="0"/>
           </a:p>
           <a:p>
             <a:pPr lvl="1"/>
             <a:r>
               <a:rPr lang="sk-SK" dirty="0"/>
-              <a:t>je definovaná v samotnej triede</a:t>
+              <a:t>Lietadlo </a:t>
+            </a:r>
+            <a:r>
+              <a:rPr lang="sk-SK" dirty="0" err="1"/>
+              <a:t>novyBoeing</a:t>
+            </a:r>
+            <a:r>
+              <a:rPr lang="sk-SK" dirty="0"/>
+              <a:t> = </a:t>
+            </a:r>
+            <a:r>
+              <a:rPr lang="sk-SK" b="1" dirty="0">
+                <a:solidFill>
+                  <a:srgbClr val="280DC9"/>
+                </a:solidFill>
+              </a:rPr>
+              <a:t>new</a:t>
+            </a:r>
+            <a:r>
+              <a:rPr lang="sk-SK" dirty="0"/>
+              <a:t> Lietadlo</a:t>
+            </a:r>
+            <a:r>
+              <a:rPr lang="en-US" dirty="0"/>
+              <a:t>();</a:t>
+            </a:r>
+            <a:endParaRPr lang="sk-SK" dirty="0"/>
+          </a:p>
+          <a:p>
+            <a:r>
+              <a:rPr lang="sk-SK" dirty="0"/>
+              <a:t>K vlastnostiam a metódam objektu potom viem pristúpiť pomocou bodky „</a:t>
+            </a:r>
+            <a:r>
+              <a:rPr lang="sk-SK" b="1" dirty="0"/>
+              <a:t>.“</a:t>
             </a:r>
           </a:p>
           <a:p>
             <a:pPr lvl="1"/>
             <a:r>
-              <a:rPr lang="sk-SK" dirty="0"/>
-              <a:t>Inicializuje vlastnosti objektu pri jeho vytváraní</a:t>
-            </a:r>
+              <a:rPr lang="sk-SK" b="1" dirty="0" err="1"/>
+              <a:t>nazov_objektu.vlastnost</a:t>
+            </a:r>
+            <a:r>
+              <a:rPr lang="sk-SK" b="1" dirty="0"/>
+              <a:t> = </a:t>
+            </a:r>
+            <a:r>
+              <a:rPr lang="sk-SK" b="1" dirty="0" err="1"/>
+              <a:t>nova_hodnota</a:t>
+            </a:r>
+            <a:r>
+              <a:rPr lang="sk-SK" b="1" dirty="0"/>
+              <a:t>;</a:t>
+            </a:r>
+            <a:endParaRPr lang="en-US" b="1" dirty="0"/>
           </a:p>
           <a:p>
             <a:pPr lvl="1"/>
             <a:r>
-              <a:rPr lang="sk-SK" dirty="0"/>
-              <a:t>Sa volá hneď za kľúčovým slovom „new“.</a:t>
-            </a:r>
+              <a:rPr lang="en-US" dirty="0" err="1"/>
+              <a:t>novyBoeing.pocetMotorov</a:t>
+            </a:r>
+            <a:r>
+              <a:rPr lang="en-US" dirty="0"/>
+              <a:t> = 4;</a:t>
+            </a:r>
+            <a:endParaRPr lang="sk-SK" dirty="0"/>
+          </a:p>
+          <a:p>
+            <a:r>
+              <a:rPr lang="sk-SK" dirty="0"/>
+              <a:t>Metódu objektu volám podobne, akurát metódy môžu mať vstupné hodnoty, preto používame aj zátvorky</a:t>
+            </a:r>
+            <a:endParaRPr lang="en-US" dirty="0"/>
+          </a:p>
+          <a:p>
+            <a:pPr lvl="1"/>
+            <a:r>
+              <a:rPr lang="sk-SK" dirty="0"/>
+              <a:t>Ak má metóda návratovú hodnotu môžeme ju niekam uložiť</a:t>
+            </a:r>
+          </a:p>
+          <a:p>
+            <a:pPr lvl="1"/>
+            <a:r>
+              <a:rPr lang="sk-SK" b="1" dirty="0" err="1"/>
+              <a:t>typ_vystupu</a:t>
+            </a:r>
+            <a:r>
+              <a:rPr lang="sk-SK" b="1" dirty="0"/>
+              <a:t> </a:t>
+            </a:r>
+            <a:r>
+              <a:rPr lang="sk-SK" b="1" dirty="0" err="1"/>
+              <a:t>nazov_premennej</a:t>
+            </a:r>
+            <a:r>
+              <a:rPr lang="sk-SK" b="1" dirty="0"/>
+              <a:t> = </a:t>
+            </a:r>
+            <a:r>
+              <a:rPr lang="en-US" b="1" dirty="0"/>
+              <a:t>n</a:t>
+            </a:r>
+            <a:r>
+              <a:rPr lang="sk-SK" b="1" dirty="0" err="1"/>
+              <a:t>azov_objektu.metoda</a:t>
+            </a:r>
+            <a:r>
+              <a:rPr lang="en-US" b="1" dirty="0"/>
+              <a:t>(</a:t>
+            </a:r>
+            <a:r>
+              <a:rPr lang="en-US" b="1" dirty="0" err="1"/>
+              <a:t>vstupy</a:t>
+            </a:r>
+            <a:r>
+              <a:rPr lang="en-US" b="1" dirty="0"/>
+              <a:t>)</a:t>
+            </a:r>
+            <a:r>
+              <a:rPr lang="sk-SK" b="1" dirty="0"/>
+              <a:t>;</a:t>
+            </a:r>
+            <a:endParaRPr lang="en-US" b="1" dirty="0"/>
+          </a:p>
+          <a:p>
+            <a:pPr lvl="1"/>
+            <a:r>
+              <a:rPr lang="en-US" dirty="0" err="1"/>
+              <a:t>boolean</a:t>
+            </a:r>
+            <a:r>
+              <a:rPr lang="en-US" dirty="0"/>
+              <a:t> </a:t>
+            </a:r>
+            <a:r>
+              <a:rPr lang="en-US" dirty="0" err="1"/>
+              <a:t>klesloLietadlo</a:t>
+            </a:r>
+            <a:r>
+              <a:rPr lang="en-US" dirty="0"/>
+              <a:t> = </a:t>
+            </a:r>
+            <a:r>
+              <a:rPr lang="en-US" dirty="0" err="1"/>
+              <a:t>novyBoeing.klesajNa</a:t>
+            </a:r>
+            <a:r>
+              <a:rPr lang="en-US" dirty="0"/>
+              <a:t>(10500);</a:t>
+            </a:r>
+            <a:endParaRPr lang="sk-SK" dirty="0"/>
+          </a:p>
+          <a:p>
+            <a:pPr lvl="1"/>
+            <a:r>
+              <a:rPr lang="sk-SK" dirty="0"/>
+              <a:t>Ak metóda nemá návratovú hodnotu (je procedúra) tak nemám čo ukladať a metóda niečo len urobí</a:t>
+            </a:r>
+          </a:p>
+          <a:p>
+            <a:pPr lvl="1"/>
+            <a:r>
+              <a:rPr lang="sk-SK" b="1" dirty="0" err="1"/>
+              <a:t>nazov_objektu.metoda</a:t>
+            </a:r>
+            <a:r>
+              <a:rPr lang="sk-SK" b="1" dirty="0"/>
+              <a:t>(vstupy);</a:t>
+            </a:r>
+            <a:endParaRPr lang="en-US" b="1" dirty="0"/>
+          </a:p>
+          <a:p>
+            <a:pPr lvl="1"/>
+            <a:r>
+              <a:rPr lang="en-US" dirty="0" err="1"/>
+              <a:t>novyBoeing.vysliNudzovySignalNaFreq</a:t>
+            </a:r>
+            <a:r>
+              <a:rPr lang="en-US" dirty="0"/>
+              <a:t>(12.5);</a:t>
+            </a:r>
+          </a:p>
+          <a:p>
+            <a:endParaRPr lang="sk-SK" dirty="0"/>
           </a:p>
         </p:txBody>
       </p:sp>
     </p:spTree>
     <p:extLst>
       <p:ext uri="{BB962C8B-B14F-4D97-AF65-F5344CB8AC3E}">
-        <p14:creationId xmlns:p14="http://schemas.microsoft.com/office/powerpoint/2010/main" val="3166866078"/>
+        <p14:creationId xmlns:p14="http://schemas.microsoft.com/office/powerpoint/2010/main" val="3583298581"/>
       </p:ext>
     </p:extLst>
   </p:cSld>
@@ -10692,7 +10749,7 @@
           <p:cNvPr id="2" name="Nadpis 1">
             <a:extLst>
               <a:ext uri="{FF2B5EF4-FFF2-40B4-BE49-F238E27FC236}">
-                <a16:creationId xmlns:a16="http://schemas.microsoft.com/office/drawing/2014/main" id="{F9E9689C-E91D-4E39-A260-833DF9941587}"/>
+                <a16:creationId xmlns:a16="http://schemas.microsoft.com/office/drawing/2014/main" id="{E11DE360-0EB8-4AF9-A6E2-256AD4AC68EE}"/>
               </a:ext>
             </a:extLst>
           </p:cNvPr>
@@ -10709,25 +10766,14 @@
           <a:lstStyle/>
           <a:p>
             <a:r>
-              <a:rPr lang="en-US" dirty="0" err="1"/>
-              <a:t>Viacero</a:t>
-            </a:r>
-            <a:r>
               <a:rPr lang="en-US" dirty="0"/>
-              <a:t> </a:t>
-            </a:r>
-            <a:r>
-              <a:rPr lang="en-US" dirty="0" err="1"/>
-              <a:t>kon</a:t>
-            </a:r>
-            <a:r>
-              <a:rPr lang="sk-SK" dirty="0" err="1"/>
-              <a:t>štruktorov</a:t>
-            </a:r>
-            <a:r>
-              <a:rPr lang="sk-SK" dirty="0"/>
-              <a:t> – tzv. preťaženie konštruktora</a:t>
-            </a:r>
+              <a:t>Kon</a:t>
+            </a:r>
+            <a:r>
+              <a:rPr lang="sk-SK" dirty="0" err="1"/>
+              <a:t>štruktor</a:t>
+            </a:r>
+            <a:endParaRPr lang="sk-SK" dirty="0"/>
           </a:p>
         </p:txBody>
       </p:sp>
@@ -10736,7 +10782,7 @@
           <p:cNvPr id="3" name="Zástupný objekt pre obsah 2">
             <a:extLst>
               <a:ext uri="{FF2B5EF4-FFF2-40B4-BE49-F238E27FC236}">
-                <a16:creationId xmlns:a16="http://schemas.microsoft.com/office/drawing/2014/main" id="{5547C8DD-16A5-4547-B884-2DBB7704B4A7}"/>
+                <a16:creationId xmlns:a16="http://schemas.microsoft.com/office/drawing/2014/main" id="{9B9060A6-EEB7-4A30-ABDF-BFE0019DDD0E}"/>
               </a:ext>
             </a:extLst>
           </p:cNvPr>
@@ -10749,299 +10795,63 @@
         </p:nvSpPr>
         <p:spPr/>
         <p:txBody>
-          <a:bodyPr>
-            <a:normAutofit fontScale="92500" lnSpcReduction="10000"/>
-          </a:bodyPr>
+          <a:bodyPr/>
           <a:lstStyle/>
           <a:p>
             <a:r>
               <a:rPr lang="sk-SK" dirty="0"/>
-              <a:t>Trieda môže mať viacero konštruktorov.</a:t>
-            </a:r>
-          </a:p>
-          <a:p>
-            <a:pPr marL="0" indent="0">
-              <a:buNone/>
-            </a:pPr>
+              <a:t>Konštruktor triedy je metóda, ktorá:</a:t>
+            </a:r>
+          </a:p>
+          <a:p>
+            <a:pPr lvl="1"/>
+            <a:r>
+              <a:rPr lang="sk-SK" dirty="0"/>
+              <a:t>má rovnaký názov ako trieda</a:t>
+            </a:r>
+          </a:p>
+          <a:p>
+            <a:pPr lvl="1"/>
+            <a:r>
+              <a:rPr lang="sk-SK" dirty="0"/>
+              <a:t>je definovaná v samotnej triede</a:t>
+            </a:r>
+          </a:p>
+          <a:p>
+            <a:pPr lvl="1"/>
+            <a:r>
+              <a:rPr lang="sk-SK" dirty="0"/>
+              <a:t>Inicializuje vlastnosti objektu pri jeho vytváraní</a:t>
+            </a:r>
+          </a:p>
+          <a:p>
+            <a:pPr lvl="1"/>
+            <a:r>
+              <a:rPr lang="sk-SK" dirty="0"/>
+              <a:t>Sa volá hneď za kľúčovým slovom „new“.</a:t>
+            </a:r>
+            <a:endParaRPr lang="en-US" dirty="0"/>
+          </a:p>
+          <a:p>
             <a:r>
               <a:rPr lang="en-US" dirty="0"/>
-              <a:t>p</a:t>
-            </a:r>
-            <a:r>
-              <a:rPr lang="sk-SK" dirty="0" err="1"/>
-              <a:t>ublic</a:t>
-            </a:r>
-            <a:r>
-              <a:rPr lang="sk-SK" dirty="0"/>
-              <a:t> </a:t>
-            </a:r>
-            <a:r>
-              <a:rPr lang="sk-SK" dirty="0" err="1"/>
-              <a:t>class</a:t>
-            </a:r>
-            <a:r>
-              <a:rPr lang="sk-SK" dirty="0"/>
-              <a:t> Lietadlo</a:t>
-            </a:r>
-            <a:r>
-              <a:rPr lang="en-US" dirty="0"/>
-              <a:t>{</a:t>
-            </a:r>
-          </a:p>
-          <a:p>
-            <a:pPr marL="0" indent="0">
-              <a:buNone/>
-            </a:pPr>
-            <a:r>
-              <a:rPr lang="en-US" dirty="0"/>
-              <a:t>	public </a:t>
-            </a:r>
-            <a:r>
-              <a:rPr lang="en-US" dirty="0" err="1"/>
-              <a:t>Lietadlo</a:t>
-            </a:r>
-            <a:r>
-              <a:rPr lang="en-US" dirty="0"/>
-              <a:t>(){}</a:t>
-            </a:r>
-          </a:p>
-          <a:p>
-            <a:pPr marL="0" indent="0">
-              <a:buNone/>
-            </a:pPr>
-            <a:r>
-              <a:rPr lang="en-US" dirty="0"/>
-              <a:t>	public </a:t>
-            </a:r>
-            <a:r>
-              <a:rPr lang="en-US" dirty="0" err="1"/>
-              <a:t>Lietadlo</a:t>
-            </a:r>
-            <a:r>
-              <a:rPr lang="en-US" dirty="0"/>
-              <a:t>(int </a:t>
-            </a:r>
-            <a:r>
-              <a:rPr lang="en-US" dirty="0" err="1"/>
-              <a:t>pocetMotorov</a:t>
-            </a:r>
-            <a:r>
-              <a:rPr lang="en-US" dirty="0"/>
-              <a:t>, int </a:t>
-            </a:r>
-            <a:r>
-              <a:rPr lang="en-US" dirty="0" err="1"/>
-              <a:t>pocetKridel</a:t>
-            </a:r>
-            <a:r>
-              <a:rPr lang="en-US" dirty="0"/>
-              <a:t>){… </a:t>
-            </a:r>
-            <a:r>
-              <a:rPr lang="en-US" dirty="0" err="1"/>
-              <a:t>tu</a:t>
-            </a:r>
-            <a:r>
-              <a:rPr lang="en-US" dirty="0"/>
-              <a:t> by </a:t>
-            </a:r>
-            <a:r>
-              <a:rPr lang="en-US" dirty="0" err="1"/>
-              <a:t>sa</a:t>
-            </a:r>
-            <a:r>
-              <a:rPr lang="en-US" dirty="0"/>
-              <a:t> </a:t>
-            </a:r>
-            <a:r>
-              <a:rPr lang="en-US" dirty="0" err="1"/>
-              <a:t>naplnili</a:t>
-            </a:r>
-            <a:r>
-              <a:rPr lang="en-US" dirty="0"/>
-              <a:t> </a:t>
-            </a:r>
-            <a:r>
-              <a:rPr lang="en-US" dirty="0" err="1"/>
-              <a:t>vlastnosti</a:t>
-            </a:r>
-            <a:r>
-              <a:rPr lang="en-US" dirty="0"/>
-              <a:t> </a:t>
-            </a:r>
-            <a:r>
-              <a:rPr lang="en-US" dirty="0" err="1"/>
-              <a:t>objektu</a:t>
-            </a:r>
-            <a:r>
-              <a:rPr lang="en-US" dirty="0"/>
-              <a:t> … }</a:t>
-            </a:r>
-          </a:p>
-          <a:p>
-            <a:pPr marL="0" indent="0">
-              <a:buNone/>
-            </a:pPr>
-            <a:r>
-              <a:rPr lang="en-US" dirty="0"/>
-              <a:t>	public </a:t>
-            </a:r>
-            <a:r>
-              <a:rPr lang="en-US" dirty="0" err="1"/>
-              <a:t>Lietadlo</a:t>
-            </a:r>
-            <a:r>
-              <a:rPr lang="en-US" dirty="0"/>
-              <a:t>(int </a:t>
-            </a:r>
-            <a:r>
-              <a:rPr lang="en-US" dirty="0" err="1"/>
-              <a:t>pocetMotorov</a:t>
-            </a:r>
-            <a:r>
-              <a:rPr lang="en-US" dirty="0"/>
-              <a:t>, int </a:t>
-            </a:r>
-            <a:r>
-              <a:rPr lang="en-US" dirty="0" err="1"/>
-              <a:t>pocetKridel</a:t>
-            </a:r>
-            <a:r>
-              <a:rPr lang="en-US" dirty="0"/>
-              <a:t>, String </a:t>
-            </a:r>
-            <a:r>
-              <a:rPr lang="en-US" dirty="0" err="1"/>
-              <a:t>vlastnik</a:t>
-            </a:r>
-            <a:r>
-              <a:rPr lang="en-US" dirty="0"/>
-              <a:t>, String </a:t>
-            </a:r>
-            <a:r>
-              <a:rPr lang="en-US" dirty="0" err="1"/>
-              <a:t>oznacenie</a:t>
-            </a:r>
-            <a:r>
-              <a:rPr lang="en-US" dirty="0"/>
-              <a:t>) {… </a:t>
-            </a:r>
-            <a:r>
-              <a:rPr lang="en-US" dirty="0" err="1"/>
-              <a:t>naplnenie</a:t>
-            </a:r>
-            <a:r>
-              <a:rPr lang="en-US" dirty="0"/>
-              <a:t> </a:t>
-            </a:r>
-            <a:r>
-              <a:rPr lang="en-US" dirty="0" err="1"/>
-              <a:t>objektu</a:t>
-            </a:r>
-            <a:r>
-              <a:rPr lang="en-US" dirty="0"/>
-              <a:t> …}</a:t>
-            </a:r>
-          </a:p>
-          <a:p>
-            <a:pPr marL="0" indent="0">
-              <a:buNone/>
-            </a:pPr>
-            <a:r>
-              <a:rPr lang="en-US" dirty="0"/>
-              <a:t>}</a:t>
-            </a:r>
-            <a:endParaRPr lang="sk-SK" dirty="0"/>
-          </a:p>
-          <a:p>
-            <a:r>
-              <a:rPr lang="sk-SK" dirty="0"/>
-              <a:t>Pri vytváraní objektu by viacero konštruktorov dávalo napríklad možnosti:</a:t>
-            </a:r>
-          </a:p>
-          <a:p>
-            <a:pPr lvl="1"/>
-            <a:r>
-              <a:rPr lang="sk-SK" dirty="0"/>
-              <a:t>Lietadlo </a:t>
-            </a:r>
-            <a:r>
-              <a:rPr lang="sk-SK" dirty="0" err="1"/>
-              <a:t>novyBoeing</a:t>
-            </a:r>
-            <a:r>
-              <a:rPr lang="sk-SK" dirty="0"/>
-              <a:t> = Lietadlo</a:t>
-            </a:r>
-            <a:r>
-              <a:rPr lang="en-US" dirty="0"/>
-              <a:t>();</a:t>
-            </a:r>
-          </a:p>
-          <a:p>
-            <a:pPr lvl="1"/>
-            <a:r>
-              <a:rPr lang="en-US" dirty="0" err="1"/>
-              <a:t>Lietadlo</a:t>
-            </a:r>
-            <a:r>
-              <a:rPr lang="en-US" dirty="0"/>
-              <a:t> </a:t>
-            </a:r>
-            <a:r>
-              <a:rPr lang="en-US" dirty="0" err="1"/>
-              <a:t>novyBoeing</a:t>
-            </a:r>
-            <a:r>
-              <a:rPr lang="en-US" dirty="0"/>
-              <a:t> = new </a:t>
-            </a:r>
-            <a:r>
-              <a:rPr lang="en-US" dirty="0" err="1"/>
-              <a:t>Lietadlo</a:t>
-            </a:r>
-            <a:r>
-              <a:rPr lang="en-US" dirty="0"/>
-              <a:t>(2,4);</a:t>
-            </a:r>
-          </a:p>
-          <a:p>
-            <a:pPr lvl="1"/>
-            <a:r>
-              <a:rPr lang="en-US" dirty="0" err="1"/>
-              <a:t>Lietadlo</a:t>
-            </a:r>
-            <a:r>
-              <a:rPr lang="en-US" dirty="0"/>
-              <a:t> </a:t>
-            </a:r>
-            <a:r>
-              <a:rPr lang="en-US" dirty="0" err="1"/>
-              <a:t>novyBoeing</a:t>
-            </a:r>
-            <a:r>
-              <a:rPr lang="en-US" dirty="0"/>
-              <a:t> = new </a:t>
-            </a:r>
-            <a:r>
-              <a:rPr lang="en-US" dirty="0" err="1"/>
-              <a:t>Lietadlo</a:t>
-            </a:r>
-            <a:r>
-              <a:rPr lang="en-US" dirty="0"/>
-              <a:t>(2,4,”Quantas Airlines”, “B74_AM2”);</a:t>
-            </a:r>
-            <a:endParaRPr lang="sk-SK" dirty="0"/>
-          </a:p>
-          <a:p>
-            <a:endParaRPr lang="sk-SK" dirty="0"/>
+              <a:t>Ka</a:t>
+            </a:r>
+            <a:r>
+              <a:rPr lang="sk-SK" dirty="0" err="1"/>
+              <a:t>ždá</a:t>
+            </a:r>
+            <a:r>
+              <a:rPr lang="sk-SK" dirty="0"/>
+              <a:t> trieda obsahuje automaticky prázdny konštruktor</a:t>
+            </a:r>
           </a:p>
         </p:txBody>
       </p:sp>
     </p:spTree>
     <p:extLst>
       <p:ext uri="{BB962C8B-B14F-4D97-AF65-F5344CB8AC3E}">
-        <p14:creationId xmlns:p14="http://schemas.microsoft.com/office/powerpoint/2010/main" val="748786030"/>
+        <p14:creationId xmlns:p14="http://schemas.microsoft.com/office/powerpoint/2010/main" val="3166866078"/>
       </p:ext>
     </p:extLst>
   </p:cSld>
@@ -11073,7 +10883,7 @@
           <p:cNvPr id="2" name="Nadpis 1">
             <a:extLst>
               <a:ext uri="{FF2B5EF4-FFF2-40B4-BE49-F238E27FC236}">
-                <a16:creationId xmlns:a16="http://schemas.microsoft.com/office/drawing/2014/main" id="{592E093C-30A6-4C4B-AB40-011ED2B5A6CE}"/>
+                <a16:creationId xmlns:a16="http://schemas.microsoft.com/office/drawing/2014/main" id="{6A0F8E52-BB9F-4313-90E1-58D4B068807A}"/>
               </a:ext>
             </a:extLst>
           </p:cNvPr>
@@ -11091,7 +10901,7 @@
           <a:p>
             <a:r>
               <a:rPr lang="sk-SK" dirty="0"/>
-              <a:t>Kde mám vlastne triedu vytvoriť?</a:t>
+              <a:t>Kľúčové slovo „THIS“</a:t>
             </a:r>
           </a:p>
         </p:txBody>
@@ -11101,7 +10911,7 @@
           <p:cNvPr id="3" name="Zástupný objekt pre obsah 2">
             <a:extLst>
               <a:ext uri="{FF2B5EF4-FFF2-40B4-BE49-F238E27FC236}">
-                <a16:creationId xmlns:a16="http://schemas.microsoft.com/office/drawing/2014/main" id="{E3065148-01EF-4BF8-917F-8F2C919ADEC6}"/>
+                <a16:creationId xmlns:a16="http://schemas.microsoft.com/office/drawing/2014/main" id="{8667DD09-245D-4036-9406-86E1AF1D1D7B}"/>
               </a:ext>
             </a:extLst>
           </p:cNvPr>
@@ -11114,42 +10924,203 @@
         </p:nvSpPr>
         <p:spPr/>
         <p:txBody>
-          <a:bodyPr/>
+          <a:bodyPr>
+            <a:normAutofit fontScale="92500" lnSpcReduction="20000"/>
+          </a:bodyPr>
           <a:lstStyle/>
           <a:p>
             <a:r>
               <a:rPr lang="sk-SK" dirty="0"/>
-              <a:t>Každá trieda by mala mať svoj vlastný súbor – upozorní vás na to aj vývojové prostredie</a:t>
-            </a:r>
-          </a:p>
-          <a:p>
-            <a:r>
-              <a:rPr lang="sk-SK" dirty="0"/>
-              <a:t>Ak chcem použiť čokoľvek z inej triedy, ktorá je v inom </a:t>
-            </a:r>
-            <a:r>
-              <a:rPr lang="sk-SK" dirty="0" err="1"/>
-              <a:t>packagi</a:t>
-            </a:r>
-            <a:r>
-              <a:rPr lang="sk-SK" dirty="0"/>
-              <a:t>, musím importovať </a:t>
-            </a:r>
-            <a:r>
-              <a:rPr lang="sk-SK" dirty="0" err="1"/>
-              <a:t>package</a:t>
-            </a:r>
-            <a:r>
-              <a:rPr lang="sk-SK" dirty="0"/>
-              <a:t> alebo triedu.</a:t>
-            </a:r>
+              <a:t>Ak v niektorej metóde triedy napíšem slovo </a:t>
+            </a:r>
+            <a:r>
+              <a:rPr lang="sk-SK" dirty="0" err="1"/>
+              <a:t>this</a:t>
+            </a:r>
+            <a:r>
+              <a:rPr lang="sk-SK" dirty="0"/>
+              <a:t> znamená to, že sa odkazujem na globálny </a:t>
+            </a:r>
+            <a:r>
+              <a:rPr lang="sk-SK" dirty="0" err="1"/>
+              <a:t>scope</a:t>
+            </a:r>
+            <a:r>
+              <a:rPr lang="sk-SK" dirty="0"/>
+              <a:t> triedy.</a:t>
+            </a:r>
+          </a:p>
+          <a:p>
+            <a:r>
+              <a:rPr lang="sk-SK" dirty="0"/>
+              <a:t>Štandardne sa používa v konštruktore, kde konštruktor priradzuje globálnym premenným hodnoty, ktoré má v parametroch.</a:t>
+            </a:r>
+          </a:p>
+          <a:p>
+            <a:r>
+              <a:rPr lang="sk-SK" dirty="0"/>
+              <a:t>Často sa stáva, že sa názov parametra konštruktora zhoduje s globálnym </a:t>
+            </a:r>
+            <a:r>
+              <a:rPr lang="sk-SK" dirty="0" err="1"/>
+              <a:t>private</a:t>
+            </a:r>
+            <a:r>
+              <a:rPr lang="sk-SK" dirty="0"/>
+              <a:t> parametrom.</a:t>
+            </a:r>
+          </a:p>
+          <a:p>
+            <a:r>
+              <a:rPr lang="sk-SK" dirty="0"/>
+              <a:t>Napr.</a:t>
+            </a:r>
+          </a:p>
+          <a:p>
+            <a:pPr marL="0" indent="0">
+              <a:buNone/>
+            </a:pPr>
+            <a:r>
+              <a:rPr lang="en-US" dirty="0"/>
+              <a:t>p</a:t>
+            </a:r>
+            <a:r>
+              <a:rPr lang="sk-SK" dirty="0" err="1"/>
+              <a:t>ublic</a:t>
+            </a:r>
+            <a:r>
+              <a:rPr lang="sk-SK" dirty="0"/>
+              <a:t> </a:t>
+            </a:r>
+            <a:r>
+              <a:rPr lang="sk-SK" dirty="0" err="1"/>
+              <a:t>class</a:t>
+            </a:r>
+            <a:r>
+              <a:rPr lang="sk-SK" dirty="0"/>
+              <a:t> Lietadlo</a:t>
+            </a:r>
+            <a:r>
+              <a:rPr lang="en-US" dirty="0"/>
+              <a:t>{</a:t>
+            </a:r>
+          </a:p>
+          <a:p>
+            <a:pPr marL="0" indent="0">
+              <a:buNone/>
+            </a:pPr>
+            <a:r>
+              <a:rPr lang="en-US" dirty="0"/>
+              <a:t>	private int </a:t>
+            </a:r>
+            <a:r>
+              <a:rPr lang="en-US" dirty="0" err="1">
+                <a:solidFill>
+                  <a:srgbClr val="FF0000"/>
+                </a:solidFill>
+              </a:rPr>
+              <a:t>pocetMotorov</a:t>
+            </a:r>
+            <a:r>
+              <a:rPr lang="en-US" dirty="0"/>
+              <a:t>;</a:t>
+            </a:r>
+          </a:p>
+          <a:p>
+            <a:pPr marL="0" indent="0">
+              <a:buNone/>
+            </a:pPr>
+            <a:r>
+              <a:rPr lang="en-US" dirty="0"/>
+              <a:t>	public </a:t>
+            </a:r>
+            <a:r>
+              <a:rPr lang="en-US" dirty="0" err="1"/>
+              <a:t>Lietadlo</a:t>
+            </a:r>
+            <a:r>
+              <a:rPr lang="en-US" dirty="0"/>
+              <a:t>(int </a:t>
+            </a:r>
+            <a:r>
+              <a:rPr lang="en-US" dirty="0" err="1">
+                <a:solidFill>
+                  <a:srgbClr val="00B050"/>
+                </a:solidFill>
+              </a:rPr>
+              <a:t>pocetMotorov</a:t>
+            </a:r>
+            <a:r>
+              <a:rPr lang="en-US" dirty="0"/>
+              <a:t>){</a:t>
+            </a:r>
+          </a:p>
+          <a:p>
+            <a:pPr marL="0" indent="0">
+              <a:buNone/>
+            </a:pPr>
+            <a:r>
+              <a:rPr lang="en-US" dirty="0"/>
+              <a:t>		</a:t>
+            </a:r>
+            <a:r>
+              <a:rPr lang="en-US" dirty="0" err="1">
+                <a:solidFill>
+                  <a:srgbClr val="FF0000"/>
+                </a:solidFill>
+              </a:rPr>
+              <a:t>this.pocetMotorov</a:t>
+            </a:r>
+            <a:r>
+              <a:rPr lang="en-US" dirty="0">
+                <a:solidFill>
+                  <a:srgbClr val="FF0000"/>
+                </a:solidFill>
+              </a:rPr>
+              <a:t> </a:t>
+            </a:r>
+            <a:r>
+              <a:rPr lang="en-US" dirty="0"/>
+              <a:t>= </a:t>
+            </a:r>
+            <a:r>
+              <a:rPr lang="en-US" dirty="0" err="1">
+                <a:solidFill>
+                  <a:srgbClr val="00B050"/>
+                </a:solidFill>
+              </a:rPr>
+              <a:t>pocetMotorov</a:t>
+            </a:r>
+            <a:r>
+              <a:rPr lang="en-US" dirty="0"/>
+              <a:t>;</a:t>
+            </a:r>
+          </a:p>
+          <a:p>
+            <a:pPr marL="0" indent="0">
+              <a:buNone/>
+            </a:pPr>
+            <a:r>
+              <a:rPr lang="en-US" dirty="0"/>
+              <a:t>	}</a:t>
+            </a:r>
+          </a:p>
+          <a:p>
+            <a:pPr marL="0" indent="0">
+              <a:buNone/>
+            </a:pPr>
+            <a:r>
+              <a:rPr lang="en-US" dirty="0"/>
+              <a:t>}</a:t>
+            </a:r>
+            <a:endParaRPr lang="sk-SK" dirty="0"/>
           </a:p>
         </p:txBody>
       </p:sp>
     </p:spTree>
     <p:extLst>
       <p:ext uri="{BB962C8B-B14F-4D97-AF65-F5344CB8AC3E}">
-        <p14:creationId xmlns:p14="http://schemas.microsoft.com/office/powerpoint/2010/main" val="3232591457"/>
+        <p14:creationId xmlns:p14="http://schemas.microsoft.com/office/powerpoint/2010/main" val="3034842672"/>
       </p:ext>
     </p:extLst>
   </p:cSld>
@@ -11181,7 +11152,7 @@
           <p:cNvPr id="2" name="Nadpis 1">
             <a:extLst>
               <a:ext uri="{FF2B5EF4-FFF2-40B4-BE49-F238E27FC236}">
-                <a16:creationId xmlns:a16="http://schemas.microsoft.com/office/drawing/2014/main" id="{EC482C0C-67E9-4DA3-B900-F7C43FD9147C}"/>
+                <a16:creationId xmlns:a16="http://schemas.microsoft.com/office/drawing/2014/main" id="{F9E9689C-E91D-4E39-A260-833DF9941587}"/>
               </a:ext>
             </a:extLst>
           </p:cNvPr>
@@ -11198,8 +11169,24 @@
           <a:lstStyle/>
           <a:p>
             <a:r>
-              <a:rPr lang="sk-SK" dirty="0"/>
-              <a:t>Cvičenie ... Resp. Ako to vyzerá na papieri ... </a:t>
+              <a:rPr lang="en-US" dirty="0" err="1"/>
+              <a:t>Viacero</a:t>
+            </a:r>
+            <a:r>
+              <a:rPr lang="en-US" dirty="0"/>
+              <a:t> </a:t>
+            </a:r>
+            <a:r>
+              <a:rPr lang="en-US" dirty="0" err="1"/>
+              <a:t>kon</a:t>
+            </a:r>
+            <a:r>
+              <a:rPr lang="sk-SK" dirty="0" err="1"/>
+              <a:t>štruktorov</a:t>
+            </a:r>
+            <a:r>
+              <a:rPr lang="sk-SK" dirty="0"/>
+              <a:t> – tzv. preťaženie konštruktora</a:t>
             </a:r>
           </a:p>
         </p:txBody>
@@ -11209,7 +11196,7 @@
           <p:cNvPr id="3" name="Zástupný objekt pre obsah 2">
             <a:extLst>
               <a:ext uri="{FF2B5EF4-FFF2-40B4-BE49-F238E27FC236}">
-                <a16:creationId xmlns:a16="http://schemas.microsoft.com/office/drawing/2014/main" id="{E00CF0B0-067A-4EB3-8BCF-C9CB81CACF2D}"/>
+                <a16:creationId xmlns:a16="http://schemas.microsoft.com/office/drawing/2014/main" id="{5547C8DD-16A5-4547-B884-2DBB7704B4A7}"/>
               </a:ext>
             </a:extLst>
           </p:cNvPr>
@@ -11222,44 +11209,299 @@
         </p:nvSpPr>
         <p:spPr/>
         <p:txBody>
-          <a:bodyPr/>
+          <a:bodyPr>
+            <a:normAutofit fontScale="92500" lnSpcReduction="10000"/>
+          </a:bodyPr>
           <a:lstStyle/>
           <a:p>
             <a:r>
               <a:rPr lang="sk-SK" dirty="0"/>
-              <a:t>Skúste si rozobrať doménu „pečenie pizze“ na papier.</a:t>
-            </a:r>
-          </a:p>
-          <a:p>
-            <a:r>
-              <a:rPr lang="sk-SK" dirty="0"/>
-              <a:t>Identifikujte triedy v doméne</a:t>
-            </a:r>
-          </a:p>
-          <a:p>
-            <a:r>
-              <a:rPr lang="sk-SK" dirty="0"/>
-              <a:t>Ku každej triede vypíšte ich vlastnosti a metódy, ktoré je možné s danou triedou urobiť.</a:t>
-            </a:r>
-          </a:p>
-          <a:p>
-            <a:r>
-              <a:rPr lang="sk-SK" dirty="0"/>
-              <a:t>Do akej hĺbky pôjdete?</a:t>
-            </a:r>
-          </a:p>
-          <a:p>
-            <a:r>
-              <a:rPr lang="sk-SK" dirty="0"/>
-              <a:t>Kde definujete, ktoré vlastnosti a metódy? Napr. ktorá trieda bude mať metódu upeč, ktorá chladni ...?</a:t>
-            </a:r>
+              <a:t>Trieda môže mať viacero konštruktorov.</a:t>
+            </a:r>
+          </a:p>
+          <a:p>
+            <a:pPr marL="0" indent="0">
+              <a:buNone/>
+            </a:pPr>
+            <a:r>
+              <a:rPr lang="en-US" dirty="0"/>
+              <a:t>p</a:t>
+            </a:r>
+            <a:r>
+              <a:rPr lang="sk-SK" dirty="0" err="1"/>
+              <a:t>ublic</a:t>
+            </a:r>
+            <a:r>
+              <a:rPr lang="sk-SK" dirty="0"/>
+              <a:t> </a:t>
+            </a:r>
+            <a:r>
+              <a:rPr lang="sk-SK" dirty="0" err="1"/>
+              <a:t>class</a:t>
+            </a:r>
+            <a:r>
+              <a:rPr lang="sk-SK" dirty="0"/>
+              <a:t> Lietadlo</a:t>
+            </a:r>
+            <a:r>
+              <a:rPr lang="en-US" dirty="0"/>
+              <a:t>{</a:t>
+            </a:r>
+          </a:p>
+          <a:p>
+            <a:pPr marL="0" indent="0">
+              <a:buNone/>
+            </a:pPr>
+            <a:r>
+              <a:rPr lang="en-US" dirty="0"/>
+              <a:t>	public </a:t>
+            </a:r>
+            <a:r>
+              <a:rPr lang="en-US" dirty="0" err="1"/>
+              <a:t>Lietadlo</a:t>
+            </a:r>
+            <a:r>
+              <a:rPr lang="en-US" dirty="0"/>
+              <a:t>(){}</a:t>
+            </a:r>
+          </a:p>
+          <a:p>
+            <a:pPr marL="0" indent="0">
+              <a:buNone/>
+            </a:pPr>
+            <a:r>
+              <a:rPr lang="en-US" dirty="0"/>
+              <a:t>	public </a:t>
+            </a:r>
+            <a:r>
+              <a:rPr lang="en-US" dirty="0" err="1"/>
+              <a:t>Lietadlo</a:t>
+            </a:r>
+            <a:r>
+              <a:rPr lang="en-US" dirty="0"/>
+              <a:t>(int </a:t>
+            </a:r>
+            <a:r>
+              <a:rPr lang="en-US" dirty="0" err="1"/>
+              <a:t>pocetMotorov</a:t>
+            </a:r>
+            <a:r>
+              <a:rPr lang="en-US" dirty="0"/>
+              <a:t>, int </a:t>
+            </a:r>
+            <a:r>
+              <a:rPr lang="en-US" dirty="0" err="1"/>
+              <a:t>pocetKridel</a:t>
+            </a:r>
+            <a:r>
+              <a:rPr lang="en-US" dirty="0"/>
+              <a:t>){… </a:t>
+            </a:r>
+            <a:r>
+              <a:rPr lang="en-US" dirty="0" err="1"/>
+              <a:t>tu</a:t>
+            </a:r>
+            <a:r>
+              <a:rPr lang="en-US" dirty="0"/>
+              <a:t> by </a:t>
+            </a:r>
+            <a:r>
+              <a:rPr lang="en-US" dirty="0" err="1"/>
+              <a:t>sa</a:t>
+            </a:r>
+            <a:r>
+              <a:rPr lang="en-US" dirty="0"/>
+              <a:t> </a:t>
+            </a:r>
+            <a:r>
+              <a:rPr lang="en-US" dirty="0" err="1"/>
+              <a:t>naplnili</a:t>
+            </a:r>
+            <a:r>
+              <a:rPr lang="en-US" dirty="0"/>
+              <a:t> </a:t>
+            </a:r>
+            <a:r>
+              <a:rPr lang="en-US" dirty="0" err="1"/>
+              <a:t>vlastnosti</a:t>
+            </a:r>
+            <a:r>
+              <a:rPr lang="en-US" dirty="0"/>
+              <a:t> </a:t>
+            </a:r>
+            <a:r>
+              <a:rPr lang="en-US" dirty="0" err="1"/>
+              <a:t>objektu</a:t>
+            </a:r>
+            <a:r>
+              <a:rPr lang="en-US" dirty="0"/>
+              <a:t> … }</a:t>
+            </a:r>
+          </a:p>
+          <a:p>
+            <a:pPr marL="0" indent="0">
+              <a:buNone/>
+            </a:pPr>
+            <a:r>
+              <a:rPr lang="en-US" dirty="0"/>
+              <a:t>	public </a:t>
+            </a:r>
+            <a:r>
+              <a:rPr lang="en-US" dirty="0" err="1"/>
+              <a:t>Lietadlo</a:t>
+            </a:r>
+            <a:r>
+              <a:rPr lang="en-US" dirty="0"/>
+              <a:t>(int </a:t>
+            </a:r>
+            <a:r>
+              <a:rPr lang="en-US" dirty="0" err="1"/>
+              <a:t>pocetMotorov</a:t>
+            </a:r>
+            <a:r>
+              <a:rPr lang="en-US" dirty="0"/>
+              <a:t>, int </a:t>
+            </a:r>
+            <a:r>
+              <a:rPr lang="en-US" dirty="0" err="1"/>
+              <a:t>pocetKridel</a:t>
+            </a:r>
+            <a:r>
+              <a:rPr lang="en-US" dirty="0"/>
+              <a:t>, String </a:t>
+            </a:r>
+            <a:r>
+              <a:rPr lang="en-US" dirty="0" err="1"/>
+              <a:t>vlastnik</a:t>
+            </a:r>
+            <a:r>
+              <a:rPr lang="en-US" dirty="0"/>
+              <a:t>, String </a:t>
+            </a:r>
+            <a:r>
+              <a:rPr lang="en-US" dirty="0" err="1"/>
+              <a:t>oznacenie</a:t>
+            </a:r>
+            <a:r>
+              <a:rPr lang="en-US" dirty="0"/>
+              <a:t>) {… </a:t>
+            </a:r>
+            <a:r>
+              <a:rPr lang="en-US" dirty="0" err="1"/>
+              <a:t>naplnenie</a:t>
+            </a:r>
+            <a:r>
+              <a:rPr lang="en-US" dirty="0"/>
+              <a:t> </a:t>
+            </a:r>
+            <a:r>
+              <a:rPr lang="en-US" dirty="0" err="1"/>
+              <a:t>objektu</a:t>
+            </a:r>
+            <a:r>
+              <a:rPr lang="en-US" dirty="0"/>
+              <a:t> …}</a:t>
+            </a:r>
+          </a:p>
+          <a:p>
+            <a:pPr marL="0" indent="0">
+              <a:buNone/>
+            </a:pPr>
+            <a:r>
+              <a:rPr lang="en-US" dirty="0"/>
+              <a:t>}</a:t>
+            </a:r>
+            <a:endParaRPr lang="sk-SK" dirty="0"/>
+          </a:p>
+          <a:p>
+            <a:r>
+              <a:rPr lang="sk-SK" dirty="0"/>
+              <a:t>Pri vytváraní objektu by viacero konštruktorov dávalo napríklad možnosti:</a:t>
+            </a:r>
+          </a:p>
+          <a:p>
+            <a:pPr lvl="1"/>
+            <a:r>
+              <a:rPr lang="sk-SK" dirty="0"/>
+              <a:t>Lietadlo </a:t>
+            </a:r>
+            <a:r>
+              <a:rPr lang="sk-SK" dirty="0" err="1"/>
+              <a:t>novyBoeing</a:t>
+            </a:r>
+            <a:r>
+              <a:rPr lang="sk-SK" dirty="0"/>
+              <a:t> = Lietadlo</a:t>
+            </a:r>
+            <a:r>
+              <a:rPr lang="en-US" dirty="0"/>
+              <a:t>();</a:t>
+            </a:r>
+          </a:p>
+          <a:p>
+            <a:pPr lvl="1"/>
+            <a:r>
+              <a:rPr lang="en-US" dirty="0" err="1"/>
+              <a:t>Lietadlo</a:t>
+            </a:r>
+            <a:r>
+              <a:rPr lang="en-US" dirty="0"/>
+              <a:t> </a:t>
+            </a:r>
+            <a:r>
+              <a:rPr lang="en-US" dirty="0" err="1"/>
+              <a:t>novyBoeing</a:t>
+            </a:r>
+            <a:r>
+              <a:rPr lang="en-US" dirty="0"/>
+              <a:t> = new </a:t>
+            </a:r>
+            <a:r>
+              <a:rPr lang="en-US" dirty="0" err="1"/>
+              <a:t>Lietadlo</a:t>
+            </a:r>
+            <a:r>
+              <a:rPr lang="en-US" dirty="0"/>
+              <a:t>(2,4);</a:t>
+            </a:r>
+          </a:p>
+          <a:p>
+            <a:pPr lvl="1"/>
+            <a:r>
+              <a:rPr lang="en-US" dirty="0" err="1"/>
+              <a:t>Lietadlo</a:t>
+            </a:r>
+            <a:r>
+              <a:rPr lang="en-US" dirty="0"/>
+              <a:t> </a:t>
+            </a:r>
+            <a:r>
+              <a:rPr lang="en-US" dirty="0" err="1"/>
+              <a:t>novyBoeing</a:t>
+            </a:r>
+            <a:r>
+              <a:rPr lang="en-US" dirty="0"/>
+              <a:t> = new </a:t>
+            </a:r>
+            <a:r>
+              <a:rPr lang="en-US" dirty="0" err="1"/>
+              <a:t>Lietadlo</a:t>
+            </a:r>
+            <a:r>
+              <a:rPr lang="en-US" dirty="0"/>
+              <a:t>(2,4,”Quantas Airlines”, “B74_AM2”);</a:t>
+            </a:r>
+            <a:endParaRPr lang="sk-SK" dirty="0"/>
+          </a:p>
+          <a:p>
+            <a:endParaRPr lang="sk-SK" dirty="0"/>
           </a:p>
         </p:txBody>
       </p:sp>
     </p:spTree>
     <p:extLst>
       <p:ext uri="{BB962C8B-B14F-4D97-AF65-F5344CB8AC3E}">
-        <p14:creationId xmlns:p14="http://schemas.microsoft.com/office/powerpoint/2010/main" val="1462986322"/>
+        <p14:creationId xmlns:p14="http://schemas.microsoft.com/office/powerpoint/2010/main" val="748786030"/>
       </p:ext>
     </p:extLst>
   </p:cSld>
@@ -11291,7 +11533,7 @@
           <p:cNvPr id="2" name="Nadpis 1">
             <a:extLst>
               <a:ext uri="{FF2B5EF4-FFF2-40B4-BE49-F238E27FC236}">
-                <a16:creationId xmlns:a16="http://schemas.microsoft.com/office/drawing/2014/main" id="{99AAADC8-2E0F-4C6B-B1EA-A69CF8A66DE8}"/>
+                <a16:creationId xmlns:a16="http://schemas.microsoft.com/office/drawing/2014/main" id="{7E44455C-EB1D-4F29-804D-DA044A3EB56B}"/>
               </a:ext>
             </a:extLst>
           </p:cNvPr>
@@ -11309,7 +11551,7 @@
           <a:p>
             <a:r>
               <a:rPr lang="sk-SK" dirty="0"/>
-              <a:t>To čo máte na papieri napíšte do kódu</a:t>
+              <a:t>Preťažovanie metód</a:t>
             </a:r>
           </a:p>
         </p:txBody>
@@ -11319,7 +11561,7 @@
           <p:cNvPr id="3" name="Zástupný objekt pre obsah 2">
             <a:extLst>
               <a:ext uri="{FF2B5EF4-FFF2-40B4-BE49-F238E27FC236}">
-                <a16:creationId xmlns:a16="http://schemas.microsoft.com/office/drawing/2014/main" id="{4C76F791-B60F-4A64-840A-A5B831C40499}"/>
+                <a16:creationId xmlns:a16="http://schemas.microsoft.com/office/drawing/2014/main" id="{C2BD825A-27F8-485E-9639-33211B909FCC}"/>
               </a:ext>
             </a:extLst>
           </p:cNvPr>
@@ -11336,54 +11578,52 @@
           <a:lstStyle/>
           <a:p>
             <a:r>
-              <a:rPr lang="sk-SK" i="1" dirty="0"/>
-              <a:t>Pozn.</a:t>
+              <a:rPr lang="sk-SK" dirty="0"/>
+              <a:t>Tak ako </a:t>
+            </a:r>
+            <a:r>
+              <a:rPr lang="sk-SK" dirty="0" err="1"/>
+              <a:t>konšturktor</a:t>
+            </a:r>
+            <a:r>
+              <a:rPr lang="sk-SK" dirty="0"/>
+              <a:t> môže mať viac implementácií, tak aj metódy môžu byť preťažené.</a:t>
+            </a:r>
+          </a:p>
+          <a:p>
+            <a:r>
+              <a:rPr lang="sk-SK" dirty="0"/>
+              <a:t>Podmienkou je</a:t>
+            </a:r>
+            <a:r>
+              <a:rPr lang="en-US" dirty="0"/>
+              <a:t>,</a:t>
+            </a:r>
+            <a:r>
+              <a:rPr lang="sk-SK" dirty="0"/>
+              <a:t> aby:</a:t>
             </a:r>
           </a:p>
           <a:p>
             <a:pPr lvl="1"/>
             <a:r>
               <a:rPr lang="sk-SK" dirty="0"/>
-              <a:t>Zamyslite sa nad tým, aké typy môžu mať jednotlivé vlastnosti? Čo je </a:t>
-            </a:r>
-            <a:r>
-              <a:rPr lang="sk-SK" dirty="0" err="1"/>
-              <a:t>int</a:t>
-            </a:r>
-            <a:r>
-              <a:rPr lang="sk-SK" dirty="0"/>
-              <a:t>, čo je </a:t>
-            </a:r>
-            <a:r>
-              <a:rPr lang="sk-SK" dirty="0" err="1"/>
-              <a:t>String</a:t>
-            </a:r>
-            <a:r>
-              <a:rPr lang="sk-SK" dirty="0"/>
-              <a:t>, atď.</a:t>
+              <a:t>Metódy mali rôzny predpis –</a:t>
+            </a:r>
+            <a:r>
+              <a:rPr lang="en-US" dirty="0"/>
+              <a:t> in</a:t>
+            </a:r>
+            <a:r>
+              <a:rPr lang="sk-SK" dirty="0"/>
+              <a:t>é vstupy alebo iný počet vstupov</a:t>
             </a:r>
           </a:p>
           <a:p>
             <a:pPr lvl="1"/>
             <a:r>
               <a:rPr lang="sk-SK" dirty="0"/>
-              <a:t>Ak má pizza napr. korpus, ten nebude ani </a:t>
-            </a:r>
-            <a:r>
-              <a:rPr lang="sk-SK" dirty="0" err="1"/>
-              <a:t>int</a:t>
-            </a:r>
-            <a:r>
-              <a:rPr lang="sk-SK" dirty="0"/>
-              <a:t> ani </a:t>
-            </a:r>
-            <a:r>
-              <a:rPr lang="sk-SK" dirty="0" err="1"/>
-              <a:t>String</a:t>
-            </a:r>
-            <a:r>
-              <a:rPr lang="sk-SK" dirty="0"/>
-              <a:t>. Aký typ to môže byť? Súčasťou akej triedy bude vlastnosť korpus a ingrediencie?</a:t>
+              <a:t>Metódy mali rovnaký názov</a:t>
             </a:r>
           </a:p>
         </p:txBody>
@@ -11391,7 +11631,7 @@
     </p:spTree>
     <p:extLst>
       <p:ext uri="{BB962C8B-B14F-4D97-AF65-F5344CB8AC3E}">
-        <p14:creationId xmlns:p14="http://schemas.microsoft.com/office/powerpoint/2010/main" val="3025274309"/>
+        <p14:creationId xmlns:p14="http://schemas.microsoft.com/office/powerpoint/2010/main" val="1704267162"/>
       </p:ext>
     </p:extLst>
   </p:cSld>
@@ -11423,7 +11663,7 @@
           <p:cNvPr id="2" name="Nadpis 1">
             <a:extLst>
               <a:ext uri="{FF2B5EF4-FFF2-40B4-BE49-F238E27FC236}">
-                <a16:creationId xmlns:a16="http://schemas.microsoft.com/office/drawing/2014/main" id="{82152323-0BC3-40E0-AB69-BFF87F7A9313}"/>
+                <a16:creationId xmlns:a16="http://schemas.microsoft.com/office/drawing/2014/main" id="{592E093C-30A6-4C4B-AB40-011ED2B5A6CE}"/>
               </a:ext>
             </a:extLst>
           </p:cNvPr>
@@ -11441,7 +11681,7 @@
           <a:p>
             <a:r>
               <a:rPr lang="sk-SK" dirty="0"/>
-              <a:t>Ako vytvorím hierarchiu medzi triedami ?</a:t>
+              <a:t>Kde mám vlastne triedu vytvoriť?</a:t>
             </a:r>
           </a:p>
         </p:txBody>
@@ -11451,7 +11691,7 @@
           <p:cNvPr id="3" name="Zástupný objekt pre obsah 2">
             <a:extLst>
               <a:ext uri="{FF2B5EF4-FFF2-40B4-BE49-F238E27FC236}">
-                <a16:creationId xmlns:a16="http://schemas.microsoft.com/office/drawing/2014/main" id="{9B76602C-4ECA-492C-AEBA-710C75815458}"/>
+                <a16:creationId xmlns:a16="http://schemas.microsoft.com/office/drawing/2014/main" id="{E3065148-01EF-4BF8-917F-8F2C919ADEC6}"/>
               </a:ext>
             </a:extLst>
           </p:cNvPr>
@@ -11469,147 +11709,29 @@
           <a:p>
             <a:r>
               <a:rPr lang="sk-SK" dirty="0"/>
-              <a:t>Napr. mám triedu Pec</a:t>
-            </a:r>
-          </a:p>
-          <a:p>
-            <a:r>
-              <a:rPr lang="sk-SK" dirty="0"/>
-              <a:t>Čo má spoločné elektrická a tehlová pec na pizzu?</a:t>
-            </a:r>
-          </a:p>
-          <a:p>
-            <a:pPr lvl="1"/>
-            <a:r>
-              <a:rPr lang="sk-SK" dirty="0"/>
-              <a:t>To čo je spoločné je súčasťou triedy pec</a:t>
-            </a:r>
-          </a:p>
-          <a:p>
-            <a:pPr lvl="1"/>
-            <a:r>
-              <a:rPr lang="sk-SK" dirty="0"/>
-              <a:t>To čo je odlišné je súčasťou každej triedy zvlášť</a:t>
-            </a:r>
-          </a:p>
-          <a:p>
-            <a:r>
-              <a:rPr lang="sk-SK" dirty="0"/>
-              <a:t>Trieda pec je preto tzv. rodičovská trieda k elektrickej peci a tehlovej peci</a:t>
-            </a:r>
-          </a:p>
-          <a:p>
-            <a:r>
-              <a:rPr lang="sk-SK" dirty="0"/>
-              <a:t>Berte do úvahy, že elektrická pec je TYP nie objekt, podobne tehlová pec je TYP nie objekt</a:t>
-            </a:r>
-          </a:p>
-          <a:p>
-            <a:r>
-              <a:rPr lang="sk-SK" dirty="0"/>
-              <a:t>Elektrická a tehlová pec teda DEDIA vlastnosti od triedy PEC.</a:t>
-            </a:r>
-          </a:p>
-          <a:p>
-            <a:r>
-              <a:rPr lang="sk-SK" dirty="0"/>
-              <a:t>Dedenie označíme ako </a:t>
-            </a:r>
-            <a:r>
-              <a:rPr lang="sk-SK" dirty="0" err="1">
-                <a:solidFill>
-                  <a:srgbClr val="280DC9"/>
-                </a:solidFill>
-              </a:rPr>
-              <a:t>public</a:t>
-            </a:r>
-            <a:r>
-              <a:rPr lang="sk-SK" dirty="0"/>
-              <a:t> </a:t>
-            </a:r>
-            <a:r>
-              <a:rPr lang="sk-SK" b="1" dirty="0" err="1">
-                <a:solidFill>
-                  <a:srgbClr val="280DC9"/>
-                </a:solidFill>
-              </a:rPr>
-              <a:t>class</a:t>
-            </a:r>
-            <a:r>
-              <a:rPr lang="sk-SK" dirty="0"/>
-              <a:t> </a:t>
-            </a:r>
-            <a:r>
-              <a:rPr lang="sk-SK" dirty="0" err="1"/>
-              <a:t>nazov_dcerskej_triedy</a:t>
-            </a:r>
-            <a:r>
-              <a:rPr lang="sk-SK" dirty="0"/>
-              <a:t> </a:t>
-            </a:r>
-            <a:r>
-              <a:rPr lang="sk-SK" dirty="0" err="1">
-                <a:solidFill>
-                  <a:srgbClr val="280DC9"/>
-                </a:solidFill>
-              </a:rPr>
-              <a:t>extends</a:t>
-            </a:r>
-            <a:r>
-              <a:rPr lang="sk-SK" dirty="0"/>
-              <a:t> </a:t>
-            </a:r>
-            <a:r>
-              <a:rPr lang="sk-SK" dirty="0" err="1"/>
-              <a:t>nazov_rodicovskej_triedy</a:t>
-            </a:r>
-            <a:endParaRPr lang="sk-SK" dirty="0"/>
-          </a:p>
-          <a:p>
-            <a:pPr lvl="1"/>
-            <a:r>
-              <a:rPr lang="sk-SK" dirty="0" err="1">
-                <a:solidFill>
-                  <a:srgbClr val="280DC9"/>
-                </a:solidFill>
-              </a:rPr>
-              <a:t>public</a:t>
-            </a:r>
-            <a:r>
-              <a:rPr lang="sk-SK" dirty="0"/>
-              <a:t> </a:t>
-            </a:r>
-            <a:r>
-              <a:rPr lang="sk-SK" b="1" dirty="0" err="1">
-                <a:solidFill>
-                  <a:srgbClr val="280DC9"/>
-                </a:solidFill>
-              </a:rPr>
-              <a:t>class</a:t>
-            </a:r>
-            <a:r>
-              <a:rPr lang="sk-SK" dirty="0"/>
-              <a:t> </a:t>
-            </a:r>
-            <a:r>
-              <a:rPr lang="sk-SK" dirty="0" err="1"/>
-              <a:t>ElektrickaPec</a:t>
-            </a:r>
-            <a:r>
-              <a:rPr lang="sk-SK" dirty="0"/>
-              <a:t> </a:t>
-            </a:r>
-            <a:r>
-              <a:rPr lang="sk-SK" dirty="0" err="1">
-                <a:solidFill>
-                  <a:srgbClr val="280DC9"/>
-                </a:solidFill>
-              </a:rPr>
-              <a:t>extends</a:t>
-            </a:r>
-            <a:r>
-              <a:rPr lang="sk-SK" dirty="0"/>
-              <a:t> Pec</a:t>
+              <a:t>Každá trieda by mala mať svoj vlastný súbor – upozorní vás na to aj vývojové prostredie</a:t>
+            </a:r>
+          </a:p>
+          <a:p>
+            <a:r>
+              <a:rPr lang="sk-SK" dirty="0"/>
+              <a:t>Ak chcem použiť čokoľvek z inej triedy, ktorá je v inom </a:t>
+            </a:r>
+            <a:r>
+              <a:rPr lang="sk-SK" dirty="0" err="1"/>
+              <a:t>packagi</a:t>
+            </a:r>
+            <a:r>
+              <a:rPr lang="sk-SK" dirty="0"/>
+              <a:t>, musím importovať </a:t>
+            </a:r>
+            <a:r>
+              <a:rPr lang="sk-SK" dirty="0" err="1"/>
+              <a:t>package</a:t>
+            </a:r>
+            <a:r>
+              <a:rPr lang="sk-SK" dirty="0"/>
+              <a:t> alebo triedu.</a:t>
             </a:r>
           </a:p>
         </p:txBody>
@@ -11617,7 +11739,204 @@
     </p:spTree>
     <p:extLst>
       <p:ext uri="{BB962C8B-B14F-4D97-AF65-F5344CB8AC3E}">
-        <p14:creationId xmlns:p14="http://schemas.microsoft.com/office/powerpoint/2010/main" val="3292006489"/>
+        <p14:creationId xmlns:p14="http://schemas.microsoft.com/office/powerpoint/2010/main" val="3232591457"/>
+      </p:ext>
+    </p:extLst>
+  </p:cSld>
+  <p:clrMapOvr>
+    <a:masterClrMapping/>
+  </p:clrMapOvr>
+</p:sld>
+</file>
+
+<file path=ppt/slides/slide119.xml><?xml version="1.0" encoding="utf-8"?>
+<p:sld xmlns:a="http://schemas.openxmlformats.org/drawingml/2006/main" xmlns:r="http://schemas.openxmlformats.org/officeDocument/2006/relationships" xmlns:p="http://schemas.openxmlformats.org/presentationml/2006/main">
+  <p:cSld>
+    <p:spTree>
+      <p:nvGrpSpPr>
+        <p:cNvPr id="1" name=""/>
+        <p:cNvGrpSpPr/>
+        <p:nvPr/>
+      </p:nvGrpSpPr>
+      <p:grpSpPr>
+        <a:xfrm>
+          <a:off x="0" y="0"/>
+          <a:ext cx="0" cy="0"/>
+          <a:chOff x="0" y="0"/>
+          <a:chExt cx="0" cy="0"/>
+        </a:xfrm>
+      </p:grpSpPr>
+      <p:sp>
+        <p:nvSpPr>
+          <p:cNvPr id="2" name="Nadpis 1">
+            <a:extLst>
+              <a:ext uri="{FF2B5EF4-FFF2-40B4-BE49-F238E27FC236}">
+                <a16:creationId xmlns:a16="http://schemas.microsoft.com/office/drawing/2014/main" id="{63B989B4-AC8A-447B-9D01-36746CB6220B}"/>
+              </a:ext>
+            </a:extLst>
+          </p:cNvPr>
+          <p:cNvSpPr>
+            <a:spLocks noGrp="1"/>
+          </p:cNvSpPr>
+          <p:nvPr>
+            <p:ph type="title"/>
+          </p:nvPr>
+        </p:nvSpPr>
+        <p:spPr/>
+        <p:txBody>
+          <a:bodyPr/>
+          <a:lstStyle/>
+          <a:p>
+            <a:r>
+              <a:rPr lang="en-US" dirty="0" err="1"/>
+              <a:t>Ako</a:t>
+            </a:r>
+            <a:r>
+              <a:rPr lang="en-US" dirty="0"/>
+              <a:t> </a:t>
+            </a:r>
+            <a:r>
+              <a:rPr lang="sk-SK" dirty="0"/>
+              <a:t>vyzerá trieda a čo obsahuje?</a:t>
+            </a:r>
+          </a:p>
+        </p:txBody>
+      </p:sp>
+      <p:sp>
+        <p:nvSpPr>
+          <p:cNvPr id="3" name="Zástupný objekt pre obsah 2">
+            <a:extLst>
+              <a:ext uri="{FF2B5EF4-FFF2-40B4-BE49-F238E27FC236}">
+                <a16:creationId xmlns:a16="http://schemas.microsoft.com/office/drawing/2014/main" id="{16098A9D-A1F7-468E-BECF-AC046F1F79C0}"/>
+              </a:ext>
+            </a:extLst>
+          </p:cNvPr>
+          <p:cNvSpPr>
+            <a:spLocks noGrp="1"/>
+          </p:cNvSpPr>
+          <p:nvPr>
+            <p:ph idx="1"/>
+          </p:nvPr>
+        </p:nvSpPr>
+        <p:spPr/>
+        <p:txBody>
+          <a:bodyPr/>
+          <a:lstStyle/>
+          <a:p>
+            <a:r>
+              <a:rPr lang="sk-SK" dirty="0"/>
+              <a:t>Trieda má svoju deklaráciu</a:t>
+            </a:r>
+          </a:p>
+          <a:p>
+            <a:r>
+              <a:rPr lang="sk-SK" dirty="0"/>
+              <a:t>Môže obsahovať statické premenné a metódy – tie týkajú sa celej triedy ako typu</a:t>
+            </a:r>
+          </a:p>
+          <a:p>
+            <a:pPr lvl="1"/>
+            <a:r>
+              <a:rPr lang="sk-SK" dirty="0"/>
+              <a:t>Zavolať ich vieme pomocou názvu triedy napr. </a:t>
+            </a:r>
+            <a:r>
+              <a:rPr lang="sk-SK" dirty="0" err="1"/>
+              <a:t>int</a:t>
+            </a:r>
+            <a:r>
+              <a:rPr lang="sk-SK" dirty="0"/>
+              <a:t> </a:t>
+            </a:r>
+            <a:r>
+              <a:rPr lang="sk-SK" dirty="0" err="1"/>
+              <a:t>pocetKridel</a:t>
+            </a:r>
+            <a:r>
+              <a:rPr lang="sk-SK" dirty="0"/>
+              <a:t> = </a:t>
+            </a:r>
+            <a:r>
+              <a:rPr lang="sk-SK" dirty="0" err="1"/>
+              <a:t>Lietadlo.zistiPocetKridel</a:t>
+            </a:r>
+            <a:r>
+              <a:rPr lang="sk-SK" dirty="0"/>
+              <a:t>(</a:t>
+            </a:r>
+            <a:r>
+              <a:rPr lang="sk-SK" dirty="0" err="1"/>
+              <a:t>boeing</a:t>
+            </a:r>
+            <a:r>
+              <a:rPr lang="sk-SK" dirty="0"/>
+              <a:t>);</a:t>
+            </a:r>
+          </a:p>
+          <a:p>
+            <a:r>
+              <a:rPr lang="sk-SK" dirty="0"/>
+              <a:t>Môže obsahovať </a:t>
+            </a:r>
+            <a:r>
+              <a:rPr lang="sk-SK" dirty="0" err="1"/>
+              <a:t>public</a:t>
+            </a:r>
+            <a:r>
+              <a:rPr lang="sk-SK" dirty="0"/>
+              <a:t> premenné a metódy – týkajú sa objektov</a:t>
+            </a:r>
+          </a:p>
+          <a:p>
+            <a:pPr lvl="1"/>
+            <a:r>
+              <a:rPr lang="sk-SK" dirty="0"/>
+              <a:t>Zavolať ich vieme pomocou konkrétneho objektu napr. </a:t>
+            </a:r>
+            <a:r>
+              <a:rPr lang="sk-SK" dirty="0" err="1"/>
+              <a:t>boeing.stupaj</a:t>
+            </a:r>
+            <a:r>
+              <a:rPr lang="sk-SK" dirty="0"/>
+              <a:t>(1500);</a:t>
+            </a:r>
+          </a:p>
+          <a:p>
+            <a:r>
+              <a:rPr lang="sk-SK" dirty="0"/>
+              <a:t>Môže obsahovať </a:t>
+            </a:r>
+            <a:r>
+              <a:rPr lang="sk-SK" dirty="0" err="1"/>
+              <a:t>private</a:t>
+            </a:r>
+            <a:r>
+              <a:rPr lang="sk-SK" dirty="0"/>
+              <a:t> premenné a metódy – dajú sa používať len v triede Lietadlo pre interné potreby triedy</a:t>
+            </a:r>
+          </a:p>
+          <a:p>
+            <a:pPr lvl="1"/>
+            <a:r>
+              <a:rPr lang="sk-SK" dirty="0"/>
+              <a:t>Napríklad nejaká metóda, ktorá prepočíta pri stúpaní maximálnu rýchlosť stúpania, </a:t>
+            </a:r>
+            <a:r>
+              <a:rPr lang="sk-SK" dirty="0" err="1"/>
+              <a:t>t.j</a:t>
+            </a:r>
+            <a:r>
+              <a:rPr lang="sk-SK" dirty="0"/>
+              <a:t>. slúži len metóde stúpaj, kt. je súčasťou triedy Lietadlo</a:t>
+            </a:r>
+          </a:p>
+        </p:txBody>
+      </p:sp>
+    </p:spTree>
+    <p:extLst>
+      <p:ext uri="{BB962C8B-B14F-4D97-AF65-F5344CB8AC3E}">
+        <p14:creationId xmlns:p14="http://schemas.microsoft.com/office/powerpoint/2010/main" val="2156789120"/>
       </p:ext>
     </p:extLst>
   </p:cSld>
@@ -11764,6 +12083,1609 @@
     <p:extLst>
       <p:ext uri="{BB962C8B-B14F-4D97-AF65-F5344CB8AC3E}">
         <p14:creationId xmlns:p14="http://schemas.microsoft.com/office/powerpoint/2010/main" val="1957796928"/>
+      </p:ext>
+    </p:extLst>
+  </p:cSld>
+  <p:clrMapOvr>
+    <a:masterClrMapping/>
+  </p:clrMapOvr>
+</p:sld>
+</file>
+
+<file path=ppt/slides/slide120.xml><?xml version="1.0" encoding="utf-8"?>
+<p:sld xmlns:a="http://schemas.openxmlformats.org/drawingml/2006/main" xmlns:r="http://schemas.openxmlformats.org/officeDocument/2006/relationships" xmlns:p="http://schemas.openxmlformats.org/presentationml/2006/main">
+  <p:cSld>
+    <p:spTree>
+      <p:nvGrpSpPr>
+        <p:cNvPr id="1" name=""/>
+        <p:cNvGrpSpPr/>
+        <p:nvPr/>
+      </p:nvGrpSpPr>
+      <p:grpSpPr>
+        <a:xfrm>
+          <a:off x="0" y="0"/>
+          <a:ext cx="0" cy="0"/>
+          <a:chOff x="0" y="0"/>
+          <a:chExt cx="0" cy="0"/>
+        </a:xfrm>
+      </p:grpSpPr>
+      <p:sp>
+        <p:nvSpPr>
+          <p:cNvPr id="2" name="Nadpis 1">
+            <a:extLst>
+              <a:ext uri="{FF2B5EF4-FFF2-40B4-BE49-F238E27FC236}">
+                <a16:creationId xmlns:a16="http://schemas.microsoft.com/office/drawing/2014/main" id="{EC482C0C-67E9-4DA3-B900-F7C43FD9147C}"/>
+              </a:ext>
+            </a:extLst>
+          </p:cNvPr>
+          <p:cNvSpPr>
+            <a:spLocks noGrp="1"/>
+          </p:cNvSpPr>
+          <p:nvPr>
+            <p:ph type="title"/>
+          </p:nvPr>
+        </p:nvSpPr>
+        <p:spPr/>
+        <p:txBody>
+          <a:bodyPr/>
+          <a:lstStyle/>
+          <a:p>
+            <a:r>
+              <a:rPr lang="sk-SK" dirty="0"/>
+              <a:t>Cvičenie ... Resp. Ako to vyzerá na papieri ... </a:t>
+            </a:r>
+          </a:p>
+        </p:txBody>
+      </p:sp>
+      <p:sp>
+        <p:nvSpPr>
+          <p:cNvPr id="3" name="Zástupný objekt pre obsah 2">
+            <a:extLst>
+              <a:ext uri="{FF2B5EF4-FFF2-40B4-BE49-F238E27FC236}">
+                <a16:creationId xmlns:a16="http://schemas.microsoft.com/office/drawing/2014/main" id="{E00CF0B0-067A-4EB3-8BCF-C9CB81CACF2D}"/>
+              </a:ext>
+            </a:extLst>
+          </p:cNvPr>
+          <p:cNvSpPr>
+            <a:spLocks noGrp="1"/>
+          </p:cNvSpPr>
+          <p:nvPr>
+            <p:ph idx="1"/>
+          </p:nvPr>
+        </p:nvSpPr>
+        <p:spPr/>
+        <p:txBody>
+          <a:bodyPr/>
+          <a:lstStyle/>
+          <a:p>
+            <a:r>
+              <a:rPr lang="sk-SK" dirty="0"/>
+              <a:t>Skúste si rozobrať doménu „pečenie pizze“ na papier.</a:t>
+            </a:r>
+          </a:p>
+          <a:p>
+            <a:r>
+              <a:rPr lang="sk-SK" dirty="0"/>
+              <a:t>Identifikujte triedy v doméne</a:t>
+            </a:r>
+          </a:p>
+          <a:p>
+            <a:r>
+              <a:rPr lang="sk-SK" dirty="0"/>
+              <a:t>Ku každej triede vypíšte ich vlastnosti a metódy, ktoré je možné s danou triedou urobiť.</a:t>
+            </a:r>
+          </a:p>
+          <a:p>
+            <a:r>
+              <a:rPr lang="sk-SK" dirty="0"/>
+              <a:t>Do akej hĺbky pôjdete?</a:t>
+            </a:r>
+          </a:p>
+          <a:p>
+            <a:r>
+              <a:rPr lang="sk-SK" dirty="0"/>
+              <a:t>Kde definujete, ktoré vlastnosti a metódy? Napr. ktorá trieda bude mať metódu upeč, ktorá chladni ...?</a:t>
+            </a:r>
+          </a:p>
+        </p:txBody>
+      </p:sp>
+    </p:spTree>
+    <p:extLst>
+      <p:ext uri="{BB962C8B-B14F-4D97-AF65-F5344CB8AC3E}">
+        <p14:creationId xmlns:p14="http://schemas.microsoft.com/office/powerpoint/2010/main" val="1462986322"/>
+      </p:ext>
+    </p:extLst>
+  </p:cSld>
+  <p:clrMapOvr>
+    <a:masterClrMapping/>
+  </p:clrMapOvr>
+</p:sld>
+</file>
+
+<file path=ppt/slides/slide121.xml><?xml version="1.0" encoding="utf-8"?>
+<p:sld xmlns:a="http://schemas.openxmlformats.org/drawingml/2006/main" xmlns:r="http://schemas.openxmlformats.org/officeDocument/2006/relationships" xmlns:p="http://schemas.openxmlformats.org/presentationml/2006/main">
+  <p:cSld>
+    <p:spTree>
+      <p:nvGrpSpPr>
+        <p:cNvPr id="1" name=""/>
+        <p:cNvGrpSpPr/>
+        <p:nvPr/>
+      </p:nvGrpSpPr>
+      <p:grpSpPr>
+        <a:xfrm>
+          <a:off x="0" y="0"/>
+          <a:ext cx="0" cy="0"/>
+          <a:chOff x="0" y="0"/>
+          <a:chExt cx="0" cy="0"/>
+        </a:xfrm>
+      </p:grpSpPr>
+      <p:sp>
+        <p:nvSpPr>
+          <p:cNvPr id="2" name="Nadpis 1">
+            <a:extLst>
+              <a:ext uri="{FF2B5EF4-FFF2-40B4-BE49-F238E27FC236}">
+                <a16:creationId xmlns:a16="http://schemas.microsoft.com/office/drawing/2014/main" id="{99AAADC8-2E0F-4C6B-B1EA-A69CF8A66DE8}"/>
+              </a:ext>
+            </a:extLst>
+          </p:cNvPr>
+          <p:cNvSpPr>
+            <a:spLocks noGrp="1"/>
+          </p:cNvSpPr>
+          <p:nvPr>
+            <p:ph type="title"/>
+          </p:nvPr>
+        </p:nvSpPr>
+        <p:spPr/>
+        <p:txBody>
+          <a:bodyPr/>
+          <a:lstStyle/>
+          <a:p>
+            <a:r>
+              <a:rPr lang="en-US" dirty="0" err="1"/>
+              <a:t>Cvi</a:t>
+            </a:r>
+            <a:r>
+              <a:rPr lang="sk-SK" dirty="0" err="1"/>
+              <a:t>čenie</a:t>
+            </a:r>
+            <a:r>
+              <a:rPr lang="sk-SK" dirty="0"/>
+              <a:t> ...To čo máte na papieri napíšte do kódu</a:t>
+            </a:r>
+          </a:p>
+        </p:txBody>
+      </p:sp>
+      <p:sp>
+        <p:nvSpPr>
+          <p:cNvPr id="3" name="Zástupný objekt pre obsah 2">
+            <a:extLst>
+              <a:ext uri="{FF2B5EF4-FFF2-40B4-BE49-F238E27FC236}">
+                <a16:creationId xmlns:a16="http://schemas.microsoft.com/office/drawing/2014/main" id="{4C76F791-B60F-4A64-840A-A5B831C40499}"/>
+              </a:ext>
+            </a:extLst>
+          </p:cNvPr>
+          <p:cNvSpPr>
+            <a:spLocks noGrp="1"/>
+          </p:cNvSpPr>
+          <p:nvPr>
+            <p:ph idx="1"/>
+          </p:nvPr>
+        </p:nvSpPr>
+        <p:spPr/>
+        <p:txBody>
+          <a:bodyPr/>
+          <a:lstStyle/>
+          <a:p>
+            <a:r>
+              <a:rPr lang="sk-SK" i="1" dirty="0"/>
+              <a:t>Pozn.</a:t>
+            </a:r>
+          </a:p>
+          <a:p>
+            <a:pPr lvl="1"/>
+            <a:r>
+              <a:rPr lang="sk-SK" dirty="0"/>
+              <a:t>Zamyslite sa nad tým, aké typy môžu mať jednotlivé vlastnosti? Čo je </a:t>
+            </a:r>
+            <a:r>
+              <a:rPr lang="sk-SK" dirty="0" err="1"/>
+              <a:t>int</a:t>
+            </a:r>
+            <a:r>
+              <a:rPr lang="sk-SK" dirty="0"/>
+              <a:t>, čo je </a:t>
+            </a:r>
+            <a:r>
+              <a:rPr lang="sk-SK" dirty="0" err="1"/>
+              <a:t>String</a:t>
+            </a:r>
+            <a:r>
+              <a:rPr lang="sk-SK" dirty="0"/>
+              <a:t>, atď.</a:t>
+            </a:r>
+          </a:p>
+          <a:p>
+            <a:pPr lvl="1"/>
+            <a:r>
+              <a:rPr lang="sk-SK" dirty="0"/>
+              <a:t>Ak má pizza napr. korpus, ten nebude ani </a:t>
+            </a:r>
+            <a:r>
+              <a:rPr lang="sk-SK" dirty="0" err="1"/>
+              <a:t>int</a:t>
+            </a:r>
+            <a:r>
+              <a:rPr lang="sk-SK" dirty="0"/>
+              <a:t> ani </a:t>
+            </a:r>
+            <a:r>
+              <a:rPr lang="sk-SK" dirty="0" err="1"/>
+              <a:t>String</a:t>
+            </a:r>
+            <a:r>
+              <a:rPr lang="sk-SK" dirty="0"/>
+              <a:t>. Aký typ to môže byť? Súčasťou akej triedy bude vlastnosť korpus a ingrediencie?</a:t>
+            </a:r>
+          </a:p>
+        </p:txBody>
+      </p:sp>
+    </p:spTree>
+    <p:extLst>
+      <p:ext uri="{BB962C8B-B14F-4D97-AF65-F5344CB8AC3E}">
+        <p14:creationId xmlns:p14="http://schemas.microsoft.com/office/powerpoint/2010/main" val="3025274309"/>
+      </p:ext>
+    </p:extLst>
+  </p:cSld>
+  <p:clrMapOvr>
+    <a:masterClrMapping/>
+  </p:clrMapOvr>
+</p:sld>
+</file>
+
+<file path=ppt/slides/slide122.xml><?xml version="1.0" encoding="utf-8"?>
+<p:sld xmlns:a="http://schemas.openxmlformats.org/drawingml/2006/main" xmlns:r="http://schemas.openxmlformats.org/officeDocument/2006/relationships" xmlns:p="http://schemas.openxmlformats.org/presentationml/2006/main">
+  <p:cSld>
+    <p:spTree>
+      <p:nvGrpSpPr>
+        <p:cNvPr id="1" name=""/>
+        <p:cNvGrpSpPr/>
+        <p:nvPr/>
+      </p:nvGrpSpPr>
+      <p:grpSpPr>
+        <a:xfrm>
+          <a:off x="0" y="0"/>
+          <a:ext cx="0" cy="0"/>
+          <a:chOff x="0" y="0"/>
+          <a:chExt cx="0" cy="0"/>
+        </a:xfrm>
+      </p:grpSpPr>
+      <p:sp>
+        <p:nvSpPr>
+          <p:cNvPr id="2" name="Nadpis 1">
+            <a:extLst>
+              <a:ext uri="{FF2B5EF4-FFF2-40B4-BE49-F238E27FC236}">
+                <a16:creationId xmlns:a16="http://schemas.microsoft.com/office/drawing/2014/main" id="{206C6C42-0100-4092-8BC8-23FAE6D53951}"/>
+              </a:ext>
+            </a:extLst>
+          </p:cNvPr>
+          <p:cNvSpPr>
+            <a:spLocks noGrp="1"/>
+          </p:cNvSpPr>
+          <p:nvPr>
+            <p:ph type="title"/>
+          </p:nvPr>
+        </p:nvSpPr>
+        <p:spPr/>
+        <p:txBody>
+          <a:bodyPr/>
+          <a:lstStyle/>
+          <a:p>
+            <a:r>
+              <a:rPr lang="sk-SK" dirty="0"/>
+              <a:t>Privátny konštruktor </a:t>
+            </a:r>
+          </a:p>
+        </p:txBody>
+      </p:sp>
+      <p:sp>
+        <p:nvSpPr>
+          <p:cNvPr id="3" name="Zástupný objekt pre obsah 2">
+            <a:extLst>
+              <a:ext uri="{FF2B5EF4-FFF2-40B4-BE49-F238E27FC236}">
+                <a16:creationId xmlns:a16="http://schemas.microsoft.com/office/drawing/2014/main" id="{0969F870-EB1D-4A25-ADAA-4A5ED93D90D7}"/>
+              </a:ext>
+            </a:extLst>
+          </p:cNvPr>
+          <p:cNvSpPr>
+            <a:spLocks noGrp="1"/>
+          </p:cNvSpPr>
+          <p:nvPr>
+            <p:ph idx="1"/>
+          </p:nvPr>
+        </p:nvSpPr>
+        <p:spPr/>
+        <p:txBody>
+          <a:bodyPr/>
+          <a:lstStyle/>
+          <a:p>
+            <a:r>
+              <a:rPr lang="sk-SK" dirty="0"/>
+              <a:t>Čo myslíte na čo bude dobrý konštruktor, pomocou ktorého neviem vytvoriť nový objekt?</a:t>
+            </a:r>
+          </a:p>
+          <a:p>
+            <a:r>
+              <a:rPr lang="sk-SK" dirty="0"/>
+              <a:t>Presne na to, aby som nevedel vytvoriť objekt.</a:t>
+            </a:r>
+          </a:p>
+          <a:p>
+            <a:r>
+              <a:rPr lang="sk-SK" dirty="0"/>
+              <a:t>Ak mám napríklad len triedu, ktorá uchováva statické hodnoty, napr. nejaké nastavenia aplikácie, konštanty, cestu k súborom, obrázkom, resp. iným zdrojom. Nechcem, aby z nej niekto vytváral objekty, len pristúpil priamo k danej konštante.</a:t>
+            </a:r>
+          </a:p>
+          <a:p>
+            <a:endParaRPr lang="sk-SK" dirty="0"/>
+          </a:p>
+        </p:txBody>
+      </p:sp>
+    </p:spTree>
+    <p:extLst>
+      <p:ext uri="{BB962C8B-B14F-4D97-AF65-F5344CB8AC3E}">
+        <p14:creationId xmlns:p14="http://schemas.microsoft.com/office/powerpoint/2010/main" val="2539839705"/>
+      </p:ext>
+    </p:extLst>
+  </p:cSld>
+  <p:clrMapOvr>
+    <a:masterClrMapping/>
+  </p:clrMapOvr>
+  <p:timing>
+    <p:tnLst>
+      <p:par>
+        <p:cTn id="1" dur="indefinite" restart="never" nodeType="tmRoot">
+          <p:childTnLst>
+            <p:seq concurrent="1" nextAc="seek">
+              <p:cTn id="2" dur="indefinite" nodeType="mainSeq">
+                <p:childTnLst>
+                  <p:par>
+                    <p:cTn id="3" fill="hold">
+                      <p:stCondLst>
+                        <p:cond delay="indefinite"/>
+                      </p:stCondLst>
+                      <p:childTnLst>
+                        <p:par>
+                          <p:cTn id="4" fill="hold">
+                            <p:stCondLst>
+                              <p:cond delay="0"/>
+                            </p:stCondLst>
+                            <p:childTnLst>
+                              <p:par>
+                                <p:cTn id="5" presetID="10" presetClass="entr" presetSubtype="0" fill="hold" grpId="0" nodeType="clickEffect">
+                                  <p:stCondLst>
+                                    <p:cond delay="0"/>
+                                  </p:stCondLst>
+                                  <p:childTnLst>
+                                    <p:set>
+                                      <p:cBhvr>
+                                        <p:cTn id="6" dur="1" fill="hold">
+                                          <p:stCondLst>
+                                            <p:cond delay="0"/>
+                                          </p:stCondLst>
+                                        </p:cTn>
+                                        <p:tgtEl>
+                                          <p:spTgt spid="3">
+                                            <p:txEl>
+                                              <p:pRg st="0" end="0"/>
+                                            </p:txEl>
+                                          </p:spTgt>
+                                        </p:tgtEl>
+                                        <p:attrNameLst>
+                                          <p:attrName>style.visibility</p:attrName>
+                                        </p:attrNameLst>
+                                      </p:cBhvr>
+                                      <p:to>
+                                        <p:strVal val="visible"/>
+                                      </p:to>
+                                    </p:set>
+                                    <p:animEffect transition="in" filter="fade">
+                                      <p:cBhvr>
+                                        <p:cTn id="7" dur="500"/>
+                                        <p:tgtEl>
+                                          <p:spTgt spid="3">
+                                            <p:txEl>
+                                              <p:pRg st="0" end="0"/>
+                                            </p:txEl>
+                                          </p:spTgt>
+                                        </p:tgtEl>
+                                      </p:cBhvr>
+                                    </p:animEffect>
+                                  </p:childTnLst>
+                                </p:cTn>
+                              </p:par>
+                            </p:childTnLst>
+                          </p:cTn>
+                        </p:par>
+                      </p:childTnLst>
+                    </p:cTn>
+                  </p:par>
+                  <p:par>
+                    <p:cTn id="8" fill="hold">
+                      <p:stCondLst>
+                        <p:cond delay="indefinite"/>
+                      </p:stCondLst>
+                      <p:childTnLst>
+                        <p:par>
+                          <p:cTn id="9" fill="hold">
+                            <p:stCondLst>
+                              <p:cond delay="0"/>
+                            </p:stCondLst>
+                            <p:childTnLst>
+                              <p:par>
+                                <p:cTn id="10" presetID="10" presetClass="entr" presetSubtype="0" fill="hold" grpId="0" nodeType="clickEffect">
+                                  <p:stCondLst>
+                                    <p:cond delay="0"/>
+                                  </p:stCondLst>
+                                  <p:childTnLst>
+                                    <p:set>
+                                      <p:cBhvr>
+                                        <p:cTn id="11" dur="1" fill="hold">
+                                          <p:stCondLst>
+                                            <p:cond delay="0"/>
+                                          </p:stCondLst>
+                                        </p:cTn>
+                                        <p:tgtEl>
+                                          <p:spTgt spid="3">
+                                            <p:txEl>
+                                              <p:pRg st="1" end="1"/>
+                                            </p:txEl>
+                                          </p:spTgt>
+                                        </p:tgtEl>
+                                        <p:attrNameLst>
+                                          <p:attrName>style.visibility</p:attrName>
+                                        </p:attrNameLst>
+                                      </p:cBhvr>
+                                      <p:to>
+                                        <p:strVal val="visible"/>
+                                      </p:to>
+                                    </p:set>
+                                    <p:animEffect transition="in" filter="fade">
+                                      <p:cBhvr>
+                                        <p:cTn id="12" dur="500"/>
+                                        <p:tgtEl>
+                                          <p:spTgt spid="3">
+                                            <p:txEl>
+                                              <p:pRg st="1" end="1"/>
+                                            </p:txEl>
+                                          </p:spTgt>
+                                        </p:tgtEl>
+                                      </p:cBhvr>
+                                    </p:animEffect>
+                                  </p:childTnLst>
+                                </p:cTn>
+                              </p:par>
+                            </p:childTnLst>
+                          </p:cTn>
+                        </p:par>
+                      </p:childTnLst>
+                    </p:cTn>
+                  </p:par>
+                  <p:par>
+                    <p:cTn id="13" fill="hold">
+                      <p:stCondLst>
+                        <p:cond delay="indefinite"/>
+                      </p:stCondLst>
+                      <p:childTnLst>
+                        <p:par>
+                          <p:cTn id="14" fill="hold">
+                            <p:stCondLst>
+                              <p:cond delay="0"/>
+                            </p:stCondLst>
+                            <p:childTnLst>
+                              <p:par>
+                                <p:cTn id="15" presetID="10" presetClass="entr" presetSubtype="0" fill="hold" grpId="0" nodeType="clickEffect">
+                                  <p:stCondLst>
+                                    <p:cond delay="0"/>
+                                  </p:stCondLst>
+                                  <p:childTnLst>
+                                    <p:set>
+                                      <p:cBhvr>
+                                        <p:cTn id="16" dur="1" fill="hold">
+                                          <p:stCondLst>
+                                            <p:cond delay="0"/>
+                                          </p:stCondLst>
+                                        </p:cTn>
+                                        <p:tgtEl>
+                                          <p:spTgt spid="3">
+                                            <p:txEl>
+                                              <p:pRg st="2" end="2"/>
+                                            </p:txEl>
+                                          </p:spTgt>
+                                        </p:tgtEl>
+                                        <p:attrNameLst>
+                                          <p:attrName>style.visibility</p:attrName>
+                                        </p:attrNameLst>
+                                      </p:cBhvr>
+                                      <p:to>
+                                        <p:strVal val="visible"/>
+                                      </p:to>
+                                    </p:set>
+                                    <p:animEffect transition="in" filter="fade">
+                                      <p:cBhvr>
+                                        <p:cTn id="17" dur="500"/>
+                                        <p:tgtEl>
+                                          <p:spTgt spid="3">
+                                            <p:txEl>
+                                              <p:pRg st="2" end="2"/>
+                                            </p:txEl>
+                                          </p:spTgt>
+                                        </p:tgtEl>
+                                      </p:cBhvr>
+                                    </p:animEffect>
+                                  </p:childTnLst>
+                                </p:cTn>
+                              </p:par>
+                            </p:childTnLst>
+                          </p:cTn>
+                        </p:par>
+                      </p:childTnLst>
+                    </p:cTn>
+                  </p:par>
+                </p:childTnLst>
+              </p:cTn>
+              <p:prevCondLst>
+                <p:cond evt="onPrev" delay="0">
+                  <p:tgtEl>
+                    <p:sldTgt/>
+                  </p:tgtEl>
+                </p:cond>
+              </p:prevCondLst>
+              <p:nextCondLst>
+                <p:cond evt="onNext" delay="0">
+                  <p:tgtEl>
+                    <p:sldTgt/>
+                  </p:tgtEl>
+                </p:cond>
+              </p:nextCondLst>
+            </p:seq>
+          </p:childTnLst>
+        </p:cTn>
+      </p:par>
+    </p:tnLst>
+    <p:bldLst>
+      <p:bldP spid="3" grpId="0" build="p"/>
+    </p:bldLst>
+  </p:timing>
+</p:sld>
+</file>
+
+<file path=ppt/slides/slide123.xml><?xml version="1.0" encoding="utf-8"?>
+<p:sld xmlns:a="http://schemas.openxmlformats.org/drawingml/2006/main" xmlns:r="http://schemas.openxmlformats.org/officeDocument/2006/relationships" xmlns:p="http://schemas.openxmlformats.org/presentationml/2006/main">
+  <p:cSld>
+    <p:spTree>
+      <p:nvGrpSpPr>
+        <p:cNvPr id="1" name=""/>
+        <p:cNvGrpSpPr/>
+        <p:nvPr/>
+      </p:nvGrpSpPr>
+      <p:grpSpPr>
+        <a:xfrm>
+          <a:off x="0" y="0"/>
+          <a:ext cx="0" cy="0"/>
+          <a:chOff x="0" y="0"/>
+          <a:chExt cx="0" cy="0"/>
+        </a:xfrm>
+      </p:grpSpPr>
+      <p:sp>
+        <p:nvSpPr>
+          <p:cNvPr id="2" name="Nadpis 1">
+            <a:extLst>
+              <a:ext uri="{FF2B5EF4-FFF2-40B4-BE49-F238E27FC236}">
+                <a16:creationId xmlns:a16="http://schemas.microsoft.com/office/drawing/2014/main" id="{0667BF46-D54B-4E68-8B30-4FA108F93AA5}"/>
+              </a:ext>
+            </a:extLst>
+          </p:cNvPr>
+          <p:cNvSpPr>
+            <a:spLocks noGrp="1"/>
+          </p:cNvSpPr>
+          <p:nvPr>
+            <p:ph type="title"/>
+          </p:nvPr>
+        </p:nvSpPr>
+        <p:spPr/>
+        <p:txBody>
+          <a:bodyPr/>
+          <a:lstStyle/>
+          <a:p>
+            <a:r>
+              <a:rPr lang="sk-SK" dirty="0"/>
+              <a:t>Dedenie</a:t>
+            </a:r>
+          </a:p>
+        </p:txBody>
+      </p:sp>
+      <p:sp>
+        <p:nvSpPr>
+          <p:cNvPr id="3" name="Zástupný objekt pre obsah 2">
+            <a:extLst>
+              <a:ext uri="{FF2B5EF4-FFF2-40B4-BE49-F238E27FC236}">
+                <a16:creationId xmlns:a16="http://schemas.microsoft.com/office/drawing/2014/main" id="{7F3DFCFA-1CCB-42EB-A7AF-2A23EF26C5F9}"/>
+              </a:ext>
+            </a:extLst>
+          </p:cNvPr>
+          <p:cNvSpPr>
+            <a:spLocks noGrp="1"/>
+          </p:cNvSpPr>
+          <p:nvPr>
+            <p:ph idx="1"/>
+          </p:nvPr>
+        </p:nvSpPr>
+        <p:spPr/>
+        <p:txBody>
+          <a:bodyPr/>
+          <a:lstStyle/>
+          <a:p>
+            <a:r>
+              <a:rPr lang="sk-SK" dirty="0"/>
+              <a:t>Dedenie je spôsob hierarchického usporiadania tried</a:t>
+            </a:r>
+          </a:p>
+          <a:p>
+            <a:r>
+              <a:rPr lang="sk-SK" dirty="0"/>
+              <a:t>Každá trieda môže dediť len od jednej triedy</a:t>
+            </a:r>
+          </a:p>
+          <a:p>
+            <a:r>
+              <a:rPr lang="sk-SK" dirty="0"/>
+              <a:t>Rodičovská trieda sa nazýva „base“ trieda</a:t>
+            </a:r>
+          </a:p>
+          <a:p>
+            <a:r>
+              <a:rPr lang="sk-SK" dirty="0"/>
+              <a:t>Konštruktor rodičovskej triedy vieme volať v každej dcérskej triede pomocou metódy </a:t>
+            </a:r>
+            <a:r>
+              <a:rPr lang="sk-SK" b="1" dirty="0"/>
+              <a:t>super</a:t>
+            </a:r>
+            <a:r>
+              <a:rPr lang="en-US" b="1" dirty="0"/>
+              <a:t>();</a:t>
+            </a:r>
+          </a:p>
+        </p:txBody>
+      </p:sp>
+    </p:spTree>
+    <p:extLst>
+      <p:ext uri="{BB962C8B-B14F-4D97-AF65-F5344CB8AC3E}">
+        <p14:creationId xmlns:p14="http://schemas.microsoft.com/office/powerpoint/2010/main" val="147758405"/>
+      </p:ext>
+    </p:extLst>
+  </p:cSld>
+  <p:clrMapOvr>
+    <a:masterClrMapping/>
+  </p:clrMapOvr>
+</p:sld>
+</file>
+
+<file path=ppt/slides/slide124.xml><?xml version="1.0" encoding="utf-8"?>
+<p:sld xmlns:a="http://schemas.openxmlformats.org/drawingml/2006/main" xmlns:r="http://schemas.openxmlformats.org/officeDocument/2006/relationships" xmlns:p="http://schemas.openxmlformats.org/presentationml/2006/main">
+  <p:cSld>
+    <p:spTree>
+      <p:nvGrpSpPr>
+        <p:cNvPr id="1" name=""/>
+        <p:cNvGrpSpPr/>
+        <p:nvPr/>
+      </p:nvGrpSpPr>
+      <p:grpSpPr>
+        <a:xfrm>
+          <a:off x="0" y="0"/>
+          <a:ext cx="0" cy="0"/>
+          <a:chOff x="0" y="0"/>
+          <a:chExt cx="0" cy="0"/>
+        </a:xfrm>
+      </p:grpSpPr>
+      <p:sp>
+        <p:nvSpPr>
+          <p:cNvPr id="2" name="Nadpis 1">
+            <a:extLst>
+              <a:ext uri="{FF2B5EF4-FFF2-40B4-BE49-F238E27FC236}">
+                <a16:creationId xmlns:a16="http://schemas.microsoft.com/office/drawing/2014/main" id="{82152323-0BC3-40E0-AB69-BFF87F7A9313}"/>
+              </a:ext>
+            </a:extLst>
+          </p:cNvPr>
+          <p:cNvSpPr>
+            <a:spLocks noGrp="1"/>
+          </p:cNvSpPr>
+          <p:nvPr>
+            <p:ph type="title"/>
+          </p:nvPr>
+        </p:nvSpPr>
+        <p:spPr/>
+        <p:txBody>
+          <a:bodyPr/>
+          <a:lstStyle/>
+          <a:p>
+            <a:r>
+              <a:rPr lang="sk-SK" dirty="0"/>
+              <a:t>Ako vytvorím hierarchiu medzi triedami ?</a:t>
+            </a:r>
+          </a:p>
+        </p:txBody>
+      </p:sp>
+      <p:sp>
+        <p:nvSpPr>
+          <p:cNvPr id="3" name="Zástupný objekt pre obsah 2">
+            <a:extLst>
+              <a:ext uri="{FF2B5EF4-FFF2-40B4-BE49-F238E27FC236}">
+                <a16:creationId xmlns:a16="http://schemas.microsoft.com/office/drawing/2014/main" id="{9B76602C-4ECA-492C-AEBA-710C75815458}"/>
+              </a:ext>
+            </a:extLst>
+          </p:cNvPr>
+          <p:cNvSpPr>
+            <a:spLocks noGrp="1"/>
+          </p:cNvSpPr>
+          <p:nvPr>
+            <p:ph idx="1"/>
+          </p:nvPr>
+        </p:nvSpPr>
+        <p:spPr/>
+        <p:txBody>
+          <a:bodyPr/>
+          <a:lstStyle/>
+          <a:p>
+            <a:r>
+              <a:rPr lang="sk-SK" dirty="0"/>
+              <a:t>Napr. mám triedu Pec</a:t>
+            </a:r>
+          </a:p>
+          <a:p>
+            <a:r>
+              <a:rPr lang="sk-SK" dirty="0"/>
+              <a:t>Čo má spoločné elektrická a tehlová pec na pizzu?</a:t>
+            </a:r>
+          </a:p>
+          <a:p>
+            <a:pPr lvl="1"/>
+            <a:r>
+              <a:rPr lang="sk-SK" dirty="0"/>
+              <a:t>To čo je spoločné je súčasťou triedy pec</a:t>
+            </a:r>
+          </a:p>
+          <a:p>
+            <a:pPr lvl="1"/>
+            <a:r>
+              <a:rPr lang="sk-SK" dirty="0"/>
+              <a:t>To čo je odlišné je súčasťou každej triedy zvlášť</a:t>
+            </a:r>
+          </a:p>
+          <a:p>
+            <a:r>
+              <a:rPr lang="sk-SK" dirty="0"/>
+              <a:t>Trieda pec je preto tzv. rodičovská trieda k elektrickej peci a tehlovej peci</a:t>
+            </a:r>
+          </a:p>
+          <a:p>
+            <a:r>
+              <a:rPr lang="sk-SK" dirty="0"/>
+              <a:t>Berte do úvahy, že elektrická pec je TYP nie objekt, podobne tehlová pec je TYP nie objekt</a:t>
+            </a:r>
+          </a:p>
+          <a:p>
+            <a:r>
+              <a:rPr lang="sk-SK" dirty="0"/>
+              <a:t>Elektrická a tehlová pec teda DEDIA vlastnosti od triedy PEC.</a:t>
+            </a:r>
+          </a:p>
+          <a:p>
+            <a:r>
+              <a:rPr lang="sk-SK" dirty="0"/>
+              <a:t>Dedenie označíme ako </a:t>
+            </a:r>
+            <a:r>
+              <a:rPr lang="sk-SK" dirty="0" err="1">
+                <a:solidFill>
+                  <a:srgbClr val="280DC9"/>
+                </a:solidFill>
+              </a:rPr>
+              <a:t>public</a:t>
+            </a:r>
+            <a:r>
+              <a:rPr lang="sk-SK" dirty="0"/>
+              <a:t> </a:t>
+            </a:r>
+            <a:r>
+              <a:rPr lang="sk-SK" b="1" dirty="0" err="1">
+                <a:solidFill>
+                  <a:srgbClr val="280DC9"/>
+                </a:solidFill>
+              </a:rPr>
+              <a:t>class</a:t>
+            </a:r>
+            <a:r>
+              <a:rPr lang="sk-SK" dirty="0"/>
+              <a:t> </a:t>
+            </a:r>
+            <a:r>
+              <a:rPr lang="sk-SK" dirty="0" err="1"/>
+              <a:t>nazov_dcerskej_triedy</a:t>
+            </a:r>
+            <a:r>
+              <a:rPr lang="sk-SK" dirty="0"/>
+              <a:t> </a:t>
+            </a:r>
+            <a:r>
+              <a:rPr lang="sk-SK" dirty="0" err="1">
+                <a:solidFill>
+                  <a:srgbClr val="280DC9"/>
+                </a:solidFill>
+              </a:rPr>
+              <a:t>extends</a:t>
+            </a:r>
+            <a:r>
+              <a:rPr lang="sk-SK" dirty="0"/>
+              <a:t> </a:t>
+            </a:r>
+            <a:r>
+              <a:rPr lang="sk-SK" dirty="0" err="1"/>
+              <a:t>nazov_rodicovskej_triedy</a:t>
+            </a:r>
+            <a:endParaRPr lang="sk-SK" dirty="0"/>
+          </a:p>
+          <a:p>
+            <a:pPr lvl="1"/>
+            <a:r>
+              <a:rPr lang="sk-SK" dirty="0" err="1">
+                <a:solidFill>
+                  <a:srgbClr val="280DC9"/>
+                </a:solidFill>
+              </a:rPr>
+              <a:t>public</a:t>
+            </a:r>
+            <a:r>
+              <a:rPr lang="sk-SK" dirty="0"/>
+              <a:t> </a:t>
+            </a:r>
+            <a:r>
+              <a:rPr lang="sk-SK" b="1" dirty="0" err="1">
+                <a:solidFill>
+                  <a:srgbClr val="280DC9"/>
+                </a:solidFill>
+              </a:rPr>
+              <a:t>class</a:t>
+            </a:r>
+            <a:r>
+              <a:rPr lang="sk-SK" dirty="0"/>
+              <a:t> </a:t>
+            </a:r>
+            <a:r>
+              <a:rPr lang="sk-SK" dirty="0" err="1"/>
+              <a:t>ElektrickaPec</a:t>
+            </a:r>
+            <a:r>
+              <a:rPr lang="sk-SK" dirty="0"/>
+              <a:t> </a:t>
+            </a:r>
+            <a:r>
+              <a:rPr lang="sk-SK" dirty="0" err="1">
+                <a:solidFill>
+                  <a:srgbClr val="280DC9"/>
+                </a:solidFill>
+              </a:rPr>
+              <a:t>extends</a:t>
+            </a:r>
+            <a:r>
+              <a:rPr lang="sk-SK" dirty="0"/>
+              <a:t> Pec</a:t>
+            </a:r>
+          </a:p>
+        </p:txBody>
+      </p:sp>
+    </p:spTree>
+    <p:extLst>
+      <p:ext uri="{BB962C8B-B14F-4D97-AF65-F5344CB8AC3E}">
+        <p14:creationId xmlns:p14="http://schemas.microsoft.com/office/powerpoint/2010/main" val="3292006489"/>
+      </p:ext>
+    </p:extLst>
+  </p:cSld>
+  <p:clrMapOvr>
+    <a:masterClrMapping/>
+  </p:clrMapOvr>
+</p:sld>
+</file>
+
+<file path=ppt/slides/slide125.xml><?xml version="1.0" encoding="utf-8"?>
+<p:sld xmlns:a="http://schemas.openxmlformats.org/drawingml/2006/main" xmlns:r="http://schemas.openxmlformats.org/officeDocument/2006/relationships" xmlns:p="http://schemas.openxmlformats.org/presentationml/2006/main">
+  <p:cSld>
+    <p:spTree>
+      <p:nvGrpSpPr>
+        <p:cNvPr id="1" name=""/>
+        <p:cNvGrpSpPr/>
+        <p:nvPr/>
+      </p:nvGrpSpPr>
+      <p:grpSpPr>
+        <a:xfrm>
+          <a:off x="0" y="0"/>
+          <a:ext cx="0" cy="0"/>
+          <a:chOff x="0" y="0"/>
+          <a:chExt cx="0" cy="0"/>
+        </a:xfrm>
+      </p:grpSpPr>
+      <p:sp>
+        <p:nvSpPr>
+          <p:cNvPr id="2" name="Nadpis 1">
+            <a:extLst>
+              <a:ext uri="{FF2B5EF4-FFF2-40B4-BE49-F238E27FC236}">
+                <a16:creationId xmlns:a16="http://schemas.microsoft.com/office/drawing/2014/main" id="{9BB91A08-D3B5-4D7F-B4D7-50D7B3002716}"/>
+              </a:ext>
+            </a:extLst>
+          </p:cNvPr>
+          <p:cNvSpPr>
+            <a:spLocks noGrp="1"/>
+          </p:cNvSpPr>
+          <p:nvPr>
+            <p:ph type="title"/>
+          </p:nvPr>
+        </p:nvSpPr>
+        <p:spPr/>
+        <p:txBody>
+          <a:bodyPr/>
+          <a:lstStyle/>
+          <a:p>
+            <a:r>
+              <a:rPr lang="sk-SK" dirty="0"/>
+              <a:t>Cvičenie</a:t>
+            </a:r>
+          </a:p>
+        </p:txBody>
+      </p:sp>
+      <p:sp>
+        <p:nvSpPr>
+          <p:cNvPr id="3" name="Zástupný objekt pre obsah 2">
+            <a:extLst>
+              <a:ext uri="{FF2B5EF4-FFF2-40B4-BE49-F238E27FC236}">
+                <a16:creationId xmlns:a16="http://schemas.microsoft.com/office/drawing/2014/main" id="{FC8DBE4E-EFB2-4863-BD99-00C838E46978}"/>
+              </a:ext>
+            </a:extLst>
+          </p:cNvPr>
+          <p:cNvSpPr>
+            <a:spLocks noGrp="1"/>
+          </p:cNvSpPr>
+          <p:nvPr>
+            <p:ph idx="1"/>
+          </p:nvPr>
+        </p:nvSpPr>
+        <p:spPr/>
+        <p:txBody>
+          <a:bodyPr/>
+          <a:lstStyle/>
+          <a:p>
+            <a:r>
+              <a:rPr lang="sk-SK" dirty="0"/>
+              <a:t>Rozoberte doménu internetového obchodu</a:t>
+            </a:r>
+          </a:p>
+          <a:p>
+            <a:r>
+              <a:rPr lang="sk-SK" dirty="0"/>
+              <a:t>Identifikujte triedy</a:t>
+            </a:r>
+          </a:p>
+          <a:p>
+            <a:r>
+              <a:rPr lang="sk-SK" dirty="0"/>
+              <a:t>Vytvorte hierarchiu tried</a:t>
+            </a:r>
+          </a:p>
+          <a:p>
+            <a:endParaRPr lang="sk-SK" dirty="0"/>
+          </a:p>
+        </p:txBody>
+      </p:sp>
+    </p:spTree>
+    <p:extLst>
+      <p:ext uri="{BB962C8B-B14F-4D97-AF65-F5344CB8AC3E}">
+        <p14:creationId xmlns:p14="http://schemas.microsoft.com/office/powerpoint/2010/main" val="2747609831"/>
+      </p:ext>
+    </p:extLst>
+  </p:cSld>
+  <p:clrMapOvr>
+    <a:masterClrMapping/>
+  </p:clrMapOvr>
+</p:sld>
+</file>
+
+<file path=ppt/slides/slide126.xml><?xml version="1.0" encoding="utf-8"?>
+<p:sld xmlns:a="http://schemas.openxmlformats.org/drawingml/2006/main" xmlns:r="http://schemas.openxmlformats.org/officeDocument/2006/relationships" xmlns:p="http://schemas.openxmlformats.org/presentationml/2006/main">
+  <p:cSld>
+    <p:spTree>
+      <p:nvGrpSpPr>
+        <p:cNvPr id="1" name=""/>
+        <p:cNvGrpSpPr/>
+        <p:nvPr/>
+      </p:nvGrpSpPr>
+      <p:grpSpPr>
+        <a:xfrm>
+          <a:off x="0" y="0"/>
+          <a:ext cx="0" cy="0"/>
+          <a:chOff x="0" y="0"/>
+          <a:chExt cx="0" cy="0"/>
+        </a:xfrm>
+      </p:grpSpPr>
+      <p:sp>
+        <p:nvSpPr>
+          <p:cNvPr id="2" name="Nadpis 1">
+            <a:extLst>
+              <a:ext uri="{FF2B5EF4-FFF2-40B4-BE49-F238E27FC236}">
+                <a16:creationId xmlns:a16="http://schemas.microsoft.com/office/drawing/2014/main" id="{450492AD-6E66-451B-B60D-A8B338E68E98}"/>
+              </a:ext>
+            </a:extLst>
+          </p:cNvPr>
+          <p:cNvSpPr>
+            <a:spLocks noGrp="1"/>
+          </p:cNvSpPr>
+          <p:nvPr>
+            <p:ph type="title"/>
+          </p:nvPr>
+        </p:nvSpPr>
+        <p:spPr/>
+        <p:txBody>
+          <a:bodyPr/>
+          <a:lstStyle/>
+          <a:p>
+            <a:r>
+              <a:rPr lang="sk-SK" dirty="0"/>
+              <a:t>Rozhranie</a:t>
+            </a:r>
+          </a:p>
+        </p:txBody>
+      </p:sp>
+      <p:sp>
+        <p:nvSpPr>
+          <p:cNvPr id="3" name="Zástupný objekt pre obsah 2">
+            <a:extLst>
+              <a:ext uri="{FF2B5EF4-FFF2-40B4-BE49-F238E27FC236}">
+                <a16:creationId xmlns:a16="http://schemas.microsoft.com/office/drawing/2014/main" id="{A7E7E433-C508-48EA-A1FE-ECE5763058D2}"/>
+              </a:ext>
+            </a:extLst>
+          </p:cNvPr>
+          <p:cNvSpPr>
+            <a:spLocks noGrp="1"/>
+          </p:cNvSpPr>
+          <p:nvPr>
+            <p:ph idx="1"/>
+          </p:nvPr>
+        </p:nvSpPr>
+        <p:spPr>
+          <a:xfrm>
+            <a:off x="581192" y="2180496"/>
+            <a:ext cx="11029615" cy="4104690"/>
+          </a:xfrm>
+        </p:spPr>
+        <p:txBody>
+          <a:bodyPr>
+            <a:normAutofit fontScale="85000" lnSpcReduction="20000"/>
+          </a:bodyPr>
+          <a:lstStyle/>
+          <a:p>
+            <a:r>
+              <a:rPr lang="sk-SK" dirty="0"/>
+              <a:t>Súbor, ktorý obsahuje LEN DEKLARÁCIE metód.</a:t>
+            </a:r>
+          </a:p>
+          <a:p>
+            <a:r>
+              <a:rPr lang="sk-SK" dirty="0"/>
+              <a:t>Metódy v rozhraní preto NESMÚ mať žiadne telo a končia bodkočiarkou.</a:t>
+            </a:r>
+          </a:p>
+          <a:p>
+            <a:r>
+              <a:rPr lang="sk-SK" dirty="0"/>
+              <a:t>Hovorí o „schopnostiach“ triedy, </a:t>
+            </a:r>
+            <a:r>
+              <a:rPr lang="sk-SK" dirty="0" err="1"/>
+              <a:t>t.j</a:t>
+            </a:r>
+            <a:r>
+              <a:rPr lang="sk-SK" dirty="0"/>
+              <a:t>. čo trieda dokáže robiť.</a:t>
+            </a:r>
+          </a:p>
+          <a:p>
+            <a:r>
+              <a:rPr lang="sk-SK" dirty="0"/>
+              <a:t>Rozhranie je nanútený predpis pre triedy.</a:t>
+            </a:r>
+          </a:p>
+          <a:p>
+            <a:r>
+              <a:rPr lang="sk-SK" dirty="0"/>
+              <a:t>Každá trieda, ktorá používa (implementuje) rozhranie musí vytvoriť funkcionalitu pre všetky metódy rozhrania.</a:t>
+            </a:r>
+          </a:p>
+          <a:p>
+            <a:r>
+              <a:rPr lang="sk-SK" dirty="0"/>
+              <a:t>Rozhraní môže trieda implementovať naraz viac, musí ale potom zároveň vytvoriť funkcionalitu pre všetky implementované rozhrania.</a:t>
+            </a:r>
+          </a:p>
+          <a:p>
+            <a:r>
+              <a:rPr lang="sk-SK" dirty="0"/>
+              <a:t>Je zaužívané rozhrania označovať veľkým I ako začiatočným písmenom.</a:t>
+            </a:r>
+          </a:p>
+          <a:p>
+            <a:r>
+              <a:rPr lang="sk-SK" dirty="0"/>
+              <a:t>Sú definované v samostatných súboroch, podobne ako triedy</a:t>
+            </a:r>
+          </a:p>
+          <a:p>
+            <a:r>
+              <a:rPr lang="sk-SK" dirty="0"/>
+              <a:t>Predpis</a:t>
+            </a:r>
+          </a:p>
+          <a:p>
+            <a:pPr marL="0" indent="0">
+              <a:buNone/>
+            </a:pPr>
+            <a:r>
+              <a:rPr lang="sk-SK" dirty="0" err="1"/>
+              <a:t>public</a:t>
+            </a:r>
+            <a:r>
+              <a:rPr lang="sk-SK" dirty="0"/>
+              <a:t> interface </a:t>
+            </a:r>
+            <a:r>
+              <a:rPr lang="sk-SK" dirty="0" err="1"/>
+              <a:t>IPohybovatelny</a:t>
+            </a:r>
+            <a:r>
+              <a:rPr lang="en-US" dirty="0"/>
+              <a:t>{</a:t>
+            </a:r>
+          </a:p>
+          <a:p>
+            <a:pPr marL="0" indent="0">
+              <a:buNone/>
+            </a:pPr>
+            <a:r>
+              <a:rPr lang="en-US" dirty="0"/>
+              <a:t>	void </a:t>
+            </a:r>
+            <a:r>
+              <a:rPr lang="en-US" dirty="0" err="1"/>
+              <a:t>vpred</a:t>
+            </a:r>
+            <a:r>
+              <a:rPr lang="en-US" dirty="0"/>
+              <a:t>();</a:t>
+            </a:r>
+          </a:p>
+          <a:p>
+            <a:pPr marL="0" indent="0">
+              <a:buNone/>
+            </a:pPr>
+            <a:r>
+              <a:rPr lang="en-US" dirty="0"/>
+              <a:t>	void </a:t>
+            </a:r>
+            <a:r>
+              <a:rPr lang="en-US" dirty="0" err="1"/>
+              <a:t>vzad</a:t>
+            </a:r>
+            <a:r>
+              <a:rPr lang="en-US" dirty="0"/>
+              <a:t>();</a:t>
+            </a:r>
+          </a:p>
+          <a:p>
+            <a:pPr marL="0" indent="0">
+              <a:buNone/>
+            </a:pPr>
+            <a:r>
+              <a:rPr lang="en-US" dirty="0"/>
+              <a:t>}</a:t>
+            </a:r>
+            <a:endParaRPr lang="sk-SK" dirty="0"/>
+          </a:p>
+          <a:p>
+            <a:endParaRPr lang="sk-SK" dirty="0"/>
+          </a:p>
+        </p:txBody>
+      </p:sp>
+    </p:spTree>
+    <p:extLst>
+      <p:ext uri="{BB962C8B-B14F-4D97-AF65-F5344CB8AC3E}">
+        <p14:creationId xmlns:p14="http://schemas.microsoft.com/office/powerpoint/2010/main" val="1774370937"/>
+      </p:ext>
+    </p:extLst>
+  </p:cSld>
+  <p:clrMapOvr>
+    <a:masterClrMapping/>
+  </p:clrMapOvr>
+</p:sld>
+</file>
+
+<file path=ppt/slides/slide127.xml><?xml version="1.0" encoding="utf-8"?>
+<p:sld xmlns:a="http://schemas.openxmlformats.org/drawingml/2006/main" xmlns:r="http://schemas.openxmlformats.org/officeDocument/2006/relationships" xmlns:p="http://schemas.openxmlformats.org/presentationml/2006/main">
+  <p:cSld>
+    <p:spTree>
+      <p:nvGrpSpPr>
+        <p:cNvPr id="1" name=""/>
+        <p:cNvGrpSpPr/>
+        <p:nvPr/>
+      </p:nvGrpSpPr>
+      <p:grpSpPr>
+        <a:xfrm>
+          <a:off x="0" y="0"/>
+          <a:ext cx="0" cy="0"/>
+          <a:chOff x="0" y="0"/>
+          <a:chExt cx="0" cy="0"/>
+        </a:xfrm>
+      </p:grpSpPr>
+      <p:sp>
+        <p:nvSpPr>
+          <p:cNvPr id="2" name="Nadpis 1">
+            <a:extLst>
+              <a:ext uri="{FF2B5EF4-FFF2-40B4-BE49-F238E27FC236}">
+                <a16:creationId xmlns:a16="http://schemas.microsoft.com/office/drawing/2014/main" id="{9B997E93-66B7-46AD-A135-7D6C5DF147C5}"/>
+              </a:ext>
+            </a:extLst>
+          </p:cNvPr>
+          <p:cNvSpPr>
+            <a:spLocks noGrp="1"/>
+          </p:cNvSpPr>
+          <p:nvPr>
+            <p:ph type="title"/>
+          </p:nvPr>
+        </p:nvSpPr>
+        <p:spPr/>
+        <p:txBody>
+          <a:bodyPr/>
+          <a:lstStyle/>
+          <a:p>
+            <a:r>
+              <a:rPr lang="sk-SK" dirty="0"/>
+              <a:t>Polymorfizmus</a:t>
+            </a:r>
+          </a:p>
+        </p:txBody>
+      </p:sp>
+      <p:sp>
+        <p:nvSpPr>
+          <p:cNvPr id="3" name="Zástupný objekt pre obsah 2">
+            <a:extLst>
+              <a:ext uri="{FF2B5EF4-FFF2-40B4-BE49-F238E27FC236}">
+                <a16:creationId xmlns:a16="http://schemas.microsoft.com/office/drawing/2014/main" id="{55AB54D2-3D38-45AE-80CA-2F92B3ACA6D3}"/>
+              </a:ext>
+            </a:extLst>
+          </p:cNvPr>
+          <p:cNvSpPr>
+            <a:spLocks noGrp="1"/>
+          </p:cNvSpPr>
+          <p:nvPr>
+            <p:ph idx="1"/>
+          </p:nvPr>
+        </p:nvSpPr>
+        <p:spPr/>
+        <p:txBody>
+          <a:bodyPr/>
+          <a:lstStyle/>
+          <a:p>
+            <a:r>
+              <a:rPr lang="sk-SK" dirty="0"/>
+              <a:t>Rozhrania sa používajú </a:t>
+            </a:r>
+            <a:r>
+              <a:rPr lang="en-US" dirty="0" err="1"/>
+              <a:t>aj</a:t>
+            </a:r>
+            <a:r>
+              <a:rPr lang="en-US" dirty="0"/>
+              <a:t> pre </a:t>
+            </a:r>
+            <a:r>
+              <a:rPr lang="en-US" dirty="0" err="1"/>
+              <a:t>tzv</a:t>
+            </a:r>
+            <a:r>
+              <a:rPr lang="en-US" dirty="0"/>
+              <a:t>. </a:t>
+            </a:r>
+            <a:r>
+              <a:rPr lang="en-US" dirty="0" err="1"/>
+              <a:t>polymorfizmus</a:t>
+            </a:r>
+            <a:r>
+              <a:rPr lang="en-US" dirty="0"/>
+              <a:t> – </a:t>
+            </a:r>
+            <a:r>
+              <a:rPr lang="en-US" dirty="0" err="1"/>
+              <a:t>viactvaros</a:t>
+            </a:r>
+            <a:r>
+              <a:rPr lang="sk-SK" dirty="0"/>
+              <a:t>ť</a:t>
+            </a:r>
+            <a:endParaRPr lang="en-US" dirty="0"/>
+          </a:p>
+          <a:p>
+            <a:r>
+              <a:rPr lang="sk-SK" dirty="0"/>
+              <a:t>Napr. ak vytvorím rozhranie </a:t>
+            </a:r>
+            <a:r>
+              <a:rPr lang="sk-SK" dirty="0" err="1"/>
+              <a:t>IVaricKavy</a:t>
+            </a:r>
+            <a:r>
+              <a:rPr lang="sk-SK" dirty="0"/>
+              <a:t>, </a:t>
+            </a:r>
+            <a:r>
+              <a:rPr lang="sk-SK" dirty="0" err="1"/>
+              <a:t>ktore</a:t>
+            </a:r>
+            <a:r>
+              <a:rPr lang="sk-SK" dirty="0"/>
+              <a:t> budú implementovať triedy </a:t>
+            </a:r>
+            <a:r>
+              <a:rPr lang="sk-SK" dirty="0" err="1"/>
+              <a:t>Presostroj</a:t>
+            </a:r>
+            <a:r>
+              <a:rPr lang="sk-SK" dirty="0"/>
+              <a:t>, </a:t>
+            </a:r>
+            <a:r>
+              <a:rPr lang="sk-SK" dirty="0" err="1"/>
+              <a:t>Kapsulovac</a:t>
+            </a:r>
+            <a:r>
+              <a:rPr lang="sk-SK" dirty="0"/>
+              <a:t>, Kanvica ; tak všetky 3 triedy je možné považovať za </a:t>
+            </a:r>
+            <a:r>
+              <a:rPr lang="sk-SK" dirty="0" err="1"/>
+              <a:t>IVaricKavy</a:t>
+            </a:r>
+            <a:r>
+              <a:rPr lang="sk-SK" dirty="0"/>
+              <a:t> a všetky 3 majú tú istú funkcionalitu aj keď ide o rôzne typy (triedy).</a:t>
+            </a:r>
+          </a:p>
+          <a:p>
+            <a:r>
+              <a:rPr lang="sk-SK" dirty="0"/>
+              <a:t>Všetky 3 triedy je preto možné konvertovať na abstraktný typ </a:t>
+            </a:r>
+            <a:r>
+              <a:rPr lang="sk-SK" dirty="0" err="1"/>
+              <a:t>IVaricKavy</a:t>
+            </a:r>
+            <a:r>
+              <a:rPr lang="sk-SK" dirty="0"/>
+              <a:t>.</a:t>
+            </a:r>
+          </a:p>
+          <a:p>
+            <a:r>
+              <a:rPr lang="sk-SK" dirty="0"/>
+              <a:t>Tento princíp sa používa pre injektovanie služieb pomocou tzv. </a:t>
+            </a:r>
+            <a:r>
+              <a:rPr lang="sk-SK" dirty="0" err="1"/>
+              <a:t>dependency</a:t>
+            </a:r>
+            <a:r>
+              <a:rPr lang="sk-SK" dirty="0"/>
+              <a:t> </a:t>
+            </a:r>
+            <a:r>
+              <a:rPr lang="sk-SK" dirty="0" err="1"/>
+              <a:t>injection</a:t>
+            </a:r>
+            <a:r>
+              <a:rPr lang="sk-SK" dirty="0"/>
+              <a:t> (spomeňte si na slovo SOLID) – D = </a:t>
+            </a:r>
+            <a:r>
+              <a:rPr lang="sk-SK" dirty="0" err="1"/>
+              <a:t>dependency</a:t>
+            </a:r>
+            <a:r>
+              <a:rPr lang="sk-SK" dirty="0"/>
+              <a:t> </a:t>
+            </a:r>
+            <a:r>
+              <a:rPr lang="sk-SK" dirty="0" err="1"/>
+              <a:t>inversion</a:t>
+            </a:r>
+            <a:r>
+              <a:rPr lang="sk-SK" dirty="0"/>
+              <a:t> </a:t>
+            </a:r>
+            <a:r>
+              <a:rPr lang="sk-SK" dirty="0" err="1"/>
+              <a:t>principle</a:t>
+            </a:r>
+            <a:r>
+              <a:rPr lang="sk-SK" dirty="0"/>
+              <a:t>.</a:t>
+            </a:r>
+          </a:p>
+        </p:txBody>
+      </p:sp>
+    </p:spTree>
+    <p:extLst>
+      <p:ext uri="{BB962C8B-B14F-4D97-AF65-F5344CB8AC3E}">
+        <p14:creationId xmlns:p14="http://schemas.microsoft.com/office/powerpoint/2010/main" val="3887532721"/>
+      </p:ext>
+    </p:extLst>
+  </p:cSld>
+  <p:clrMapOvr>
+    <a:masterClrMapping/>
+  </p:clrMapOvr>
+</p:sld>
+</file>
+
+<file path=ppt/slides/slide128.xml><?xml version="1.0" encoding="utf-8"?>
+<p:sld xmlns:a="http://schemas.openxmlformats.org/drawingml/2006/main" xmlns:r="http://schemas.openxmlformats.org/officeDocument/2006/relationships" xmlns:p="http://schemas.openxmlformats.org/presentationml/2006/main">
+  <p:cSld>
+    <p:spTree>
+      <p:nvGrpSpPr>
+        <p:cNvPr id="1" name=""/>
+        <p:cNvGrpSpPr/>
+        <p:nvPr/>
+      </p:nvGrpSpPr>
+      <p:grpSpPr>
+        <a:xfrm>
+          <a:off x="0" y="0"/>
+          <a:ext cx="0" cy="0"/>
+          <a:chOff x="0" y="0"/>
+          <a:chExt cx="0" cy="0"/>
+        </a:xfrm>
+      </p:grpSpPr>
+      <p:sp>
+        <p:nvSpPr>
+          <p:cNvPr id="2" name="Nadpis 1">
+            <a:extLst>
+              <a:ext uri="{FF2B5EF4-FFF2-40B4-BE49-F238E27FC236}">
+                <a16:creationId xmlns:a16="http://schemas.microsoft.com/office/drawing/2014/main" id="{8B589BDF-F81E-426F-AE41-B87463B4FD50}"/>
+              </a:ext>
+            </a:extLst>
+          </p:cNvPr>
+          <p:cNvSpPr>
+            <a:spLocks noGrp="1"/>
+          </p:cNvSpPr>
+          <p:nvPr>
+            <p:ph type="title"/>
+          </p:nvPr>
+        </p:nvSpPr>
+        <p:spPr/>
+        <p:txBody>
+          <a:bodyPr/>
+          <a:lstStyle/>
+          <a:p>
+            <a:r>
+              <a:rPr lang="sk-SK" dirty="0"/>
+              <a:t>CVIČENIE</a:t>
+            </a:r>
+          </a:p>
+        </p:txBody>
+      </p:sp>
+      <p:sp>
+        <p:nvSpPr>
+          <p:cNvPr id="3" name="Zástupný objekt pre obsah 2">
+            <a:extLst>
+              <a:ext uri="{FF2B5EF4-FFF2-40B4-BE49-F238E27FC236}">
+                <a16:creationId xmlns:a16="http://schemas.microsoft.com/office/drawing/2014/main" id="{230B96F1-4681-4FF1-95B9-8CAA2A68D7A1}"/>
+              </a:ext>
+            </a:extLst>
+          </p:cNvPr>
+          <p:cNvSpPr>
+            <a:spLocks noGrp="1"/>
+          </p:cNvSpPr>
+          <p:nvPr>
+            <p:ph idx="1"/>
+          </p:nvPr>
+        </p:nvSpPr>
+        <p:spPr/>
+        <p:txBody>
+          <a:bodyPr>
+            <a:normAutofit/>
+          </a:bodyPr>
+          <a:lstStyle/>
+          <a:p>
+            <a:r>
+              <a:rPr lang="sk-SK" dirty="0"/>
+              <a:t>Rozoberte doménu varenie teplých nápojov</a:t>
+            </a:r>
+          </a:p>
+          <a:p>
+            <a:r>
+              <a:rPr lang="sk-SK" dirty="0"/>
+              <a:t>Identifikujte triedy</a:t>
+            </a:r>
+          </a:p>
+          <a:p>
+            <a:pPr lvl="1"/>
+            <a:r>
+              <a:rPr lang="sk-SK" dirty="0"/>
+              <a:t>Typy teplých nápojov</a:t>
+            </a:r>
+          </a:p>
+          <a:p>
+            <a:pPr lvl="1"/>
+            <a:r>
+              <a:rPr lang="sk-SK" dirty="0"/>
+              <a:t>Typy strojov, ktoré teplé nápoje vyrábajú</a:t>
+            </a:r>
+          </a:p>
+          <a:p>
+            <a:pPr lvl="1"/>
+            <a:r>
+              <a:rPr lang="sk-SK" dirty="0"/>
+              <a:t>...</a:t>
+            </a:r>
+          </a:p>
+          <a:p>
+            <a:r>
+              <a:rPr lang="sk-SK" dirty="0"/>
+              <a:t>Popíšte vzťahy medzi triedami </a:t>
+            </a:r>
+            <a:r>
+              <a:rPr lang="sk-SK" b="1" dirty="0"/>
+              <a:t>slovesami</a:t>
+            </a:r>
+          </a:p>
+          <a:p>
+            <a:r>
+              <a:rPr lang="sk-SK" b="1" dirty="0"/>
+              <a:t>Identifikujte možnosti pre použitie rozhrania.</a:t>
+            </a:r>
+          </a:p>
+          <a:p>
+            <a:pPr lvl="1"/>
+            <a:r>
+              <a:rPr lang="sk-SK" b="1" dirty="0"/>
+              <a:t>Aké metódu bude mať rozhranie?</a:t>
+            </a:r>
+          </a:p>
+          <a:p>
+            <a:r>
+              <a:rPr lang="sk-SK" dirty="0"/>
+              <a:t>V metóde </a:t>
+            </a:r>
+            <a:r>
+              <a:rPr lang="sk-SK" dirty="0" err="1"/>
+              <a:t>main</a:t>
+            </a:r>
+            <a:r>
+              <a:rPr lang="sk-SK" dirty="0"/>
+              <a:t> si uvarte niektorý teplý nápoj.</a:t>
+            </a:r>
+          </a:p>
+          <a:p>
+            <a:endParaRPr lang="sk-SK" b="1" dirty="0"/>
+          </a:p>
+        </p:txBody>
+      </p:sp>
+    </p:spTree>
+    <p:extLst>
+      <p:ext uri="{BB962C8B-B14F-4D97-AF65-F5344CB8AC3E}">
+        <p14:creationId xmlns:p14="http://schemas.microsoft.com/office/powerpoint/2010/main" val="1800480706"/>
       </p:ext>
     </p:extLst>
   </p:cSld>

--- a/JavaZaklady-skolenie.pptx
+++ b/JavaZaklady-skolenie.pptx
@@ -130,9 +130,32 @@
     <p:sldId id="520" r:id="rId124"/>
     <p:sldId id="519" r:id="rId125"/>
     <p:sldId id="529" r:id="rId126"/>
-    <p:sldId id="525" r:id="rId127"/>
-    <p:sldId id="526" r:id="rId128"/>
-    <p:sldId id="528" r:id="rId129"/>
+    <p:sldId id="530" r:id="rId127"/>
+    <p:sldId id="531" r:id="rId128"/>
+    <p:sldId id="532" r:id="rId129"/>
+    <p:sldId id="525" r:id="rId130"/>
+    <p:sldId id="526" r:id="rId131"/>
+    <p:sldId id="528" r:id="rId132"/>
+    <p:sldId id="537" r:id="rId133"/>
+    <p:sldId id="538" r:id="rId134"/>
+    <p:sldId id="539" r:id="rId135"/>
+    <p:sldId id="534" r:id="rId136"/>
+    <p:sldId id="536" r:id="rId137"/>
+    <p:sldId id="535" r:id="rId138"/>
+    <p:sldId id="533" r:id="rId139"/>
+    <p:sldId id="541" r:id="rId140"/>
+    <p:sldId id="540" r:id="rId141"/>
+    <p:sldId id="542" r:id="rId142"/>
+    <p:sldId id="543" r:id="rId143"/>
+    <p:sldId id="544" r:id="rId144"/>
+    <p:sldId id="545" r:id="rId145"/>
+    <p:sldId id="546" r:id="rId146"/>
+    <p:sldId id="547" r:id="rId147"/>
+    <p:sldId id="548" r:id="rId148"/>
+    <p:sldId id="549" r:id="rId149"/>
+    <p:sldId id="550" r:id="rId150"/>
+    <p:sldId id="551" r:id="rId151"/>
+    <p:sldId id="552" r:id="rId152"/>
   </p:sldIdLst>
   <p:sldSz cx="12192000" cy="6858000"/>
   <p:notesSz cx="9144000" cy="6858000"/>
@@ -3906,7 +3929,7 @@
             <a:fld id="{B61BEF0D-F0BB-DE4B-95CE-6DB70DBA9567}" type="datetimeFigureOut">
               <a:rPr lang="en-US" dirty="0"/>
               <a:pPr/>
-              <a:t>2/1/2019</a:t>
+              <a:t>2/10/2019</a:t>
             </a:fld>
             <a:endParaRPr lang="en-US" dirty="0"/>
           </a:p>
@@ -4165,7 +4188,7 @@
             <a:fld id="{B61BEF0D-F0BB-DE4B-95CE-6DB70DBA9567}" type="datetimeFigureOut">
               <a:rPr lang="en-US" dirty="0"/>
               <a:pPr/>
-              <a:t>2/1/2019</a:t>
+              <a:t>2/10/2019</a:t>
             </a:fld>
             <a:endParaRPr lang="en-US" dirty="0"/>
           </a:p>
@@ -4397,7 +4420,7 @@
             <a:fld id="{B61BEF0D-F0BB-DE4B-95CE-6DB70DBA9567}" type="datetimeFigureOut">
               <a:rPr lang="en-US" dirty="0"/>
               <a:pPr/>
-              <a:t>2/1/2019</a:t>
+              <a:t>2/10/2019</a:t>
             </a:fld>
             <a:endParaRPr lang="en-US" dirty="0"/>
           </a:p>
@@ -4634,7 +4657,7 @@
             <a:fld id="{B61BEF0D-F0BB-DE4B-95CE-6DB70DBA9567}" type="datetimeFigureOut">
               <a:rPr lang="en-US" dirty="0"/>
               <a:pPr/>
-              <a:t>2/1/2019</a:t>
+              <a:t>2/10/2019</a:t>
             </a:fld>
             <a:endParaRPr lang="en-US" dirty="0"/>
           </a:p>
@@ -4938,7 +4961,7 @@
             <a:fld id="{B61BEF0D-F0BB-DE4B-95CE-6DB70DBA9567}" type="datetimeFigureOut">
               <a:rPr lang="en-US" dirty="0"/>
               <a:pPr/>
-              <a:t>2/1/2019</a:t>
+              <a:t>2/10/2019</a:t>
             </a:fld>
             <a:endParaRPr lang="en-US" dirty="0"/>
           </a:p>
@@ -5237,7 +5260,7 @@
             <a:fld id="{B61BEF0D-F0BB-DE4B-95CE-6DB70DBA9567}" type="datetimeFigureOut">
               <a:rPr lang="en-US" dirty="0"/>
               <a:pPr/>
-              <a:t>2/1/2019</a:t>
+              <a:t>2/10/2019</a:t>
             </a:fld>
             <a:endParaRPr lang="en-US" dirty="0"/>
           </a:p>
@@ -5656,7 +5679,7 @@
             <a:fld id="{B61BEF0D-F0BB-DE4B-95CE-6DB70DBA9567}" type="datetimeFigureOut">
               <a:rPr lang="en-US" dirty="0"/>
               <a:pPr/>
-              <a:t>2/1/2019</a:t>
+              <a:t>2/10/2019</a:t>
             </a:fld>
             <a:endParaRPr lang="en-US" dirty="0"/>
           </a:p>
@@ -5815,7 +5838,7 @@
             <a:fld id="{B61BEF0D-F0BB-DE4B-95CE-6DB70DBA9567}" type="datetimeFigureOut">
               <a:rPr lang="en-US" dirty="0"/>
               <a:pPr/>
-              <a:t>2/1/2019</a:t>
+              <a:t>2/10/2019</a:t>
             </a:fld>
             <a:endParaRPr lang="en-US" dirty="0"/>
           </a:p>
@@ -5907,7 +5930,7 @@
             <a:fld id="{B61BEF0D-F0BB-DE4B-95CE-6DB70DBA9567}" type="datetimeFigureOut">
               <a:rPr lang="en-US" dirty="0"/>
               <a:pPr/>
-              <a:t>2/1/2019</a:t>
+              <a:t>2/10/2019</a:t>
             </a:fld>
             <a:endParaRPr lang="en-US" dirty="0"/>
           </a:p>
@@ -6282,7 +6305,7 @@
             <a:fld id="{B61BEF0D-F0BB-DE4B-95CE-6DB70DBA9567}" type="datetimeFigureOut">
               <a:rPr lang="en-US" dirty="0"/>
               <a:pPr/>
-              <a:t>2/1/2019</a:t>
+              <a:t>2/10/2019</a:t>
             </a:fld>
             <a:endParaRPr lang="en-US" dirty="0"/>
           </a:p>
@@ -6568,7 +6591,7 @@
             <a:fld id="{B61BEF0D-F0BB-DE4B-95CE-6DB70DBA9567}" type="datetimeFigureOut">
               <a:rPr lang="en-US" dirty="0"/>
               <a:pPr/>
-              <a:t>2/1/2019</a:t>
+              <a:t>2/10/2019</a:t>
             </a:fld>
             <a:endParaRPr lang="en-US" dirty="0"/>
           </a:p>
@@ -6776,7 +6799,7 @@
             <a:fld id="{B61BEF0D-F0BB-DE4B-95CE-6DB70DBA9567}" type="datetimeFigureOut">
               <a:rPr lang="en-US" dirty="0"/>
               <a:pPr/>
-              <a:t>2/1/2019</a:t>
+              <a:t>2/10/2019</a:t>
             </a:fld>
             <a:endParaRPr lang="en-US" dirty="0"/>
           </a:p>
@@ -7928,9 +7951,13 @@
             </a:r>
             <a:r>
               <a:rPr lang="en-US" dirty="0"/>
-              <a:t>);</a:t>
-            </a:r>
-            <a:endParaRPr lang="sk-SK" dirty="0"/>
+              <a:t>)</a:t>
+            </a:r>
+            <a:r>
+              <a:rPr lang="en-US" b="1" dirty="0"/>
+              <a:t>;</a:t>
+            </a:r>
+            <a:endParaRPr lang="sk-SK" b="1" dirty="0"/>
           </a:p>
         </p:txBody>
       </p:sp>
@@ -9287,7 +9314,7 @@
                   <a:schemeClr val="accent1"/>
                 </a:solidFill>
               </a:rPr>
-              <a:t>2-3. </a:t>
+              <a:t>3. </a:t>
             </a:r>
             <a:r>
               <a:rPr lang="en-US" sz="4800" dirty="0" err="1">
@@ -9305,20 +9332,12 @@
               </a:rPr>
             </a:br>
             <a:r>
-              <a:rPr lang="sk-SK" sz="2000">
-                <a:solidFill>
-                  <a:schemeClr val="accent1"/>
-                </a:solidFill>
-              </a:rPr>
-              <a:t>Základné </a:t>
-            </a:r>
-            <a:r>
               <a:rPr lang="sk-SK" sz="2000" dirty="0">
                 <a:solidFill>
                   <a:schemeClr val="accent1"/>
                 </a:solidFill>
               </a:rPr>
-              <a:t>princípy</a:t>
+              <a:t>Základné princípy</a:t>
             </a:r>
             <a:r>
               <a:rPr lang="en-US" sz="2000" dirty="0">
@@ -10814,7 +10833,7 @@
             <a:pPr lvl="1"/>
             <a:r>
               <a:rPr lang="sk-SK" dirty="0"/>
-              <a:t>je definovaná v samotnej triede</a:t>
+              <a:t>je definovaný v samotnej triede</a:t>
             </a:r>
           </a:p>
           <a:p>
@@ -11431,7 +11450,11 @@
             </a:r>
             <a:r>
               <a:rPr lang="sk-SK" dirty="0"/>
-              <a:t> = Lietadlo</a:t>
+              <a:t> </a:t>
+            </a:r>
+            <a:r>
+              <a:rPr lang="sk-SK"/>
+              <a:t>= new Lietadlo</a:t>
             </a:r>
             <a:r>
               <a:rPr lang="en-US" dirty="0"/>
@@ -13037,7 +13060,7 @@
           <a:p>
             <a:r>
               <a:rPr lang="sk-SK" dirty="0"/>
-              <a:t>Cvičenie</a:t>
+              <a:t>Cvičenie – Domáca úloha</a:t>
             </a:r>
           </a:p>
         </p:txBody>
@@ -13101,6 +13124,14 @@
 <file path=ppt/slides/slide126.xml><?xml version="1.0" encoding="utf-8"?>
 <p:sld xmlns:a="http://schemas.openxmlformats.org/drawingml/2006/main" xmlns:r="http://schemas.openxmlformats.org/officeDocument/2006/relationships" xmlns:p="http://schemas.openxmlformats.org/presentationml/2006/main">
   <p:cSld>
+    <p:bg>
+      <p:bgPr>
+        <a:solidFill>
+          <a:schemeClr val="bg1"/>
+        </a:solidFill>
+        <a:effectLst/>
+      </p:bgPr>
+    </p:bg>
     <p:spTree>
       <p:nvGrpSpPr>
         <p:cNvPr id="1" name=""/>
@@ -13117,195 +13148,569 @@
       </p:grpSpPr>
       <p:sp>
         <p:nvSpPr>
-          <p:cNvPr id="2" name="Nadpis 1">
-            <a:extLst>
-              <a:ext uri="{FF2B5EF4-FFF2-40B4-BE49-F238E27FC236}">
-                <a16:creationId xmlns:a16="http://schemas.microsoft.com/office/drawing/2014/main" id="{450492AD-6E66-451B-B60D-A8B338E68E98}"/>
-              </a:ext>
-            </a:extLst>
-          </p:cNvPr>
-          <p:cNvSpPr>
-            <a:spLocks noGrp="1"/>
-          </p:cNvSpPr>
-          <p:nvPr>
-            <p:ph type="title"/>
-          </p:nvPr>
-        </p:nvSpPr>
-        <p:spPr/>
-        <p:txBody>
-          <a:bodyPr/>
-          <a:lstStyle/>
-          <a:p>
-            <a:r>
-              <a:rPr lang="sk-SK" dirty="0"/>
-              <a:t>Rozhranie</a:t>
-            </a:r>
-          </a:p>
-        </p:txBody>
-      </p:sp>
-      <p:sp>
-        <p:nvSpPr>
-          <p:cNvPr id="3" name="Zástupný objekt pre obsah 2">
-            <a:extLst>
-              <a:ext uri="{FF2B5EF4-FFF2-40B4-BE49-F238E27FC236}">
-                <a16:creationId xmlns:a16="http://schemas.microsoft.com/office/drawing/2014/main" id="{A7E7E433-C508-48EA-A1FE-ECE5763058D2}"/>
-              </a:ext>
-            </a:extLst>
-          </p:cNvPr>
-          <p:cNvSpPr>
-            <a:spLocks noGrp="1"/>
-          </p:cNvSpPr>
-          <p:nvPr>
-            <p:ph idx="1"/>
+          <p:cNvPr id="8" name="Rectangle 7">
+            <a:extLst>
+              <a:ext uri="{FF2B5EF4-FFF2-40B4-BE49-F238E27FC236}">
+                <a16:creationId xmlns:a16="http://schemas.microsoft.com/office/drawing/2014/main" id="{E9AA9F65-94B8-41A5-A7FF-23D2CFB116BB}"/>
+              </a:ext>
+              <a:ext uri="{C183D7F6-B498-43B3-948B-1728B52AA6E4}">
+                <adec:decorative xmlns:adec="http://schemas.microsoft.com/office/drawing/2017/decorative" val="1"/>
+              </a:ext>
+            </a:extLst>
+          </p:cNvPr>
+          <p:cNvSpPr>
+            <a:spLocks noGrp="1" noRot="1" noChangeAspect="1" noMove="1" noResize="1" noEditPoints="1" noAdjustHandles="1" noChangeArrowheads="1" noChangeShapeType="1" noTextEdit="1"/>
+          </p:cNvSpPr>
+          <p:nvPr>
+            <p:extLst>
+              <p:ext uri="{386F3935-93C4-4BCD-93E2-E3B085C9AB24}">
+                <p16:designElem xmlns:p16="http://schemas.microsoft.com/office/powerpoint/2015/main" val="1"/>
+              </p:ext>
+            </p:extLst>
           </p:nvPr>
         </p:nvSpPr>
         <p:spPr>
           <a:xfrm>
-            <a:off x="581192" y="2180496"/>
-            <a:ext cx="11029615" cy="4104690"/>
+            <a:off x="446534" y="457200"/>
+            <a:ext cx="3703320" cy="94997"/>
+          </a:xfrm>
+          <a:prstGeom prst="rect">
+            <a:avLst/>
+          </a:prstGeom>
+          <a:solidFill>
+            <a:schemeClr val="accent1"/>
+          </a:solidFill>
+          <a:ln>
+            <a:noFill/>
+          </a:ln>
+          <a:effectLst/>
+        </p:spPr>
+        <p:style>
+          <a:lnRef idx="1">
+            <a:schemeClr val="accent1"/>
+          </a:lnRef>
+          <a:fillRef idx="3">
+            <a:schemeClr val="accent1"/>
+          </a:fillRef>
+          <a:effectRef idx="2">
+            <a:schemeClr val="accent1"/>
+          </a:effectRef>
+          <a:fontRef idx="minor">
+            <a:schemeClr val="lt1"/>
+          </a:fontRef>
+        </p:style>
+      </p:sp>
+      <p:sp>
+        <p:nvSpPr>
+          <p:cNvPr id="10" name="Rectangle 9">
+            <a:extLst>
+              <a:ext uri="{FF2B5EF4-FFF2-40B4-BE49-F238E27FC236}">
+                <a16:creationId xmlns:a16="http://schemas.microsoft.com/office/drawing/2014/main" id="{7E8B0F8E-3F6C-4541-B9C1-774D80A08834}"/>
+              </a:ext>
+              <a:ext uri="{C183D7F6-B498-43B3-948B-1728B52AA6E4}">
+                <adec:decorative xmlns:adec="http://schemas.microsoft.com/office/drawing/2017/decorative" val="1"/>
+              </a:ext>
+            </a:extLst>
+          </p:cNvPr>
+          <p:cNvSpPr>
+            <a:spLocks noGrp="1" noRot="1" noChangeAspect="1" noMove="1" noResize="1" noEditPoints="1" noAdjustHandles="1" noChangeArrowheads="1" noChangeShapeType="1" noTextEdit="1"/>
+          </p:cNvSpPr>
+          <p:nvPr>
+            <p:extLst>
+              <p:ext uri="{386F3935-93C4-4BCD-93E2-E3B085C9AB24}">
+                <p16:designElem xmlns:p16="http://schemas.microsoft.com/office/powerpoint/2015/main" val="1"/>
+              </p:ext>
+            </p:extLst>
+          </p:nvPr>
+        </p:nvSpPr>
+        <p:spPr>
+          <a:xfrm>
+            <a:off x="8042147" y="453643"/>
+            <a:ext cx="3703320" cy="98554"/>
+          </a:xfrm>
+          <a:prstGeom prst="rect">
+            <a:avLst/>
+          </a:prstGeom>
+          <a:solidFill>
+            <a:schemeClr val="accent4"/>
+          </a:solidFill>
+          <a:ln>
+            <a:noFill/>
+          </a:ln>
+          <a:effectLst/>
+        </p:spPr>
+        <p:style>
+          <a:lnRef idx="1">
+            <a:schemeClr val="accent1"/>
+          </a:lnRef>
+          <a:fillRef idx="3">
+            <a:schemeClr val="accent1"/>
+          </a:fillRef>
+          <a:effectRef idx="2">
+            <a:schemeClr val="accent1"/>
+          </a:effectRef>
+          <a:fontRef idx="minor">
+            <a:schemeClr val="lt1"/>
+          </a:fontRef>
+        </p:style>
+      </p:sp>
+      <p:sp>
+        <p:nvSpPr>
+          <p:cNvPr id="12" name="Rectangle 11">
+            <a:extLst>
+              <a:ext uri="{FF2B5EF4-FFF2-40B4-BE49-F238E27FC236}">
+                <a16:creationId xmlns:a16="http://schemas.microsoft.com/office/drawing/2014/main" id="{7A45F5BC-32D1-41CD-B270-C46F18CA1ACC}"/>
+              </a:ext>
+              <a:ext uri="{C183D7F6-B498-43B3-948B-1728B52AA6E4}">
+                <adec:decorative xmlns:adec="http://schemas.microsoft.com/office/drawing/2017/decorative" val="1"/>
+              </a:ext>
+            </a:extLst>
+          </p:cNvPr>
+          <p:cNvSpPr>
+            <a:spLocks noGrp="1" noRot="1" noChangeAspect="1" noMove="1" noResize="1" noEditPoints="1" noAdjustHandles="1" noChangeArrowheads="1" noChangeShapeType="1" noTextEdit="1"/>
+          </p:cNvSpPr>
+          <p:nvPr>
+            <p:extLst>
+              <p:ext uri="{386F3935-93C4-4BCD-93E2-E3B085C9AB24}">
+                <p16:designElem xmlns:p16="http://schemas.microsoft.com/office/powerpoint/2015/main" val="1"/>
+              </p:ext>
+            </p:extLst>
+          </p:nvPr>
+        </p:nvSpPr>
+        <p:spPr>
+          <a:xfrm>
+            <a:off x="4241830" y="457200"/>
+            <a:ext cx="3703320" cy="91440"/>
+          </a:xfrm>
+          <a:prstGeom prst="rect">
+            <a:avLst/>
+          </a:prstGeom>
+          <a:solidFill>
+            <a:schemeClr val="accent2"/>
+          </a:solidFill>
+          <a:ln>
+            <a:noFill/>
+          </a:ln>
+          <a:effectLst/>
+        </p:spPr>
+        <p:style>
+          <a:lnRef idx="1">
+            <a:schemeClr val="accent1"/>
+          </a:lnRef>
+          <a:fillRef idx="3">
+            <a:schemeClr val="accent1"/>
+          </a:fillRef>
+          <a:effectRef idx="2">
+            <a:schemeClr val="accent1"/>
+          </a:effectRef>
+          <a:fontRef idx="minor">
+            <a:schemeClr val="lt1"/>
+          </a:fontRef>
+        </p:style>
+      </p:sp>
+      <p:sp>
+        <p:nvSpPr>
+          <p:cNvPr id="14" name="Rectangle 13">
+            <a:extLst>
+              <a:ext uri="{FF2B5EF4-FFF2-40B4-BE49-F238E27FC236}">
+                <a16:creationId xmlns:a16="http://schemas.microsoft.com/office/drawing/2014/main" id="{CE57EE13-72B0-4FFA-ACE1-EBDE89340E47}"/>
+              </a:ext>
+              <a:ext uri="{C183D7F6-B498-43B3-948B-1728B52AA6E4}">
+                <adec:decorative xmlns:adec="http://schemas.microsoft.com/office/drawing/2017/decorative" val="1"/>
+              </a:ext>
+            </a:extLst>
+          </p:cNvPr>
+          <p:cNvSpPr>
+            <a:spLocks noGrp="1" noRot="1" noChangeAspect="1" noMove="1" noResize="1" noEditPoints="1" noAdjustHandles="1" noChangeArrowheads="1" noChangeShapeType="1" noTextEdit="1"/>
+          </p:cNvSpPr>
+          <p:nvPr>
+            <p:extLst>
+              <p:ext uri="{386F3935-93C4-4BCD-93E2-E3B085C9AB24}">
+                <p16:designElem xmlns:p16="http://schemas.microsoft.com/office/powerpoint/2015/main" val="1"/>
+              </p:ext>
+            </p:extLst>
+          </p:nvPr>
+        </p:nvSpPr>
+        <p:spPr>
+          <a:xfrm>
+            <a:off x="446534" y="3085765"/>
+            <a:ext cx="11262866" cy="3304800"/>
+          </a:xfrm>
+          <a:prstGeom prst="rect">
+            <a:avLst/>
+          </a:prstGeom>
+          <a:solidFill>
+            <a:schemeClr val="accent1"/>
+          </a:solidFill>
+          <a:ln>
+            <a:noFill/>
+          </a:ln>
+          <a:effectLst/>
+        </p:spPr>
+        <p:style>
+          <a:lnRef idx="1">
+            <a:schemeClr val="accent1"/>
+          </a:lnRef>
+          <a:fillRef idx="3">
+            <a:schemeClr val="accent1"/>
+          </a:fillRef>
+          <a:effectRef idx="2">
+            <a:schemeClr val="accent1"/>
+          </a:effectRef>
+          <a:fontRef idx="minor">
+            <a:schemeClr val="lt1"/>
+          </a:fontRef>
+        </p:style>
+      </p:sp>
+      <p:sp>
+        <p:nvSpPr>
+          <p:cNvPr id="16" name="Rectangle 15">
+            <a:extLst>
+              <a:ext uri="{FF2B5EF4-FFF2-40B4-BE49-F238E27FC236}">
+                <a16:creationId xmlns:a16="http://schemas.microsoft.com/office/drawing/2014/main" id="{328C565D-A991-4381-AC37-76A58A4A128F}"/>
+              </a:ext>
+              <a:ext uri="{C183D7F6-B498-43B3-948B-1728B52AA6E4}">
+                <adec:decorative xmlns:adec="http://schemas.microsoft.com/office/drawing/2017/decorative" val="1"/>
+              </a:ext>
+            </a:extLst>
+          </p:cNvPr>
+          <p:cNvSpPr>
+            <a:spLocks noGrp="1" noRot="1" noChangeAspect="1" noMove="1" noResize="1" noEditPoints="1" noAdjustHandles="1" noChangeArrowheads="1" noChangeShapeType="1" noTextEdit="1"/>
+          </p:cNvSpPr>
+          <p:nvPr>
+            <p:extLst>
+              <p:ext uri="{386F3935-93C4-4BCD-93E2-E3B085C9AB24}">
+                <p16:designElem xmlns:p16="http://schemas.microsoft.com/office/powerpoint/2015/main" val="1"/>
+              </p:ext>
+            </p:extLst>
+          </p:nvPr>
+        </p:nvSpPr>
+        <p:spPr>
+          <a:xfrm>
+            <a:off x="0" y="0"/>
+            <a:ext cx="12192000" cy="6858000"/>
+          </a:xfrm>
+          <a:prstGeom prst="rect">
+            <a:avLst/>
+          </a:prstGeom>
+          <a:solidFill>
+            <a:srgbClr val="FFFFFF"/>
+          </a:solidFill>
+          <a:ln>
+            <a:noFill/>
+          </a:ln>
+        </p:spPr>
+        <p:style>
+          <a:lnRef idx="2">
+            <a:schemeClr val="accent1">
+              <a:shade val="50000"/>
+            </a:schemeClr>
+          </a:lnRef>
+          <a:fillRef idx="1">
+            <a:schemeClr val="accent1"/>
+          </a:fillRef>
+          <a:effectRef idx="0">
+            <a:schemeClr val="accent1"/>
+          </a:effectRef>
+          <a:fontRef idx="minor">
+            <a:schemeClr val="lt1"/>
+          </a:fontRef>
+        </p:style>
+        <p:txBody>
+          <a:bodyPr rtlCol="0" anchor="ctr"/>
+          <a:lstStyle/>
+          <a:p>
+            <a:pPr algn="ctr"/>
+            <a:endParaRPr lang="en-US"/>
+          </a:p>
+        </p:txBody>
+      </p:sp>
+      <p:sp>
+        <p:nvSpPr>
+          <p:cNvPr id="2" name="Nadpis 1">
+            <a:extLst>
+              <a:ext uri="{FF2B5EF4-FFF2-40B4-BE49-F238E27FC236}">
+                <a16:creationId xmlns:a16="http://schemas.microsoft.com/office/drawing/2014/main" id="{D2F24685-7EE7-4259-B547-6C8BAA63216D}"/>
+              </a:ext>
+            </a:extLst>
+          </p:cNvPr>
+          <p:cNvSpPr>
+            <a:spLocks noGrp="1"/>
+          </p:cNvSpPr>
+          <p:nvPr>
+            <p:ph type="title"/>
+          </p:nvPr>
+        </p:nvSpPr>
+        <p:spPr>
+          <a:xfrm>
+            <a:off x="4449960" y="1507414"/>
+            <a:ext cx="7295507" cy="3703320"/>
           </a:xfrm>
         </p:spPr>
         <p:txBody>
-          <a:bodyPr>
-            <a:normAutofit fontScale="85000" lnSpcReduction="20000"/>
+          <a:bodyPr vert="horz" lIns="91440" tIns="45720" rIns="91440" bIns="45720" rtlCol="0" anchor="ctr">
+            <a:normAutofit/>
           </a:bodyPr>
           <a:lstStyle/>
           <a:p>
             <a:r>
-              <a:rPr lang="sk-SK" dirty="0"/>
-              <a:t>Súbor, ktorý obsahuje LEN DEKLARÁCIE metód.</a:t>
-            </a:r>
-          </a:p>
-          <a:p>
-            <a:r>
-              <a:rPr lang="sk-SK" dirty="0"/>
-              <a:t>Metódy v rozhraní preto NESMÚ mať žiadne telo a končia bodkočiarkou.</a:t>
-            </a:r>
-          </a:p>
-          <a:p>
-            <a:r>
-              <a:rPr lang="sk-SK" dirty="0"/>
-              <a:t>Hovorí o „schopnostiach“ triedy, </a:t>
-            </a:r>
-            <a:r>
-              <a:rPr lang="sk-SK" dirty="0" err="1"/>
-              <a:t>t.j</a:t>
-            </a:r>
-            <a:r>
-              <a:rPr lang="sk-SK" dirty="0"/>
-              <a:t>. čo trieda dokáže robiť.</a:t>
-            </a:r>
-          </a:p>
-          <a:p>
-            <a:r>
-              <a:rPr lang="sk-SK" dirty="0"/>
-              <a:t>Rozhranie je nanútený predpis pre triedy.</a:t>
-            </a:r>
-          </a:p>
-          <a:p>
-            <a:r>
-              <a:rPr lang="sk-SK" dirty="0"/>
-              <a:t>Každá trieda, ktorá používa (implementuje) rozhranie musí vytvoriť funkcionalitu pre všetky metódy rozhrania.</a:t>
-            </a:r>
-          </a:p>
-          <a:p>
-            <a:r>
-              <a:rPr lang="sk-SK" dirty="0"/>
-              <a:t>Rozhraní môže trieda implementovať naraz viac, musí ale potom zároveň vytvoriť funkcionalitu pre všetky implementované rozhrania.</a:t>
-            </a:r>
-          </a:p>
-          <a:p>
-            <a:r>
-              <a:rPr lang="sk-SK" dirty="0"/>
-              <a:t>Je zaužívané rozhrania označovať veľkým I ako začiatočným písmenom.</a:t>
-            </a:r>
-          </a:p>
-          <a:p>
-            <a:r>
-              <a:rPr lang="sk-SK" dirty="0"/>
-              <a:t>Sú definované v samostatných súboroch, podobne ako triedy</a:t>
-            </a:r>
-          </a:p>
-          <a:p>
-            <a:r>
-              <a:rPr lang="sk-SK" dirty="0"/>
-              <a:t>Predpis</a:t>
-            </a:r>
-          </a:p>
-          <a:p>
-            <a:pPr marL="0" indent="0">
-              <a:buNone/>
-            </a:pPr>
-            <a:r>
-              <a:rPr lang="sk-SK" dirty="0" err="1"/>
-              <a:t>public</a:t>
-            </a:r>
-            <a:r>
-              <a:rPr lang="sk-SK" dirty="0"/>
-              <a:t> interface </a:t>
-            </a:r>
-            <a:r>
-              <a:rPr lang="sk-SK" dirty="0" err="1"/>
-              <a:t>IPohybovatelny</a:t>
-            </a:r>
-            <a:r>
-              <a:rPr lang="en-US" dirty="0"/>
-              <a:t>{</a:t>
-            </a:r>
-          </a:p>
-          <a:p>
-            <a:pPr marL="0" indent="0">
-              <a:buNone/>
-            </a:pPr>
-            <a:r>
-              <a:rPr lang="en-US" dirty="0"/>
-              <a:t>	void </a:t>
-            </a:r>
-            <a:r>
-              <a:rPr lang="en-US" dirty="0" err="1"/>
-              <a:t>vpred</a:t>
-            </a:r>
-            <a:r>
-              <a:rPr lang="en-US" dirty="0"/>
-              <a:t>();</a:t>
-            </a:r>
-          </a:p>
-          <a:p>
-            <a:pPr marL="0" indent="0">
-              <a:buNone/>
-            </a:pPr>
-            <a:r>
-              <a:rPr lang="en-US" dirty="0"/>
-              <a:t>	void </a:t>
-            </a:r>
-            <a:r>
-              <a:rPr lang="en-US" dirty="0" err="1"/>
-              <a:t>vzad</a:t>
-            </a:r>
-            <a:r>
-              <a:rPr lang="en-US" dirty="0"/>
-              <a:t>();</a:t>
-            </a:r>
-          </a:p>
-          <a:p>
-            <a:pPr marL="0" indent="0">
-              <a:buNone/>
-            </a:pPr>
-            <a:r>
-              <a:rPr lang="en-US" dirty="0"/>
-              <a:t>}</a:t>
-            </a:r>
-            <a:endParaRPr lang="sk-SK" dirty="0"/>
-          </a:p>
-          <a:p>
-            <a:endParaRPr lang="sk-SK" dirty="0"/>
+              <a:rPr lang="sk-SK" sz="4800" dirty="0">
+                <a:solidFill>
+                  <a:schemeClr val="accent1"/>
+                </a:solidFill>
+              </a:rPr>
+              <a:t>4. Deň</a:t>
+            </a:r>
+            <a:br>
+              <a:rPr lang="sk-SK" sz="4800" dirty="0">
+                <a:solidFill>
+                  <a:schemeClr val="accent1"/>
+                </a:solidFill>
+              </a:rPr>
+            </a:br>
+            <a:r>
+              <a:rPr lang="sk-SK" sz="2400" dirty="0" err="1">
+                <a:solidFill>
+                  <a:schemeClr val="accent1"/>
+                </a:solidFill>
+              </a:rPr>
+              <a:t>Enkapsulácia</a:t>
+            </a:r>
+            <a:r>
+              <a:rPr lang="sk-SK" sz="2400" dirty="0">
+                <a:solidFill>
+                  <a:schemeClr val="accent1"/>
+                </a:solidFill>
+              </a:rPr>
+              <a:t> (</a:t>
+            </a:r>
+            <a:r>
+              <a:rPr lang="sk-SK" sz="2400" dirty="0" err="1">
+                <a:solidFill>
+                  <a:schemeClr val="accent1"/>
+                </a:solidFill>
+              </a:rPr>
+              <a:t>zapúzdrenie</a:t>
+            </a:r>
+            <a:r>
+              <a:rPr lang="sk-SK" sz="2400" dirty="0">
+                <a:solidFill>
+                  <a:schemeClr val="accent1"/>
+                </a:solidFill>
+              </a:rPr>
+              <a:t>)</a:t>
+            </a:r>
+            <a:br>
+              <a:rPr lang="sk-SK" sz="4800" dirty="0">
+                <a:solidFill>
+                  <a:schemeClr val="accent1"/>
+                </a:solidFill>
+              </a:rPr>
+            </a:br>
+            <a:r>
+              <a:rPr lang="sk-SK" sz="2400" dirty="0">
+                <a:solidFill>
+                  <a:schemeClr val="accent1"/>
+                </a:solidFill>
+              </a:rPr>
+              <a:t>Rozhrania a polymorfizmus</a:t>
+            </a:r>
+            <a:br>
+              <a:rPr lang="sk-SK" sz="4800" dirty="0">
+                <a:solidFill>
+                  <a:schemeClr val="accent1"/>
+                </a:solidFill>
+              </a:rPr>
+            </a:br>
+            <a:r>
+              <a:rPr lang="sk-SK" sz="2400" dirty="0">
+                <a:solidFill>
+                  <a:schemeClr val="accent1"/>
+                </a:solidFill>
+              </a:rPr>
+              <a:t>Základné triedy v jazyku JAVA</a:t>
+            </a:r>
+            <a:br>
+              <a:rPr lang="sk-SK" sz="2400" dirty="0">
+                <a:solidFill>
+                  <a:schemeClr val="accent1"/>
+                </a:solidFill>
+              </a:rPr>
+            </a:br>
+            <a:endParaRPr lang="en-US" sz="4800" dirty="0">
+              <a:solidFill>
+                <a:schemeClr val="accent1"/>
+              </a:solidFill>
+            </a:endParaRPr>
           </a:p>
         </p:txBody>
+      </p:sp>
+      <p:sp>
+        <p:nvSpPr>
+          <p:cNvPr id="18" name="Rectangle 17">
+            <a:extLst>
+              <a:ext uri="{FF2B5EF4-FFF2-40B4-BE49-F238E27FC236}">
+                <a16:creationId xmlns:a16="http://schemas.microsoft.com/office/drawing/2014/main" id="{B7180431-F4DE-415D-BCBB-9316423C37C1}"/>
+              </a:ext>
+              <a:ext uri="{C183D7F6-B498-43B3-948B-1728B52AA6E4}">
+                <adec:decorative xmlns:adec="http://schemas.microsoft.com/office/drawing/2017/decorative" val="1"/>
+              </a:ext>
+            </a:extLst>
+          </p:cNvPr>
+          <p:cNvSpPr>
+            <a:spLocks noGrp="1" noRot="1" noChangeAspect="1" noMove="1" noResize="1" noEditPoints="1" noAdjustHandles="1" noChangeArrowheads="1" noChangeShapeType="1" noTextEdit="1"/>
+          </p:cNvSpPr>
+          <p:nvPr>
+            <p:extLst>
+              <p:ext uri="{386F3935-93C4-4BCD-93E2-E3B085C9AB24}">
+                <p16:designElem xmlns:p16="http://schemas.microsoft.com/office/powerpoint/2015/main" val="1"/>
+              </p:ext>
+            </p:extLst>
+          </p:nvPr>
+        </p:nvSpPr>
+        <p:spPr>
+          <a:xfrm>
+            <a:off x="446534" y="453642"/>
+            <a:ext cx="11298933" cy="512708"/>
+          </a:xfrm>
+          <a:prstGeom prst="rect">
+            <a:avLst/>
+          </a:prstGeom>
+          <a:solidFill>
+            <a:schemeClr val="accent4"/>
+          </a:solidFill>
+          <a:ln>
+            <a:noFill/>
+          </a:ln>
+          <a:effectLst/>
+        </p:spPr>
+        <p:style>
+          <a:lnRef idx="1">
+            <a:schemeClr val="accent1"/>
+          </a:lnRef>
+          <a:fillRef idx="3">
+            <a:schemeClr val="accent1"/>
+          </a:fillRef>
+          <a:effectRef idx="2">
+            <a:schemeClr val="accent1"/>
+          </a:effectRef>
+          <a:fontRef idx="minor">
+            <a:schemeClr val="lt1"/>
+          </a:fontRef>
+        </p:style>
+      </p:sp>
+      <p:sp>
+        <p:nvSpPr>
+          <p:cNvPr id="20" name="Rectangle 19">
+            <a:extLst>
+              <a:ext uri="{FF2B5EF4-FFF2-40B4-BE49-F238E27FC236}">
+                <a16:creationId xmlns:a16="http://schemas.microsoft.com/office/drawing/2014/main" id="{EEABD997-5EF9-4E9B-AFBB-F6DFAAF3ADF0}"/>
+              </a:ext>
+              <a:ext uri="{C183D7F6-B498-43B3-948B-1728B52AA6E4}">
+                <adec:decorative xmlns:adec="http://schemas.microsoft.com/office/drawing/2017/decorative" val="1"/>
+              </a:ext>
+            </a:extLst>
+          </p:cNvPr>
+          <p:cNvSpPr>
+            <a:spLocks noGrp="1" noRot="1" noChangeAspect="1" noMove="1" noResize="1" noEditPoints="1" noAdjustHandles="1" noChangeArrowheads="1" noChangeShapeType="1" noTextEdit="1"/>
+          </p:cNvSpPr>
+          <p:nvPr>
+            <p:extLst>
+              <p:ext uri="{386F3935-93C4-4BCD-93E2-E3B085C9AB24}">
+                <p16:designElem xmlns:p16="http://schemas.microsoft.com/office/powerpoint/2015/main" val="1"/>
+              </p:ext>
+            </p:extLst>
+          </p:nvPr>
+        </p:nvSpPr>
+        <p:spPr>
+          <a:xfrm rot="16200000" flipV="1">
+            <a:off x="2209064" y="3329711"/>
+            <a:ext cx="3703320" cy="58726"/>
+          </a:xfrm>
+          <a:prstGeom prst="rect">
+            <a:avLst/>
+          </a:prstGeom>
+          <a:solidFill>
+            <a:schemeClr val="accent2"/>
+          </a:solidFill>
+          <a:ln>
+            <a:noFill/>
+          </a:ln>
+          <a:effectLst/>
+        </p:spPr>
+        <p:style>
+          <a:lnRef idx="1">
+            <a:schemeClr val="accent1"/>
+          </a:lnRef>
+          <a:fillRef idx="3">
+            <a:schemeClr val="accent1"/>
+          </a:fillRef>
+          <a:effectRef idx="2">
+            <a:schemeClr val="accent1"/>
+          </a:effectRef>
+          <a:fontRef idx="minor">
+            <a:schemeClr val="lt1"/>
+          </a:fontRef>
+        </p:style>
+      </p:sp>
+      <p:sp>
+        <p:nvSpPr>
+          <p:cNvPr id="22" name="Rectangle 21">
+            <a:extLst>
+              <a:ext uri="{FF2B5EF4-FFF2-40B4-BE49-F238E27FC236}">
+                <a16:creationId xmlns:a16="http://schemas.microsoft.com/office/drawing/2014/main" id="{E9AB5EE6-A047-4B18-B998-D46DF3CC36FE}"/>
+              </a:ext>
+              <a:ext uri="{C183D7F6-B498-43B3-948B-1728B52AA6E4}">
+                <adec:decorative xmlns:adec="http://schemas.microsoft.com/office/drawing/2017/decorative" val="1"/>
+              </a:ext>
+            </a:extLst>
+          </p:cNvPr>
+          <p:cNvSpPr>
+            <a:spLocks noGrp="1" noRot="1" noChangeAspect="1" noMove="1" noResize="1" noEditPoints="1" noAdjustHandles="1" noChangeArrowheads="1" noChangeShapeType="1" noTextEdit="1"/>
+          </p:cNvSpPr>
+          <p:nvPr>
+            <p:extLst>
+              <p:ext uri="{386F3935-93C4-4BCD-93E2-E3B085C9AB24}">
+                <p16:designElem xmlns:p16="http://schemas.microsoft.com/office/powerpoint/2015/main" val="1"/>
+              </p:ext>
+            </p:extLst>
+          </p:nvPr>
+        </p:nvSpPr>
+        <p:spPr>
+          <a:xfrm>
+            <a:off x="446534" y="5878019"/>
+            <a:ext cx="11298933" cy="512708"/>
+          </a:xfrm>
+          <a:prstGeom prst="rect">
+            <a:avLst/>
+          </a:prstGeom>
+          <a:solidFill>
+            <a:schemeClr val="accent4"/>
+          </a:solidFill>
+          <a:ln>
+            <a:noFill/>
+          </a:ln>
+          <a:effectLst/>
+        </p:spPr>
+        <p:style>
+          <a:lnRef idx="1">
+            <a:schemeClr val="accent1"/>
+          </a:lnRef>
+          <a:fillRef idx="3">
+            <a:schemeClr val="accent1"/>
+          </a:fillRef>
+          <a:effectRef idx="2">
+            <a:schemeClr val="accent1"/>
+          </a:effectRef>
+          <a:fontRef idx="minor">
+            <a:schemeClr val="lt1"/>
+          </a:fontRef>
+        </p:style>
       </p:sp>
     </p:spTree>
     <p:extLst>
       <p:ext uri="{BB962C8B-B14F-4D97-AF65-F5344CB8AC3E}">
-        <p14:creationId xmlns:p14="http://schemas.microsoft.com/office/powerpoint/2010/main" val="1774370937"/>
+        <p14:creationId xmlns:p14="http://schemas.microsoft.com/office/powerpoint/2010/main" val="3215408313"/>
       </p:ext>
     </p:extLst>
   </p:cSld>
@@ -13337,7 +13742,7 @@
           <p:cNvPr id="2" name="Nadpis 1">
             <a:extLst>
               <a:ext uri="{FF2B5EF4-FFF2-40B4-BE49-F238E27FC236}">
-                <a16:creationId xmlns:a16="http://schemas.microsoft.com/office/drawing/2014/main" id="{9B997E93-66B7-46AD-A135-7D6C5DF147C5}"/>
+                <a16:creationId xmlns:a16="http://schemas.microsoft.com/office/drawing/2014/main" id="{789E1D8E-B5E2-4A07-917A-7341D048BBC3}"/>
               </a:ext>
             </a:extLst>
           </p:cNvPr>
@@ -13354,9 +13759,10 @@
           <a:lstStyle/>
           <a:p>
             <a:r>
-              <a:rPr lang="sk-SK" dirty="0"/>
-              <a:t>Polymorfizmus</a:t>
-            </a:r>
+              <a:rPr lang="sk-SK" dirty="0" err="1"/>
+              <a:t>Enkapsulácia</a:t>
+            </a:r>
+            <a:endParaRPr lang="sk-SK" dirty="0"/>
           </a:p>
         </p:txBody>
       </p:sp>
@@ -13365,7 +13771,7 @@
           <p:cNvPr id="3" name="Zástupný objekt pre obsah 2">
             <a:extLst>
               <a:ext uri="{FF2B5EF4-FFF2-40B4-BE49-F238E27FC236}">
-                <a16:creationId xmlns:a16="http://schemas.microsoft.com/office/drawing/2014/main" id="{55AB54D2-3D38-45AE-80CA-2F92B3ACA6D3}"/>
+                <a16:creationId xmlns:a16="http://schemas.microsoft.com/office/drawing/2014/main" id="{D63D7EE7-7BA2-458C-88E8-214F1C64246F}"/>
               </a:ext>
             </a:extLst>
           </p:cNvPr>
@@ -13378,151 +13784,139 @@
         </p:nvSpPr>
         <p:spPr/>
         <p:txBody>
-          <a:bodyPr/>
+          <a:bodyPr>
+            <a:normAutofit lnSpcReduction="10000"/>
+          </a:bodyPr>
           <a:lstStyle/>
           <a:p>
             <a:r>
               <a:rPr lang="sk-SK" dirty="0"/>
-              <a:t>Rozhrania sa používajú </a:t>
-            </a:r>
-            <a:r>
-              <a:rPr lang="en-US" dirty="0" err="1"/>
-              <a:t>aj</a:t>
-            </a:r>
-            <a:r>
-              <a:rPr lang="en-US" dirty="0"/>
-              <a:t> pre </a:t>
-            </a:r>
-            <a:r>
-              <a:rPr lang="en-US" dirty="0" err="1"/>
-              <a:t>tzv</a:t>
-            </a:r>
-            <a:r>
-              <a:rPr lang="en-US" dirty="0"/>
-              <a:t>. </a:t>
-            </a:r>
-            <a:r>
-              <a:rPr lang="en-US" dirty="0" err="1"/>
-              <a:t>polymorfizmus</a:t>
-            </a:r>
-            <a:r>
-              <a:rPr lang="en-US" dirty="0"/>
-              <a:t> – </a:t>
-            </a:r>
-            <a:r>
-              <a:rPr lang="en-US" dirty="0" err="1"/>
-              <a:t>viactvaros</a:t>
-            </a:r>
-            <a:r>
-              <a:rPr lang="sk-SK" dirty="0"/>
-              <a:t>ť</a:t>
-            </a:r>
-            <a:endParaRPr lang="en-US" dirty="0"/>
-          </a:p>
-          <a:p>
-            <a:r>
-              <a:rPr lang="sk-SK" dirty="0"/>
-              <a:t>Napr. ak vytvorím rozhranie </a:t>
-            </a:r>
-            <a:r>
-              <a:rPr lang="sk-SK" dirty="0" err="1"/>
-              <a:t>IVaricKavy</a:t>
-            </a:r>
-            <a:r>
-              <a:rPr lang="sk-SK" dirty="0"/>
-              <a:t>, </a:t>
-            </a:r>
-            <a:r>
-              <a:rPr lang="sk-SK" dirty="0" err="1"/>
-              <a:t>ktore</a:t>
-            </a:r>
-            <a:r>
-              <a:rPr lang="sk-SK" dirty="0"/>
-              <a:t> budú implementovať triedy </a:t>
-            </a:r>
-            <a:r>
-              <a:rPr lang="sk-SK" dirty="0" err="1"/>
-              <a:t>Presostroj</a:t>
-            </a:r>
-            <a:r>
-              <a:rPr lang="sk-SK" dirty="0"/>
-              <a:t>, </a:t>
-            </a:r>
-            <a:r>
-              <a:rPr lang="sk-SK" dirty="0" err="1"/>
-              <a:t>Kapsulovac</a:t>
-            </a:r>
-            <a:r>
-              <a:rPr lang="sk-SK" dirty="0"/>
-              <a:t>, Kanvica ; tak všetky 3 triedy je možné považovať za </a:t>
-            </a:r>
-            <a:r>
-              <a:rPr lang="sk-SK" dirty="0" err="1"/>
-              <a:t>IVaricKavy</a:t>
-            </a:r>
-            <a:r>
-              <a:rPr lang="sk-SK" dirty="0"/>
-              <a:t> a všetky 3 majú tú istú funkcionalitu aj keď ide o rôzne typy (triedy).</a:t>
-            </a:r>
-          </a:p>
-          <a:p>
-            <a:r>
-              <a:rPr lang="sk-SK" dirty="0"/>
-              <a:t>Všetky 3 triedy je preto možné konvertovať na abstraktný typ </a:t>
-            </a:r>
-            <a:r>
-              <a:rPr lang="sk-SK" dirty="0" err="1"/>
-              <a:t>IVaricKavy</a:t>
-            </a:r>
-            <a:r>
-              <a:rPr lang="sk-SK" dirty="0"/>
-              <a:t>.</a:t>
-            </a:r>
-          </a:p>
-          <a:p>
-            <a:r>
-              <a:rPr lang="sk-SK" dirty="0"/>
-              <a:t>Tento princíp sa používa pre injektovanie služieb pomocou tzv. </a:t>
-            </a:r>
-            <a:r>
-              <a:rPr lang="sk-SK" dirty="0" err="1"/>
-              <a:t>dependency</a:t>
-            </a:r>
-            <a:r>
-              <a:rPr lang="sk-SK" dirty="0"/>
-              <a:t> </a:t>
-            </a:r>
-            <a:r>
-              <a:rPr lang="sk-SK" dirty="0" err="1"/>
-              <a:t>injection</a:t>
-            </a:r>
-            <a:r>
-              <a:rPr lang="sk-SK" dirty="0"/>
-              <a:t> (spomeňte si na slovo SOLID) – D = </a:t>
-            </a:r>
-            <a:r>
-              <a:rPr lang="sk-SK" dirty="0" err="1"/>
-              <a:t>dependency</a:t>
-            </a:r>
-            <a:r>
-              <a:rPr lang="sk-SK" dirty="0"/>
-              <a:t> </a:t>
-            </a:r>
-            <a:r>
-              <a:rPr lang="sk-SK" dirty="0" err="1"/>
-              <a:t>inversion</a:t>
-            </a:r>
-            <a:r>
-              <a:rPr lang="sk-SK" dirty="0"/>
-              <a:t> </a:t>
-            </a:r>
-            <a:r>
-              <a:rPr lang="sk-SK" dirty="0" err="1"/>
-              <a:t>principle</a:t>
-            </a:r>
-            <a:r>
-              <a:rPr lang="sk-SK" dirty="0"/>
-              <a:t>.</a:t>
+              <a:t>Doteraz sme mali všetky premenné </a:t>
+            </a:r>
+            <a:r>
+              <a:rPr lang="sk-SK" dirty="0" err="1"/>
+              <a:t>public</a:t>
+            </a:r>
+            <a:endParaRPr lang="sk-SK" dirty="0"/>
+          </a:p>
+          <a:p>
+            <a:r>
+              <a:rPr lang="sk-SK" dirty="0"/>
+              <a:t>Znamená to, že </a:t>
+            </a:r>
+          </a:p>
+          <a:p>
+            <a:pPr lvl="1"/>
+            <a:r>
+              <a:rPr lang="sk-SK" dirty="0"/>
+              <a:t>do ktorejkoľvek premennej sa môže zapisovať aj z nej čítať</a:t>
+            </a:r>
+          </a:p>
+          <a:p>
+            <a:pPr lvl="1"/>
+            <a:r>
+              <a:rPr lang="sk-SK" dirty="0"/>
+              <a:t>pristupujeme priamo k premennej a vieme jej názov (interný údaj triedy)</a:t>
+            </a:r>
+          </a:p>
+          <a:p>
+            <a:r>
+              <a:rPr lang="sk-SK" dirty="0" err="1"/>
+              <a:t>Zapúzdrením</a:t>
+            </a:r>
+            <a:r>
+              <a:rPr lang="sk-SK" dirty="0"/>
+              <a:t> (</a:t>
+            </a:r>
+            <a:r>
+              <a:rPr lang="sk-SK" dirty="0" err="1"/>
+              <a:t>enkapsuláciou</a:t>
+            </a:r>
+            <a:r>
+              <a:rPr lang="sk-SK" dirty="0"/>
+              <a:t>) vyrobíme pre každú premennú metódy na čítanie, resp. zápis tzv. </a:t>
+            </a:r>
+            <a:r>
+              <a:rPr lang="sk-SK" dirty="0" err="1"/>
+              <a:t>getter</a:t>
+            </a:r>
+            <a:r>
+              <a:rPr lang="sk-SK" dirty="0"/>
+              <a:t> a </a:t>
+            </a:r>
+            <a:r>
+              <a:rPr lang="sk-SK" dirty="0" err="1"/>
+              <a:t>setter</a:t>
+            </a:r>
+            <a:endParaRPr lang="sk-SK" dirty="0"/>
+          </a:p>
+          <a:p>
+            <a:r>
+              <a:rPr lang="sk-SK" dirty="0" err="1"/>
+              <a:t>Getter</a:t>
+            </a:r>
+            <a:r>
+              <a:rPr lang="sk-SK" dirty="0"/>
+              <a:t> a </a:t>
+            </a:r>
+            <a:r>
+              <a:rPr lang="sk-SK" dirty="0" err="1"/>
+              <a:t>setter</a:t>
+            </a:r>
+            <a:r>
+              <a:rPr lang="sk-SK" dirty="0"/>
+              <a:t> sa nazývajú „</a:t>
+            </a:r>
+            <a:r>
+              <a:rPr lang="sk-SK" dirty="0" err="1"/>
+              <a:t>properties</a:t>
+            </a:r>
+            <a:r>
+              <a:rPr lang="sk-SK" dirty="0"/>
+              <a:t>“ – z angl. vlastnosti</a:t>
+            </a:r>
+          </a:p>
+          <a:p>
+            <a:r>
+              <a:rPr lang="sk-SK" dirty="0"/>
+              <a:t>Výhodou </a:t>
+            </a:r>
+            <a:r>
+              <a:rPr lang="sk-SK" dirty="0" err="1"/>
+              <a:t>gettera</a:t>
+            </a:r>
+            <a:r>
+              <a:rPr lang="sk-SK" dirty="0"/>
+              <a:t> a </a:t>
+            </a:r>
+            <a:r>
+              <a:rPr lang="sk-SK" dirty="0" err="1"/>
+              <a:t>settera</a:t>
+            </a:r>
+            <a:r>
+              <a:rPr lang="sk-SK" dirty="0"/>
+              <a:t> je:</a:t>
+            </a:r>
+          </a:p>
+          <a:p>
+            <a:pPr lvl="1"/>
+            <a:r>
+              <a:rPr lang="sk-SK" dirty="0"/>
+              <a:t>Skrytie názvu privátnej premennej</a:t>
+            </a:r>
+          </a:p>
+          <a:p>
+            <a:pPr lvl="1"/>
+            <a:r>
+              <a:rPr lang="sk-SK" dirty="0"/>
+              <a:t>Možnosť nepovoliť zápis alebo čítanie premennej</a:t>
+            </a:r>
+          </a:p>
+          <a:p>
+            <a:pPr lvl="1"/>
+            <a:r>
+              <a:rPr lang="sk-SK" dirty="0"/>
+              <a:t>Možnosť preťaženia</a:t>
             </a:r>
           </a:p>
         </p:txBody>
@@ -13530,7 +13924,7 @@
     </p:spTree>
     <p:extLst>
       <p:ext uri="{BB962C8B-B14F-4D97-AF65-F5344CB8AC3E}">
-        <p14:creationId xmlns:p14="http://schemas.microsoft.com/office/powerpoint/2010/main" val="3887532721"/>
+        <p14:creationId xmlns:p14="http://schemas.microsoft.com/office/powerpoint/2010/main" val="3365137475"/>
       </p:ext>
     </p:extLst>
   </p:cSld>
@@ -13562,7 +13956,7 @@
           <p:cNvPr id="2" name="Nadpis 1">
             <a:extLst>
               <a:ext uri="{FF2B5EF4-FFF2-40B4-BE49-F238E27FC236}">
-                <a16:creationId xmlns:a16="http://schemas.microsoft.com/office/drawing/2014/main" id="{8B589BDF-F81E-426F-AE41-B87463B4FD50}"/>
+                <a16:creationId xmlns:a16="http://schemas.microsoft.com/office/drawing/2014/main" id="{D115C19A-E0D4-4DDA-A6A0-847E2F6AD7FF}"/>
               </a:ext>
             </a:extLst>
           </p:cNvPr>
@@ -13580,7 +13974,7 @@
           <a:p>
             <a:r>
               <a:rPr lang="sk-SK" dirty="0"/>
-              <a:t>CVIČENIE</a:t>
+              <a:t>Cvičenie</a:t>
             </a:r>
           </a:p>
         </p:txBody>
@@ -13590,7 +13984,7 @@
           <p:cNvPr id="3" name="Zástupný objekt pre obsah 2">
             <a:extLst>
               <a:ext uri="{FF2B5EF4-FFF2-40B4-BE49-F238E27FC236}">
-                <a16:creationId xmlns:a16="http://schemas.microsoft.com/office/drawing/2014/main" id="{230B96F1-4681-4FF1-95B9-8CAA2A68D7A1}"/>
+                <a16:creationId xmlns:a16="http://schemas.microsoft.com/office/drawing/2014/main" id="{9BB92FD8-A57C-425E-AB8A-342B522B6545}"/>
               </a:ext>
             </a:extLst>
           </p:cNvPr>
@@ -13603,89 +13997,271 @@
         </p:nvSpPr>
         <p:spPr/>
         <p:txBody>
-          <a:bodyPr>
-            <a:normAutofit/>
-          </a:bodyPr>
+          <a:bodyPr/>
           <a:lstStyle/>
           <a:p>
             <a:r>
               <a:rPr lang="sk-SK" dirty="0"/>
-              <a:t>Rozoberte doménu varenie teplých nápojov</a:t>
-            </a:r>
-          </a:p>
-          <a:p>
-            <a:r>
-              <a:rPr lang="sk-SK" dirty="0"/>
-              <a:t>Identifikujte triedy</a:t>
-            </a:r>
-          </a:p>
-          <a:p>
-            <a:pPr lvl="1"/>
-            <a:r>
-              <a:rPr lang="sk-SK" dirty="0"/>
-              <a:t>Typy teplých nápojov</a:t>
-            </a:r>
-          </a:p>
-          <a:p>
-            <a:pPr lvl="1"/>
-            <a:r>
-              <a:rPr lang="sk-SK" dirty="0"/>
-              <a:t>Typy strojov, ktoré teplé nápoje vyrábajú</a:t>
-            </a:r>
-          </a:p>
-          <a:p>
-            <a:pPr lvl="1"/>
-            <a:r>
-              <a:rPr lang="sk-SK" dirty="0"/>
-              <a:t>...</a:t>
-            </a:r>
-          </a:p>
-          <a:p>
-            <a:r>
-              <a:rPr lang="sk-SK" dirty="0"/>
-              <a:t>Popíšte vzťahy medzi triedami </a:t>
-            </a:r>
-            <a:r>
-              <a:rPr lang="sk-SK" b="1" dirty="0"/>
-              <a:t>slovesami</a:t>
-            </a:r>
-          </a:p>
-          <a:p>
-            <a:r>
-              <a:rPr lang="sk-SK" b="1" dirty="0"/>
-              <a:t>Identifikujte možnosti pre použitie rozhrania.</a:t>
-            </a:r>
-          </a:p>
-          <a:p>
-            <a:pPr lvl="1"/>
-            <a:r>
-              <a:rPr lang="sk-SK" b="1" dirty="0"/>
-              <a:t>Aké metódu bude mať rozhranie?</a:t>
-            </a:r>
-          </a:p>
-          <a:p>
-            <a:r>
-              <a:rPr lang="sk-SK" dirty="0"/>
-              <a:t>V metóde </a:t>
-            </a:r>
-            <a:r>
-              <a:rPr lang="sk-SK" dirty="0" err="1"/>
-              <a:t>main</a:t>
-            </a:r>
-            <a:r>
-              <a:rPr lang="sk-SK" dirty="0"/>
-              <a:t> si uvarte niektorý teplý nápoj.</a:t>
-            </a:r>
-          </a:p>
-          <a:p>
-            <a:endParaRPr lang="sk-SK" b="1" dirty="0"/>
+              <a:t>Vytvorte si triedu lietadlo, implementujte jej vnútorné premenné</a:t>
+            </a:r>
+          </a:p>
+          <a:p>
+            <a:r>
+              <a:rPr lang="sk-SK" dirty="0"/>
+              <a:t>Aktuálnu výšku povoľte len na čítanie (zapisovať by výšku malo samotné lietadlo)</a:t>
+            </a:r>
+          </a:p>
+          <a:p>
+            <a:r>
+              <a:rPr lang="sk-SK" dirty="0"/>
+              <a:t>Vytvorte konštruktor</a:t>
+            </a:r>
+          </a:p>
+          <a:p>
+            <a:r>
+              <a:rPr lang="sk-SK" dirty="0"/>
+              <a:t>Skúste </a:t>
+            </a:r>
+            <a:r>
+              <a:rPr lang="sk-SK" dirty="0" err="1"/>
+              <a:t>gettery</a:t>
+            </a:r>
+            <a:r>
+              <a:rPr lang="sk-SK" dirty="0"/>
+              <a:t> a </a:t>
+            </a:r>
+            <a:r>
+              <a:rPr lang="sk-SK" dirty="0" err="1"/>
+              <a:t>settery</a:t>
+            </a:r>
+            <a:r>
+              <a:rPr lang="sk-SK" dirty="0"/>
+              <a:t> implementovať automaticky</a:t>
+            </a:r>
           </a:p>
         </p:txBody>
       </p:sp>
     </p:spTree>
     <p:extLst>
       <p:ext uri="{BB962C8B-B14F-4D97-AF65-F5344CB8AC3E}">
-        <p14:creationId xmlns:p14="http://schemas.microsoft.com/office/powerpoint/2010/main" val="1800480706"/>
+        <p14:creationId xmlns:p14="http://schemas.microsoft.com/office/powerpoint/2010/main" val="1610640382"/>
+      </p:ext>
+    </p:extLst>
+  </p:cSld>
+  <p:clrMapOvr>
+    <a:masterClrMapping/>
+  </p:clrMapOvr>
+</p:sld>
+</file>
+
+<file path=ppt/slides/slide129.xml><?xml version="1.0" encoding="utf-8"?>
+<p:sld xmlns:a="http://schemas.openxmlformats.org/drawingml/2006/main" xmlns:r="http://schemas.openxmlformats.org/officeDocument/2006/relationships" xmlns:p="http://schemas.openxmlformats.org/presentationml/2006/main">
+  <p:cSld>
+    <p:spTree>
+      <p:nvGrpSpPr>
+        <p:cNvPr id="1" name=""/>
+        <p:cNvGrpSpPr/>
+        <p:nvPr/>
+      </p:nvGrpSpPr>
+      <p:grpSpPr>
+        <a:xfrm>
+          <a:off x="0" y="0"/>
+          <a:ext cx="0" cy="0"/>
+          <a:chOff x="0" y="0"/>
+          <a:chExt cx="0" cy="0"/>
+        </a:xfrm>
+      </p:grpSpPr>
+      <p:sp>
+        <p:nvSpPr>
+          <p:cNvPr id="2" name="Nadpis 1">
+            <a:extLst>
+              <a:ext uri="{FF2B5EF4-FFF2-40B4-BE49-F238E27FC236}">
+                <a16:creationId xmlns:a16="http://schemas.microsoft.com/office/drawing/2014/main" id="{450492AD-6E66-451B-B60D-A8B338E68E98}"/>
+              </a:ext>
+            </a:extLst>
+          </p:cNvPr>
+          <p:cNvSpPr>
+            <a:spLocks noGrp="1"/>
+          </p:cNvSpPr>
+          <p:nvPr>
+            <p:ph type="title"/>
+          </p:nvPr>
+        </p:nvSpPr>
+        <p:spPr/>
+        <p:txBody>
+          <a:bodyPr/>
+          <a:lstStyle/>
+          <a:p>
+            <a:r>
+              <a:rPr lang="sk-SK" dirty="0"/>
+              <a:t>Rozhranie</a:t>
+            </a:r>
+          </a:p>
+        </p:txBody>
+      </p:sp>
+      <p:sp>
+        <p:nvSpPr>
+          <p:cNvPr id="3" name="Zástupný objekt pre obsah 2">
+            <a:extLst>
+              <a:ext uri="{FF2B5EF4-FFF2-40B4-BE49-F238E27FC236}">
+                <a16:creationId xmlns:a16="http://schemas.microsoft.com/office/drawing/2014/main" id="{A7E7E433-C508-48EA-A1FE-ECE5763058D2}"/>
+              </a:ext>
+            </a:extLst>
+          </p:cNvPr>
+          <p:cNvSpPr>
+            <a:spLocks noGrp="1"/>
+          </p:cNvSpPr>
+          <p:nvPr>
+            <p:ph idx="1"/>
+          </p:nvPr>
+        </p:nvSpPr>
+        <p:spPr>
+          <a:xfrm>
+            <a:off x="581192" y="2180496"/>
+            <a:ext cx="11029615" cy="4104690"/>
+          </a:xfrm>
+        </p:spPr>
+        <p:txBody>
+          <a:bodyPr>
+            <a:normAutofit fontScale="85000" lnSpcReduction="20000"/>
+          </a:bodyPr>
+          <a:lstStyle/>
+          <a:p>
+            <a:r>
+              <a:rPr lang="sk-SK" dirty="0"/>
+              <a:t>Súbor, ktorý obsahuje LEN DEKLARÁCIE metód.</a:t>
+            </a:r>
+          </a:p>
+          <a:p>
+            <a:r>
+              <a:rPr lang="sk-SK" dirty="0"/>
+              <a:t>Metódy v rozhraní preto NESMÚ mať žiadne telo a končia bodkočiarkou.</a:t>
+            </a:r>
+          </a:p>
+          <a:p>
+            <a:r>
+              <a:rPr lang="sk-SK" dirty="0"/>
+              <a:t>Hovorí o „schopnostiach“ triedy, </a:t>
+            </a:r>
+            <a:r>
+              <a:rPr lang="sk-SK" dirty="0" err="1"/>
+              <a:t>t.j</a:t>
+            </a:r>
+            <a:r>
+              <a:rPr lang="sk-SK" dirty="0"/>
+              <a:t>. čo trieda dokáže robiť.</a:t>
+            </a:r>
+          </a:p>
+          <a:p>
+            <a:r>
+              <a:rPr lang="sk-SK" dirty="0"/>
+              <a:t>Rozhranie je nanútený predpis pre triedy.</a:t>
+            </a:r>
+          </a:p>
+          <a:p>
+            <a:r>
+              <a:rPr lang="sk-SK" dirty="0"/>
+              <a:t>Každá trieda, ktorá používa (implementuje) rozhranie musí vytvoriť funkcionalitu pre všetky metódy rozhrania.</a:t>
+            </a:r>
+          </a:p>
+          <a:p>
+            <a:r>
+              <a:rPr lang="sk-SK" dirty="0"/>
+              <a:t>Rozhraní môže trieda implementovať naraz viac, musí ale potom zároveň vytvoriť funkcionalitu pre všetky implementované rozhrania.</a:t>
+            </a:r>
+          </a:p>
+          <a:p>
+            <a:r>
+              <a:rPr lang="sk-SK" dirty="0"/>
+              <a:t>Je zaužívané rozhrania označovať veľkým I ako začiatočným písmenom.</a:t>
+            </a:r>
+          </a:p>
+          <a:p>
+            <a:r>
+              <a:rPr lang="sk-SK" dirty="0"/>
+              <a:t>Sú definované v samostatných súboroch, podobne ako triedy</a:t>
+            </a:r>
+          </a:p>
+          <a:p>
+            <a:r>
+              <a:rPr lang="sk-SK" dirty="0"/>
+              <a:t>Predpis</a:t>
+            </a:r>
+          </a:p>
+          <a:p>
+            <a:pPr marL="0" indent="0">
+              <a:buNone/>
+            </a:pPr>
+            <a:r>
+              <a:rPr lang="sk-SK" dirty="0" err="1"/>
+              <a:t>public</a:t>
+            </a:r>
+            <a:r>
+              <a:rPr lang="sk-SK" dirty="0"/>
+              <a:t> interface </a:t>
+            </a:r>
+            <a:r>
+              <a:rPr lang="sk-SK" dirty="0" err="1"/>
+              <a:t>IPohybovatelny</a:t>
+            </a:r>
+            <a:r>
+              <a:rPr lang="en-US" dirty="0"/>
+              <a:t>{</a:t>
+            </a:r>
+          </a:p>
+          <a:p>
+            <a:pPr marL="0" indent="0">
+              <a:buNone/>
+            </a:pPr>
+            <a:r>
+              <a:rPr lang="en-US" dirty="0"/>
+              <a:t>	void </a:t>
+            </a:r>
+            <a:r>
+              <a:rPr lang="en-US" dirty="0" err="1"/>
+              <a:t>vpred</a:t>
+            </a:r>
+            <a:r>
+              <a:rPr lang="en-US" dirty="0"/>
+              <a:t>();</a:t>
+            </a:r>
+          </a:p>
+          <a:p>
+            <a:pPr marL="0" indent="0">
+              <a:buNone/>
+            </a:pPr>
+            <a:r>
+              <a:rPr lang="en-US" dirty="0"/>
+              <a:t>	void </a:t>
+            </a:r>
+            <a:r>
+              <a:rPr lang="en-US" dirty="0" err="1"/>
+              <a:t>vzad</a:t>
+            </a:r>
+            <a:r>
+              <a:rPr lang="en-US" dirty="0"/>
+              <a:t>();</a:t>
+            </a:r>
+          </a:p>
+          <a:p>
+            <a:pPr marL="0" indent="0">
+              <a:buNone/>
+            </a:pPr>
+            <a:r>
+              <a:rPr lang="en-US" dirty="0"/>
+              <a:t>}</a:t>
+            </a:r>
+            <a:endParaRPr lang="sk-SK" dirty="0"/>
+          </a:p>
+          <a:p>
+            <a:endParaRPr lang="sk-SK" dirty="0"/>
+          </a:p>
+        </p:txBody>
+      </p:sp>
+    </p:spTree>
+    <p:extLst>
+      <p:ext uri="{BB962C8B-B14F-4D97-AF65-F5344CB8AC3E}">
+        <p14:creationId xmlns:p14="http://schemas.microsoft.com/office/powerpoint/2010/main" val="1774370937"/>
       </p:ext>
     </p:extLst>
   </p:cSld>
@@ -13942,6 +14518,3118 @@
 </p:sld>
 </file>
 
+<file path=ppt/slides/slide130.xml><?xml version="1.0" encoding="utf-8"?>
+<p:sld xmlns:a="http://schemas.openxmlformats.org/drawingml/2006/main" xmlns:r="http://schemas.openxmlformats.org/officeDocument/2006/relationships" xmlns:p="http://schemas.openxmlformats.org/presentationml/2006/main">
+  <p:cSld>
+    <p:spTree>
+      <p:nvGrpSpPr>
+        <p:cNvPr id="1" name=""/>
+        <p:cNvGrpSpPr/>
+        <p:nvPr/>
+      </p:nvGrpSpPr>
+      <p:grpSpPr>
+        <a:xfrm>
+          <a:off x="0" y="0"/>
+          <a:ext cx="0" cy="0"/>
+          <a:chOff x="0" y="0"/>
+          <a:chExt cx="0" cy="0"/>
+        </a:xfrm>
+      </p:grpSpPr>
+      <p:sp>
+        <p:nvSpPr>
+          <p:cNvPr id="2" name="Nadpis 1">
+            <a:extLst>
+              <a:ext uri="{FF2B5EF4-FFF2-40B4-BE49-F238E27FC236}">
+                <a16:creationId xmlns:a16="http://schemas.microsoft.com/office/drawing/2014/main" id="{9B997E93-66B7-46AD-A135-7D6C5DF147C5}"/>
+              </a:ext>
+            </a:extLst>
+          </p:cNvPr>
+          <p:cNvSpPr>
+            <a:spLocks noGrp="1"/>
+          </p:cNvSpPr>
+          <p:nvPr>
+            <p:ph type="title"/>
+          </p:nvPr>
+        </p:nvSpPr>
+        <p:spPr/>
+        <p:txBody>
+          <a:bodyPr/>
+          <a:lstStyle/>
+          <a:p>
+            <a:r>
+              <a:rPr lang="sk-SK" dirty="0"/>
+              <a:t>Polymorfizmus</a:t>
+            </a:r>
+          </a:p>
+        </p:txBody>
+      </p:sp>
+      <p:sp>
+        <p:nvSpPr>
+          <p:cNvPr id="3" name="Zástupný objekt pre obsah 2">
+            <a:extLst>
+              <a:ext uri="{FF2B5EF4-FFF2-40B4-BE49-F238E27FC236}">
+                <a16:creationId xmlns:a16="http://schemas.microsoft.com/office/drawing/2014/main" id="{55AB54D2-3D38-45AE-80CA-2F92B3ACA6D3}"/>
+              </a:ext>
+            </a:extLst>
+          </p:cNvPr>
+          <p:cNvSpPr>
+            <a:spLocks noGrp="1"/>
+          </p:cNvSpPr>
+          <p:nvPr>
+            <p:ph idx="1"/>
+          </p:nvPr>
+        </p:nvSpPr>
+        <p:spPr/>
+        <p:txBody>
+          <a:bodyPr/>
+          <a:lstStyle/>
+          <a:p>
+            <a:r>
+              <a:rPr lang="sk-SK" dirty="0"/>
+              <a:t>Rozhrania sa používajú </a:t>
+            </a:r>
+            <a:r>
+              <a:rPr lang="en-US" dirty="0" err="1"/>
+              <a:t>aj</a:t>
+            </a:r>
+            <a:r>
+              <a:rPr lang="en-US" dirty="0"/>
+              <a:t> pre </a:t>
+            </a:r>
+            <a:r>
+              <a:rPr lang="en-US" dirty="0" err="1"/>
+              <a:t>tzv</a:t>
+            </a:r>
+            <a:r>
+              <a:rPr lang="en-US" dirty="0"/>
+              <a:t>. </a:t>
+            </a:r>
+            <a:r>
+              <a:rPr lang="en-US" dirty="0" err="1"/>
+              <a:t>polymorfizmus</a:t>
+            </a:r>
+            <a:r>
+              <a:rPr lang="en-US" dirty="0"/>
+              <a:t> – </a:t>
+            </a:r>
+            <a:r>
+              <a:rPr lang="en-US" dirty="0" err="1"/>
+              <a:t>viactvaros</a:t>
+            </a:r>
+            <a:r>
+              <a:rPr lang="sk-SK" dirty="0"/>
+              <a:t>ť</a:t>
+            </a:r>
+            <a:endParaRPr lang="en-US" dirty="0"/>
+          </a:p>
+          <a:p>
+            <a:r>
+              <a:rPr lang="sk-SK" dirty="0"/>
+              <a:t>Napr. ak vytvorím rozhranie </a:t>
+            </a:r>
+            <a:r>
+              <a:rPr lang="sk-SK" dirty="0" err="1"/>
+              <a:t>IVaricKavy</a:t>
+            </a:r>
+            <a:r>
+              <a:rPr lang="sk-SK" dirty="0"/>
+              <a:t>, </a:t>
+            </a:r>
+            <a:r>
+              <a:rPr lang="sk-SK" dirty="0" err="1"/>
+              <a:t>ktore</a:t>
+            </a:r>
+            <a:r>
+              <a:rPr lang="sk-SK" dirty="0"/>
+              <a:t> budú implementovať triedy </a:t>
+            </a:r>
+            <a:r>
+              <a:rPr lang="sk-SK" dirty="0" err="1"/>
+              <a:t>Presostroj</a:t>
+            </a:r>
+            <a:r>
+              <a:rPr lang="sk-SK" dirty="0"/>
+              <a:t>, </a:t>
+            </a:r>
+            <a:r>
+              <a:rPr lang="sk-SK" dirty="0" err="1"/>
+              <a:t>Kapsulovac</a:t>
+            </a:r>
+            <a:r>
+              <a:rPr lang="sk-SK" dirty="0"/>
+              <a:t>, Kanvica ; tak všetky 3 triedy je možné považovať za </a:t>
+            </a:r>
+            <a:r>
+              <a:rPr lang="sk-SK" dirty="0" err="1"/>
+              <a:t>IVaricKavy</a:t>
+            </a:r>
+            <a:r>
+              <a:rPr lang="sk-SK" dirty="0"/>
+              <a:t> a všetky 3 majú tú istú funkcionalitu aj keď ide o rôzne typy (triedy).</a:t>
+            </a:r>
+          </a:p>
+          <a:p>
+            <a:r>
+              <a:rPr lang="sk-SK" dirty="0"/>
+              <a:t>Všetky 3 triedy je preto možné konvertovať na abstraktný typ </a:t>
+            </a:r>
+            <a:r>
+              <a:rPr lang="sk-SK" dirty="0" err="1"/>
+              <a:t>IVaricKavy</a:t>
+            </a:r>
+            <a:r>
+              <a:rPr lang="sk-SK" dirty="0"/>
+              <a:t>.</a:t>
+            </a:r>
+          </a:p>
+          <a:p>
+            <a:r>
+              <a:rPr lang="sk-SK" dirty="0"/>
+              <a:t>Tento princíp sa používa pre injektovanie služieb pomocou tzv. </a:t>
+            </a:r>
+            <a:r>
+              <a:rPr lang="sk-SK" dirty="0" err="1"/>
+              <a:t>dependency</a:t>
+            </a:r>
+            <a:r>
+              <a:rPr lang="sk-SK" dirty="0"/>
+              <a:t> </a:t>
+            </a:r>
+            <a:r>
+              <a:rPr lang="sk-SK" dirty="0" err="1"/>
+              <a:t>injection</a:t>
+            </a:r>
+            <a:r>
+              <a:rPr lang="sk-SK" dirty="0"/>
+              <a:t> (spomeňte si na slovo SOLID) – D = </a:t>
+            </a:r>
+            <a:r>
+              <a:rPr lang="sk-SK" dirty="0" err="1"/>
+              <a:t>dependency</a:t>
+            </a:r>
+            <a:r>
+              <a:rPr lang="sk-SK" dirty="0"/>
+              <a:t> </a:t>
+            </a:r>
+            <a:r>
+              <a:rPr lang="sk-SK" dirty="0" err="1"/>
+              <a:t>inversion</a:t>
+            </a:r>
+            <a:r>
+              <a:rPr lang="sk-SK" dirty="0"/>
+              <a:t> </a:t>
+            </a:r>
+            <a:r>
+              <a:rPr lang="sk-SK" dirty="0" err="1"/>
+              <a:t>principle</a:t>
+            </a:r>
+            <a:r>
+              <a:rPr lang="sk-SK" dirty="0"/>
+              <a:t>.</a:t>
+            </a:r>
+          </a:p>
+        </p:txBody>
+      </p:sp>
+    </p:spTree>
+    <p:extLst>
+      <p:ext uri="{BB962C8B-B14F-4D97-AF65-F5344CB8AC3E}">
+        <p14:creationId xmlns:p14="http://schemas.microsoft.com/office/powerpoint/2010/main" val="3887532721"/>
+      </p:ext>
+    </p:extLst>
+  </p:cSld>
+  <p:clrMapOvr>
+    <a:masterClrMapping/>
+  </p:clrMapOvr>
+</p:sld>
+</file>
+
+<file path=ppt/slides/slide131.xml><?xml version="1.0" encoding="utf-8"?>
+<p:sld xmlns:a="http://schemas.openxmlformats.org/drawingml/2006/main" xmlns:r="http://schemas.openxmlformats.org/officeDocument/2006/relationships" xmlns:p="http://schemas.openxmlformats.org/presentationml/2006/main">
+  <p:cSld>
+    <p:spTree>
+      <p:nvGrpSpPr>
+        <p:cNvPr id="1" name=""/>
+        <p:cNvGrpSpPr/>
+        <p:nvPr/>
+      </p:nvGrpSpPr>
+      <p:grpSpPr>
+        <a:xfrm>
+          <a:off x="0" y="0"/>
+          <a:ext cx="0" cy="0"/>
+          <a:chOff x="0" y="0"/>
+          <a:chExt cx="0" cy="0"/>
+        </a:xfrm>
+      </p:grpSpPr>
+      <p:sp>
+        <p:nvSpPr>
+          <p:cNvPr id="2" name="Nadpis 1">
+            <a:extLst>
+              <a:ext uri="{FF2B5EF4-FFF2-40B4-BE49-F238E27FC236}">
+                <a16:creationId xmlns:a16="http://schemas.microsoft.com/office/drawing/2014/main" id="{8B589BDF-F81E-426F-AE41-B87463B4FD50}"/>
+              </a:ext>
+            </a:extLst>
+          </p:cNvPr>
+          <p:cNvSpPr>
+            <a:spLocks noGrp="1"/>
+          </p:cNvSpPr>
+          <p:nvPr>
+            <p:ph type="title"/>
+          </p:nvPr>
+        </p:nvSpPr>
+        <p:spPr/>
+        <p:txBody>
+          <a:bodyPr/>
+          <a:lstStyle/>
+          <a:p>
+            <a:r>
+              <a:rPr lang="sk-SK" dirty="0"/>
+              <a:t>CVIČENIE</a:t>
+            </a:r>
+          </a:p>
+        </p:txBody>
+      </p:sp>
+      <p:sp>
+        <p:nvSpPr>
+          <p:cNvPr id="3" name="Zástupný objekt pre obsah 2">
+            <a:extLst>
+              <a:ext uri="{FF2B5EF4-FFF2-40B4-BE49-F238E27FC236}">
+                <a16:creationId xmlns:a16="http://schemas.microsoft.com/office/drawing/2014/main" id="{230B96F1-4681-4FF1-95B9-8CAA2A68D7A1}"/>
+              </a:ext>
+            </a:extLst>
+          </p:cNvPr>
+          <p:cNvSpPr>
+            <a:spLocks noGrp="1"/>
+          </p:cNvSpPr>
+          <p:nvPr>
+            <p:ph idx="1"/>
+          </p:nvPr>
+        </p:nvSpPr>
+        <p:spPr/>
+        <p:txBody>
+          <a:bodyPr>
+            <a:normAutofit/>
+          </a:bodyPr>
+          <a:lstStyle/>
+          <a:p>
+            <a:r>
+              <a:rPr lang="sk-SK" dirty="0"/>
+              <a:t>Rozoberte doménu varenie teplých nápojov</a:t>
+            </a:r>
+          </a:p>
+          <a:p>
+            <a:r>
+              <a:rPr lang="sk-SK" dirty="0"/>
+              <a:t>Identifikujte triedy</a:t>
+            </a:r>
+          </a:p>
+          <a:p>
+            <a:pPr lvl="1"/>
+            <a:r>
+              <a:rPr lang="sk-SK" dirty="0"/>
+              <a:t>Typy teplých nápojov</a:t>
+            </a:r>
+          </a:p>
+          <a:p>
+            <a:pPr lvl="1"/>
+            <a:r>
+              <a:rPr lang="sk-SK" dirty="0"/>
+              <a:t>Typy strojov, ktoré teplé nápoje vyrábajú</a:t>
+            </a:r>
+          </a:p>
+          <a:p>
+            <a:pPr lvl="1"/>
+            <a:r>
+              <a:rPr lang="sk-SK" dirty="0"/>
+              <a:t>...</a:t>
+            </a:r>
+          </a:p>
+          <a:p>
+            <a:r>
+              <a:rPr lang="sk-SK" dirty="0"/>
+              <a:t>Popíšte vzťahy medzi triedami </a:t>
+            </a:r>
+            <a:r>
+              <a:rPr lang="sk-SK" b="1" dirty="0"/>
+              <a:t>slovesami</a:t>
+            </a:r>
+          </a:p>
+          <a:p>
+            <a:r>
+              <a:rPr lang="sk-SK" b="1" dirty="0"/>
+              <a:t>Identifikujte možnosti pre použitie rozhrania.</a:t>
+            </a:r>
+          </a:p>
+          <a:p>
+            <a:pPr lvl="1"/>
+            <a:r>
+              <a:rPr lang="sk-SK" b="1" dirty="0"/>
+              <a:t>Aké metódy bude mať rozhranie?</a:t>
+            </a:r>
+          </a:p>
+          <a:p>
+            <a:r>
+              <a:rPr lang="sk-SK" dirty="0"/>
+              <a:t>V metóde </a:t>
+            </a:r>
+            <a:r>
+              <a:rPr lang="sk-SK" dirty="0" err="1"/>
+              <a:t>main</a:t>
+            </a:r>
+            <a:r>
+              <a:rPr lang="sk-SK" dirty="0"/>
+              <a:t> si uvarte niektorý teplý nápoj.</a:t>
+            </a:r>
+          </a:p>
+          <a:p>
+            <a:endParaRPr lang="sk-SK" b="1" dirty="0"/>
+          </a:p>
+        </p:txBody>
+      </p:sp>
+    </p:spTree>
+    <p:extLst>
+      <p:ext uri="{BB962C8B-B14F-4D97-AF65-F5344CB8AC3E}">
+        <p14:creationId xmlns:p14="http://schemas.microsoft.com/office/powerpoint/2010/main" val="1800480706"/>
+      </p:ext>
+    </p:extLst>
+  </p:cSld>
+  <p:clrMapOvr>
+    <a:masterClrMapping/>
+  </p:clrMapOvr>
+</p:sld>
+</file>
+
+<file path=ppt/slides/slide132.xml><?xml version="1.0" encoding="utf-8"?>
+<p:sld xmlns:a="http://schemas.openxmlformats.org/drawingml/2006/main" xmlns:r="http://schemas.openxmlformats.org/officeDocument/2006/relationships" xmlns:p="http://schemas.openxmlformats.org/presentationml/2006/main">
+  <p:cSld>
+    <p:spTree>
+      <p:nvGrpSpPr>
+        <p:cNvPr id="1" name=""/>
+        <p:cNvGrpSpPr/>
+        <p:nvPr/>
+      </p:nvGrpSpPr>
+      <p:grpSpPr>
+        <a:xfrm>
+          <a:off x="0" y="0"/>
+          <a:ext cx="0" cy="0"/>
+          <a:chOff x="0" y="0"/>
+          <a:chExt cx="0" cy="0"/>
+        </a:xfrm>
+      </p:grpSpPr>
+      <p:sp>
+        <p:nvSpPr>
+          <p:cNvPr id="2" name="Nadpis 1">
+            <a:extLst>
+              <a:ext uri="{FF2B5EF4-FFF2-40B4-BE49-F238E27FC236}">
+                <a16:creationId xmlns:a16="http://schemas.microsoft.com/office/drawing/2014/main" id="{8DBD56D7-C437-41CE-9DE7-DE72E97C05C9}"/>
+              </a:ext>
+            </a:extLst>
+          </p:cNvPr>
+          <p:cNvSpPr>
+            <a:spLocks noGrp="1"/>
+          </p:cNvSpPr>
+          <p:nvPr>
+            <p:ph type="title"/>
+          </p:nvPr>
+        </p:nvSpPr>
+        <p:spPr/>
+        <p:txBody>
+          <a:bodyPr/>
+          <a:lstStyle/>
+          <a:p>
+            <a:r>
+              <a:rPr lang="en-US" dirty="0" err="1"/>
+              <a:t>Doplnkov</a:t>
+            </a:r>
+            <a:r>
+              <a:rPr lang="sk-SK" dirty="0"/>
+              <a:t>é funkcie a triedy</a:t>
+            </a:r>
+          </a:p>
+        </p:txBody>
+      </p:sp>
+      <p:sp>
+        <p:nvSpPr>
+          <p:cNvPr id="3" name="Zástupný objekt pre obsah 2">
+            <a:extLst>
+              <a:ext uri="{FF2B5EF4-FFF2-40B4-BE49-F238E27FC236}">
+                <a16:creationId xmlns:a16="http://schemas.microsoft.com/office/drawing/2014/main" id="{0231D4B6-C2B9-469C-954A-6E89480FC10F}"/>
+              </a:ext>
+            </a:extLst>
+          </p:cNvPr>
+          <p:cNvSpPr>
+            <a:spLocks noGrp="1"/>
+          </p:cNvSpPr>
+          <p:nvPr>
+            <p:ph idx="1"/>
+          </p:nvPr>
+        </p:nvSpPr>
+        <p:spPr/>
+        <p:txBody>
+          <a:bodyPr/>
+          <a:lstStyle/>
+          <a:p>
+            <a:r>
+              <a:rPr lang="sk-SK" dirty="0" err="1"/>
+              <a:t>System</a:t>
+            </a:r>
+            <a:r>
+              <a:rPr lang="sk-SK" dirty="0"/>
+              <a:t> – používali sme </a:t>
+            </a:r>
+            <a:endParaRPr lang="en-US" dirty="0"/>
+          </a:p>
+          <a:p>
+            <a:pPr lvl="1"/>
+            <a:r>
+              <a:rPr lang="sk-SK" dirty="0" err="1"/>
+              <a:t>out</a:t>
+            </a:r>
+            <a:r>
+              <a:rPr lang="en-US" dirty="0"/>
+              <a:t> – </a:t>
+            </a:r>
+            <a:r>
+              <a:rPr lang="sk-SK" dirty="0"/>
+              <a:t>výstupný tok informácií</a:t>
+            </a:r>
+            <a:endParaRPr lang="en-US" dirty="0"/>
+          </a:p>
+          <a:p>
+            <a:pPr lvl="1"/>
+            <a:r>
+              <a:rPr lang="en-US" dirty="0"/>
+              <a:t>in </a:t>
+            </a:r>
+            <a:r>
+              <a:rPr lang="sk-SK" dirty="0"/>
+              <a:t>- vstupný tok informácií</a:t>
+            </a:r>
+            <a:endParaRPr lang="en-US" dirty="0"/>
+          </a:p>
+          <a:p>
+            <a:pPr lvl="1"/>
+            <a:r>
+              <a:rPr lang="en-US" dirty="0"/>
+              <a:t>exit(0)</a:t>
+            </a:r>
+            <a:r>
+              <a:rPr lang="sk-SK" dirty="0"/>
+              <a:t> – ukončí aplikáciu s ukončovacím kódom. Kód 0 je bez chyby, všetky iné sú s chybou.</a:t>
+            </a:r>
+          </a:p>
+          <a:p>
+            <a:pPr lvl="1"/>
+            <a:r>
+              <a:rPr lang="sk-SK" dirty="0" err="1"/>
+              <a:t>gc</a:t>
+            </a:r>
+            <a:r>
+              <a:rPr lang="sk-SK" dirty="0"/>
+              <a:t>() – nasilu zavolá </a:t>
+            </a:r>
+            <a:r>
+              <a:rPr lang="sk-SK" dirty="0" err="1"/>
+              <a:t>garbage</a:t>
+            </a:r>
+            <a:r>
+              <a:rPr lang="sk-SK" dirty="0"/>
+              <a:t> </a:t>
+            </a:r>
+            <a:r>
+              <a:rPr lang="sk-SK" dirty="0" err="1"/>
+              <a:t>collector</a:t>
+            </a:r>
+            <a:r>
+              <a:rPr lang="sk-SK" dirty="0"/>
+              <a:t> – nie je odporúčané. Ak túto metódu používate priamo vo vlastnom manažovanom kóde, je to zlý dizajn.</a:t>
+            </a:r>
+            <a:endParaRPr lang="en-US" dirty="0"/>
+          </a:p>
+          <a:p>
+            <a:pPr lvl="1"/>
+            <a:r>
+              <a:rPr lang="en-US" dirty="0" err="1"/>
+              <a:t>getenv</a:t>
+            </a:r>
+            <a:r>
+              <a:rPr lang="en-US" dirty="0"/>
+              <a:t>() – </a:t>
+            </a:r>
+            <a:r>
+              <a:rPr lang="en-US" dirty="0" err="1"/>
+              <a:t>vr</a:t>
+            </a:r>
+            <a:r>
+              <a:rPr lang="sk-SK" dirty="0" err="1"/>
+              <a:t>áti</a:t>
+            </a:r>
+            <a:r>
+              <a:rPr lang="sk-SK" dirty="0"/>
+              <a:t> </a:t>
+            </a:r>
+            <a:r>
+              <a:rPr lang="sk-SK" dirty="0" err="1"/>
+              <a:t>Map</a:t>
+            </a:r>
+            <a:r>
+              <a:rPr lang="en-US" dirty="0"/>
+              <a:t>&lt;String, String&gt; </a:t>
+            </a:r>
+            <a:r>
+              <a:rPr lang="en-US" dirty="0" err="1"/>
+              <a:t>zoznam</a:t>
+            </a:r>
+            <a:r>
+              <a:rPr lang="en-US" dirty="0"/>
+              <a:t> </a:t>
+            </a:r>
+            <a:r>
+              <a:rPr lang="en-US" dirty="0" err="1"/>
+              <a:t>premenn</a:t>
+            </a:r>
+            <a:r>
+              <a:rPr lang="sk-SK" dirty="0" err="1"/>
+              <a:t>ých</a:t>
+            </a:r>
+            <a:r>
+              <a:rPr lang="sk-SK" dirty="0"/>
+              <a:t> prostredia</a:t>
+            </a:r>
+            <a:endParaRPr lang="en-US" dirty="0"/>
+          </a:p>
+          <a:p>
+            <a:pPr lvl="1"/>
+            <a:r>
+              <a:rPr lang="en-US" dirty="0" err="1"/>
+              <a:t>currentTimeMillis</a:t>
+            </a:r>
+            <a:r>
+              <a:rPr lang="en-US" dirty="0"/>
+              <a:t>() – </a:t>
+            </a:r>
+            <a:r>
+              <a:rPr lang="en-US" dirty="0" err="1"/>
+              <a:t>vr</a:t>
+            </a:r>
+            <a:r>
+              <a:rPr lang="sk-SK" dirty="0" err="1"/>
+              <a:t>áti</a:t>
+            </a:r>
+            <a:r>
+              <a:rPr lang="sk-SK" dirty="0"/>
+              <a:t> aktuálny čas v milisekundách</a:t>
+            </a:r>
+            <a:endParaRPr lang="en-US" dirty="0"/>
+          </a:p>
+          <a:p>
+            <a:pPr lvl="1"/>
+            <a:r>
+              <a:rPr lang="en-US" dirty="0"/>
+              <a:t>load(</a:t>
+            </a:r>
+            <a:r>
+              <a:rPr lang="en-US" dirty="0" err="1"/>
+              <a:t>cesta</a:t>
+            </a:r>
+            <a:r>
+              <a:rPr lang="en-US" dirty="0"/>
+              <a:t> </a:t>
+            </a:r>
+            <a:r>
+              <a:rPr lang="en-US" dirty="0" err="1"/>
+              <a:t>ku</a:t>
+            </a:r>
+            <a:r>
+              <a:rPr lang="en-US" dirty="0"/>
+              <a:t> </a:t>
+            </a:r>
+            <a:r>
+              <a:rPr lang="en-US" dirty="0" err="1"/>
+              <a:t>kni</a:t>
+            </a:r>
+            <a:r>
+              <a:rPr lang="sk-SK" dirty="0"/>
+              <a:t>žnici) – umožňuje načítať a použiť externú DLL knižnicu</a:t>
+            </a:r>
+            <a:endParaRPr lang="en-US" dirty="0"/>
+          </a:p>
+        </p:txBody>
+      </p:sp>
+    </p:spTree>
+    <p:extLst>
+      <p:ext uri="{BB962C8B-B14F-4D97-AF65-F5344CB8AC3E}">
+        <p14:creationId xmlns:p14="http://schemas.microsoft.com/office/powerpoint/2010/main" val="2930019030"/>
+      </p:ext>
+    </p:extLst>
+  </p:cSld>
+  <p:clrMapOvr>
+    <a:masterClrMapping/>
+  </p:clrMapOvr>
+</p:sld>
+</file>
+
+<file path=ppt/slides/slide133.xml><?xml version="1.0" encoding="utf-8"?>
+<p:sld xmlns:a="http://schemas.openxmlformats.org/drawingml/2006/main" xmlns:r="http://schemas.openxmlformats.org/officeDocument/2006/relationships" xmlns:p="http://schemas.openxmlformats.org/presentationml/2006/main">
+  <p:cSld>
+    <p:spTree>
+      <p:nvGrpSpPr>
+        <p:cNvPr id="1" name=""/>
+        <p:cNvGrpSpPr/>
+        <p:nvPr/>
+      </p:nvGrpSpPr>
+      <p:grpSpPr>
+        <a:xfrm>
+          <a:off x="0" y="0"/>
+          <a:ext cx="0" cy="0"/>
+          <a:chOff x="0" y="0"/>
+          <a:chExt cx="0" cy="0"/>
+        </a:xfrm>
+      </p:grpSpPr>
+      <p:sp>
+        <p:nvSpPr>
+          <p:cNvPr id="2" name="Nadpis 1">
+            <a:extLst>
+              <a:ext uri="{FF2B5EF4-FFF2-40B4-BE49-F238E27FC236}">
+                <a16:creationId xmlns:a16="http://schemas.microsoft.com/office/drawing/2014/main" id="{8DBD56D7-C437-41CE-9DE7-DE72E97C05C9}"/>
+              </a:ext>
+            </a:extLst>
+          </p:cNvPr>
+          <p:cNvSpPr>
+            <a:spLocks noGrp="1"/>
+          </p:cNvSpPr>
+          <p:nvPr>
+            <p:ph type="title"/>
+          </p:nvPr>
+        </p:nvSpPr>
+        <p:spPr/>
+        <p:txBody>
+          <a:bodyPr/>
+          <a:lstStyle/>
+          <a:p>
+            <a:r>
+              <a:rPr lang="en-US" dirty="0" err="1"/>
+              <a:t>Doplnkov</a:t>
+            </a:r>
+            <a:r>
+              <a:rPr lang="sk-SK" dirty="0"/>
+              <a:t>é funkcie a triedy</a:t>
+            </a:r>
+          </a:p>
+        </p:txBody>
+      </p:sp>
+      <p:sp>
+        <p:nvSpPr>
+          <p:cNvPr id="3" name="Zástupný objekt pre obsah 2">
+            <a:extLst>
+              <a:ext uri="{FF2B5EF4-FFF2-40B4-BE49-F238E27FC236}">
+                <a16:creationId xmlns:a16="http://schemas.microsoft.com/office/drawing/2014/main" id="{0231D4B6-C2B9-469C-954A-6E89480FC10F}"/>
+              </a:ext>
+            </a:extLst>
+          </p:cNvPr>
+          <p:cNvSpPr>
+            <a:spLocks noGrp="1"/>
+          </p:cNvSpPr>
+          <p:nvPr>
+            <p:ph idx="1"/>
+          </p:nvPr>
+        </p:nvSpPr>
+        <p:spPr/>
+        <p:txBody>
+          <a:bodyPr/>
+          <a:lstStyle/>
+          <a:p>
+            <a:r>
+              <a:rPr lang="en-US" dirty="0"/>
+              <a:t>Math – </a:t>
+            </a:r>
+            <a:r>
+              <a:rPr lang="en-US" dirty="0" err="1"/>
+              <a:t>viacer</a:t>
+            </a:r>
+            <a:r>
+              <a:rPr lang="sk-SK" dirty="0"/>
+              <a:t>é matematické funkcie</a:t>
+            </a:r>
+            <a:endParaRPr lang="en-US" dirty="0"/>
+          </a:p>
+          <a:p>
+            <a:pPr lvl="1"/>
+            <a:r>
+              <a:rPr lang="sk-SK" dirty="0" err="1"/>
+              <a:t>Math.abs</a:t>
+            </a:r>
+            <a:r>
+              <a:rPr lang="sk-SK" dirty="0"/>
+              <a:t> – vypočíta absolútnu hodnotu zo zadaného čísla</a:t>
+            </a:r>
+            <a:endParaRPr lang="en-US" dirty="0"/>
+          </a:p>
+          <a:p>
+            <a:pPr lvl="1"/>
+            <a:r>
+              <a:rPr lang="en-US" dirty="0" err="1"/>
+              <a:t>Math.random</a:t>
+            </a:r>
+            <a:r>
+              <a:rPr lang="en-US" dirty="0"/>
+              <a:t> – </a:t>
+            </a:r>
+            <a:r>
+              <a:rPr lang="en-US" dirty="0" err="1"/>
+              <a:t>vr</a:t>
+            </a:r>
+            <a:r>
+              <a:rPr lang="sk-SK" dirty="0" err="1"/>
+              <a:t>áti</a:t>
+            </a:r>
+            <a:r>
+              <a:rPr lang="sk-SK" dirty="0"/>
+              <a:t> náhodné číslo</a:t>
+            </a:r>
+            <a:r>
+              <a:rPr lang="en-US" dirty="0"/>
+              <a:t> (double)</a:t>
+            </a:r>
+            <a:r>
+              <a:rPr lang="sk-SK" dirty="0"/>
+              <a:t> z intervalu </a:t>
+            </a:r>
+            <a:r>
+              <a:rPr lang="en-US" dirty="0"/>
+              <a:t>&lt;0;1&gt;</a:t>
+            </a:r>
+          </a:p>
+          <a:p>
+            <a:pPr lvl="1"/>
+            <a:r>
+              <a:rPr lang="en-US" dirty="0" err="1"/>
+              <a:t>Math.floor</a:t>
+            </a:r>
+            <a:r>
+              <a:rPr lang="en-US" dirty="0"/>
+              <a:t> – </a:t>
+            </a:r>
+            <a:r>
+              <a:rPr lang="en-US" dirty="0" err="1"/>
+              <a:t>zaok</a:t>
+            </a:r>
+            <a:r>
+              <a:rPr lang="sk-SK" dirty="0" err="1"/>
+              <a:t>rúhli</a:t>
+            </a:r>
+            <a:r>
+              <a:rPr lang="sk-SK" dirty="0"/>
+              <a:t> na celé číslo smerom nadol</a:t>
+            </a:r>
+          </a:p>
+          <a:p>
+            <a:pPr lvl="1"/>
+            <a:r>
+              <a:rPr lang="sk-SK" dirty="0" err="1"/>
+              <a:t>Math.ceil</a:t>
+            </a:r>
+            <a:r>
+              <a:rPr lang="en-US" dirty="0"/>
+              <a:t> – </a:t>
+            </a:r>
+            <a:r>
+              <a:rPr lang="en-US" dirty="0" err="1"/>
+              <a:t>zaokr</a:t>
+            </a:r>
+            <a:r>
+              <a:rPr lang="sk-SK" dirty="0" err="1"/>
+              <a:t>úhli</a:t>
+            </a:r>
+            <a:r>
+              <a:rPr lang="sk-SK" dirty="0"/>
+              <a:t> na celé číslo smerom nahor</a:t>
+            </a:r>
+          </a:p>
+          <a:p>
+            <a:pPr lvl="1"/>
+            <a:r>
+              <a:rPr lang="sk-SK" dirty="0" err="1"/>
+              <a:t>Math.round</a:t>
+            </a:r>
+            <a:r>
+              <a:rPr lang="sk-SK" dirty="0"/>
+              <a:t> – zaokrúhli na najbližšie celé číslo</a:t>
+            </a:r>
+          </a:p>
+          <a:p>
+            <a:r>
+              <a:rPr lang="en-US" dirty="0"/>
+              <a:t>String</a:t>
+            </a:r>
+          </a:p>
+          <a:p>
+            <a:pPr lvl="1"/>
+            <a:r>
+              <a:rPr lang="sk-SK" dirty="0"/>
+              <a:t>j</a:t>
+            </a:r>
+            <a:r>
+              <a:rPr lang="en-US" dirty="0" err="1"/>
+              <a:t>oin</a:t>
+            </a:r>
+            <a:r>
+              <a:rPr lang="en-US" dirty="0"/>
+              <a:t> – </a:t>
+            </a:r>
+            <a:r>
+              <a:rPr lang="en-US" dirty="0" err="1"/>
+              <a:t>sp</a:t>
+            </a:r>
+            <a:r>
+              <a:rPr lang="sk-SK" dirty="0" err="1"/>
+              <a:t>ája</a:t>
+            </a:r>
+            <a:r>
+              <a:rPr lang="sk-SK" dirty="0"/>
+              <a:t> viaceré reťazce dokopy. Môžete použiť </a:t>
+            </a:r>
+            <a:r>
+              <a:rPr lang="sk-SK" dirty="0" err="1"/>
+              <a:t>delimiter</a:t>
+            </a:r>
+            <a:r>
+              <a:rPr lang="sk-SK" dirty="0"/>
+              <a:t> (znak pridaný medzi spojené reťazce)</a:t>
+            </a:r>
+          </a:p>
+          <a:p>
+            <a:pPr lvl="1"/>
+            <a:r>
+              <a:rPr lang="sk-SK" dirty="0" err="1"/>
+              <a:t>format</a:t>
+            </a:r>
+            <a:r>
+              <a:rPr lang="sk-SK" dirty="0"/>
+              <a:t> – umožňuje formátovať výstupný text jednoduchším spôsobom ako operátor +</a:t>
+            </a:r>
+            <a:endParaRPr lang="en-US" dirty="0"/>
+          </a:p>
+        </p:txBody>
+      </p:sp>
+    </p:spTree>
+    <p:extLst>
+      <p:ext uri="{BB962C8B-B14F-4D97-AF65-F5344CB8AC3E}">
+        <p14:creationId xmlns:p14="http://schemas.microsoft.com/office/powerpoint/2010/main" val="2320852085"/>
+      </p:ext>
+    </p:extLst>
+  </p:cSld>
+  <p:clrMapOvr>
+    <a:masterClrMapping/>
+  </p:clrMapOvr>
+</p:sld>
+</file>
+
+<file path=ppt/slides/slide134.xml><?xml version="1.0" encoding="utf-8"?>
+<p:sld xmlns:a="http://schemas.openxmlformats.org/drawingml/2006/main" xmlns:r="http://schemas.openxmlformats.org/officeDocument/2006/relationships" xmlns:p="http://schemas.openxmlformats.org/presentationml/2006/main">
+  <p:cSld>
+    <p:spTree>
+      <p:nvGrpSpPr>
+        <p:cNvPr id="1" name=""/>
+        <p:cNvGrpSpPr/>
+        <p:nvPr/>
+      </p:nvGrpSpPr>
+      <p:grpSpPr>
+        <a:xfrm>
+          <a:off x="0" y="0"/>
+          <a:ext cx="0" cy="0"/>
+          <a:chOff x="0" y="0"/>
+          <a:chExt cx="0" cy="0"/>
+        </a:xfrm>
+      </p:grpSpPr>
+      <p:sp>
+        <p:nvSpPr>
+          <p:cNvPr id="2" name="Nadpis 1">
+            <a:extLst>
+              <a:ext uri="{FF2B5EF4-FFF2-40B4-BE49-F238E27FC236}">
+                <a16:creationId xmlns:a16="http://schemas.microsoft.com/office/drawing/2014/main" id="{B72DA285-24C9-40C7-B52F-5E4821A14C61}"/>
+              </a:ext>
+            </a:extLst>
+          </p:cNvPr>
+          <p:cNvSpPr>
+            <a:spLocks noGrp="1"/>
+          </p:cNvSpPr>
+          <p:nvPr>
+            <p:ph type="title"/>
+          </p:nvPr>
+        </p:nvSpPr>
+        <p:spPr/>
+        <p:txBody>
+          <a:bodyPr/>
+          <a:lstStyle/>
+          <a:p>
+            <a:r>
+              <a:rPr lang="sk-SK" dirty="0" err="1"/>
+              <a:t>String.Format</a:t>
+            </a:r>
+            <a:endParaRPr lang="sk-SK" dirty="0"/>
+          </a:p>
+        </p:txBody>
+      </p:sp>
+      <p:sp>
+        <p:nvSpPr>
+          <p:cNvPr id="4" name="Rectangle 1">
+            <a:extLst>
+              <a:ext uri="{FF2B5EF4-FFF2-40B4-BE49-F238E27FC236}">
+                <a16:creationId xmlns:a16="http://schemas.microsoft.com/office/drawing/2014/main" id="{69FC2673-F1AA-4592-A546-8F5BD0F2EFD7}"/>
+              </a:ext>
+            </a:extLst>
+          </p:cNvPr>
+          <p:cNvSpPr>
+            <a:spLocks noGrp="1" noChangeArrowheads="1"/>
+          </p:cNvSpPr>
+          <p:nvPr>
+            <p:ph idx="1"/>
+          </p:nvPr>
+        </p:nvSpPr>
+        <p:spPr bwMode="auto">
+          <a:xfrm>
+            <a:off x="463458" y="2015884"/>
+            <a:ext cx="9725739" cy="553998"/>
+          </a:xfrm>
+          <a:prstGeom prst="rect">
+            <a:avLst/>
+          </a:prstGeom>
+          <a:solidFill>
+            <a:srgbClr val="FFFFFF"/>
+          </a:solidFill>
+          <a:ln>
+            <a:noFill/>
+          </a:ln>
+          <a:effectLst/>
+          <a:extLst>
+            <a:ext uri="{91240B29-F687-4F45-9708-019B960494DF}">
+              <a14:hiddenLine xmlns:a14="http://schemas.microsoft.com/office/drawing/2010/main" w="9525">
+                <a:solidFill>
+                  <a:schemeClr val="tx1"/>
+                </a:solidFill>
+                <a:miter lim="800000"/>
+                <a:headEnd/>
+                <a:tailEnd/>
+              </a14:hiddenLine>
+            </a:ext>
+            <a:ext uri="{AF507438-7753-43E0-B8FC-AC1667EBCBE1}">
+              <a14:hiddenEffects xmlns:a14="http://schemas.microsoft.com/office/drawing/2010/main">
+                <a:effectLst>
+                  <a:outerShdw dist="35921" dir="2700000" algn="ctr" rotWithShape="0">
+                    <a:schemeClr val="bg2"/>
+                  </a:outerShdw>
+                </a:effectLst>
+              </a14:hiddenEffects>
+            </a:ext>
+          </a:extLst>
+        </p:spPr>
+        <p:txBody>
+          <a:bodyPr vert="horz" wrap="none" lIns="91440" tIns="45720" rIns="91440" bIns="45720" numCol="1" anchor="ctr" anchorCtr="0" compatLnSpc="1">
+            <a:prstTxWarp prst="textNoShape">
+              <a:avLst/>
+            </a:prstTxWarp>
+            <a:spAutoFit/>
+          </a:bodyPr>
+          <a:lstStyle/>
+          <a:p>
+            <a:pPr marL="0" indent="0" defTabSz="914400" eaLnBrk="0" fontAlgn="base" hangingPunct="0">
+              <a:spcBef>
+                <a:spcPct val="0"/>
+              </a:spcBef>
+              <a:spcAft>
+                <a:spcPct val="0"/>
+              </a:spcAft>
+              <a:buClrTx/>
+              <a:buSzTx/>
+              <a:buNone/>
+            </a:pPr>
+            <a:r>
+              <a:rPr lang="sk-SK" altLang="sk-SK" sz="1000" b="1" dirty="0" err="1">
+                <a:solidFill>
+                  <a:srgbClr val="000080"/>
+                </a:solidFill>
+                <a:latin typeface="Courier New" panose="02070309020205020404" pitchFamily="49" charset="0"/>
+                <a:cs typeface="Courier New" panose="02070309020205020404" pitchFamily="49" charset="0"/>
+              </a:rPr>
+              <a:t>double</a:t>
+            </a:r>
+            <a:r>
+              <a:rPr lang="sk-SK" altLang="sk-SK" sz="1000" b="1" dirty="0">
+                <a:solidFill>
+                  <a:srgbClr val="000080"/>
+                </a:solidFill>
+                <a:latin typeface="Courier New" panose="02070309020205020404" pitchFamily="49" charset="0"/>
+                <a:cs typeface="Courier New" panose="02070309020205020404" pitchFamily="49" charset="0"/>
+              </a:rPr>
+              <a:t> </a:t>
+            </a:r>
+            <a:r>
+              <a:rPr lang="sk-SK" altLang="sk-SK" sz="1000" dirty="0">
+                <a:solidFill>
+                  <a:srgbClr val="000000"/>
+                </a:solidFill>
+                <a:latin typeface="Courier New" panose="02070309020205020404" pitchFamily="49" charset="0"/>
+                <a:cs typeface="Courier New" panose="02070309020205020404" pitchFamily="49" charset="0"/>
+              </a:rPr>
+              <a:t>a = </a:t>
+            </a:r>
+            <a:r>
+              <a:rPr lang="sk-SK" altLang="sk-SK" sz="1000" dirty="0" err="1">
+                <a:solidFill>
+                  <a:srgbClr val="000000"/>
+                </a:solidFill>
+                <a:latin typeface="Courier New" panose="02070309020205020404" pitchFamily="49" charset="0"/>
+                <a:cs typeface="Courier New" panose="02070309020205020404" pitchFamily="49" charset="0"/>
+              </a:rPr>
+              <a:t>Math.</a:t>
+            </a:r>
+            <a:r>
+              <a:rPr lang="sk-SK" altLang="sk-SK" sz="1000" i="1" dirty="0" err="1">
+                <a:solidFill>
+                  <a:srgbClr val="000000"/>
+                </a:solidFill>
+                <a:latin typeface="Courier New" panose="02070309020205020404" pitchFamily="49" charset="0"/>
+                <a:cs typeface="Courier New" panose="02070309020205020404" pitchFamily="49" charset="0"/>
+              </a:rPr>
+              <a:t>random</a:t>
+            </a:r>
+            <a:r>
+              <a:rPr lang="sk-SK" altLang="sk-SK" sz="1000" dirty="0">
+                <a:solidFill>
+                  <a:srgbClr val="000000"/>
+                </a:solidFill>
+                <a:latin typeface="Courier New" panose="02070309020205020404" pitchFamily="49" charset="0"/>
+                <a:cs typeface="Courier New" panose="02070309020205020404" pitchFamily="49" charset="0"/>
+              </a:rPr>
+              <a:t>();</a:t>
+            </a:r>
+            <a:br>
+              <a:rPr lang="sk-SK" altLang="sk-SK" sz="1000" dirty="0">
+                <a:solidFill>
+                  <a:srgbClr val="000000"/>
+                </a:solidFill>
+                <a:latin typeface="Courier New" panose="02070309020205020404" pitchFamily="49" charset="0"/>
+                <a:cs typeface="Courier New" panose="02070309020205020404" pitchFamily="49" charset="0"/>
+              </a:rPr>
+            </a:br>
+            <a:r>
+              <a:rPr lang="sk-SK" altLang="sk-SK" sz="1000" b="1" dirty="0" err="1">
+                <a:solidFill>
+                  <a:srgbClr val="000080"/>
+                </a:solidFill>
+                <a:latin typeface="Courier New" panose="02070309020205020404" pitchFamily="49" charset="0"/>
+                <a:cs typeface="Courier New" panose="02070309020205020404" pitchFamily="49" charset="0"/>
+              </a:rPr>
+              <a:t>int</a:t>
+            </a:r>
+            <a:r>
+              <a:rPr lang="sk-SK" altLang="sk-SK" sz="1000" b="1" dirty="0">
+                <a:solidFill>
+                  <a:srgbClr val="000080"/>
+                </a:solidFill>
+                <a:latin typeface="Courier New" panose="02070309020205020404" pitchFamily="49" charset="0"/>
+                <a:cs typeface="Courier New" panose="02070309020205020404" pitchFamily="49" charset="0"/>
+              </a:rPr>
+              <a:t> </a:t>
+            </a:r>
+            <a:r>
+              <a:rPr lang="sk-SK" altLang="sk-SK" sz="1000" dirty="0">
+                <a:solidFill>
+                  <a:srgbClr val="000000"/>
+                </a:solidFill>
+                <a:latin typeface="Courier New" panose="02070309020205020404" pitchFamily="49" charset="0"/>
+                <a:cs typeface="Courier New" panose="02070309020205020404" pitchFamily="49" charset="0"/>
+              </a:rPr>
+              <a:t>b = </a:t>
+            </a:r>
+            <a:r>
+              <a:rPr lang="sk-SK" altLang="sk-SK" sz="1000" dirty="0">
+                <a:solidFill>
+                  <a:srgbClr val="0000FF"/>
+                </a:solidFill>
+                <a:latin typeface="Courier New" panose="02070309020205020404" pitchFamily="49" charset="0"/>
+                <a:cs typeface="Courier New" panose="02070309020205020404" pitchFamily="49" charset="0"/>
+              </a:rPr>
+              <a:t>2</a:t>
+            </a:r>
+            <a:r>
+              <a:rPr lang="sk-SK" altLang="sk-SK" sz="1000" dirty="0">
+                <a:solidFill>
+                  <a:srgbClr val="000000"/>
+                </a:solidFill>
+                <a:latin typeface="Courier New" panose="02070309020205020404" pitchFamily="49" charset="0"/>
+                <a:cs typeface="Courier New" panose="02070309020205020404" pitchFamily="49" charset="0"/>
+              </a:rPr>
+              <a:t>;</a:t>
+            </a:r>
+            <a:endParaRPr lang="sk-SK" altLang="sk-SK" dirty="0">
+              <a:solidFill>
+                <a:schemeClr val="tx1"/>
+              </a:solidFill>
+              <a:latin typeface="Arial" panose="020B0604020202020204" pitchFamily="34" charset="0"/>
+            </a:endParaRPr>
+          </a:p>
+          <a:p>
+            <a:pPr marL="0" marR="0" lvl="0" indent="0" algn="l" defTabSz="914400" rtl="0" eaLnBrk="0" fontAlgn="base" latinLnBrk="0" hangingPunct="0">
+              <a:lnSpc>
+                <a:spcPct val="100000"/>
+              </a:lnSpc>
+              <a:spcBef>
+                <a:spcPct val="0"/>
+              </a:spcBef>
+              <a:spcAft>
+                <a:spcPct val="0"/>
+              </a:spcAft>
+              <a:buClrTx/>
+              <a:buSzTx/>
+              <a:buFontTx/>
+              <a:buNone/>
+              <a:tabLst/>
+            </a:pPr>
+            <a:r>
+              <a:rPr kumimoji="0" lang="sk-SK" altLang="sk-SK" sz="1000" b="0" i="0" u="none" strike="noStrike" cap="none" normalizeH="0" baseline="0" dirty="0" err="1">
+                <a:ln>
+                  <a:noFill/>
+                </a:ln>
+                <a:solidFill>
+                  <a:srgbClr val="000000"/>
+                </a:solidFill>
+                <a:effectLst/>
+                <a:latin typeface="Courier New" panose="02070309020205020404" pitchFamily="49" charset="0"/>
+                <a:cs typeface="Courier New" panose="02070309020205020404" pitchFamily="49" charset="0"/>
+              </a:rPr>
+              <a:t>System.</a:t>
+            </a:r>
+            <a:r>
+              <a:rPr kumimoji="0" lang="sk-SK" altLang="sk-SK" sz="1000" b="1" i="1" u="none" strike="noStrike" cap="none" normalizeH="0" baseline="0" dirty="0" err="1">
+                <a:ln>
+                  <a:noFill/>
+                </a:ln>
+                <a:solidFill>
+                  <a:srgbClr val="660E7A"/>
+                </a:solidFill>
+                <a:effectLst/>
+                <a:latin typeface="Courier New" panose="02070309020205020404" pitchFamily="49" charset="0"/>
+                <a:cs typeface="Courier New" panose="02070309020205020404" pitchFamily="49" charset="0"/>
+              </a:rPr>
+              <a:t>out</a:t>
+            </a:r>
+            <a:r>
+              <a:rPr kumimoji="0" lang="sk-SK" altLang="sk-SK" sz="1000" b="0" i="0" u="none" strike="noStrike" cap="none" normalizeH="0" baseline="0" dirty="0" err="1">
+                <a:ln>
+                  <a:noFill/>
+                </a:ln>
+                <a:solidFill>
+                  <a:srgbClr val="000000"/>
+                </a:solidFill>
+                <a:effectLst/>
+                <a:latin typeface="Courier New" panose="02070309020205020404" pitchFamily="49" charset="0"/>
+                <a:cs typeface="Courier New" panose="02070309020205020404" pitchFamily="49" charset="0"/>
+              </a:rPr>
+              <a:t>.print</a:t>
+            </a:r>
+            <a:r>
+              <a:rPr kumimoji="0" lang="sk-SK" altLang="sk-SK" sz="1000" b="0" i="0" u="none" strike="noStrike" cap="none" normalizeH="0" baseline="0" dirty="0">
+                <a:ln>
+                  <a:noFill/>
+                </a:ln>
+                <a:solidFill>
+                  <a:srgbClr val="000000"/>
+                </a:solidFill>
+                <a:effectLst/>
+                <a:latin typeface="Courier New" panose="02070309020205020404" pitchFamily="49" charset="0"/>
+                <a:cs typeface="Courier New" panose="02070309020205020404" pitchFamily="49" charset="0"/>
+              </a:rPr>
+              <a:t>(</a:t>
+            </a:r>
+            <a:r>
+              <a:rPr kumimoji="0" lang="sk-SK" altLang="sk-SK" sz="1000" b="0" i="0" u="none" strike="noStrike" cap="none" normalizeH="0" baseline="0" dirty="0" err="1">
+                <a:ln>
+                  <a:noFill/>
+                </a:ln>
+                <a:solidFill>
+                  <a:srgbClr val="000000"/>
+                </a:solidFill>
+                <a:effectLst/>
+                <a:latin typeface="Courier New" panose="02070309020205020404" pitchFamily="49" charset="0"/>
+                <a:cs typeface="Courier New" panose="02070309020205020404" pitchFamily="49" charset="0"/>
+              </a:rPr>
+              <a:t>String.</a:t>
+            </a:r>
+            <a:r>
+              <a:rPr kumimoji="0" lang="sk-SK" altLang="sk-SK" sz="1000" b="0" i="1" u="none" strike="noStrike" cap="none" normalizeH="0" baseline="0" dirty="0" err="1">
+                <a:ln>
+                  <a:noFill/>
+                </a:ln>
+                <a:solidFill>
+                  <a:srgbClr val="000000"/>
+                </a:solidFill>
+                <a:effectLst/>
+                <a:latin typeface="Courier New" panose="02070309020205020404" pitchFamily="49" charset="0"/>
+                <a:cs typeface="Courier New" panose="02070309020205020404" pitchFamily="49" charset="0"/>
+              </a:rPr>
+              <a:t>format</a:t>
+            </a:r>
+            <a:r>
+              <a:rPr kumimoji="0" lang="sk-SK" altLang="sk-SK" sz="1000" b="0" i="0" u="none" strike="noStrike" cap="none" normalizeH="0" baseline="0" dirty="0">
+                <a:ln>
+                  <a:noFill/>
+                </a:ln>
+                <a:solidFill>
+                  <a:srgbClr val="000000"/>
+                </a:solidFill>
+                <a:effectLst/>
+                <a:latin typeface="Courier New" panose="02070309020205020404" pitchFamily="49" charset="0"/>
+                <a:cs typeface="Courier New" panose="02070309020205020404" pitchFamily="49" charset="0"/>
+              </a:rPr>
+              <a:t>(</a:t>
+            </a:r>
+            <a:r>
+              <a:rPr kumimoji="0" lang="sk-SK" altLang="sk-SK" sz="1000" b="1" i="0" u="none" strike="noStrike" cap="none" normalizeH="0" baseline="0" dirty="0">
+                <a:ln>
+                  <a:noFill/>
+                </a:ln>
+                <a:solidFill>
+                  <a:srgbClr val="008000"/>
+                </a:solidFill>
+                <a:effectLst/>
+                <a:latin typeface="Courier New" panose="02070309020205020404" pitchFamily="49" charset="0"/>
+                <a:cs typeface="Courier New" panose="02070309020205020404" pitchFamily="49" charset="0"/>
+              </a:rPr>
+              <a:t>"Keby si dal </a:t>
+            </a:r>
+            <a:r>
+              <a:rPr kumimoji="0" lang="sk-SK" altLang="sk-SK" sz="1000" b="1" i="0" u="none" strike="noStrike" cap="none" normalizeH="0" baseline="0" dirty="0" err="1">
+                <a:ln>
+                  <a:noFill/>
+                </a:ln>
+                <a:solidFill>
+                  <a:srgbClr val="008000"/>
+                </a:solidFill>
+                <a:effectLst/>
+                <a:latin typeface="Courier New" panose="02070309020205020404" pitchFamily="49" charset="0"/>
+                <a:cs typeface="Courier New" panose="02070309020205020404" pitchFamily="49" charset="0"/>
+              </a:rPr>
+              <a:t>cislo</a:t>
+            </a:r>
+            <a:r>
+              <a:rPr kumimoji="0" lang="sk-SK" altLang="sk-SK" sz="1000" b="1" i="0" u="none" strike="noStrike" cap="none" normalizeH="0" baseline="0" dirty="0">
+                <a:ln>
+                  <a:noFill/>
+                </a:ln>
+                <a:solidFill>
+                  <a:srgbClr val="008000"/>
+                </a:solidFill>
+                <a:effectLst/>
+                <a:latin typeface="Courier New" panose="02070309020205020404" pitchFamily="49" charset="0"/>
+                <a:cs typeface="Courier New" panose="02070309020205020404" pitchFamily="49" charset="0"/>
+              </a:rPr>
+              <a:t> %1$f a k tomu </a:t>
+            </a:r>
+            <a:r>
+              <a:rPr kumimoji="0" lang="sk-SK" altLang="sk-SK" sz="1000" b="1" i="0" u="none" strike="noStrike" cap="none" normalizeH="0" baseline="0" dirty="0" err="1">
+                <a:ln>
+                  <a:noFill/>
+                </a:ln>
+                <a:solidFill>
+                  <a:srgbClr val="008000"/>
+                </a:solidFill>
+                <a:effectLst/>
+                <a:latin typeface="Courier New" panose="02070309020205020404" pitchFamily="49" charset="0"/>
+                <a:cs typeface="Courier New" panose="02070309020205020404" pitchFamily="49" charset="0"/>
+              </a:rPr>
+              <a:t>priratal</a:t>
+            </a:r>
+            <a:r>
+              <a:rPr kumimoji="0" lang="sk-SK" altLang="sk-SK" sz="1000" b="1" i="0" u="none" strike="noStrike" cap="none" normalizeH="0" baseline="0" dirty="0">
+                <a:ln>
+                  <a:noFill/>
+                </a:ln>
+                <a:solidFill>
+                  <a:srgbClr val="008000"/>
+                </a:solidFill>
+                <a:effectLst/>
+                <a:latin typeface="Courier New" panose="02070309020205020404" pitchFamily="49" charset="0"/>
+                <a:cs typeface="Courier New" panose="02070309020205020404" pitchFamily="49" charset="0"/>
+              </a:rPr>
+              <a:t> </a:t>
+            </a:r>
+            <a:r>
+              <a:rPr kumimoji="0" lang="sk-SK" altLang="sk-SK" sz="1000" b="1" i="0" u="none" strike="noStrike" cap="none" normalizeH="0" baseline="0" dirty="0" err="1">
+                <a:ln>
+                  <a:noFill/>
+                </a:ln>
+                <a:solidFill>
+                  <a:srgbClr val="008000"/>
+                </a:solidFill>
+                <a:effectLst/>
+                <a:latin typeface="Courier New" panose="02070309020205020404" pitchFamily="49" charset="0"/>
+                <a:cs typeface="Courier New" panose="02070309020205020404" pitchFamily="49" charset="0"/>
+              </a:rPr>
+              <a:t>nejaku</a:t>
+            </a:r>
+            <a:r>
+              <a:rPr kumimoji="0" lang="sk-SK" altLang="sk-SK" sz="1000" b="1" i="0" u="none" strike="noStrike" cap="none" normalizeH="0" baseline="0" dirty="0">
+                <a:ln>
+                  <a:noFill/>
+                </a:ln>
+                <a:solidFill>
+                  <a:srgbClr val="008000"/>
+                </a:solidFill>
+                <a:effectLst/>
+                <a:latin typeface="Courier New" panose="02070309020205020404" pitchFamily="49" charset="0"/>
+                <a:cs typeface="Courier New" panose="02070309020205020404" pitchFamily="49" charset="0"/>
+              </a:rPr>
+              <a:t> hodnotu %2$d. Vzniklo by ti %3$s"</a:t>
+            </a:r>
+            <a:r>
+              <a:rPr kumimoji="0" lang="sk-SK" altLang="sk-SK" sz="1000" b="0" i="0" u="none" strike="noStrike" cap="none" normalizeH="0" baseline="0" dirty="0">
+                <a:ln>
+                  <a:noFill/>
+                </a:ln>
+                <a:solidFill>
+                  <a:srgbClr val="000000"/>
+                </a:solidFill>
+                <a:effectLst/>
+                <a:latin typeface="Courier New" panose="02070309020205020404" pitchFamily="49" charset="0"/>
+                <a:cs typeface="Courier New" panose="02070309020205020404" pitchFamily="49" charset="0"/>
+              </a:rPr>
+              <a:t>,a,b,a+b));</a:t>
+            </a:r>
+            <a:endParaRPr kumimoji="0" lang="sk-SK" altLang="sk-SK" sz="1800" b="0" i="0" u="none" strike="noStrike" cap="none" normalizeH="0" baseline="0" dirty="0">
+              <a:ln>
+                <a:noFill/>
+              </a:ln>
+              <a:solidFill>
+                <a:schemeClr val="tx1"/>
+              </a:solidFill>
+              <a:effectLst/>
+              <a:latin typeface="Arial" panose="020B0604020202020204" pitchFamily="34" charset="0"/>
+            </a:endParaRPr>
+          </a:p>
+        </p:txBody>
+      </p:sp>
+      <p:sp>
+        <p:nvSpPr>
+          <p:cNvPr id="6" name="Zástupný objekt pre obsah 2">
+            <a:extLst>
+              <a:ext uri="{FF2B5EF4-FFF2-40B4-BE49-F238E27FC236}">
+                <a16:creationId xmlns:a16="http://schemas.microsoft.com/office/drawing/2014/main" id="{5E9EC534-C076-49C6-9F67-24CB32DF44FC}"/>
+              </a:ext>
+            </a:extLst>
+          </p:cNvPr>
+          <p:cNvSpPr txBox="1">
+            <a:spLocks/>
+          </p:cNvSpPr>
+          <p:nvPr/>
+        </p:nvSpPr>
+        <p:spPr>
+          <a:xfrm>
+            <a:off x="581192" y="2180496"/>
+            <a:ext cx="11029615" cy="3678303"/>
+          </a:xfrm>
+          <a:prstGeom prst="rect">
+            <a:avLst/>
+          </a:prstGeom>
+        </p:spPr>
+        <p:txBody>
+          <a:bodyPr vert="horz" lIns="91440" tIns="45720" rIns="91440" bIns="45720" rtlCol="0" anchor="ctr">
+            <a:normAutofit/>
+          </a:bodyPr>
+          <a:lstStyle>
+            <a:lvl1pPr marL="306000" indent="-306000" algn="l" defTabSz="457200" rtl="0" eaLnBrk="1" latinLnBrk="0" hangingPunct="1">
+              <a:spcBef>
+                <a:spcPct val="20000"/>
+              </a:spcBef>
+              <a:spcAft>
+                <a:spcPts val="600"/>
+              </a:spcAft>
+              <a:buClr>
+                <a:schemeClr val="accent2"/>
+              </a:buClr>
+              <a:buSzPct val="92000"/>
+              <a:buFont typeface="Wingdings 2" panose="05020102010507070707" pitchFamily="18" charset="2"/>
+              <a:buChar char=""/>
+              <a:defRPr sz="1800" kern="1200">
+                <a:solidFill>
+                  <a:schemeClr val="tx2"/>
+                </a:solidFill>
+                <a:latin typeface="+mn-lt"/>
+                <a:ea typeface="+mn-ea"/>
+                <a:cs typeface="+mn-cs"/>
+              </a:defRPr>
+            </a:lvl1pPr>
+            <a:lvl2pPr marL="630000" indent="-306000" algn="l" defTabSz="457200" rtl="0" eaLnBrk="1" latinLnBrk="0" hangingPunct="1">
+              <a:spcBef>
+                <a:spcPct val="20000"/>
+              </a:spcBef>
+              <a:spcAft>
+                <a:spcPts val="600"/>
+              </a:spcAft>
+              <a:buClr>
+                <a:schemeClr val="accent2"/>
+              </a:buClr>
+              <a:buSzPct val="92000"/>
+              <a:buFont typeface="Wingdings 2" panose="05020102010507070707" pitchFamily="18" charset="2"/>
+              <a:buChar char=""/>
+              <a:defRPr sz="1600" kern="1200">
+                <a:solidFill>
+                  <a:schemeClr val="tx2"/>
+                </a:solidFill>
+                <a:latin typeface="+mn-lt"/>
+                <a:ea typeface="+mn-ea"/>
+                <a:cs typeface="+mn-cs"/>
+              </a:defRPr>
+            </a:lvl2pPr>
+            <a:lvl3pPr marL="900000" indent="-270000" algn="l" defTabSz="457200" rtl="0" eaLnBrk="1" latinLnBrk="0" hangingPunct="1">
+              <a:spcBef>
+                <a:spcPct val="20000"/>
+              </a:spcBef>
+              <a:spcAft>
+                <a:spcPts val="600"/>
+              </a:spcAft>
+              <a:buClr>
+                <a:schemeClr val="accent2"/>
+              </a:buClr>
+              <a:buSzPct val="92000"/>
+              <a:buFont typeface="Wingdings 2" panose="05020102010507070707" pitchFamily="18" charset="2"/>
+              <a:buChar char=""/>
+              <a:defRPr sz="1400" kern="1200">
+                <a:solidFill>
+                  <a:schemeClr val="tx2"/>
+                </a:solidFill>
+                <a:latin typeface="+mn-lt"/>
+                <a:ea typeface="+mn-ea"/>
+                <a:cs typeface="+mn-cs"/>
+              </a:defRPr>
+            </a:lvl3pPr>
+            <a:lvl4pPr marL="1242000" indent="-234000" algn="l" defTabSz="457200" rtl="0" eaLnBrk="1" latinLnBrk="0" hangingPunct="1">
+              <a:spcBef>
+                <a:spcPct val="20000"/>
+              </a:spcBef>
+              <a:spcAft>
+                <a:spcPts val="600"/>
+              </a:spcAft>
+              <a:buClr>
+                <a:schemeClr val="accent2"/>
+              </a:buClr>
+              <a:buSzPct val="92000"/>
+              <a:buFont typeface="Wingdings 2" panose="05020102010507070707" pitchFamily="18" charset="2"/>
+              <a:buChar char=""/>
+              <a:defRPr sz="1200" kern="1200">
+                <a:solidFill>
+                  <a:schemeClr val="tx2"/>
+                </a:solidFill>
+                <a:latin typeface="+mn-lt"/>
+                <a:ea typeface="+mn-ea"/>
+                <a:cs typeface="+mn-cs"/>
+              </a:defRPr>
+            </a:lvl4pPr>
+            <a:lvl5pPr marL="1602000" indent="-234000" algn="l" defTabSz="457200" rtl="0" eaLnBrk="1" latinLnBrk="0" hangingPunct="1">
+              <a:spcBef>
+                <a:spcPct val="20000"/>
+              </a:spcBef>
+              <a:spcAft>
+                <a:spcPts val="600"/>
+              </a:spcAft>
+              <a:buClr>
+                <a:schemeClr val="accent2"/>
+              </a:buClr>
+              <a:buSzPct val="92000"/>
+              <a:buFont typeface="Wingdings 2" panose="05020102010507070707" pitchFamily="18" charset="2"/>
+              <a:buChar char=""/>
+              <a:defRPr sz="1200" kern="1200">
+                <a:solidFill>
+                  <a:schemeClr val="tx2"/>
+                </a:solidFill>
+                <a:latin typeface="+mn-lt"/>
+                <a:ea typeface="+mn-ea"/>
+                <a:cs typeface="+mn-cs"/>
+              </a:defRPr>
+            </a:lvl5pPr>
+            <a:lvl6pPr marL="1900000" indent="-228600" algn="l" defTabSz="457200" rtl="0" eaLnBrk="1" latinLnBrk="0" hangingPunct="1">
+              <a:spcBef>
+                <a:spcPct val="20000"/>
+              </a:spcBef>
+              <a:spcAft>
+                <a:spcPts val="600"/>
+              </a:spcAft>
+              <a:buClr>
+                <a:schemeClr val="accent2"/>
+              </a:buClr>
+              <a:buSzPct val="92000"/>
+              <a:buFont typeface="Wingdings 2" panose="05020102010507070707" pitchFamily="18" charset="2"/>
+              <a:buChar char=""/>
+              <a:defRPr sz="1200" kern="1200">
+                <a:solidFill>
+                  <a:schemeClr val="tx2"/>
+                </a:solidFill>
+                <a:latin typeface="+mn-lt"/>
+                <a:ea typeface="+mn-ea"/>
+                <a:cs typeface="+mn-cs"/>
+              </a:defRPr>
+            </a:lvl6pPr>
+            <a:lvl7pPr marL="2200000" indent="-228600" algn="l" defTabSz="457200" rtl="0" eaLnBrk="1" latinLnBrk="0" hangingPunct="1">
+              <a:spcBef>
+                <a:spcPct val="20000"/>
+              </a:spcBef>
+              <a:spcAft>
+                <a:spcPts val="600"/>
+              </a:spcAft>
+              <a:buClr>
+                <a:schemeClr val="accent2"/>
+              </a:buClr>
+              <a:buSzPct val="92000"/>
+              <a:buFont typeface="Wingdings 2" panose="05020102010507070707" pitchFamily="18" charset="2"/>
+              <a:buChar char=""/>
+              <a:defRPr sz="1200" kern="1200">
+                <a:solidFill>
+                  <a:schemeClr val="tx2"/>
+                </a:solidFill>
+                <a:latin typeface="+mn-lt"/>
+                <a:ea typeface="+mn-ea"/>
+                <a:cs typeface="+mn-cs"/>
+              </a:defRPr>
+            </a:lvl7pPr>
+            <a:lvl8pPr marL="2500000" indent="-228600" algn="l" defTabSz="457200" rtl="0" eaLnBrk="1" latinLnBrk="0" hangingPunct="1">
+              <a:spcBef>
+                <a:spcPct val="20000"/>
+              </a:spcBef>
+              <a:spcAft>
+                <a:spcPts val="600"/>
+              </a:spcAft>
+              <a:buClr>
+                <a:schemeClr val="accent2"/>
+              </a:buClr>
+              <a:buSzPct val="92000"/>
+              <a:buFont typeface="Wingdings 2" panose="05020102010507070707" pitchFamily="18" charset="2"/>
+              <a:buChar char=""/>
+              <a:defRPr sz="1200" kern="1200">
+                <a:solidFill>
+                  <a:schemeClr val="tx2"/>
+                </a:solidFill>
+                <a:latin typeface="+mn-lt"/>
+                <a:ea typeface="+mn-ea"/>
+                <a:cs typeface="+mn-cs"/>
+              </a:defRPr>
+            </a:lvl8pPr>
+            <a:lvl9pPr marL="2800000" indent="-228600" algn="l" defTabSz="457200" rtl="0" eaLnBrk="1" latinLnBrk="0" hangingPunct="1">
+              <a:spcBef>
+                <a:spcPct val="20000"/>
+              </a:spcBef>
+              <a:spcAft>
+                <a:spcPts val="600"/>
+              </a:spcAft>
+              <a:buClr>
+                <a:schemeClr val="accent2"/>
+              </a:buClr>
+              <a:buSzPct val="92000"/>
+              <a:buFont typeface="Wingdings 2" panose="05020102010507070707" pitchFamily="18" charset="2"/>
+              <a:buChar char=""/>
+              <a:defRPr sz="1200" kern="1200">
+                <a:solidFill>
+                  <a:schemeClr val="tx2"/>
+                </a:solidFill>
+                <a:latin typeface="+mn-lt"/>
+                <a:ea typeface="+mn-ea"/>
+                <a:cs typeface="+mn-cs"/>
+              </a:defRPr>
+            </a:lvl9pPr>
+          </a:lstStyle>
+          <a:p>
+            <a:r>
+              <a:rPr lang="en-US" dirty="0"/>
+              <a:t>%1 je </a:t>
+            </a:r>
+            <a:r>
+              <a:rPr lang="sk-SK" dirty="0"/>
+              <a:t>číslo argumentu za formátovaným textom</a:t>
+            </a:r>
+          </a:p>
+          <a:p>
+            <a:r>
+              <a:rPr lang="en-US" dirty="0"/>
+              <a:t>$f je </a:t>
+            </a:r>
+            <a:r>
+              <a:rPr lang="en-US" dirty="0" err="1"/>
+              <a:t>typ</a:t>
+            </a:r>
+            <a:r>
+              <a:rPr lang="en-US" dirty="0"/>
+              <a:t> </a:t>
+            </a:r>
+            <a:r>
+              <a:rPr lang="en-US" dirty="0" err="1"/>
+              <a:t>argumentu</a:t>
+            </a:r>
+            <a:endParaRPr lang="en-US" dirty="0"/>
+          </a:p>
+          <a:p>
+            <a:r>
+              <a:rPr lang="en-US" dirty="0" err="1"/>
+              <a:t>Zaokr</a:t>
+            </a:r>
+            <a:r>
+              <a:rPr lang="sk-SK" dirty="0" err="1"/>
+              <a:t>úhlenie</a:t>
+            </a:r>
+            <a:r>
+              <a:rPr lang="sk-SK" dirty="0"/>
+              <a:t> na desatinné miesta je možné urobiť </a:t>
+            </a:r>
+            <a:r>
+              <a:rPr lang="en-US" dirty="0" err="1"/>
+              <a:t>pridan</a:t>
+            </a:r>
+            <a:r>
+              <a:rPr lang="sk-SK" dirty="0" err="1"/>
+              <a:t>ím</a:t>
+            </a:r>
+            <a:r>
+              <a:rPr lang="sk-SK" dirty="0"/>
+              <a:t> napríklad .2 pred písmeno f formátu</a:t>
+            </a:r>
+            <a:endParaRPr lang="en-US" dirty="0"/>
+          </a:p>
+          <a:p>
+            <a:r>
+              <a:rPr lang="en-US" dirty="0"/>
+              <a:t>V</a:t>
+            </a:r>
+            <a:r>
+              <a:rPr lang="sk-SK" dirty="0" err="1"/>
+              <a:t>šetky</a:t>
+            </a:r>
+            <a:r>
+              <a:rPr lang="sk-SK" dirty="0"/>
+              <a:t> formáty sú dostupné na</a:t>
+            </a:r>
+          </a:p>
+          <a:p>
+            <a:pPr lvl="1"/>
+            <a:r>
+              <a:rPr lang="sk-SK" dirty="0">
+                <a:hlinkClick r:id="rId2"/>
+              </a:rPr>
+              <a:t>https://dzone.com/articles/java-string-format-examples</a:t>
+            </a:r>
+            <a:endParaRPr lang="en-US" dirty="0"/>
+          </a:p>
+          <a:p>
+            <a:pPr marL="0" indent="0">
+              <a:buNone/>
+            </a:pPr>
+            <a:endParaRPr lang="sk-SK" dirty="0"/>
+          </a:p>
+          <a:p>
+            <a:endParaRPr lang="sk-SK" dirty="0"/>
+          </a:p>
+        </p:txBody>
+      </p:sp>
+    </p:spTree>
+    <p:extLst>
+      <p:ext uri="{BB962C8B-B14F-4D97-AF65-F5344CB8AC3E}">
+        <p14:creationId xmlns:p14="http://schemas.microsoft.com/office/powerpoint/2010/main" val="1487703699"/>
+      </p:ext>
+    </p:extLst>
+  </p:cSld>
+  <p:clrMapOvr>
+    <a:masterClrMapping/>
+  </p:clrMapOvr>
+</p:sld>
+</file>
+
+<file path=ppt/slides/slide135.xml><?xml version="1.0" encoding="utf-8"?>
+<p:sld xmlns:a="http://schemas.openxmlformats.org/drawingml/2006/main" xmlns:r="http://schemas.openxmlformats.org/officeDocument/2006/relationships" xmlns:p="http://schemas.openxmlformats.org/presentationml/2006/main">
+  <p:cSld>
+    <p:spTree>
+      <p:nvGrpSpPr>
+        <p:cNvPr id="1" name=""/>
+        <p:cNvGrpSpPr/>
+        <p:nvPr/>
+      </p:nvGrpSpPr>
+      <p:grpSpPr>
+        <a:xfrm>
+          <a:off x="0" y="0"/>
+          <a:ext cx="0" cy="0"/>
+          <a:chOff x="0" y="0"/>
+          <a:chExt cx="0" cy="0"/>
+        </a:xfrm>
+      </p:grpSpPr>
+      <p:sp>
+        <p:nvSpPr>
+          <p:cNvPr id="2" name="Nadpis 1">
+            <a:extLst>
+              <a:ext uri="{FF2B5EF4-FFF2-40B4-BE49-F238E27FC236}">
+                <a16:creationId xmlns:a16="http://schemas.microsoft.com/office/drawing/2014/main" id="{7C4D57CD-B509-4DA9-ADB5-1355ACEDE4F3}"/>
+              </a:ext>
+            </a:extLst>
+          </p:cNvPr>
+          <p:cNvSpPr>
+            <a:spLocks noGrp="1"/>
+          </p:cNvSpPr>
+          <p:nvPr>
+            <p:ph type="title"/>
+          </p:nvPr>
+        </p:nvSpPr>
+        <p:spPr/>
+        <p:txBody>
+          <a:bodyPr/>
+          <a:lstStyle/>
+          <a:p>
+            <a:r>
+              <a:rPr lang="sk-SK" dirty="0"/>
+              <a:t>Predtým než si dáme veľké cvičenie ... </a:t>
+            </a:r>
+          </a:p>
+        </p:txBody>
+      </p:sp>
+      <p:sp>
+        <p:nvSpPr>
+          <p:cNvPr id="3" name="Zástupný objekt pre obsah 2">
+            <a:extLst>
+              <a:ext uri="{FF2B5EF4-FFF2-40B4-BE49-F238E27FC236}">
+                <a16:creationId xmlns:a16="http://schemas.microsoft.com/office/drawing/2014/main" id="{7B97B662-0253-4FA0-99FD-637E78AFC1B3}"/>
+              </a:ext>
+            </a:extLst>
+          </p:cNvPr>
+          <p:cNvSpPr>
+            <a:spLocks noGrp="1"/>
+          </p:cNvSpPr>
+          <p:nvPr>
+            <p:ph idx="1"/>
+          </p:nvPr>
+        </p:nvSpPr>
+        <p:spPr>
+          <a:xfrm>
+            <a:off x="581192" y="1667898"/>
+            <a:ext cx="11029615" cy="4190902"/>
+          </a:xfrm>
+        </p:spPr>
+        <p:txBody>
+          <a:bodyPr/>
+          <a:lstStyle/>
+          <a:p>
+            <a:r>
+              <a:rPr lang="sk-SK" dirty="0"/>
+              <a:t>Dátumy</a:t>
+            </a:r>
+          </a:p>
+          <a:p>
+            <a:pPr lvl="1"/>
+            <a:r>
+              <a:rPr lang="sk-SK" dirty="0" err="1"/>
+              <a:t>Date</a:t>
+            </a:r>
+            <a:r>
+              <a:rPr lang="sk-SK" dirty="0"/>
+              <a:t> </a:t>
+            </a:r>
+            <a:r>
+              <a:rPr lang="sk-SK" dirty="0" err="1"/>
+              <a:t>datum</a:t>
+            </a:r>
+            <a:r>
+              <a:rPr lang="sk-SK" dirty="0"/>
+              <a:t> = new </a:t>
+            </a:r>
+            <a:r>
+              <a:rPr lang="sk-SK" dirty="0" err="1"/>
+              <a:t>Date</a:t>
+            </a:r>
+            <a:r>
+              <a:rPr lang="sk-SK" dirty="0"/>
+              <a:t>(); - inicializuje aktuálny dátum a čas</a:t>
+            </a:r>
+          </a:p>
+          <a:p>
+            <a:pPr lvl="1"/>
+            <a:r>
+              <a:rPr lang="sk-SK" dirty="0" err="1"/>
+              <a:t>Simple</a:t>
+            </a:r>
+            <a:r>
+              <a:rPr lang="en-US" dirty="0"/>
+              <a:t>D</a:t>
+            </a:r>
+            <a:r>
+              <a:rPr lang="sk-SK" dirty="0" err="1"/>
+              <a:t>ateFormat</a:t>
+            </a:r>
+            <a:r>
+              <a:rPr lang="sk-SK" dirty="0"/>
+              <a:t> </a:t>
+            </a:r>
+            <a:r>
+              <a:rPr lang="en-US" dirty="0" err="1"/>
+              <a:t>mojF</a:t>
+            </a:r>
+            <a:r>
+              <a:rPr lang="sk-SK" dirty="0" err="1"/>
+              <a:t>ormat</a:t>
+            </a:r>
+            <a:r>
+              <a:rPr lang="sk-SK" dirty="0"/>
+              <a:t> = new </a:t>
+            </a:r>
+            <a:r>
+              <a:rPr lang="sk-SK" dirty="0" err="1"/>
+              <a:t>SimpleDateFormat</a:t>
+            </a:r>
+            <a:r>
+              <a:rPr lang="en-US" dirty="0"/>
+              <a:t>(“</a:t>
+            </a:r>
+            <a:r>
+              <a:rPr lang="en-US" dirty="0" err="1"/>
+              <a:t>dd.MM.yyyy</a:t>
+            </a:r>
+            <a:r>
+              <a:rPr lang="en-US" dirty="0"/>
+              <a:t> </a:t>
+            </a:r>
+            <a:r>
+              <a:rPr lang="en-US" dirty="0" err="1"/>
+              <a:t>HH:mm:ss</a:t>
+            </a:r>
+            <a:r>
+              <a:rPr lang="en-US" dirty="0"/>
+              <a:t>”);</a:t>
+            </a:r>
+          </a:p>
+          <a:p>
+            <a:pPr lvl="2"/>
+            <a:r>
+              <a:rPr lang="en-US" dirty="0" err="1"/>
+              <a:t>mojFormat.format</a:t>
+            </a:r>
+            <a:r>
+              <a:rPr lang="en-US" dirty="0"/>
+              <a:t>(datum);</a:t>
+            </a:r>
+          </a:p>
+          <a:p>
+            <a:pPr lvl="2"/>
+            <a:endParaRPr lang="en-US" dirty="0"/>
+          </a:p>
+          <a:p>
+            <a:pPr lvl="2"/>
+            <a:endParaRPr lang="en-US" dirty="0"/>
+          </a:p>
+          <a:p>
+            <a:pPr lvl="2"/>
+            <a:endParaRPr lang="en-US" dirty="0"/>
+          </a:p>
+          <a:p>
+            <a:pPr lvl="2"/>
+            <a:endParaRPr lang="en-US" dirty="0"/>
+          </a:p>
+          <a:p>
+            <a:pPr lvl="2"/>
+            <a:endParaRPr lang="en-US" dirty="0"/>
+          </a:p>
+          <a:p>
+            <a:pPr lvl="2"/>
+            <a:endParaRPr lang="en-US" dirty="0"/>
+          </a:p>
+          <a:p>
+            <a:pPr lvl="2"/>
+            <a:endParaRPr lang="sk-SK" dirty="0"/>
+          </a:p>
+        </p:txBody>
+      </p:sp>
+      <p:pic>
+        <p:nvPicPr>
+          <p:cNvPr id="4" name="Obrázok 3">
+            <a:extLst>
+              <a:ext uri="{FF2B5EF4-FFF2-40B4-BE49-F238E27FC236}">
+                <a16:creationId xmlns:a16="http://schemas.microsoft.com/office/drawing/2014/main" id="{71E025A3-4CBB-4D71-A99A-B33A1AF52E69}"/>
+              </a:ext>
+            </a:extLst>
+          </p:cNvPr>
+          <p:cNvPicPr>
+            <a:picLocks noChangeAspect="1"/>
+          </p:cNvPicPr>
+          <p:nvPr/>
+        </p:nvPicPr>
+        <p:blipFill>
+          <a:blip r:embed="rId2"/>
+          <a:stretch>
+            <a:fillRect/>
+          </a:stretch>
+        </p:blipFill>
+        <p:spPr>
+          <a:xfrm>
+            <a:off x="2341217" y="3429000"/>
+            <a:ext cx="7129670" cy="2894083"/>
+          </a:xfrm>
+          <a:prstGeom prst="rect">
+            <a:avLst/>
+          </a:prstGeom>
+        </p:spPr>
+      </p:pic>
+    </p:spTree>
+    <p:extLst>
+      <p:ext uri="{BB962C8B-B14F-4D97-AF65-F5344CB8AC3E}">
+        <p14:creationId xmlns:p14="http://schemas.microsoft.com/office/powerpoint/2010/main" val="1255689630"/>
+      </p:ext>
+    </p:extLst>
+  </p:cSld>
+  <p:clrMapOvr>
+    <a:masterClrMapping/>
+  </p:clrMapOvr>
+</p:sld>
+</file>
+
+<file path=ppt/slides/slide136.xml><?xml version="1.0" encoding="utf-8"?>
+<p:sld xmlns:a="http://schemas.openxmlformats.org/drawingml/2006/main" xmlns:r="http://schemas.openxmlformats.org/officeDocument/2006/relationships" xmlns:p="http://schemas.openxmlformats.org/presentationml/2006/main">
+  <p:cSld>
+    <p:spTree>
+      <p:nvGrpSpPr>
+        <p:cNvPr id="1" name=""/>
+        <p:cNvGrpSpPr/>
+        <p:nvPr/>
+      </p:nvGrpSpPr>
+      <p:grpSpPr>
+        <a:xfrm>
+          <a:off x="0" y="0"/>
+          <a:ext cx="0" cy="0"/>
+          <a:chOff x="0" y="0"/>
+          <a:chExt cx="0" cy="0"/>
+        </a:xfrm>
+      </p:grpSpPr>
+      <p:sp>
+        <p:nvSpPr>
+          <p:cNvPr id="2" name="Nadpis 1">
+            <a:extLst>
+              <a:ext uri="{FF2B5EF4-FFF2-40B4-BE49-F238E27FC236}">
+                <a16:creationId xmlns:a16="http://schemas.microsoft.com/office/drawing/2014/main" id="{B6D8690C-8234-4036-8004-97FC54CCBAAF}"/>
+              </a:ext>
+            </a:extLst>
+          </p:cNvPr>
+          <p:cNvSpPr>
+            <a:spLocks noGrp="1"/>
+          </p:cNvSpPr>
+          <p:nvPr>
+            <p:ph type="title"/>
+          </p:nvPr>
+        </p:nvSpPr>
+        <p:spPr/>
+        <p:txBody>
+          <a:bodyPr/>
+          <a:lstStyle/>
+          <a:p>
+            <a:r>
+              <a:rPr lang="en-US" dirty="0" err="1"/>
+              <a:t>Triedy</a:t>
+            </a:r>
+            <a:r>
+              <a:rPr lang="en-US" dirty="0"/>
+              <a:t> Calendar a GREGORIANCALENDAR</a:t>
+            </a:r>
+            <a:endParaRPr lang="sk-SK" dirty="0"/>
+          </a:p>
+        </p:txBody>
+      </p:sp>
+      <p:sp>
+        <p:nvSpPr>
+          <p:cNvPr id="3" name="Zástupný objekt pre obsah 2">
+            <a:extLst>
+              <a:ext uri="{FF2B5EF4-FFF2-40B4-BE49-F238E27FC236}">
+                <a16:creationId xmlns:a16="http://schemas.microsoft.com/office/drawing/2014/main" id="{A79C018C-3E1D-4E11-83E2-4E504E4F45BA}"/>
+              </a:ext>
+            </a:extLst>
+          </p:cNvPr>
+          <p:cNvSpPr>
+            <a:spLocks noGrp="1"/>
+          </p:cNvSpPr>
+          <p:nvPr>
+            <p:ph idx="1"/>
+          </p:nvPr>
+        </p:nvSpPr>
+        <p:spPr/>
+        <p:txBody>
+          <a:bodyPr/>
+          <a:lstStyle/>
+          <a:p>
+            <a:r>
+              <a:rPr lang="en-US" dirty="0"/>
+              <a:t>Calendar </a:t>
+            </a:r>
+            <a:r>
+              <a:rPr lang="en-US" dirty="0" err="1"/>
+              <a:t>cal</a:t>
+            </a:r>
+            <a:r>
+              <a:rPr lang="en-US" dirty="0"/>
+              <a:t> = </a:t>
+            </a:r>
+            <a:r>
+              <a:rPr lang="en-US" dirty="0" err="1"/>
+              <a:t>Calendar.getInstance</a:t>
+            </a:r>
+            <a:r>
+              <a:rPr lang="en-US" dirty="0"/>
+              <a:t>(locale);</a:t>
+            </a:r>
+          </a:p>
+          <a:p>
+            <a:r>
+              <a:rPr lang="en-US" dirty="0" err="1"/>
+              <a:t>cal.get</a:t>
+            </a:r>
+            <a:r>
+              <a:rPr lang="en-US" dirty="0"/>
+              <a:t>(</a:t>
+            </a:r>
+            <a:r>
+              <a:rPr lang="en-US" dirty="0" err="1"/>
+              <a:t>Calendar.MONTH</a:t>
+            </a:r>
+            <a:r>
+              <a:rPr lang="en-US" dirty="0"/>
+              <a:t>) – ide od 0 do 11.</a:t>
+            </a:r>
+          </a:p>
+          <a:p>
+            <a:r>
+              <a:rPr lang="sk-SK" dirty="0"/>
+              <a:t>c</a:t>
+            </a:r>
+            <a:r>
+              <a:rPr lang="en-US" dirty="0" err="1"/>
+              <a:t>al.get</a:t>
+            </a:r>
+            <a:r>
+              <a:rPr lang="en-US" dirty="0"/>
+              <a:t>(</a:t>
+            </a:r>
+            <a:r>
+              <a:rPr lang="en-US" dirty="0" err="1"/>
+              <a:t>Calendar.DAY</a:t>
+            </a:r>
+            <a:r>
+              <a:rPr lang="en-US" dirty="0"/>
+              <a:t>) – je de</a:t>
+            </a:r>
+            <a:r>
+              <a:rPr lang="sk-SK" dirty="0"/>
+              <a:t>ň v týždni (nedeľa = 1)</a:t>
+            </a:r>
+            <a:endParaRPr lang="en-US" dirty="0"/>
+          </a:p>
+          <a:p>
+            <a:r>
+              <a:rPr lang="en-US" dirty="0"/>
+              <a:t>HOUR = je </a:t>
+            </a:r>
+            <a:r>
+              <a:rPr lang="sk-SK" dirty="0"/>
+              <a:t>hodina v tvare AM alebo PM </a:t>
+            </a:r>
+            <a:r>
+              <a:rPr lang="sk-SK" dirty="0" err="1"/>
+              <a:t>t.j</a:t>
+            </a:r>
+            <a:r>
+              <a:rPr lang="sk-SK" dirty="0"/>
+              <a:t>. 0-12</a:t>
+            </a:r>
+          </a:p>
+          <a:p>
+            <a:r>
+              <a:rPr lang="sk-SK" dirty="0"/>
+              <a:t>HOUR_OF_DAY = je hodina v tvare 0-23.</a:t>
+            </a:r>
+            <a:endParaRPr lang="en-US" dirty="0"/>
+          </a:p>
+          <a:p>
+            <a:r>
+              <a:rPr lang="en-US" dirty="0"/>
+              <a:t>DATE </a:t>
+            </a:r>
+            <a:r>
+              <a:rPr lang="en-US" dirty="0" err="1"/>
+              <a:t>alebo</a:t>
+            </a:r>
+            <a:r>
+              <a:rPr lang="en-US" dirty="0"/>
+              <a:t> DAY_OF_MONTH = </a:t>
+            </a:r>
+            <a:r>
+              <a:rPr lang="en-US" dirty="0" err="1"/>
+              <a:t>aktu</a:t>
+            </a:r>
+            <a:r>
+              <a:rPr lang="sk-SK" dirty="0" err="1"/>
+              <a:t>álny</a:t>
+            </a:r>
+            <a:r>
+              <a:rPr lang="sk-SK" dirty="0"/>
+              <a:t> deň v mesiaci</a:t>
+            </a:r>
+          </a:p>
+          <a:p>
+            <a:r>
+              <a:rPr lang="sk-SK" dirty="0"/>
+              <a:t>YEAR = aktuálny rok</a:t>
+            </a:r>
+          </a:p>
+          <a:p>
+            <a:endParaRPr lang="en-US" dirty="0"/>
+          </a:p>
+        </p:txBody>
+      </p:sp>
+    </p:spTree>
+    <p:extLst>
+      <p:ext uri="{BB962C8B-B14F-4D97-AF65-F5344CB8AC3E}">
+        <p14:creationId xmlns:p14="http://schemas.microsoft.com/office/powerpoint/2010/main" val="3170194089"/>
+      </p:ext>
+    </p:extLst>
+  </p:cSld>
+  <p:clrMapOvr>
+    <a:masterClrMapping/>
+  </p:clrMapOvr>
+</p:sld>
+</file>
+
+<file path=ppt/slides/slide137.xml><?xml version="1.0" encoding="utf-8"?>
+<p:sld xmlns:a="http://schemas.openxmlformats.org/drawingml/2006/main" xmlns:r="http://schemas.openxmlformats.org/officeDocument/2006/relationships" xmlns:p="http://schemas.openxmlformats.org/presentationml/2006/main">
+  <p:cSld>
+    <p:spTree>
+      <p:nvGrpSpPr>
+        <p:cNvPr id="1" name=""/>
+        <p:cNvGrpSpPr/>
+        <p:nvPr/>
+      </p:nvGrpSpPr>
+      <p:grpSpPr>
+        <a:xfrm>
+          <a:off x="0" y="0"/>
+          <a:ext cx="0" cy="0"/>
+          <a:chOff x="0" y="0"/>
+          <a:chExt cx="0" cy="0"/>
+        </a:xfrm>
+      </p:grpSpPr>
+      <p:sp>
+        <p:nvSpPr>
+          <p:cNvPr id="2" name="Nadpis 1">
+            <a:extLst>
+              <a:ext uri="{FF2B5EF4-FFF2-40B4-BE49-F238E27FC236}">
+                <a16:creationId xmlns:a16="http://schemas.microsoft.com/office/drawing/2014/main" id="{9C063B46-7D95-49D0-A4C6-13B0F31481E3}"/>
+              </a:ext>
+            </a:extLst>
+          </p:cNvPr>
+          <p:cNvSpPr>
+            <a:spLocks noGrp="1"/>
+          </p:cNvSpPr>
+          <p:nvPr>
+            <p:ph type="title"/>
+          </p:nvPr>
+        </p:nvSpPr>
+        <p:spPr/>
+        <p:txBody>
+          <a:bodyPr/>
+          <a:lstStyle/>
+          <a:p>
+            <a:r>
+              <a:rPr lang="en-US" dirty="0" err="1"/>
+              <a:t>Probl</a:t>
+            </a:r>
+            <a:r>
+              <a:rPr lang="sk-SK" dirty="0" err="1"/>
+              <a:t>ém</a:t>
+            </a:r>
+            <a:r>
+              <a:rPr lang="sk-SK" dirty="0"/>
+              <a:t> s lokalizáciou </a:t>
+            </a:r>
+          </a:p>
+        </p:txBody>
+      </p:sp>
+      <p:sp>
+        <p:nvSpPr>
+          <p:cNvPr id="3" name="Zástupný objekt pre obsah 2">
+            <a:extLst>
+              <a:ext uri="{FF2B5EF4-FFF2-40B4-BE49-F238E27FC236}">
+                <a16:creationId xmlns:a16="http://schemas.microsoft.com/office/drawing/2014/main" id="{19963470-C78D-44B0-A39A-A1E4C16D70D3}"/>
+              </a:ext>
+            </a:extLst>
+          </p:cNvPr>
+          <p:cNvSpPr>
+            <a:spLocks noGrp="1"/>
+          </p:cNvSpPr>
+          <p:nvPr>
+            <p:ph idx="1"/>
+          </p:nvPr>
+        </p:nvSpPr>
+        <p:spPr/>
+        <p:txBody>
+          <a:bodyPr/>
+          <a:lstStyle/>
+          <a:p>
+            <a:r>
+              <a:rPr lang="en-US" dirty="0" err="1"/>
+              <a:t>Lokaliz</a:t>
+            </a:r>
+            <a:r>
+              <a:rPr lang="sk-SK" dirty="0" err="1"/>
+              <a:t>ácia</a:t>
+            </a:r>
+            <a:r>
+              <a:rPr lang="sk-SK" dirty="0"/>
+              <a:t> nie je len jazyk ale aj:</a:t>
+            </a:r>
+          </a:p>
+          <a:p>
+            <a:pPr lvl="1"/>
+            <a:r>
+              <a:rPr lang="sk-SK" dirty="0"/>
+              <a:t>Formát dátumu a času</a:t>
+            </a:r>
+          </a:p>
+          <a:p>
+            <a:pPr lvl="1"/>
+            <a:r>
+              <a:rPr lang="sk-SK" dirty="0"/>
+              <a:t>Mena</a:t>
+            </a:r>
+          </a:p>
+          <a:p>
+            <a:pPr lvl="1"/>
+            <a:r>
+              <a:rPr lang="sk-SK" dirty="0"/>
+              <a:t>Štandardné oddeľovače tisícok </a:t>
+            </a:r>
+          </a:p>
+          <a:p>
+            <a:pPr lvl="1"/>
+            <a:r>
+              <a:rPr lang="sk-SK" dirty="0"/>
+              <a:t>a podobne</a:t>
+            </a:r>
+            <a:endParaRPr lang="en-US" dirty="0"/>
+          </a:p>
+          <a:p>
+            <a:r>
+              <a:rPr lang="sk-SK" dirty="0">
+                <a:hlinkClick r:id="rId2"/>
+              </a:rPr>
+              <a:t>https://saimana.com/list-of-country-locale-code/</a:t>
+            </a:r>
+            <a:endParaRPr lang="sk-SK" dirty="0"/>
+          </a:p>
+          <a:p>
+            <a:r>
+              <a:rPr lang="sk-SK" dirty="0" err="1"/>
+              <a:t>Locale</a:t>
+            </a:r>
+            <a:r>
+              <a:rPr lang="sk-SK" dirty="0"/>
+              <a:t> </a:t>
+            </a:r>
+            <a:r>
+              <a:rPr lang="sk-SK" dirty="0" err="1"/>
+              <a:t>locale</a:t>
+            </a:r>
+            <a:r>
+              <a:rPr lang="sk-SK" dirty="0"/>
+              <a:t> = new </a:t>
+            </a:r>
+            <a:r>
+              <a:rPr lang="sk-SK" dirty="0" err="1"/>
+              <a:t>Locale</a:t>
+            </a:r>
+            <a:r>
+              <a:rPr lang="en-US" dirty="0"/>
+              <a:t>(“</a:t>
+            </a:r>
+            <a:r>
+              <a:rPr lang="en-US" dirty="0" err="1"/>
+              <a:t>sk</a:t>
+            </a:r>
+            <a:r>
+              <a:rPr lang="en-US" dirty="0"/>
+              <a:t>”, “SK”);</a:t>
+            </a:r>
+            <a:endParaRPr lang="sk-SK" dirty="0"/>
+          </a:p>
+        </p:txBody>
+      </p:sp>
+    </p:spTree>
+    <p:extLst>
+      <p:ext uri="{BB962C8B-B14F-4D97-AF65-F5344CB8AC3E}">
+        <p14:creationId xmlns:p14="http://schemas.microsoft.com/office/powerpoint/2010/main" val="4001363034"/>
+      </p:ext>
+    </p:extLst>
+  </p:cSld>
+  <p:clrMapOvr>
+    <a:masterClrMapping/>
+  </p:clrMapOvr>
+</p:sld>
+</file>
+
+<file path=ppt/slides/slide138.xml><?xml version="1.0" encoding="utf-8"?>
+<p:sld xmlns:a="http://schemas.openxmlformats.org/drawingml/2006/main" xmlns:r="http://schemas.openxmlformats.org/officeDocument/2006/relationships" xmlns:p="http://schemas.openxmlformats.org/presentationml/2006/main">
+  <p:cSld>
+    <p:spTree>
+      <p:nvGrpSpPr>
+        <p:cNvPr id="1" name=""/>
+        <p:cNvGrpSpPr/>
+        <p:nvPr/>
+      </p:nvGrpSpPr>
+      <p:grpSpPr>
+        <a:xfrm>
+          <a:off x="0" y="0"/>
+          <a:ext cx="0" cy="0"/>
+          <a:chOff x="0" y="0"/>
+          <a:chExt cx="0" cy="0"/>
+        </a:xfrm>
+      </p:grpSpPr>
+      <p:sp>
+        <p:nvSpPr>
+          <p:cNvPr id="2" name="Nadpis 1">
+            <a:extLst>
+              <a:ext uri="{FF2B5EF4-FFF2-40B4-BE49-F238E27FC236}">
+                <a16:creationId xmlns:a16="http://schemas.microsoft.com/office/drawing/2014/main" id="{9BB4C701-7B11-4C02-9CDC-5B2ED5325503}"/>
+              </a:ext>
+            </a:extLst>
+          </p:cNvPr>
+          <p:cNvSpPr>
+            <a:spLocks noGrp="1"/>
+          </p:cNvSpPr>
+          <p:nvPr>
+            <p:ph type="title"/>
+          </p:nvPr>
+        </p:nvSpPr>
+        <p:spPr/>
+        <p:txBody>
+          <a:bodyPr/>
+          <a:lstStyle/>
+          <a:p>
+            <a:r>
+              <a:rPr lang="sk-SK" dirty="0"/>
+              <a:t>Cvičenie - komplexné</a:t>
+            </a:r>
+          </a:p>
+        </p:txBody>
+      </p:sp>
+      <p:sp>
+        <p:nvSpPr>
+          <p:cNvPr id="3" name="Zástupný objekt pre obsah 2">
+            <a:extLst>
+              <a:ext uri="{FF2B5EF4-FFF2-40B4-BE49-F238E27FC236}">
+                <a16:creationId xmlns:a16="http://schemas.microsoft.com/office/drawing/2014/main" id="{F779B73B-E55E-4DE8-89F8-746C57CAF422}"/>
+              </a:ext>
+            </a:extLst>
+          </p:cNvPr>
+          <p:cNvSpPr>
+            <a:spLocks noGrp="1"/>
+          </p:cNvSpPr>
+          <p:nvPr>
+            <p:ph idx="1"/>
+          </p:nvPr>
+        </p:nvSpPr>
+        <p:spPr/>
+        <p:txBody>
+          <a:bodyPr/>
+          <a:lstStyle/>
+          <a:p>
+            <a:r>
+              <a:rPr lang="sk-SK" dirty="0"/>
+              <a:t>Rozoberte doménu prijímanie kandidáta do firmy</a:t>
+            </a:r>
+          </a:p>
+          <a:p>
+            <a:r>
+              <a:rPr lang="sk-SK" dirty="0"/>
+              <a:t>Vaša aplikácia by mala umožňovať:</a:t>
+            </a:r>
+          </a:p>
+          <a:p>
+            <a:pPr lvl="1"/>
+            <a:r>
+              <a:rPr lang="sk-SK" dirty="0"/>
+              <a:t>Podanie žiadosti uchádzača na konkrétnu pozíciu</a:t>
+            </a:r>
+          </a:p>
+          <a:p>
+            <a:pPr lvl="2"/>
+            <a:r>
+              <a:rPr lang="sk-SK" dirty="0"/>
+              <a:t>Ako HR máte možnosť žiadosť schváliť, resp. zamietnuť</a:t>
+            </a:r>
+          </a:p>
+          <a:p>
+            <a:pPr lvl="1"/>
+            <a:r>
+              <a:rPr lang="sk-SK" dirty="0"/>
+              <a:t>Pozvanie žiadateľa na pohovor</a:t>
+            </a:r>
+          </a:p>
+          <a:p>
+            <a:pPr lvl="1"/>
+            <a:r>
+              <a:rPr lang="sk-SK" dirty="0"/>
+              <a:t>Zápis priebehu pohovoru (otázka / odpoveď)</a:t>
+            </a:r>
+          </a:p>
+          <a:p>
+            <a:pPr lvl="2"/>
+            <a:r>
+              <a:rPr lang="sk-SK" dirty="0"/>
+              <a:t>Ako HR máte možnosť schváliť prijatie uchádzača resp. zamietnuť</a:t>
+            </a:r>
+          </a:p>
+          <a:p>
+            <a:pPr lvl="1"/>
+            <a:r>
+              <a:rPr lang="sk-SK" dirty="0"/>
+              <a:t>Vypísať report o celom pohovore, </a:t>
+            </a:r>
+            <a:r>
+              <a:rPr lang="sk-SK" dirty="0" err="1"/>
+              <a:t>t.j</a:t>
+            </a:r>
+            <a:r>
+              <a:rPr lang="sk-SK" dirty="0"/>
+              <a:t>. kto, na akú </a:t>
+            </a:r>
+            <a:r>
+              <a:rPr lang="sk-SK" dirty="0" err="1"/>
+              <a:t>poziciu</a:t>
+            </a:r>
+            <a:r>
+              <a:rPr lang="sk-SK" dirty="0"/>
+              <a:t>, kým bol pozvaný, ako </a:t>
+            </a:r>
+            <a:r>
+              <a:rPr lang="sk-SK" dirty="0" err="1"/>
+              <a:t>priebiehal</a:t>
+            </a:r>
+            <a:r>
+              <a:rPr lang="sk-SK" dirty="0"/>
+              <a:t> pohovor a výsledok</a:t>
+            </a:r>
+          </a:p>
+          <a:p>
+            <a:pPr lvl="1"/>
+            <a:endParaRPr lang="sk-SK" dirty="0"/>
+          </a:p>
+        </p:txBody>
+      </p:sp>
+    </p:spTree>
+    <p:extLst>
+      <p:ext uri="{BB962C8B-B14F-4D97-AF65-F5344CB8AC3E}">
+        <p14:creationId xmlns:p14="http://schemas.microsoft.com/office/powerpoint/2010/main" val="1578691771"/>
+      </p:ext>
+    </p:extLst>
+  </p:cSld>
+  <p:clrMapOvr>
+    <a:masterClrMapping/>
+  </p:clrMapOvr>
+</p:sld>
+</file>
+
+<file path=ppt/slides/slide139.xml><?xml version="1.0" encoding="utf-8"?>
+<p:sld xmlns:a="http://schemas.openxmlformats.org/drawingml/2006/main" xmlns:r="http://schemas.openxmlformats.org/officeDocument/2006/relationships" xmlns:p="http://schemas.openxmlformats.org/presentationml/2006/main">
+  <p:cSld>
+    <p:bg>
+      <p:bgPr>
+        <a:solidFill>
+          <a:schemeClr val="bg1"/>
+        </a:solidFill>
+        <a:effectLst/>
+      </p:bgPr>
+    </p:bg>
+    <p:spTree>
+      <p:nvGrpSpPr>
+        <p:cNvPr id="1" name=""/>
+        <p:cNvGrpSpPr/>
+        <p:nvPr/>
+      </p:nvGrpSpPr>
+      <p:grpSpPr>
+        <a:xfrm>
+          <a:off x="0" y="0"/>
+          <a:ext cx="0" cy="0"/>
+          <a:chOff x="0" y="0"/>
+          <a:chExt cx="0" cy="0"/>
+        </a:xfrm>
+      </p:grpSpPr>
+      <p:sp>
+        <p:nvSpPr>
+          <p:cNvPr id="8" name="Rectangle 7">
+            <a:extLst>
+              <a:ext uri="{FF2B5EF4-FFF2-40B4-BE49-F238E27FC236}">
+                <a16:creationId xmlns:a16="http://schemas.microsoft.com/office/drawing/2014/main" id="{E9AA9F65-94B8-41A5-A7FF-23D2CFB116BB}"/>
+              </a:ext>
+              <a:ext uri="{C183D7F6-B498-43B3-948B-1728B52AA6E4}">
+                <adec:decorative xmlns:adec="http://schemas.microsoft.com/office/drawing/2017/decorative" val="1"/>
+              </a:ext>
+            </a:extLst>
+          </p:cNvPr>
+          <p:cNvSpPr>
+            <a:spLocks noGrp="1" noRot="1" noChangeAspect="1" noMove="1" noResize="1" noEditPoints="1" noAdjustHandles="1" noChangeArrowheads="1" noChangeShapeType="1" noTextEdit="1"/>
+          </p:cNvSpPr>
+          <p:nvPr>
+            <p:extLst>
+              <p:ext uri="{386F3935-93C4-4BCD-93E2-E3B085C9AB24}">
+                <p16:designElem xmlns:p16="http://schemas.microsoft.com/office/powerpoint/2015/main" val="1"/>
+              </p:ext>
+            </p:extLst>
+          </p:nvPr>
+        </p:nvSpPr>
+        <p:spPr>
+          <a:xfrm>
+            <a:off x="446534" y="457200"/>
+            <a:ext cx="3703320" cy="94997"/>
+          </a:xfrm>
+          <a:prstGeom prst="rect">
+            <a:avLst/>
+          </a:prstGeom>
+          <a:solidFill>
+            <a:schemeClr val="accent1"/>
+          </a:solidFill>
+          <a:ln>
+            <a:noFill/>
+          </a:ln>
+          <a:effectLst/>
+        </p:spPr>
+        <p:style>
+          <a:lnRef idx="1">
+            <a:schemeClr val="accent1"/>
+          </a:lnRef>
+          <a:fillRef idx="3">
+            <a:schemeClr val="accent1"/>
+          </a:fillRef>
+          <a:effectRef idx="2">
+            <a:schemeClr val="accent1"/>
+          </a:effectRef>
+          <a:fontRef idx="minor">
+            <a:schemeClr val="lt1"/>
+          </a:fontRef>
+        </p:style>
+      </p:sp>
+      <p:sp>
+        <p:nvSpPr>
+          <p:cNvPr id="10" name="Rectangle 9">
+            <a:extLst>
+              <a:ext uri="{FF2B5EF4-FFF2-40B4-BE49-F238E27FC236}">
+                <a16:creationId xmlns:a16="http://schemas.microsoft.com/office/drawing/2014/main" id="{7E8B0F8E-3F6C-4541-B9C1-774D80A08834}"/>
+              </a:ext>
+              <a:ext uri="{C183D7F6-B498-43B3-948B-1728B52AA6E4}">
+                <adec:decorative xmlns:adec="http://schemas.microsoft.com/office/drawing/2017/decorative" val="1"/>
+              </a:ext>
+            </a:extLst>
+          </p:cNvPr>
+          <p:cNvSpPr>
+            <a:spLocks noGrp="1" noRot="1" noChangeAspect="1" noMove="1" noResize="1" noEditPoints="1" noAdjustHandles="1" noChangeArrowheads="1" noChangeShapeType="1" noTextEdit="1"/>
+          </p:cNvSpPr>
+          <p:nvPr>
+            <p:extLst>
+              <p:ext uri="{386F3935-93C4-4BCD-93E2-E3B085C9AB24}">
+                <p16:designElem xmlns:p16="http://schemas.microsoft.com/office/powerpoint/2015/main" val="1"/>
+              </p:ext>
+            </p:extLst>
+          </p:nvPr>
+        </p:nvSpPr>
+        <p:spPr>
+          <a:xfrm>
+            <a:off x="8042147" y="453643"/>
+            <a:ext cx="3703320" cy="98554"/>
+          </a:xfrm>
+          <a:prstGeom prst="rect">
+            <a:avLst/>
+          </a:prstGeom>
+          <a:solidFill>
+            <a:schemeClr val="accent4"/>
+          </a:solidFill>
+          <a:ln>
+            <a:noFill/>
+          </a:ln>
+          <a:effectLst/>
+        </p:spPr>
+        <p:style>
+          <a:lnRef idx="1">
+            <a:schemeClr val="accent1"/>
+          </a:lnRef>
+          <a:fillRef idx="3">
+            <a:schemeClr val="accent1"/>
+          </a:fillRef>
+          <a:effectRef idx="2">
+            <a:schemeClr val="accent1"/>
+          </a:effectRef>
+          <a:fontRef idx="minor">
+            <a:schemeClr val="lt1"/>
+          </a:fontRef>
+        </p:style>
+      </p:sp>
+      <p:sp>
+        <p:nvSpPr>
+          <p:cNvPr id="12" name="Rectangle 11">
+            <a:extLst>
+              <a:ext uri="{FF2B5EF4-FFF2-40B4-BE49-F238E27FC236}">
+                <a16:creationId xmlns:a16="http://schemas.microsoft.com/office/drawing/2014/main" id="{7A45F5BC-32D1-41CD-B270-C46F18CA1ACC}"/>
+              </a:ext>
+              <a:ext uri="{C183D7F6-B498-43B3-948B-1728B52AA6E4}">
+                <adec:decorative xmlns:adec="http://schemas.microsoft.com/office/drawing/2017/decorative" val="1"/>
+              </a:ext>
+            </a:extLst>
+          </p:cNvPr>
+          <p:cNvSpPr>
+            <a:spLocks noGrp="1" noRot="1" noChangeAspect="1" noMove="1" noResize="1" noEditPoints="1" noAdjustHandles="1" noChangeArrowheads="1" noChangeShapeType="1" noTextEdit="1"/>
+          </p:cNvSpPr>
+          <p:nvPr>
+            <p:extLst>
+              <p:ext uri="{386F3935-93C4-4BCD-93E2-E3B085C9AB24}">
+                <p16:designElem xmlns:p16="http://schemas.microsoft.com/office/powerpoint/2015/main" val="1"/>
+              </p:ext>
+            </p:extLst>
+          </p:nvPr>
+        </p:nvSpPr>
+        <p:spPr>
+          <a:xfrm>
+            <a:off x="4241830" y="457200"/>
+            <a:ext cx="3703320" cy="91440"/>
+          </a:xfrm>
+          <a:prstGeom prst="rect">
+            <a:avLst/>
+          </a:prstGeom>
+          <a:solidFill>
+            <a:schemeClr val="accent2"/>
+          </a:solidFill>
+          <a:ln>
+            <a:noFill/>
+          </a:ln>
+          <a:effectLst/>
+        </p:spPr>
+        <p:style>
+          <a:lnRef idx="1">
+            <a:schemeClr val="accent1"/>
+          </a:lnRef>
+          <a:fillRef idx="3">
+            <a:schemeClr val="accent1"/>
+          </a:fillRef>
+          <a:effectRef idx="2">
+            <a:schemeClr val="accent1"/>
+          </a:effectRef>
+          <a:fontRef idx="minor">
+            <a:schemeClr val="lt1"/>
+          </a:fontRef>
+        </p:style>
+      </p:sp>
+      <p:sp>
+        <p:nvSpPr>
+          <p:cNvPr id="14" name="Rectangle 13">
+            <a:extLst>
+              <a:ext uri="{FF2B5EF4-FFF2-40B4-BE49-F238E27FC236}">
+                <a16:creationId xmlns:a16="http://schemas.microsoft.com/office/drawing/2014/main" id="{CE57EE13-72B0-4FFA-ACE1-EBDE89340E47}"/>
+              </a:ext>
+              <a:ext uri="{C183D7F6-B498-43B3-948B-1728B52AA6E4}">
+                <adec:decorative xmlns:adec="http://schemas.microsoft.com/office/drawing/2017/decorative" val="1"/>
+              </a:ext>
+            </a:extLst>
+          </p:cNvPr>
+          <p:cNvSpPr>
+            <a:spLocks noGrp="1" noRot="1" noChangeAspect="1" noMove="1" noResize="1" noEditPoints="1" noAdjustHandles="1" noChangeArrowheads="1" noChangeShapeType="1" noTextEdit="1"/>
+          </p:cNvSpPr>
+          <p:nvPr>
+            <p:extLst>
+              <p:ext uri="{386F3935-93C4-4BCD-93E2-E3B085C9AB24}">
+                <p16:designElem xmlns:p16="http://schemas.microsoft.com/office/powerpoint/2015/main" val="1"/>
+              </p:ext>
+            </p:extLst>
+          </p:nvPr>
+        </p:nvSpPr>
+        <p:spPr>
+          <a:xfrm>
+            <a:off x="446534" y="3085765"/>
+            <a:ext cx="11262866" cy="3304800"/>
+          </a:xfrm>
+          <a:prstGeom prst="rect">
+            <a:avLst/>
+          </a:prstGeom>
+          <a:solidFill>
+            <a:schemeClr val="accent1"/>
+          </a:solidFill>
+          <a:ln>
+            <a:noFill/>
+          </a:ln>
+          <a:effectLst/>
+        </p:spPr>
+        <p:style>
+          <a:lnRef idx="1">
+            <a:schemeClr val="accent1"/>
+          </a:lnRef>
+          <a:fillRef idx="3">
+            <a:schemeClr val="accent1"/>
+          </a:fillRef>
+          <a:effectRef idx="2">
+            <a:schemeClr val="accent1"/>
+          </a:effectRef>
+          <a:fontRef idx="minor">
+            <a:schemeClr val="lt1"/>
+          </a:fontRef>
+        </p:style>
+      </p:sp>
+      <p:sp>
+        <p:nvSpPr>
+          <p:cNvPr id="16" name="Rectangle 15">
+            <a:extLst>
+              <a:ext uri="{FF2B5EF4-FFF2-40B4-BE49-F238E27FC236}">
+                <a16:creationId xmlns:a16="http://schemas.microsoft.com/office/drawing/2014/main" id="{328C565D-A991-4381-AC37-76A58A4A128F}"/>
+              </a:ext>
+              <a:ext uri="{C183D7F6-B498-43B3-948B-1728B52AA6E4}">
+                <adec:decorative xmlns:adec="http://schemas.microsoft.com/office/drawing/2017/decorative" val="1"/>
+              </a:ext>
+            </a:extLst>
+          </p:cNvPr>
+          <p:cNvSpPr>
+            <a:spLocks noGrp="1" noRot="1" noChangeAspect="1" noMove="1" noResize="1" noEditPoints="1" noAdjustHandles="1" noChangeArrowheads="1" noChangeShapeType="1" noTextEdit="1"/>
+          </p:cNvSpPr>
+          <p:nvPr>
+            <p:extLst>
+              <p:ext uri="{386F3935-93C4-4BCD-93E2-E3B085C9AB24}">
+                <p16:designElem xmlns:p16="http://schemas.microsoft.com/office/powerpoint/2015/main" val="1"/>
+              </p:ext>
+            </p:extLst>
+          </p:nvPr>
+        </p:nvSpPr>
+        <p:spPr>
+          <a:xfrm>
+            <a:off x="0" y="0"/>
+            <a:ext cx="12192000" cy="6858000"/>
+          </a:xfrm>
+          <a:prstGeom prst="rect">
+            <a:avLst/>
+          </a:prstGeom>
+          <a:solidFill>
+            <a:srgbClr val="FFFFFF"/>
+          </a:solidFill>
+          <a:ln>
+            <a:noFill/>
+          </a:ln>
+        </p:spPr>
+        <p:style>
+          <a:lnRef idx="2">
+            <a:schemeClr val="accent1">
+              <a:shade val="50000"/>
+            </a:schemeClr>
+          </a:lnRef>
+          <a:fillRef idx="1">
+            <a:schemeClr val="accent1"/>
+          </a:fillRef>
+          <a:effectRef idx="0">
+            <a:schemeClr val="accent1"/>
+          </a:effectRef>
+          <a:fontRef idx="minor">
+            <a:schemeClr val="lt1"/>
+          </a:fontRef>
+        </p:style>
+        <p:txBody>
+          <a:bodyPr rtlCol="0" anchor="ctr"/>
+          <a:lstStyle/>
+          <a:p>
+            <a:pPr algn="ctr"/>
+            <a:endParaRPr lang="en-US"/>
+          </a:p>
+        </p:txBody>
+      </p:sp>
+      <p:sp>
+        <p:nvSpPr>
+          <p:cNvPr id="2" name="Nadpis 1">
+            <a:extLst>
+              <a:ext uri="{FF2B5EF4-FFF2-40B4-BE49-F238E27FC236}">
+                <a16:creationId xmlns:a16="http://schemas.microsoft.com/office/drawing/2014/main" id="{A2B2FAE7-2395-4278-A951-EFACD94E85BC}"/>
+              </a:ext>
+            </a:extLst>
+          </p:cNvPr>
+          <p:cNvSpPr>
+            <a:spLocks noGrp="1"/>
+          </p:cNvSpPr>
+          <p:nvPr>
+            <p:ph type="title"/>
+          </p:nvPr>
+        </p:nvSpPr>
+        <p:spPr>
+          <a:xfrm>
+            <a:off x="4449960" y="1507414"/>
+            <a:ext cx="7295507" cy="3703320"/>
+          </a:xfrm>
+        </p:spPr>
+        <p:txBody>
+          <a:bodyPr vert="horz" lIns="91440" tIns="45720" rIns="91440" bIns="45720" rtlCol="0" anchor="ctr">
+            <a:normAutofit/>
+          </a:bodyPr>
+          <a:lstStyle/>
+          <a:p>
+            <a:r>
+              <a:rPr lang="sk-SK" sz="4800" dirty="0">
+                <a:solidFill>
+                  <a:schemeClr val="accent1"/>
+                </a:solidFill>
+              </a:rPr>
+              <a:t>Web API – klient</a:t>
+            </a:r>
+            <a:br>
+              <a:rPr lang="sk-SK" sz="4800" dirty="0">
+                <a:solidFill>
+                  <a:schemeClr val="accent1"/>
+                </a:solidFill>
+              </a:rPr>
+            </a:br>
+            <a:r>
+              <a:rPr lang="sk-SK" sz="2400" dirty="0">
+                <a:solidFill>
+                  <a:schemeClr val="accent1"/>
+                </a:solidFill>
+              </a:rPr>
+              <a:t>Použitie </a:t>
+            </a:r>
+            <a:r>
+              <a:rPr lang="sk-SK" sz="2400" dirty="0" err="1">
+                <a:solidFill>
+                  <a:schemeClr val="accent1"/>
+                </a:solidFill>
+              </a:rPr>
+              <a:t>Maven</a:t>
+            </a:r>
+            <a:r>
+              <a:rPr lang="sk-SK" sz="2400" dirty="0">
+                <a:solidFill>
+                  <a:schemeClr val="accent1"/>
+                </a:solidFill>
+              </a:rPr>
+              <a:t> knižníc</a:t>
+            </a:r>
+            <a:br>
+              <a:rPr lang="sk-SK" sz="2400" dirty="0">
+                <a:solidFill>
+                  <a:schemeClr val="accent1"/>
+                </a:solidFill>
+              </a:rPr>
+            </a:br>
+            <a:r>
+              <a:rPr lang="sk-SK" sz="2400" dirty="0">
+                <a:solidFill>
+                  <a:schemeClr val="accent1"/>
+                </a:solidFill>
+              </a:rPr>
+              <a:t>Použitie Knižnice Retrofit2</a:t>
+            </a:r>
+            <a:br>
+              <a:rPr lang="sk-SK" sz="2400" dirty="0">
+                <a:solidFill>
+                  <a:schemeClr val="accent1"/>
+                </a:solidFill>
+              </a:rPr>
+            </a:br>
+            <a:r>
+              <a:rPr lang="sk-SK" sz="2400" dirty="0">
+                <a:solidFill>
+                  <a:schemeClr val="accent1"/>
+                </a:solidFill>
+              </a:rPr>
+              <a:t>Práca s </a:t>
+            </a:r>
+            <a:r>
+              <a:rPr lang="sk-SK" sz="2400" dirty="0" err="1">
+                <a:solidFill>
+                  <a:schemeClr val="accent1"/>
+                </a:solidFill>
+              </a:rPr>
+              <a:t>Json-om</a:t>
+            </a:r>
+            <a:br>
+              <a:rPr lang="sk-SK" sz="2400" dirty="0">
+                <a:solidFill>
+                  <a:schemeClr val="accent1"/>
+                </a:solidFill>
+              </a:rPr>
+            </a:br>
+            <a:endParaRPr lang="en-US" sz="4800" dirty="0">
+              <a:solidFill>
+                <a:schemeClr val="accent1"/>
+              </a:solidFill>
+            </a:endParaRPr>
+          </a:p>
+        </p:txBody>
+      </p:sp>
+      <p:sp>
+        <p:nvSpPr>
+          <p:cNvPr id="18" name="Rectangle 17">
+            <a:extLst>
+              <a:ext uri="{FF2B5EF4-FFF2-40B4-BE49-F238E27FC236}">
+                <a16:creationId xmlns:a16="http://schemas.microsoft.com/office/drawing/2014/main" id="{B7180431-F4DE-415D-BCBB-9316423C37C1}"/>
+              </a:ext>
+              <a:ext uri="{C183D7F6-B498-43B3-948B-1728B52AA6E4}">
+                <adec:decorative xmlns:adec="http://schemas.microsoft.com/office/drawing/2017/decorative" val="1"/>
+              </a:ext>
+            </a:extLst>
+          </p:cNvPr>
+          <p:cNvSpPr>
+            <a:spLocks noGrp="1" noRot="1" noChangeAspect="1" noMove="1" noResize="1" noEditPoints="1" noAdjustHandles="1" noChangeArrowheads="1" noChangeShapeType="1" noTextEdit="1"/>
+          </p:cNvSpPr>
+          <p:nvPr>
+            <p:extLst>
+              <p:ext uri="{386F3935-93C4-4BCD-93E2-E3B085C9AB24}">
+                <p16:designElem xmlns:p16="http://schemas.microsoft.com/office/powerpoint/2015/main" val="1"/>
+              </p:ext>
+            </p:extLst>
+          </p:nvPr>
+        </p:nvSpPr>
+        <p:spPr>
+          <a:xfrm>
+            <a:off x="446534" y="453642"/>
+            <a:ext cx="11298933" cy="512708"/>
+          </a:xfrm>
+          <a:prstGeom prst="rect">
+            <a:avLst/>
+          </a:prstGeom>
+          <a:solidFill>
+            <a:schemeClr val="accent4"/>
+          </a:solidFill>
+          <a:ln>
+            <a:noFill/>
+          </a:ln>
+          <a:effectLst/>
+        </p:spPr>
+        <p:style>
+          <a:lnRef idx="1">
+            <a:schemeClr val="accent1"/>
+          </a:lnRef>
+          <a:fillRef idx="3">
+            <a:schemeClr val="accent1"/>
+          </a:fillRef>
+          <a:effectRef idx="2">
+            <a:schemeClr val="accent1"/>
+          </a:effectRef>
+          <a:fontRef idx="minor">
+            <a:schemeClr val="lt1"/>
+          </a:fontRef>
+        </p:style>
+      </p:sp>
+      <p:sp>
+        <p:nvSpPr>
+          <p:cNvPr id="20" name="Rectangle 19">
+            <a:extLst>
+              <a:ext uri="{FF2B5EF4-FFF2-40B4-BE49-F238E27FC236}">
+                <a16:creationId xmlns:a16="http://schemas.microsoft.com/office/drawing/2014/main" id="{EEABD997-5EF9-4E9B-AFBB-F6DFAAF3ADF0}"/>
+              </a:ext>
+              <a:ext uri="{C183D7F6-B498-43B3-948B-1728B52AA6E4}">
+                <adec:decorative xmlns:adec="http://schemas.microsoft.com/office/drawing/2017/decorative" val="1"/>
+              </a:ext>
+            </a:extLst>
+          </p:cNvPr>
+          <p:cNvSpPr>
+            <a:spLocks noGrp="1" noRot="1" noChangeAspect="1" noMove="1" noResize="1" noEditPoints="1" noAdjustHandles="1" noChangeArrowheads="1" noChangeShapeType="1" noTextEdit="1"/>
+          </p:cNvSpPr>
+          <p:nvPr>
+            <p:extLst>
+              <p:ext uri="{386F3935-93C4-4BCD-93E2-E3B085C9AB24}">
+                <p16:designElem xmlns:p16="http://schemas.microsoft.com/office/powerpoint/2015/main" val="1"/>
+              </p:ext>
+            </p:extLst>
+          </p:nvPr>
+        </p:nvSpPr>
+        <p:spPr>
+          <a:xfrm rot="16200000" flipV="1">
+            <a:off x="2209064" y="3329711"/>
+            <a:ext cx="3703320" cy="58726"/>
+          </a:xfrm>
+          <a:prstGeom prst="rect">
+            <a:avLst/>
+          </a:prstGeom>
+          <a:solidFill>
+            <a:schemeClr val="accent2"/>
+          </a:solidFill>
+          <a:ln>
+            <a:noFill/>
+          </a:ln>
+          <a:effectLst/>
+        </p:spPr>
+        <p:style>
+          <a:lnRef idx="1">
+            <a:schemeClr val="accent1"/>
+          </a:lnRef>
+          <a:fillRef idx="3">
+            <a:schemeClr val="accent1"/>
+          </a:fillRef>
+          <a:effectRef idx="2">
+            <a:schemeClr val="accent1"/>
+          </a:effectRef>
+          <a:fontRef idx="minor">
+            <a:schemeClr val="lt1"/>
+          </a:fontRef>
+        </p:style>
+      </p:sp>
+      <p:sp>
+        <p:nvSpPr>
+          <p:cNvPr id="22" name="Rectangle 21">
+            <a:extLst>
+              <a:ext uri="{FF2B5EF4-FFF2-40B4-BE49-F238E27FC236}">
+                <a16:creationId xmlns:a16="http://schemas.microsoft.com/office/drawing/2014/main" id="{E9AB5EE6-A047-4B18-B998-D46DF3CC36FE}"/>
+              </a:ext>
+              <a:ext uri="{C183D7F6-B498-43B3-948B-1728B52AA6E4}">
+                <adec:decorative xmlns:adec="http://schemas.microsoft.com/office/drawing/2017/decorative" val="1"/>
+              </a:ext>
+            </a:extLst>
+          </p:cNvPr>
+          <p:cNvSpPr>
+            <a:spLocks noGrp="1" noRot="1" noChangeAspect="1" noMove="1" noResize="1" noEditPoints="1" noAdjustHandles="1" noChangeArrowheads="1" noChangeShapeType="1" noTextEdit="1"/>
+          </p:cNvSpPr>
+          <p:nvPr>
+            <p:extLst>
+              <p:ext uri="{386F3935-93C4-4BCD-93E2-E3B085C9AB24}">
+                <p16:designElem xmlns:p16="http://schemas.microsoft.com/office/powerpoint/2015/main" val="1"/>
+              </p:ext>
+            </p:extLst>
+          </p:nvPr>
+        </p:nvSpPr>
+        <p:spPr>
+          <a:xfrm>
+            <a:off x="446534" y="5878019"/>
+            <a:ext cx="11298933" cy="512708"/>
+          </a:xfrm>
+          <a:prstGeom prst="rect">
+            <a:avLst/>
+          </a:prstGeom>
+          <a:solidFill>
+            <a:schemeClr val="accent4"/>
+          </a:solidFill>
+          <a:ln>
+            <a:noFill/>
+          </a:ln>
+          <a:effectLst/>
+        </p:spPr>
+        <p:style>
+          <a:lnRef idx="1">
+            <a:schemeClr val="accent1"/>
+          </a:lnRef>
+          <a:fillRef idx="3">
+            <a:schemeClr val="accent1"/>
+          </a:fillRef>
+          <a:effectRef idx="2">
+            <a:schemeClr val="accent1"/>
+          </a:effectRef>
+          <a:fontRef idx="minor">
+            <a:schemeClr val="lt1"/>
+          </a:fontRef>
+        </p:style>
+      </p:sp>
+    </p:spTree>
+    <p:extLst>
+      <p:ext uri="{BB962C8B-B14F-4D97-AF65-F5344CB8AC3E}">
+        <p14:creationId xmlns:p14="http://schemas.microsoft.com/office/powerpoint/2010/main" val="1662353972"/>
+      </p:ext>
+    </p:extLst>
+  </p:cSld>
+  <p:clrMapOvr>
+    <a:masterClrMapping/>
+  </p:clrMapOvr>
+</p:sld>
+</file>
+
 <file path=ppt/slides/slide14.xml><?xml version="1.0" encoding="utf-8"?>
 <p:sld xmlns:a="http://schemas.openxmlformats.org/drawingml/2006/main" xmlns:r="http://schemas.openxmlformats.org/officeDocument/2006/relationships" xmlns:p="http://schemas.openxmlformats.org/presentationml/2006/main">
   <p:cSld>
@@ -14242,6 +17930,1425 @@
     <p:extLst>
       <p:ext uri="{BB962C8B-B14F-4D97-AF65-F5344CB8AC3E}">
         <p14:creationId xmlns:p14="http://schemas.microsoft.com/office/powerpoint/2010/main" val="1008138512"/>
+      </p:ext>
+    </p:extLst>
+  </p:cSld>
+  <p:clrMapOvr>
+    <a:masterClrMapping/>
+  </p:clrMapOvr>
+</p:sld>
+</file>
+
+<file path=ppt/slides/slide140.xml><?xml version="1.0" encoding="utf-8"?>
+<p:sld xmlns:a="http://schemas.openxmlformats.org/drawingml/2006/main" xmlns:r="http://schemas.openxmlformats.org/officeDocument/2006/relationships" xmlns:p="http://schemas.openxmlformats.org/presentationml/2006/main">
+  <p:cSld>
+    <p:spTree>
+      <p:nvGrpSpPr>
+        <p:cNvPr id="1" name=""/>
+        <p:cNvGrpSpPr/>
+        <p:nvPr/>
+      </p:nvGrpSpPr>
+      <p:grpSpPr>
+        <a:xfrm>
+          <a:off x="0" y="0"/>
+          <a:ext cx="0" cy="0"/>
+          <a:chOff x="0" y="0"/>
+          <a:chExt cx="0" cy="0"/>
+        </a:xfrm>
+      </p:grpSpPr>
+      <p:sp>
+        <p:nvSpPr>
+          <p:cNvPr id="2" name="Nadpis 1">
+            <a:extLst>
+              <a:ext uri="{FF2B5EF4-FFF2-40B4-BE49-F238E27FC236}">
+                <a16:creationId xmlns:a16="http://schemas.microsoft.com/office/drawing/2014/main" id="{1675D0EF-C027-45B0-8BF0-3DC6FEE3506A}"/>
+              </a:ext>
+            </a:extLst>
+          </p:cNvPr>
+          <p:cNvSpPr>
+            <a:spLocks noGrp="1"/>
+          </p:cNvSpPr>
+          <p:nvPr>
+            <p:ph type="title"/>
+          </p:nvPr>
+        </p:nvSpPr>
+        <p:spPr/>
+        <p:txBody>
+          <a:bodyPr/>
+          <a:lstStyle/>
+          <a:p>
+            <a:r>
+              <a:rPr lang="sk-SK" dirty="0"/>
+              <a:t>Doplnkové témy</a:t>
+            </a:r>
+          </a:p>
+        </p:txBody>
+      </p:sp>
+      <p:sp>
+        <p:nvSpPr>
+          <p:cNvPr id="3" name="Zástupný objekt pre obsah 2">
+            <a:extLst>
+              <a:ext uri="{FF2B5EF4-FFF2-40B4-BE49-F238E27FC236}">
+                <a16:creationId xmlns:a16="http://schemas.microsoft.com/office/drawing/2014/main" id="{EE9773FD-5AEA-46E3-B197-7846711BEE58}"/>
+              </a:ext>
+            </a:extLst>
+          </p:cNvPr>
+          <p:cNvSpPr>
+            <a:spLocks noGrp="1"/>
+          </p:cNvSpPr>
+          <p:nvPr>
+            <p:ph idx="1"/>
+          </p:nvPr>
+        </p:nvSpPr>
+        <p:spPr/>
+        <p:txBody>
+          <a:bodyPr/>
+          <a:lstStyle/>
+          <a:p>
+            <a:r>
+              <a:rPr lang="sk-SK" dirty="0"/>
+              <a:t>Použitie verejných knižníc napr. od Googlu, resp. iných ľudí</a:t>
+            </a:r>
+          </a:p>
+          <a:p>
+            <a:r>
+              <a:rPr lang="sk-SK" dirty="0"/>
+              <a:t>MAVEN a </a:t>
+            </a:r>
+            <a:r>
+              <a:rPr lang="sk-SK" dirty="0" err="1"/>
+              <a:t>Gradle</a:t>
+            </a:r>
+            <a:r>
+              <a:rPr lang="sk-SK" dirty="0"/>
+              <a:t> – tzv. repozitár knižníc</a:t>
+            </a:r>
+          </a:p>
+          <a:p>
+            <a:r>
+              <a:rPr lang="sk-SK" dirty="0" err="1"/>
+              <a:t>Maven</a:t>
+            </a:r>
+            <a:r>
+              <a:rPr lang="sk-SK" dirty="0"/>
+              <a:t> </a:t>
+            </a:r>
+            <a:r>
+              <a:rPr lang="sk-SK" dirty="0" err="1"/>
+              <a:t>knžnice</a:t>
+            </a:r>
+            <a:r>
+              <a:rPr lang="sk-SK" dirty="0"/>
+              <a:t> viete vyhľadať kliknutím na </a:t>
+            </a:r>
+            <a:r>
+              <a:rPr lang="en-US" dirty="0"/>
+              <a:t>File -&gt; Project Structure -&gt; Libraries -&gt; + -&gt; From Maven … </a:t>
+            </a:r>
+            <a:endParaRPr lang="sk-SK" dirty="0"/>
+          </a:p>
+          <a:p>
+            <a:endParaRPr lang="sk-SK" dirty="0"/>
+          </a:p>
+        </p:txBody>
+      </p:sp>
+    </p:spTree>
+    <p:extLst>
+      <p:ext uri="{BB962C8B-B14F-4D97-AF65-F5344CB8AC3E}">
+        <p14:creationId xmlns:p14="http://schemas.microsoft.com/office/powerpoint/2010/main" val="2169285166"/>
+      </p:ext>
+    </p:extLst>
+  </p:cSld>
+  <p:clrMapOvr>
+    <a:masterClrMapping/>
+  </p:clrMapOvr>
+</p:sld>
+</file>
+
+<file path=ppt/slides/slide141.xml><?xml version="1.0" encoding="utf-8"?>
+<p:sld xmlns:a="http://schemas.openxmlformats.org/drawingml/2006/main" xmlns:r="http://schemas.openxmlformats.org/officeDocument/2006/relationships" xmlns:p="http://schemas.openxmlformats.org/presentationml/2006/main">
+  <p:cSld>
+    <p:spTree>
+      <p:nvGrpSpPr>
+        <p:cNvPr id="1" name=""/>
+        <p:cNvGrpSpPr/>
+        <p:nvPr/>
+      </p:nvGrpSpPr>
+      <p:grpSpPr>
+        <a:xfrm>
+          <a:off x="0" y="0"/>
+          <a:ext cx="0" cy="0"/>
+          <a:chOff x="0" y="0"/>
+          <a:chExt cx="0" cy="0"/>
+        </a:xfrm>
+      </p:grpSpPr>
+      <p:sp>
+        <p:nvSpPr>
+          <p:cNvPr id="2" name="Nadpis 1">
+            <a:extLst>
+              <a:ext uri="{FF2B5EF4-FFF2-40B4-BE49-F238E27FC236}">
+                <a16:creationId xmlns:a16="http://schemas.microsoft.com/office/drawing/2014/main" id="{A4C410E3-2307-48E8-9BA2-854347C83A03}"/>
+              </a:ext>
+            </a:extLst>
+          </p:cNvPr>
+          <p:cNvSpPr>
+            <a:spLocks noGrp="1"/>
+          </p:cNvSpPr>
+          <p:nvPr>
+            <p:ph type="title"/>
+          </p:nvPr>
+        </p:nvSpPr>
+        <p:spPr/>
+        <p:txBody>
+          <a:bodyPr/>
+          <a:lstStyle/>
+          <a:p>
+            <a:r>
+              <a:rPr lang="sk-SK" dirty="0"/>
+              <a:t>Čo je JSON</a:t>
+            </a:r>
+          </a:p>
+        </p:txBody>
+      </p:sp>
+      <p:sp>
+        <p:nvSpPr>
+          <p:cNvPr id="3" name="Zástupný objekt pre obsah 2">
+            <a:extLst>
+              <a:ext uri="{FF2B5EF4-FFF2-40B4-BE49-F238E27FC236}">
+                <a16:creationId xmlns:a16="http://schemas.microsoft.com/office/drawing/2014/main" id="{C5FAA6BD-DC5F-4A38-A664-5B981726208B}"/>
+              </a:ext>
+            </a:extLst>
+          </p:cNvPr>
+          <p:cNvSpPr>
+            <a:spLocks noGrp="1"/>
+          </p:cNvSpPr>
+          <p:nvPr>
+            <p:ph idx="1"/>
+          </p:nvPr>
+        </p:nvSpPr>
+        <p:spPr/>
+        <p:txBody>
+          <a:bodyPr>
+            <a:normAutofit/>
+          </a:bodyPr>
+          <a:lstStyle/>
+          <a:p>
+            <a:r>
+              <a:rPr lang="sk-SK" dirty="0" err="1"/>
+              <a:t>Javascript</a:t>
+            </a:r>
+            <a:r>
+              <a:rPr lang="sk-SK" dirty="0"/>
+              <a:t> </a:t>
+            </a:r>
+            <a:r>
+              <a:rPr lang="sk-SK" dirty="0" err="1"/>
+              <a:t>object</a:t>
+            </a:r>
+            <a:r>
+              <a:rPr lang="sk-SK" dirty="0"/>
+              <a:t> </a:t>
+            </a:r>
+            <a:r>
+              <a:rPr lang="sk-SK" dirty="0" err="1"/>
+              <a:t>notation</a:t>
+            </a:r>
+            <a:endParaRPr lang="sk-SK" dirty="0"/>
+          </a:p>
+          <a:p>
+            <a:r>
+              <a:rPr lang="sk-SK" dirty="0"/>
+              <a:t>Prečo </a:t>
+            </a:r>
+            <a:r>
+              <a:rPr lang="sk-SK" dirty="0" err="1"/>
+              <a:t>javascript</a:t>
+            </a:r>
+            <a:r>
+              <a:rPr lang="sk-SK" dirty="0"/>
+              <a:t>?! Veď </a:t>
+            </a:r>
+            <a:r>
+              <a:rPr lang="sk-SK" dirty="0" err="1"/>
+              <a:t>java</a:t>
+            </a:r>
+            <a:r>
+              <a:rPr lang="sk-SK" dirty="0"/>
+              <a:t> nemá nič s </a:t>
+            </a:r>
+            <a:r>
+              <a:rPr lang="sk-SK" dirty="0" err="1"/>
+              <a:t>Javascriptom</a:t>
+            </a:r>
+            <a:r>
+              <a:rPr lang="sk-SK" dirty="0"/>
+              <a:t> nie?</a:t>
+            </a:r>
+          </a:p>
+          <a:p>
+            <a:r>
+              <a:rPr lang="sk-SK" dirty="0" err="1"/>
+              <a:t>Json</a:t>
+            </a:r>
+            <a:r>
+              <a:rPr lang="sk-SK" dirty="0"/>
+              <a:t> je univerzálny formát pre reprezentáciu dát</a:t>
+            </a:r>
+          </a:p>
+          <a:p>
+            <a:r>
+              <a:rPr lang="sk-SK" dirty="0"/>
+              <a:t>Je objektový model</a:t>
+            </a:r>
+          </a:p>
+          <a:p>
+            <a:r>
+              <a:rPr lang="en-US" dirty="0"/>
+              <a:t>[ - </a:t>
+            </a:r>
+            <a:r>
+              <a:rPr lang="en-US" dirty="0" err="1"/>
+              <a:t>zn</a:t>
+            </a:r>
+            <a:r>
+              <a:rPr lang="sk-SK" dirty="0" err="1"/>
+              <a:t>ázorňuje</a:t>
+            </a:r>
+            <a:r>
+              <a:rPr lang="sk-SK" dirty="0"/>
+              <a:t> pole</a:t>
+            </a:r>
+          </a:p>
+          <a:p>
+            <a:r>
+              <a:rPr lang="en-US" dirty="0"/>
+              <a:t>{ - </a:t>
+            </a:r>
+            <a:r>
+              <a:rPr lang="en-US" dirty="0" err="1"/>
+              <a:t>zn</a:t>
+            </a:r>
+            <a:r>
+              <a:rPr lang="sk-SK" dirty="0" err="1"/>
+              <a:t>ázorňuje</a:t>
+            </a:r>
+            <a:r>
+              <a:rPr lang="sk-SK" dirty="0"/>
+              <a:t> objekt</a:t>
+            </a:r>
+          </a:p>
+          <a:p>
+            <a:r>
+              <a:rPr lang="sk-SK" dirty="0"/>
+              <a:t>Polia (</a:t>
+            </a:r>
+            <a:r>
+              <a:rPr lang="sk-SK" dirty="0" err="1"/>
+              <a:t>JsonArray</a:t>
+            </a:r>
+            <a:r>
+              <a:rPr lang="sk-SK" dirty="0"/>
+              <a:t>) môžu obsahovať objekty (</a:t>
+            </a:r>
+            <a:r>
+              <a:rPr lang="sk-SK" dirty="0" err="1"/>
+              <a:t>JsonObject</a:t>
+            </a:r>
+            <a:r>
+              <a:rPr lang="sk-SK" dirty="0"/>
+              <a:t>)</a:t>
+            </a:r>
+          </a:p>
+          <a:p>
+            <a:r>
+              <a:rPr lang="sk-SK" dirty="0"/>
+              <a:t>Objekty môžu obsahovať polia</a:t>
+            </a:r>
+          </a:p>
+          <a:p>
+            <a:r>
+              <a:rPr lang="sk-SK" dirty="0"/>
+              <a:t>Štandardne sa na objekty a parametre odkazujeme pomocou kľúča</a:t>
+            </a:r>
+          </a:p>
+        </p:txBody>
+      </p:sp>
+    </p:spTree>
+    <p:extLst>
+      <p:ext uri="{BB962C8B-B14F-4D97-AF65-F5344CB8AC3E}">
+        <p14:creationId xmlns:p14="http://schemas.microsoft.com/office/powerpoint/2010/main" val="3026512764"/>
+      </p:ext>
+    </p:extLst>
+  </p:cSld>
+  <p:clrMapOvr>
+    <a:masterClrMapping/>
+  </p:clrMapOvr>
+</p:sld>
+</file>
+
+<file path=ppt/slides/slide142.xml><?xml version="1.0" encoding="utf-8"?>
+<p:sld xmlns:a="http://schemas.openxmlformats.org/drawingml/2006/main" xmlns:r="http://schemas.openxmlformats.org/officeDocument/2006/relationships" xmlns:p="http://schemas.openxmlformats.org/presentationml/2006/main">
+  <p:cSld>
+    <p:spTree>
+      <p:nvGrpSpPr>
+        <p:cNvPr id="1" name=""/>
+        <p:cNvGrpSpPr/>
+        <p:nvPr/>
+      </p:nvGrpSpPr>
+      <p:grpSpPr>
+        <a:xfrm>
+          <a:off x="0" y="0"/>
+          <a:ext cx="0" cy="0"/>
+          <a:chOff x="0" y="0"/>
+          <a:chExt cx="0" cy="0"/>
+        </a:xfrm>
+      </p:grpSpPr>
+      <p:sp>
+        <p:nvSpPr>
+          <p:cNvPr id="2" name="Nadpis 1">
+            <a:extLst>
+              <a:ext uri="{FF2B5EF4-FFF2-40B4-BE49-F238E27FC236}">
+                <a16:creationId xmlns:a16="http://schemas.microsoft.com/office/drawing/2014/main" id="{9109BA7F-A522-41AF-9811-1D8BCAFB0EC0}"/>
+              </a:ext>
+            </a:extLst>
+          </p:cNvPr>
+          <p:cNvSpPr>
+            <a:spLocks noGrp="1"/>
+          </p:cNvSpPr>
+          <p:nvPr>
+            <p:ph type="title"/>
+          </p:nvPr>
+        </p:nvSpPr>
+        <p:spPr/>
+        <p:txBody>
+          <a:bodyPr/>
+          <a:lstStyle/>
+          <a:p>
+            <a:r>
+              <a:rPr lang="sk-SK" dirty="0"/>
+              <a:t>Ako vyzerá JSON</a:t>
+            </a:r>
+          </a:p>
+        </p:txBody>
+      </p:sp>
+      <p:sp>
+        <p:nvSpPr>
+          <p:cNvPr id="3" name="Zástupný objekt pre obsah 2">
+            <a:extLst>
+              <a:ext uri="{FF2B5EF4-FFF2-40B4-BE49-F238E27FC236}">
+                <a16:creationId xmlns:a16="http://schemas.microsoft.com/office/drawing/2014/main" id="{662D2F6D-E362-41F4-B1D4-EA5FBE01A4E5}"/>
+              </a:ext>
+            </a:extLst>
+          </p:cNvPr>
+          <p:cNvSpPr>
+            <a:spLocks noGrp="1"/>
+          </p:cNvSpPr>
+          <p:nvPr>
+            <p:ph idx="1"/>
+          </p:nvPr>
+        </p:nvSpPr>
+        <p:spPr/>
+        <p:txBody>
+          <a:bodyPr>
+            <a:normAutofit lnSpcReduction="10000"/>
+          </a:bodyPr>
+          <a:lstStyle/>
+          <a:p>
+            <a:r>
+              <a:rPr lang="sk-SK" dirty="0"/>
+              <a:t>Testovací JSON</a:t>
+            </a:r>
+          </a:p>
+          <a:p>
+            <a:pPr lvl="1"/>
+            <a:r>
+              <a:rPr lang="sk-SK" dirty="0">
+                <a:hlinkClick r:id="rId2"/>
+              </a:rPr>
+              <a:t>https://jsonplaceholder.typicode.com/posts</a:t>
+            </a:r>
+            <a:endParaRPr lang="sk-SK" dirty="0"/>
+          </a:p>
+          <a:p>
+            <a:r>
+              <a:rPr lang="sk-SK" dirty="0" err="1"/>
+              <a:t>Jsony</a:t>
+            </a:r>
+            <a:r>
+              <a:rPr lang="sk-SK" dirty="0"/>
+              <a:t> s reálnymi dátami</a:t>
+            </a:r>
+          </a:p>
+          <a:p>
+            <a:pPr lvl="1"/>
+            <a:r>
+              <a:rPr lang="sk-SK" dirty="0"/>
+              <a:t>Zoznam letov nad územím východného </a:t>
+            </a:r>
+            <a:r>
+              <a:rPr lang="sk-SK" dirty="0" err="1"/>
+              <a:t>slovenska</a:t>
+            </a:r>
+            <a:endParaRPr lang="sk-SK" dirty="0"/>
+          </a:p>
+          <a:p>
+            <a:pPr lvl="2"/>
+            <a:r>
+              <a:rPr lang="sk-SK" dirty="0">
+                <a:hlinkClick r:id="rId3"/>
+              </a:rPr>
+              <a:t>https://data-live.flightradar24.com/zones/fcgi/feed.js?bounds=50.27,47.98,18.39,23.52&amp;faa=1&amp;mlat=1&amp;flarm=1&amp;adsb=1&amp;gnd=1&amp;air=1&amp;vehicles=1&amp;estimated=1&amp;maxage=14400&amp;gliders=1&amp;stats=1</a:t>
+            </a:r>
+            <a:endParaRPr lang="sk-SK" dirty="0"/>
+          </a:p>
+          <a:p>
+            <a:pPr lvl="1"/>
+            <a:r>
+              <a:rPr lang="en-US" dirty="0"/>
+              <a:t>Z</a:t>
+            </a:r>
+            <a:r>
+              <a:rPr lang="sk-SK" dirty="0" err="1"/>
+              <a:t>ápasy</a:t>
+            </a:r>
+            <a:r>
+              <a:rPr lang="sk-SK" dirty="0"/>
+              <a:t> NHL plánované na túto sezónu</a:t>
+            </a:r>
+          </a:p>
+          <a:p>
+            <a:pPr lvl="2"/>
+            <a:r>
+              <a:rPr lang="sk-SK" dirty="0">
+                <a:hlinkClick r:id="rId4"/>
+              </a:rPr>
+              <a:t>https://statsapi.web.nhl.com/api/v1/schedule</a:t>
+            </a:r>
+            <a:endParaRPr lang="sk-SK" dirty="0"/>
+          </a:p>
+          <a:p>
+            <a:pPr lvl="1"/>
+            <a:r>
+              <a:rPr lang="sk-SK" dirty="0"/>
+              <a:t>Kopu iných otvorených zdrojov pre </a:t>
+            </a:r>
+            <a:r>
+              <a:rPr lang="sk-SK" dirty="0" err="1"/>
+              <a:t>JSONy</a:t>
+            </a:r>
+            <a:endParaRPr lang="sk-SK" dirty="0"/>
+          </a:p>
+          <a:p>
+            <a:pPr lvl="1"/>
+            <a:r>
+              <a:rPr lang="sk-SK" dirty="0"/>
+              <a:t>Sú aj platené REST API – napr. </a:t>
+            </a:r>
+            <a:r>
+              <a:rPr lang="sk-SK" dirty="0">
+                <a:hlinkClick r:id="rId5"/>
+              </a:rPr>
+              <a:t>https://www.inrfood.com/#rest-api</a:t>
+            </a:r>
+            <a:endParaRPr lang="sk-SK" dirty="0"/>
+          </a:p>
+        </p:txBody>
+      </p:sp>
+    </p:spTree>
+    <p:extLst>
+      <p:ext uri="{BB962C8B-B14F-4D97-AF65-F5344CB8AC3E}">
+        <p14:creationId xmlns:p14="http://schemas.microsoft.com/office/powerpoint/2010/main" val="2979230246"/>
+      </p:ext>
+    </p:extLst>
+  </p:cSld>
+  <p:clrMapOvr>
+    <a:masterClrMapping/>
+  </p:clrMapOvr>
+</p:sld>
+</file>
+
+<file path=ppt/slides/slide143.xml><?xml version="1.0" encoding="utf-8"?>
+<p:sld xmlns:a="http://schemas.openxmlformats.org/drawingml/2006/main" xmlns:r="http://schemas.openxmlformats.org/officeDocument/2006/relationships" xmlns:p="http://schemas.openxmlformats.org/presentationml/2006/main">
+  <p:cSld>
+    <p:spTree>
+      <p:nvGrpSpPr>
+        <p:cNvPr id="1" name=""/>
+        <p:cNvGrpSpPr/>
+        <p:nvPr/>
+      </p:nvGrpSpPr>
+      <p:grpSpPr>
+        <a:xfrm>
+          <a:off x="0" y="0"/>
+          <a:ext cx="0" cy="0"/>
+          <a:chOff x="0" y="0"/>
+          <a:chExt cx="0" cy="0"/>
+        </a:xfrm>
+      </p:grpSpPr>
+      <p:sp>
+        <p:nvSpPr>
+          <p:cNvPr id="2" name="Nadpis 1">
+            <a:extLst>
+              <a:ext uri="{FF2B5EF4-FFF2-40B4-BE49-F238E27FC236}">
+                <a16:creationId xmlns:a16="http://schemas.microsoft.com/office/drawing/2014/main" id="{B2EF8116-56BF-4A00-9B07-08AE39248938}"/>
+              </a:ext>
+            </a:extLst>
+          </p:cNvPr>
+          <p:cNvSpPr>
+            <a:spLocks noGrp="1"/>
+          </p:cNvSpPr>
+          <p:nvPr>
+            <p:ph type="title"/>
+          </p:nvPr>
+        </p:nvSpPr>
+        <p:spPr/>
+        <p:txBody>
+          <a:bodyPr/>
+          <a:lstStyle/>
+          <a:p>
+            <a:r>
+              <a:rPr lang="sk-SK" dirty="0"/>
+              <a:t>Čo je to REST API</a:t>
+            </a:r>
+          </a:p>
+        </p:txBody>
+      </p:sp>
+      <p:sp>
+        <p:nvSpPr>
+          <p:cNvPr id="3" name="Zástupný objekt pre obsah 2">
+            <a:extLst>
+              <a:ext uri="{FF2B5EF4-FFF2-40B4-BE49-F238E27FC236}">
+                <a16:creationId xmlns:a16="http://schemas.microsoft.com/office/drawing/2014/main" id="{0ECC85FA-8990-47E3-B35D-9D9A12A441C6}"/>
+              </a:ext>
+            </a:extLst>
+          </p:cNvPr>
+          <p:cNvSpPr>
+            <a:spLocks noGrp="1"/>
+          </p:cNvSpPr>
+          <p:nvPr>
+            <p:ph idx="1"/>
+          </p:nvPr>
+        </p:nvSpPr>
+        <p:spPr/>
+        <p:txBody>
+          <a:bodyPr/>
+          <a:lstStyle/>
+          <a:p>
+            <a:r>
+              <a:rPr lang="sk-SK" dirty="0"/>
+              <a:t>REST API je súbor funkcií na webe, ktoré vedia prijímať vstupy od používateľa a vrátiť mu výstup v štandardnom formáte</a:t>
+            </a:r>
+          </a:p>
+          <a:p>
+            <a:r>
+              <a:rPr lang="sk-SK" dirty="0"/>
+              <a:t>REST API funkcie sú takzvané webové služby</a:t>
+            </a:r>
+          </a:p>
+          <a:p>
+            <a:r>
+              <a:rPr lang="sk-SK" dirty="0"/>
+              <a:t>Najčastejšie poskytujú dáta v nejakej podobe vo formáte JSON alebo XML</a:t>
+            </a:r>
+          </a:p>
+          <a:p>
+            <a:endParaRPr lang="sk-SK" dirty="0"/>
+          </a:p>
+        </p:txBody>
+      </p:sp>
+    </p:spTree>
+    <p:extLst>
+      <p:ext uri="{BB962C8B-B14F-4D97-AF65-F5344CB8AC3E}">
+        <p14:creationId xmlns:p14="http://schemas.microsoft.com/office/powerpoint/2010/main" val="3427408344"/>
+      </p:ext>
+    </p:extLst>
+  </p:cSld>
+  <p:clrMapOvr>
+    <a:masterClrMapping/>
+  </p:clrMapOvr>
+</p:sld>
+</file>
+
+<file path=ppt/slides/slide144.xml><?xml version="1.0" encoding="utf-8"?>
+<p:sld xmlns:a="http://schemas.openxmlformats.org/drawingml/2006/main" xmlns:r="http://schemas.openxmlformats.org/officeDocument/2006/relationships" xmlns:p="http://schemas.openxmlformats.org/presentationml/2006/main">
+  <p:cSld>
+    <p:spTree>
+      <p:nvGrpSpPr>
+        <p:cNvPr id="1" name=""/>
+        <p:cNvGrpSpPr/>
+        <p:nvPr/>
+      </p:nvGrpSpPr>
+      <p:grpSpPr>
+        <a:xfrm>
+          <a:off x="0" y="0"/>
+          <a:ext cx="0" cy="0"/>
+          <a:chOff x="0" y="0"/>
+          <a:chExt cx="0" cy="0"/>
+        </a:xfrm>
+      </p:grpSpPr>
+      <p:sp>
+        <p:nvSpPr>
+          <p:cNvPr id="2" name="Nadpis 1">
+            <a:extLst>
+              <a:ext uri="{FF2B5EF4-FFF2-40B4-BE49-F238E27FC236}">
+                <a16:creationId xmlns:a16="http://schemas.microsoft.com/office/drawing/2014/main" id="{9019CEC3-0E49-4F63-ADFD-EA27B9807A37}"/>
+              </a:ext>
+            </a:extLst>
+          </p:cNvPr>
+          <p:cNvSpPr>
+            <a:spLocks noGrp="1"/>
+          </p:cNvSpPr>
+          <p:nvPr>
+            <p:ph type="title"/>
+          </p:nvPr>
+        </p:nvSpPr>
+        <p:spPr/>
+        <p:txBody>
+          <a:bodyPr/>
+          <a:lstStyle/>
+          <a:p>
+            <a:r>
+              <a:rPr lang="sk-SK" dirty="0"/>
+              <a:t>Čo je rest </a:t>
+            </a:r>
+            <a:r>
+              <a:rPr lang="sk-SK" dirty="0" err="1"/>
+              <a:t>api</a:t>
+            </a:r>
+            <a:r>
+              <a:rPr lang="sk-SK" dirty="0"/>
+              <a:t> Klient</a:t>
+            </a:r>
+          </a:p>
+        </p:txBody>
+      </p:sp>
+      <p:sp>
+        <p:nvSpPr>
+          <p:cNvPr id="3" name="Zástupný objekt pre obsah 2">
+            <a:extLst>
+              <a:ext uri="{FF2B5EF4-FFF2-40B4-BE49-F238E27FC236}">
+                <a16:creationId xmlns:a16="http://schemas.microsoft.com/office/drawing/2014/main" id="{FFD050B2-3E47-4021-B0FA-CA109625D289}"/>
+              </a:ext>
+            </a:extLst>
+          </p:cNvPr>
+          <p:cNvSpPr>
+            <a:spLocks noGrp="1"/>
+          </p:cNvSpPr>
+          <p:nvPr>
+            <p:ph idx="1"/>
+          </p:nvPr>
+        </p:nvSpPr>
+        <p:spPr/>
+        <p:txBody>
+          <a:bodyPr/>
+          <a:lstStyle/>
+          <a:p>
+            <a:r>
+              <a:rPr lang="sk-SK" dirty="0"/>
+              <a:t>Je to aplikácia, ktorá dokáže komunikovať s webovou službou</a:t>
+            </a:r>
+          </a:p>
+          <a:p>
+            <a:r>
+              <a:rPr lang="sk-SK" dirty="0"/>
+              <a:t>Používa HTTP metódy </a:t>
+            </a:r>
+          </a:p>
+          <a:p>
+            <a:pPr lvl="1"/>
+            <a:r>
+              <a:rPr lang="sk-SK" dirty="0"/>
+              <a:t>GET – používa sa pre získavanie a filtrovanie údajov, viete ju vyvolať zadaním linky do prehliadača</a:t>
+            </a:r>
+          </a:p>
+          <a:p>
+            <a:pPr lvl="1"/>
+            <a:r>
+              <a:rPr lang="sk-SK" dirty="0"/>
+              <a:t>POST – používa sa napr. pri odoslaní formuláru na webe. Nedá sa vyvolať zadaním linky do prehliadača</a:t>
+            </a:r>
+          </a:p>
+          <a:p>
+            <a:pPr lvl="1"/>
+            <a:r>
+              <a:rPr lang="sk-SK" dirty="0"/>
+              <a:t>PUT ...</a:t>
+            </a:r>
+          </a:p>
+          <a:p>
+            <a:pPr lvl="1"/>
+            <a:r>
+              <a:rPr lang="sk-SK" dirty="0"/>
+              <a:t>DELETE ...</a:t>
+            </a:r>
+          </a:p>
+        </p:txBody>
+      </p:sp>
+    </p:spTree>
+    <p:extLst>
+      <p:ext uri="{BB962C8B-B14F-4D97-AF65-F5344CB8AC3E}">
+        <p14:creationId xmlns:p14="http://schemas.microsoft.com/office/powerpoint/2010/main" val="2172361125"/>
+      </p:ext>
+    </p:extLst>
+  </p:cSld>
+  <p:clrMapOvr>
+    <a:masterClrMapping/>
+  </p:clrMapOvr>
+</p:sld>
+</file>
+
+<file path=ppt/slides/slide145.xml><?xml version="1.0" encoding="utf-8"?>
+<p:sld xmlns:a="http://schemas.openxmlformats.org/drawingml/2006/main" xmlns:r="http://schemas.openxmlformats.org/officeDocument/2006/relationships" xmlns:p="http://schemas.openxmlformats.org/presentationml/2006/main">
+  <p:cSld>
+    <p:spTree>
+      <p:nvGrpSpPr>
+        <p:cNvPr id="1" name=""/>
+        <p:cNvGrpSpPr/>
+        <p:nvPr/>
+      </p:nvGrpSpPr>
+      <p:grpSpPr>
+        <a:xfrm>
+          <a:off x="0" y="0"/>
+          <a:ext cx="0" cy="0"/>
+          <a:chOff x="0" y="0"/>
+          <a:chExt cx="0" cy="0"/>
+        </a:xfrm>
+      </p:grpSpPr>
+      <p:sp>
+        <p:nvSpPr>
+          <p:cNvPr id="2" name="Nadpis 1">
+            <a:extLst>
+              <a:ext uri="{FF2B5EF4-FFF2-40B4-BE49-F238E27FC236}">
+                <a16:creationId xmlns:a16="http://schemas.microsoft.com/office/drawing/2014/main" id="{13E92548-C6BC-46EB-BACD-DFA2E3AA8863}"/>
+              </a:ext>
+            </a:extLst>
+          </p:cNvPr>
+          <p:cNvSpPr>
+            <a:spLocks noGrp="1"/>
+          </p:cNvSpPr>
+          <p:nvPr>
+            <p:ph type="title"/>
+          </p:nvPr>
+        </p:nvSpPr>
+        <p:spPr/>
+        <p:txBody>
+          <a:bodyPr/>
+          <a:lstStyle/>
+          <a:p>
+            <a:r>
+              <a:rPr lang="sk-SK" dirty="0"/>
+              <a:t>Načo je dobré  verejné REST API</a:t>
+            </a:r>
+          </a:p>
+        </p:txBody>
+      </p:sp>
+      <p:sp>
+        <p:nvSpPr>
+          <p:cNvPr id="3" name="Zástupný objekt pre obsah 2">
+            <a:extLst>
+              <a:ext uri="{FF2B5EF4-FFF2-40B4-BE49-F238E27FC236}">
+                <a16:creationId xmlns:a16="http://schemas.microsoft.com/office/drawing/2014/main" id="{980BD4F6-4E26-4613-8DDB-7F868A09A851}"/>
+              </a:ext>
+            </a:extLst>
+          </p:cNvPr>
+          <p:cNvSpPr>
+            <a:spLocks noGrp="1"/>
+          </p:cNvSpPr>
+          <p:nvPr>
+            <p:ph idx="1"/>
+          </p:nvPr>
+        </p:nvSpPr>
+        <p:spPr/>
+        <p:txBody>
+          <a:bodyPr/>
+          <a:lstStyle/>
+          <a:p>
+            <a:r>
+              <a:rPr lang="sk-SK" dirty="0"/>
+              <a:t>Viete použiť verejne dostupné dáta vo svojich aplikáciách</a:t>
+            </a:r>
+          </a:p>
+          <a:p>
+            <a:r>
+              <a:rPr lang="sk-SK" dirty="0"/>
+              <a:t>Nemusíte sa starať o spôsob akým dáta získate a ako ich budete formátovať – formát je zabezpečený</a:t>
+            </a:r>
+          </a:p>
+          <a:p>
+            <a:r>
+              <a:rPr lang="sk-SK" dirty="0"/>
+              <a:t>Často sú dáta na API z prvej ruky, </a:t>
+            </a:r>
+            <a:r>
+              <a:rPr lang="sk-SK" dirty="0" err="1"/>
+              <a:t>t.j</a:t>
+            </a:r>
+            <a:r>
+              <a:rPr lang="sk-SK" dirty="0"/>
+              <a:t>. </a:t>
+            </a:r>
+            <a:r>
+              <a:rPr lang="sk-SK" dirty="0" err="1"/>
+              <a:t>meteo</a:t>
+            </a:r>
+            <a:r>
+              <a:rPr lang="sk-SK" dirty="0"/>
+              <a:t> dáta sú často priamo zo staníc, poloha lietadiel je z ADS-B vysielačov, výsledky NHL sú priamo zo zápisu zápasov, atď.</a:t>
+            </a:r>
+          </a:p>
+        </p:txBody>
+      </p:sp>
+    </p:spTree>
+    <p:extLst>
+      <p:ext uri="{BB962C8B-B14F-4D97-AF65-F5344CB8AC3E}">
+        <p14:creationId xmlns:p14="http://schemas.microsoft.com/office/powerpoint/2010/main" val="2730820609"/>
+      </p:ext>
+    </p:extLst>
+  </p:cSld>
+  <p:clrMapOvr>
+    <a:masterClrMapping/>
+  </p:clrMapOvr>
+</p:sld>
+</file>
+
+<file path=ppt/slides/slide146.xml><?xml version="1.0" encoding="utf-8"?>
+<p:sld xmlns:a="http://schemas.openxmlformats.org/drawingml/2006/main" xmlns:r="http://schemas.openxmlformats.org/officeDocument/2006/relationships" xmlns:p="http://schemas.openxmlformats.org/presentationml/2006/main">
+  <p:cSld>
+    <p:spTree>
+      <p:nvGrpSpPr>
+        <p:cNvPr id="1" name=""/>
+        <p:cNvGrpSpPr/>
+        <p:nvPr/>
+      </p:nvGrpSpPr>
+      <p:grpSpPr>
+        <a:xfrm>
+          <a:off x="0" y="0"/>
+          <a:ext cx="0" cy="0"/>
+          <a:chOff x="0" y="0"/>
+          <a:chExt cx="0" cy="0"/>
+        </a:xfrm>
+      </p:grpSpPr>
+      <p:sp>
+        <p:nvSpPr>
+          <p:cNvPr id="2" name="Nadpis 1">
+            <a:extLst>
+              <a:ext uri="{FF2B5EF4-FFF2-40B4-BE49-F238E27FC236}">
+                <a16:creationId xmlns:a16="http://schemas.microsoft.com/office/drawing/2014/main" id="{7C9983F1-E8E5-4CCC-B497-DDA6DF30CE72}"/>
+              </a:ext>
+            </a:extLst>
+          </p:cNvPr>
+          <p:cNvSpPr>
+            <a:spLocks noGrp="1"/>
+          </p:cNvSpPr>
+          <p:nvPr>
+            <p:ph type="title"/>
+          </p:nvPr>
+        </p:nvSpPr>
+        <p:spPr/>
+        <p:txBody>
+          <a:bodyPr/>
+          <a:lstStyle/>
+          <a:p>
+            <a:r>
+              <a:rPr lang="sk-SK" dirty="0"/>
+              <a:t>Ako použijem dáta vo svojej aplikácii</a:t>
+            </a:r>
+          </a:p>
+        </p:txBody>
+      </p:sp>
+      <p:sp>
+        <p:nvSpPr>
+          <p:cNvPr id="3" name="Zástupný objekt pre obsah 2">
+            <a:extLst>
+              <a:ext uri="{FF2B5EF4-FFF2-40B4-BE49-F238E27FC236}">
+                <a16:creationId xmlns:a16="http://schemas.microsoft.com/office/drawing/2014/main" id="{B4E80596-1938-484C-95A6-2098DFC00F9E}"/>
+              </a:ext>
+            </a:extLst>
+          </p:cNvPr>
+          <p:cNvSpPr>
+            <a:spLocks noGrp="1"/>
+          </p:cNvSpPr>
+          <p:nvPr>
+            <p:ph idx="1"/>
+          </p:nvPr>
+        </p:nvSpPr>
+        <p:spPr/>
+        <p:txBody>
+          <a:bodyPr/>
+          <a:lstStyle/>
+          <a:p>
+            <a:r>
+              <a:rPr lang="sk-SK" dirty="0"/>
+              <a:t>Môžem si vytvoriť vlastný objektový model v aplikácii, ktorý naplním dátami z webu</a:t>
+            </a:r>
+          </a:p>
+          <a:p>
+            <a:r>
+              <a:rPr lang="sk-SK" dirty="0"/>
+              <a:t>Je to </a:t>
+            </a:r>
+            <a:r>
+              <a:rPr lang="sk-SK" dirty="0" err="1"/>
+              <a:t>viacmenej</a:t>
+            </a:r>
+            <a:r>
+              <a:rPr lang="sk-SK" dirty="0"/>
+              <a:t> manuálna práca – priradiť hodnotu z webu do hodnoty v objektovom modeli</a:t>
+            </a:r>
+          </a:p>
+          <a:p>
+            <a:r>
+              <a:rPr lang="sk-SK" dirty="0"/>
+              <a:t>Ale s webovými dátami vieme pracovať priamo v aplikácii, ukladať ich do databáz, počítať štatistiky, resp. využívať ich ďalej na čokoľvek</a:t>
+            </a:r>
+          </a:p>
+        </p:txBody>
+      </p:sp>
+    </p:spTree>
+    <p:extLst>
+      <p:ext uri="{BB962C8B-B14F-4D97-AF65-F5344CB8AC3E}">
+        <p14:creationId xmlns:p14="http://schemas.microsoft.com/office/powerpoint/2010/main" val="3228049106"/>
+      </p:ext>
+    </p:extLst>
+  </p:cSld>
+  <p:clrMapOvr>
+    <a:masterClrMapping/>
+  </p:clrMapOvr>
+</p:sld>
+</file>
+
+<file path=ppt/slides/slide147.xml><?xml version="1.0" encoding="utf-8"?>
+<p:sld xmlns:a="http://schemas.openxmlformats.org/drawingml/2006/main" xmlns:r="http://schemas.openxmlformats.org/officeDocument/2006/relationships" xmlns:p="http://schemas.openxmlformats.org/presentationml/2006/main">
+  <p:cSld>
+    <p:spTree>
+      <p:nvGrpSpPr>
+        <p:cNvPr id="1" name=""/>
+        <p:cNvGrpSpPr/>
+        <p:nvPr/>
+      </p:nvGrpSpPr>
+      <p:grpSpPr>
+        <a:xfrm>
+          <a:off x="0" y="0"/>
+          <a:ext cx="0" cy="0"/>
+          <a:chOff x="0" y="0"/>
+          <a:chExt cx="0" cy="0"/>
+        </a:xfrm>
+      </p:grpSpPr>
+      <p:sp>
+        <p:nvSpPr>
+          <p:cNvPr id="2" name="Nadpis 1">
+            <a:extLst>
+              <a:ext uri="{FF2B5EF4-FFF2-40B4-BE49-F238E27FC236}">
+                <a16:creationId xmlns:a16="http://schemas.microsoft.com/office/drawing/2014/main" id="{F28E287A-09D0-497F-9B00-ED8F5823F3F8}"/>
+              </a:ext>
+            </a:extLst>
+          </p:cNvPr>
+          <p:cNvSpPr>
+            <a:spLocks noGrp="1"/>
+          </p:cNvSpPr>
+          <p:nvPr>
+            <p:ph type="title"/>
+          </p:nvPr>
+        </p:nvSpPr>
+        <p:spPr/>
+        <p:txBody>
+          <a:bodyPr/>
+          <a:lstStyle/>
+          <a:p>
+            <a:r>
+              <a:rPr lang="sk-SK" dirty="0"/>
+              <a:t>Ako </a:t>
+            </a:r>
+            <a:r>
+              <a:rPr lang="sk-SK" dirty="0" err="1"/>
+              <a:t>stiahnúť</a:t>
+            </a:r>
+            <a:r>
+              <a:rPr lang="sk-SK" dirty="0"/>
+              <a:t> dáta z REST API</a:t>
+            </a:r>
+          </a:p>
+        </p:txBody>
+      </p:sp>
+      <p:sp>
+        <p:nvSpPr>
+          <p:cNvPr id="3" name="Zástupný objekt pre obsah 2">
+            <a:extLst>
+              <a:ext uri="{FF2B5EF4-FFF2-40B4-BE49-F238E27FC236}">
+                <a16:creationId xmlns:a16="http://schemas.microsoft.com/office/drawing/2014/main" id="{9EF8AD34-9FE4-4D66-A793-E11A334B568A}"/>
+              </a:ext>
+            </a:extLst>
+          </p:cNvPr>
+          <p:cNvSpPr>
+            <a:spLocks noGrp="1"/>
+          </p:cNvSpPr>
+          <p:nvPr>
+            <p:ph idx="1"/>
+          </p:nvPr>
+        </p:nvSpPr>
+        <p:spPr/>
+        <p:txBody>
+          <a:bodyPr/>
+          <a:lstStyle/>
+          <a:p>
+            <a:r>
+              <a:rPr lang="sk-SK" dirty="0"/>
+              <a:t>Čo k tomu potrebujem</a:t>
+            </a:r>
+          </a:p>
+          <a:p>
+            <a:pPr lvl="1"/>
+            <a:r>
+              <a:rPr lang="sk-SK" dirty="0"/>
+              <a:t>Knižnicu com.squareup.retrofit2</a:t>
+            </a:r>
+            <a:r>
+              <a:rPr lang="en-US" dirty="0"/>
+              <a:t>:retrofit:2.5.0</a:t>
+            </a:r>
+            <a:endParaRPr lang="sk-SK" dirty="0"/>
+          </a:p>
+          <a:p>
+            <a:pPr lvl="1"/>
+            <a:r>
+              <a:rPr lang="sk-SK" dirty="0"/>
+              <a:t>Knižnicu com.squareup.retrofit2</a:t>
+            </a:r>
+            <a:r>
+              <a:rPr lang="en-US" dirty="0"/>
+              <a:t>:converter-gson:2.5.0</a:t>
+            </a:r>
+            <a:endParaRPr lang="sk-SK" dirty="0"/>
+          </a:p>
+          <a:p>
+            <a:pPr lvl="1"/>
+            <a:r>
+              <a:rPr lang="sk-SK" dirty="0"/>
+              <a:t>Knižnicu</a:t>
+            </a:r>
+            <a:r>
+              <a:rPr lang="en-US" dirty="0"/>
+              <a:t> com.google.code.gson:gson:2.8.5</a:t>
+            </a:r>
+          </a:p>
+          <a:p>
+            <a:r>
+              <a:rPr lang="en-US" dirty="0" err="1"/>
+              <a:t>Kni</a:t>
+            </a:r>
+            <a:r>
+              <a:rPr lang="sk-SK" dirty="0"/>
+              <a:t>žnica </a:t>
+            </a:r>
+            <a:r>
+              <a:rPr lang="sk-SK" dirty="0" err="1"/>
+              <a:t>Gson</a:t>
+            </a:r>
+            <a:r>
+              <a:rPr lang="sk-SK" dirty="0"/>
+              <a:t> je vlastne knižnica pre prácu s formátom </a:t>
+            </a:r>
+            <a:r>
+              <a:rPr lang="sk-SK" dirty="0" err="1"/>
+              <a:t>Json</a:t>
+            </a:r>
+            <a:r>
+              <a:rPr lang="sk-SK" dirty="0"/>
+              <a:t> od Googlu (Google </a:t>
+            </a:r>
+            <a:r>
+              <a:rPr lang="sk-SK" dirty="0" err="1"/>
+              <a:t>Json</a:t>
+            </a:r>
+            <a:r>
+              <a:rPr lang="sk-SK" dirty="0"/>
+              <a:t>)</a:t>
+            </a:r>
+          </a:p>
+          <a:p>
+            <a:pPr lvl="1"/>
+            <a:endParaRPr lang="sk-SK" dirty="0"/>
+          </a:p>
+          <a:p>
+            <a:endParaRPr lang="sk-SK" dirty="0"/>
+          </a:p>
+        </p:txBody>
+      </p:sp>
+    </p:spTree>
+    <p:extLst>
+      <p:ext uri="{BB962C8B-B14F-4D97-AF65-F5344CB8AC3E}">
+        <p14:creationId xmlns:p14="http://schemas.microsoft.com/office/powerpoint/2010/main" val="284064446"/>
+      </p:ext>
+    </p:extLst>
+  </p:cSld>
+  <p:clrMapOvr>
+    <a:masterClrMapping/>
+  </p:clrMapOvr>
+</p:sld>
+</file>
+
+<file path=ppt/slides/slide148.xml><?xml version="1.0" encoding="utf-8"?>
+<p:sld xmlns:a="http://schemas.openxmlformats.org/drawingml/2006/main" xmlns:r="http://schemas.openxmlformats.org/officeDocument/2006/relationships" xmlns:p="http://schemas.openxmlformats.org/presentationml/2006/main">
+  <p:cSld>
+    <p:spTree>
+      <p:nvGrpSpPr>
+        <p:cNvPr id="1" name=""/>
+        <p:cNvGrpSpPr/>
+        <p:nvPr/>
+      </p:nvGrpSpPr>
+      <p:grpSpPr>
+        <a:xfrm>
+          <a:off x="0" y="0"/>
+          <a:ext cx="0" cy="0"/>
+          <a:chOff x="0" y="0"/>
+          <a:chExt cx="0" cy="0"/>
+        </a:xfrm>
+      </p:grpSpPr>
+      <p:sp>
+        <p:nvSpPr>
+          <p:cNvPr id="2" name="Nadpis 1">
+            <a:extLst>
+              <a:ext uri="{FF2B5EF4-FFF2-40B4-BE49-F238E27FC236}">
+                <a16:creationId xmlns:a16="http://schemas.microsoft.com/office/drawing/2014/main" id="{63D5B434-4240-4758-96D1-1E4786E6400F}"/>
+              </a:ext>
+            </a:extLst>
+          </p:cNvPr>
+          <p:cNvSpPr>
+            <a:spLocks noGrp="1"/>
+          </p:cNvSpPr>
+          <p:nvPr>
+            <p:ph type="title"/>
+          </p:nvPr>
+        </p:nvSpPr>
+        <p:spPr/>
+        <p:txBody>
+          <a:bodyPr/>
+          <a:lstStyle/>
+          <a:p>
+            <a:r>
+              <a:rPr lang="sk-SK" dirty="0" err="1"/>
+              <a:t>Retrofit</a:t>
+            </a:r>
+            <a:endParaRPr lang="sk-SK" dirty="0"/>
+          </a:p>
+        </p:txBody>
+      </p:sp>
+      <p:sp>
+        <p:nvSpPr>
+          <p:cNvPr id="3" name="Zástupný objekt pre obsah 2">
+            <a:extLst>
+              <a:ext uri="{FF2B5EF4-FFF2-40B4-BE49-F238E27FC236}">
+                <a16:creationId xmlns:a16="http://schemas.microsoft.com/office/drawing/2014/main" id="{39AA012B-032D-4D0F-AAF6-9C432A18E576}"/>
+              </a:ext>
+            </a:extLst>
+          </p:cNvPr>
+          <p:cNvSpPr>
+            <a:spLocks noGrp="1"/>
+          </p:cNvSpPr>
+          <p:nvPr>
+            <p:ph idx="1"/>
+          </p:nvPr>
+        </p:nvSpPr>
+        <p:spPr/>
+        <p:txBody>
+          <a:bodyPr/>
+          <a:lstStyle/>
+          <a:p>
+            <a:r>
+              <a:rPr lang="sk-SK" dirty="0">
+                <a:hlinkClick r:id="rId2"/>
+              </a:rPr>
+              <a:t>https://square.github.io/retrofit/</a:t>
+            </a:r>
+            <a:endParaRPr lang="sk-SK" dirty="0"/>
+          </a:p>
+          <a:p>
+            <a:r>
+              <a:rPr lang="sk-SK" dirty="0"/>
+              <a:t>Pre fungovanie potrebujeme urobiť 4 veci:</a:t>
+            </a:r>
+          </a:p>
+          <a:p>
+            <a:pPr lvl="1"/>
+            <a:r>
+              <a:rPr lang="sk-SK" dirty="0"/>
+              <a:t>Vytvoriť rozhranie, kde definujeme aké REST API metódy budeme volať v klientovi a na aké URL</a:t>
+            </a:r>
+          </a:p>
+          <a:p>
+            <a:pPr lvl="1"/>
+            <a:r>
+              <a:rPr lang="sk-SK" dirty="0"/>
+              <a:t>Vytvoriť inštanciu typu </a:t>
+            </a:r>
+            <a:r>
+              <a:rPr lang="sk-SK" dirty="0" err="1"/>
+              <a:t>retrofit</a:t>
+            </a:r>
+            <a:r>
+              <a:rPr lang="sk-SK" dirty="0"/>
+              <a:t> s URL adresou servera, z ktorého budeme volať API služby</a:t>
+            </a:r>
+          </a:p>
+          <a:p>
+            <a:pPr lvl="1"/>
+            <a:r>
+              <a:rPr lang="sk-SK" dirty="0"/>
+              <a:t>Vytvoriť triedu z rozhrania tak, aby sme mohli v kóde volať metódy</a:t>
+            </a:r>
+          </a:p>
+          <a:p>
+            <a:pPr lvl="1"/>
+            <a:r>
+              <a:rPr lang="sk-SK" dirty="0"/>
+              <a:t>Zavolať REST API metódu pomocou metódy .</a:t>
+            </a:r>
+            <a:r>
+              <a:rPr lang="sk-SK" dirty="0" err="1"/>
+              <a:t>enqueue</a:t>
+            </a:r>
+            <a:r>
+              <a:rPr lang="sk-SK" dirty="0"/>
+              <a:t>() a spracovať výsledok </a:t>
+            </a:r>
+            <a:r>
+              <a:rPr lang="sk-SK" dirty="0" err="1"/>
+              <a:t>odpove</a:t>
+            </a:r>
+            <a:r>
+              <a:rPr lang="en-US" dirty="0"/>
+              <a:t>d</a:t>
+            </a:r>
+            <a:r>
+              <a:rPr lang="sk-SK" dirty="0"/>
+              <a:t>e servera.</a:t>
+            </a:r>
+          </a:p>
+        </p:txBody>
+      </p:sp>
+    </p:spTree>
+    <p:extLst>
+      <p:ext uri="{BB962C8B-B14F-4D97-AF65-F5344CB8AC3E}">
+        <p14:creationId xmlns:p14="http://schemas.microsoft.com/office/powerpoint/2010/main" val="2130420545"/>
+      </p:ext>
+    </p:extLst>
+  </p:cSld>
+  <p:clrMapOvr>
+    <a:masterClrMapping/>
+  </p:clrMapOvr>
+</p:sld>
+</file>
+
+<file path=ppt/slides/slide149.xml><?xml version="1.0" encoding="utf-8"?>
+<p:sld xmlns:a="http://schemas.openxmlformats.org/drawingml/2006/main" xmlns:r="http://schemas.openxmlformats.org/officeDocument/2006/relationships" xmlns:p="http://schemas.openxmlformats.org/presentationml/2006/main">
+  <p:cSld>
+    <p:spTree>
+      <p:nvGrpSpPr>
+        <p:cNvPr id="1" name=""/>
+        <p:cNvGrpSpPr/>
+        <p:nvPr/>
+      </p:nvGrpSpPr>
+      <p:grpSpPr>
+        <a:xfrm>
+          <a:off x="0" y="0"/>
+          <a:ext cx="0" cy="0"/>
+          <a:chOff x="0" y="0"/>
+          <a:chExt cx="0" cy="0"/>
+        </a:xfrm>
+      </p:grpSpPr>
+      <p:sp>
+        <p:nvSpPr>
+          <p:cNvPr id="2" name="Nadpis 1">
+            <a:extLst>
+              <a:ext uri="{FF2B5EF4-FFF2-40B4-BE49-F238E27FC236}">
+                <a16:creationId xmlns:a16="http://schemas.microsoft.com/office/drawing/2014/main" id="{F02A3450-D087-4B12-86B6-C7EB5293A3A1}"/>
+              </a:ext>
+            </a:extLst>
+          </p:cNvPr>
+          <p:cNvSpPr>
+            <a:spLocks noGrp="1"/>
+          </p:cNvSpPr>
+          <p:nvPr>
+            <p:ph type="title"/>
+          </p:nvPr>
+        </p:nvSpPr>
+        <p:spPr/>
+        <p:txBody>
+          <a:bodyPr/>
+          <a:lstStyle/>
+          <a:p>
+            <a:r>
+              <a:rPr lang="sk-SK" dirty="0"/>
+              <a:t>ukážka</a:t>
+            </a:r>
+          </a:p>
+        </p:txBody>
+      </p:sp>
+      <p:sp>
+        <p:nvSpPr>
+          <p:cNvPr id="3" name="Zástupný objekt pre obsah 2">
+            <a:extLst>
+              <a:ext uri="{FF2B5EF4-FFF2-40B4-BE49-F238E27FC236}">
+                <a16:creationId xmlns:a16="http://schemas.microsoft.com/office/drawing/2014/main" id="{6A2E10AC-DC15-438A-BF49-8AF2E7CAF0A0}"/>
+              </a:ext>
+            </a:extLst>
+          </p:cNvPr>
+          <p:cNvSpPr>
+            <a:spLocks noGrp="1"/>
+          </p:cNvSpPr>
+          <p:nvPr>
+            <p:ph idx="1"/>
+          </p:nvPr>
+        </p:nvSpPr>
+        <p:spPr/>
+        <p:txBody>
+          <a:bodyPr/>
+          <a:lstStyle/>
+          <a:p>
+            <a:r>
+              <a:rPr lang="sk-SK" dirty="0"/>
+              <a:t>Vytvorím aplikáciu,</a:t>
+            </a:r>
+          </a:p>
+          <a:p>
+            <a:pPr lvl="1"/>
+            <a:r>
+              <a:rPr lang="sk-SK" dirty="0"/>
+              <a:t>ktorá stiahne dáta z REST API pomocou knižnice RetroFit2 </a:t>
+            </a:r>
+          </a:p>
+          <a:p>
+            <a:pPr lvl="1"/>
+            <a:r>
+              <a:rPr lang="sk-SK" dirty="0"/>
+              <a:t>kde si urobím vlastný model, ktorý naplním dátami, ktoré mi prídu z webovej služby</a:t>
+            </a:r>
+          </a:p>
+          <a:p>
+            <a:pPr lvl="1"/>
+            <a:r>
+              <a:rPr lang="sk-SK" dirty="0"/>
+              <a:t>na niečo tieto dáta použijem</a:t>
+            </a:r>
+          </a:p>
+          <a:p>
+            <a:pPr lvl="1"/>
+            <a:endParaRPr lang="sk-SK" dirty="0"/>
+          </a:p>
+          <a:p>
+            <a:pPr marL="324000" lvl="1" indent="0">
+              <a:buNone/>
+            </a:pPr>
+            <a:r>
+              <a:rPr lang="sk-SK" dirty="0"/>
+              <a:t>https://data.rb24.com/live?airline=&amp;station=&amp;aircraft=&amp;airport=&amp;fn=&amp;far=&amp;fms=&amp;getAirports=true&amp;zoom=9&amp;flightid=&amp;timestamp=false&amp;adsb=true&amp;asdi=true&amp;ocea=true&amp;mlat=true&amp;sate=true&amp;esti=true&amp;hfdl=true&amp;adsbsate=true&amp;diverted=false&amp;delayed=false&amp;isga=false&amp;bounds=49.828,22.597,47.584,17.516&amp;designator=iata&amp;ff=false</a:t>
+            </a:r>
+          </a:p>
+        </p:txBody>
+      </p:sp>
+    </p:spTree>
+    <p:extLst>
+      <p:ext uri="{BB962C8B-B14F-4D97-AF65-F5344CB8AC3E}">
+        <p14:creationId xmlns:p14="http://schemas.microsoft.com/office/powerpoint/2010/main" val="1944882057"/>
       </p:ext>
     </p:extLst>
   </p:cSld>
@@ -14373,6 +19480,1052 @@
     <p:extLst>
       <p:ext uri="{BB962C8B-B14F-4D97-AF65-F5344CB8AC3E}">
         <p14:creationId xmlns:p14="http://schemas.microsoft.com/office/powerpoint/2010/main" val="792520748"/>
+      </p:ext>
+    </p:extLst>
+  </p:cSld>
+  <p:clrMapOvr>
+    <a:masterClrMapping/>
+  </p:clrMapOvr>
+</p:sld>
+</file>
+
+<file path=ppt/slides/slide150.xml><?xml version="1.0" encoding="utf-8"?>
+<p:sld xmlns:a="http://schemas.openxmlformats.org/drawingml/2006/main" xmlns:r="http://schemas.openxmlformats.org/officeDocument/2006/relationships" xmlns:p="http://schemas.openxmlformats.org/presentationml/2006/main">
+  <p:cSld>
+    <p:bg>
+      <p:bgPr>
+        <a:solidFill>
+          <a:schemeClr val="bg1"/>
+        </a:solidFill>
+        <a:effectLst/>
+      </p:bgPr>
+    </p:bg>
+    <p:spTree>
+      <p:nvGrpSpPr>
+        <p:cNvPr id="1" name=""/>
+        <p:cNvGrpSpPr/>
+        <p:nvPr/>
+      </p:nvGrpSpPr>
+      <p:grpSpPr>
+        <a:xfrm>
+          <a:off x="0" y="0"/>
+          <a:ext cx="0" cy="0"/>
+          <a:chOff x="0" y="0"/>
+          <a:chExt cx="0" cy="0"/>
+        </a:xfrm>
+      </p:grpSpPr>
+      <p:sp>
+        <p:nvSpPr>
+          <p:cNvPr id="8" name="Rectangle 7">
+            <a:extLst>
+              <a:ext uri="{FF2B5EF4-FFF2-40B4-BE49-F238E27FC236}">
+                <a16:creationId xmlns:a16="http://schemas.microsoft.com/office/drawing/2014/main" id="{E9AA9F65-94B8-41A5-A7FF-23D2CFB116BB}"/>
+              </a:ext>
+              <a:ext uri="{C183D7F6-B498-43B3-948B-1728B52AA6E4}">
+                <adec:decorative xmlns:adec="http://schemas.microsoft.com/office/drawing/2017/decorative" val="1"/>
+              </a:ext>
+            </a:extLst>
+          </p:cNvPr>
+          <p:cNvSpPr>
+            <a:spLocks noGrp="1" noRot="1" noChangeAspect="1" noMove="1" noResize="1" noEditPoints="1" noAdjustHandles="1" noChangeArrowheads="1" noChangeShapeType="1" noTextEdit="1"/>
+          </p:cNvSpPr>
+          <p:nvPr>
+            <p:extLst>
+              <p:ext uri="{386F3935-93C4-4BCD-93E2-E3B085C9AB24}">
+                <p16:designElem xmlns:p16="http://schemas.microsoft.com/office/powerpoint/2015/main" val="1"/>
+              </p:ext>
+            </p:extLst>
+          </p:nvPr>
+        </p:nvSpPr>
+        <p:spPr>
+          <a:xfrm>
+            <a:off x="446534" y="457200"/>
+            <a:ext cx="3703320" cy="94997"/>
+          </a:xfrm>
+          <a:prstGeom prst="rect">
+            <a:avLst/>
+          </a:prstGeom>
+          <a:solidFill>
+            <a:schemeClr val="accent1"/>
+          </a:solidFill>
+          <a:ln>
+            <a:noFill/>
+          </a:ln>
+          <a:effectLst/>
+        </p:spPr>
+        <p:style>
+          <a:lnRef idx="1">
+            <a:schemeClr val="accent1"/>
+          </a:lnRef>
+          <a:fillRef idx="3">
+            <a:schemeClr val="accent1"/>
+          </a:fillRef>
+          <a:effectRef idx="2">
+            <a:schemeClr val="accent1"/>
+          </a:effectRef>
+          <a:fontRef idx="minor">
+            <a:schemeClr val="lt1"/>
+          </a:fontRef>
+        </p:style>
+      </p:sp>
+      <p:sp>
+        <p:nvSpPr>
+          <p:cNvPr id="10" name="Rectangle 9">
+            <a:extLst>
+              <a:ext uri="{FF2B5EF4-FFF2-40B4-BE49-F238E27FC236}">
+                <a16:creationId xmlns:a16="http://schemas.microsoft.com/office/drawing/2014/main" id="{7E8B0F8E-3F6C-4541-B9C1-774D80A08834}"/>
+              </a:ext>
+              <a:ext uri="{C183D7F6-B498-43B3-948B-1728B52AA6E4}">
+                <adec:decorative xmlns:adec="http://schemas.microsoft.com/office/drawing/2017/decorative" val="1"/>
+              </a:ext>
+            </a:extLst>
+          </p:cNvPr>
+          <p:cNvSpPr>
+            <a:spLocks noGrp="1" noRot="1" noChangeAspect="1" noMove="1" noResize="1" noEditPoints="1" noAdjustHandles="1" noChangeArrowheads="1" noChangeShapeType="1" noTextEdit="1"/>
+          </p:cNvSpPr>
+          <p:nvPr>
+            <p:extLst>
+              <p:ext uri="{386F3935-93C4-4BCD-93E2-E3B085C9AB24}">
+                <p16:designElem xmlns:p16="http://schemas.microsoft.com/office/powerpoint/2015/main" val="1"/>
+              </p:ext>
+            </p:extLst>
+          </p:nvPr>
+        </p:nvSpPr>
+        <p:spPr>
+          <a:xfrm>
+            <a:off x="8042147" y="453643"/>
+            <a:ext cx="3703320" cy="98554"/>
+          </a:xfrm>
+          <a:prstGeom prst="rect">
+            <a:avLst/>
+          </a:prstGeom>
+          <a:solidFill>
+            <a:schemeClr val="accent4"/>
+          </a:solidFill>
+          <a:ln>
+            <a:noFill/>
+          </a:ln>
+          <a:effectLst/>
+        </p:spPr>
+        <p:style>
+          <a:lnRef idx="1">
+            <a:schemeClr val="accent1"/>
+          </a:lnRef>
+          <a:fillRef idx="3">
+            <a:schemeClr val="accent1"/>
+          </a:fillRef>
+          <a:effectRef idx="2">
+            <a:schemeClr val="accent1"/>
+          </a:effectRef>
+          <a:fontRef idx="minor">
+            <a:schemeClr val="lt1"/>
+          </a:fontRef>
+        </p:style>
+      </p:sp>
+      <p:sp>
+        <p:nvSpPr>
+          <p:cNvPr id="12" name="Rectangle 11">
+            <a:extLst>
+              <a:ext uri="{FF2B5EF4-FFF2-40B4-BE49-F238E27FC236}">
+                <a16:creationId xmlns:a16="http://schemas.microsoft.com/office/drawing/2014/main" id="{7A45F5BC-32D1-41CD-B270-C46F18CA1ACC}"/>
+              </a:ext>
+              <a:ext uri="{C183D7F6-B498-43B3-948B-1728B52AA6E4}">
+                <adec:decorative xmlns:adec="http://schemas.microsoft.com/office/drawing/2017/decorative" val="1"/>
+              </a:ext>
+            </a:extLst>
+          </p:cNvPr>
+          <p:cNvSpPr>
+            <a:spLocks noGrp="1" noRot="1" noChangeAspect="1" noMove="1" noResize="1" noEditPoints="1" noAdjustHandles="1" noChangeArrowheads="1" noChangeShapeType="1" noTextEdit="1"/>
+          </p:cNvSpPr>
+          <p:nvPr>
+            <p:extLst>
+              <p:ext uri="{386F3935-93C4-4BCD-93E2-E3B085C9AB24}">
+                <p16:designElem xmlns:p16="http://schemas.microsoft.com/office/powerpoint/2015/main" val="1"/>
+              </p:ext>
+            </p:extLst>
+          </p:nvPr>
+        </p:nvSpPr>
+        <p:spPr>
+          <a:xfrm>
+            <a:off x="4241830" y="457200"/>
+            <a:ext cx="3703320" cy="91440"/>
+          </a:xfrm>
+          <a:prstGeom prst="rect">
+            <a:avLst/>
+          </a:prstGeom>
+          <a:solidFill>
+            <a:schemeClr val="accent2"/>
+          </a:solidFill>
+          <a:ln>
+            <a:noFill/>
+          </a:ln>
+          <a:effectLst/>
+        </p:spPr>
+        <p:style>
+          <a:lnRef idx="1">
+            <a:schemeClr val="accent1"/>
+          </a:lnRef>
+          <a:fillRef idx="3">
+            <a:schemeClr val="accent1"/>
+          </a:fillRef>
+          <a:effectRef idx="2">
+            <a:schemeClr val="accent1"/>
+          </a:effectRef>
+          <a:fontRef idx="minor">
+            <a:schemeClr val="lt1"/>
+          </a:fontRef>
+        </p:style>
+      </p:sp>
+      <p:sp>
+        <p:nvSpPr>
+          <p:cNvPr id="14" name="Rectangle 13">
+            <a:extLst>
+              <a:ext uri="{FF2B5EF4-FFF2-40B4-BE49-F238E27FC236}">
+                <a16:creationId xmlns:a16="http://schemas.microsoft.com/office/drawing/2014/main" id="{CE57EE13-72B0-4FFA-ACE1-EBDE89340E47}"/>
+              </a:ext>
+              <a:ext uri="{C183D7F6-B498-43B3-948B-1728B52AA6E4}">
+                <adec:decorative xmlns:adec="http://schemas.microsoft.com/office/drawing/2017/decorative" val="1"/>
+              </a:ext>
+            </a:extLst>
+          </p:cNvPr>
+          <p:cNvSpPr>
+            <a:spLocks noGrp="1" noRot="1" noChangeAspect="1" noMove="1" noResize="1" noEditPoints="1" noAdjustHandles="1" noChangeArrowheads="1" noChangeShapeType="1" noTextEdit="1"/>
+          </p:cNvSpPr>
+          <p:nvPr>
+            <p:extLst>
+              <p:ext uri="{386F3935-93C4-4BCD-93E2-E3B085C9AB24}">
+                <p16:designElem xmlns:p16="http://schemas.microsoft.com/office/powerpoint/2015/main" val="1"/>
+              </p:ext>
+            </p:extLst>
+          </p:nvPr>
+        </p:nvSpPr>
+        <p:spPr>
+          <a:xfrm>
+            <a:off x="446534" y="3085765"/>
+            <a:ext cx="11262866" cy="3304800"/>
+          </a:xfrm>
+          <a:prstGeom prst="rect">
+            <a:avLst/>
+          </a:prstGeom>
+          <a:solidFill>
+            <a:schemeClr val="accent1"/>
+          </a:solidFill>
+          <a:ln>
+            <a:noFill/>
+          </a:ln>
+          <a:effectLst/>
+        </p:spPr>
+        <p:style>
+          <a:lnRef idx="1">
+            <a:schemeClr val="accent1"/>
+          </a:lnRef>
+          <a:fillRef idx="3">
+            <a:schemeClr val="accent1"/>
+          </a:fillRef>
+          <a:effectRef idx="2">
+            <a:schemeClr val="accent1"/>
+          </a:effectRef>
+          <a:fontRef idx="minor">
+            <a:schemeClr val="lt1"/>
+          </a:fontRef>
+        </p:style>
+      </p:sp>
+      <p:sp>
+        <p:nvSpPr>
+          <p:cNvPr id="16" name="Rectangle 15">
+            <a:extLst>
+              <a:ext uri="{FF2B5EF4-FFF2-40B4-BE49-F238E27FC236}">
+                <a16:creationId xmlns:a16="http://schemas.microsoft.com/office/drawing/2014/main" id="{328C565D-A991-4381-AC37-76A58A4A128F}"/>
+              </a:ext>
+              <a:ext uri="{C183D7F6-B498-43B3-948B-1728B52AA6E4}">
+                <adec:decorative xmlns:adec="http://schemas.microsoft.com/office/drawing/2017/decorative" val="1"/>
+              </a:ext>
+            </a:extLst>
+          </p:cNvPr>
+          <p:cNvSpPr>
+            <a:spLocks noGrp="1" noRot="1" noChangeAspect="1" noMove="1" noResize="1" noEditPoints="1" noAdjustHandles="1" noChangeArrowheads="1" noChangeShapeType="1" noTextEdit="1"/>
+          </p:cNvSpPr>
+          <p:nvPr>
+            <p:extLst>
+              <p:ext uri="{386F3935-93C4-4BCD-93E2-E3B085C9AB24}">
+                <p16:designElem xmlns:p16="http://schemas.microsoft.com/office/powerpoint/2015/main" val="1"/>
+              </p:ext>
+            </p:extLst>
+          </p:nvPr>
+        </p:nvSpPr>
+        <p:spPr>
+          <a:xfrm>
+            <a:off x="0" y="0"/>
+            <a:ext cx="12192000" cy="6858000"/>
+          </a:xfrm>
+          <a:prstGeom prst="rect">
+            <a:avLst/>
+          </a:prstGeom>
+          <a:solidFill>
+            <a:srgbClr val="FFFFFF"/>
+          </a:solidFill>
+          <a:ln>
+            <a:noFill/>
+          </a:ln>
+        </p:spPr>
+        <p:style>
+          <a:lnRef idx="2">
+            <a:schemeClr val="accent1">
+              <a:shade val="50000"/>
+            </a:schemeClr>
+          </a:lnRef>
+          <a:fillRef idx="1">
+            <a:schemeClr val="accent1"/>
+          </a:fillRef>
+          <a:effectRef idx="0">
+            <a:schemeClr val="accent1"/>
+          </a:effectRef>
+          <a:fontRef idx="minor">
+            <a:schemeClr val="lt1"/>
+          </a:fontRef>
+        </p:style>
+        <p:txBody>
+          <a:bodyPr rtlCol="0" anchor="ctr"/>
+          <a:lstStyle/>
+          <a:p>
+            <a:pPr algn="ctr"/>
+            <a:endParaRPr lang="en-US"/>
+          </a:p>
+        </p:txBody>
+      </p:sp>
+      <p:sp>
+        <p:nvSpPr>
+          <p:cNvPr id="2" name="Nadpis 1">
+            <a:extLst>
+              <a:ext uri="{FF2B5EF4-FFF2-40B4-BE49-F238E27FC236}">
+                <a16:creationId xmlns:a16="http://schemas.microsoft.com/office/drawing/2014/main" id="{986AA418-1155-431A-AB4C-4B61986E678F}"/>
+              </a:ext>
+            </a:extLst>
+          </p:cNvPr>
+          <p:cNvSpPr>
+            <a:spLocks noGrp="1"/>
+          </p:cNvSpPr>
+          <p:nvPr>
+            <p:ph type="title"/>
+          </p:nvPr>
+        </p:nvSpPr>
+        <p:spPr>
+          <a:xfrm>
+            <a:off x="4149854" y="1507414"/>
+            <a:ext cx="7799189" cy="3703320"/>
+          </a:xfrm>
+        </p:spPr>
+        <p:txBody>
+          <a:bodyPr vert="horz" lIns="91440" tIns="45720" rIns="91440" bIns="45720" rtlCol="0" anchor="ctr">
+            <a:normAutofit/>
+          </a:bodyPr>
+          <a:lstStyle/>
+          <a:p>
+            <a:r>
+              <a:rPr lang="sk-SK" sz="4800" dirty="0">
+                <a:solidFill>
+                  <a:schemeClr val="accent1"/>
+                </a:solidFill>
+              </a:rPr>
+              <a:t>Priestor na otázky</a:t>
+            </a:r>
+            <a:endParaRPr lang="en-US" sz="4800" dirty="0">
+              <a:solidFill>
+                <a:schemeClr val="accent1"/>
+              </a:solidFill>
+            </a:endParaRPr>
+          </a:p>
+        </p:txBody>
+      </p:sp>
+      <p:sp>
+        <p:nvSpPr>
+          <p:cNvPr id="18" name="Rectangle 17">
+            <a:extLst>
+              <a:ext uri="{FF2B5EF4-FFF2-40B4-BE49-F238E27FC236}">
+                <a16:creationId xmlns:a16="http://schemas.microsoft.com/office/drawing/2014/main" id="{B7180431-F4DE-415D-BCBB-9316423C37C1}"/>
+              </a:ext>
+              <a:ext uri="{C183D7F6-B498-43B3-948B-1728B52AA6E4}">
+                <adec:decorative xmlns:adec="http://schemas.microsoft.com/office/drawing/2017/decorative" val="1"/>
+              </a:ext>
+            </a:extLst>
+          </p:cNvPr>
+          <p:cNvSpPr>
+            <a:spLocks noGrp="1" noRot="1" noChangeAspect="1" noMove="1" noResize="1" noEditPoints="1" noAdjustHandles="1" noChangeArrowheads="1" noChangeShapeType="1" noTextEdit="1"/>
+          </p:cNvSpPr>
+          <p:nvPr>
+            <p:extLst>
+              <p:ext uri="{386F3935-93C4-4BCD-93E2-E3B085C9AB24}">
+                <p16:designElem xmlns:p16="http://schemas.microsoft.com/office/powerpoint/2015/main" val="1"/>
+              </p:ext>
+            </p:extLst>
+          </p:nvPr>
+        </p:nvSpPr>
+        <p:spPr>
+          <a:xfrm>
+            <a:off x="446534" y="453642"/>
+            <a:ext cx="11298933" cy="512708"/>
+          </a:xfrm>
+          <a:prstGeom prst="rect">
+            <a:avLst/>
+          </a:prstGeom>
+          <a:solidFill>
+            <a:schemeClr val="accent4"/>
+          </a:solidFill>
+          <a:ln>
+            <a:noFill/>
+          </a:ln>
+          <a:effectLst/>
+        </p:spPr>
+        <p:style>
+          <a:lnRef idx="1">
+            <a:schemeClr val="accent1"/>
+          </a:lnRef>
+          <a:fillRef idx="3">
+            <a:schemeClr val="accent1"/>
+          </a:fillRef>
+          <a:effectRef idx="2">
+            <a:schemeClr val="accent1"/>
+          </a:effectRef>
+          <a:fontRef idx="minor">
+            <a:schemeClr val="lt1"/>
+          </a:fontRef>
+        </p:style>
+      </p:sp>
+      <p:sp>
+        <p:nvSpPr>
+          <p:cNvPr id="20" name="Rectangle 19">
+            <a:extLst>
+              <a:ext uri="{FF2B5EF4-FFF2-40B4-BE49-F238E27FC236}">
+                <a16:creationId xmlns:a16="http://schemas.microsoft.com/office/drawing/2014/main" id="{EEABD997-5EF9-4E9B-AFBB-F6DFAAF3ADF0}"/>
+              </a:ext>
+              <a:ext uri="{C183D7F6-B498-43B3-948B-1728B52AA6E4}">
+                <adec:decorative xmlns:adec="http://schemas.microsoft.com/office/drawing/2017/decorative" val="1"/>
+              </a:ext>
+            </a:extLst>
+          </p:cNvPr>
+          <p:cNvSpPr>
+            <a:spLocks noGrp="1" noRot="1" noChangeAspect="1" noMove="1" noResize="1" noEditPoints="1" noAdjustHandles="1" noChangeArrowheads="1" noChangeShapeType="1" noTextEdit="1"/>
+          </p:cNvSpPr>
+          <p:nvPr>
+            <p:extLst>
+              <p:ext uri="{386F3935-93C4-4BCD-93E2-E3B085C9AB24}">
+                <p16:designElem xmlns:p16="http://schemas.microsoft.com/office/powerpoint/2015/main" val="1"/>
+              </p:ext>
+            </p:extLst>
+          </p:nvPr>
+        </p:nvSpPr>
+        <p:spPr>
+          <a:xfrm rot="16200000" flipV="1">
+            <a:off x="2209064" y="3329711"/>
+            <a:ext cx="3703320" cy="58726"/>
+          </a:xfrm>
+          <a:prstGeom prst="rect">
+            <a:avLst/>
+          </a:prstGeom>
+          <a:solidFill>
+            <a:schemeClr val="accent2"/>
+          </a:solidFill>
+          <a:ln>
+            <a:noFill/>
+          </a:ln>
+          <a:effectLst/>
+        </p:spPr>
+        <p:style>
+          <a:lnRef idx="1">
+            <a:schemeClr val="accent1"/>
+          </a:lnRef>
+          <a:fillRef idx="3">
+            <a:schemeClr val="accent1"/>
+          </a:fillRef>
+          <a:effectRef idx="2">
+            <a:schemeClr val="accent1"/>
+          </a:effectRef>
+          <a:fontRef idx="minor">
+            <a:schemeClr val="lt1"/>
+          </a:fontRef>
+        </p:style>
+      </p:sp>
+      <p:sp>
+        <p:nvSpPr>
+          <p:cNvPr id="22" name="Rectangle 21">
+            <a:extLst>
+              <a:ext uri="{FF2B5EF4-FFF2-40B4-BE49-F238E27FC236}">
+                <a16:creationId xmlns:a16="http://schemas.microsoft.com/office/drawing/2014/main" id="{E9AB5EE6-A047-4B18-B998-D46DF3CC36FE}"/>
+              </a:ext>
+              <a:ext uri="{C183D7F6-B498-43B3-948B-1728B52AA6E4}">
+                <adec:decorative xmlns:adec="http://schemas.microsoft.com/office/drawing/2017/decorative" val="1"/>
+              </a:ext>
+            </a:extLst>
+          </p:cNvPr>
+          <p:cNvSpPr>
+            <a:spLocks noGrp="1" noRot="1" noChangeAspect="1" noMove="1" noResize="1" noEditPoints="1" noAdjustHandles="1" noChangeArrowheads="1" noChangeShapeType="1" noTextEdit="1"/>
+          </p:cNvSpPr>
+          <p:nvPr>
+            <p:extLst>
+              <p:ext uri="{386F3935-93C4-4BCD-93E2-E3B085C9AB24}">
+                <p16:designElem xmlns:p16="http://schemas.microsoft.com/office/powerpoint/2015/main" val="1"/>
+              </p:ext>
+            </p:extLst>
+          </p:nvPr>
+        </p:nvSpPr>
+        <p:spPr>
+          <a:xfrm>
+            <a:off x="446534" y="5878019"/>
+            <a:ext cx="11298933" cy="512708"/>
+          </a:xfrm>
+          <a:prstGeom prst="rect">
+            <a:avLst/>
+          </a:prstGeom>
+          <a:solidFill>
+            <a:schemeClr val="accent4"/>
+          </a:solidFill>
+          <a:ln>
+            <a:noFill/>
+          </a:ln>
+          <a:effectLst/>
+        </p:spPr>
+        <p:style>
+          <a:lnRef idx="1">
+            <a:schemeClr val="accent1"/>
+          </a:lnRef>
+          <a:fillRef idx="3">
+            <a:schemeClr val="accent1"/>
+          </a:fillRef>
+          <a:effectRef idx="2">
+            <a:schemeClr val="accent1"/>
+          </a:effectRef>
+          <a:fontRef idx="minor">
+            <a:schemeClr val="lt1"/>
+          </a:fontRef>
+        </p:style>
+      </p:sp>
+    </p:spTree>
+    <p:extLst>
+      <p:ext uri="{BB962C8B-B14F-4D97-AF65-F5344CB8AC3E}">
+        <p14:creationId xmlns:p14="http://schemas.microsoft.com/office/powerpoint/2010/main" val="2809115312"/>
+      </p:ext>
+    </p:extLst>
+  </p:cSld>
+  <p:clrMapOvr>
+    <a:masterClrMapping/>
+  </p:clrMapOvr>
+</p:sld>
+</file>
+
+<file path=ppt/slides/slide151.xml><?xml version="1.0" encoding="utf-8"?>
+<p:sld xmlns:a="http://schemas.openxmlformats.org/drawingml/2006/main" xmlns:r="http://schemas.openxmlformats.org/officeDocument/2006/relationships" xmlns:p="http://schemas.openxmlformats.org/presentationml/2006/main">
+  <p:cSld>
+    <p:bg>
+      <p:bgPr>
+        <a:solidFill>
+          <a:schemeClr val="bg1"/>
+        </a:solidFill>
+        <a:effectLst/>
+      </p:bgPr>
+    </p:bg>
+    <p:spTree>
+      <p:nvGrpSpPr>
+        <p:cNvPr id="1" name=""/>
+        <p:cNvGrpSpPr/>
+        <p:nvPr/>
+      </p:nvGrpSpPr>
+      <p:grpSpPr>
+        <a:xfrm>
+          <a:off x="0" y="0"/>
+          <a:ext cx="0" cy="0"/>
+          <a:chOff x="0" y="0"/>
+          <a:chExt cx="0" cy="0"/>
+        </a:xfrm>
+      </p:grpSpPr>
+      <p:sp>
+        <p:nvSpPr>
+          <p:cNvPr id="8" name="Rectangle 7">
+            <a:extLst>
+              <a:ext uri="{FF2B5EF4-FFF2-40B4-BE49-F238E27FC236}">
+                <a16:creationId xmlns:a16="http://schemas.microsoft.com/office/drawing/2014/main" id="{E9AA9F65-94B8-41A5-A7FF-23D2CFB116BB}"/>
+              </a:ext>
+              <a:ext uri="{C183D7F6-B498-43B3-948B-1728B52AA6E4}">
+                <adec:decorative xmlns:adec="http://schemas.microsoft.com/office/drawing/2017/decorative" val="1"/>
+              </a:ext>
+            </a:extLst>
+          </p:cNvPr>
+          <p:cNvSpPr>
+            <a:spLocks noGrp="1" noRot="1" noChangeAspect="1" noMove="1" noResize="1" noEditPoints="1" noAdjustHandles="1" noChangeArrowheads="1" noChangeShapeType="1" noTextEdit="1"/>
+          </p:cNvSpPr>
+          <p:nvPr>
+            <p:extLst>
+              <p:ext uri="{386F3935-93C4-4BCD-93E2-E3B085C9AB24}">
+                <p16:designElem xmlns:p16="http://schemas.microsoft.com/office/powerpoint/2015/main" val="1"/>
+              </p:ext>
+            </p:extLst>
+          </p:nvPr>
+        </p:nvSpPr>
+        <p:spPr>
+          <a:xfrm>
+            <a:off x="446534" y="457200"/>
+            <a:ext cx="3703320" cy="94997"/>
+          </a:xfrm>
+          <a:prstGeom prst="rect">
+            <a:avLst/>
+          </a:prstGeom>
+          <a:solidFill>
+            <a:schemeClr val="accent1"/>
+          </a:solidFill>
+          <a:ln>
+            <a:noFill/>
+          </a:ln>
+          <a:effectLst/>
+        </p:spPr>
+        <p:style>
+          <a:lnRef idx="1">
+            <a:schemeClr val="accent1"/>
+          </a:lnRef>
+          <a:fillRef idx="3">
+            <a:schemeClr val="accent1"/>
+          </a:fillRef>
+          <a:effectRef idx="2">
+            <a:schemeClr val="accent1"/>
+          </a:effectRef>
+          <a:fontRef idx="minor">
+            <a:schemeClr val="lt1"/>
+          </a:fontRef>
+        </p:style>
+      </p:sp>
+      <p:sp>
+        <p:nvSpPr>
+          <p:cNvPr id="10" name="Rectangle 9">
+            <a:extLst>
+              <a:ext uri="{FF2B5EF4-FFF2-40B4-BE49-F238E27FC236}">
+                <a16:creationId xmlns:a16="http://schemas.microsoft.com/office/drawing/2014/main" id="{7E8B0F8E-3F6C-4541-B9C1-774D80A08834}"/>
+              </a:ext>
+              <a:ext uri="{C183D7F6-B498-43B3-948B-1728B52AA6E4}">
+                <adec:decorative xmlns:adec="http://schemas.microsoft.com/office/drawing/2017/decorative" val="1"/>
+              </a:ext>
+            </a:extLst>
+          </p:cNvPr>
+          <p:cNvSpPr>
+            <a:spLocks noGrp="1" noRot="1" noChangeAspect="1" noMove="1" noResize="1" noEditPoints="1" noAdjustHandles="1" noChangeArrowheads="1" noChangeShapeType="1" noTextEdit="1"/>
+          </p:cNvSpPr>
+          <p:nvPr>
+            <p:extLst>
+              <p:ext uri="{386F3935-93C4-4BCD-93E2-E3B085C9AB24}">
+                <p16:designElem xmlns:p16="http://schemas.microsoft.com/office/powerpoint/2015/main" val="1"/>
+              </p:ext>
+            </p:extLst>
+          </p:nvPr>
+        </p:nvSpPr>
+        <p:spPr>
+          <a:xfrm>
+            <a:off x="8042147" y="453643"/>
+            <a:ext cx="3703320" cy="98554"/>
+          </a:xfrm>
+          <a:prstGeom prst="rect">
+            <a:avLst/>
+          </a:prstGeom>
+          <a:solidFill>
+            <a:schemeClr val="accent4"/>
+          </a:solidFill>
+          <a:ln>
+            <a:noFill/>
+          </a:ln>
+          <a:effectLst/>
+        </p:spPr>
+        <p:style>
+          <a:lnRef idx="1">
+            <a:schemeClr val="accent1"/>
+          </a:lnRef>
+          <a:fillRef idx="3">
+            <a:schemeClr val="accent1"/>
+          </a:fillRef>
+          <a:effectRef idx="2">
+            <a:schemeClr val="accent1"/>
+          </a:effectRef>
+          <a:fontRef idx="minor">
+            <a:schemeClr val="lt1"/>
+          </a:fontRef>
+        </p:style>
+      </p:sp>
+      <p:sp>
+        <p:nvSpPr>
+          <p:cNvPr id="12" name="Rectangle 11">
+            <a:extLst>
+              <a:ext uri="{FF2B5EF4-FFF2-40B4-BE49-F238E27FC236}">
+                <a16:creationId xmlns:a16="http://schemas.microsoft.com/office/drawing/2014/main" id="{7A45F5BC-32D1-41CD-B270-C46F18CA1ACC}"/>
+              </a:ext>
+              <a:ext uri="{C183D7F6-B498-43B3-948B-1728B52AA6E4}">
+                <adec:decorative xmlns:adec="http://schemas.microsoft.com/office/drawing/2017/decorative" val="1"/>
+              </a:ext>
+            </a:extLst>
+          </p:cNvPr>
+          <p:cNvSpPr>
+            <a:spLocks noGrp="1" noRot="1" noChangeAspect="1" noMove="1" noResize="1" noEditPoints="1" noAdjustHandles="1" noChangeArrowheads="1" noChangeShapeType="1" noTextEdit="1"/>
+          </p:cNvSpPr>
+          <p:nvPr>
+            <p:extLst>
+              <p:ext uri="{386F3935-93C4-4BCD-93E2-E3B085C9AB24}">
+                <p16:designElem xmlns:p16="http://schemas.microsoft.com/office/powerpoint/2015/main" val="1"/>
+              </p:ext>
+            </p:extLst>
+          </p:nvPr>
+        </p:nvSpPr>
+        <p:spPr>
+          <a:xfrm>
+            <a:off x="4241830" y="457200"/>
+            <a:ext cx="3703320" cy="91440"/>
+          </a:xfrm>
+          <a:prstGeom prst="rect">
+            <a:avLst/>
+          </a:prstGeom>
+          <a:solidFill>
+            <a:schemeClr val="accent2"/>
+          </a:solidFill>
+          <a:ln>
+            <a:noFill/>
+          </a:ln>
+          <a:effectLst/>
+        </p:spPr>
+        <p:style>
+          <a:lnRef idx="1">
+            <a:schemeClr val="accent1"/>
+          </a:lnRef>
+          <a:fillRef idx="3">
+            <a:schemeClr val="accent1"/>
+          </a:fillRef>
+          <a:effectRef idx="2">
+            <a:schemeClr val="accent1"/>
+          </a:effectRef>
+          <a:fontRef idx="minor">
+            <a:schemeClr val="lt1"/>
+          </a:fontRef>
+        </p:style>
+      </p:sp>
+      <p:sp>
+        <p:nvSpPr>
+          <p:cNvPr id="14" name="Rectangle 13">
+            <a:extLst>
+              <a:ext uri="{FF2B5EF4-FFF2-40B4-BE49-F238E27FC236}">
+                <a16:creationId xmlns:a16="http://schemas.microsoft.com/office/drawing/2014/main" id="{CE57EE13-72B0-4FFA-ACE1-EBDE89340E47}"/>
+              </a:ext>
+              <a:ext uri="{C183D7F6-B498-43B3-948B-1728B52AA6E4}">
+                <adec:decorative xmlns:adec="http://schemas.microsoft.com/office/drawing/2017/decorative" val="1"/>
+              </a:ext>
+            </a:extLst>
+          </p:cNvPr>
+          <p:cNvSpPr>
+            <a:spLocks noGrp="1" noRot="1" noChangeAspect="1" noMove="1" noResize="1" noEditPoints="1" noAdjustHandles="1" noChangeArrowheads="1" noChangeShapeType="1" noTextEdit="1"/>
+          </p:cNvSpPr>
+          <p:nvPr>
+            <p:extLst>
+              <p:ext uri="{386F3935-93C4-4BCD-93E2-E3B085C9AB24}">
+                <p16:designElem xmlns:p16="http://schemas.microsoft.com/office/powerpoint/2015/main" val="1"/>
+              </p:ext>
+            </p:extLst>
+          </p:nvPr>
+        </p:nvSpPr>
+        <p:spPr>
+          <a:xfrm>
+            <a:off x="446534" y="3085765"/>
+            <a:ext cx="11262866" cy="3304800"/>
+          </a:xfrm>
+          <a:prstGeom prst="rect">
+            <a:avLst/>
+          </a:prstGeom>
+          <a:solidFill>
+            <a:schemeClr val="accent1"/>
+          </a:solidFill>
+          <a:ln>
+            <a:noFill/>
+          </a:ln>
+          <a:effectLst/>
+        </p:spPr>
+        <p:style>
+          <a:lnRef idx="1">
+            <a:schemeClr val="accent1"/>
+          </a:lnRef>
+          <a:fillRef idx="3">
+            <a:schemeClr val="accent1"/>
+          </a:fillRef>
+          <a:effectRef idx="2">
+            <a:schemeClr val="accent1"/>
+          </a:effectRef>
+          <a:fontRef idx="minor">
+            <a:schemeClr val="lt1"/>
+          </a:fontRef>
+        </p:style>
+      </p:sp>
+      <p:sp>
+        <p:nvSpPr>
+          <p:cNvPr id="16" name="Rectangle 15">
+            <a:extLst>
+              <a:ext uri="{FF2B5EF4-FFF2-40B4-BE49-F238E27FC236}">
+                <a16:creationId xmlns:a16="http://schemas.microsoft.com/office/drawing/2014/main" id="{328C565D-A991-4381-AC37-76A58A4A128F}"/>
+              </a:ext>
+              <a:ext uri="{C183D7F6-B498-43B3-948B-1728B52AA6E4}">
+                <adec:decorative xmlns:adec="http://schemas.microsoft.com/office/drawing/2017/decorative" val="1"/>
+              </a:ext>
+            </a:extLst>
+          </p:cNvPr>
+          <p:cNvSpPr>
+            <a:spLocks noGrp="1" noRot="1" noChangeAspect="1" noMove="1" noResize="1" noEditPoints="1" noAdjustHandles="1" noChangeArrowheads="1" noChangeShapeType="1" noTextEdit="1"/>
+          </p:cNvSpPr>
+          <p:nvPr>
+            <p:extLst>
+              <p:ext uri="{386F3935-93C4-4BCD-93E2-E3B085C9AB24}">
+                <p16:designElem xmlns:p16="http://schemas.microsoft.com/office/powerpoint/2015/main" val="1"/>
+              </p:ext>
+            </p:extLst>
+          </p:nvPr>
+        </p:nvSpPr>
+        <p:spPr>
+          <a:xfrm>
+            <a:off x="0" y="0"/>
+            <a:ext cx="12192000" cy="6858000"/>
+          </a:xfrm>
+          <a:prstGeom prst="rect">
+            <a:avLst/>
+          </a:prstGeom>
+          <a:solidFill>
+            <a:srgbClr val="FFFFFF"/>
+          </a:solidFill>
+          <a:ln>
+            <a:noFill/>
+          </a:ln>
+        </p:spPr>
+        <p:style>
+          <a:lnRef idx="2">
+            <a:schemeClr val="accent1">
+              <a:shade val="50000"/>
+            </a:schemeClr>
+          </a:lnRef>
+          <a:fillRef idx="1">
+            <a:schemeClr val="accent1"/>
+          </a:fillRef>
+          <a:effectRef idx="0">
+            <a:schemeClr val="accent1"/>
+          </a:effectRef>
+          <a:fontRef idx="minor">
+            <a:schemeClr val="lt1"/>
+          </a:fontRef>
+        </p:style>
+        <p:txBody>
+          <a:bodyPr rtlCol="0" anchor="ctr"/>
+          <a:lstStyle/>
+          <a:p>
+            <a:pPr algn="ctr"/>
+            <a:endParaRPr lang="en-US"/>
+          </a:p>
+        </p:txBody>
+      </p:sp>
+      <p:sp>
+        <p:nvSpPr>
+          <p:cNvPr id="2" name="Nadpis 1">
+            <a:extLst>
+              <a:ext uri="{FF2B5EF4-FFF2-40B4-BE49-F238E27FC236}">
+                <a16:creationId xmlns:a16="http://schemas.microsoft.com/office/drawing/2014/main" id="{5DBDBB5B-29DD-46E5-9581-EAEC1C4B4CB5}"/>
+              </a:ext>
+            </a:extLst>
+          </p:cNvPr>
+          <p:cNvSpPr>
+            <a:spLocks noGrp="1"/>
+          </p:cNvSpPr>
+          <p:nvPr>
+            <p:ph type="title"/>
+          </p:nvPr>
+        </p:nvSpPr>
+        <p:spPr>
+          <a:xfrm>
+            <a:off x="4449960" y="1507414"/>
+            <a:ext cx="7295507" cy="3703320"/>
+          </a:xfrm>
+        </p:spPr>
+        <p:txBody>
+          <a:bodyPr vert="horz" lIns="91440" tIns="45720" rIns="91440" bIns="45720" rtlCol="0" anchor="ctr">
+            <a:normAutofit/>
+          </a:bodyPr>
+          <a:lstStyle/>
+          <a:p>
+            <a:r>
+              <a:rPr lang="sk-SK" sz="4800" dirty="0">
+                <a:solidFill>
+                  <a:schemeClr val="accent1"/>
+                </a:solidFill>
+              </a:rPr>
+              <a:t>Ďakujem za pozornosť</a:t>
+            </a:r>
+            <a:endParaRPr lang="en-US" sz="4800" dirty="0">
+              <a:solidFill>
+                <a:schemeClr val="accent1"/>
+              </a:solidFill>
+            </a:endParaRPr>
+          </a:p>
+        </p:txBody>
+      </p:sp>
+      <p:sp>
+        <p:nvSpPr>
+          <p:cNvPr id="18" name="Rectangle 17">
+            <a:extLst>
+              <a:ext uri="{FF2B5EF4-FFF2-40B4-BE49-F238E27FC236}">
+                <a16:creationId xmlns:a16="http://schemas.microsoft.com/office/drawing/2014/main" id="{B7180431-F4DE-415D-BCBB-9316423C37C1}"/>
+              </a:ext>
+              <a:ext uri="{C183D7F6-B498-43B3-948B-1728B52AA6E4}">
+                <adec:decorative xmlns:adec="http://schemas.microsoft.com/office/drawing/2017/decorative" val="1"/>
+              </a:ext>
+            </a:extLst>
+          </p:cNvPr>
+          <p:cNvSpPr>
+            <a:spLocks noGrp="1" noRot="1" noChangeAspect="1" noMove="1" noResize="1" noEditPoints="1" noAdjustHandles="1" noChangeArrowheads="1" noChangeShapeType="1" noTextEdit="1"/>
+          </p:cNvSpPr>
+          <p:nvPr>
+            <p:extLst>
+              <p:ext uri="{386F3935-93C4-4BCD-93E2-E3B085C9AB24}">
+                <p16:designElem xmlns:p16="http://schemas.microsoft.com/office/powerpoint/2015/main" val="1"/>
+              </p:ext>
+            </p:extLst>
+          </p:nvPr>
+        </p:nvSpPr>
+        <p:spPr>
+          <a:xfrm>
+            <a:off x="446534" y="453642"/>
+            <a:ext cx="11298933" cy="512708"/>
+          </a:xfrm>
+          <a:prstGeom prst="rect">
+            <a:avLst/>
+          </a:prstGeom>
+          <a:solidFill>
+            <a:schemeClr val="accent4"/>
+          </a:solidFill>
+          <a:ln>
+            <a:noFill/>
+          </a:ln>
+          <a:effectLst/>
+        </p:spPr>
+        <p:style>
+          <a:lnRef idx="1">
+            <a:schemeClr val="accent1"/>
+          </a:lnRef>
+          <a:fillRef idx="3">
+            <a:schemeClr val="accent1"/>
+          </a:fillRef>
+          <a:effectRef idx="2">
+            <a:schemeClr val="accent1"/>
+          </a:effectRef>
+          <a:fontRef idx="minor">
+            <a:schemeClr val="lt1"/>
+          </a:fontRef>
+        </p:style>
+      </p:sp>
+      <p:sp>
+        <p:nvSpPr>
+          <p:cNvPr id="20" name="Rectangle 19">
+            <a:extLst>
+              <a:ext uri="{FF2B5EF4-FFF2-40B4-BE49-F238E27FC236}">
+                <a16:creationId xmlns:a16="http://schemas.microsoft.com/office/drawing/2014/main" id="{EEABD997-5EF9-4E9B-AFBB-F6DFAAF3ADF0}"/>
+              </a:ext>
+              <a:ext uri="{C183D7F6-B498-43B3-948B-1728B52AA6E4}">
+                <adec:decorative xmlns:adec="http://schemas.microsoft.com/office/drawing/2017/decorative" val="1"/>
+              </a:ext>
+            </a:extLst>
+          </p:cNvPr>
+          <p:cNvSpPr>
+            <a:spLocks noGrp="1" noRot="1" noChangeAspect="1" noMove="1" noResize="1" noEditPoints="1" noAdjustHandles="1" noChangeArrowheads="1" noChangeShapeType="1" noTextEdit="1"/>
+          </p:cNvSpPr>
+          <p:nvPr>
+            <p:extLst>
+              <p:ext uri="{386F3935-93C4-4BCD-93E2-E3B085C9AB24}">
+                <p16:designElem xmlns:p16="http://schemas.microsoft.com/office/powerpoint/2015/main" val="1"/>
+              </p:ext>
+            </p:extLst>
+          </p:nvPr>
+        </p:nvSpPr>
+        <p:spPr>
+          <a:xfrm rot="16200000" flipV="1">
+            <a:off x="2209064" y="3329711"/>
+            <a:ext cx="3703320" cy="58726"/>
+          </a:xfrm>
+          <a:prstGeom prst="rect">
+            <a:avLst/>
+          </a:prstGeom>
+          <a:solidFill>
+            <a:schemeClr val="accent2"/>
+          </a:solidFill>
+          <a:ln>
+            <a:noFill/>
+          </a:ln>
+          <a:effectLst/>
+        </p:spPr>
+        <p:style>
+          <a:lnRef idx="1">
+            <a:schemeClr val="accent1"/>
+          </a:lnRef>
+          <a:fillRef idx="3">
+            <a:schemeClr val="accent1"/>
+          </a:fillRef>
+          <a:effectRef idx="2">
+            <a:schemeClr val="accent1"/>
+          </a:effectRef>
+          <a:fontRef idx="minor">
+            <a:schemeClr val="lt1"/>
+          </a:fontRef>
+        </p:style>
+      </p:sp>
+      <p:sp>
+        <p:nvSpPr>
+          <p:cNvPr id="22" name="Rectangle 21">
+            <a:extLst>
+              <a:ext uri="{FF2B5EF4-FFF2-40B4-BE49-F238E27FC236}">
+                <a16:creationId xmlns:a16="http://schemas.microsoft.com/office/drawing/2014/main" id="{E9AB5EE6-A047-4B18-B998-D46DF3CC36FE}"/>
+              </a:ext>
+              <a:ext uri="{C183D7F6-B498-43B3-948B-1728B52AA6E4}">
+                <adec:decorative xmlns:adec="http://schemas.microsoft.com/office/drawing/2017/decorative" val="1"/>
+              </a:ext>
+            </a:extLst>
+          </p:cNvPr>
+          <p:cNvSpPr>
+            <a:spLocks noGrp="1" noRot="1" noChangeAspect="1" noMove="1" noResize="1" noEditPoints="1" noAdjustHandles="1" noChangeArrowheads="1" noChangeShapeType="1" noTextEdit="1"/>
+          </p:cNvSpPr>
+          <p:nvPr>
+            <p:extLst>
+              <p:ext uri="{386F3935-93C4-4BCD-93E2-E3B085C9AB24}">
+                <p16:designElem xmlns:p16="http://schemas.microsoft.com/office/powerpoint/2015/main" val="1"/>
+              </p:ext>
+            </p:extLst>
+          </p:nvPr>
+        </p:nvSpPr>
+        <p:spPr>
+          <a:xfrm>
+            <a:off x="446534" y="5878019"/>
+            <a:ext cx="11298933" cy="512708"/>
+          </a:xfrm>
+          <a:prstGeom prst="rect">
+            <a:avLst/>
+          </a:prstGeom>
+          <a:solidFill>
+            <a:schemeClr val="accent4"/>
+          </a:solidFill>
+          <a:ln>
+            <a:noFill/>
+          </a:ln>
+          <a:effectLst/>
+        </p:spPr>
+        <p:style>
+          <a:lnRef idx="1">
+            <a:schemeClr val="accent1"/>
+          </a:lnRef>
+          <a:fillRef idx="3">
+            <a:schemeClr val="accent1"/>
+          </a:fillRef>
+          <a:effectRef idx="2">
+            <a:schemeClr val="accent1"/>
+          </a:effectRef>
+          <a:fontRef idx="minor">
+            <a:schemeClr val="lt1"/>
+          </a:fontRef>
+        </p:style>
+      </p:sp>
+    </p:spTree>
+    <p:extLst>
+      <p:ext uri="{BB962C8B-B14F-4D97-AF65-F5344CB8AC3E}">
+        <p14:creationId xmlns:p14="http://schemas.microsoft.com/office/powerpoint/2010/main" val="1667667014"/>
       </p:ext>
     </p:extLst>
   </p:cSld>
@@ -29542,7 +35695,10 @@
               <a:rPr lang="sk-SK" sz="2400" dirty="0" err="1"/>
               <a:t>ak_je_nesplnená</a:t>
             </a:r>
-            <a:endParaRPr lang="sk-SK" sz="2400" dirty="0"/>
+            <a:r>
+              <a:rPr lang="sk-SK" sz="2400" dirty="0"/>
+              <a:t>;</a:t>
+            </a:r>
           </a:p>
         </p:txBody>
       </p:sp>
